--- a/Docs/ProjectPresentation.pptx
+++ b/Docs/ProjectPresentation.pptx
@@ -2,18 +2,23 @@
 <file path=ppt/presentation.xml><?xml version="1.0" encoding="utf-8"?>
 <p:presentation xmlns:a="http://schemas.openxmlformats.org/drawingml/2006/main" xmlns:r="http://schemas.openxmlformats.org/officeDocument/2006/relationships" xmlns:p="http://schemas.openxmlformats.org/presentationml/2006/main" saveSubsetFonts="1">
   <p:sldMasterIdLst>
-    <p:sldMasterId id="2147483648" r:id="rId1"/>
+    <p:sldMasterId id="2147483694" r:id="rId1"/>
   </p:sldMasterIdLst>
   <p:sldIdLst>
     <p:sldId id="256" r:id="rId2"/>
+    <p:sldId id="258" r:id="rId3"/>
+    <p:sldId id="260" r:id="rId4"/>
+    <p:sldId id="259" r:id="rId5"/>
+    <p:sldId id="261" r:id="rId6"/>
+    <p:sldId id="263" r:id="rId7"/>
   </p:sldIdLst>
   <p:sldSz cx="12192000" cy="6858000"/>
   <p:notesSz cx="6858000" cy="9144000"/>
   <p:defaultTextStyle>
     <a:defPPr>
-      <a:defRPr lang="he-IL"/>
+      <a:defRPr lang="en-US"/>
     </a:defPPr>
-    <a:lvl1pPr marL="0" algn="l" defTabSz="914400" rtl="0" eaLnBrk="1" latinLnBrk="0" hangingPunct="1">
+    <a:lvl1pPr marL="0" algn="l" defTabSz="457200" rtl="0" eaLnBrk="1" latinLnBrk="0" hangingPunct="1">
       <a:defRPr sz="1800" kern="1200">
         <a:solidFill>
           <a:schemeClr val="tx1"/>
@@ -23,7 +28,7 @@
         <a:cs typeface="+mn-cs"/>
       </a:defRPr>
     </a:lvl1pPr>
-    <a:lvl2pPr marL="457200" algn="l" defTabSz="914400" rtl="0" eaLnBrk="1" latinLnBrk="0" hangingPunct="1">
+    <a:lvl2pPr marL="457200" algn="l" defTabSz="457200" rtl="0" eaLnBrk="1" latinLnBrk="0" hangingPunct="1">
       <a:defRPr sz="1800" kern="1200">
         <a:solidFill>
           <a:schemeClr val="tx1"/>
@@ -33,7 +38,7 @@
         <a:cs typeface="+mn-cs"/>
       </a:defRPr>
     </a:lvl2pPr>
-    <a:lvl3pPr marL="914400" algn="l" defTabSz="914400" rtl="0" eaLnBrk="1" latinLnBrk="0" hangingPunct="1">
+    <a:lvl3pPr marL="914400" algn="l" defTabSz="457200" rtl="0" eaLnBrk="1" latinLnBrk="0" hangingPunct="1">
       <a:defRPr sz="1800" kern="1200">
         <a:solidFill>
           <a:schemeClr val="tx1"/>
@@ -43,7 +48,7 @@
         <a:cs typeface="+mn-cs"/>
       </a:defRPr>
     </a:lvl3pPr>
-    <a:lvl4pPr marL="1371600" algn="l" defTabSz="914400" rtl="0" eaLnBrk="1" latinLnBrk="0" hangingPunct="1">
+    <a:lvl4pPr marL="1371600" algn="l" defTabSz="457200" rtl="0" eaLnBrk="1" latinLnBrk="0" hangingPunct="1">
       <a:defRPr sz="1800" kern="1200">
         <a:solidFill>
           <a:schemeClr val="tx1"/>
@@ -53,7 +58,7 @@
         <a:cs typeface="+mn-cs"/>
       </a:defRPr>
     </a:lvl4pPr>
-    <a:lvl5pPr marL="1828800" algn="l" defTabSz="914400" rtl="0" eaLnBrk="1" latinLnBrk="0" hangingPunct="1">
+    <a:lvl5pPr marL="1828800" algn="l" defTabSz="457200" rtl="0" eaLnBrk="1" latinLnBrk="0" hangingPunct="1">
       <a:defRPr sz="1800" kern="1200">
         <a:solidFill>
           <a:schemeClr val="tx1"/>
@@ -63,7 +68,7 @@
         <a:cs typeface="+mn-cs"/>
       </a:defRPr>
     </a:lvl5pPr>
-    <a:lvl6pPr marL="2286000" algn="l" defTabSz="914400" rtl="0" eaLnBrk="1" latinLnBrk="0" hangingPunct="1">
+    <a:lvl6pPr marL="2286000" algn="l" defTabSz="457200" rtl="0" eaLnBrk="1" latinLnBrk="0" hangingPunct="1">
       <a:defRPr sz="1800" kern="1200">
         <a:solidFill>
           <a:schemeClr val="tx1"/>
@@ -73,7 +78,7 @@
         <a:cs typeface="+mn-cs"/>
       </a:defRPr>
     </a:lvl6pPr>
-    <a:lvl7pPr marL="2743200" algn="l" defTabSz="914400" rtl="0" eaLnBrk="1" latinLnBrk="0" hangingPunct="1">
+    <a:lvl7pPr marL="2743200" algn="l" defTabSz="457200" rtl="0" eaLnBrk="1" latinLnBrk="0" hangingPunct="1">
       <a:defRPr sz="1800" kern="1200">
         <a:solidFill>
           <a:schemeClr val="tx1"/>
@@ -83,7 +88,7 @@
         <a:cs typeface="+mn-cs"/>
       </a:defRPr>
     </a:lvl7pPr>
-    <a:lvl8pPr marL="3200400" algn="l" defTabSz="914400" rtl="0" eaLnBrk="1" latinLnBrk="0" hangingPunct="1">
+    <a:lvl8pPr marL="3200400" algn="l" defTabSz="457200" rtl="0" eaLnBrk="1" latinLnBrk="0" hangingPunct="1">
       <a:defRPr sz="1800" kern="1200">
         <a:solidFill>
           <a:schemeClr val="tx1"/>
@@ -93,7 +98,7 @@
         <a:cs typeface="+mn-cs"/>
       </a:defRPr>
     </a:lvl8pPr>
-    <a:lvl9pPr marL="3657600" algn="l" defTabSz="914400" rtl="0" eaLnBrk="1" latinLnBrk="0" hangingPunct="1">
+    <a:lvl9pPr marL="3657600" algn="l" defTabSz="457200" rtl="0" eaLnBrk="1" latinLnBrk="0" hangingPunct="1">
       <a:defRPr sz="1800" kern="1200">
         <a:solidFill>
           <a:schemeClr val="tx1"/>
@@ -104,11 +109,38 @@
       </a:defRPr>
     </a:lvl9pPr>
   </p:defaultTextStyle>
+  <p:extLst>
+    <p:ext uri="{521415D9-36F7-43E2-AB2F-B90AF26B5E84}">
+      <p14:sectionLst xmlns:p14="http://schemas.microsoft.com/office/powerpoint/2010/main">
+        <p14:section name="פתיח" id="{3DEC23AA-A9B0-7B44-873C-AEC13A105EB3}">
+          <p14:sldIdLst>
+            <p14:sldId id="256"/>
+          </p14:sldIdLst>
+        </p14:section>
+        <p14:section name="הקדמה" id="{9CFA7359-53AB-1647-8659-651724C62C13}">
+          <p14:sldIdLst>
+            <p14:sldId id="258"/>
+            <p14:sldId id="260"/>
+          </p14:sldIdLst>
+        </p14:section>
+        <p14:section name="רקע תיאורטי" id="{6B874FEC-C7D1-164A-B95A-581FD720A806}">
+          <p14:sldIdLst>
+            <p14:sldId id="259"/>
+            <p14:sldId id="261"/>
+            <p14:sldId id="263"/>
+          </p14:sldIdLst>
+        </p14:section>
+      </p14:sectionLst>
+    </p:ext>
+    <p:ext uri="{EFAFB233-063F-42B5-8137-9DF3F51BA10A}">
+      <p15:sldGuideLst xmlns:p15="http://schemas.microsoft.com/office/powerpoint/2012/main"/>
+    </p:ext>
+  </p:extLst>
 </p:presentation>
 </file>
 
 <file path=ppt/slideLayouts/slideLayout1.xml><?xml version="1.0" encoding="utf-8"?>
-<p:sldLayout xmlns:a="http://schemas.openxmlformats.org/drawingml/2006/main" xmlns:r="http://schemas.openxmlformats.org/officeDocument/2006/relationships" xmlns:p="http://schemas.openxmlformats.org/presentationml/2006/main" type="title" preserve="1">
+<p:sldLayout xmlns:a="http://schemas.openxmlformats.org/drawingml/2006/main" xmlns:r="http://schemas.openxmlformats.org/officeDocument/2006/relationships" xmlns:p="http://schemas.openxmlformats.org/presentationml/2006/main" showMasterSp="0" type="title" preserve="1">
   <p:cSld name="Title Slide">
     <p:spTree>
       <p:nvGrpSpPr>
@@ -124,15 +156,539 @@
           <a:chExt cx="0" cy="0"/>
         </a:xfrm>
       </p:grpSpPr>
-      <p:sp>
-        <p:nvSpPr>
-          <p:cNvPr id="2" name="Title 1">
-            <a:extLst>
-              <a:ext uri="{FF2B5EF4-FFF2-40B4-BE49-F238E27FC236}">
-                <a16:creationId xmlns:a16="http://schemas.microsoft.com/office/drawing/2014/main" id="{26AC1A7D-1B5A-5CE6-36C5-F595C91CAFC3}"/>
-              </a:ext>
-            </a:extLst>
-          </p:cNvPr>
+      <p:grpSp>
+        <p:nvGrpSpPr>
+          <p:cNvPr id="7" name="Group 6"/>
+          <p:cNvGrpSpPr/>
+          <p:nvPr/>
+        </p:nvGrpSpPr>
+        <p:grpSpPr>
+          <a:xfrm>
+            <a:off x="0" y="-8467"/>
+            <a:ext cx="12192000" cy="6866467"/>
+            <a:chOff x="0" y="-8467"/>
+            <a:chExt cx="12192000" cy="6866467"/>
+          </a:xfrm>
+        </p:grpSpPr>
+        <p:cxnSp>
+          <p:nvCxnSpPr>
+            <p:cNvPr id="32" name="Straight Connector 31"/>
+            <p:cNvCxnSpPr/>
+            <p:nvPr/>
+          </p:nvCxnSpPr>
+          <p:spPr>
+            <a:xfrm>
+              <a:off x="9371012" y="0"/>
+              <a:ext cx="1219200" cy="6858000"/>
+            </a:xfrm>
+            <a:prstGeom prst="line">
+              <a:avLst/>
+            </a:prstGeom>
+            <a:ln w="9525">
+              <a:solidFill>
+                <a:schemeClr val="bg1">
+                  <a:lumMod val="75000"/>
+                </a:schemeClr>
+              </a:solidFill>
+            </a:ln>
+          </p:spPr>
+          <p:style>
+            <a:lnRef idx="2">
+              <a:schemeClr val="accent1"/>
+            </a:lnRef>
+            <a:fillRef idx="0">
+              <a:schemeClr val="accent1"/>
+            </a:fillRef>
+            <a:effectRef idx="1">
+              <a:schemeClr val="accent1"/>
+            </a:effectRef>
+            <a:fontRef idx="minor">
+              <a:schemeClr val="tx1"/>
+            </a:fontRef>
+          </p:style>
+        </p:cxnSp>
+        <p:cxnSp>
+          <p:nvCxnSpPr>
+            <p:cNvPr id="21" name="Straight Connector 20"/>
+            <p:cNvCxnSpPr/>
+            <p:nvPr/>
+          </p:nvCxnSpPr>
+          <p:spPr>
+            <a:xfrm flipH="1">
+              <a:off x="7425267" y="3681413"/>
+              <a:ext cx="4763558" cy="3176587"/>
+            </a:xfrm>
+            <a:prstGeom prst="line">
+              <a:avLst/>
+            </a:prstGeom>
+            <a:ln w="9525">
+              <a:solidFill>
+                <a:schemeClr val="bg1">
+                  <a:lumMod val="85000"/>
+                </a:schemeClr>
+              </a:solidFill>
+            </a:ln>
+          </p:spPr>
+          <p:style>
+            <a:lnRef idx="2">
+              <a:schemeClr val="accent1"/>
+            </a:lnRef>
+            <a:fillRef idx="0">
+              <a:schemeClr val="accent1"/>
+            </a:fillRef>
+            <a:effectRef idx="1">
+              <a:schemeClr val="accent1"/>
+            </a:effectRef>
+            <a:fontRef idx="minor">
+              <a:schemeClr val="tx1"/>
+            </a:fontRef>
+          </p:style>
+        </p:cxnSp>
+        <p:sp>
+          <p:nvSpPr>
+            <p:cNvPr id="24" name="Rectangle 23"/>
+            <p:cNvSpPr/>
+            <p:nvPr/>
+          </p:nvSpPr>
+          <p:spPr>
+            <a:xfrm>
+              <a:off x="9181476" y="-8467"/>
+              <a:ext cx="3007349" cy="6866467"/>
+            </a:xfrm>
+            <a:custGeom>
+              <a:avLst/>
+              <a:gdLst/>
+              <a:ahLst/>
+              <a:cxnLst/>
+              <a:rect l="l" t="t" r="r" b="b"/>
+              <a:pathLst>
+                <a:path w="3007349" h="6866467">
+                  <a:moveTo>
+                    <a:pt x="2045532" y="0"/>
+                  </a:moveTo>
+                  <a:lnTo>
+                    <a:pt x="3007349" y="0"/>
+                  </a:lnTo>
+                  <a:lnTo>
+                    <a:pt x="3007349" y="6866467"/>
+                  </a:lnTo>
+                  <a:lnTo>
+                    <a:pt x="0" y="6866467"/>
+                  </a:lnTo>
+                  <a:lnTo>
+                    <a:pt x="2045532" y="0"/>
+                  </a:lnTo>
+                  <a:close/>
+                </a:path>
+              </a:pathLst>
+            </a:custGeom>
+            <a:solidFill>
+              <a:schemeClr val="accent1">
+                <a:alpha val="30000"/>
+              </a:schemeClr>
+            </a:solidFill>
+            <a:ln>
+              <a:noFill/>
+            </a:ln>
+            <a:effectLst/>
+          </p:spPr>
+          <p:style>
+            <a:lnRef idx="1">
+              <a:schemeClr val="accent1"/>
+            </a:lnRef>
+            <a:fillRef idx="3">
+              <a:schemeClr val="accent1"/>
+            </a:fillRef>
+            <a:effectRef idx="2">
+              <a:schemeClr val="accent1"/>
+            </a:effectRef>
+            <a:fontRef idx="minor">
+              <a:schemeClr val="lt1"/>
+            </a:fontRef>
+          </p:style>
+        </p:sp>
+        <p:sp>
+          <p:nvSpPr>
+            <p:cNvPr id="26" name="Rectangle 25"/>
+            <p:cNvSpPr/>
+            <p:nvPr/>
+          </p:nvSpPr>
+          <p:spPr>
+            <a:xfrm>
+              <a:off x="9603442" y="-8467"/>
+              <a:ext cx="2588558" cy="6866467"/>
+            </a:xfrm>
+            <a:custGeom>
+              <a:avLst/>
+              <a:gdLst/>
+              <a:ahLst/>
+              <a:cxnLst/>
+              <a:rect l="l" t="t" r="r" b="b"/>
+              <a:pathLst>
+                <a:path w="2573311" h="6866467">
+                  <a:moveTo>
+                    <a:pt x="0" y="0"/>
+                  </a:moveTo>
+                  <a:lnTo>
+                    <a:pt x="2573311" y="0"/>
+                  </a:lnTo>
+                  <a:lnTo>
+                    <a:pt x="2573311" y="6866467"/>
+                  </a:lnTo>
+                  <a:lnTo>
+                    <a:pt x="1202336" y="6866467"/>
+                  </a:lnTo>
+                  <a:lnTo>
+                    <a:pt x="0" y="0"/>
+                  </a:lnTo>
+                  <a:close/>
+                </a:path>
+              </a:pathLst>
+            </a:custGeom>
+            <a:solidFill>
+              <a:schemeClr val="accent1">
+                <a:alpha val="20000"/>
+              </a:schemeClr>
+            </a:solidFill>
+            <a:ln>
+              <a:noFill/>
+            </a:ln>
+            <a:effectLst/>
+          </p:spPr>
+          <p:style>
+            <a:lnRef idx="1">
+              <a:schemeClr val="accent1"/>
+            </a:lnRef>
+            <a:fillRef idx="3">
+              <a:schemeClr val="accent1"/>
+            </a:fillRef>
+            <a:effectRef idx="2">
+              <a:schemeClr val="accent1"/>
+            </a:effectRef>
+            <a:fontRef idx="minor">
+              <a:schemeClr val="lt1"/>
+            </a:fontRef>
+          </p:style>
+        </p:sp>
+        <p:sp>
+          <p:nvSpPr>
+            <p:cNvPr id="27" name="Isosceles Triangle 26"/>
+            <p:cNvSpPr/>
+            <p:nvPr/>
+          </p:nvSpPr>
+          <p:spPr>
+            <a:xfrm>
+              <a:off x="8932333" y="3048000"/>
+              <a:ext cx="3259667" cy="3810000"/>
+            </a:xfrm>
+            <a:prstGeom prst="triangle">
+              <a:avLst>
+                <a:gd name="adj" fmla="val 100000"/>
+              </a:avLst>
+            </a:prstGeom>
+            <a:solidFill>
+              <a:schemeClr val="accent2">
+                <a:alpha val="72000"/>
+              </a:schemeClr>
+            </a:solidFill>
+            <a:ln>
+              <a:noFill/>
+            </a:ln>
+            <a:effectLst/>
+          </p:spPr>
+          <p:style>
+            <a:lnRef idx="1">
+              <a:schemeClr val="accent1"/>
+            </a:lnRef>
+            <a:fillRef idx="3">
+              <a:schemeClr val="accent1"/>
+            </a:fillRef>
+            <a:effectRef idx="2">
+              <a:schemeClr val="accent1"/>
+            </a:effectRef>
+            <a:fontRef idx="minor">
+              <a:schemeClr val="lt1"/>
+            </a:fontRef>
+          </p:style>
+        </p:sp>
+        <p:sp>
+          <p:nvSpPr>
+            <p:cNvPr id="28" name="Rectangle 27"/>
+            <p:cNvSpPr/>
+            <p:nvPr/>
+          </p:nvSpPr>
+          <p:spPr>
+            <a:xfrm>
+              <a:off x="9334500" y="-8467"/>
+              <a:ext cx="2854326" cy="6866467"/>
+            </a:xfrm>
+            <a:custGeom>
+              <a:avLst/>
+              <a:gdLst/>
+              <a:ahLst/>
+              <a:cxnLst/>
+              <a:rect l="l" t="t" r="r" b="b"/>
+              <a:pathLst>
+                <a:path w="2858013" h="6866467">
+                  <a:moveTo>
+                    <a:pt x="0" y="0"/>
+                  </a:moveTo>
+                  <a:lnTo>
+                    <a:pt x="2858013" y="0"/>
+                  </a:lnTo>
+                  <a:lnTo>
+                    <a:pt x="2858013" y="6866467"/>
+                  </a:lnTo>
+                  <a:lnTo>
+                    <a:pt x="2473942" y="6866467"/>
+                  </a:lnTo>
+                  <a:lnTo>
+                    <a:pt x="0" y="0"/>
+                  </a:lnTo>
+                  <a:close/>
+                </a:path>
+              </a:pathLst>
+            </a:custGeom>
+            <a:solidFill>
+              <a:schemeClr val="accent2">
+                <a:lumMod val="75000"/>
+                <a:alpha val="70000"/>
+              </a:schemeClr>
+            </a:solidFill>
+            <a:ln>
+              <a:noFill/>
+            </a:ln>
+            <a:effectLst/>
+          </p:spPr>
+          <p:style>
+            <a:lnRef idx="1">
+              <a:schemeClr val="accent1"/>
+            </a:lnRef>
+            <a:fillRef idx="3">
+              <a:schemeClr val="accent1"/>
+            </a:fillRef>
+            <a:effectRef idx="2">
+              <a:schemeClr val="accent1"/>
+            </a:effectRef>
+            <a:fontRef idx="minor">
+              <a:schemeClr val="lt1"/>
+            </a:fontRef>
+          </p:style>
+        </p:sp>
+        <p:sp>
+          <p:nvSpPr>
+            <p:cNvPr id="29" name="Rectangle 28"/>
+            <p:cNvSpPr/>
+            <p:nvPr/>
+          </p:nvSpPr>
+          <p:spPr>
+            <a:xfrm>
+              <a:off x="10898730" y="-8467"/>
+              <a:ext cx="1290094" cy="6866467"/>
+            </a:xfrm>
+            <a:custGeom>
+              <a:avLst/>
+              <a:gdLst/>
+              <a:ahLst/>
+              <a:cxnLst/>
+              <a:rect l="l" t="t" r="r" b="b"/>
+              <a:pathLst>
+                <a:path w="1290094" h="6858000">
+                  <a:moveTo>
+                    <a:pt x="1019735" y="0"/>
+                  </a:moveTo>
+                  <a:lnTo>
+                    <a:pt x="1290094" y="0"/>
+                  </a:lnTo>
+                  <a:lnTo>
+                    <a:pt x="1290094" y="6858000"/>
+                  </a:lnTo>
+                  <a:lnTo>
+                    <a:pt x="0" y="6858000"/>
+                  </a:lnTo>
+                  <a:lnTo>
+                    <a:pt x="1019735" y="0"/>
+                  </a:lnTo>
+                  <a:close/>
+                </a:path>
+              </a:pathLst>
+            </a:custGeom>
+            <a:solidFill>
+              <a:schemeClr val="accent1">
+                <a:lumMod val="60000"/>
+                <a:lumOff val="40000"/>
+                <a:alpha val="70000"/>
+              </a:schemeClr>
+            </a:solidFill>
+            <a:ln>
+              <a:noFill/>
+            </a:ln>
+            <a:effectLst/>
+          </p:spPr>
+          <p:style>
+            <a:lnRef idx="1">
+              <a:schemeClr val="accent1"/>
+            </a:lnRef>
+            <a:fillRef idx="3">
+              <a:schemeClr val="accent1"/>
+            </a:fillRef>
+            <a:effectRef idx="2">
+              <a:schemeClr val="accent1"/>
+            </a:effectRef>
+            <a:fontRef idx="minor">
+              <a:schemeClr val="lt1"/>
+            </a:fontRef>
+          </p:style>
+        </p:sp>
+        <p:sp>
+          <p:nvSpPr>
+            <p:cNvPr id="30" name="Rectangle 29"/>
+            <p:cNvSpPr/>
+            <p:nvPr/>
+          </p:nvSpPr>
+          <p:spPr>
+            <a:xfrm>
+              <a:off x="10938999" y="-8467"/>
+              <a:ext cx="1249825" cy="6866467"/>
+            </a:xfrm>
+            <a:custGeom>
+              <a:avLst/>
+              <a:gdLst/>
+              <a:ahLst/>
+              <a:cxnLst/>
+              <a:rect l="l" t="t" r="r" b="b"/>
+              <a:pathLst>
+                <a:path w="1249825" h="6858000">
+                  <a:moveTo>
+                    <a:pt x="0" y="0"/>
+                  </a:moveTo>
+                  <a:lnTo>
+                    <a:pt x="1249825" y="0"/>
+                  </a:lnTo>
+                  <a:lnTo>
+                    <a:pt x="1249825" y="6858000"/>
+                  </a:lnTo>
+                  <a:lnTo>
+                    <a:pt x="1109382" y="6858000"/>
+                  </a:lnTo>
+                  <a:lnTo>
+                    <a:pt x="0" y="0"/>
+                  </a:lnTo>
+                  <a:close/>
+                </a:path>
+              </a:pathLst>
+            </a:custGeom>
+            <a:solidFill>
+              <a:schemeClr val="accent1">
+                <a:alpha val="65000"/>
+              </a:schemeClr>
+            </a:solidFill>
+            <a:ln>
+              <a:noFill/>
+            </a:ln>
+            <a:effectLst/>
+          </p:spPr>
+          <p:style>
+            <a:lnRef idx="1">
+              <a:schemeClr val="accent1"/>
+            </a:lnRef>
+            <a:fillRef idx="3">
+              <a:schemeClr val="accent1"/>
+            </a:fillRef>
+            <a:effectRef idx="2">
+              <a:schemeClr val="accent1"/>
+            </a:effectRef>
+            <a:fontRef idx="minor">
+              <a:schemeClr val="lt1"/>
+            </a:fontRef>
+          </p:style>
+        </p:sp>
+        <p:sp>
+          <p:nvSpPr>
+            <p:cNvPr id="31" name="Isosceles Triangle 30"/>
+            <p:cNvSpPr/>
+            <p:nvPr/>
+          </p:nvSpPr>
+          <p:spPr>
+            <a:xfrm>
+              <a:off x="10371666" y="3589867"/>
+              <a:ext cx="1817159" cy="3268133"/>
+            </a:xfrm>
+            <a:prstGeom prst="triangle">
+              <a:avLst>
+                <a:gd name="adj" fmla="val 100000"/>
+              </a:avLst>
+            </a:prstGeom>
+            <a:solidFill>
+              <a:schemeClr val="accent1">
+                <a:alpha val="80000"/>
+              </a:schemeClr>
+            </a:solidFill>
+            <a:ln>
+              <a:noFill/>
+            </a:ln>
+            <a:effectLst/>
+          </p:spPr>
+          <p:style>
+            <a:lnRef idx="1">
+              <a:schemeClr val="accent1"/>
+            </a:lnRef>
+            <a:fillRef idx="3">
+              <a:schemeClr val="accent1"/>
+            </a:fillRef>
+            <a:effectRef idx="2">
+              <a:schemeClr val="accent1"/>
+            </a:effectRef>
+            <a:fontRef idx="minor">
+              <a:schemeClr val="lt1"/>
+            </a:fontRef>
+          </p:style>
+        </p:sp>
+        <p:sp>
+          <p:nvSpPr>
+            <p:cNvPr id="19" name="Isosceles Triangle 18"/>
+            <p:cNvSpPr/>
+            <p:nvPr/>
+          </p:nvSpPr>
+          <p:spPr>
+            <a:xfrm rot="10800000">
+              <a:off x="0" y="0"/>
+              <a:ext cx="842596" cy="5666154"/>
+            </a:xfrm>
+            <a:prstGeom prst="triangle">
+              <a:avLst>
+                <a:gd name="adj" fmla="val 100000"/>
+              </a:avLst>
+            </a:prstGeom>
+            <a:solidFill>
+              <a:schemeClr val="accent1">
+                <a:alpha val="85000"/>
+              </a:schemeClr>
+            </a:solidFill>
+            <a:ln>
+              <a:noFill/>
+            </a:ln>
+            <a:effectLst/>
+          </p:spPr>
+          <p:style>
+            <a:lnRef idx="1">
+              <a:schemeClr val="accent1"/>
+            </a:lnRef>
+            <a:fillRef idx="3">
+              <a:schemeClr val="accent1"/>
+            </a:fillRef>
+            <a:effectRef idx="2">
+              <a:schemeClr val="accent1"/>
+            </a:effectRef>
+            <a:fontRef idx="minor">
+              <a:schemeClr val="lt1"/>
+            </a:fontRef>
+          </p:style>
+        </p:sp>
+      </p:grpSp>
+      <p:sp>
+        <p:nvSpPr>
+          <p:cNvPr id="2" name="Title 1"/>
           <p:cNvSpPr>
             <a:spLocks noGrp="1"/>
           </p:cNvSpPr>
@@ -142,15 +698,21 @@
         </p:nvSpPr>
         <p:spPr>
           <a:xfrm>
-            <a:off x="1524000" y="1122363"/>
-            <a:ext cx="9144000" cy="2387600"/>
+            <a:off x="1507067" y="2404534"/>
+            <a:ext cx="7766936" cy="1646302"/>
           </a:xfrm>
         </p:spPr>
         <p:txBody>
-          <a:bodyPr anchor="b"/>
+          <a:bodyPr anchor="b">
+            <a:noAutofit/>
+          </a:bodyPr>
           <a:lstStyle>
-            <a:lvl1pPr algn="ctr">
-              <a:defRPr sz="6000"/>
+            <a:lvl1pPr algn="r">
+              <a:defRPr sz="5400">
+                <a:solidFill>
+                  <a:schemeClr val="accent1"/>
+                </a:solidFill>
+              </a:defRPr>
             </a:lvl1pPr>
           </a:lstStyle>
           <a:p>
@@ -158,19 +720,13 @@
               <a:rPr lang="en-US"/>
               <a:t>Click to edit Master title style</a:t>
             </a:r>
-            <a:endParaRPr lang="he-IL"/>
-          </a:p>
-        </p:txBody>
-      </p:sp>
-      <p:sp>
-        <p:nvSpPr>
-          <p:cNvPr id="3" name="Subtitle 2">
-            <a:extLst>
-              <a:ext uri="{FF2B5EF4-FFF2-40B4-BE49-F238E27FC236}">
-                <a16:creationId xmlns:a16="http://schemas.microsoft.com/office/drawing/2014/main" id="{9D3A6212-A240-78AB-230F-DE33B5861FFA}"/>
-              </a:ext>
-            </a:extLst>
-          </p:cNvPr>
+            <a:endParaRPr lang="en-US" dirty="0"/>
+          </a:p>
+        </p:txBody>
+      </p:sp>
+      <p:sp>
+        <p:nvSpPr>
+          <p:cNvPr id="3" name="Subtitle 2"/>
           <p:cNvSpPr>
             <a:spLocks noGrp="1"/>
           </p:cNvSpPr>
@@ -180,48 +736,103 @@
         </p:nvSpPr>
         <p:spPr>
           <a:xfrm>
-            <a:off x="1524000" y="3602038"/>
-            <a:ext cx="9144000" cy="1655762"/>
+            <a:off x="1507067" y="4050833"/>
+            <a:ext cx="7766936" cy="1096899"/>
           </a:xfrm>
         </p:spPr>
         <p:txBody>
-          <a:bodyPr/>
+          <a:bodyPr anchor="t"/>
           <a:lstStyle>
-            <a:lvl1pPr marL="0" indent="0" algn="ctr">
-              <a:buNone/>
-              <a:defRPr sz="2400"/>
+            <a:lvl1pPr marL="0" indent="0" algn="r">
+              <a:buNone/>
+              <a:defRPr>
+                <a:solidFill>
+                  <a:schemeClr val="tx1">
+                    <a:lumMod val="50000"/>
+                    <a:lumOff val="50000"/>
+                  </a:schemeClr>
+                </a:solidFill>
+              </a:defRPr>
             </a:lvl1pPr>
             <a:lvl2pPr marL="457200" indent="0" algn="ctr">
               <a:buNone/>
-              <a:defRPr sz="2000"/>
+              <a:defRPr>
+                <a:solidFill>
+                  <a:schemeClr val="tx1">
+                    <a:tint val="75000"/>
+                  </a:schemeClr>
+                </a:solidFill>
+              </a:defRPr>
             </a:lvl2pPr>
             <a:lvl3pPr marL="914400" indent="0" algn="ctr">
               <a:buNone/>
-              <a:defRPr sz="1800"/>
+              <a:defRPr>
+                <a:solidFill>
+                  <a:schemeClr val="tx1">
+                    <a:tint val="75000"/>
+                  </a:schemeClr>
+                </a:solidFill>
+              </a:defRPr>
             </a:lvl3pPr>
             <a:lvl4pPr marL="1371600" indent="0" algn="ctr">
               <a:buNone/>
-              <a:defRPr sz="1600"/>
+              <a:defRPr>
+                <a:solidFill>
+                  <a:schemeClr val="tx1">
+                    <a:tint val="75000"/>
+                  </a:schemeClr>
+                </a:solidFill>
+              </a:defRPr>
             </a:lvl4pPr>
             <a:lvl5pPr marL="1828800" indent="0" algn="ctr">
               <a:buNone/>
-              <a:defRPr sz="1600"/>
+              <a:defRPr>
+                <a:solidFill>
+                  <a:schemeClr val="tx1">
+                    <a:tint val="75000"/>
+                  </a:schemeClr>
+                </a:solidFill>
+              </a:defRPr>
             </a:lvl5pPr>
             <a:lvl6pPr marL="2286000" indent="0" algn="ctr">
               <a:buNone/>
-              <a:defRPr sz="1600"/>
+              <a:defRPr>
+                <a:solidFill>
+                  <a:schemeClr val="tx1">
+                    <a:tint val="75000"/>
+                  </a:schemeClr>
+                </a:solidFill>
+              </a:defRPr>
             </a:lvl6pPr>
             <a:lvl7pPr marL="2743200" indent="0" algn="ctr">
               <a:buNone/>
-              <a:defRPr sz="1600"/>
+              <a:defRPr>
+                <a:solidFill>
+                  <a:schemeClr val="tx1">
+                    <a:tint val="75000"/>
+                  </a:schemeClr>
+                </a:solidFill>
+              </a:defRPr>
             </a:lvl7pPr>
             <a:lvl8pPr marL="3200400" indent="0" algn="ctr">
               <a:buNone/>
-              <a:defRPr sz="1600"/>
+              <a:defRPr>
+                <a:solidFill>
+                  <a:schemeClr val="tx1">
+                    <a:tint val="75000"/>
+                  </a:schemeClr>
+                </a:solidFill>
+              </a:defRPr>
             </a:lvl8pPr>
             <a:lvl9pPr marL="3657600" indent="0" algn="ctr">
               <a:buNone/>
-              <a:defRPr sz="1600"/>
+              <a:defRPr>
+                <a:solidFill>
+                  <a:schemeClr val="tx1">
+                    <a:tint val="75000"/>
+                  </a:schemeClr>
+                </a:solidFill>
+              </a:defRPr>
             </a:lvl9pPr>
           </a:lstStyle>
           <a:p>
@@ -229,19 +840,13 @@
               <a:rPr lang="en-US"/>
               <a:t>Click to edit Master subtitle style</a:t>
             </a:r>
-            <a:endParaRPr lang="he-IL"/>
-          </a:p>
-        </p:txBody>
-      </p:sp>
-      <p:sp>
-        <p:nvSpPr>
-          <p:cNvPr id="4" name="Date Placeholder 3">
-            <a:extLst>
-              <a:ext uri="{FF2B5EF4-FFF2-40B4-BE49-F238E27FC236}">
-                <a16:creationId xmlns:a16="http://schemas.microsoft.com/office/drawing/2014/main" id="{74B1BE61-B4FE-5076-6485-80FC5BC85154}"/>
-              </a:ext>
-            </a:extLst>
-          </p:cNvPr>
+            <a:endParaRPr lang="en-US" dirty="0"/>
+          </a:p>
+        </p:txBody>
+      </p:sp>
+      <p:sp>
+        <p:nvSpPr>
+          <p:cNvPr id="4" name="Date Placeholder 3"/>
           <p:cNvSpPr>
             <a:spLocks noGrp="1"/>
           </p:cNvSpPr>
@@ -256,7 +861,7 @@
           <a:p>
             <a:fld id="{50951492-DE4F-4CD9-A31F-3E1DD746501E}" type="datetimeFigureOut">
               <a:rPr lang="he-IL" smtClean="0"/>
-              <a:t>כ"ו/תשרי/תשפ"ג</a:t>
+              <a:t>כ"ז.תשרי.תשפ"ג</a:t>
             </a:fld>
             <a:endParaRPr lang="he-IL"/>
           </a:p>
@@ -264,13 +869,7 @@
       </p:sp>
       <p:sp>
         <p:nvSpPr>
-          <p:cNvPr id="5" name="Footer Placeholder 4">
-            <a:extLst>
-              <a:ext uri="{FF2B5EF4-FFF2-40B4-BE49-F238E27FC236}">
-                <a16:creationId xmlns:a16="http://schemas.microsoft.com/office/drawing/2014/main" id="{B0C2C71D-7C6D-2E5F-CAE7-3454C570097F}"/>
-              </a:ext>
-            </a:extLst>
-          </p:cNvPr>
+          <p:cNvPr id="5" name="Footer Placeholder 4"/>
           <p:cNvSpPr>
             <a:spLocks noGrp="1"/>
           </p:cNvSpPr>
@@ -289,13 +888,7 @@
       </p:sp>
       <p:sp>
         <p:nvSpPr>
-          <p:cNvPr id="6" name="Slide Number Placeholder 5">
-            <a:extLst>
-              <a:ext uri="{FF2B5EF4-FFF2-40B4-BE49-F238E27FC236}">
-                <a16:creationId xmlns:a16="http://schemas.microsoft.com/office/drawing/2014/main" id="{8994B0CD-EBDE-522A-5F7B-FDAEF86AA074}"/>
-              </a:ext>
-            </a:extLst>
-          </p:cNvPr>
+          <p:cNvPr id="6" name="Slide Number Placeholder 5"/>
           <p:cNvSpPr>
             <a:spLocks noGrp="1"/>
           </p:cNvSpPr>
@@ -319,7 +912,7 @@
     </p:spTree>
     <p:extLst>
       <p:ext uri="{BB962C8B-B14F-4D97-AF65-F5344CB8AC3E}">
-        <p14:creationId xmlns:p14="http://schemas.microsoft.com/office/powerpoint/2010/main" val="1069918438"/>
+        <p14:creationId xmlns:p14="http://schemas.microsoft.com/office/powerpoint/2010/main" val="1894642031"/>
       </p:ext>
     </p:extLst>
   </p:cSld>
@@ -330,6 +923,1619 @@
 </file>
 
 <file path=ppt/slideLayouts/slideLayout10.xml><?xml version="1.0" encoding="utf-8"?>
+<p:sldLayout xmlns:a="http://schemas.openxmlformats.org/drawingml/2006/main" xmlns:r="http://schemas.openxmlformats.org/officeDocument/2006/relationships" xmlns:p="http://schemas.openxmlformats.org/presentationml/2006/main" preserve="1">
+  <p:cSld name="Title and Caption">
+    <p:spTree>
+      <p:nvGrpSpPr>
+        <p:cNvPr id="1" name=""/>
+        <p:cNvGrpSpPr/>
+        <p:nvPr/>
+      </p:nvGrpSpPr>
+      <p:grpSpPr>
+        <a:xfrm>
+          <a:off x="0" y="0"/>
+          <a:ext cx="0" cy="0"/>
+          <a:chOff x="0" y="0"/>
+          <a:chExt cx="0" cy="0"/>
+        </a:xfrm>
+      </p:grpSpPr>
+      <p:sp>
+        <p:nvSpPr>
+          <p:cNvPr id="2" name="Title 1"/>
+          <p:cNvSpPr>
+            <a:spLocks noGrp="1"/>
+          </p:cNvSpPr>
+          <p:nvPr>
+            <p:ph type="title"/>
+          </p:nvPr>
+        </p:nvSpPr>
+        <p:spPr>
+          <a:xfrm>
+            <a:off x="677335" y="609600"/>
+            <a:ext cx="8596668" cy="3403600"/>
+          </a:xfrm>
+        </p:spPr>
+        <p:txBody>
+          <a:bodyPr anchor="ctr">
+            <a:normAutofit/>
+          </a:bodyPr>
+          <a:lstStyle>
+            <a:lvl1pPr algn="l">
+              <a:defRPr sz="4400" b="0" cap="none"/>
+            </a:lvl1pPr>
+          </a:lstStyle>
+          <a:p>
+            <a:r>
+              <a:rPr lang="en-US"/>
+              <a:t>Click to edit Master title style</a:t>
+            </a:r>
+            <a:endParaRPr lang="en-US" dirty="0"/>
+          </a:p>
+        </p:txBody>
+      </p:sp>
+      <p:sp>
+        <p:nvSpPr>
+          <p:cNvPr id="3" name="Text Placeholder 2"/>
+          <p:cNvSpPr>
+            <a:spLocks noGrp="1"/>
+          </p:cNvSpPr>
+          <p:nvPr>
+            <p:ph type="body" idx="1"/>
+          </p:nvPr>
+        </p:nvSpPr>
+        <p:spPr>
+          <a:xfrm>
+            <a:off x="677335" y="4470400"/>
+            <a:ext cx="8596668" cy="1570962"/>
+          </a:xfrm>
+        </p:spPr>
+        <p:txBody>
+          <a:bodyPr anchor="ctr">
+            <a:normAutofit/>
+          </a:bodyPr>
+          <a:lstStyle>
+            <a:lvl1pPr marL="0" indent="0" algn="l">
+              <a:buNone/>
+              <a:defRPr sz="1800">
+                <a:solidFill>
+                  <a:schemeClr val="tx1">
+                    <a:lumMod val="75000"/>
+                    <a:lumOff val="25000"/>
+                  </a:schemeClr>
+                </a:solidFill>
+              </a:defRPr>
+            </a:lvl1pPr>
+            <a:lvl2pPr marL="457200" indent="0">
+              <a:buNone/>
+              <a:defRPr sz="1800">
+                <a:solidFill>
+                  <a:schemeClr val="tx1">
+                    <a:tint val="75000"/>
+                  </a:schemeClr>
+                </a:solidFill>
+              </a:defRPr>
+            </a:lvl2pPr>
+            <a:lvl3pPr marL="914400" indent="0">
+              <a:buNone/>
+              <a:defRPr sz="1600">
+                <a:solidFill>
+                  <a:schemeClr val="tx1">
+                    <a:tint val="75000"/>
+                  </a:schemeClr>
+                </a:solidFill>
+              </a:defRPr>
+            </a:lvl3pPr>
+            <a:lvl4pPr marL="1371600" indent="0">
+              <a:buNone/>
+              <a:defRPr sz="1400">
+                <a:solidFill>
+                  <a:schemeClr val="tx1">
+                    <a:tint val="75000"/>
+                  </a:schemeClr>
+                </a:solidFill>
+              </a:defRPr>
+            </a:lvl4pPr>
+            <a:lvl5pPr marL="1828800" indent="0">
+              <a:buNone/>
+              <a:defRPr sz="1400">
+                <a:solidFill>
+                  <a:schemeClr val="tx1">
+                    <a:tint val="75000"/>
+                  </a:schemeClr>
+                </a:solidFill>
+              </a:defRPr>
+            </a:lvl5pPr>
+            <a:lvl6pPr marL="2286000" indent="0">
+              <a:buNone/>
+              <a:defRPr sz="1400">
+                <a:solidFill>
+                  <a:schemeClr val="tx1">
+                    <a:tint val="75000"/>
+                  </a:schemeClr>
+                </a:solidFill>
+              </a:defRPr>
+            </a:lvl6pPr>
+            <a:lvl7pPr marL="2743200" indent="0">
+              <a:buNone/>
+              <a:defRPr sz="1400">
+                <a:solidFill>
+                  <a:schemeClr val="tx1">
+                    <a:tint val="75000"/>
+                  </a:schemeClr>
+                </a:solidFill>
+              </a:defRPr>
+            </a:lvl7pPr>
+            <a:lvl8pPr marL="3200400" indent="0">
+              <a:buNone/>
+              <a:defRPr sz="1400">
+                <a:solidFill>
+                  <a:schemeClr val="tx1">
+                    <a:tint val="75000"/>
+                  </a:schemeClr>
+                </a:solidFill>
+              </a:defRPr>
+            </a:lvl8pPr>
+            <a:lvl9pPr marL="3657600" indent="0">
+              <a:buNone/>
+              <a:defRPr sz="1400">
+                <a:solidFill>
+                  <a:schemeClr val="tx1">
+                    <a:tint val="75000"/>
+                  </a:schemeClr>
+                </a:solidFill>
+              </a:defRPr>
+            </a:lvl9pPr>
+          </a:lstStyle>
+          <a:p>
+            <a:pPr lvl="0"/>
+            <a:r>
+              <a:rPr lang="en-US"/>
+              <a:t>Click to edit Master text styles</a:t>
+            </a:r>
+          </a:p>
+        </p:txBody>
+      </p:sp>
+      <p:sp>
+        <p:nvSpPr>
+          <p:cNvPr id="4" name="Date Placeholder 3"/>
+          <p:cNvSpPr>
+            <a:spLocks noGrp="1"/>
+          </p:cNvSpPr>
+          <p:nvPr>
+            <p:ph type="dt" sz="half" idx="10"/>
+          </p:nvPr>
+        </p:nvSpPr>
+        <p:spPr/>
+        <p:txBody>
+          <a:bodyPr/>
+          <a:lstStyle/>
+          <a:p>
+            <a:fld id="{50951492-DE4F-4CD9-A31F-3E1DD746501E}" type="datetimeFigureOut">
+              <a:rPr lang="he-IL" smtClean="0"/>
+              <a:t>כ"ז.תשרי.תשפ"ג</a:t>
+            </a:fld>
+            <a:endParaRPr lang="he-IL"/>
+          </a:p>
+        </p:txBody>
+      </p:sp>
+      <p:sp>
+        <p:nvSpPr>
+          <p:cNvPr id="5" name="Footer Placeholder 4"/>
+          <p:cNvSpPr>
+            <a:spLocks noGrp="1"/>
+          </p:cNvSpPr>
+          <p:nvPr>
+            <p:ph type="ftr" sz="quarter" idx="11"/>
+          </p:nvPr>
+        </p:nvSpPr>
+        <p:spPr/>
+        <p:txBody>
+          <a:bodyPr/>
+          <a:lstStyle/>
+          <a:p>
+            <a:endParaRPr lang="he-IL"/>
+          </a:p>
+        </p:txBody>
+      </p:sp>
+      <p:sp>
+        <p:nvSpPr>
+          <p:cNvPr id="6" name="Slide Number Placeholder 5"/>
+          <p:cNvSpPr>
+            <a:spLocks noGrp="1"/>
+          </p:cNvSpPr>
+          <p:nvPr>
+            <p:ph type="sldNum" sz="quarter" idx="12"/>
+          </p:nvPr>
+        </p:nvSpPr>
+        <p:spPr/>
+        <p:txBody>
+          <a:bodyPr/>
+          <a:lstStyle/>
+          <a:p>
+            <a:fld id="{0C753D54-CE60-4A09-8FBE-C8922DBBD14E}" type="slidenum">
+              <a:rPr lang="he-IL" smtClean="0"/>
+              <a:t>‹#›</a:t>
+            </a:fld>
+            <a:endParaRPr lang="he-IL"/>
+          </a:p>
+        </p:txBody>
+      </p:sp>
+    </p:spTree>
+    <p:extLst>
+      <p:ext uri="{BB962C8B-B14F-4D97-AF65-F5344CB8AC3E}">
+        <p14:creationId xmlns:p14="http://schemas.microsoft.com/office/powerpoint/2010/main" val="3323602953"/>
+      </p:ext>
+    </p:extLst>
+  </p:cSld>
+  <p:clrMapOvr>
+    <a:masterClrMapping/>
+  </p:clrMapOvr>
+</p:sldLayout>
+</file>
+
+<file path=ppt/slideLayouts/slideLayout11.xml><?xml version="1.0" encoding="utf-8"?>
+<p:sldLayout xmlns:a="http://schemas.openxmlformats.org/drawingml/2006/main" xmlns:r="http://schemas.openxmlformats.org/officeDocument/2006/relationships" xmlns:p="http://schemas.openxmlformats.org/presentationml/2006/main" preserve="1">
+  <p:cSld name="Quote with Caption">
+    <p:spTree>
+      <p:nvGrpSpPr>
+        <p:cNvPr id="1" name=""/>
+        <p:cNvGrpSpPr/>
+        <p:nvPr/>
+      </p:nvGrpSpPr>
+      <p:grpSpPr>
+        <a:xfrm>
+          <a:off x="0" y="0"/>
+          <a:ext cx="0" cy="0"/>
+          <a:chOff x="0" y="0"/>
+          <a:chExt cx="0" cy="0"/>
+        </a:xfrm>
+      </p:grpSpPr>
+      <p:sp>
+        <p:nvSpPr>
+          <p:cNvPr id="2" name="Title 1"/>
+          <p:cNvSpPr>
+            <a:spLocks noGrp="1"/>
+          </p:cNvSpPr>
+          <p:nvPr>
+            <p:ph type="title"/>
+          </p:nvPr>
+        </p:nvSpPr>
+        <p:spPr>
+          <a:xfrm>
+            <a:off x="931334" y="609600"/>
+            <a:ext cx="8094134" cy="3022600"/>
+          </a:xfrm>
+        </p:spPr>
+        <p:txBody>
+          <a:bodyPr anchor="ctr">
+            <a:normAutofit/>
+          </a:bodyPr>
+          <a:lstStyle>
+            <a:lvl1pPr algn="l">
+              <a:defRPr sz="4400" b="0" cap="none"/>
+            </a:lvl1pPr>
+          </a:lstStyle>
+          <a:p>
+            <a:r>
+              <a:rPr lang="en-US"/>
+              <a:t>Click to edit Master title style</a:t>
+            </a:r>
+            <a:endParaRPr lang="en-US" dirty="0"/>
+          </a:p>
+        </p:txBody>
+      </p:sp>
+      <p:sp>
+        <p:nvSpPr>
+          <p:cNvPr id="23" name="Text Placeholder 9"/>
+          <p:cNvSpPr>
+            <a:spLocks noGrp="1"/>
+          </p:cNvSpPr>
+          <p:nvPr>
+            <p:ph type="body" sz="quarter" idx="13"/>
+          </p:nvPr>
+        </p:nvSpPr>
+        <p:spPr>
+          <a:xfrm>
+            <a:off x="1366139" y="3632200"/>
+            <a:ext cx="7224524" cy="381000"/>
+          </a:xfrm>
+        </p:spPr>
+        <p:txBody>
+          <a:bodyPr anchor="ctr">
+            <a:noAutofit/>
+          </a:bodyPr>
+          <a:lstStyle>
+            <a:lvl1pPr marL="0" indent="0">
+              <a:buFontTx/>
+              <a:buNone/>
+              <a:defRPr sz="1600">
+                <a:solidFill>
+                  <a:schemeClr val="tx1">
+                    <a:lumMod val="50000"/>
+                    <a:lumOff val="50000"/>
+                  </a:schemeClr>
+                </a:solidFill>
+              </a:defRPr>
+            </a:lvl1pPr>
+            <a:lvl2pPr marL="457200" indent="0">
+              <a:buFontTx/>
+              <a:buNone/>
+              <a:defRPr/>
+            </a:lvl2pPr>
+            <a:lvl3pPr marL="914400" indent="0">
+              <a:buFontTx/>
+              <a:buNone/>
+              <a:defRPr/>
+            </a:lvl3pPr>
+            <a:lvl4pPr marL="1371600" indent="0">
+              <a:buFontTx/>
+              <a:buNone/>
+              <a:defRPr/>
+            </a:lvl4pPr>
+            <a:lvl5pPr marL="1828800" indent="0">
+              <a:buFontTx/>
+              <a:buNone/>
+              <a:defRPr/>
+            </a:lvl5pPr>
+          </a:lstStyle>
+          <a:p>
+            <a:pPr lvl="0"/>
+            <a:r>
+              <a:rPr lang="en-US"/>
+              <a:t>Click to edit Master text styles</a:t>
+            </a:r>
+          </a:p>
+        </p:txBody>
+      </p:sp>
+      <p:sp>
+        <p:nvSpPr>
+          <p:cNvPr id="3" name="Text Placeholder 2"/>
+          <p:cNvSpPr>
+            <a:spLocks noGrp="1"/>
+          </p:cNvSpPr>
+          <p:nvPr>
+            <p:ph type="body" idx="1"/>
+          </p:nvPr>
+        </p:nvSpPr>
+        <p:spPr>
+          <a:xfrm>
+            <a:off x="677335" y="4470400"/>
+            <a:ext cx="8596668" cy="1570962"/>
+          </a:xfrm>
+        </p:spPr>
+        <p:txBody>
+          <a:bodyPr anchor="ctr">
+            <a:normAutofit/>
+          </a:bodyPr>
+          <a:lstStyle>
+            <a:lvl1pPr marL="0" indent="0" algn="l">
+              <a:buNone/>
+              <a:defRPr sz="1800">
+                <a:solidFill>
+                  <a:schemeClr val="tx1">
+                    <a:lumMod val="75000"/>
+                    <a:lumOff val="25000"/>
+                  </a:schemeClr>
+                </a:solidFill>
+              </a:defRPr>
+            </a:lvl1pPr>
+            <a:lvl2pPr marL="457200" indent="0">
+              <a:buNone/>
+              <a:defRPr sz="1800">
+                <a:solidFill>
+                  <a:schemeClr val="tx1">
+                    <a:tint val="75000"/>
+                  </a:schemeClr>
+                </a:solidFill>
+              </a:defRPr>
+            </a:lvl2pPr>
+            <a:lvl3pPr marL="914400" indent="0">
+              <a:buNone/>
+              <a:defRPr sz="1600">
+                <a:solidFill>
+                  <a:schemeClr val="tx1">
+                    <a:tint val="75000"/>
+                  </a:schemeClr>
+                </a:solidFill>
+              </a:defRPr>
+            </a:lvl3pPr>
+            <a:lvl4pPr marL="1371600" indent="0">
+              <a:buNone/>
+              <a:defRPr sz="1400">
+                <a:solidFill>
+                  <a:schemeClr val="tx1">
+                    <a:tint val="75000"/>
+                  </a:schemeClr>
+                </a:solidFill>
+              </a:defRPr>
+            </a:lvl4pPr>
+            <a:lvl5pPr marL="1828800" indent="0">
+              <a:buNone/>
+              <a:defRPr sz="1400">
+                <a:solidFill>
+                  <a:schemeClr val="tx1">
+                    <a:tint val="75000"/>
+                  </a:schemeClr>
+                </a:solidFill>
+              </a:defRPr>
+            </a:lvl5pPr>
+            <a:lvl6pPr marL="2286000" indent="0">
+              <a:buNone/>
+              <a:defRPr sz="1400">
+                <a:solidFill>
+                  <a:schemeClr val="tx1">
+                    <a:tint val="75000"/>
+                  </a:schemeClr>
+                </a:solidFill>
+              </a:defRPr>
+            </a:lvl6pPr>
+            <a:lvl7pPr marL="2743200" indent="0">
+              <a:buNone/>
+              <a:defRPr sz="1400">
+                <a:solidFill>
+                  <a:schemeClr val="tx1">
+                    <a:tint val="75000"/>
+                  </a:schemeClr>
+                </a:solidFill>
+              </a:defRPr>
+            </a:lvl7pPr>
+            <a:lvl8pPr marL="3200400" indent="0">
+              <a:buNone/>
+              <a:defRPr sz="1400">
+                <a:solidFill>
+                  <a:schemeClr val="tx1">
+                    <a:tint val="75000"/>
+                  </a:schemeClr>
+                </a:solidFill>
+              </a:defRPr>
+            </a:lvl8pPr>
+            <a:lvl9pPr marL="3657600" indent="0">
+              <a:buNone/>
+              <a:defRPr sz="1400">
+                <a:solidFill>
+                  <a:schemeClr val="tx1">
+                    <a:tint val="75000"/>
+                  </a:schemeClr>
+                </a:solidFill>
+              </a:defRPr>
+            </a:lvl9pPr>
+          </a:lstStyle>
+          <a:p>
+            <a:pPr lvl="0"/>
+            <a:r>
+              <a:rPr lang="en-US"/>
+              <a:t>Click to edit Master text styles</a:t>
+            </a:r>
+          </a:p>
+        </p:txBody>
+      </p:sp>
+      <p:sp>
+        <p:nvSpPr>
+          <p:cNvPr id="4" name="Date Placeholder 3"/>
+          <p:cNvSpPr>
+            <a:spLocks noGrp="1"/>
+          </p:cNvSpPr>
+          <p:nvPr>
+            <p:ph type="dt" sz="half" idx="10"/>
+          </p:nvPr>
+        </p:nvSpPr>
+        <p:spPr/>
+        <p:txBody>
+          <a:bodyPr/>
+          <a:lstStyle/>
+          <a:p>
+            <a:fld id="{50951492-DE4F-4CD9-A31F-3E1DD746501E}" type="datetimeFigureOut">
+              <a:rPr lang="he-IL" smtClean="0"/>
+              <a:t>כ"ז.תשרי.תשפ"ג</a:t>
+            </a:fld>
+            <a:endParaRPr lang="he-IL"/>
+          </a:p>
+        </p:txBody>
+      </p:sp>
+      <p:sp>
+        <p:nvSpPr>
+          <p:cNvPr id="5" name="Footer Placeholder 4"/>
+          <p:cNvSpPr>
+            <a:spLocks noGrp="1"/>
+          </p:cNvSpPr>
+          <p:nvPr>
+            <p:ph type="ftr" sz="quarter" idx="11"/>
+          </p:nvPr>
+        </p:nvSpPr>
+        <p:spPr/>
+        <p:txBody>
+          <a:bodyPr/>
+          <a:lstStyle/>
+          <a:p>
+            <a:endParaRPr lang="he-IL"/>
+          </a:p>
+        </p:txBody>
+      </p:sp>
+      <p:sp>
+        <p:nvSpPr>
+          <p:cNvPr id="6" name="Slide Number Placeholder 5"/>
+          <p:cNvSpPr>
+            <a:spLocks noGrp="1"/>
+          </p:cNvSpPr>
+          <p:nvPr>
+            <p:ph type="sldNum" sz="quarter" idx="12"/>
+          </p:nvPr>
+        </p:nvSpPr>
+        <p:spPr/>
+        <p:txBody>
+          <a:bodyPr/>
+          <a:lstStyle/>
+          <a:p>
+            <a:fld id="{0C753D54-CE60-4A09-8FBE-C8922DBBD14E}" type="slidenum">
+              <a:rPr lang="he-IL" smtClean="0"/>
+              <a:t>‹#›</a:t>
+            </a:fld>
+            <a:endParaRPr lang="he-IL"/>
+          </a:p>
+        </p:txBody>
+      </p:sp>
+      <p:sp>
+        <p:nvSpPr>
+          <p:cNvPr id="20" name="TextBox 19"/>
+          <p:cNvSpPr txBox="1"/>
+          <p:nvPr/>
+        </p:nvSpPr>
+        <p:spPr>
+          <a:xfrm>
+            <a:off x="541870" y="790378"/>
+            <a:ext cx="609600" cy="584776"/>
+          </a:xfrm>
+          <a:prstGeom prst="rect">
+            <a:avLst/>
+          </a:prstGeom>
+        </p:spPr>
+        <p:txBody>
+          <a:bodyPr vert="horz" lIns="91440" tIns="45720" rIns="91440" bIns="45720" rtlCol="0" anchor="ctr">
+            <a:noAutofit/>
+          </a:bodyPr>
+          <a:lstStyle/>
+          <a:p>
+            <a:pPr lvl="0"/>
+            <a:r>
+              <a:rPr lang="en-US" sz="8000" baseline="0" dirty="0">
+                <a:ln w="3175" cmpd="sng">
+                  <a:noFill/>
+                </a:ln>
+                <a:solidFill>
+                  <a:schemeClr val="accent1">
+                    <a:lumMod val="60000"/>
+                    <a:lumOff val="40000"/>
+                  </a:schemeClr>
+                </a:solidFill>
+                <a:effectLst/>
+                <a:latin typeface="Arial"/>
+              </a:rPr>
+              <a:t>“</a:t>
+            </a:r>
+          </a:p>
+        </p:txBody>
+      </p:sp>
+      <p:sp>
+        <p:nvSpPr>
+          <p:cNvPr id="22" name="TextBox 21"/>
+          <p:cNvSpPr txBox="1"/>
+          <p:nvPr/>
+        </p:nvSpPr>
+        <p:spPr>
+          <a:xfrm>
+            <a:off x="8893011" y="2886556"/>
+            <a:ext cx="609600" cy="584776"/>
+          </a:xfrm>
+          <a:prstGeom prst="rect">
+            <a:avLst/>
+          </a:prstGeom>
+        </p:spPr>
+        <p:txBody>
+          <a:bodyPr vert="horz" lIns="91440" tIns="45720" rIns="91440" bIns="45720" rtlCol="0" anchor="ctr">
+            <a:noAutofit/>
+          </a:bodyPr>
+          <a:lstStyle/>
+          <a:p>
+            <a:pPr lvl="0"/>
+            <a:r>
+              <a:rPr lang="en-US" sz="8000" baseline="0" dirty="0">
+                <a:ln w="3175" cmpd="sng">
+                  <a:noFill/>
+                </a:ln>
+                <a:solidFill>
+                  <a:schemeClr val="accent1">
+                    <a:lumMod val="60000"/>
+                    <a:lumOff val="40000"/>
+                  </a:schemeClr>
+                </a:solidFill>
+                <a:latin typeface="Arial"/>
+              </a:rPr>
+              <a:t>”</a:t>
+            </a:r>
+            <a:endParaRPr lang="en-US" dirty="0">
+              <a:solidFill>
+                <a:schemeClr val="accent1">
+                  <a:lumMod val="60000"/>
+                  <a:lumOff val="40000"/>
+                </a:schemeClr>
+              </a:solidFill>
+              <a:latin typeface="Arial"/>
+            </a:endParaRPr>
+          </a:p>
+        </p:txBody>
+      </p:sp>
+    </p:spTree>
+    <p:extLst>
+      <p:ext uri="{BB962C8B-B14F-4D97-AF65-F5344CB8AC3E}">
+        <p14:creationId xmlns:p14="http://schemas.microsoft.com/office/powerpoint/2010/main" val="3373405411"/>
+      </p:ext>
+    </p:extLst>
+  </p:cSld>
+  <p:clrMapOvr>
+    <a:masterClrMapping/>
+  </p:clrMapOvr>
+</p:sldLayout>
+</file>
+
+<file path=ppt/slideLayouts/slideLayout12.xml><?xml version="1.0" encoding="utf-8"?>
+<p:sldLayout xmlns:a="http://schemas.openxmlformats.org/drawingml/2006/main" xmlns:r="http://schemas.openxmlformats.org/officeDocument/2006/relationships" xmlns:p="http://schemas.openxmlformats.org/presentationml/2006/main" preserve="1">
+  <p:cSld name="Name Card">
+    <p:spTree>
+      <p:nvGrpSpPr>
+        <p:cNvPr id="1" name=""/>
+        <p:cNvGrpSpPr/>
+        <p:nvPr/>
+      </p:nvGrpSpPr>
+      <p:grpSpPr>
+        <a:xfrm>
+          <a:off x="0" y="0"/>
+          <a:ext cx="0" cy="0"/>
+          <a:chOff x="0" y="0"/>
+          <a:chExt cx="0" cy="0"/>
+        </a:xfrm>
+      </p:grpSpPr>
+      <p:sp>
+        <p:nvSpPr>
+          <p:cNvPr id="2" name="Title 1"/>
+          <p:cNvSpPr>
+            <a:spLocks noGrp="1"/>
+          </p:cNvSpPr>
+          <p:nvPr>
+            <p:ph type="title"/>
+          </p:nvPr>
+        </p:nvSpPr>
+        <p:spPr>
+          <a:xfrm>
+            <a:off x="677335" y="1931988"/>
+            <a:ext cx="8596668" cy="2595460"/>
+          </a:xfrm>
+        </p:spPr>
+        <p:txBody>
+          <a:bodyPr anchor="b">
+            <a:normAutofit/>
+          </a:bodyPr>
+          <a:lstStyle>
+            <a:lvl1pPr algn="l">
+              <a:defRPr sz="4400" b="0" cap="none"/>
+            </a:lvl1pPr>
+          </a:lstStyle>
+          <a:p>
+            <a:r>
+              <a:rPr lang="en-US"/>
+              <a:t>Click to edit Master title style</a:t>
+            </a:r>
+            <a:endParaRPr lang="en-US" dirty="0"/>
+          </a:p>
+        </p:txBody>
+      </p:sp>
+      <p:sp>
+        <p:nvSpPr>
+          <p:cNvPr id="3" name="Text Placeholder 2"/>
+          <p:cNvSpPr>
+            <a:spLocks noGrp="1"/>
+          </p:cNvSpPr>
+          <p:nvPr>
+            <p:ph type="body" idx="1"/>
+          </p:nvPr>
+        </p:nvSpPr>
+        <p:spPr>
+          <a:xfrm>
+            <a:off x="677335" y="4527448"/>
+            <a:ext cx="8596668" cy="1513914"/>
+          </a:xfrm>
+        </p:spPr>
+        <p:txBody>
+          <a:bodyPr anchor="t">
+            <a:normAutofit/>
+          </a:bodyPr>
+          <a:lstStyle>
+            <a:lvl1pPr marL="0" indent="0" algn="l">
+              <a:buNone/>
+              <a:defRPr sz="1800">
+                <a:solidFill>
+                  <a:schemeClr val="tx1">
+                    <a:lumMod val="75000"/>
+                    <a:lumOff val="25000"/>
+                  </a:schemeClr>
+                </a:solidFill>
+              </a:defRPr>
+            </a:lvl1pPr>
+            <a:lvl2pPr marL="457200" indent="0">
+              <a:buNone/>
+              <a:defRPr sz="1800">
+                <a:solidFill>
+                  <a:schemeClr val="tx1">
+                    <a:tint val="75000"/>
+                  </a:schemeClr>
+                </a:solidFill>
+              </a:defRPr>
+            </a:lvl2pPr>
+            <a:lvl3pPr marL="914400" indent="0">
+              <a:buNone/>
+              <a:defRPr sz="1600">
+                <a:solidFill>
+                  <a:schemeClr val="tx1">
+                    <a:tint val="75000"/>
+                  </a:schemeClr>
+                </a:solidFill>
+              </a:defRPr>
+            </a:lvl3pPr>
+            <a:lvl4pPr marL="1371600" indent="0">
+              <a:buNone/>
+              <a:defRPr sz="1400">
+                <a:solidFill>
+                  <a:schemeClr val="tx1">
+                    <a:tint val="75000"/>
+                  </a:schemeClr>
+                </a:solidFill>
+              </a:defRPr>
+            </a:lvl4pPr>
+            <a:lvl5pPr marL="1828800" indent="0">
+              <a:buNone/>
+              <a:defRPr sz="1400">
+                <a:solidFill>
+                  <a:schemeClr val="tx1">
+                    <a:tint val="75000"/>
+                  </a:schemeClr>
+                </a:solidFill>
+              </a:defRPr>
+            </a:lvl5pPr>
+            <a:lvl6pPr marL="2286000" indent="0">
+              <a:buNone/>
+              <a:defRPr sz="1400">
+                <a:solidFill>
+                  <a:schemeClr val="tx1">
+                    <a:tint val="75000"/>
+                  </a:schemeClr>
+                </a:solidFill>
+              </a:defRPr>
+            </a:lvl6pPr>
+            <a:lvl7pPr marL="2743200" indent="0">
+              <a:buNone/>
+              <a:defRPr sz="1400">
+                <a:solidFill>
+                  <a:schemeClr val="tx1">
+                    <a:tint val="75000"/>
+                  </a:schemeClr>
+                </a:solidFill>
+              </a:defRPr>
+            </a:lvl7pPr>
+            <a:lvl8pPr marL="3200400" indent="0">
+              <a:buNone/>
+              <a:defRPr sz="1400">
+                <a:solidFill>
+                  <a:schemeClr val="tx1">
+                    <a:tint val="75000"/>
+                  </a:schemeClr>
+                </a:solidFill>
+              </a:defRPr>
+            </a:lvl8pPr>
+            <a:lvl9pPr marL="3657600" indent="0">
+              <a:buNone/>
+              <a:defRPr sz="1400">
+                <a:solidFill>
+                  <a:schemeClr val="tx1">
+                    <a:tint val="75000"/>
+                  </a:schemeClr>
+                </a:solidFill>
+              </a:defRPr>
+            </a:lvl9pPr>
+          </a:lstStyle>
+          <a:p>
+            <a:pPr lvl="0"/>
+            <a:r>
+              <a:rPr lang="en-US"/>
+              <a:t>Click to edit Master text styles</a:t>
+            </a:r>
+          </a:p>
+        </p:txBody>
+      </p:sp>
+      <p:sp>
+        <p:nvSpPr>
+          <p:cNvPr id="4" name="Date Placeholder 3"/>
+          <p:cNvSpPr>
+            <a:spLocks noGrp="1"/>
+          </p:cNvSpPr>
+          <p:nvPr>
+            <p:ph type="dt" sz="half" idx="10"/>
+          </p:nvPr>
+        </p:nvSpPr>
+        <p:spPr/>
+        <p:txBody>
+          <a:bodyPr/>
+          <a:lstStyle/>
+          <a:p>
+            <a:fld id="{50951492-DE4F-4CD9-A31F-3E1DD746501E}" type="datetimeFigureOut">
+              <a:rPr lang="he-IL" smtClean="0"/>
+              <a:t>כ"ז.תשרי.תשפ"ג</a:t>
+            </a:fld>
+            <a:endParaRPr lang="he-IL"/>
+          </a:p>
+        </p:txBody>
+      </p:sp>
+      <p:sp>
+        <p:nvSpPr>
+          <p:cNvPr id="5" name="Footer Placeholder 4"/>
+          <p:cNvSpPr>
+            <a:spLocks noGrp="1"/>
+          </p:cNvSpPr>
+          <p:nvPr>
+            <p:ph type="ftr" sz="quarter" idx="11"/>
+          </p:nvPr>
+        </p:nvSpPr>
+        <p:spPr/>
+        <p:txBody>
+          <a:bodyPr/>
+          <a:lstStyle/>
+          <a:p>
+            <a:endParaRPr lang="he-IL"/>
+          </a:p>
+        </p:txBody>
+      </p:sp>
+      <p:sp>
+        <p:nvSpPr>
+          <p:cNvPr id="6" name="Slide Number Placeholder 5"/>
+          <p:cNvSpPr>
+            <a:spLocks noGrp="1"/>
+          </p:cNvSpPr>
+          <p:nvPr>
+            <p:ph type="sldNum" sz="quarter" idx="12"/>
+          </p:nvPr>
+        </p:nvSpPr>
+        <p:spPr/>
+        <p:txBody>
+          <a:bodyPr/>
+          <a:lstStyle/>
+          <a:p>
+            <a:fld id="{0C753D54-CE60-4A09-8FBE-C8922DBBD14E}" type="slidenum">
+              <a:rPr lang="he-IL" smtClean="0"/>
+              <a:t>‹#›</a:t>
+            </a:fld>
+            <a:endParaRPr lang="he-IL"/>
+          </a:p>
+        </p:txBody>
+      </p:sp>
+    </p:spTree>
+    <p:extLst>
+      <p:ext uri="{BB962C8B-B14F-4D97-AF65-F5344CB8AC3E}">
+        <p14:creationId xmlns:p14="http://schemas.microsoft.com/office/powerpoint/2010/main" val="3911060772"/>
+      </p:ext>
+    </p:extLst>
+  </p:cSld>
+  <p:clrMapOvr>
+    <a:masterClrMapping/>
+  </p:clrMapOvr>
+</p:sldLayout>
+</file>
+
+<file path=ppt/slideLayouts/slideLayout13.xml><?xml version="1.0" encoding="utf-8"?>
+<p:sldLayout xmlns:a="http://schemas.openxmlformats.org/drawingml/2006/main" xmlns:r="http://schemas.openxmlformats.org/officeDocument/2006/relationships" xmlns:p="http://schemas.openxmlformats.org/presentationml/2006/main" preserve="1">
+  <p:cSld name="Quote Name Card">
+    <p:spTree>
+      <p:nvGrpSpPr>
+        <p:cNvPr id="1" name=""/>
+        <p:cNvGrpSpPr/>
+        <p:nvPr/>
+      </p:nvGrpSpPr>
+      <p:grpSpPr>
+        <a:xfrm>
+          <a:off x="0" y="0"/>
+          <a:ext cx="0" cy="0"/>
+          <a:chOff x="0" y="0"/>
+          <a:chExt cx="0" cy="0"/>
+        </a:xfrm>
+      </p:grpSpPr>
+      <p:sp>
+        <p:nvSpPr>
+          <p:cNvPr id="2" name="Title 1"/>
+          <p:cNvSpPr>
+            <a:spLocks noGrp="1"/>
+          </p:cNvSpPr>
+          <p:nvPr>
+            <p:ph type="title"/>
+          </p:nvPr>
+        </p:nvSpPr>
+        <p:spPr>
+          <a:xfrm>
+            <a:off x="931334" y="609600"/>
+            <a:ext cx="8094134" cy="3022600"/>
+          </a:xfrm>
+        </p:spPr>
+        <p:txBody>
+          <a:bodyPr anchor="ctr">
+            <a:normAutofit/>
+          </a:bodyPr>
+          <a:lstStyle>
+            <a:lvl1pPr algn="l">
+              <a:defRPr sz="4400" b="0" cap="none"/>
+            </a:lvl1pPr>
+          </a:lstStyle>
+          <a:p>
+            <a:r>
+              <a:rPr lang="en-US"/>
+              <a:t>Click to edit Master title style</a:t>
+            </a:r>
+            <a:endParaRPr lang="en-US" dirty="0"/>
+          </a:p>
+        </p:txBody>
+      </p:sp>
+      <p:sp>
+        <p:nvSpPr>
+          <p:cNvPr id="23" name="Text Placeholder 9"/>
+          <p:cNvSpPr>
+            <a:spLocks noGrp="1"/>
+          </p:cNvSpPr>
+          <p:nvPr>
+            <p:ph type="body" sz="quarter" idx="13"/>
+          </p:nvPr>
+        </p:nvSpPr>
+        <p:spPr>
+          <a:xfrm>
+            <a:off x="677332" y="4013200"/>
+            <a:ext cx="8596669" cy="514248"/>
+          </a:xfrm>
+        </p:spPr>
+        <p:txBody>
+          <a:bodyPr anchor="b">
+            <a:noAutofit/>
+          </a:bodyPr>
+          <a:lstStyle>
+            <a:lvl1pPr marL="0" indent="0">
+              <a:buFontTx/>
+              <a:buNone/>
+              <a:defRPr sz="2400">
+                <a:solidFill>
+                  <a:schemeClr val="tx1">
+                    <a:lumMod val="75000"/>
+                    <a:lumOff val="25000"/>
+                  </a:schemeClr>
+                </a:solidFill>
+              </a:defRPr>
+            </a:lvl1pPr>
+            <a:lvl2pPr marL="457200" indent="0">
+              <a:buFontTx/>
+              <a:buNone/>
+              <a:defRPr/>
+            </a:lvl2pPr>
+            <a:lvl3pPr marL="914400" indent="0">
+              <a:buFontTx/>
+              <a:buNone/>
+              <a:defRPr/>
+            </a:lvl3pPr>
+            <a:lvl4pPr marL="1371600" indent="0">
+              <a:buFontTx/>
+              <a:buNone/>
+              <a:defRPr/>
+            </a:lvl4pPr>
+            <a:lvl5pPr marL="1828800" indent="0">
+              <a:buFontTx/>
+              <a:buNone/>
+              <a:defRPr/>
+            </a:lvl5pPr>
+          </a:lstStyle>
+          <a:p>
+            <a:pPr lvl="0"/>
+            <a:r>
+              <a:rPr lang="en-US"/>
+              <a:t>Click to edit Master text styles</a:t>
+            </a:r>
+          </a:p>
+        </p:txBody>
+      </p:sp>
+      <p:sp>
+        <p:nvSpPr>
+          <p:cNvPr id="3" name="Text Placeholder 2"/>
+          <p:cNvSpPr>
+            <a:spLocks noGrp="1"/>
+          </p:cNvSpPr>
+          <p:nvPr>
+            <p:ph type="body" idx="1"/>
+          </p:nvPr>
+        </p:nvSpPr>
+        <p:spPr>
+          <a:xfrm>
+            <a:off x="677335" y="4527448"/>
+            <a:ext cx="8596668" cy="1513914"/>
+          </a:xfrm>
+        </p:spPr>
+        <p:txBody>
+          <a:bodyPr anchor="t">
+            <a:normAutofit/>
+          </a:bodyPr>
+          <a:lstStyle>
+            <a:lvl1pPr marL="0" indent="0" algn="l">
+              <a:buNone/>
+              <a:defRPr sz="1800">
+                <a:solidFill>
+                  <a:schemeClr val="tx1">
+                    <a:lumMod val="50000"/>
+                    <a:lumOff val="50000"/>
+                  </a:schemeClr>
+                </a:solidFill>
+              </a:defRPr>
+            </a:lvl1pPr>
+            <a:lvl2pPr marL="457200" indent="0">
+              <a:buNone/>
+              <a:defRPr sz="1800">
+                <a:solidFill>
+                  <a:schemeClr val="tx1">
+                    <a:tint val="75000"/>
+                  </a:schemeClr>
+                </a:solidFill>
+              </a:defRPr>
+            </a:lvl2pPr>
+            <a:lvl3pPr marL="914400" indent="0">
+              <a:buNone/>
+              <a:defRPr sz="1600">
+                <a:solidFill>
+                  <a:schemeClr val="tx1">
+                    <a:tint val="75000"/>
+                  </a:schemeClr>
+                </a:solidFill>
+              </a:defRPr>
+            </a:lvl3pPr>
+            <a:lvl4pPr marL="1371600" indent="0">
+              <a:buNone/>
+              <a:defRPr sz="1400">
+                <a:solidFill>
+                  <a:schemeClr val="tx1">
+                    <a:tint val="75000"/>
+                  </a:schemeClr>
+                </a:solidFill>
+              </a:defRPr>
+            </a:lvl4pPr>
+            <a:lvl5pPr marL="1828800" indent="0">
+              <a:buNone/>
+              <a:defRPr sz="1400">
+                <a:solidFill>
+                  <a:schemeClr val="tx1">
+                    <a:tint val="75000"/>
+                  </a:schemeClr>
+                </a:solidFill>
+              </a:defRPr>
+            </a:lvl5pPr>
+            <a:lvl6pPr marL="2286000" indent="0">
+              <a:buNone/>
+              <a:defRPr sz="1400">
+                <a:solidFill>
+                  <a:schemeClr val="tx1">
+                    <a:tint val="75000"/>
+                  </a:schemeClr>
+                </a:solidFill>
+              </a:defRPr>
+            </a:lvl6pPr>
+            <a:lvl7pPr marL="2743200" indent="0">
+              <a:buNone/>
+              <a:defRPr sz="1400">
+                <a:solidFill>
+                  <a:schemeClr val="tx1">
+                    <a:tint val="75000"/>
+                  </a:schemeClr>
+                </a:solidFill>
+              </a:defRPr>
+            </a:lvl7pPr>
+            <a:lvl8pPr marL="3200400" indent="0">
+              <a:buNone/>
+              <a:defRPr sz="1400">
+                <a:solidFill>
+                  <a:schemeClr val="tx1">
+                    <a:tint val="75000"/>
+                  </a:schemeClr>
+                </a:solidFill>
+              </a:defRPr>
+            </a:lvl8pPr>
+            <a:lvl9pPr marL="3657600" indent="0">
+              <a:buNone/>
+              <a:defRPr sz="1400">
+                <a:solidFill>
+                  <a:schemeClr val="tx1">
+                    <a:tint val="75000"/>
+                  </a:schemeClr>
+                </a:solidFill>
+              </a:defRPr>
+            </a:lvl9pPr>
+          </a:lstStyle>
+          <a:p>
+            <a:pPr lvl="0"/>
+            <a:r>
+              <a:rPr lang="en-US"/>
+              <a:t>Click to edit Master text styles</a:t>
+            </a:r>
+          </a:p>
+        </p:txBody>
+      </p:sp>
+      <p:sp>
+        <p:nvSpPr>
+          <p:cNvPr id="4" name="Date Placeholder 3"/>
+          <p:cNvSpPr>
+            <a:spLocks noGrp="1"/>
+          </p:cNvSpPr>
+          <p:nvPr>
+            <p:ph type="dt" sz="half" idx="10"/>
+          </p:nvPr>
+        </p:nvSpPr>
+        <p:spPr/>
+        <p:txBody>
+          <a:bodyPr/>
+          <a:lstStyle/>
+          <a:p>
+            <a:fld id="{50951492-DE4F-4CD9-A31F-3E1DD746501E}" type="datetimeFigureOut">
+              <a:rPr lang="he-IL" smtClean="0"/>
+              <a:t>כ"ז.תשרי.תשפ"ג</a:t>
+            </a:fld>
+            <a:endParaRPr lang="he-IL"/>
+          </a:p>
+        </p:txBody>
+      </p:sp>
+      <p:sp>
+        <p:nvSpPr>
+          <p:cNvPr id="5" name="Footer Placeholder 4"/>
+          <p:cNvSpPr>
+            <a:spLocks noGrp="1"/>
+          </p:cNvSpPr>
+          <p:nvPr>
+            <p:ph type="ftr" sz="quarter" idx="11"/>
+          </p:nvPr>
+        </p:nvSpPr>
+        <p:spPr/>
+        <p:txBody>
+          <a:bodyPr/>
+          <a:lstStyle/>
+          <a:p>
+            <a:endParaRPr lang="he-IL"/>
+          </a:p>
+        </p:txBody>
+      </p:sp>
+      <p:sp>
+        <p:nvSpPr>
+          <p:cNvPr id="6" name="Slide Number Placeholder 5"/>
+          <p:cNvSpPr>
+            <a:spLocks noGrp="1"/>
+          </p:cNvSpPr>
+          <p:nvPr>
+            <p:ph type="sldNum" sz="quarter" idx="12"/>
+          </p:nvPr>
+        </p:nvSpPr>
+        <p:spPr/>
+        <p:txBody>
+          <a:bodyPr/>
+          <a:lstStyle/>
+          <a:p>
+            <a:fld id="{0C753D54-CE60-4A09-8FBE-C8922DBBD14E}" type="slidenum">
+              <a:rPr lang="he-IL" smtClean="0"/>
+              <a:t>‹#›</a:t>
+            </a:fld>
+            <a:endParaRPr lang="he-IL"/>
+          </a:p>
+        </p:txBody>
+      </p:sp>
+      <p:sp>
+        <p:nvSpPr>
+          <p:cNvPr id="24" name="TextBox 23"/>
+          <p:cNvSpPr txBox="1"/>
+          <p:nvPr/>
+        </p:nvSpPr>
+        <p:spPr>
+          <a:xfrm>
+            <a:off x="541870" y="790378"/>
+            <a:ext cx="609600" cy="584776"/>
+          </a:xfrm>
+          <a:prstGeom prst="rect">
+            <a:avLst/>
+          </a:prstGeom>
+        </p:spPr>
+        <p:txBody>
+          <a:bodyPr vert="horz" lIns="91440" tIns="45720" rIns="91440" bIns="45720" rtlCol="0" anchor="ctr">
+            <a:noAutofit/>
+          </a:bodyPr>
+          <a:lstStyle/>
+          <a:p>
+            <a:pPr lvl="0"/>
+            <a:r>
+              <a:rPr lang="en-US" sz="8000" baseline="0" dirty="0">
+                <a:ln w="3175" cmpd="sng">
+                  <a:noFill/>
+                </a:ln>
+                <a:solidFill>
+                  <a:schemeClr val="accent1">
+                    <a:lumMod val="60000"/>
+                    <a:lumOff val="40000"/>
+                  </a:schemeClr>
+                </a:solidFill>
+                <a:effectLst/>
+                <a:latin typeface="Arial"/>
+              </a:rPr>
+              <a:t>“</a:t>
+            </a:r>
+          </a:p>
+        </p:txBody>
+      </p:sp>
+      <p:sp>
+        <p:nvSpPr>
+          <p:cNvPr id="25" name="TextBox 24"/>
+          <p:cNvSpPr txBox="1"/>
+          <p:nvPr/>
+        </p:nvSpPr>
+        <p:spPr>
+          <a:xfrm>
+            <a:off x="8893011" y="2886556"/>
+            <a:ext cx="609600" cy="584776"/>
+          </a:xfrm>
+          <a:prstGeom prst="rect">
+            <a:avLst/>
+          </a:prstGeom>
+        </p:spPr>
+        <p:txBody>
+          <a:bodyPr vert="horz" lIns="91440" tIns="45720" rIns="91440" bIns="45720" rtlCol="0" anchor="ctr">
+            <a:noAutofit/>
+          </a:bodyPr>
+          <a:lstStyle/>
+          <a:p>
+            <a:pPr lvl="0"/>
+            <a:r>
+              <a:rPr lang="en-US" sz="8000" baseline="0" dirty="0">
+                <a:ln w="3175" cmpd="sng">
+                  <a:noFill/>
+                </a:ln>
+                <a:solidFill>
+                  <a:schemeClr val="accent1">
+                    <a:lumMod val="60000"/>
+                    <a:lumOff val="40000"/>
+                  </a:schemeClr>
+                </a:solidFill>
+                <a:effectLst/>
+                <a:latin typeface="Arial"/>
+              </a:rPr>
+              <a:t>”</a:t>
+            </a:r>
+          </a:p>
+        </p:txBody>
+      </p:sp>
+    </p:spTree>
+    <p:extLst>
+      <p:ext uri="{BB962C8B-B14F-4D97-AF65-F5344CB8AC3E}">
+        <p14:creationId xmlns:p14="http://schemas.microsoft.com/office/powerpoint/2010/main" val="3536256315"/>
+      </p:ext>
+    </p:extLst>
+  </p:cSld>
+  <p:clrMapOvr>
+    <a:masterClrMapping/>
+  </p:clrMapOvr>
+</p:sldLayout>
+</file>
+
+<file path=ppt/slideLayouts/slideLayout14.xml><?xml version="1.0" encoding="utf-8"?>
+<p:sldLayout xmlns:a="http://schemas.openxmlformats.org/drawingml/2006/main" xmlns:r="http://schemas.openxmlformats.org/officeDocument/2006/relationships" xmlns:p="http://schemas.openxmlformats.org/presentationml/2006/main" preserve="1">
+  <p:cSld name="True or False">
+    <p:spTree>
+      <p:nvGrpSpPr>
+        <p:cNvPr id="1" name=""/>
+        <p:cNvGrpSpPr/>
+        <p:nvPr/>
+      </p:nvGrpSpPr>
+      <p:grpSpPr>
+        <a:xfrm>
+          <a:off x="0" y="0"/>
+          <a:ext cx="0" cy="0"/>
+          <a:chOff x="0" y="0"/>
+          <a:chExt cx="0" cy="0"/>
+        </a:xfrm>
+      </p:grpSpPr>
+      <p:sp>
+        <p:nvSpPr>
+          <p:cNvPr id="2" name="Title 1"/>
+          <p:cNvSpPr>
+            <a:spLocks noGrp="1"/>
+          </p:cNvSpPr>
+          <p:nvPr>
+            <p:ph type="title"/>
+          </p:nvPr>
+        </p:nvSpPr>
+        <p:spPr>
+          <a:xfrm>
+            <a:off x="685799" y="609600"/>
+            <a:ext cx="8588203" cy="3022600"/>
+          </a:xfrm>
+        </p:spPr>
+        <p:txBody>
+          <a:bodyPr anchor="ctr">
+            <a:normAutofit/>
+          </a:bodyPr>
+          <a:lstStyle>
+            <a:lvl1pPr algn="l">
+              <a:defRPr sz="4400" b="0" cap="none"/>
+            </a:lvl1pPr>
+          </a:lstStyle>
+          <a:p>
+            <a:r>
+              <a:rPr lang="en-US"/>
+              <a:t>Click to edit Master title style</a:t>
+            </a:r>
+            <a:endParaRPr lang="en-US" dirty="0"/>
+          </a:p>
+        </p:txBody>
+      </p:sp>
+      <p:sp>
+        <p:nvSpPr>
+          <p:cNvPr id="23" name="Text Placeholder 9"/>
+          <p:cNvSpPr>
+            <a:spLocks noGrp="1"/>
+          </p:cNvSpPr>
+          <p:nvPr>
+            <p:ph type="body" sz="quarter" idx="13"/>
+          </p:nvPr>
+        </p:nvSpPr>
+        <p:spPr>
+          <a:xfrm>
+            <a:off x="677332" y="4013200"/>
+            <a:ext cx="8596669" cy="514248"/>
+          </a:xfrm>
+        </p:spPr>
+        <p:txBody>
+          <a:bodyPr anchor="b">
+            <a:noAutofit/>
+          </a:bodyPr>
+          <a:lstStyle>
+            <a:lvl1pPr marL="0" indent="0">
+              <a:buFontTx/>
+              <a:buNone/>
+              <a:defRPr sz="2400">
+                <a:solidFill>
+                  <a:schemeClr val="accent1"/>
+                </a:solidFill>
+              </a:defRPr>
+            </a:lvl1pPr>
+            <a:lvl2pPr marL="457200" indent="0">
+              <a:buFontTx/>
+              <a:buNone/>
+              <a:defRPr/>
+            </a:lvl2pPr>
+            <a:lvl3pPr marL="914400" indent="0">
+              <a:buFontTx/>
+              <a:buNone/>
+              <a:defRPr/>
+            </a:lvl3pPr>
+            <a:lvl4pPr marL="1371600" indent="0">
+              <a:buFontTx/>
+              <a:buNone/>
+              <a:defRPr/>
+            </a:lvl4pPr>
+            <a:lvl5pPr marL="1828800" indent="0">
+              <a:buFontTx/>
+              <a:buNone/>
+              <a:defRPr/>
+            </a:lvl5pPr>
+          </a:lstStyle>
+          <a:p>
+            <a:pPr lvl="0"/>
+            <a:r>
+              <a:rPr lang="en-US"/>
+              <a:t>Click to edit Master text styles</a:t>
+            </a:r>
+          </a:p>
+        </p:txBody>
+      </p:sp>
+      <p:sp>
+        <p:nvSpPr>
+          <p:cNvPr id="3" name="Text Placeholder 2"/>
+          <p:cNvSpPr>
+            <a:spLocks noGrp="1"/>
+          </p:cNvSpPr>
+          <p:nvPr>
+            <p:ph type="body" idx="1"/>
+          </p:nvPr>
+        </p:nvSpPr>
+        <p:spPr>
+          <a:xfrm>
+            <a:off x="677335" y="4527448"/>
+            <a:ext cx="8596668" cy="1513914"/>
+          </a:xfrm>
+        </p:spPr>
+        <p:txBody>
+          <a:bodyPr anchor="t">
+            <a:normAutofit/>
+          </a:bodyPr>
+          <a:lstStyle>
+            <a:lvl1pPr marL="0" indent="0" algn="l">
+              <a:buNone/>
+              <a:defRPr sz="1800">
+                <a:solidFill>
+                  <a:schemeClr val="tx1">
+                    <a:lumMod val="50000"/>
+                    <a:lumOff val="50000"/>
+                  </a:schemeClr>
+                </a:solidFill>
+              </a:defRPr>
+            </a:lvl1pPr>
+            <a:lvl2pPr marL="457200" indent="0">
+              <a:buNone/>
+              <a:defRPr sz="1800">
+                <a:solidFill>
+                  <a:schemeClr val="tx1">
+                    <a:tint val="75000"/>
+                  </a:schemeClr>
+                </a:solidFill>
+              </a:defRPr>
+            </a:lvl2pPr>
+            <a:lvl3pPr marL="914400" indent="0">
+              <a:buNone/>
+              <a:defRPr sz="1600">
+                <a:solidFill>
+                  <a:schemeClr val="tx1">
+                    <a:tint val="75000"/>
+                  </a:schemeClr>
+                </a:solidFill>
+              </a:defRPr>
+            </a:lvl3pPr>
+            <a:lvl4pPr marL="1371600" indent="0">
+              <a:buNone/>
+              <a:defRPr sz="1400">
+                <a:solidFill>
+                  <a:schemeClr val="tx1">
+                    <a:tint val="75000"/>
+                  </a:schemeClr>
+                </a:solidFill>
+              </a:defRPr>
+            </a:lvl4pPr>
+            <a:lvl5pPr marL="1828800" indent="0">
+              <a:buNone/>
+              <a:defRPr sz="1400">
+                <a:solidFill>
+                  <a:schemeClr val="tx1">
+                    <a:tint val="75000"/>
+                  </a:schemeClr>
+                </a:solidFill>
+              </a:defRPr>
+            </a:lvl5pPr>
+            <a:lvl6pPr marL="2286000" indent="0">
+              <a:buNone/>
+              <a:defRPr sz="1400">
+                <a:solidFill>
+                  <a:schemeClr val="tx1">
+                    <a:tint val="75000"/>
+                  </a:schemeClr>
+                </a:solidFill>
+              </a:defRPr>
+            </a:lvl6pPr>
+            <a:lvl7pPr marL="2743200" indent="0">
+              <a:buNone/>
+              <a:defRPr sz="1400">
+                <a:solidFill>
+                  <a:schemeClr val="tx1">
+                    <a:tint val="75000"/>
+                  </a:schemeClr>
+                </a:solidFill>
+              </a:defRPr>
+            </a:lvl7pPr>
+            <a:lvl8pPr marL="3200400" indent="0">
+              <a:buNone/>
+              <a:defRPr sz="1400">
+                <a:solidFill>
+                  <a:schemeClr val="tx1">
+                    <a:tint val="75000"/>
+                  </a:schemeClr>
+                </a:solidFill>
+              </a:defRPr>
+            </a:lvl8pPr>
+            <a:lvl9pPr marL="3657600" indent="0">
+              <a:buNone/>
+              <a:defRPr sz="1400">
+                <a:solidFill>
+                  <a:schemeClr val="tx1">
+                    <a:tint val="75000"/>
+                  </a:schemeClr>
+                </a:solidFill>
+              </a:defRPr>
+            </a:lvl9pPr>
+          </a:lstStyle>
+          <a:p>
+            <a:pPr lvl="0"/>
+            <a:r>
+              <a:rPr lang="en-US"/>
+              <a:t>Click to edit Master text styles</a:t>
+            </a:r>
+          </a:p>
+        </p:txBody>
+      </p:sp>
+      <p:sp>
+        <p:nvSpPr>
+          <p:cNvPr id="4" name="Date Placeholder 3"/>
+          <p:cNvSpPr>
+            <a:spLocks noGrp="1"/>
+          </p:cNvSpPr>
+          <p:nvPr>
+            <p:ph type="dt" sz="half" idx="10"/>
+          </p:nvPr>
+        </p:nvSpPr>
+        <p:spPr/>
+        <p:txBody>
+          <a:bodyPr/>
+          <a:lstStyle/>
+          <a:p>
+            <a:fld id="{50951492-DE4F-4CD9-A31F-3E1DD746501E}" type="datetimeFigureOut">
+              <a:rPr lang="he-IL" smtClean="0"/>
+              <a:t>כ"ז.תשרי.תשפ"ג</a:t>
+            </a:fld>
+            <a:endParaRPr lang="he-IL"/>
+          </a:p>
+        </p:txBody>
+      </p:sp>
+      <p:sp>
+        <p:nvSpPr>
+          <p:cNvPr id="5" name="Footer Placeholder 4"/>
+          <p:cNvSpPr>
+            <a:spLocks noGrp="1"/>
+          </p:cNvSpPr>
+          <p:nvPr>
+            <p:ph type="ftr" sz="quarter" idx="11"/>
+          </p:nvPr>
+        </p:nvSpPr>
+        <p:spPr/>
+        <p:txBody>
+          <a:bodyPr/>
+          <a:lstStyle/>
+          <a:p>
+            <a:endParaRPr lang="he-IL"/>
+          </a:p>
+        </p:txBody>
+      </p:sp>
+      <p:sp>
+        <p:nvSpPr>
+          <p:cNvPr id="6" name="Slide Number Placeholder 5"/>
+          <p:cNvSpPr>
+            <a:spLocks noGrp="1"/>
+          </p:cNvSpPr>
+          <p:nvPr>
+            <p:ph type="sldNum" sz="quarter" idx="12"/>
+          </p:nvPr>
+        </p:nvSpPr>
+        <p:spPr/>
+        <p:txBody>
+          <a:bodyPr/>
+          <a:lstStyle/>
+          <a:p>
+            <a:fld id="{0C753D54-CE60-4A09-8FBE-C8922DBBD14E}" type="slidenum">
+              <a:rPr lang="he-IL" smtClean="0"/>
+              <a:t>‹#›</a:t>
+            </a:fld>
+            <a:endParaRPr lang="he-IL"/>
+          </a:p>
+        </p:txBody>
+      </p:sp>
+    </p:spTree>
+    <p:extLst>
+      <p:ext uri="{BB962C8B-B14F-4D97-AF65-F5344CB8AC3E}">
+        <p14:creationId xmlns:p14="http://schemas.microsoft.com/office/powerpoint/2010/main" val="2362416666"/>
+      </p:ext>
+    </p:extLst>
+  </p:cSld>
+  <p:clrMapOvr>
+    <a:masterClrMapping/>
+  </p:clrMapOvr>
+</p:sldLayout>
+</file>
+
+<file path=ppt/slideLayouts/slideLayout15.xml><?xml version="1.0" encoding="utf-8"?>
 <p:sldLayout xmlns:a="http://schemas.openxmlformats.org/drawingml/2006/main" xmlns:r="http://schemas.openxmlformats.org/officeDocument/2006/relationships" xmlns:p="http://schemas.openxmlformats.org/presentationml/2006/main" type="vertTx" preserve="1">
   <p:cSld name="Title and Vertical Text">
     <p:spTree>
@@ -348,13 +2554,7 @@
       </p:grpSpPr>
       <p:sp>
         <p:nvSpPr>
-          <p:cNvPr id="2" name="Title 1">
-            <a:extLst>
-              <a:ext uri="{FF2B5EF4-FFF2-40B4-BE49-F238E27FC236}">
-                <a16:creationId xmlns:a16="http://schemas.microsoft.com/office/drawing/2014/main" id="{B65235A5-8BF8-FB8F-575C-9448161C5B3D}"/>
-              </a:ext>
-            </a:extLst>
-          </p:cNvPr>
+          <p:cNvPr id="2" name="Title 1"/>
           <p:cNvSpPr>
             <a:spLocks noGrp="1"/>
           </p:cNvSpPr>
@@ -371,19 +2571,13 @@
               <a:rPr lang="en-US"/>
               <a:t>Click to edit Master title style</a:t>
             </a:r>
-            <a:endParaRPr lang="he-IL"/>
-          </a:p>
-        </p:txBody>
-      </p:sp>
-      <p:sp>
-        <p:nvSpPr>
-          <p:cNvPr id="3" name="Vertical Text Placeholder 2">
-            <a:extLst>
-              <a:ext uri="{FF2B5EF4-FFF2-40B4-BE49-F238E27FC236}">
-                <a16:creationId xmlns:a16="http://schemas.microsoft.com/office/drawing/2014/main" id="{B2BE517B-1BF6-90DA-96CB-AAF48EA7682C}"/>
-              </a:ext>
-            </a:extLst>
-          </p:cNvPr>
+            <a:endParaRPr lang="en-US" dirty="0"/>
+          </a:p>
+        </p:txBody>
+      </p:sp>
+      <p:sp>
+        <p:nvSpPr>
+          <p:cNvPr id="3" name="Vertical Text Placeholder 2"/>
           <p:cNvSpPr>
             <a:spLocks noGrp="1"/>
           </p:cNvSpPr>
@@ -429,19 +2623,13 @@
               <a:rPr lang="en-US"/>
               <a:t>Fifth level</a:t>
             </a:r>
-            <a:endParaRPr lang="he-IL"/>
-          </a:p>
-        </p:txBody>
-      </p:sp>
-      <p:sp>
-        <p:nvSpPr>
-          <p:cNvPr id="4" name="Date Placeholder 3">
-            <a:extLst>
-              <a:ext uri="{FF2B5EF4-FFF2-40B4-BE49-F238E27FC236}">
-                <a16:creationId xmlns:a16="http://schemas.microsoft.com/office/drawing/2014/main" id="{60ED36FD-440A-2A95-5ED1-F978A9D3C0C3}"/>
-              </a:ext>
-            </a:extLst>
-          </p:cNvPr>
+            <a:endParaRPr lang="en-US" dirty="0"/>
+          </a:p>
+        </p:txBody>
+      </p:sp>
+      <p:sp>
+        <p:nvSpPr>
+          <p:cNvPr id="4" name="Date Placeholder 3"/>
           <p:cNvSpPr>
             <a:spLocks noGrp="1"/>
           </p:cNvSpPr>
@@ -456,7 +2644,7 @@
           <a:p>
             <a:fld id="{50951492-DE4F-4CD9-A31F-3E1DD746501E}" type="datetimeFigureOut">
               <a:rPr lang="he-IL" smtClean="0"/>
-              <a:t>כ"ו/תשרי/תשפ"ג</a:t>
+              <a:t>כ"ז.תשרי.תשפ"ג</a:t>
             </a:fld>
             <a:endParaRPr lang="he-IL"/>
           </a:p>
@@ -464,13 +2652,7 @@
       </p:sp>
       <p:sp>
         <p:nvSpPr>
-          <p:cNvPr id="5" name="Footer Placeholder 4">
-            <a:extLst>
-              <a:ext uri="{FF2B5EF4-FFF2-40B4-BE49-F238E27FC236}">
-                <a16:creationId xmlns:a16="http://schemas.microsoft.com/office/drawing/2014/main" id="{EAC48D43-4E95-A26C-B5FE-9F01CCCB20FB}"/>
-              </a:ext>
-            </a:extLst>
-          </p:cNvPr>
+          <p:cNvPr id="5" name="Footer Placeholder 4"/>
           <p:cNvSpPr>
             <a:spLocks noGrp="1"/>
           </p:cNvSpPr>
@@ -489,13 +2671,7 @@
       </p:sp>
       <p:sp>
         <p:nvSpPr>
-          <p:cNvPr id="6" name="Slide Number Placeholder 5">
-            <a:extLst>
-              <a:ext uri="{FF2B5EF4-FFF2-40B4-BE49-F238E27FC236}">
-                <a16:creationId xmlns:a16="http://schemas.microsoft.com/office/drawing/2014/main" id="{FA74A63F-6C9D-C647-22A5-827A184178CB}"/>
-              </a:ext>
-            </a:extLst>
-          </p:cNvPr>
+          <p:cNvPr id="6" name="Slide Number Placeholder 5"/>
           <p:cNvSpPr>
             <a:spLocks noGrp="1"/>
           </p:cNvSpPr>
@@ -519,7 +2695,7 @@
     </p:spTree>
     <p:extLst>
       <p:ext uri="{BB962C8B-B14F-4D97-AF65-F5344CB8AC3E}">
-        <p14:creationId xmlns:p14="http://schemas.microsoft.com/office/powerpoint/2010/main" val="58645783"/>
+        <p14:creationId xmlns:p14="http://schemas.microsoft.com/office/powerpoint/2010/main" val="1732399913"/>
       </p:ext>
     </p:extLst>
   </p:cSld>
@@ -529,7 +2705,7 @@
 </p:sldLayout>
 </file>
 
-<file path=ppt/slideLayouts/slideLayout11.xml><?xml version="1.0" encoding="utf-8"?>
+<file path=ppt/slideLayouts/slideLayout16.xml><?xml version="1.0" encoding="utf-8"?>
 <p:sldLayout xmlns:a="http://schemas.openxmlformats.org/drawingml/2006/main" xmlns:r="http://schemas.openxmlformats.org/officeDocument/2006/relationships" xmlns:p="http://schemas.openxmlformats.org/presentationml/2006/main" type="vertTitleAndTx" preserve="1">
   <p:cSld name="Vertical Title and Text">
     <p:spTree>
@@ -548,13 +2724,7 @@
       </p:grpSpPr>
       <p:sp>
         <p:nvSpPr>
-          <p:cNvPr id="2" name="Vertical Title 1">
-            <a:extLst>
-              <a:ext uri="{FF2B5EF4-FFF2-40B4-BE49-F238E27FC236}">
-                <a16:creationId xmlns:a16="http://schemas.microsoft.com/office/drawing/2014/main" id="{0005531B-FBE3-CE54-374B-3BCC5B525EC4}"/>
-              </a:ext>
-            </a:extLst>
-          </p:cNvPr>
+          <p:cNvPr id="2" name="Vertical Title 1"/>
           <p:cNvSpPr>
             <a:spLocks noGrp="1"/>
           </p:cNvSpPr>
@@ -564,48 +2734,42 @@
         </p:nvSpPr>
         <p:spPr>
           <a:xfrm>
-            <a:off x="8724900" y="365125"/>
-            <a:ext cx="2628900" cy="5811838"/>
+            <a:off x="7967673" y="609599"/>
+            <a:ext cx="1304743" cy="5251451"/>
           </a:xfrm>
         </p:spPr>
         <p:txBody>
+          <a:bodyPr vert="eaVert" anchor="ctr"/>
+          <a:lstStyle/>
+          <a:p>
+            <a:r>
+              <a:rPr lang="en-US"/>
+              <a:t>Click to edit Master title style</a:t>
+            </a:r>
+            <a:endParaRPr lang="en-US" dirty="0"/>
+          </a:p>
+        </p:txBody>
+      </p:sp>
+      <p:sp>
+        <p:nvSpPr>
+          <p:cNvPr id="3" name="Vertical Text Placeholder 2"/>
+          <p:cNvSpPr>
+            <a:spLocks noGrp="1"/>
+          </p:cNvSpPr>
+          <p:nvPr>
+            <p:ph type="body" orient="vert" idx="1"/>
+          </p:nvPr>
+        </p:nvSpPr>
+        <p:spPr>
+          <a:xfrm>
+            <a:off x="677335" y="609600"/>
+            <a:ext cx="7060150" cy="5251450"/>
+          </a:xfrm>
+        </p:spPr>
+        <p:txBody>
           <a:bodyPr vert="eaVert"/>
           <a:lstStyle/>
           <a:p>
-            <a:r>
-              <a:rPr lang="en-US"/>
-              <a:t>Click to edit Master title style</a:t>
-            </a:r>
-            <a:endParaRPr lang="he-IL"/>
-          </a:p>
-        </p:txBody>
-      </p:sp>
-      <p:sp>
-        <p:nvSpPr>
-          <p:cNvPr id="3" name="Vertical Text Placeholder 2">
-            <a:extLst>
-              <a:ext uri="{FF2B5EF4-FFF2-40B4-BE49-F238E27FC236}">
-                <a16:creationId xmlns:a16="http://schemas.microsoft.com/office/drawing/2014/main" id="{91377DE1-68A2-5B34-CF6E-992F1CF95EF5}"/>
-              </a:ext>
-            </a:extLst>
-          </p:cNvPr>
-          <p:cNvSpPr>
-            <a:spLocks noGrp="1"/>
-          </p:cNvSpPr>
-          <p:nvPr>
-            <p:ph type="body" orient="vert" idx="1"/>
-          </p:nvPr>
-        </p:nvSpPr>
-        <p:spPr>
-          <a:xfrm>
-            <a:off x="838200" y="365125"/>
-            <a:ext cx="7734300" cy="5811838"/>
-          </a:xfrm>
-        </p:spPr>
-        <p:txBody>
-          <a:bodyPr vert="eaVert"/>
-          <a:lstStyle/>
-          <a:p>
             <a:pPr lvl="0"/>
             <a:r>
               <a:rPr lang="en-US"/>
@@ -639,19 +2803,13 @@
               <a:rPr lang="en-US"/>
               <a:t>Fifth level</a:t>
             </a:r>
-            <a:endParaRPr lang="he-IL"/>
-          </a:p>
-        </p:txBody>
-      </p:sp>
-      <p:sp>
-        <p:nvSpPr>
-          <p:cNvPr id="4" name="Date Placeholder 3">
-            <a:extLst>
-              <a:ext uri="{FF2B5EF4-FFF2-40B4-BE49-F238E27FC236}">
-                <a16:creationId xmlns:a16="http://schemas.microsoft.com/office/drawing/2014/main" id="{D7C87B17-5FA8-866B-045C-24553F08A12C}"/>
-              </a:ext>
-            </a:extLst>
-          </p:cNvPr>
+            <a:endParaRPr lang="en-US" dirty="0"/>
+          </a:p>
+        </p:txBody>
+      </p:sp>
+      <p:sp>
+        <p:nvSpPr>
+          <p:cNvPr id="4" name="Date Placeholder 3"/>
           <p:cNvSpPr>
             <a:spLocks noGrp="1"/>
           </p:cNvSpPr>
@@ -666,7 +2824,7 @@
           <a:p>
             <a:fld id="{50951492-DE4F-4CD9-A31F-3E1DD746501E}" type="datetimeFigureOut">
               <a:rPr lang="he-IL" smtClean="0"/>
-              <a:t>כ"ו/תשרי/תשפ"ג</a:t>
+              <a:t>כ"ז.תשרי.תשפ"ג</a:t>
             </a:fld>
             <a:endParaRPr lang="he-IL"/>
           </a:p>
@@ -674,13 +2832,7 @@
       </p:sp>
       <p:sp>
         <p:nvSpPr>
-          <p:cNvPr id="5" name="Footer Placeholder 4">
-            <a:extLst>
-              <a:ext uri="{FF2B5EF4-FFF2-40B4-BE49-F238E27FC236}">
-                <a16:creationId xmlns:a16="http://schemas.microsoft.com/office/drawing/2014/main" id="{45953331-437F-8EED-592D-F60E641DF38E}"/>
-              </a:ext>
-            </a:extLst>
-          </p:cNvPr>
+          <p:cNvPr id="5" name="Footer Placeholder 4"/>
           <p:cNvSpPr>
             <a:spLocks noGrp="1"/>
           </p:cNvSpPr>
@@ -699,13 +2851,7 @@
       </p:sp>
       <p:sp>
         <p:nvSpPr>
-          <p:cNvPr id="6" name="Slide Number Placeholder 5">
-            <a:extLst>
-              <a:ext uri="{FF2B5EF4-FFF2-40B4-BE49-F238E27FC236}">
-                <a16:creationId xmlns:a16="http://schemas.microsoft.com/office/drawing/2014/main" id="{8CACD3C7-0375-1F10-97A2-308E79B78F1B}"/>
-              </a:ext>
-            </a:extLst>
-          </p:cNvPr>
+          <p:cNvPr id="6" name="Slide Number Placeholder 5"/>
           <p:cNvSpPr>
             <a:spLocks noGrp="1"/>
           </p:cNvSpPr>
@@ -729,7 +2875,7 @@
     </p:spTree>
     <p:extLst>
       <p:ext uri="{BB962C8B-B14F-4D97-AF65-F5344CB8AC3E}">
-        <p14:creationId xmlns:p14="http://schemas.microsoft.com/office/powerpoint/2010/main" val="2197134528"/>
+        <p14:creationId xmlns:p14="http://schemas.microsoft.com/office/powerpoint/2010/main" val="1528888987"/>
       </p:ext>
     </p:extLst>
   </p:cSld>
@@ -758,18 +2904,41 @@
       </p:grpSpPr>
       <p:sp>
         <p:nvSpPr>
-          <p:cNvPr id="2" name="Title 1">
-            <a:extLst>
-              <a:ext uri="{FF2B5EF4-FFF2-40B4-BE49-F238E27FC236}">
-                <a16:creationId xmlns:a16="http://schemas.microsoft.com/office/drawing/2014/main" id="{00A75408-CC80-100E-5A3E-6F3EA3AA5239}"/>
-              </a:ext>
-            </a:extLst>
-          </p:cNvPr>
+          <p:cNvPr id="2" name="Title 1"/>
           <p:cNvSpPr>
             <a:spLocks noGrp="1"/>
           </p:cNvSpPr>
           <p:nvPr>
             <p:ph type="title"/>
+          </p:nvPr>
+        </p:nvSpPr>
+        <p:spPr/>
+        <p:txBody>
+          <a:bodyPr>
+            <a:normAutofit/>
+          </a:bodyPr>
+          <a:lstStyle>
+            <a:lvl1pPr>
+              <a:defRPr sz="3600"/>
+            </a:lvl1pPr>
+          </a:lstStyle>
+          <a:p>
+            <a:r>
+              <a:rPr lang="en-US"/>
+              <a:t>Click to edit Master title style</a:t>
+            </a:r>
+            <a:endParaRPr lang="en-US" dirty="0"/>
+          </a:p>
+        </p:txBody>
+      </p:sp>
+      <p:sp>
+        <p:nvSpPr>
+          <p:cNvPr id="3" name="Content Placeholder 2"/>
+          <p:cNvSpPr>
+            <a:spLocks noGrp="1"/>
+          </p:cNvSpPr>
+          <p:nvPr>
+            <p:ph idx="1"/>
           </p:nvPr>
         </p:nvSpPr>
         <p:spPr/>
@@ -777,28 +2946,51 @@
           <a:bodyPr/>
           <a:lstStyle/>
           <a:p>
+            <a:pPr lvl="0"/>
             <a:r>
               <a:rPr lang="en-US"/>
-              <a:t>Click to edit Master title style</a:t>
-            </a:r>
-            <a:endParaRPr lang="he-IL"/>
-          </a:p>
-        </p:txBody>
-      </p:sp>
-      <p:sp>
-        <p:nvSpPr>
-          <p:cNvPr id="3" name="Content Placeholder 2">
-            <a:extLst>
-              <a:ext uri="{FF2B5EF4-FFF2-40B4-BE49-F238E27FC236}">
-                <a16:creationId xmlns:a16="http://schemas.microsoft.com/office/drawing/2014/main" id="{C1A7B89E-CED0-3B09-45CA-2A89C5423994}"/>
-              </a:ext>
-            </a:extLst>
-          </p:cNvPr>
-          <p:cNvSpPr>
-            <a:spLocks noGrp="1"/>
-          </p:cNvSpPr>
-          <p:nvPr>
-            <p:ph idx="1"/>
+              <a:t>Click to edit Master text styles</a:t>
+            </a:r>
+          </a:p>
+          <a:p>
+            <a:pPr lvl="1"/>
+            <a:r>
+              <a:rPr lang="en-US"/>
+              <a:t>Second level</a:t>
+            </a:r>
+          </a:p>
+          <a:p>
+            <a:pPr lvl="2"/>
+            <a:r>
+              <a:rPr lang="en-US"/>
+              <a:t>Third level</a:t>
+            </a:r>
+          </a:p>
+          <a:p>
+            <a:pPr lvl="3"/>
+            <a:r>
+              <a:rPr lang="en-US"/>
+              <a:t>Fourth level</a:t>
+            </a:r>
+          </a:p>
+          <a:p>
+            <a:pPr lvl="4"/>
+            <a:r>
+              <a:rPr lang="en-US"/>
+              <a:t>Fifth level</a:t>
+            </a:r>
+            <a:endParaRPr lang="en-US" dirty="0"/>
+          </a:p>
+        </p:txBody>
+      </p:sp>
+      <p:sp>
+        <p:nvSpPr>
+          <p:cNvPr id="4" name="Date Placeholder 3"/>
+          <p:cNvSpPr>
+            <a:spLocks noGrp="1"/>
+          </p:cNvSpPr>
+          <p:nvPr>
+            <p:ph type="dt" sz="half" idx="10"/>
           </p:nvPr>
         </p:nvSpPr>
         <p:spPr/>
@@ -806,57 +2998,22 @@
           <a:bodyPr/>
           <a:lstStyle/>
           <a:p>
-            <a:pPr lvl="0"/>
-            <a:r>
-              <a:rPr lang="en-US"/>
-              <a:t>Click to edit Master text styles</a:t>
-            </a:r>
-          </a:p>
-          <a:p>
-            <a:pPr lvl="1"/>
-            <a:r>
-              <a:rPr lang="en-US"/>
-              <a:t>Second level</a:t>
-            </a:r>
-          </a:p>
-          <a:p>
-            <a:pPr lvl="2"/>
-            <a:r>
-              <a:rPr lang="en-US"/>
-              <a:t>Third level</a:t>
-            </a:r>
-          </a:p>
-          <a:p>
-            <a:pPr lvl="3"/>
-            <a:r>
-              <a:rPr lang="en-US"/>
-              <a:t>Fourth level</a:t>
-            </a:r>
-          </a:p>
-          <a:p>
-            <a:pPr lvl="4"/>
-            <a:r>
-              <a:rPr lang="en-US"/>
-              <a:t>Fifth level</a:t>
-            </a:r>
+            <a:fld id="{50951492-DE4F-4CD9-A31F-3E1DD746501E}" type="datetimeFigureOut">
+              <a:rPr lang="he-IL" smtClean="0"/>
+              <a:t>כ"ז.תשרי.תשפ"ג</a:t>
+            </a:fld>
             <a:endParaRPr lang="he-IL"/>
           </a:p>
         </p:txBody>
       </p:sp>
       <p:sp>
         <p:nvSpPr>
-          <p:cNvPr id="4" name="Date Placeholder 3">
-            <a:extLst>
-              <a:ext uri="{FF2B5EF4-FFF2-40B4-BE49-F238E27FC236}">
-                <a16:creationId xmlns:a16="http://schemas.microsoft.com/office/drawing/2014/main" id="{8313B0F8-B1C8-9483-7102-7B5533211AFD}"/>
-              </a:ext>
-            </a:extLst>
-          </p:cNvPr>
-          <p:cNvSpPr>
-            <a:spLocks noGrp="1"/>
-          </p:cNvSpPr>
-          <p:nvPr>
-            <p:ph type="dt" sz="half" idx="10"/>
+          <p:cNvPr id="5" name="Footer Placeholder 4"/>
+          <p:cNvSpPr>
+            <a:spLocks noGrp="1"/>
+          </p:cNvSpPr>
+          <p:nvPr>
+            <p:ph type="ftr" sz="quarter" idx="11"/>
           </p:nvPr>
         </p:nvSpPr>
         <p:spPr/>
@@ -864,48 +3021,13 @@
           <a:bodyPr/>
           <a:lstStyle/>
           <a:p>
-            <a:fld id="{50951492-DE4F-4CD9-A31F-3E1DD746501E}" type="datetimeFigureOut">
-              <a:rPr lang="he-IL" smtClean="0"/>
-              <a:t>כ"ו/תשרי/תשפ"ג</a:t>
-            </a:fld>
             <a:endParaRPr lang="he-IL"/>
           </a:p>
         </p:txBody>
       </p:sp>
       <p:sp>
         <p:nvSpPr>
-          <p:cNvPr id="5" name="Footer Placeholder 4">
-            <a:extLst>
-              <a:ext uri="{FF2B5EF4-FFF2-40B4-BE49-F238E27FC236}">
-                <a16:creationId xmlns:a16="http://schemas.microsoft.com/office/drawing/2014/main" id="{70693D68-5AF4-C37E-6F26-FA1A6E957739}"/>
-              </a:ext>
-            </a:extLst>
-          </p:cNvPr>
-          <p:cNvSpPr>
-            <a:spLocks noGrp="1"/>
-          </p:cNvSpPr>
-          <p:nvPr>
-            <p:ph type="ftr" sz="quarter" idx="11"/>
-          </p:nvPr>
-        </p:nvSpPr>
-        <p:spPr/>
-        <p:txBody>
-          <a:bodyPr/>
-          <a:lstStyle/>
-          <a:p>
-            <a:endParaRPr lang="he-IL"/>
-          </a:p>
-        </p:txBody>
-      </p:sp>
-      <p:sp>
-        <p:nvSpPr>
-          <p:cNvPr id="6" name="Slide Number Placeholder 5">
-            <a:extLst>
-              <a:ext uri="{FF2B5EF4-FFF2-40B4-BE49-F238E27FC236}">
-                <a16:creationId xmlns:a16="http://schemas.microsoft.com/office/drawing/2014/main" id="{547FDBF7-CCBC-5697-7299-6964850C2494}"/>
-              </a:ext>
-            </a:extLst>
-          </p:cNvPr>
+          <p:cNvPr id="6" name="Slide Number Placeholder 5"/>
           <p:cNvSpPr>
             <a:spLocks noGrp="1"/>
           </p:cNvSpPr>
@@ -929,7 +3051,7 @@
     </p:spTree>
     <p:extLst>
       <p:ext uri="{BB962C8B-B14F-4D97-AF65-F5344CB8AC3E}">
-        <p14:creationId xmlns:p14="http://schemas.microsoft.com/office/powerpoint/2010/main" val="3830583696"/>
+        <p14:creationId xmlns:p14="http://schemas.microsoft.com/office/powerpoint/2010/main" val="3107335119"/>
       </p:ext>
     </p:extLst>
   </p:cSld>
@@ -958,13 +3080,7 @@
       </p:grpSpPr>
       <p:sp>
         <p:nvSpPr>
-          <p:cNvPr id="2" name="Title 1">
-            <a:extLst>
-              <a:ext uri="{FF2B5EF4-FFF2-40B4-BE49-F238E27FC236}">
-                <a16:creationId xmlns:a16="http://schemas.microsoft.com/office/drawing/2014/main" id="{20E7F603-1C3D-DD01-4DFE-382665CAE886}"/>
-              </a:ext>
-            </a:extLst>
-          </p:cNvPr>
+          <p:cNvPr id="2" name="Title 1"/>
           <p:cNvSpPr>
             <a:spLocks noGrp="1"/>
           </p:cNvSpPr>
@@ -974,15 +3090,15 @@
         </p:nvSpPr>
         <p:spPr>
           <a:xfrm>
-            <a:off x="831850" y="1709738"/>
-            <a:ext cx="10515600" cy="2852737"/>
+            <a:off x="677335" y="2700867"/>
+            <a:ext cx="8596668" cy="1826581"/>
           </a:xfrm>
         </p:spPr>
         <p:txBody>
           <a:bodyPr anchor="b"/>
           <a:lstStyle>
-            <a:lvl1pPr>
-              <a:defRPr sz="6000"/>
+            <a:lvl1pPr algn="l">
+              <a:defRPr sz="4000" b="0" cap="none"/>
             </a:lvl1pPr>
           </a:lstStyle>
           <a:p>
@@ -990,19 +3106,13 @@
               <a:rPr lang="en-US"/>
               <a:t>Click to edit Master title style</a:t>
             </a:r>
-            <a:endParaRPr lang="he-IL"/>
-          </a:p>
-        </p:txBody>
-      </p:sp>
-      <p:sp>
-        <p:nvSpPr>
-          <p:cNvPr id="3" name="Text Placeholder 2">
-            <a:extLst>
-              <a:ext uri="{FF2B5EF4-FFF2-40B4-BE49-F238E27FC236}">
-                <a16:creationId xmlns:a16="http://schemas.microsoft.com/office/drawing/2014/main" id="{CE5492E2-68C3-F8C7-101E-248FC53C9B54}"/>
-              </a:ext>
-            </a:extLst>
-          </p:cNvPr>
+            <a:endParaRPr lang="en-US" dirty="0"/>
+          </a:p>
+        </p:txBody>
+      </p:sp>
+      <p:sp>
+        <p:nvSpPr>
+          <p:cNvPr id="3" name="Text Placeholder 2"/>
           <p:cNvSpPr>
             <a:spLocks noGrp="1"/>
           </p:cNvSpPr>
@@ -1012,102 +3122,103 @@
         </p:nvSpPr>
         <p:spPr>
           <a:xfrm>
-            <a:off x="831850" y="4589463"/>
-            <a:ext cx="10515600" cy="1500187"/>
+            <a:off x="677335" y="4527448"/>
+            <a:ext cx="8596668" cy="860400"/>
           </a:xfrm>
         </p:spPr>
         <p:txBody>
-          <a:bodyPr/>
+          <a:bodyPr anchor="t"/>
           <a:lstStyle>
-            <a:lvl1pPr marL="0" indent="0">
-              <a:buNone/>
-              <a:defRPr sz="2400">
+            <a:lvl1pPr marL="0" indent="0" algn="l">
+              <a:buNone/>
+              <a:defRPr sz="2000">
+                <a:solidFill>
+                  <a:schemeClr val="tx1">
+                    <a:lumMod val="50000"/>
+                    <a:lumOff val="50000"/>
+                  </a:schemeClr>
+                </a:solidFill>
+              </a:defRPr>
+            </a:lvl1pPr>
+            <a:lvl2pPr marL="457200" indent="0">
+              <a:buNone/>
+              <a:defRPr sz="1800">
                 <a:solidFill>
                   <a:schemeClr val="tx1">
                     <a:tint val="75000"/>
                   </a:schemeClr>
                 </a:solidFill>
               </a:defRPr>
-            </a:lvl1pPr>
-            <a:lvl2pPr marL="457200" indent="0">
-              <a:buNone/>
-              <a:defRPr sz="2000">
+            </a:lvl2pPr>
+            <a:lvl3pPr marL="914400" indent="0">
+              <a:buNone/>
+              <a:defRPr sz="1600">
                 <a:solidFill>
                   <a:schemeClr val="tx1">
                     <a:tint val="75000"/>
                   </a:schemeClr>
                 </a:solidFill>
               </a:defRPr>
-            </a:lvl2pPr>
-            <a:lvl3pPr marL="914400" indent="0">
-              <a:buNone/>
-              <a:defRPr sz="1800">
+            </a:lvl3pPr>
+            <a:lvl4pPr marL="1371600" indent="0">
+              <a:buNone/>
+              <a:defRPr sz="1400">
                 <a:solidFill>
                   <a:schemeClr val="tx1">
                     <a:tint val="75000"/>
                   </a:schemeClr>
                 </a:solidFill>
               </a:defRPr>
-            </a:lvl3pPr>
-            <a:lvl4pPr marL="1371600" indent="0">
-              <a:buNone/>
-              <a:defRPr sz="1600">
+            </a:lvl4pPr>
+            <a:lvl5pPr marL="1828800" indent="0">
+              <a:buNone/>
+              <a:defRPr sz="1400">
                 <a:solidFill>
                   <a:schemeClr val="tx1">
                     <a:tint val="75000"/>
                   </a:schemeClr>
                 </a:solidFill>
               </a:defRPr>
-            </a:lvl4pPr>
-            <a:lvl5pPr marL="1828800" indent="0">
-              <a:buNone/>
-              <a:defRPr sz="1600">
+            </a:lvl5pPr>
+            <a:lvl6pPr marL="2286000" indent="0">
+              <a:buNone/>
+              <a:defRPr sz="1400">
                 <a:solidFill>
                   <a:schemeClr val="tx1">
                     <a:tint val="75000"/>
                   </a:schemeClr>
                 </a:solidFill>
               </a:defRPr>
-            </a:lvl5pPr>
-            <a:lvl6pPr marL="2286000" indent="0">
-              <a:buNone/>
-              <a:defRPr sz="1600">
+            </a:lvl6pPr>
+            <a:lvl7pPr marL="2743200" indent="0">
+              <a:buNone/>
+              <a:defRPr sz="1400">
                 <a:solidFill>
                   <a:schemeClr val="tx1">
                     <a:tint val="75000"/>
                   </a:schemeClr>
                 </a:solidFill>
               </a:defRPr>
-            </a:lvl6pPr>
-            <a:lvl7pPr marL="2743200" indent="0">
-              <a:buNone/>
-              <a:defRPr sz="1600">
+            </a:lvl7pPr>
+            <a:lvl8pPr marL="3200400" indent="0">
+              <a:buNone/>
+              <a:defRPr sz="1400">
                 <a:solidFill>
                   <a:schemeClr val="tx1">
                     <a:tint val="75000"/>
                   </a:schemeClr>
                 </a:solidFill>
               </a:defRPr>
-            </a:lvl7pPr>
-            <a:lvl8pPr marL="3200400" indent="0">
-              <a:buNone/>
-              <a:defRPr sz="1600">
+            </a:lvl8pPr>
+            <a:lvl9pPr marL="3657600" indent="0">
+              <a:buNone/>
+              <a:defRPr sz="1400">
                 <a:solidFill>
                   <a:schemeClr val="tx1">
                     <a:tint val="75000"/>
                   </a:schemeClr>
                 </a:solidFill>
               </a:defRPr>
-            </a:lvl8pPr>
-            <a:lvl9pPr marL="3657600" indent="0">
-              <a:buNone/>
-              <a:defRPr sz="1600">
-                <a:solidFill>
-                  <a:schemeClr val="tx1">
-                    <a:tint val="75000"/>
-                  </a:schemeClr>
-                </a:solidFill>
-              </a:defRPr>
             </a:lvl9pPr>
           </a:lstStyle>
           <a:p>
@@ -1121,13 +3232,7 @@
       </p:sp>
       <p:sp>
         <p:nvSpPr>
-          <p:cNvPr id="4" name="Date Placeholder 3">
-            <a:extLst>
-              <a:ext uri="{FF2B5EF4-FFF2-40B4-BE49-F238E27FC236}">
-                <a16:creationId xmlns:a16="http://schemas.microsoft.com/office/drawing/2014/main" id="{846B1BA4-5A8B-C758-586C-DBFF95436C56}"/>
-              </a:ext>
-            </a:extLst>
-          </p:cNvPr>
+          <p:cNvPr id="4" name="Date Placeholder 3"/>
           <p:cNvSpPr>
             <a:spLocks noGrp="1"/>
           </p:cNvSpPr>
@@ -1142,7 +3247,7 @@
           <a:p>
             <a:fld id="{50951492-DE4F-4CD9-A31F-3E1DD746501E}" type="datetimeFigureOut">
               <a:rPr lang="he-IL" smtClean="0"/>
-              <a:t>כ"ו/תשרי/תשפ"ג</a:t>
+              <a:t>כ"ז.תשרי.תשפ"ג</a:t>
             </a:fld>
             <a:endParaRPr lang="he-IL"/>
           </a:p>
@@ -1150,13 +3255,7 @@
       </p:sp>
       <p:sp>
         <p:nvSpPr>
-          <p:cNvPr id="5" name="Footer Placeholder 4">
-            <a:extLst>
-              <a:ext uri="{FF2B5EF4-FFF2-40B4-BE49-F238E27FC236}">
-                <a16:creationId xmlns:a16="http://schemas.microsoft.com/office/drawing/2014/main" id="{33EBA500-84DC-729B-A6CC-B470CD30F1EF}"/>
-              </a:ext>
-            </a:extLst>
-          </p:cNvPr>
+          <p:cNvPr id="5" name="Footer Placeholder 4"/>
           <p:cNvSpPr>
             <a:spLocks noGrp="1"/>
           </p:cNvSpPr>
@@ -1175,13 +3274,7 @@
       </p:sp>
       <p:sp>
         <p:nvSpPr>
-          <p:cNvPr id="6" name="Slide Number Placeholder 5">
-            <a:extLst>
-              <a:ext uri="{FF2B5EF4-FFF2-40B4-BE49-F238E27FC236}">
-                <a16:creationId xmlns:a16="http://schemas.microsoft.com/office/drawing/2014/main" id="{ED4D26D0-F7E6-E26D-825F-8D0B8571BB7E}"/>
-              </a:ext>
-            </a:extLst>
-          </p:cNvPr>
+          <p:cNvPr id="6" name="Slide Number Placeholder 5"/>
           <p:cNvSpPr>
             <a:spLocks noGrp="1"/>
           </p:cNvSpPr>
@@ -1205,7 +3298,7 @@
     </p:spTree>
     <p:extLst>
       <p:ext uri="{BB962C8B-B14F-4D97-AF65-F5344CB8AC3E}">
-        <p14:creationId xmlns:p14="http://schemas.microsoft.com/office/powerpoint/2010/main" val="2013723851"/>
+        <p14:creationId xmlns:p14="http://schemas.microsoft.com/office/powerpoint/2010/main" val="2028766985"/>
       </p:ext>
     </p:extLst>
   </p:cSld>
@@ -1234,13 +3327,7 @@
       </p:grpSpPr>
       <p:sp>
         <p:nvSpPr>
-          <p:cNvPr id="2" name="Title 1">
-            <a:extLst>
-              <a:ext uri="{FF2B5EF4-FFF2-40B4-BE49-F238E27FC236}">
-                <a16:creationId xmlns:a16="http://schemas.microsoft.com/office/drawing/2014/main" id="{58BF0387-4EEB-773C-4A51-516A697E64F9}"/>
-              </a:ext>
-            </a:extLst>
-          </p:cNvPr>
+          <p:cNvPr id="2" name="Title 1"/>
           <p:cNvSpPr>
             <a:spLocks noGrp="1"/>
           </p:cNvSpPr>
@@ -1257,19 +3344,13 @@
               <a:rPr lang="en-US"/>
               <a:t>Click to edit Master title style</a:t>
             </a:r>
-            <a:endParaRPr lang="he-IL"/>
-          </a:p>
-        </p:txBody>
-      </p:sp>
-      <p:sp>
-        <p:nvSpPr>
-          <p:cNvPr id="3" name="Content Placeholder 2">
-            <a:extLst>
-              <a:ext uri="{FF2B5EF4-FFF2-40B4-BE49-F238E27FC236}">
-                <a16:creationId xmlns:a16="http://schemas.microsoft.com/office/drawing/2014/main" id="{B1E23EE8-4B31-DCC9-0B79-96AA48F1AB03}"/>
-              </a:ext>
-            </a:extLst>
-          </p:cNvPr>
+            <a:endParaRPr lang="en-US" dirty="0"/>
+          </a:p>
+        </p:txBody>
+      </p:sp>
+      <p:sp>
+        <p:nvSpPr>
+          <p:cNvPr id="3" name="Content Placeholder 2"/>
           <p:cNvSpPr>
             <a:spLocks noGrp="1"/>
           </p:cNvSpPr>
@@ -1279,8 +3360,8 @@
         </p:nvSpPr>
         <p:spPr>
           <a:xfrm>
-            <a:off x="838200" y="1825625"/>
-            <a:ext cx="5181600" cy="4351338"/>
+            <a:off x="677334" y="2160589"/>
+            <a:ext cx="4184035" cy="3880772"/>
           </a:xfrm>
         </p:spPr>
         <p:txBody>
@@ -1320,19 +3401,13 @@
               <a:rPr lang="en-US"/>
               <a:t>Fifth level</a:t>
             </a:r>
-            <a:endParaRPr lang="he-IL"/>
-          </a:p>
-        </p:txBody>
-      </p:sp>
-      <p:sp>
-        <p:nvSpPr>
-          <p:cNvPr id="4" name="Content Placeholder 3">
-            <a:extLst>
-              <a:ext uri="{FF2B5EF4-FFF2-40B4-BE49-F238E27FC236}">
-                <a16:creationId xmlns:a16="http://schemas.microsoft.com/office/drawing/2014/main" id="{6F40EDAD-5B4A-A9BC-BBCD-761DE905EDBE}"/>
-              </a:ext>
-            </a:extLst>
-          </p:cNvPr>
+            <a:endParaRPr lang="en-US" dirty="0"/>
+          </a:p>
+        </p:txBody>
+      </p:sp>
+      <p:sp>
+        <p:nvSpPr>
+          <p:cNvPr id="4" name="Content Placeholder 3"/>
           <p:cNvSpPr>
             <a:spLocks noGrp="1"/>
           </p:cNvSpPr>
@@ -1342,8 +3417,8 @@
         </p:nvSpPr>
         <p:spPr>
           <a:xfrm>
-            <a:off x="6172200" y="1825625"/>
-            <a:ext cx="5181600" cy="4351338"/>
+            <a:off x="5089970" y="2160589"/>
+            <a:ext cx="4184034" cy="3880773"/>
           </a:xfrm>
         </p:spPr>
         <p:txBody>
@@ -1383,19 +3458,13 @@
               <a:rPr lang="en-US"/>
               <a:t>Fifth level</a:t>
             </a:r>
-            <a:endParaRPr lang="he-IL"/>
-          </a:p>
-        </p:txBody>
-      </p:sp>
-      <p:sp>
-        <p:nvSpPr>
-          <p:cNvPr id="5" name="Date Placeholder 4">
-            <a:extLst>
-              <a:ext uri="{FF2B5EF4-FFF2-40B4-BE49-F238E27FC236}">
-                <a16:creationId xmlns:a16="http://schemas.microsoft.com/office/drawing/2014/main" id="{3BBC5138-68A7-75B6-6A4D-087EC79350C4}"/>
-              </a:ext>
-            </a:extLst>
-          </p:cNvPr>
+            <a:endParaRPr lang="en-US" dirty="0"/>
+          </a:p>
+        </p:txBody>
+      </p:sp>
+      <p:sp>
+        <p:nvSpPr>
+          <p:cNvPr id="5" name="Date Placeholder 4"/>
           <p:cNvSpPr>
             <a:spLocks noGrp="1"/>
           </p:cNvSpPr>
@@ -1410,7 +3479,7 @@
           <a:p>
             <a:fld id="{50951492-DE4F-4CD9-A31F-3E1DD746501E}" type="datetimeFigureOut">
               <a:rPr lang="he-IL" smtClean="0"/>
-              <a:t>כ"ו/תשרי/תשפ"ג</a:t>
+              <a:t>כ"ז.תשרי.תשפ"ג</a:t>
             </a:fld>
             <a:endParaRPr lang="he-IL"/>
           </a:p>
@@ -1418,13 +3487,7 @@
       </p:sp>
       <p:sp>
         <p:nvSpPr>
-          <p:cNvPr id="6" name="Footer Placeholder 5">
-            <a:extLst>
-              <a:ext uri="{FF2B5EF4-FFF2-40B4-BE49-F238E27FC236}">
-                <a16:creationId xmlns:a16="http://schemas.microsoft.com/office/drawing/2014/main" id="{81932E49-BC66-B660-D9E0-07247C2B48F8}"/>
-              </a:ext>
-            </a:extLst>
-          </p:cNvPr>
+          <p:cNvPr id="6" name="Footer Placeholder 5"/>
           <p:cNvSpPr>
             <a:spLocks noGrp="1"/>
           </p:cNvSpPr>
@@ -1443,13 +3506,7 @@
       </p:sp>
       <p:sp>
         <p:nvSpPr>
-          <p:cNvPr id="7" name="Slide Number Placeholder 6">
-            <a:extLst>
-              <a:ext uri="{FF2B5EF4-FFF2-40B4-BE49-F238E27FC236}">
-                <a16:creationId xmlns:a16="http://schemas.microsoft.com/office/drawing/2014/main" id="{B0FE884C-1441-AE2A-40D4-90DD201B37DA}"/>
-              </a:ext>
-            </a:extLst>
-          </p:cNvPr>
+          <p:cNvPr id="7" name="Slide Number Placeholder 6"/>
           <p:cNvSpPr>
             <a:spLocks noGrp="1"/>
           </p:cNvSpPr>
@@ -1473,7 +3530,7 @@
     </p:spTree>
     <p:extLst>
       <p:ext uri="{BB962C8B-B14F-4D97-AF65-F5344CB8AC3E}">
-        <p14:creationId xmlns:p14="http://schemas.microsoft.com/office/powerpoint/2010/main" val="3603098182"/>
+        <p14:creationId xmlns:p14="http://schemas.microsoft.com/office/powerpoint/2010/main" val="2783830200"/>
       </p:ext>
     </p:extLst>
   </p:cSld>
@@ -1502,66 +3559,55 @@
       </p:grpSpPr>
       <p:sp>
         <p:nvSpPr>
-          <p:cNvPr id="2" name="Title 1">
-            <a:extLst>
-              <a:ext uri="{FF2B5EF4-FFF2-40B4-BE49-F238E27FC236}">
-                <a16:creationId xmlns:a16="http://schemas.microsoft.com/office/drawing/2014/main" id="{DACBFF53-EE14-74DD-1614-51140EE3E098}"/>
-              </a:ext>
-            </a:extLst>
-          </p:cNvPr>
+          <p:cNvPr id="2" name="Title 1"/>
           <p:cNvSpPr>
             <a:spLocks noGrp="1"/>
           </p:cNvSpPr>
           <p:nvPr>
             <p:ph type="title"/>
+          </p:nvPr>
+        </p:nvSpPr>
+        <p:spPr/>
+        <p:txBody>
+          <a:bodyPr/>
+          <a:lstStyle>
+            <a:lvl1pPr>
+              <a:defRPr/>
+            </a:lvl1pPr>
+          </a:lstStyle>
+          <a:p>
+            <a:r>
+              <a:rPr lang="en-US"/>
+              <a:t>Click to edit Master title style</a:t>
+            </a:r>
+            <a:endParaRPr lang="en-US" dirty="0"/>
+          </a:p>
+        </p:txBody>
+      </p:sp>
+      <p:sp>
+        <p:nvSpPr>
+          <p:cNvPr id="3" name="Text Placeholder 2"/>
+          <p:cNvSpPr>
+            <a:spLocks noGrp="1"/>
+          </p:cNvSpPr>
+          <p:nvPr>
+            <p:ph type="body" idx="1"/>
           </p:nvPr>
         </p:nvSpPr>
         <p:spPr>
           <a:xfrm>
-            <a:off x="839788" y="365125"/>
-            <a:ext cx="10515600" cy="1325563"/>
+            <a:off x="675745" y="2160983"/>
+            <a:ext cx="4185623" cy="576262"/>
           </a:xfrm>
         </p:spPr>
         <p:txBody>
-          <a:bodyPr/>
-          <a:lstStyle/>
-          <a:p>
-            <a:r>
-              <a:rPr lang="en-US"/>
-              <a:t>Click to edit Master title style</a:t>
-            </a:r>
-            <a:endParaRPr lang="he-IL"/>
-          </a:p>
-        </p:txBody>
-      </p:sp>
-      <p:sp>
-        <p:nvSpPr>
-          <p:cNvPr id="3" name="Text Placeholder 2">
-            <a:extLst>
-              <a:ext uri="{FF2B5EF4-FFF2-40B4-BE49-F238E27FC236}">
-                <a16:creationId xmlns:a16="http://schemas.microsoft.com/office/drawing/2014/main" id="{B19C6D27-0EBF-16A4-A187-CA189E12A758}"/>
-              </a:ext>
-            </a:extLst>
-          </p:cNvPr>
-          <p:cNvSpPr>
-            <a:spLocks noGrp="1"/>
-          </p:cNvSpPr>
-          <p:nvPr>
-            <p:ph type="body" idx="1"/>
-          </p:nvPr>
-        </p:nvSpPr>
-        <p:spPr>
-          <a:xfrm>
-            <a:off x="839788" y="1681163"/>
-            <a:ext cx="5157787" cy="823912"/>
-          </a:xfrm>
-        </p:spPr>
-        <p:txBody>
-          <a:bodyPr anchor="b"/>
+          <a:bodyPr anchor="b">
+            <a:noAutofit/>
+          </a:bodyPr>
           <a:lstStyle>
             <a:lvl1pPr marL="0" indent="0">
               <a:buNone/>
-              <a:defRPr sz="2400" b="1"/>
+              <a:defRPr sz="2400" b="0"/>
             </a:lvl1pPr>
             <a:lvl2pPr marL="457200" indent="0">
               <a:buNone/>
@@ -1607,13 +3653,7 @@
       </p:sp>
       <p:sp>
         <p:nvSpPr>
-          <p:cNvPr id="4" name="Content Placeholder 3">
-            <a:extLst>
-              <a:ext uri="{FF2B5EF4-FFF2-40B4-BE49-F238E27FC236}">
-                <a16:creationId xmlns:a16="http://schemas.microsoft.com/office/drawing/2014/main" id="{DEB06C4C-62F7-E736-E048-2DF454F3A265}"/>
-              </a:ext>
-            </a:extLst>
-          </p:cNvPr>
+          <p:cNvPr id="4" name="Content Placeholder 3"/>
           <p:cNvSpPr>
             <a:spLocks noGrp="1"/>
           </p:cNvSpPr>
@@ -1623,12 +3663,14 @@
         </p:nvSpPr>
         <p:spPr>
           <a:xfrm>
-            <a:off x="839788" y="2505075"/>
-            <a:ext cx="5157787" cy="3684588"/>
+            <a:off x="675745" y="2737245"/>
+            <a:ext cx="4185623" cy="3304117"/>
           </a:xfrm>
         </p:spPr>
         <p:txBody>
-          <a:bodyPr/>
+          <a:bodyPr>
+            <a:normAutofit/>
+          </a:bodyPr>
           <a:lstStyle/>
           <a:p>
             <a:pPr lvl="0"/>
@@ -1664,19 +3706,13 @@
               <a:rPr lang="en-US"/>
               <a:t>Fifth level</a:t>
             </a:r>
-            <a:endParaRPr lang="he-IL"/>
-          </a:p>
-        </p:txBody>
-      </p:sp>
-      <p:sp>
-        <p:nvSpPr>
-          <p:cNvPr id="5" name="Text Placeholder 4">
-            <a:extLst>
-              <a:ext uri="{FF2B5EF4-FFF2-40B4-BE49-F238E27FC236}">
-                <a16:creationId xmlns:a16="http://schemas.microsoft.com/office/drawing/2014/main" id="{32000EED-D11E-72FA-7728-AD92332ED38B}"/>
-              </a:ext>
-            </a:extLst>
-          </p:cNvPr>
+            <a:endParaRPr lang="en-US" dirty="0"/>
+          </a:p>
+        </p:txBody>
+      </p:sp>
+      <p:sp>
+        <p:nvSpPr>
+          <p:cNvPr id="5" name="Text Placeholder 4"/>
           <p:cNvSpPr>
             <a:spLocks noGrp="1"/>
           </p:cNvSpPr>
@@ -1686,16 +3722,18 @@
         </p:nvSpPr>
         <p:spPr>
           <a:xfrm>
-            <a:off x="6172200" y="1681163"/>
-            <a:ext cx="5183188" cy="823912"/>
+            <a:off x="5088383" y="2160983"/>
+            <a:ext cx="4185618" cy="576262"/>
           </a:xfrm>
         </p:spPr>
         <p:txBody>
-          <a:bodyPr anchor="b"/>
+          <a:bodyPr anchor="b">
+            <a:noAutofit/>
+          </a:bodyPr>
           <a:lstStyle>
             <a:lvl1pPr marL="0" indent="0">
               <a:buNone/>
-              <a:defRPr sz="2400" b="1"/>
+              <a:defRPr sz="2400" b="0"/>
             </a:lvl1pPr>
             <a:lvl2pPr marL="457200" indent="0">
               <a:buNone/>
@@ -1741,13 +3779,7 @@
       </p:sp>
       <p:sp>
         <p:nvSpPr>
-          <p:cNvPr id="6" name="Content Placeholder 5">
-            <a:extLst>
-              <a:ext uri="{FF2B5EF4-FFF2-40B4-BE49-F238E27FC236}">
-                <a16:creationId xmlns:a16="http://schemas.microsoft.com/office/drawing/2014/main" id="{9B1B93A4-E47D-E65C-09A8-965B7FF9617A}"/>
-              </a:ext>
-            </a:extLst>
-          </p:cNvPr>
+          <p:cNvPr id="6" name="Content Placeholder 5"/>
           <p:cNvSpPr>
             <a:spLocks noGrp="1"/>
           </p:cNvSpPr>
@@ -1757,65 +3789,84 @@
         </p:nvSpPr>
         <p:spPr>
           <a:xfrm>
-            <a:off x="6172200" y="2505075"/>
-            <a:ext cx="5183188" cy="3684588"/>
+            <a:off x="5088384" y="2737245"/>
+            <a:ext cx="4185617" cy="3304117"/>
           </a:xfrm>
         </p:spPr>
         <p:txBody>
+          <a:bodyPr>
+            <a:normAutofit/>
+          </a:bodyPr>
+          <a:lstStyle/>
+          <a:p>
+            <a:pPr lvl="0"/>
+            <a:r>
+              <a:rPr lang="en-US"/>
+              <a:t>Click to edit Master text styles</a:t>
+            </a:r>
+          </a:p>
+          <a:p>
+            <a:pPr lvl="1"/>
+            <a:r>
+              <a:rPr lang="en-US"/>
+              <a:t>Second level</a:t>
+            </a:r>
+          </a:p>
+          <a:p>
+            <a:pPr lvl="2"/>
+            <a:r>
+              <a:rPr lang="en-US"/>
+              <a:t>Third level</a:t>
+            </a:r>
+          </a:p>
+          <a:p>
+            <a:pPr lvl="3"/>
+            <a:r>
+              <a:rPr lang="en-US"/>
+              <a:t>Fourth level</a:t>
+            </a:r>
+          </a:p>
+          <a:p>
+            <a:pPr lvl="4"/>
+            <a:r>
+              <a:rPr lang="en-US"/>
+              <a:t>Fifth level</a:t>
+            </a:r>
+            <a:endParaRPr lang="en-US" dirty="0"/>
+          </a:p>
+        </p:txBody>
+      </p:sp>
+      <p:sp>
+        <p:nvSpPr>
+          <p:cNvPr id="7" name="Date Placeholder 6"/>
+          <p:cNvSpPr>
+            <a:spLocks noGrp="1"/>
+          </p:cNvSpPr>
+          <p:nvPr>
+            <p:ph type="dt" sz="half" idx="10"/>
+          </p:nvPr>
+        </p:nvSpPr>
+        <p:spPr/>
+        <p:txBody>
           <a:bodyPr/>
           <a:lstStyle/>
           <a:p>
-            <a:pPr lvl="0"/>
-            <a:r>
-              <a:rPr lang="en-US"/>
-              <a:t>Click to edit Master text styles</a:t>
-            </a:r>
-          </a:p>
-          <a:p>
-            <a:pPr lvl="1"/>
-            <a:r>
-              <a:rPr lang="en-US"/>
-              <a:t>Second level</a:t>
-            </a:r>
-          </a:p>
-          <a:p>
-            <a:pPr lvl="2"/>
-            <a:r>
-              <a:rPr lang="en-US"/>
-              <a:t>Third level</a:t>
-            </a:r>
-          </a:p>
-          <a:p>
-            <a:pPr lvl="3"/>
-            <a:r>
-              <a:rPr lang="en-US"/>
-              <a:t>Fourth level</a:t>
-            </a:r>
-          </a:p>
-          <a:p>
-            <a:pPr lvl="4"/>
-            <a:r>
-              <a:rPr lang="en-US"/>
-              <a:t>Fifth level</a:t>
-            </a:r>
+            <a:fld id="{50951492-DE4F-4CD9-A31F-3E1DD746501E}" type="datetimeFigureOut">
+              <a:rPr lang="he-IL" smtClean="0"/>
+              <a:t>כ"ז.תשרי.תשפ"ג</a:t>
+            </a:fld>
             <a:endParaRPr lang="he-IL"/>
           </a:p>
         </p:txBody>
       </p:sp>
       <p:sp>
         <p:nvSpPr>
-          <p:cNvPr id="7" name="Date Placeholder 6">
-            <a:extLst>
-              <a:ext uri="{FF2B5EF4-FFF2-40B4-BE49-F238E27FC236}">
-                <a16:creationId xmlns:a16="http://schemas.microsoft.com/office/drawing/2014/main" id="{6C33CF13-733E-AFD8-1AC2-8265FFC50DA9}"/>
-              </a:ext>
-            </a:extLst>
-          </p:cNvPr>
-          <p:cNvSpPr>
-            <a:spLocks noGrp="1"/>
-          </p:cNvSpPr>
-          <p:nvPr>
-            <p:ph type="dt" sz="half" idx="10"/>
+          <p:cNvPr id="8" name="Footer Placeholder 7"/>
+          <p:cNvSpPr>
+            <a:spLocks noGrp="1"/>
+          </p:cNvSpPr>
+          <p:nvPr>
+            <p:ph type="ftr" sz="quarter" idx="11"/>
           </p:nvPr>
         </p:nvSpPr>
         <p:spPr/>
@@ -1823,48 +3874,13 @@
           <a:bodyPr/>
           <a:lstStyle/>
           <a:p>
-            <a:fld id="{50951492-DE4F-4CD9-A31F-3E1DD746501E}" type="datetimeFigureOut">
-              <a:rPr lang="he-IL" smtClean="0"/>
-              <a:t>כ"ו/תשרי/תשפ"ג</a:t>
-            </a:fld>
             <a:endParaRPr lang="he-IL"/>
           </a:p>
         </p:txBody>
       </p:sp>
       <p:sp>
         <p:nvSpPr>
-          <p:cNvPr id="8" name="Footer Placeholder 7">
-            <a:extLst>
-              <a:ext uri="{FF2B5EF4-FFF2-40B4-BE49-F238E27FC236}">
-                <a16:creationId xmlns:a16="http://schemas.microsoft.com/office/drawing/2014/main" id="{72012777-31F1-B970-8DC9-DFBCD1E7C6E3}"/>
-              </a:ext>
-            </a:extLst>
-          </p:cNvPr>
-          <p:cNvSpPr>
-            <a:spLocks noGrp="1"/>
-          </p:cNvSpPr>
-          <p:nvPr>
-            <p:ph type="ftr" sz="quarter" idx="11"/>
-          </p:nvPr>
-        </p:nvSpPr>
-        <p:spPr/>
-        <p:txBody>
-          <a:bodyPr/>
-          <a:lstStyle/>
-          <a:p>
-            <a:endParaRPr lang="he-IL"/>
-          </a:p>
-        </p:txBody>
-      </p:sp>
-      <p:sp>
-        <p:nvSpPr>
-          <p:cNvPr id="9" name="Slide Number Placeholder 8">
-            <a:extLst>
-              <a:ext uri="{FF2B5EF4-FFF2-40B4-BE49-F238E27FC236}">
-                <a16:creationId xmlns:a16="http://schemas.microsoft.com/office/drawing/2014/main" id="{29AF5794-6A22-372A-6C74-EBC6E1B1BC06}"/>
-              </a:ext>
-            </a:extLst>
-          </p:cNvPr>
+          <p:cNvPr id="9" name="Slide Number Placeholder 8"/>
           <p:cNvSpPr>
             <a:spLocks noGrp="1"/>
           </p:cNvSpPr>
@@ -1888,7 +3904,7 @@
     </p:spTree>
     <p:extLst>
       <p:ext uri="{BB962C8B-B14F-4D97-AF65-F5344CB8AC3E}">
-        <p14:creationId xmlns:p14="http://schemas.microsoft.com/office/powerpoint/2010/main" val="3182162794"/>
+        <p14:creationId xmlns:p14="http://schemas.microsoft.com/office/powerpoint/2010/main" val="803004617"/>
       </p:ext>
     </p:extLst>
   </p:cSld>
@@ -1917,13 +3933,7 @@
       </p:grpSpPr>
       <p:sp>
         <p:nvSpPr>
-          <p:cNvPr id="2" name="Title 1">
-            <a:extLst>
-              <a:ext uri="{FF2B5EF4-FFF2-40B4-BE49-F238E27FC236}">
-                <a16:creationId xmlns:a16="http://schemas.microsoft.com/office/drawing/2014/main" id="{6B42ACFC-7402-EF9A-06ED-1AB639F1240B}"/>
-              </a:ext>
-            </a:extLst>
-          </p:cNvPr>
+          <p:cNvPr id="2" name="Title 1"/>
           <p:cNvSpPr>
             <a:spLocks noGrp="1"/>
           </p:cNvSpPr>
@@ -1931,7 +3941,12 @@
             <p:ph type="title"/>
           </p:nvPr>
         </p:nvSpPr>
-        <p:spPr/>
+        <p:spPr>
+          <a:xfrm>
+            <a:off x="677334" y="609600"/>
+            <a:ext cx="8596668" cy="1320800"/>
+          </a:xfrm>
+        </p:spPr>
         <p:txBody>
           <a:bodyPr/>
           <a:lstStyle/>
@@ -1940,19 +3955,13 @@
               <a:rPr lang="en-US"/>
               <a:t>Click to edit Master title style</a:t>
             </a:r>
-            <a:endParaRPr lang="he-IL"/>
-          </a:p>
-        </p:txBody>
-      </p:sp>
-      <p:sp>
-        <p:nvSpPr>
-          <p:cNvPr id="3" name="Date Placeholder 2">
-            <a:extLst>
-              <a:ext uri="{FF2B5EF4-FFF2-40B4-BE49-F238E27FC236}">
-                <a16:creationId xmlns:a16="http://schemas.microsoft.com/office/drawing/2014/main" id="{1A9E0366-2330-FCA2-9096-D50CA1CB7F81}"/>
-              </a:ext>
-            </a:extLst>
-          </p:cNvPr>
+            <a:endParaRPr lang="en-US" dirty="0"/>
+          </a:p>
+        </p:txBody>
+      </p:sp>
+      <p:sp>
+        <p:nvSpPr>
+          <p:cNvPr id="3" name="Date Placeholder 2"/>
           <p:cNvSpPr>
             <a:spLocks noGrp="1"/>
           </p:cNvSpPr>
@@ -1967,7 +3976,7 @@
           <a:p>
             <a:fld id="{50951492-DE4F-4CD9-A31F-3E1DD746501E}" type="datetimeFigureOut">
               <a:rPr lang="he-IL" smtClean="0"/>
-              <a:t>כ"ו/תשרי/תשפ"ג</a:t>
+              <a:t>כ"ז.תשרי.תשפ"ג</a:t>
             </a:fld>
             <a:endParaRPr lang="he-IL"/>
           </a:p>
@@ -1975,13 +3984,7 @@
       </p:sp>
       <p:sp>
         <p:nvSpPr>
-          <p:cNvPr id="4" name="Footer Placeholder 3">
-            <a:extLst>
-              <a:ext uri="{FF2B5EF4-FFF2-40B4-BE49-F238E27FC236}">
-                <a16:creationId xmlns:a16="http://schemas.microsoft.com/office/drawing/2014/main" id="{BB268049-80C4-30E4-9B70-39528566762B}"/>
-              </a:ext>
-            </a:extLst>
-          </p:cNvPr>
+          <p:cNvPr id="4" name="Footer Placeholder 3"/>
           <p:cNvSpPr>
             <a:spLocks noGrp="1"/>
           </p:cNvSpPr>
@@ -2000,13 +4003,7 @@
       </p:sp>
       <p:sp>
         <p:nvSpPr>
-          <p:cNvPr id="5" name="Slide Number Placeholder 4">
-            <a:extLst>
-              <a:ext uri="{FF2B5EF4-FFF2-40B4-BE49-F238E27FC236}">
-                <a16:creationId xmlns:a16="http://schemas.microsoft.com/office/drawing/2014/main" id="{454E4EC8-B785-C87C-A9D2-BBB3240B60D3}"/>
-              </a:ext>
-            </a:extLst>
-          </p:cNvPr>
+          <p:cNvPr id="5" name="Slide Number Placeholder 4"/>
           <p:cNvSpPr>
             <a:spLocks noGrp="1"/>
           </p:cNvSpPr>
@@ -2030,7 +4027,7 @@
     </p:spTree>
     <p:extLst>
       <p:ext uri="{BB962C8B-B14F-4D97-AF65-F5344CB8AC3E}">
-        <p14:creationId xmlns:p14="http://schemas.microsoft.com/office/powerpoint/2010/main" val="3510145887"/>
+        <p14:creationId xmlns:p14="http://schemas.microsoft.com/office/powerpoint/2010/main" val="2698512428"/>
       </p:ext>
     </p:extLst>
   </p:cSld>
@@ -2059,13 +4056,7 @@
       </p:grpSpPr>
       <p:sp>
         <p:nvSpPr>
-          <p:cNvPr id="2" name="Date Placeholder 1">
-            <a:extLst>
-              <a:ext uri="{FF2B5EF4-FFF2-40B4-BE49-F238E27FC236}">
-                <a16:creationId xmlns:a16="http://schemas.microsoft.com/office/drawing/2014/main" id="{37CAF1A7-1871-4188-FD98-DBE2010AFDE6}"/>
-              </a:ext>
-            </a:extLst>
-          </p:cNvPr>
+          <p:cNvPr id="2" name="Date Placeholder 1"/>
           <p:cNvSpPr>
             <a:spLocks noGrp="1"/>
           </p:cNvSpPr>
@@ -2080,7 +4071,7 @@
           <a:p>
             <a:fld id="{50951492-DE4F-4CD9-A31F-3E1DD746501E}" type="datetimeFigureOut">
               <a:rPr lang="he-IL" smtClean="0"/>
-              <a:t>כ"ו/תשרי/תשפ"ג</a:t>
+              <a:t>כ"ז.תשרי.תשפ"ג</a:t>
             </a:fld>
             <a:endParaRPr lang="he-IL"/>
           </a:p>
@@ -2088,13 +4079,7 @@
       </p:sp>
       <p:sp>
         <p:nvSpPr>
-          <p:cNvPr id="3" name="Footer Placeholder 2">
-            <a:extLst>
-              <a:ext uri="{FF2B5EF4-FFF2-40B4-BE49-F238E27FC236}">
-                <a16:creationId xmlns:a16="http://schemas.microsoft.com/office/drawing/2014/main" id="{A81D4CBB-F0EF-127A-E66C-028AA5539AC1}"/>
-              </a:ext>
-            </a:extLst>
-          </p:cNvPr>
+          <p:cNvPr id="3" name="Footer Placeholder 2"/>
           <p:cNvSpPr>
             <a:spLocks noGrp="1"/>
           </p:cNvSpPr>
@@ -2113,13 +4098,7 @@
       </p:sp>
       <p:sp>
         <p:nvSpPr>
-          <p:cNvPr id="4" name="Slide Number Placeholder 3">
-            <a:extLst>
-              <a:ext uri="{FF2B5EF4-FFF2-40B4-BE49-F238E27FC236}">
-                <a16:creationId xmlns:a16="http://schemas.microsoft.com/office/drawing/2014/main" id="{A87A560E-B890-033C-F59D-0AACF4C2FE45}"/>
-              </a:ext>
-            </a:extLst>
-          </p:cNvPr>
+          <p:cNvPr id="4" name="Slide Number Placeholder 3"/>
           <p:cNvSpPr>
             <a:spLocks noGrp="1"/>
           </p:cNvSpPr>
@@ -2143,7 +4122,7 @@
     </p:spTree>
     <p:extLst>
       <p:ext uri="{BB962C8B-B14F-4D97-AF65-F5344CB8AC3E}">
-        <p14:creationId xmlns:p14="http://schemas.microsoft.com/office/powerpoint/2010/main" val="4270272704"/>
+        <p14:creationId xmlns:p14="http://schemas.microsoft.com/office/powerpoint/2010/main" val="1296655378"/>
       </p:ext>
     </p:extLst>
   </p:cSld>
@@ -2172,13 +4151,7 @@
       </p:grpSpPr>
       <p:sp>
         <p:nvSpPr>
-          <p:cNvPr id="2" name="Title 1">
-            <a:extLst>
-              <a:ext uri="{FF2B5EF4-FFF2-40B4-BE49-F238E27FC236}">
-                <a16:creationId xmlns:a16="http://schemas.microsoft.com/office/drawing/2014/main" id="{ACFF1498-D955-4C92-746F-C15DDD521EC1}"/>
-              </a:ext>
-            </a:extLst>
-          </p:cNvPr>
+          <p:cNvPr id="2" name="Title 1"/>
           <p:cNvSpPr>
             <a:spLocks noGrp="1"/>
           </p:cNvSpPr>
@@ -2188,15 +4161,17 @@
         </p:nvSpPr>
         <p:spPr>
           <a:xfrm>
-            <a:off x="839788" y="457200"/>
-            <a:ext cx="3932237" cy="1600200"/>
+            <a:off x="677334" y="1498604"/>
+            <a:ext cx="3854528" cy="1278466"/>
           </a:xfrm>
         </p:spPr>
         <p:txBody>
-          <a:bodyPr anchor="b"/>
+          <a:bodyPr anchor="b">
+            <a:normAutofit/>
+          </a:bodyPr>
           <a:lstStyle>
             <a:lvl1pPr>
-              <a:defRPr sz="3200"/>
+              <a:defRPr sz="2000"/>
             </a:lvl1pPr>
           </a:lstStyle>
           <a:p>
@@ -2204,19 +4179,13 @@
               <a:rPr lang="en-US"/>
               <a:t>Click to edit Master title style</a:t>
             </a:r>
-            <a:endParaRPr lang="he-IL"/>
-          </a:p>
-        </p:txBody>
-      </p:sp>
-      <p:sp>
-        <p:nvSpPr>
-          <p:cNvPr id="3" name="Content Placeholder 2">
-            <a:extLst>
-              <a:ext uri="{FF2B5EF4-FFF2-40B4-BE49-F238E27FC236}">
-                <a16:creationId xmlns:a16="http://schemas.microsoft.com/office/drawing/2014/main" id="{6311499D-9D4F-7395-683F-4918DD3EEF70}"/>
-              </a:ext>
-            </a:extLst>
-          </p:cNvPr>
+            <a:endParaRPr lang="en-US" dirty="0"/>
+          </a:p>
+        </p:txBody>
+      </p:sp>
+      <p:sp>
+        <p:nvSpPr>
+          <p:cNvPr id="3" name="Content Placeholder 2"/>
           <p:cNvSpPr>
             <a:spLocks noGrp="1"/>
           </p:cNvSpPr>
@@ -2226,41 +4195,15 @@
         </p:nvSpPr>
         <p:spPr>
           <a:xfrm>
-            <a:off x="5183188" y="987425"/>
-            <a:ext cx="6172200" cy="4873625"/>
+            <a:off x="4760461" y="514924"/>
+            <a:ext cx="4513541" cy="5526437"/>
           </a:xfrm>
         </p:spPr>
         <p:txBody>
-          <a:bodyPr/>
-          <a:lstStyle>
-            <a:lvl1pPr>
-              <a:defRPr sz="3200"/>
-            </a:lvl1pPr>
-            <a:lvl2pPr>
-              <a:defRPr sz="2800"/>
-            </a:lvl2pPr>
-            <a:lvl3pPr>
-              <a:defRPr sz="2400"/>
-            </a:lvl3pPr>
-            <a:lvl4pPr>
-              <a:defRPr sz="2000"/>
-            </a:lvl4pPr>
-            <a:lvl5pPr>
-              <a:defRPr sz="2000"/>
-            </a:lvl5pPr>
-            <a:lvl6pPr>
-              <a:defRPr sz="2000"/>
-            </a:lvl6pPr>
-            <a:lvl7pPr>
-              <a:defRPr sz="2000"/>
-            </a:lvl7pPr>
-            <a:lvl8pPr>
-              <a:defRPr sz="2000"/>
-            </a:lvl8pPr>
-            <a:lvl9pPr>
-              <a:defRPr sz="2000"/>
-            </a:lvl9pPr>
-          </a:lstStyle>
+          <a:bodyPr>
+            <a:normAutofit/>
+          </a:bodyPr>
+          <a:lstStyle/>
           <a:p>
             <a:pPr lvl="0"/>
             <a:r>
@@ -2295,19 +4238,13 @@
               <a:rPr lang="en-US"/>
               <a:t>Fifth level</a:t>
             </a:r>
-            <a:endParaRPr lang="he-IL"/>
-          </a:p>
-        </p:txBody>
-      </p:sp>
-      <p:sp>
-        <p:nvSpPr>
-          <p:cNvPr id="4" name="Text Placeholder 3">
-            <a:extLst>
-              <a:ext uri="{FF2B5EF4-FFF2-40B4-BE49-F238E27FC236}">
-                <a16:creationId xmlns:a16="http://schemas.microsoft.com/office/drawing/2014/main" id="{4392953D-9273-004A-BC87-544F9435D395}"/>
-              </a:ext>
-            </a:extLst>
-          </p:cNvPr>
+            <a:endParaRPr lang="en-US" dirty="0"/>
+          </a:p>
+        </p:txBody>
+      </p:sp>
+      <p:sp>
+        <p:nvSpPr>
+          <p:cNvPr id="4" name="Text Placeholder 3"/>
           <p:cNvSpPr>
             <a:spLocks noGrp="1"/>
           </p:cNvSpPr>
@@ -2317,46 +4254,48 @@
         </p:nvSpPr>
         <p:spPr>
           <a:xfrm>
-            <a:off x="839788" y="2057400"/>
-            <a:ext cx="3932237" cy="3811588"/>
+            <a:off x="677334" y="2777069"/>
+            <a:ext cx="3854528" cy="2584449"/>
           </a:xfrm>
         </p:spPr>
         <p:txBody>
-          <a:bodyPr/>
+          <a:bodyPr>
+            <a:normAutofit/>
+          </a:bodyPr>
           <a:lstStyle>
             <a:lvl1pPr marL="0" indent="0">
               <a:buNone/>
-              <a:defRPr sz="1600"/>
+              <a:defRPr sz="1400"/>
             </a:lvl1pPr>
-            <a:lvl2pPr marL="457200" indent="0">
+            <a:lvl2pPr marL="457063" indent="0">
               <a:buNone/>
               <a:defRPr sz="1400"/>
             </a:lvl2pPr>
-            <a:lvl3pPr marL="914400" indent="0">
+            <a:lvl3pPr marL="914126" indent="0">
               <a:buNone/>
               <a:defRPr sz="1200"/>
             </a:lvl3pPr>
-            <a:lvl4pPr marL="1371600" indent="0">
+            <a:lvl4pPr marL="1371189" indent="0">
               <a:buNone/>
               <a:defRPr sz="1000"/>
             </a:lvl4pPr>
-            <a:lvl5pPr marL="1828800" indent="0">
+            <a:lvl5pPr marL="1828251" indent="0">
               <a:buNone/>
               <a:defRPr sz="1000"/>
             </a:lvl5pPr>
-            <a:lvl6pPr marL="2286000" indent="0">
+            <a:lvl6pPr marL="2285314" indent="0">
               <a:buNone/>
               <a:defRPr sz="1000"/>
             </a:lvl6pPr>
-            <a:lvl7pPr marL="2743200" indent="0">
+            <a:lvl7pPr marL="2742377" indent="0">
               <a:buNone/>
               <a:defRPr sz="1000"/>
             </a:lvl7pPr>
-            <a:lvl8pPr marL="3200400" indent="0">
+            <a:lvl8pPr marL="3199440" indent="0">
               <a:buNone/>
               <a:defRPr sz="1000"/>
             </a:lvl8pPr>
-            <a:lvl9pPr marL="3657600" indent="0">
+            <a:lvl9pPr marL="3656503" indent="0">
               <a:buNone/>
               <a:defRPr sz="1000"/>
             </a:lvl9pPr>
@@ -2372,13 +4311,7 @@
       </p:sp>
       <p:sp>
         <p:nvSpPr>
-          <p:cNvPr id="5" name="Date Placeholder 4">
-            <a:extLst>
-              <a:ext uri="{FF2B5EF4-FFF2-40B4-BE49-F238E27FC236}">
-                <a16:creationId xmlns:a16="http://schemas.microsoft.com/office/drawing/2014/main" id="{C7BBAB5D-DFD9-4B40-E41A-FD1D2FD1AA74}"/>
-              </a:ext>
-            </a:extLst>
-          </p:cNvPr>
+          <p:cNvPr id="5" name="Date Placeholder 4"/>
           <p:cNvSpPr>
             <a:spLocks noGrp="1"/>
           </p:cNvSpPr>
@@ -2393,7 +4326,7 @@
           <a:p>
             <a:fld id="{50951492-DE4F-4CD9-A31F-3E1DD746501E}" type="datetimeFigureOut">
               <a:rPr lang="he-IL" smtClean="0"/>
-              <a:t>כ"ו/תשרי/תשפ"ג</a:t>
+              <a:t>כ"ז.תשרי.תשפ"ג</a:t>
             </a:fld>
             <a:endParaRPr lang="he-IL"/>
           </a:p>
@@ -2401,13 +4334,7 @@
       </p:sp>
       <p:sp>
         <p:nvSpPr>
-          <p:cNvPr id="6" name="Footer Placeholder 5">
-            <a:extLst>
-              <a:ext uri="{FF2B5EF4-FFF2-40B4-BE49-F238E27FC236}">
-                <a16:creationId xmlns:a16="http://schemas.microsoft.com/office/drawing/2014/main" id="{FFFEB286-D2C5-ADBB-6C3D-4C088737252A}"/>
-              </a:ext>
-            </a:extLst>
-          </p:cNvPr>
+          <p:cNvPr id="6" name="Footer Placeholder 5"/>
           <p:cNvSpPr>
             <a:spLocks noGrp="1"/>
           </p:cNvSpPr>
@@ -2426,13 +4353,7 @@
       </p:sp>
       <p:sp>
         <p:nvSpPr>
-          <p:cNvPr id="7" name="Slide Number Placeholder 6">
-            <a:extLst>
-              <a:ext uri="{FF2B5EF4-FFF2-40B4-BE49-F238E27FC236}">
-                <a16:creationId xmlns:a16="http://schemas.microsoft.com/office/drawing/2014/main" id="{6F868A76-4256-5E86-1CF3-375CBB1C8CB5}"/>
-              </a:ext>
-            </a:extLst>
-          </p:cNvPr>
+          <p:cNvPr id="7" name="Slide Number Placeholder 6"/>
           <p:cNvSpPr>
             <a:spLocks noGrp="1"/>
           </p:cNvSpPr>
@@ -2456,7 +4377,7 @@
     </p:spTree>
     <p:extLst>
       <p:ext uri="{BB962C8B-B14F-4D97-AF65-F5344CB8AC3E}">
-        <p14:creationId xmlns:p14="http://schemas.microsoft.com/office/powerpoint/2010/main" val="2346136981"/>
+        <p14:creationId xmlns:p14="http://schemas.microsoft.com/office/powerpoint/2010/main" val="114367788"/>
       </p:ext>
     </p:extLst>
   </p:cSld>
@@ -2485,13 +4406,7 @@
       </p:grpSpPr>
       <p:sp>
         <p:nvSpPr>
-          <p:cNvPr id="2" name="Title 1">
-            <a:extLst>
-              <a:ext uri="{FF2B5EF4-FFF2-40B4-BE49-F238E27FC236}">
-                <a16:creationId xmlns:a16="http://schemas.microsoft.com/office/drawing/2014/main" id="{0FA1FE50-8257-DF80-8F74-835FA82937A2}"/>
-              </a:ext>
-            </a:extLst>
-          </p:cNvPr>
+          <p:cNvPr id="2" name="Title 1"/>
           <p:cNvSpPr>
             <a:spLocks noGrp="1"/>
           </p:cNvSpPr>
@@ -2501,15 +4416,17 @@
         </p:nvSpPr>
         <p:spPr>
           <a:xfrm>
-            <a:off x="839788" y="457200"/>
-            <a:ext cx="3932237" cy="1600200"/>
+            <a:off x="677334" y="4800600"/>
+            <a:ext cx="8596667" cy="566738"/>
           </a:xfrm>
         </p:spPr>
         <p:txBody>
-          <a:bodyPr anchor="b"/>
+          <a:bodyPr anchor="b">
+            <a:normAutofit/>
+          </a:bodyPr>
           <a:lstStyle>
-            <a:lvl1pPr>
-              <a:defRPr sz="3200"/>
+            <a:lvl1pPr algn="l">
+              <a:defRPr sz="2400" b="0"/>
             </a:lvl1pPr>
           </a:lstStyle>
           <a:p>
@@ -2517,21 +4434,15 @@
               <a:rPr lang="en-US"/>
               <a:t>Click to edit Master title style</a:t>
             </a:r>
-            <a:endParaRPr lang="he-IL"/>
-          </a:p>
-        </p:txBody>
-      </p:sp>
-      <p:sp>
-        <p:nvSpPr>
-          <p:cNvPr id="3" name="Picture Placeholder 2">
-            <a:extLst>
-              <a:ext uri="{FF2B5EF4-FFF2-40B4-BE49-F238E27FC236}">
-                <a16:creationId xmlns:a16="http://schemas.microsoft.com/office/drawing/2014/main" id="{79678036-4FB3-53A1-21E0-6FE478ACDAEA}"/>
-              </a:ext>
-            </a:extLst>
-          </p:cNvPr>
-          <p:cNvSpPr>
-            <a:spLocks noGrp="1"/>
+            <a:endParaRPr lang="en-US" dirty="0"/>
+          </a:p>
+        </p:txBody>
+      </p:sp>
+      <p:sp>
+        <p:nvSpPr>
+          <p:cNvPr id="3" name="Picture Placeholder 2"/>
+          <p:cNvSpPr>
+            <a:spLocks noGrp="1" noChangeAspect="1"/>
           </p:cNvSpPr>
           <p:nvPr>
             <p:ph type="pic" idx="1"/>
@@ -2539,118 +4450,120 @@
         </p:nvSpPr>
         <p:spPr>
           <a:xfrm>
-            <a:off x="5183188" y="987425"/>
-            <a:ext cx="6172200" cy="4873625"/>
+            <a:off x="677334" y="609600"/>
+            <a:ext cx="8596668" cy="3845718"/>
           </a:xfrm>
         </p:spPr>
         <p:txBody>
-          <a:bodyPr/>
+          <a:bodyPr anchor="t">
+            <a:normAutofit/>
+          </a:bodyPr>
           <a:lstStyle>
-            <a:lvl1pPr marL="0" indent="0">
-              <a:buNone/>
-              <a:defRPr sz="3200"/>
-            </a:lvl1pPr>
-            <a:lvl2pPr marL="457200" indent="0">
-              <a:buNone/>
-              <a:defRPr sz="2800"/>
-            </a:lvl2pPr>
-            <a:lvl3pPr marL="914400" indent="0">
-              <a:buNone/>
-              <a:defRPr sz="2400"/>
-            </a:lvl3pPr>
-            <a:lvl4pPr marL="1371600" indent="0">
-              <a:buNone/>
-              <a:defRPr sz="2000"/>
-            </a:lvl4pPr>
-            <a:lvl5pPr marL="1828800" indent="0">
-              <a:buNone/>
-              <a:defRPr sz="2000"/>
-            </a:lvl5pPr>
-            <a:lvl6pPr marL="2286000" indent="0">
-              <a:buNone/>
-              <a:defRPr sz="2000"/>
-            </a:lvl6pPr>
-            <a:lvl7pPr marL="2743200" indent="0">
-              <a:buNone/>
-              <a:defRPr sz="2000"/>
-            </a:lvl7pPr>
-            <a:lvl8pPr marL="3200400" indent="0">
-              <a:buNone/>
-              <a:defRPr sz="2000"/>
-            </a:lvl8pPr>
-            <a:lvl9pPr marL="3657600" indent="0">
-              <a:buNone/>
-              <a:defRPr sz="2000"/>
-            </a:lvl9pPr>
-          </a:lstStyle>
-          <a:p>
-            <a:endParaRPr lang="he-IL"/>
-          </a:p>
-        </p:txBody>
-      </p:sp>
-      <p:sp>
-        <p:nvSpPr>
-          <p:cNvPr id="4" name="Text Placeholder 3">
-            <a:extLst>
-              <a:ext uri="{FF2B5EF4-FFF2-40B4-BE49-F238E27FC236}">
-                <a16:creationId xmlns:a16="http://schemas.microsoft.com/office/drawing/2014/main" id="{B4F43575-2E2B-2261-0745-6465989F9293}"/>
-              </a:ext>
-            </a:extLst>
-          </p:cNvPr>
-          <p:cNvSpPr>
-            <a:spLocks noGrp="1"/>
-          </p:cNvSpPr>
-          <p:nvPr>
-            <p:ph type="body" sz="half" idx="2"/>
-          </p:nvPr>
-        </p:nvSpPr>
-        <p:spPr>
-          <a:xfrm>
-            <a:off x="839788" y="2057400"/>
-            <a:ext cx="3932237" cy="3811588"/>
-          </a:xfrm>
-        </p:spPr>
-        <p:txBody>
-          <a:bodyPr/>
-          <a:lstStyle>
-            <a:lvl1pPr marL="0" indent="0">
+            <a:lvl1pPr marL="0" indent="0" algn="ctr">
               <a:buNone/>
               <a:defRPr sz="1600"/>
             </a:lvl1pPr>
             <a:lvl2pPr marL="457200" indent="0">
               <a:buNone/>
-              <a:defRPr sz="1400"/>
+              <a:defRPr sz="1600"/>
             </a:lvl2pPr>
             <a:lvl3pPr marL="914400" indent="0">
               <a:buNone/>
-              <a:defRPr sz="1200"/>
+              <a:defRPr sz="1600"/>
             </a:lvl3pPr>
             <a:lvl4pPr marL="1371600" indent="0">
               <a:buNone/>
-              <a:defRPr sz="1000"/>
+              <a:defRPr sz="1600"/>
             </a:lvl4pPr>
             <a:lvl5pPr marL="1828800" indent="0">
               <a:buNone/>
-              <a:defRPr sz="1000"/>
+              <a:defRPr sz="1600"/>
             </a:lvl5pPr>
             <a:lvl6pPr marL="2286000" indent="0">
               <a:buNone/>
-              <a:defRPr sz="1000"/>
+              <a:defRPr sz="1600"/>
             </a:lvl6pPr>
             <a:lvl7pPr marL="2743200" indent="0">
               <a:buNone/>
-              <a:defRPr sz="1000"/>
+              <a:defRPr sz="1600"/>
             </a:lvl7pPr>
             <a:lvl8pPr marL="3200400" indent="0">
               <a:buNone/>
-              <a:defRPr sz="1000"/>
+              <a:defRPr sz="1600"/>
             </a:lvl8pPr>
             <a:lvl9pPr marL="3657600" indent="0">
               <a:buNone/>
-              <a:defRPr sz="1000"/>
+              <a:defRPr sz="1600"/>
             </a:lvl9pPr>
           </a:lstStyle>
           <a:p>
+            <a:r>
+              <a:rPr lang="en-US"/>
+              <a:t>Click icon to add picture</a:t>
+            </a:r>
+            <a:endParaRPr lang="en-US" dirty="0"/>
+          </a:p>
+        </p:txBody>
+      </p:sp>
+      <p:sp>
+        <p:nvSpPr>
+          <p:cNvPr id="4" name="Text Placeholder 3"/>
+          <p:cNvSpPr>
+            <a:spLocks noGrp="1"/>
+          </p:cNvSpPr>
+          <p:nvPr>
+            <p:ph type="body" sz="half" idx="2"/>
+          </p:nvPr>
+        </p:nvSpPr>
+        <p:spPr>
+          <a:xfrm>
+            <a:off x="677334" y="5367338"/>
+            <a:ext cx="8596667" cy="674024"/>
+          </a:xfrm>
+        </p:spPr>
+        <p:txBody>
+          <a:bodyPr>
+            <a:normAutofit/>
+          </a:bodyPr>
+          <a:lstStyle>
+            <a:lvl1pPr marL="0" indent="0">
+              <a:buNone/>
+              <a:defRPr sz="1200"/>
+            </a:lvl1pPr>
+            <a:lvl2pPr marL="457200" indent="0">
+              <a:buNone/>
+              <a:defRPr sz="1200"/>
+            </a:lvl2pPr>
+            <a:lvl3pPr marL="914400" indent="0">
+              <a:buNone/>
+              <a:defRPr sz="1000"/>
+            </a:lvl3pPr>
+            <a:lvl4pPr marL="1371600" indent="0">
+              <a:buNone/>
+              <a:defRPr sz="900"/>
+            </a:lvl4pPr>
+            <a:lvl5pPr marL="1828800" indent="0">
+              <a:buNone/>
+              <a:defRPr sz="900"/>
+            </a:lvl5pPr>
+            <a:lvl6pPr marL="2286000" indent="0">
+              <a:buNone/>
+              <a:defRPr sz="900"/>
+            </a:lvl6pPr>
+            <a:lvl7pPr marL="2743200" indent="0">
+              <a:buNone/>
+              <a:defRPr sz="900"/>
+            </a:lvl7pPr>
+            <a:lvl8pPr marL="3200400" indent="0">
+              <a:buNone/>
+              <a:defRPr sz="900"/>
+            </a:lvl8pPr>
+            <a:lvl9pPr marL="3657600" indent="0">
+              <a:buNone/>
+              <a:defRPr sz="900"/>
+            </a:lvl9pPr>
+          </a:lstStyle>
+          <a:p>
             <a:pPr lvl="0"/>
             <a:r>
               <a:rPr lang="en-US"/>
@@ -2661,13 +4574,7 @@
       </p:sp>
       <p:sp>
         <p:nvSpPr>
-          <p:cNvPr id="5" name="Date Placeholder 4">
-            <a:extLst>
-              <a:ext uri="{FF2B5EF4-FFF2-40B4-BE49-F238E27FC236}">
-                <a16:creationId xmlns:a16="http://schemas.microsoft.com/office/drawing/2014/main" id="{274FE374-92D5-8867-3049-C413EBA1A7CB}"/>
-              </a:ext>
-            </a:extLst>
-          </p:cNvPr>
+          <p:cNvPr id="5" name="Date Placeholder 4"/>
           <p:cNvSpPr>
             <a:spLocks noGrp="1"/>
           </p:cNvSpPr>
@@ -2682,7 +4589,7 @@
           <a:p>
             <a:fld id="{50951492-DE4F-4CD9-A31F-3E1DD746501E}" type="datetimeFigureOut">
               <a:rPr lang="he-IL" smtClean="0"/>
-              <a:t>כ"ו/תשרי/תשפ"ג</a:t>
+              <a:t>כ"ז.תשרי.תשפ"ג</a:t>
             </a:fld>
             <a:endParaRPr lang="he-IL"/>
           </a:p>
@@ -2690,13 +4597,7 @@
       </p:sp>
       <p:sp>
         <p:nvSpPr>
-          <p:cNvPr id="6" name="Footer Placeholder 5">
-            <a:extLst>
-              <a:ext uri="{FF2B5EF4-FFF2-40B4-BE49-F238E27FC236}">
-                <a16:creationId xmlns:a16="http://schemas.microsoft.com/office/drawing/2014/main" id="{C3B20E03-CB7C-017C-444A-E8DD53BB4531}"/>
-              </a:ext>
-            </a:extLst>
-          </p:cNvPr>
+          <p:cNvPr id="6" name="Footer Placeholder 5"/>
           <p:cNvSpPr>
             <a:spLocks noGrp="1"/>
           </p:cNvSpPr>
@@ -2715,13 +4616,7 @@
       </p:sp>
       <p:sp>
         <p:nvSpPr>
-          <p:cNvPr id="7" name="Slide Number Placeholder 6">
-            <a:extLst>
-              <a:ext uri="{FF2B5EF4-FFF2-40B4-BE49-F238E27FC236}">
-                <a16:creationId xmlns:a16="http://schemas.microsoft.com/office/drawing/2014/main" id="{39125A5E-715D-783D-AFD9-35828EFFDAE1}"/>
-              </a:ext>
-            </a:extLst>
-          </p:cNvPr>
+          <p:cNvPr id="7" name="Slide Number Placeholder 6"/>
           <p:cNvSpPr>
             <a:spLocks noGrp="1"/>
           </p:cNvSpPr>
@@ -2745,7 +4640,7 @@
     </p:spTree>
     <p:extLst>
       <p:ext uri="{BB962C8B-B14F-4D97-AF65-F5344CB8AC3E}">
-        <p14:creationId xmlns:p14="http://schemas.microsoft.com/office/powerpoint/2010/main" val="1824224803"/>
+        <p14:creationId xmlns:p14="http://schemas.microsoft.com/office/powerpoint/2010/main" val="808321589"/>
       </p:ext>
     </p:extLst>
   </p:cSld>
@@ -2777,15 +4672,539 @@
           <a:chExt cx="0" cy="0"/>
         </a:xfrm>
       </p:grpSpPr>
-      <p:sp>
-        <p:nvSpPr>
-          <p:cNvPr id="2" name="Title Placeholder 1">
-            <a:extLst>
-              <a:ext uri="{FF2B5EF4-FFF2-40B4-BE49-F238E27FC236}">
-                <a16:creationId xmlns:a16="http://schemas.microsoft.com/office/drawing/2014/main" id="{9F15A762-3F2F-349D-DE20-993463E9A836}"/>
-              </a:ext>
-            </a:extLst>
-          </p:cNvPr>
+      <p:grpSp>
+        <p:nvGrpSpPr>
+          <p:cNvPr id="7" name="Group 6"/>
+          <p:cNvGrpSpPr/>
+          <p:nvPr/>
+        </p:nvGrpSpPr>
+        <p:grpSpPr>
+          <a:xfrm>
+            <a:off x="0" y="-8467"/>
+            <a:ext cx="12192000" cy="6866467"/>
+            <a:chOff x="0" y="-8467"/>
+            <a:chExt cx="12192000" cy="6866467"/>
+          </a:xfrm>
+        </p:grpSpPr>
+        <p:cxnSp>
+          <p:nvCxnSpPr>
+            <p:cNvPr id="20" name="Straight Connector 19"/>
+            <p:cNvCxnSpPr/>
+            <p:nvPr/>
+          </p:nvCxnSpPr>
+          <p:spPr>
+            <a:xfrm>
+              <a:off x="9371012" y="0"/>
+              <a:ext cx="1219200" cy="6858000"/>
+            </a:xfrm>
+            <a:prstGeom prst="line">
+              <a:avLst/>
+            </a:prstGeom>
+            <a:ln w="9525">
+              <a:solidFill>
+                <a:schemeClr val="bg1">
+                  <a:lumMod val="75000"/>
+                </a:schemeClr>
+              </a:solidFill>
+            </a:ln>
+          </p:spPr>
+          <p:style>
+            <a:lnRef idx="2">
+              <a:schemeClr val="accent1"/>
+            </a:lnRef>
+            <a:fillRef idx="0">
+              <a:schemeClr val="accent1"/>
+            </a:fillRef>
+            <a:effectRef idx="1">
+              <a:schemeClr val="accent1"/>
+            </a:effectRef>
+            <a:fontRef idx="minor">
+              <a:schemeClr val="tx1"/>
+            </a:fontRef>
+          </p:style>
+        </p:cxnSp>
+        <p:cxnSp>
+          <p:nvCxnSpPr>
+            <p:cNvPr id="21" name="Straight Connector 20"/>
+            <p:cNvCxnSpPr/>
+            <p:nvPr/>
+          </p:nvCxnSpPr>
+          <p:spPr>
+            <a:xfrm flipH="1">
+              <a:off x="7425267" y="3681413"/>
+              <a:ext cx="4763558" cy="3176587"/>
+            </a:xfrm>
+            <a:prstGeom prst="line">
+              <a:avLst/>
+            </a:prstGeom>
+            <a:ln w="9525">
+              <a:solidFill>
+                <a:schemeClr val="bg1">
+                  <a:lumMod val="85000"/>
+                </a:schemeClr>
+              </a:solidFill>
+            </a:ln>
+          </p:spPr>
+          <p:style>
+            <a:lnRef idx="2">
+              <a:schemeClr val="accent1"/>
+            </a:lnRef>
+            <a:fillRef idx="0">
+              <a:schemeClr val="accent1"/>
+            </a:fillRef>
+            <a:effectRef idx="1">
+              <a:schemeClr val="accent1"/>
+            </a:effectRef>
+            <a:fontRef idx="minor">
+              <a:schemeClr val="tx1"/>
+            </a:fontRef>
+          </p:style>
+        </p:cxnSp>
+        <p:sp>
+          <p:nvSpPr>
+            <p:cNvPr id="22" name="Rectangle 23"/>
+            <p:cNvSpPr/>
+            <p:nvPr/>
+          </p:nvSpPr>
+          <p:spPr>
+            <a:xfrm>
+              <a:off x="9181476" y="-8467"/>
+              <a:ext cx="3007349" cy="6866467"/>
+            </a:xfrm>
+            <a:custGeom>
+              <a:avLst/>
+              <a:gdLst/>
+              <a:ahLst/>
+              <a:cxnLst/>
+              <a:rect l="l" t="t" r="r" b="b"/>
+              <a:pathLst>
+                <a:path w="3007349" h="6866467">
+                  <a:moveTo>
+                    <a:pt x="2045532" y="0"/>
+                  </a:moveTo>
+                  <a:lnTo>
+                    <a:pt x="3007349" y="0"/>
+                  </a:lnTo>
+                  <a:lnTo>
+                    <a:pt x="3007349" y="6866467"/>
+                  </a:lnTo>
+                  <a:lnTo>
+                    <a:pt x="0" y="6866467"/>
+                  </a:lnTo>
+                  <a:lnTo>
+                    <a:pt x="2045532" y="0"/>
+                  </a:lnTo>
+                  <a:close/>
+                </a:path>
+              </a:pathLst>
+            </a:custGeom>
+            <a:solidFill>
+              <a:schemeClr val="accent1">
+                <a:alpha val="30000"/>
+              </a:schemeClr>
+            </a:solidFill>
+            <a:ln>
+              <a:noFill/>
+            </a:ln>
+            <a:effectLst/>
+          </p:spPr>
+          <p:style>
+            <a:lnRef idx="1">
+              <a:schemeClr val="accent1"/>
+            </a:lnRef>
+            <a:fillRef idx="3">
+              <a:schemeClr val="accent1"/>
+            </a:fillRef>
+            <a:effectRef idx="2">
+              <a:schemeClr val="accent1"/>
+            </a:effectRef>
+            <a:fontRef idx="minor">
+              <a:schemeClr val="lt1"/>
+            </a:fontRef>
+          </p:style>
+        </p:sp>
+        <p:sp>
+          <p:nvSpPr>
+            <p:cNvPr id="23" name="Rectangle 25"/>
+            <p:cNvSpPr/>
+            <p:nvPr/>
+          </p:nvSpPr>
+          <p:spPr>
+            <a:xfrm>
+              <a:off x="9603442" y="-8467"/>
+              <a:ext cx="2588558" cy="6866467"/>
+            </a:xfrm>
+            <a:custGeom>
+              <a:avLst/>
+              <a:gdLst/>
+              <a:ahLst/>
+              <a:cxnLst/>
+              <a:rect l="l" t="t" r="r" b="b"/>
+              <a:pathLst>
+                <a:path w="2573311" h="6866467">
+                  <a:moveTo>
+                    <a:pt x="0" y="0"/>
+                  </a:moveTo>
+                  <a:lnTo>
+                    <a:pt x="2573311" y="0"/>
+                  </a:lnTo>
+                  <a:lnTo>
+                    <a:pt x="2573311" y="6866467"/>
+                  </a:lnTo>
+                  <a:lnTo>
+                    <a:pt x="1202336" y="6866467"/>
+                  </a:lnTo>
+                  <a:lnTo>
+                    <a:pt x="0" y="0"/>
+                  </a:lnTo>
+                  <a:close/>
+                </a:path>
+              </a:pathLst>
+            </a:custGeom>
+            <a:solidFill>
+              <a:schemeClr val="accent1">
+                <a:alpha val="20000"/>
+              </a:schemeClr>
+            </a:solidFill>
+            <a:ln>
+              <a:noFill/>
+            </a:ln>
+            <a:effectLst/>
+          </p:spPr>
+          <p:style>
+            <a:lnRef idx="1">
+              <a:schemeClr val="accent1"/>
+            </a:lnRef>
+            <a:fillRef idx="3">
+              <a:schemeClr val="accent1"/>
+            </a:fillRef>
+            <a:effectRef idx="2">
+              <a:schemeClr val="accent1"/>
+            </a:effectRef>
+            <a:fontRef idx="minor">
+              <a:schemeClr val="lt1"/>
+            </a:fontRef>
+          </p:style>
+        </p:sp>
+        <p:sp>
+          <p:nvSpPr>
+            <p:cNvPr id="24" name="Isosceles Triangle 23"/>
+            <p:cNvSpPr/>
+            <p:nvPr/>
+          </p:nvSpPr>
+          <p:spPr>
+            <a:xfrm>
+              <a:off x="8932333" y="3048000"/>
+              <a:ext cx="3259667" cy="3810000"/>
+            </a:xfrm>
+            <a:prstGeom prst="triangle">
+              <a:avLst>
+                <a:gd name="adj" fmla="val 100000"/>
+              </a:avLst>
+            </a:prstGeom>
+            <a:solidFill>
+              <a:schemeClr val="accent2">
+                <a:alpha val="72000"/>
+              </a:schemeClr>
+            </a:solidFill>
+            <a:ln>
+              <a:noFill/>
+            </a:ln>
+            <a:effectLst/>
+          </p:spPr>
+          <p:style>
+            <a:lnRef idx="1">
+              <a:schemeClr val="accent1"/>
+            </a:lnRef>
+            <a:fillRef idx="3">
+              <a:schemeClr val="accent1"/>
+            </a:fillRef>
+            <a:effectRef idx="2">
+              <a:schemeClr val="accent1"/>
+            </a:effectRef>
+            <a:fontRef idx="minor">
+              <a:schemeClr val="lt1"/>
+            </a:fontRef>
+          </p:style>
+        </p:sp>
+        <p:sp>
+          <p:nvSpPr>
+            <p:cNvPr id="25" name="Rectangle 27"/>
+            <p:cNvSpPr/>
+            <p:nvPr/>
+          </p:nvSpPr>
+          <p:spPr>
+            <a:xfrm>
+              <a:off x="9334500" y="-8467"/>
+              <a:ext cx="2854326" cy="6866467"/>
+            </a:xfrm>
+            <a:custGeom>
+              <a:avLst/>
+              <a:gdLst/>
+              <a:ahLst/>
+              <a:cxnLst/>
+              <a:rect l="l" t="t" r="r" b="b"/>
+              <a:pathLst>
+                <a:path w="2858013" h="6866467">
+                  <a:moveTo>
+                    <a:pt x="0" y="0"/>
+                  </a:moveTo>
+                  <a:lnTo>
+                    <a:pt x="2858013" y="0"/>
+                  </a:lnTo>
+                  <a:lnTo>
+                    <a:pt x="2858013" y="6866467"/>
+                  </a:lnTo>
+                  <a:lnTo>
+                    <a:pt x="2473942" y="6866467"/>
+                  </a:lnTo>
+                  <a:lnTo>
+                    <a:pt x="0" y="0"/>
+                  </a:lnTo>
+                  <a:close/>
+                </a:path>
+              </a:pathLst>
+            </a:custGeom>
+            <a:solidFill>
+              <a:schemeClr val="accent2">
+                <a:lumMod val="75000"/>
+                <a:alpha val="70000"/>
+              </a:schemeClr>
+            </a:solidFill>
+            <a:ln>
+              <a:noFill/>
+            </a:ln>
+            <a:effectLst/>
+          </p:spPr>
+          <p:style>
+            <a:lnRef idx="1">
+              <a:schemeClr val="accent1"/>
+            </a:lnRef>
+            <a:fillRef idx="3">
+              <a:schemeClr val="accent1"/>
+            </a:fillRef>
+            <a:effectRef idx="2">
+              <a:schemeClr val="accent1"/>
+            </a:effectRef>
+            <a:fontRef idx="minor">
+              <a:schemeClr val="lt1"/>
+            </a:fontRef>
+          </p:style>
+        </p:sp>
+        <p:sp>
+          <p:nvSpPr>
+            <p:cNvPr id="26" name="Rectangle 28"/>
+            <p:cNvSpPr/>
+            <p:nvPr/>
+          </p:nvSpPr>
+          <p:spPr>
+            <a:xfrm>
+              <a:off x="10898730" y="-8467"/>
+              <a:ext cx="1290094" cy="6866467"/>
+            </a:xfrm>
+            <a:custGeom>
+              <a:avLst/>
+              <a:gdLst/>
+              <a:ahLst/>
+              <a:cxnLst/>
+              <a:rect l="l" t="t" r="r" b="b"/>
+              <a:pathLst>
+                <a:path w="1290094" h="6858000">
+                  <a:moveTo>
+                    <a:pt x="1019735" y="0"/>
+                  </a:moveTo>
+                  <a:lnTo>
+                    <a:pt x="1290094" y="0"/>
+                  </a:lnTo>
+                  <a:lnTo>
+                    <a:pt x="1290094" y="6858000"/>
+                  </a:lnTo>
+                  <a:lnTo>
+                    <a:pt x="0" y="6858000"/>
+                  </a:lnTo>
+                  <a:lnTo>
+                    <a:pt x="1019735" y="0"/>
+                  </a:lnTo>
+                  <a:close/>
+                </a:path>
+              </a:pathLst>
+            </a:custGeom>
+            <a:solidFill>
+              <a:schemeClr val="accent1">
+                <a:lumMod val="60000"/>
+                <a:lumOff val="40000"/>
+                <a:alpha val="70000"/>
+              </a:schemeClr>
+            </a:solidFill>
+            <a:ln>
+              <a:noFill/>
+            </a:ln>
+            <a:effectLst/>
+          </p:spPr>
+          <p:style>
+            <a:lnRef idx="1">
+              <a:schemeClr val="accent1"/>
+            </a:lnRef>
+            <a:fillRef idx="3">
+              <a:schemeClr val="accent1"/>
+            </a:fillRef>
+            <a:effectRef idx="2">
+              <a:schemeClr val="accent1"/>
+            </a:effectRef>
+            <a:fontRef idx="minor">
+              <a:schemeClr val="lt1"/>
+            </a:fontRef>
+          </p:style>
+        </p:sp>
+        <p:sp>
+          <p:nvSpPr>
+            <p:cNvPr id="27" name="Rectangle 29"/>
+            <p:cNvSpPr/>
+            <p:nvPr/>
+          </p:nvSpPr>
+          <p:spPr>
+            <a:xfrm>
+              <a:off x="10938999" y="-8467"/>
+              <a:ext cx="1249825" cy="6866467"/>
+            </a:xfrm>
+            <a:custGeom>
+              <a:avLst/>
+              <a:gdLst/>
+              <a:ahLst/>
+              <a:cxnLst/>
+              <a:rect l="l" t="t" r="r" b="b"/>
+              <a:pathLst>
+                <a:path w="1249825" h="6858000">
+                  <a:moveTo>
+                    <a:pt x="0" y="0"/>
+                  </a:moveTo>
+                  <a:lnTo>
+                    <a:pt x="1249825" y="0"/>
+                  </a:lnTo>
+                  <a:lnTo>
+                    <a:pt x="1249825" y="6858000"/>
+                  </a:lnTo>
+                  <a:lnTo>
+                    <a:pt x="1109382" y="6858000"/>
+                  </a:lnTo>
+                  <a:lnTo>
+                    <a:pt x="0" y="0"/>
+                  </a:lnTo>
+                  <a:close/>
+                </a:path>
+              </a:pathLst>
+            </a:custGeom>
+            <a:solidFill>
+              <a:schemeClr val="accent1">
+                <a:alpha val="65000"/>
+              </a:schemeClr>
+            </a:solidFill>
+            <a:ln>
+              <a:noFill/>
+            </a:ln>
+            <a:effectLst/>
+          </p:spPr>
+          <p:style>
+            <a:lnRef idx="1">
+              <a:schemeClr val="accent1"/>
+            </a:lnRef>
+            <a:fillRef idx="3">
+              <a:schemeClr val="accent1"/>
+            </a:fillRef>
+            <a:effectRef idx="2">
+              <a:schemeClr val="accent1"/>
+            </a:effectRef>
+            <a:fontRef idx="minor">
+              <a:schemeClr val="lt1"/>
+            </a:fontRef>
+          </p:style>
+        </p:sp>
+        <p:sp>
+          <p:nvSpPr>
+            <p:cNvPr id="28" name="Isosceles Triangle 27"/>
+            <p:cNvSpPr/>
+            <p:nvPr/>
+          </p:nvSpPr>
+          <p:spPr>
+            <a:xfrm>
+              <a:off x="10371666" y="3589867"/>
+              <a:ext cx="1817159" cy="3268133"/>
+            </a:xfrm>
+            <a:prstGeom prst="triangle">
+              <a:avLst>
+                <a:gd name="adj" fmla="val 100000"/>
+              </a:avLst>
+            </a:prstGeom>
+            <a:solidFill>
+              <a:schemeClr val="accent1">
+                <a:alpha val="80000"/>
+              </a:schemeClr>
+            </a:solidFill>
+            <a:ln>
+              <a:noFill/>
+            </a:ln>
+            <a:effectLst/>
+          </p:spPr>
+          <p:style>
+            <a:lnRef idx="1">
+              <a:schemeClr val="accent1"/>
+            </a:lnRef>
+            <a:fillRef idx="3">
+              <a:schemeClr val="accent1"/>
+            </a:fillRef>
+            <a:effectRef idx="2">
+              <a:schemeClr val="accent1"/>
+            </a:effectRef>
+            <a:fontRef idx="minor">
+              <a:schemeClr val="lt1"/>
+            </a:fontRef>
+          </p:style>
+        </p:sp>
+        <p:sp>
+          <p:nvSpPr>
+            <p:cNvPr id="29" name="Isosceles Triangle 28"/>
+            <p:cNvSpPr/>
+            <p:nvPr/>
+          </p:nvSpPr>
+          <p:spPr>
+            <a:xfrm>
+              <a:off x="0" y="4013200"/>
+              <a:ext cx="448733" cy="2844800"/>
+            </a:xfrm>
+            <a:prstGeom prst="triangle">
+              <a:avLst>
+                <a:gd name="adj" fmla="val 0"/>
+              </a:avLst>
+            </a:prstGeom>
+            <a:solidFill>
+              <a:schemeClr val="accent1">
+                <a:alpha val="85000"/>
+              </a:schemeClr>
+            </a:solidFill>
+            <a:ln>
+              <a:noFill/>
+            </a:ln>
+            <a:effectLst/>
+          </p:spPr>
+          <p:style>
+            <a:lnRef idx="1">
+              <a:schemeClr val="accent1"/>
+            </a:lnRef>
+            <a:fillRef idx="3">
+              <a:schemeClr val="accent1"/>
+            </a:fillRef>
+            <a:effectRef idx="2">
+              <a:schemeClr val="accent1"/>
+            </a:effectRef>
+            <a:fontRef idx="minor">
+              <a:schemeClr val="lt1"/>
+            </a:fontRef>
+          </p:style>
+        </p:sp>
+      </p:grpSp>
+      <p:sp>
+        <p:nvSpPr>
+          <p:cNvPr id="2" name="Title Placeholder 1"/>
           <p:cNvSpPr>
             <a:spLocks noGrp="1"/>
           </p:cNvSpPr>
@@ -2795,15 +5214,15 @@
         </p:nvSpPr>
         <p:spPr>
           <a:xfrm>
-            <a:off x="838200" y="365125"/>
-            <a:ext cx="10515600" cy="1325563"/>
+            <a:off x="677334" y="609600"/>
+            <a:ext cx="8596668" cy="1320800"/>
           </a:xfrm>
           <a:prstGeom prst="rect">
             <a:avLst/>
           </a:prstGeom>
         </p:spPr>
         <p:txBody>
-          <a:bodyPr vert="horz" lIns="91440" tIns="45720" rIns="91440" bIns="45720" rtlCol="0" anchor="ctr">
+          <a:bodyPr vert="horz" lIns="91440" tIns="45720" rIns="91440" bIns="45720" rtlCol="0" anchor="t">
             <a:normAutofit/>
           </a:bodyPr>
           <a:lstStyle/>
@@ -2812,19 +5231,13 @@
               <a:rPr lang="en-US"/>
               <a:t>Click to edit Master title style</a:t>
             </a:r>
-            <a:endParaRPr lang="he-IL"/>
-          </a:p>
-        </p:txBody>
-      </p:sp>
-      <p:sp>
-        <p:nvSpPr>
-          <p:cNvPr id="3" name="Text Placeholder 2">
-            <a:extLst>
-              <a:ext uri="{FF2B5EF4-FFF2-40B4-BE49-F238E27FC236}">
-                <a16:creationId xmlns:a16="http://schemas.microsoft.com/office/drawing/2014/main" id="{DB3B130C-DE11-3743-05FC-5AFF92A60E7F}"/>
-              </a:ext>
-            </a:extLst>
-          </p:cNvPr>
+            <a:endParaRPr lang="en-US" dirty="0"/>
+          </a:p>
+        </p:txBody>
+      </p:sp>
+      <p:sp>
+        <p:nvSpPr>
+          <p:cNvPr id="3" name="Text Placeholder 2"/>
           <p:cNvSpPr>
             <a:spLocks noGrp="1"/>
           </p:cNvSpPr>
@@ -2834,8 +5247,8 @@
         </p:nvSpPr>
         <p:spPr>
           <a:xfrm>
-            <a:off x="838200" y="1825625"/>
-            <a:ext cx="10515600" cy="4351338"/>
+            <a:off x="677334" y="2160589"/>
+            <a:ext cx="8596668" cy="3880773"/>
           </a:xfrm>
           <a:prstGeom prst="rect">
             <a:avLst/>
@@ -2880,19 +5293,13 @@
               <a:rPr lang="en-US"/>
               <a:t>Fifth level</a:t>
             </a:r>
-            <a:endParaRPr lang="he-IL"/>
-          </a:p>
-        </p:txBody>
-      </p:sp>
-      <p:sp>
-        <p:nvSpPr>
-          <p:cNvPr id="4" name="Date Placeholder 3">
-            <a:extLst>
-              <a:ext uri="{FF2B5EF4-FFF2-40B4-BE49-F238E27FC236}">
-                <a16:creationId xmlns:a16="http://schemas.microsoft.com/office/drawing/2014/main" id="{7413F2D7-FC00-8DF2-EAF3-642FB8F733BE}"/>
-              </a:ext>
-            </a:extLst>
-          </p:cNvPr>
+            <a:endParaRPr lang="en-US" dirty="0"/>
+          </a:p>
+        </p:txBody>
+      </p:sp>
+      <p:sp>
+        <p:nvSpPr>
+          <p:cNvPr id="4" name="Date Placeholder 3"/>
           <p:cNvSpPr>
             <a:spLocks noGrp="1"/>
           </p:cNvSpPr>
@@ -2902,8 +5309,8 @@
         </p:nvSpPr>
         <p:spPr>
           <a:xfrm>
-            <a:off x="838200" y="6356350"/>
-            <a:ext cx="2743200" cy="365125"/>
+            <a:off x="7205133" y="6041362"/>
+            <a:ext cx="911939" cy="365125"/>
           </a:xfrm>
           <a:prstGeom prst="rect">
             <a:avLst/>
@@ -2913,7 +5320,7 @@
           <a:bodyPr vert="horz" lIns="91440" tIns="45720" rIns="91440" bIns="45720" rtlCol="0" anchor="ctr"/>
           <a:lstStyle>
             <a:lvl1pPr algn="r">
-              <a:defRPr sz="1200">
+              <a:defRPr sz="900">
                 <a:solidFill>
                   <a:schemeClr val="tx1">
                     <a:tint val="75000"/>
@@ -2925,7 +5332,7 @@
           <a:p>
             <a:fld id="{50951492-DE4F-4CD9-A31F-3E1DD746501E}" type="datetimeFigureOut">
               <a:rPr lang="he-IL" smtClean="0"/>
-              <a:t>כ"ו/תשרי/תשפ"ג</a:t>
+              <a:t>כ"ז.תשרי.תשפ"ג</a:t>
             </a:fld>
             <a:endParaRPr lang="he-IL"/>
           </a:p>
@@ -2933,13 +5340,7 @@
       </p:sp>
       <p:sp>
         <p:nvSpPr>
-          <p:cNvPr id="5" name="Footer Placeholder 4">
-            <a:extLst>
-              <a:ext uri="{FF2B5EF4-FFF2-40B4-BE49-F238E27FC236}">
-                <a16:creationId xmlns:a16="http://schemas.microsoft.com/office/drawing/2014/main" id="{A6101619-DAEA-24F7-3ED9-9B7A9465E8EB}"/>
-              </a:ext>
-            </a:extLst>
-          </p:cNvPr>
+          <p:cNvPr id="5" name="Footer Placeholder 4"/>
           <p:cNvSpPr>
             <a:spLocks noGrp="1"/>
           </p:cNvSpPr>
@@ -2949,8 +5350,8 @@
         </p:nvSpPr>
         <p:spPr>
           <a:xfrm>
-            <a:off x="4038600" y="6356350"/>
-            <a:ext cx="4114800" cy="365125"/>
+            <a:off x="677334" y="6041362"/>
+            <a:ext cx="6297612" cy="365125"/>
           </a:xfrm>
           <a:prstGeom prst="rect">
             <a:avLst/>
@@ -2959,8 +5360,8 @@
         <p:txBody>
           <a:bodyPr vert="horz" lIns="91440" tIns="45720" rIns="91440" bIns="45720" rtlCol="0" anchor="ctr"/>
           <a:lstStyle>
-            <a:lvl1pPr algn="ctr">
-              <a:defRPr sz="1200">
+            <a:lvl1pPr algn="l">
+              <a:defRPr sz="900">
                 <a:solidFill>
                   <a:schemeClr val="tx1">
                     <a:tint val="75000"/>
@@ -2976,13 +5377,7 @@
       </p:sp>
       <p:sp>
         <p:nvSpPr>
-          <p:cNvPr id="6" name="Slide Number Placeholder 5">
-            <a:extLst>
-              <a:ext uri="{FF2B5EF4-FFF2-40B4-BE49-F238E27FC236}">
-                <a16:creationId xmlns:a16="http://schemas.microsoft.com/office/drawing/2014/main" id="{FFEC0BE1-C610-9F20-2E20-40FE5BF0F3AD}"/>
-              </a:ext>
-            </a:extLst>
-          </p:cNvPr>
+          <p:cNvPr id="6" name="Slide Number Placeholder 5"/>
           <p:cNvSpPr>
             <a:spLocks noGrp="1"/>
           </p:cNvSpPr>
@@ -2992,8 +5387,8 @@
         </p:nvSpPr>
         <p:spPr>
           <a:xfrm>
-            <a:off x="8610600" y="6356350"/>
-            <a:ext cx="2743200" cy="365125"/>
+            <a:off x="8590663" y="6041362"/>
+            <a:ext cx="683339" cy="365125"/>
           </a:xfrm>
           <a:prstGeom prst="rect">
             <a:avLst/>
@@ -3002,12 +5397,10 @@
         <p:txBody>
           <a:bodyPr vert="horz" lIns="91440" tIns="45720" rIns="91440" bIns="45720" rtlCol="0" anchor="ctr"/>
           <a:lstStyle>
-            <a:lvl1pPr algn="l">
-              <a:defRPr sz="1200">
-                <a:solidFill>
-                  <a:schemeClr val="tx1">
-                    <a:tint val="75000"/>
-                  </a:schemeClr>
+            <a:lvl1pPr algn="r">
+              <a:defRPr sz="900">
+                <a:solidFill>
+                  <a:schemeClr val="accent1"/>
                 </a:solidFill>
               </a:defRPr>
             </a:lvl1pPr>
@@ -3024,55 +5417,335 @@
     </p:spTree>
     <p:extLst>
       <p:ext uri="{BB962C8B-B14F-4D97-AF65-F5344CB8AC3E}">
-        <p14:creationId xmlns:p14="http://schemas.microsoft.com/office/powerpoint/2010/main" val="4211484056"/>
+        <p14:creationId xmlns:p14="http://schemas.microsoft.com/office/powerpoint/2010/main" val="2102652262"/>
       </p:ext>
     </p:extLst>
   </p:cSld>
   <p:clrMap bg1="lt1" tx1="dk1" bg2="lt2" tx2="dk2" accent1="accent1" accent2="accent2" accent3="accent3" accent4="accent4" accent5="accent5" accent6="accent6" hlink="hlink" folHlink="folHlink"/>
   <p:sldLayoutIdLst>
-    <p:sldLayoutId id="2147483649" r:id="rId1"/>
-    <p:sldLayoutId id="2147483650" r:id="rId2"/>
-    <p:sldLayoutId id="2147483651" r:id="rId3"/>
-    <p:sldLayoutId id="2147483652" r:id="rId4"/>
-    <p:sldLayoutId id="2147483653" r:id="rId5"/>
-    <p:sldLayoutId id="2147483654" r:id="rId6"/>
-    <p:sldLayoutId id="2147483655" r:id="rId7"/>
-    <p:sldLayoutId id="2147483656" r:id="rId8"/>
-    <p:sldLayoutId id="2147483657" r:id="rId9"/>
-    <p:sldLayoutId id="2147483658" r:id="rId10"/>
-    <p:sldLayoutId id="2147483659" r:id="rId11"/>
+    <p:sldLayoutId id="2147483695" r:id="rId1"/>
+    <p:sldLayoutId id="2147483696" r:id="rId2"/>
+    <p:sldLayoutId id="2147483697" r:id="rId3"/>
+    <p:sldLayoutId id="2147483698" r:id="rId4"/>
+    <p:sldLayoutId id="2147483699" r:id="rId5"/>
+    <p:sldLayoutId id="2147483700" r:id="rId6"/>
+    <p:sldLayoutId id="2147483701" r:id="rId7"/>
+    <p:sldLayoutId id="2147483702" r:id="rId8"/>
+    <p:sldLayoutId id="2147483703" r:id="rId9"/>
+    <p:sldLayoutId id="2147483704" r:id="rId10"/>
+    <p:sldLayoutId id="2147483705" r:id="rId11"/>
+    <p:sldLayoutId id="2147483706" r:id="rId12"/>
+    <p:sldLayoutId id="2147483707" r:id="rId13"/>
+    <p:sldLayoutId id="2147483708" r:id="rId14"/>
+    <p:sldLayoutId id="2147483709" r:id="rId15"/>
+    <p:sldLayoutId id="2147483710" r:id="rId16"/>
   </p:sldLayoutIdLst>
   <p:txStyles>
     <p:titleStyle>
-      <a:lvl1pPr algn="l" defTabSz="914400" rtl="0" eaLnBrk="1" latinLnBrk="0" hangingPunct="1">
-        <a:lnSpc>
-          <a:spcPct val="90000"/>
-        </a:lnSpc>
+      <a:lvl1pPr algn="l" defTabSz="457200" rtl="0" eaLnBrk="1" latinLnBrk="0" hangingPunct="1">
         <a:spcBef>
           <a:spcPct val="0"/>
         </a:spcBef>
         <a:buNone/>
-        <a:defRPr sz="4400" kern="1200">
+        <a:defRPr sz="3600" kern="1200">
           <a:solidFill>
-            <a:schemeClr val="tx1"/>
+            <a:schemeClr val="accent1"/>
           </a:solidFill>
           <a:latin typeface="+mj-lt"/>
           <a:ea typeface="+mj-ea"/>
           <a:cs typeface="+mj-cs"/>
         </a:defRPr>
       </a:lvl1pPr>
+      <a:lvl2pPr eaLnBrk="1" hangingPunct="1">
+        <a:defRPr>
+          <a:solidFill>
+            <a:schemeClr val="tx2"/>
+          </a:solidFill>
+        </a:defRPr>
+      </a:lvl2pPr>
+      <a:lvl3pPr eaLnBrk="1" hangingPunct="1">
+        <a:defRPr>
+          <a:solidFill>
+            <a:schemeClr val="tx2"/>
+          </a:solidFill>
+        </a:defRPr>
+      </a:lvl3pPr>
+      <a:lvl4pPr eaLnBrk="1" hangingPunct="1">
+        <a:defRPr>
+          <a:solidFill>
+            <a:schemeClr val="tx2"/>
+          </a:solidFill>
+        </a:defRPr>
+      </a:lvl4pPr>
+      <a:lvl5pPr eaLnBrk="1" hangingPunct="1">
+        <a:defRPr>
+          <a:solidFill>
+            <a:schemeClr val="tx2"/>
+          </a:solidFill>
+        </a:defRPr>
+      </a:lvl5pPr>
+      <a:lvl6pPr eaLnBrk="1" hangingPunct="1">
+        <a:defRPr>
+          <a:solidFill>
+            <a:schemeClr val="tx2"/>
+          </a:solidFill>
+        </a:defRPr>
+      </a:lvl6pPr>
+      <a:lvl7pPr eaLnBrk="1" hangingPunct="1">
+        <a:defRPr>
+          <a:solidFill>
+            <a:schemeClr val="tx2"/>
+          </a:solidFill>
+        </a:defRPr>
+      </a:lvl7pPr>
+      <a:lvl8pPr eaLnBrk="1" hangingPunct="1">
+        <a:defRPr>
+          <a:solidFill>
+            <a:schemeClr val="tx2"/>
+          </a:solidFill>
+        </a:defRPr>
+      </a:lvl8pPr>
+      <a:lvl9pPr eaLnBrk="1" hangingPunct="1">
+        <a:defRPr>
+          <a:solidFill>
+            <a:schemeClr val="tx2"/>
+          </a:solidFill>
+        </a:defRPr>
+      </a:lvl9pPr>
     </p:titleStyle>
     <p:bodyStyle>
-      <a:lvl1pPr marL="228600" indent="-228600" algn="l" defTabSz="914400" rtl="0" eaLnBrk="1" latinLnBrk="0" hangingPunct="1">
-        <a:lnSpc>
-          <a:spcPct val="90000"/>
-        </a:lnSpc>
+      <a:lvl1pPr marL="342900" indent="-342900" algn="l" defTabSz="457200" rtl="0" eaLnBrk="1" latinLnBrk="0" hangingPunct="1">
         <a:spcBef>
           <a:spcPts val="1000"/>
         </a:spcBef>
-        <a:buFont typeface="Arial" panose="020B0604020202020204" pitchFamily="34" charset="0"/>
-        <a:buChar char="•"/>
-        <a:defRPr sz="2800" kern="1200">
+        <a:spcAft>
+          <a:spcPts val="0"/>
+        </a:spcAft>
+        <a:buClr>
+          <a:schemeClr val="accent1"/>
+        </a:buClr>
+        <a:buSzPct val="80000"/>
+        <a:buFont typeface="Wingdings 3" charset="2"/>
+        <a:buChar char=""/>
+        <a:defRPr sz="1800" kern="1200">
+          <a:solidFill>
+            <a:schemeClr val="tx1">
+              <a:lumMod val="75000"/>
+              <a:lumOff val="25000"/>
+            </a:schemeClr>
+          </a:solidFill>
+          <a:latin typeface="+mn-lt"/>
+          <a:ea typeface="+mn-ea"/>
+          <a:cs typeface="+mn-cs"/>
+        </a:defRPr>
+      </a:lvl1pPr>
+      <a:lvl2pPr marL="742950" indent="-285750" algn="l" defTabSz="457200" rtl="0" eaLnBrk="1" latinLnBrk="0" hangingPunct="1">
+        <a:spcBef>
+          <a:spcPts val="1000"/>
+        </a:spcBef>
+        <a:spcAft>
+          <a:spcPts val="0"/>
+        </a:spcAft>
+        <a:buClr>
+          <a:schemeClr val="accent1"/>
+        </a:buClr>
+        <a:buSzPct val="80000"/>
+        <a:buFont typeface="Wingdings 3" charset="2"/>
+        <a:buChar char=""/>
+        <a:defRPr sz="1600" kern="1200">
+          <a:solidFill>
+            <a:schemeClr val="tx1">
+              <a:lumMod val="75000"/>
+              <a:lumOff val="25000"/>
+            </a:schemeClr>
+          </a:solidFill>
+          <a:latin typeface="+mn-lt"/>
+          <a:ea typeface="+mn-ea"/>
+          <a:cs typeface="+mn-cs"/>
+        </a:defRPr>
+      </a:lvl2pPr>
+      <a:lvl3pPr marL="1143000" indent="-228600" algn="l" defTabSz="457200" rtl="0" eaLnBrk="1" latinLnBrk="0" hangingPunct="1">
+        <a:spcBef>
+          <a:spcPts val="1000"/>
+        </a:spcBef>
+        <a:spcAft>
+          <a:spcPts val="0"/>
+        </a:spcAft>
+        <a:buClr>
+          <a:schemeClr val="accent1"/>
+        </a:buClr>
+        <a:buSzPct val="80000"/>
+        <a:buFont typeface="Wingdings 3" charset="2"/>
+        <a:buChar char=""/>
+        <a:defRPr sz="1400" kern="1200">
+          <a:solidFill>
+            <a:schemeClr val="tx1">
+              <a:lumMod val="75000"/>
+              <a:lumOff val="25000"/>
+            </a:schemeClr>
+          </a:solidFill>
+          <a:latin typeface="+mn-lt"/>
+          <a:ea typeface="+mn-ea"/>
+          <a:cs typeface="+mn-cs"/>
+        </a:defRPr>
+      </a:lvl3pPr>
+      <a:lvl4pPr marL="1600200" indent="-228600" algn="l" defTabSz="457200" rtl="0" eaLnBrk="1" latinLnBrk="0" hangingPunct="1">
+        <a:spcBef>
+          <a:spcPts val="1000"/>
+        </a:spcBef>
+        <a:spcAft>
+          <a:spcPts val="0"/>
+        </a:spcAft>
+        <a:buClr>
+          <a:schemeClr val="accent1"/>
+        </a:buClr>
+        <a:buSzPct val="80000"/>
+        <a:buFont typeface="Wingdings 3" charset="2"/>
+        <a:buChar char=""/>
+        <a:defRPr sz="1200" kern="1200">
+          <a:solidFill>
+            <a:schemeClr val="tx1">
+              <a:lumMod val="75000"/>
+              <a:lumOff val="25000"/>
+            </a:schemeClr>
+          </a:solidFill>
+          <a:latin typeface="+mn-lt"/>
+          <a:ea typeface="+mn-ea"/>
+          <a:cs typeface="+mn-cs"/>
+        </a:defRPr>
+      </a:lvl4pPr>
+      <a:lvl5pPr marL="2057400" indent="-228600" algn="l" defTabSz="457200" rtl="0" eaLnBrk="1" latinLnBrk="0" hangingPunct="1">
+        <a:spcBef>
+          <a:spcPts val="1000"/>
+        </a:spcBef>
+        <a:spcAft>
+          <a:spcPts val="0"/>
+        </a:spcAft>
+        <a:buClr>
+          <a:schemeClr val="accent1"/>
+        </a:buClr>
+        <a:buSzPct val="80000"/>
+        <a:buFont typeface="Wingdings 3" charset="2"/>
+        <a:buChar char=""/>
+        <a:defRPr sz="1200" kern="1200">
+          <a:solidFill>
+            <a:schemeClr val="tx1">
+              <a:lumMod val="75000"/>
+              <a:lumOff val="25000"/>
+            </a:schemeClr>
+          </a:solidFill>
+          <a:latin typeface="+mn-lt"/>
+          <a:ea typeface="+mn-ea"/>
+          <a:cs typeface="+mn-cs"/>
+        </a:defRPr>
+      </a:lvl5pPr>
+      <a:lvl6pPr marL="2514600" indent="-228600" algn="l" defTabSz="457200" rtl="0" eaLnBrk="1" latinLnBrk="0" hangingPunct="1">
+        <a:spcBef>
+          <a:spcPts val="1000"/>
+        </a:spcBef>
+        <a:spcAft>
+          <a:spcPts val="0"/>
+        </a:spcAft>
+        <a:buClr>
+          <a:schemeClr val="accent1"/>
+        </a:buClr>
+        <a:buSzPct val="80000"/>
+        <a:buFont typeface="Wingdings 3" charset="2"/>
+        <a:buChar char=""/>
+        <a:defRPr sz="1200" kern="1200">
+          <a:solidFill>
+            <a:schemeClr val="tx1">
+              <a:lumMod val="75000"/>
+              <a:lumOff val="25000"/>
+            </a:schemeClr>
+          </a:solidFill>
+          <a:latin typeface="+mn-lt"/>
+          <a:ea typeface="+mn-ea"/>
+          <a:cs typeface="+mn-cs"/>
+        </a:defRPr>
+      </a:lvl6pPr>
+      <a:lvl7pPr marL="2971800" indent="-228600" algn="l" defTabSz="457200" rtl="0" eaLnBrk="1" latinLnBrk="0" hangingPunct="1">
+        <a:spcBef>
+          <a:spcPts val="1000"/>
+        </a:spcBef>
+        <a:spcAft>
+          <a:spcPts val="0"/>
+        </a:spcAft>
+        <a:buClr>
+          <a:schemeClr val="accent1"/>
+        </a:buClr>
+        <a:buSzPct val="80000"/>
+        <a:buFont typeface="Wingdings 3" charset="2"/>
+        <a:buChar char=""/>
+        <a:defRPr sz="1200" kern="1200">
+          <a:solidFill>
+            <a:schemeClr val="tx1">
+              <a:lumMod val="75000"/>
+              <a:lumOff val="25000"/>
+            </a:schemeClr>
+          </a:solidFill>
+          <a:latin typeface="+mn-lt"/>
+          <a:ea typeface="+mn-ea"/>
+          <a:cs typeface="+mn-cs"/>
+        </a:defRPr>
+      </a:lvl7pPr>
+      <a:lvl8pPr marL="3429000" indent="-228600" algn="l" defTabSz="457200" rtl="0" eaLnBrk="1" latinLnBrk="0" hangingPunct="1">
+        <a:spcBef>
+          <a:spcPts val="1000"/>
+        </a:spcBef>
+        <a:spcAft>
+          <a:spcPts val="0"/>
+        </a:spcAft>
+        <a:buClr>
+          <a:schemeClr val="accent1"/>
+        </a:buClr>
+        <a:buSzPct val="80000"/>
+        <a:buFont typeface="Wingdings 3" charset="2"/>
+        <a:buChar char=""/>
+        <a:defRPr sz="1200" kern="1200">
+          <a:solidFill>
+            <a:schemeClr val="tx1">
+              <a:lumMod val="75000"/>
+              <a:lumOff val="25000"/>
+            </a:schemeClr>
+          </a:solidFill>
+          <a:latin typeface="+mn-lt"/>
+          <a:ea typeface="+mn-ea"/>
+          <a:cs typeface="+mn-cs"/>
+        </a:defRPr>
+      </a:lvl8pPr>
+      <a:lvl9pPr marL="3886200" indent="-228600" algn="l" defTabSz="457200" rtl="0" eaLnBrk="1" latinLnBrk="0" hangingPunct="1">
+        <a:spcBef>
+          <a:spcPts val="1000"/>
+        </a:spcBef>
+        <a:spcAft>
+          <a:spcPts val="0"/>
+        </a:spcAft>
+        <a:buClr>
+          <a:schemeClr val="accent1"/>
+        </a:buClr>
+        <a:buSzPct val="80000"/>
+        <a:buFont typeface="Wingdings 3" charset="2"/>
+        <a:buChar char=""/>
+        <a:defRPr sz="1200" kern="1200">
+          <a:solidFill>
+            <a:schemeClr val="tx1">
+              <a:lumMod val="75000"/>
+              <a:lumOff val="25000"/>
+            </a:schemeClr>
+          </a:solidFill>
+          <a:latin typeface="+mn-lt"/>
+          <a:ea typeface="+mn-ea"/>
+          <a:cs typeface="+mn-cs"/>
+        </a:defRPr>
+      </a:lvl9pPr>
+    </p:bodyStyle>
+    <p:otherStyle>
+      <a:defPPr>
+        <a:defRPr lang="en-US"/>
+      </a:defPPr>
+      <a:lvl1pPr marL="0" algn="l" defTabSz="457200" rtl="0" eaLnBrk="1" latinLnBrk="0" hangingPunct="1">
+        <a:defRPr sz="1800" kern="1200">
           <a:solidFill>
             <a:schemeClr val="tx1"/>
           </a:solidFill>
@@ -3081,16 +5754,8 @@
           <a:cs typeface="+mn-cs"/>
         </a:defRPr>
       </a:lvl1pPr>
-      <a:lvl2pPr marL="685800" indent="-228600" algn="l" defTabSz="914400" rtl="0" eaLnBrk="1" latinLnBrk="0" hangingPunct="1">
-        <a:lnSpc>
-          <a:spcPct val="90000"/>
-        </a:lnSpc>
-        <a:spcBef>
-          <a:spcPts val="500"/>
-        </a:spcBef>
-        <a:buFont typeface="Arial" panose="020B0604020202020204" pitchFamily="34" charset="0"/>
-        <a:buChar char="•"/>
-        <a:defRPr sz="2400" kern="1200">
+      <a:lvl2pPr marL="457200" algn="l" defTabSz="457200" rtl="0" eaLnBrk="1" latinLnBrk="0" hangingPunct="1">
+        <a:defRPr sz="1800" kern="1200">
           <a:solidFill>
             <a:schemeClr val="tx1"/>
           </a:solidFill>
@@ -3099,16 +5764,8 @@
           <a:cs typeface="+mn-cs"/>
         </a:defRPr>
       </a:lvl2pPr>
-      <a:lvl3pPr marL="1143000" indent="-228600" algn="l" defTabSz="914400" rtl="0" eaLnBrk="1" latinLnBrk="0" hangingPunct="1">
-        <a:lnSpc>
-          <a:spcPct val="90000"/>
-        </a:lnSpc>
-        <a:spcBef>
-          <a:spcPts val="500"/>
-        </a:spcBef>
-        <a:buFont typeface="Arial" panose="020B0604020202020204" pitchFamily="34" charset="0"/>
-        <a:buChar char="•"/>
-        <a:defRPr sz="2000" kern="1200">
+      <a:lvl3pPr marL="914400" algn="l" defTabSz="457200" rtl="0" eaLnBrk="1" latinLnBrk="0" hangingPunct="1">
+        <a:defRPr sz="1800" kern="1200">
           <a:solidFill>
             <a:schemeClr val="tx1"/>
           </a:solidFill>
@@ -3117,15 +5774,7 @@
           <a:cs typeface="+mn-cs"/>
         </a:defRPr>
       </a:lvl3pPr>
-      <a:lvl4pPr marL="1600200" indent="-228600" algn="l" defTabSz="914400" rtl="0" eaLnBrk="1" latinLnBrk="0" hangingPunct="1">
-        <a:lnSpc>
-          <a:spcPct val="90000"/>
-        </a:lnSpc>
-        <a:spcBef>
-          <a:spcPts val="500"/>
-        </a:spcBef>
-        <a:buFont typeface="Arial" panose="020B0604020202020204" pitchFamily="34" charset="0"/>
-        <a:buChar char="•"/>
+      <a:lvl4pPr marL="1371600" algn="l" defTabSz="457200" rtl="0" eaLnBrk="1" latinLnBrk="0" hangingPunct="1">
         <a:defRPr sz="1800" kern="1200">
           <a:solidFill>
             <a:schemeClr val="tx1"/>
@@ -3135,15 +5784,7 @@
           <a:cs typeface="+mn-cs"/>
         </a:defRPr>
       </a:lvl4pPr>
-      <a:lvl5pPr marL="2057400" indent="-228600" algn="l" defTabSz="914400" rtl="0" eaLnBrk="1" latinLnBrk="0" hangingPunct="1">
-        <a:lnSpc>
-          <a:spcPct val="90000"/>
-        </a:lnSpc>
-        <a:spcBef>
-          <a:spcPts val="500"/>
-        </a:spcBef>
-        <a:buFont typeface="Arial" panose="020B0604020202020204" pitchFamily="34" charset="0"/>
-        <a:buChar char="•"/>
+      <a:lvl5pPr marL="1828800" algn="l" defTabSz="457200" rtl="0" eaLnBrk="1" latinLnBrk="0" hangingPunct="1">
         <a:defRPr sz="1800" kern="1200">
           <a:solidFill>
             <a:schemeClr val="tx1"/>
@@ -3153,15 +5794,7 @@
           <a:cs typeface="+mn-cs"/>
         </a:defRPr>
       </a:lvl5pPr>
-      <a:lvl6pPr marL="2514600" indent="-228600" algn="l" defTabSz="914400" rtl="0" eaLnBrk="1" latinLnBrk="0" hangingPunct="1">
-        <a:lnSpc>
-          <a:spcPct val="90000"/>
-        </a:lnSpc>
-        <a:spcBef>
-          <a:spcPts val="500"/>
-        </a:spcBef>
-        <a:buFont typeface="Arial" panose="020B0604020202020204" pitchFamily="34" charset="0"/>
-        <a:buChar char="•"/>
+      <a:lvl6pPr marL="2286000" algn="l" defTabSz="457200" rtl="0" eaLnBrk="1" latinLnBrk="0" hangingPunct="1">
         <a:defRPr sz="1800" kern="1200">
           <a:solidFill>
             <a:schemeClr val="tx1"/>
@@ -3171,15 +5804,7 @@
           <a:cs typeface="+mn-cs"/>
         </a:defRPr>
       </a:lvl6pPr>
-      <a:lvl7pPr marL="2971800" indent="-228600" algn="l" defTabSz="914400" rtl="0" eaLnBrk="1" latinLnBrk="0" hangingPunct="1">
-        <a:lnSpc>
-          <a:spcPct val="90000"/>
-        </a:lnSpc>
-        <a:spcBef>
-          <a:spcPts val="500"/>
-        </a:spcBef>
-        <a:buFont typeface="Arial" panose="020B0604020202020204" pitchFamily="34" charset="0"/>
-        <a:buChar char="•"/>
+      <a:lvl7pPr marL="2743200" algn="l" defTabSz="457200" rtl="0" eaLnBrk="1" latinLnBrk="0" hangingPunct="1">
         <a:defRPr sz="1800" kern="1200">
           <a:solidFill>
             <a:schemeClr val="tx1"/>
@@ -3189,15 +5814,7 @@
           <a:cs typeface="+mn-cs"/>
         </a:defRPr>
       </a:lvl7pPr>
-      <a:lvl8pPr marL="3429000" indent="-228600" algn="l" defTabSz="914400" rtl="0" eaLnBrk="1" latinLnBrk="0" hangingPunct="1">
-        <a:lnSpc>
-          <a:spcPct val="90000"/>
-        </a:lnSpc>
-        <a:spcBef>
-          <a:spcPts val="500"/>
-        </a:spcBef>
-        <a:buFont typeface="Arial" panose="020B0604020202020204" pitchFamily="34" charset="0"/>
-        <a:buChar char="•"/>
+      <a:lvl8pPr marL="3200400" algn="l" defTabSz="457200" rtl="0" eaLnBrk="1" latinLnBrk="0" hangingPunct="1">
         <a:defRPr sz="1800" kern="1200">
           <a:solidFill>
             <a:schemeClr val="tx1"/>
@@ -3207,110 +5824,7 @@
           <a:cs typeface="+mn-cs"/>
         </a:defRPr>
       </a:lvl8pPr>
-      <a:lvl9pPr marL="3886200" indent="-228600" algn="l" defTabSz="914400" rtl="0" eaLnBrk="1" latinLnBrk="0" hangingPunct="1">
-        <a:lnSpc>
-          <a:spcPct val="90000"/>
-        </a:lnSpc>
-        <a:spcBef>
-          <a:spcPts val="500"/>
-        </a:spcBef>
-        <a:buFont typeface="Arial" panose="020B0604020202020204" pitchFamily="34" charset="0"/>
-        <a:buChar char="•"/>
-        <a:defRPr sz="1800" kern="1200">
-          <a:solidFill>
-            <a:schemeClr val="tx1"/>
-          </a:solidFill>
-          <a:latin typeface="+mn-lt"/>
-          <a:ea typeface="+mn-ea"/>
-          <a:cs typeface="+mn-cs"/>
-        </a:defRPr>
-      </a:lvl9pPr>
-    </p:bodyStyle>
-    <p:otherStyle>
-      <a:defPPr>
-        <a:defRPr lang="he-IL"/>
-      </a:defPPr>
-      <a:lvl1pPr marL="0" algn="l" defTabSz="914400" rtl="0" eaLnBrk="1" latinLnBrk="0" hangingPunct="1">
-        <a:defRPr sz="1800" kern="1200">
-          <a:solidFill>
-            <a:schemeClr val="tx1"/>
-          </a:solidFill>
-          <a:latin typeface="+mn-lt"/>
-          <a:ea typeface="+mn-ea"/>
-          <a:cs typeface="+mn-cs"/>
-        </a:defRPr>
-      </a:lvl1pPr>
-      <a:lvl2pPr marL="457200" algn="l" defTabSz="914400" rtl="0" eaLnBrk="1" latinLnBrk="0" hangingPunct="1">
-        <a:defRPr sz="1800" kern="1200">
-          <a:solidFill>
-            <a:schemeClr val="tx1"/>
-          </a:solidFill>
-          <a:latin typeface="+mn-lt"/>
-          <a:ea typeface="+mn-ea"/>
-          <a:cs typeface="+mn-cs"/>
-        </a:defRPr>
-      </a:lvl2pPr>
-      <a:lvl3pPr marL="914400" algn="l" defTabSz="914400" rtl="0" eaLnBrk="1" latinLnBrk="0" hangingPunct="1">
-        <a:defRPr sz="1800" kern="1200">
-          <a:solidFill>
-            <a:schemeClr val="tx1"/>
-          </a:solidFill>
-          <a:latin typeface="+mn-lt"/>
-          <a:ea typeface="+mn-ea"/>
-          <a:cs typeface="+mn-cs"/>
-        </a:defRPr>
-      </a:lvl3pPr>
-      <a:lvl4pPr marL="1371600" algn="l" defTabSz="914400" rtl="0" eaLnBrk="1" latinLnBrk="0" hangingPunct="1">
-        <a:defRPr sz="1800" kern="1200">
-          <a:solidFill>
-            <a:schemeClr val="tx1"/>
-          </a:solidFill>
-          <a:latin typeface="+mn-lt"/>
-          <a:ea typeface="+mn-ea"/>
-          <a:cs typeface="+mn-cs"/>
-        </a:defRPr>
-      </a:lvl4pPr>
-      <a:lvl5pPr marL="1828800" algn="l" defTabSz="914400" rtl="0" eaLnBrk="1" latinLnBrk="0" hangingPunct="1">
-        <a:defRPr sz="1800" kern="1200">
-          <a:solidFill>
-            <a:schemeClr val="tx1"/>
-          </a:solidFill>
-          <a:latin typeface="+mn-lt"/>
-          <a:ea typeface="+mn-ea"/>
-          <a:cs typeface="+mn-cs"/>
-        </a:defRPr>
-      </a:lvl5pPr>
-      <a:lvl6pPr marL="2286000" algn="l" defTabSz="914400" rtl="0" eaLnBrk="1" latinLnBrk="0" hangingPunct="1">
-        <a:defRPr sz="1800" kern="1200">
-          <a:solidFill>
-            <a:schemeClr val="tx1"/>
-          </a:solidFill>
-          <a:latin typeface="+mn-lt"/>
-          <a:ea typeface="+mn-ea"/>
-          <a:cs typeface="+mn-cs"/>
-        </a:defRPr>
-      </a:lvl6pPr>
-      <a:lvl7pPr marL="2743200" algn="l" defTabSz="914400" rtl="0" eaLnBrk="1" latinLnBrk="0" hangingPunct="1">
-        <a:defRPr sz="1800" kern="1200">
-          <a:solidFill>
-            <a:schemeClr val="tx1"/>
-          </a:solidFill>
-          <a:latin typeface="+mn-lt"/>
-          <a:ea typeface="+mn-ea"/>
-          <a:cs typeface="+mn-cs"/>
-        </a:defRPr>
-      </a:lvl7pPr>
-      <a:lvl8pPr marL="3200400" algn="l" defTabSz="914400" rtl="0" eaLnBrk="1" latinLnBrk="0" hangingPunct="1">
-        <a:defRPr sz="1800" kern="1200">
-          <a:solidFill>
-            <a:schemeClr val="tx1"/>
-          </a:solidFill>
-          <a:latin typeface="+mn-lt"/>
-          <a:ea typeface="+mn-ea"/>
-          <a:cs typeface="+mn-cs"/>
-        </a:defRPr>
-      </a:lvl8pPr>
-      <a:lvl9pPr marL="3657600" algn="l" defTabSz="914400" rtl="0" eaLnBrk="1" latinLnBrk="0" hangingPunct="1">
+      <a:lvl9pPr marL="3657600" algn="l" defTabSz="457200" rtl="0" eaLnBrk="1" latinLnBrk="0" hangingPunct="1">
         <a:defRPr sz="1800" kern="1200">
           <a:solidFill>
             <a:schemeClr val="tx1"/>
@@ -3342,6 +5856,63 @@
           <a:chExt cx="0" cy="0"/>
         </a:xfrm>
       </p:grpSpPr>
+      <p:sp>
+        <p:nvSpPr>
+          <p:cNvPr id="3" name="TextBox 2">
+            <a:extLst>
+              <a:ext uri="{FF2B5EF4-FFF2-40B4-BE49-F238E27FC236}">
+                <a16:creationId xmlns:a16="http://schemas.microsoft.com/office/drawing/2014/main" id="{E7D718F0-7822-CABF-784E-FD010F76E1F9}"/>
+              </a:ext>
+            </a:extLst>
+          </p:cNvPr>
+          <p:cNvSpPr txBox="1"/>
+          <p:nvPr/>
+        </p:nvSpPr>
+        <p:spPr>
+          <a:xfrm>
+            <a:off x="2636875" y="3233658"/>
+            <a:ext cx="6103088" cy="474041"/>
+          </a:xfrm>
+          <a:prstGeom prst="rect">
+            <a:avLst/>
+          </a:prstGeom>
+          <a:noFill/>
+        </p:spPr>
+        <p:txBody>
+          <a:bodyPr wrap="square">
+            <a:spAutoFit/>
+          </a:bodyPr>
+          <a:lstStyle/>
+          <a:p>
+            <a:pPr algn="ctr">
+              <a:lnSpc>
+                <a:spcPct val="115000"/>
+              </a:lnSpc>
+              <a:spcAft>
+                <a:spcPts val="800"/>
+              </a:spcAft>
+            </a:pPr>
+            <a:r>
+              <a:rPr lang="en-US" sz="2400" dirty="0">
+                <a:solidFill>
+                  <a:srgbClr val="000000"/>
+                </a:solidFill>
+                <a:effectLst/>
+                <a:latin typeface="Tahoma" panose="020B0604030504040204" pitchFamily="34" charset="0"/>
+                <a:ea typeface="Tahoma" panose="020B0604030504040204" pitchFamily="34" charset="0"/>
+                <a:cs typeface="Tahoma" panose="020B0604030504040204" pitchFamily="34" charset="0"/>
+              </a:rPr>
+              <a:t>Deep Learning for Malware Classification</a:t>
+            </a:r>
+            <a:endParaRPr lang="en-IL" dirty="0">
+              <a:effectLst/>
+              <a:latin typeface="Tahoma" panose="020B0604030504040204" pitchFamily="34" charset="0"/>
+              <a:ea typeface="Tahoma" panose="020B0604030504040204" pitchFamily="34" charset="0"/>
+              <a:cs typeface="Tahoma" panose="020B0604030504040204" pitchFamily="34" charset="0"/>
+            </a:endParaRPr>
+          </a:p>
+        </p:txBody>
+      </p:sp>
     </p:spTree>
     <p:extLst>
       <p:ext uri="{BB962C8B-B14F-4D97-AF65-F5344CB8AC3E}">
@@ -3355,10 +5926,2048 @@
 </p:sld>
 </file>
 
+<file path=ppt/slides/slide2.xml><?xml version="1.0" encoding="utf-8"?>
+<p:sld xmlns:a="http://schemas.openxmlformats.org/drawingml/2006/main" xmlns:r="http://schemas.openxmlformats.org/officeDocument/2006/relationships" xmlns:p="http://schemas.openxmlformats.org/presentationml/2006/main">
+  <p:cSld>
+    <p:spTree>
+      <p:nvGrpSpPr>
+        <p:cNvPr id="1" name=""/>
+        <p:cNvGrpSpPr/>
+        <p:nvPr/>
+      </p:nvGrpSpPr>
+      <p:grpSpPr>
+        <a:xfrm>
+          <a:off x="0" y="0"/>
+          <a:ext cx="0" cy="0"/>
+          <a:chOff x="0" y="0"/>
+          <a:chExt cx="0" cy="0"/>
+        </a:xfrm>
+      </p:grpSpPr>
+      <p:sp>
+        <p:nvSpPr>
+          <p:cNvPr id="3" name="Content Placeholder 2">
+            <a:extLst>
+              <a:ext uri="{FF2B5EF4-FFF2-40B4-BE49-F238E27FC236}">
+                <a16:creationId xmlns:a16="http://schemas.microsoft.com/office/drawing/2014/main" id="{19786AB6-F422-61B0-0DF1-BDC019B99EA8}"/>
+              </a:ext>
+            </a:extLst>
+          </p:cNvPr>
+          <p:cNvSpPr>
+            <a:spLocks noGrp="1"/>
+          </p:cNvSpPr>
+          <p:nvPr>
+            <p:ph idx="1"/>
+          </p:nvPr>
+        </p:nvSpPr>
+        <p:spPr>
+          <a:xfrm>
+            <a:off x="656070" y="1084521"/>
+            <a:ext cx="8596668" cy="5095065"/>
+          </a:xfrm>
+        </p:spPr>
+        <p:txBody>
+          <a:bodyPr>
+            <a:normAutofit lnSpcReduction="10000"/>
+          </a:bodyPr>
+          <a:lstStyle/>
+          <a:p>
+            <a:pPr marL="0" indent="0" algn="r" rtl="1">
+              <a:lnSpc>
+                <a:spcPct val="150000"/>
+              </a:lnSpc>
+              <a:buNone/>
+            </a:pPr>
+            <a:r>
+              <a:rPr lang="he-IL" sz="1400" dirty="0">
+                <a:solidFill>
+                  <a:srgbClr val="000000"/>
+                </a:solidFill>
+                <a:latin typeface="Tahoma" panose="020B0604030504040204" pitchFamily="34" charset="0"/>
+                <a:ea typeface="Tahoma" panose="020B0604030504040204" pitchFamily="34" charset="0"/>
+                <a:cs typeface="Tahoma" panose="020B0604030504040204" pitchFamily="34" charset="0"/>
+              </a:rPr>
+              <a:t>בעולמנו כיום עולה השימוש בטכנולוגיה בצורה כבירה ועם עלייה זו, צצים אין ספור איומים על המשתמשים השונים. מתקפות הסייבר בעולם מהוות סיכון מרכזי לפגיעה במרחב הקיברנטי של היעד במטרה לגנוב ממנו מידע ואף להסב לו נזק.</a:t>
+            </a:r>
+            <a:br>
+              <a:rPr lang="en-US" sz="1400" dirty="0">
+                <a:solidFill>
+                  <a:srgbClr val="000000"/>
+                </a:solidFill>
+                <a:latin typeface="Tahoma" panose="020B0604030504040204" pitchFamily="34" charset="0"/>
+                <a:ea typeface="Tahoma" panose="020B0604030504040204" pitchFamily="34" charset="0"/>
+                <a:cs typeface="Tahoma" panose="020B0604030504040204" pitchFamily="34" charset="0"/>
+              </a:rPr>
+            </a:br>
+            <a:endParaRPr lang="he-IL" sz="1400" dirty="0">
+              <a:solidFill>
+                <a:srgbClr val="000000"/>
+              </a:solidFill>
+              <a:latin typeface="Tahoma" panose="020B0604030504040204" pitchFamily="34" charset="0"/>
+              <a:ea typeface="Tahoma" panose="020B0604030504040204" pitchFamily="34" charset="0"/>
+              <a:cs typeface="Tahoma" panose="020B0604030504040204" pitchFamily="34" charset="0"/>
+            </a:endParaRPr>
+          </a:p>
+          <a:p>
+            <a:pPr marL="342900" indent="-342900" algn="r" defTabSz="457200" rtl="1" eaLnBrk="1" latinLnBrk="0" hangingPunct="1">
+              <a:lnSpc>
+                <a:spcPct val="150000"/>
+              </a:lnSpc>
+              <a:spcBef>
+                <a:spcPts val="1000"/>
+              </a:spcBef>
+              <a:spcAft>
+                <a:spcPts val="0"/>
+              </a:spcAft>
+              <a:buClr>
+                <a:schemeClr val="accent1"/>
+              </a:buClr>
+              <a:buSzPct val="80000"/>
+              <a:buFont typeface="Wingdings 3" charset="2"/>
+              <a:buChar char=""/>
+            </a:pPr>
+            <a:r>
+              <a:rPr lang="he-IL" sz="2000" dirty="0">
+                <a:solidFill>
+                  <a:srgbClr val="000000"/>
+                </a:solidFill>
+                <a:latin typeface="Tahoma" panose="020B0604030504040204" pitchFamily="34" charset="0"/>
+                <a:ea typeface="Tahoma" panose="020B0604030504040204" pitchFamily="34" charset="0"/>
+                <a:cs typeface="Tahoma" panose="020B0604030504040204" pitchFamily="34" charset="0"/>
+              </a:rPr>
+              <a:t>הגדרת הבעיה</a:t>
+            </a:r>
+          </a:p>
+          <a:p>
+            <a:pPr marL="400050" lvl="1" indent="0" algn="r" rtl="1">
+              <a:lnSpc>
+                <a:spcPct val="150000"/>
+              </a:lnSpc>
+              <a:buNone/>
+            </a:pPr>
+            <a:r>
+              <a:rPr lang="he-IL" sz="1400" dirty="0">
+                <a:solidFill>
+                  <a:srgbClr val="000000"/>
+                </a:solidFill>
+                <a:latin typeface="Tahoma" panose="020B0604030504040204" pitchFamily="34" charset="0"/>
+                <a:ea typeface="Tahoma" panose="020B0604030504040204" pitchFamily="34" charset="0"/>
+                <a:cs typeface="Tahoma" panose="020B0604030504040204" pitchFamily="34" charset="0"/>
+              </a:rPr>
+              <a:t>הבעיה אותה הפרויקט בא לפתור היא בעיית סיווג נוזקות למשפחות באמצעות למידת מכונה. כלומר, סיווג </a:t>
+            </a:r>
+            <a:r>
+              <a:rPr lang="he-IL" sz="1400" b="1" dirty="0">
+                <a:solidFill>
+                  <a:srgbClr val="000000"/>
+                </a:solidFill>
+                <a:latin typeface="Tahoma" panose="020B0604030504040204" pitchFamily="34" charset="0"/>
+                <a:ea typeface="Tahoma" panose="020B0604030504040204" pitchFamily="34" charset="0"/>
+                <a:cs typeface="Tahoma" panose="020B0604030504040204" pitchFamily="34" charset="0"/>
+              </a:rPr>
+              <a:t>שיטתי</a:t>
+            </a:r>
+            <a:r>
+              <a:rPr lang="he-IL" sz="1400" dirty="0">
+                <a:solidFill>
+                  <a:srgbClr val="000000"/>
+                </a:solidFill>
+                <a:latin typeface="Tahoma" panose="020B0604030504040204" pitchFamily="34" charset="0"/>
+                <a:ea typeface="Tahoma" panose="020B0604030504040204" pitchFamily="34" charset="0"/>
+                <a:cs typeface="Tahoma" panose="020B0604030504040204" pitchFamily="34" charset="0"/>
+              </a:rPr>
+              <a:t> של איומים אלו, המאיימים על מערכות תקשורת ואינטרנט המהוות תשתית עבור ארגונים רבים. ביצוע והצלחה בפתירת בעיה זו, כרוך בקשיים רבים והתאמות משמעותיות.</a:t>
+            </a:r>
+            <a:br>
+              <a:rPr lang="en-US" sz="1400" dirty="0">
+                <a:solidFill>
+                  <a:srgbClr val="000000"/>
+                </a:solidFill>
+                <a:latin typeface="Tahoma" panose="020B0604030504040204" pitchFamily="34" charset="0"/>
+                <a:ea typeface="Tahoma" panose="020B0604030504040204" pitchFamily="34" charset="0"/>
+                <a:cs typeface="Tahoma" panose="020B0604030504040204" pitchFamily="34" charset="0"/>
+              </a:rPr>
+            </a:br>
+            <a:endParaRPr lang="he-IL" sz="2000" dirty="0">
+              <a:solidFill>
+                <a:srgbClr val="000000"/>
+              </a:solidFill>
+              <a:latin typeface="Tahoma" panose="020B0604030504040204" pitchFamily="34" charset="0"/>
+              <a:ea typeface="Tahoma" panose="020B0604030504040204" pitchFamily="34" charset="0"/>
+              <a:cs typeface="Tahoma" panose="020B0604030504040204" pitchFamily="34" charset="0"/>
+            </a:endParaRPr>
+          </a:p>
+          <a:p>
+            <a:pPr marL="342900" indent="-342900" algn="r" defTabSz="457200" rtl="1" eaLnBrk="1" latinLnBrk="0" hangingPunct="1">
+              <a:lnSpc>
+                <a:spcPct val="150000"/>
+              </a:lnSpc>
+              <a:spcBef>
+                <a:spcPts val="1000"/>
+              </a:spcBef>
+              <a:spcAft>
+                <a:spcPts val="0"/>
+              </a:spcAft>
+              <a:buClr>
+                <a:schemeClr val="accent1"/>
+              </a:buClr>
+              <a:buSzPct val="80000"/>
+              <a:buFont typeface="Wingdings 3" charset="2"/>
+              <a:buChar char=""/>
+            </a:pPr>
+            <a:r>
+              <a:rPr lang="he-IL" sz="2000" dirty="0">
+                <a:solidFill>
+                  <a:srgbClr val="000000"/>
+                </a:solidFill>
+                <a:latin typeface="Tahoma" panose="020B0604030504040204" pitchFamily="34" charset="0"/>
+                <a:ea typeface="Tahoma" panose="020B0604030504040204" pitchFamily="34" charset="0"/>
+                <a:cs typeface="Tahoma" panose="020B0604030504040204" pitchFamily="34" charset="0"/>
+              </a:rPr>
+              <a:t>הפרויקט שלנו</a:t>
+            </a:r>
+          </a:p>
+          <a:p>
+            <a:pPr marL="400050" lvl="1" indent="0" algn="r" rtl="1">
+              <a:lnSpc>
+                <a:spcPct val="150000"/>
+              </a:lnSpc>
+              <a:buNone/>
+            </a:pPr>
+            <a:r>
+              <a:rPr lang="he-IL" sz="1400" dirty="0">
+                <a:solidFill>
+                  <a:srgbClr val="000000"/>
+                </a:solidFill>
+                <a:latin typeface="Tahoma" panose="020B0604030504040204" pitchFamily="34" charset="0"/>
+                <a:ea typeface="Tahoma" panose="020B0604030504040204" pitchFamily="34" charset="0"/>
+                <a:cs typeface="Tahoma" panose="020B0604030504040204" pitchFamily="34" charset="0"/>
+              </a:rPr>
+              <a:t>באמצעות מודלים מעולמות למידת המכונה והלמידה העמוקה נפתח יכולת שיטתית לסיווג נוזקות לפי משפחותיהן על-ידי מעבר מהסתכלות על נוזקה כ״קובץ הרצה״ (</a:t>
+            </a:r>
+            <a:r>
+              <a:rPr lang="en-US" sz="1400" dirty="0">
+                <a:solidFill>
+                  <a:srgbClr val="000000"/>
+                </a:solidFill>
+                <a:latin typeface="Tahoma" panose="020B0604030504040204" pitchFamily="34" charset="0"/>
+                <a:ea typeface="Tahoma" panose="020B0604030504040204" pitchFamily="34" charset="0"/>
+                <a:cs typeface="Tahoma" panose="020B0604030504040204" pitchFamily="34" charset="0"/>
+              </a:rPr>
+              <a:t>.exe file</a:t>
+            </a:r>
+            <a:r>
+              <a:rPr lang="he-IL" sz="1400" dirty="0">
+                <a:solidFill>
+                  <a:srgbClr val="000000"/>
+                </a:solidFill>
+                <a:latin typeface="Tahoma" panose="020B0604030504040204" pitchFamily="34" charset="0"/>
+                <a:ea typeface="Tahoma" panose="020B0604030504040204" pitchFamily="34" charset="0"/>
+                <a:cs typeface="Tahoma" panose="020B0604030504040204" pitchFamily="34" charset="0"/>
+              </a:rPr>
+              <a:t>) לתמונה, אשר אותה נוכל לסווג לפי מודלים ושיטות ידועים מעולמות אלה.</a:t>
+            </a:r>
+          </a:p>
+          <a:p>
+            <a:pPr marL="0" indent="0" algn="r" defTabSz="457200" rtl="1" eaLnBrk="1" latinLnBrk="0" hangingPunct="1">
+              <a:lnSpc>
+                <a:spcPct val="150000"/>
+              </a:lnSpc>
+              <a:spcBef>
+                <a:spcPts val="1000"/>
+              </a:spcBef>
+              <a:spcAft>
+                <a:spcPts val="0"/>
+              </a:spcAft>
+              <a:buClr>
+                <a:schemeClr val="accent1"/>
+              </a:buClr>
+              <a:buSzPct val="80000"/>
+              <a:buNone/>
+            </a:pPr>
+            <a:endParaRPr lang="en-IL" dirty="0"/>
+          </a:p>
+        </p:txBody>
+      </p:sp>
+      <p:sp>
+        <p:nvSpPr>
+          <p:cNvPr id="6" name="TextBox 5">
+            <a:extLst>
+              <a:ext uri="{FF2B5EF4-FFF2-40B4-BE49-F238E27FC236}">
+                <a16:creationId xmlns:a16="http://schemas.microsoft.com/office/drawing/2014/main" id="{79E2F78B-C437-7252-4A4E-8FAD7F894100}"/>
+              </a:ext>
+            </a:extLst>
+          </p:cNvPr>
+          <p:cNvSpPr txBox="1"/>
+          <p:nvPr/>
+        </p:nvSpPr>
+        <p:spPr>
+          <a:xfrm>
+            <a:off x="2190308" y="441393"/>
+            <a:ext cx="6103088" cy="474041"/>
+          </a:xfrm>
+          <a:prstGeom prst="rect">
+            <a:avLst/>
+          </a:prstGeom>
+          <a:noFill/>
+        </p:spPr>
+        <p:txBody>
+          <a:bodyPr wrap="square">
+            <a:spAutoFit/>
+          </a:bodyPr>
+          <a:lstStyle/>
+          <a:p>
+            <a:pPr algn="ctr">
+              <a:lnSpc>
+                <a:spcPct val="115000"/>
+              </a:lnSpc>
+              <a:spcAft>
+                <a:spcPts val="800"/>
+              </a:spcAft>
+            </a:pPr>
+            <a:r>
+              <a:rPr lang="he-IL" sz="2400" dirty="0">
+                <a:solidFill>
+                  <a:srgbClr val="000000"/>
+                </a:solidFill>
+                <a:effectLst/>
+                <a:latin typeface="Tahoma" panose="020B0604030504040204" pitchFamily="34" charset="0"/>
+                <a:ea typeface="Tahoma" panose="020B0604030504040204" pitchFamily="34" charset="0"/>
+                <a:cs typeface="Tahoma" panose="020B0604030504040204" pitchFamily="34" charset="0"/>
+              </a:rPr>
+              <a:t>רקע על הפרויקט</a:t>
+            </a:r>
+            <a:endParaRPr lang="en-IL" dirty="0">
+              <a:effectLst/>
+              <a:latin typeface="Tahoma" panose="020B0604030504040204" pitchFamily="34" charset="0"/>
+              <a:ea typeface="Tahoma" panose="020B0604030504040204" pitchFamily="34" charset="0"/>
+              <a:cs typeface="Tahoma" panose="020B0604030504040204" pitchFamily="34" charset="0"/>
+            </a:endParaRPr>
+          </a:p>
+        </p:txBody>
+      </p:sp>
+    </p:spTree>
+    <p:extLst>
+      <p:ext uri="{BB962C8B-B14F-4D97-AF65-F5344CB8AC3E}">
+        <p14:creationId xmlns:p14="http://schemas.microsoft.com/office/powerpoint/2010/main" val="3817803986"/>
+      </p:ext>
+    </p:extLst>
+  </p:cSld>
+  <p:clrMapOvr>
+    <a:masterClrMapping/>
+  </p:clrMapOvr>
+</p:sld>
+</file>
+
+<file path=ppt/slides/slide3.xml><?xml version="1.0" encoding="utf-8"?>
+<p:sld xmlns:a="http://schemas.openxmlformats.org/drawingml/2006/main" xmlns:r="http://schemas.openxmlformats.org/officeDocument/2006/relationships" xmlns:p="http://schemas.openxmlformats.org/presentationml/2006/main">
+  <p:cSld>
+    <p:spTree>
+      <p:nvGrpSpPr>
+        <p:cNvPr id="1" name=""/>
+        <p:cNvGrpSpPr/>
+        <p:nvPr/>
+      </p:nvGrpSpPr>
+      <p:grpSpPr>
+        <a:xfrm>
+          <a:off x="0" y="0"/>
+          <a:ext cx="0" cy="0"/>
+          <a:chOff x="0" y="0"/>
+          <a:chExt cx="0" cy="0"/>
+        </a:xfrm>
+      </p:grpSpPr>
+      <p:sp>
+        <p:nvSpPr>
+          <p:cNvPr id="3" name="Content Placeholder 2">
+            <a:extLst>
+              <a:ext uri="{FF2B5EF4-FFF2-40B4-BE49-F238E27FC236}">
+                <a16:creationId xmlns:a16="http://schemas.microsoft.com/office/drawing/2014/main" id="{19786AB6-F422-61B0-0DF1-BDC019B99EA8}"/>
+              </a:ext>
+            </a:extLst>
+          </p:cNvPr>
+          <p:cNvSpPr>
+            <a:spLocks noGrp="1"/>
+          </p:cNvSpPr>
+          <p:nvPr>
+            <p:ph idx="1"/>
+          </p:nvPr>
+        </p:nvSpPr>
+        <p:spPr>
+          <a:xfrm>
+            <a:off x="836824" y="1573619"/>
+            <a:ext cx="8596668" cy="3253563"/>
+          </a:xfrm>
+        </p:spPr>
+        <p:txBody>
+          <a:bodyPr>
+            <a:normAutofit/>
+          </a:bodyPr>
+          <a:lstStyle/>
+          <a:p>
+            <a:pPr marL="342900" indent="-342900" algn="r" defTabSz="457200" rtl="1" eaLnBrk="1" latinLnBrk="0" hangingPunct="1">
+              <a:lnSpc>
+                <a:spcPct val="150000"/>
+              </a:lnSpc>
+              <a:spcBef>
+                <a:spcPts val="1000"/>
+              </a:spcBef>
+              <a:spcAft>
+                <a:spcPts val="0"/>
+              </a:spcAft>
+              <a:buClr>
+                <a:schemeClr val="accent1"/>
+              </a:buClr>
+              <a:buSzPct val="80000"/>
+              <a:buFont typeface="Wingdings 3" charset="2"/>
+              <a:buChar char=""/>
+            </a:pPr>
+            <a:r>
+              <a:rPr lang="he-IL" sz="2000" dirty="0">
+                <a:solidFill>
+                  <a:srgbClr val="000000"/>
+                </a:solidFill>
+                <a:latin typeface="Tahoma" panose="020B0604030504040204" pitchFamily="34" charset="0"/>
+                <a:ea typeface="Tahoma" panose="020B0604030504040204" pitchFamily="34" charset="0"/>
+                <a:cs typeface="Tahoma" panose="020B0604030504040204" pitchFamily="34" charset="0"/>
+              </a:rPr>
+              <a:t>השוואה למחקר </a:t>
+            </a:r>
+          </a:p>
+          <a:p>
+            <a:pPr marL="400050" lvl="1" indent="0" algn="r" rtl="1">
+              <a:lnSpc>
+                <a:spcPct val="150000"/>
+              </a:lnSpc>
+              <a:buNone/>
+            </a:pPr>
+            <a:r>
+              <a:rPr lang="he-IL" sz="1400" dirty="0">
+                <a:solidFill>
+                  <a:srgbClr val="000000"/>
+                </a:solidFill>
+                <a:latin typeface="Tahoma" panose="020B0604030504040204" pitchFamily="34" charset="0"/>
+                <a:ea typeface="Tahoma" panose="020B0604030504040204" pitchFamily="34" charset="0"/>
+                <a:cs typeface="Tahoma" panose="020B0604030504040204" pitchFamily="34" charset="0"/>
+              </a:rPr>
+              <a:t>פרויקט זה מתבסס על מחקר קיים אשר נעשה בתחום. נרצה לנסות ולפתח מודלי </a:t>
+            </a:r>
+            <a:r>
+              <a:rPr lang="en-US" sz="1400" dirty="0">
+                <a:solidFill>
+                  <a:srgbClr val="000000"/>
+                </a:solidFill>
+                <a:latin typeface="Tahoma" panose="020B0604030504040204" pitchFamily="34" charset="0"/>
+                <a:ea typeface="Tahoma" panose="020B0604030504040204" pitchFamily="34" charset="0"/>
+                <a:cs typeface="Tahoma" panose="020B0604030504040204" pitchFamily="34" charset="0"/>
+              </a:rPr>
+              <a:t>CNN</a:t>
+            </a:r>
+            <a:r>
+              <a:rPr lang="he-IL" sz="1400" dirty="0">
+                <a:solidFill>
+                  <a:srgbClr val="000000"/>
+                </a:solidFill>
+                <a:latin typeface="Tahoma" panose="020B0604030504040204" pitchFamily="34" charset="0"/>
+                <a:ea typeface="Tahoma" panose="020B0604030504040204" pitchFamily="34" charset="0"/>
+                <a:cs typeface="Tahoma" panose="020B0604030504040204" pitchFamily="34" charset="0"/>
+              </a:rPr>
+              <a:t> בעלי קווי דמיון משותף למודלים המוצגים במחקר ולהשוות את תוצאותינו לתוצאותיו.</a:t>
+            </a:r>
+            <a:br>
+              <a:rPr lang="en-US" sz="1400" dirty="0">
+                <a:solidFill>
+                  <a:srgbClr val="000000"/>
+                </a:solidFill>
+                <a:latin typeface="Tahoma" panose="020B0604030504040204" pitchFamily="34" charset="0"/>
+                <a:ea typeface="Tahoma" panose="020B0604030504040204" pitchFamily="34" charset="0"/>
+                <a:cs typeface="Tahoma" panose="020B0604030504040204" pitchFamily="34" charset="0"/>
+              </a:rPr>
+            </a:br>
+            <a:endParaRPr lang="he-IL" sz="2000" dirty="0">
+              <a:solidFill>
+                <a:srgbClr val="000000"/>
+              </a:solidFill>
+              <a:latin typeface="Tahoma" panose="020B0604030504040204" pitchFamily="34" charset="0"/>
+              <a:ea typeface="Tahoma" panose="020B0604030504040204" pitchFamily="34" charset="0"/>
+              <a:cs typeface="Tahoma" panose="020B0604030504040204" pitchFamily="34" charset="0"/>
+            </a:endParaRPr>
+          </a:p>
+          <a:p>
+            <a:pPr marL="342900" indent="-342900" algn="r" defTabSz="457200" rtl="1" eaLnBrk="1" latinLnBrk="0" hangingPunct="1">
+              <a:lnSpc>
+                <a:spcPct val="150000"/>
+              </a:lnSpc>
+              <a:spcBef>
+                <a:spcPts val="1000"/>
+              </a:spcBef>
+              <a:spcAft>
+                <a:spcPts val="0"/>
+              </a:spcAft>
+              <a:buClr>
+                <a:schemeClr val="accent1"/>
+              </a:buClr>
+              <a:buSzPct val="80000"/>
+              <a:buFont typeface="Wingdings 3" charset="2"/>
+              <a:buChar char=""/>
+            </a:pPr>
+            <a:r>
+              <a:rPr lang="he-IL" sz="2000" dirty="0">
+                <a:solidFill>
+                  <a:srgbClr val="000000"/>
+                </a:solidFill>
+                <a:latin typeface="Tahoma" panose="020B0604030504040204" pitchFamily="34" charset="0"/>
+                <a:ea typeface="Tahoma" panose="020B0604030504040204" pitchFamily="34" charset="0"/>
+                <a:cs typeface="Tahoma" panose="020B0604030504040204" pitchFamily="34" charset="0"/>
+              </a:rPr>
+              <a:t>השוואה בין מודלים שונים</a:t>
+            </a:r>
+          </a:p>
+          <a:p>
+            <a:pPr marL="400050" lvl="1" indent="0" algn="r" rtl="1">
+              <a:lnSpc>
+                <a:spcPct val="150000"/>
+              </a:lnSpc>
+              <a:buNone/>
+            </a:pPr>
+            <a:r>
+              <a:rPr lang="he-IL" sz="1400" dirty="0">
+                <a:solidFill>
+                  <a:srgbClr val="000000"/>
+                </a:solidFill>
+                <a:latin typeface="Tahoma" panose="020B0604030504040204" pitchFamily="34" charset="0"/>
+                <a:ea typeface="Tahoma" panose="020B0604030504040204" pitchFamily="34" charset="0"/>
+                <a:cs typeface="Tahoma" panose="020B0604030504040204" pitchFamily="34" charset="0"/>
+              </a:rPr>
+              <a:t>נרצה להשוות את מודלי ה-</a:t>
+            </a:r>
+            <a:r>
+              <a:rPr lang="en-US" sz="1400" dirty="0">
+                <a:solidFill>
+                  <a:srgbClr val="000000"/>
+                </a:solidFill>
+                <a:latin typeface="Tahoma" panose="020B0604030504040204" pitchFamily="34" charset="0"/>
+                <a:ea typeface="Tahoma" panose="020B0604030504040204" pitchFamily="34" charset="0"/>
+                <a:cs typeface="Tahoma" panose="020B0604030504040204" pitchFamily="34" charset="0"/>
+              </a:rPr>
+              <a:t>CNN</a:t>
+            </a:r>
+            <a:r>
+              <a:rPr lang="he-IL" sz="1400" dirty="0">
+                <a:solidFill>
+                  <a:srgbClr val="000000"/>
+                </a:solidFill>
+                <a:latin typeface="Tahoma" panose="020B0604030504040204" pitchFamily="34" charset="0"/>
+                <a:ea typeface="Tahoma" panose="020B0604030504040204" pitchFamily="34" charset="0"/>
+                <a:cs typeface="Tahoma" panose="020B0604030504040204" pitchFamily="34" charset="0"/>
+              </a:rPr>
+              <a:t> שפיתחנו למודלים שונים, פשוטים יותר, על מנת לבדוק האם קיימת הצדקה לפתרון בעיה זו בדרכים אותם מציג המחקר או לחלופין מציאת דרכים פשוטות יותר. </a:t>
+            </a:r>
+            <a:endParaRPr lang="en-IL" dirty="0"/>
+          </a:p>
+        </p:txBody>
+      </p:sp>
+      <p:sp>
+        <p:nvSpPr>
+          <p:cNvPr id="6" name="TextBox 5">
+            <a:extLst>
+              <a:ext uri="{FF2B5EF4-FFF2-40B4-BE49-F238E27FC236}">
+                <a16:creationId xmlns:a16="http://schemas.microsoft.com/office/drawing/2014/main" id="{79E2F78B-C437-7252-4A4E-8FAD7F894100}"/>
+              </a:ext>
+            </a:extLst>
+          </p:cNvPr>
+          <p:cNvSpPr txBox="1"/>
+          <p:nvPr/>
+        </p:nvSpPr>
+        <p:spPr>
+          <a:xfrm>
+            <a:off x="2190308" y="441393"/>
+            <a:ext cx="6103088" cy="474041"/>
+          </a:xfrm>
+          <a:prstGeom prst="rect">
+            <a:avLst/>
+          </a:prstGeom>
+          <a:noFill/>
+        </p:spPr>
+        <p:txBody>
+          <a:bodyPr wrap="square">
+            <a:spAutoFit/>
+          </a:bodyPr>
+          <a:lstStyle/>
+          <a:p>
+            <a:pPr algn="ctr">
+              <a:lnSpc>
+                <a:spcPct val="115000"/>
+              </a:lnSpc>
+              <a:spcAft>
+                <a:spcPts val="800"/>
+              </a:spcAft>
+            </a:pPr>
+            <a:r>
+              <a:rPr lang="he-IL" sz="2400" dirty="0">
+                <a:solidFill>
+                  <a:srgbClr val="000000"/>
+                </a:solidFill>
+                <a:effectLst/>
+                <a:latin typeface="Tahoma" panose="020B0604030504040204" pitchFamily="34" charset="0"/>
+                <a:ea typeface="Tahoma" panose="020B0604030504040204" pitchFamily="34" charset="0"/>
+                <a:cs typeface="Tahoma" panose="020B0604030504040204" pitchFamily="34" charset="0"/>
+              </a:rPr>
+              <a:t>מטרות על</a:t>
+            </a:r>
+            <a:endParaRPr lang="en-IL" dirty="0">
+              <a:effectLst/>
+              <a:latin typeface="Tahoma" panose="020B0604030504040204" pitchFamily="34" charset="0"/>
+              <a:ea typeface="Tahoma" panose="020B0604030504040204" pitchFamily="34" charset="0"/>
+              <a:cs typeface="Tahoma" panose="020B0604030504040204" pitchFamily="34" charset="0"/>
+            </a:endParaRPr>
+          </a:p>
+        </p:txBody>
+      </p:sp>
+    </p:spTree>
+    <p:extLst>
+      <p:ext uri="{BB962C8B-B14F-4D97-AF65-F5344CB8AC3E}">
+        <p14:creationId xmlns:p14="http://schemas.microsoft.com/office/powerpoint/2010/main" val="1707527028"/>
+      </p:ext>
+    </p:extLst>
+  </p:cSld>
+  <p:clrMapOvr>
+    <a:masterClrMapping/>
+  </p:clrMapOvr>
+</p:sld>
+</file>
+
+<file path=ppt/slides/slide4.xml><?xml version="1.0" encoding="utf-8"?>
+<p:sld xmlns:a="http://schemas.openxmlformats.org/drawingml/2006/main" xmlns:r="http://schemas.openxmlformats.org/officeDocument/2006/relationships" xmlns:p="http://schemas.openxmlformats.org/presentationml/2006/main">
+  <p:cSld>
+    <p:bg>
+      <p:bgRef idx="1001">
+        <a:schemeClr val="bg1"/>
+      </p:bgRef>
+    </p:bg>
+    <p:spTree>
+      <p:nvGrpSpPr>
+        <p:cNvPr id="1" name=""/>
+        <p:cNvGrpSpPr/>
+        <p:nvPr/>
+      </p:nvGrpSpPr>
+      <p:grpSpPr>
+        <a:xfrm>
+          <a:off x="0" y="0"/>
+          <a:ext cx="0" cy="0"/>
+          <a:chOff x="0" y="0"/>
+          <a:chExt cx="0" cy="0"/>
+        </a:xfrm>
+      </p:grpSpPr>
+      <p:sp>
+        <p:nvSpPr>
+          <p:cNvPr id="3" name="Content Placeholder 2">
+            <a:extLst>
+              <a:ext uri="{FF2B5EF4-FFF2-40B4-BE49-F238E27FC236}">
+                <a16:creationId xmlns:a16="http://schemas.microsoft.com/office/drawing/2014/main" id="{19786AB6-F422-61B0-0DF1-BDC019B99EA8}"/>
+              </a:ext>
+            </a:extLst>
+          </p:cNvPr>
+          <p:cNvSpPr>
+            <a:spLocks noGrp="1"/>
+          </p:cNvSpPr>
+          <p:nvPr>
+            <p:ph idx="1"/>
+          </p:nvPr>
+        </p:nvSpPr>
+        <p:spPr>
+          <a:xfrm>
+            <a:off x="287079" y="1000499"/>
+            <a:ext cx="8965659" cy="5634222"/>
+          </a:xfrm>
+        </p:spPr>
+        <p:txBody>
+          <a:bodyPr>
+            <a:normAutofit/>
+          </a:bodyPr>
+          <a:lstStyle/>
+          <a:p>
+            <a:pPr marL="342900" indent="-342900" algn="r" defTabSz="457200" rtl="1" eaLnBrk="1" latinLnBrk="0" hangingPunct="1">
+              <a:lnSpc>
+                <a:spcPct val="124000"/>
+              </a:lnSpc>
+              <a:spcBef>
+                <a:spcPts val="1000"/>
+              </a:spcBef>
+              <a:spcAft>
+                <a:spcPts val="0"/>
+              </a:spcAft>
+              <a:buClr>
+                <a:schemeClr val="accent1"/>
+              </a:buClr>
+              <a:buSzPct val="80000"/>
+              <a:buFont typeface="Wingdings 3" charset="2"/>
+              <a:buChar char=""/>
+            </a:pPr>
+            <a:r>
+              <a:rPr lang="he-IL" sz="2000" dirty="0">
+                <a:solidFill>
+                  <a:srgbClr val="000000"/>
+                </a:solidFill>
+                <a:latin typeface="Tahoma" panose="020B0604030504040204" pitchFamily="34" charset="0"/>
+                <a:ea typeface="Tahoma" panose="020B0604030504040204" pitchFamily="34" charset="0"/>
+                <a:cs typeface="Tahoma" panose="020B0604030504040204" pitchFamily="34" charset="0"/>
+              </a:rPr>
+              <a:t>למידת מכונה</a:t>
+            </a:r>
+          </a:p>
+          <a:p>
+            <a:pPr marL="400050" lvl="1" indent="0" algn="r" rtl="1">
+              <a:lnSpc>
+                <a:spcPct val="124000"/>
+              </a:lnSpc>
+              <a:buNone/>
+            </a:pPr>
+            <a:r>
+              <a:rPr lang="he-IL" sz="1400" dirty="0">
+                <a:solidFill>
+                  <a:srgbClr val="000000"/>
+                </a:solidFill>
+                <a:latin typeface="Tahoma" panose="020B0604030504040204" pitchFamily="34" charset="0"/>
+                <a:ea typeface="Tahoma" panose="020B0604030504040204" pitchFamily="34" charset="0"/>
+                <a:cs typeface="Tahoma" panose="020B0604030504040204" pitchFamily="34" charset="0"/>
+              </a:rPr>
+              <a:t>תת-תחום במדעי המחשב ובבינה מלאכותית. התחום עוסק בפיתוח אלגוריתמים המיועדים לאפשר למחשב ללמוד מתוך דוגמאות, ופועל במגוון משימות חישוביות בהן התכנות הקלאסי אינו אפשרי.</a:t>
+            </a:r>
+            <a:br>
+              <a:rPr lang="en-US" sz="1400" dirty="0">
+                <a:solidFill>
+                  <a:srgbClr val="000000"/>
+                </a:solidFill>
+                <a:latin typeface="Tahoma" panose="020B0604030504040204" pitchFamily="34" charset="0"/>
+                <a:ea typeface="Tahoma" panose="020B0604030504040204" pitchFamily="34" charset="0"/>
+                <a:cs typeface="Tahoma" panose="020B0604030504040204" pitchFamily="34" charset="0"/>
+              </a:rPr>
+            </a:br>
+            <a:r>
+              <a:rPr lang="he-IL" sz="1400" dirty="0">
+                <a:solidFill>
+                  <a:srgbClr val="000000"/>
+                </a:solidFill>
+                <a:latin typeface="Tahoma" panose="020B0604030504040204" pitchFamily="34" charset="0"/>
+                <a:ea typeface="Tahoma" panose="020B0604030504040204" pitchFamily="34" charset="0"/>
+                <a:cs typeface="Tahoma" panose="020B0604030504040204" pitchFamily="34" charset="0"/>
+              </a:rPr>
+              <a:t>תחום זה מכיל שלושה סוגי למידה עיקריים והם: למידת חיזוק (</a:t>
+            </a:r>
+            <a:r>
+              <a:rPr lang="en-US" sz="1400" dirty="0">
+                <a:solidFill>
+                  <a:srgbClr val="000000"/>
+                </a:solidFill>
+                <a:latin typeface="Tahoma" panose="020B0604030504040204" pitchFamily="34" charset="0"/>
+                <a:ea typeface="Tahoma" panose="020B0604030504040204" pitchFamily="34" charset="0"/>
+                <a:cs typeface="Tahoma" panose="020B0604030504040204" pitchFamily="34" charset="0"/>
+              </a:rPr>
+              <a:t>Reinforcement Learning</a:t>
+            </a:r>
+            <a:r>
+              <a:rPr lang="he-IL" sz="1400" dirty="0">
+                <a:solidFill>
+                  <a:srgbClr val="000000"/>
+                </a:solidFill>
+                <a:latin typeface="Tahoma" panose="020B0604030504040204" pitchFamily="34" charset="0"/>
+                <a:ea typeface="Tahoma" panose="020B0604030504040204" pitchFamily="34" charset="0"/>
+                <a:cs typeface="Tahoma" panose="020B0604030504040204" pitchFamily="34" charset="0"/>
+              </a:rPr>
+              <a:t>), למידה בלתי מונחית (</a:t>
+            </a:r>
+            <a:r>
+              <a:rPr lang="en-US" sz="1400" dirty="0">
+                <a:solidFill>
+                  <a:srgbClr val="000000"/>
+                </a:solidFill>
+                <a:latin typeface="Tahoma" panose="020B0604030504040204" pitchFamily="34" charset="0"/>
+                <a:ea typeface="Tahoma" panose="020B0604030504040204" pitchFamily="34" charset="0"/>
+                <a:cs typeface="Tahoma" panose="020B0604030504040204" pitchFamily="34" charset="0"/>
+              </a:rPr>
+              <a:t>Unsupervised Learning</a:t>
+            </a:r>
+            <a:r>
+              <a:rPr lang="he-IL" sz="1400" dirty="0">
+                <a:solidFill>
+                  <a:srgbClr val="000000"/>
+                </a:solidFill>
+                <a:latin typeface="Tahoma" panose="020B0604030504040204" pitchFamily="34" charset="0"/>
+                <a:ea typeface="Tahoma" panose="020B0604030504040204" pitchFamily="34" charset="0"/>
+                <a:cs typeface="Tahoma" panose="020B0604030504040204" pitchFamily="34" charset="0"/>
+              </a:rPr>
+              <a:t>) למידה מונחית (</a:t>
+            </a:r>
+            <a:r>
+              <a:rPr lang="en-US" sz="1400" dirty="0">
+                <a:solidFill>
+                  <a:srgbClr val="000000"/>
+                </a:solidFill>
+                <a:latin typeface="Tahoma" panose="020B0604030504040204" pitchFamily="34" charset="0"/>
+                <a:ea typeface="Tahoma" panose="020B0604030504040204" pitchFamily="34" charset="0"/>
+                <a:cs typeface="Tahoma" panose="020B0604030504040204" pitchFamily="34" charset="0"/>
+              </a:rPr>
+              <a:t>Supervised Learning</a:t>
+            </a:r>
+            <a:r>
+              <a:rPr lang="he-IL" sz="1400" dirty="0">
+                <a:solidFill>
+                  <a:srgbClr val="000000"/>
+                </a:solidFill>
+                <a:latin typeface="Tahoma" panose="020B0604030504040204" pitchFamily="34" charset="0"/>
+                <a:ea typeface="Tahoma" panose="020B0604030504040204" pitchFamily="34" charset="0"/>
+                <a:cs typeface="Tahoma" panose="020B0604030504040204" pitchFamily="34" charset="0"/>
+              </a:rPr>
+              <a:t>) בה בחרנו להשתמש בפרויקט זה.</a:t>
+            </a:r>
+          </a:p>
+          <a:p>
+            <a:pPr lvl="1" indent="-342900" algn="r" rtl="1">
+              <a:lnSpc>
+                <a:spcPct val="124000"/>
+              </a:lnSpc>
+              <a:buFont typeface="Wingdings" pitchFamily="2" charset="2"/>
+              <a:buChar char="Ø"/>
+            </a:pPr>
+            <a:r>
+              <a:rPr lang="he-IL" sz="1800" dirty="0">
+                <a:solidFill>
+                  <a:srgbClr val="000000"/>
+                </a:solidFill>
+                <a:latin typeface="Tahoma" panose="020B0604030504040204" pitchFamily="34" charset="0"/>
+                <a:ea typeface="Tahoma" panose="020B0604030504040204" pitchFamily="34" charset="0"/>
+                <a:cs typeface="Tahoma" panose="020B0604030504040204" pitchFamily="34" charset="0"/>
+              </a:rPr>
+              <a:t>מודלים פשוטים</a:t>
+            </a:r>
+          </a:p>
+          <a:p>
+            <a:pPr marL="800100" lvl="2" indent="0" algn="r" rtl="1">
+              <a:lnSpc>
+                <a:spcPct val="124000"/>
+              </a:lnSpc>
+              <a:buNone/>
+            </a:pPr>
+            <a:r>
+              <a:rPr lang="he-IL" dirty="0">
+                <a:solidFill>
+                  <a:srgbClr val="000000"/>
+                </a:solidFill>
+                <a:latin typeface="Tahoma" panose="020B0604030504040204" pitchFamily="34" charset="0"/>
+                <a:ea typeface="Tahoma" panose="020B0604030504040204" pitchFamily="34" charset="0"/>
+                <a:cs typeface="Tahoma" panose="020B0604030504040204" pitchFamily="34" charset="0"/>
+              </a:rPr>
+              <a:t>הינם אלגוריתמים ושיטות פתרון אשר מנסות, בעזרת כלים מתמטיים וסטטיסטיים פשוטים לפתור מגוון רחב של בעיות מעולם זה. אלגוריתמים אלו זקוקים להתערבות חיצונית שתקבע עבורם אילו מאפיינים הם הרלוונטיים ביותר. בסיסם של אלגוריתמים אלה הוא </a:t>
+            </a:r>
+            <a:r>
+              <a:rPr lang="en-US" dirty="0">
+                <a:solidFill>
+                  <a:srgbClr val="000000"/>
+                </a:solidFill>
+                <a:latin typeface="Tahoma" panose="020B0604030504040204" pitchFamily="34" charset="0"/>
+                <a:ea typeface="Tahoma" panose="020B0604030504040204" pitchFamily="34" charset="0"/>
+                <a:cs typeface="Tahoma" panose="020B0604030504040204" pitchFamily="34" charset="0"/>
+              </a:rPr>
+              <a:t>Naïve Bayes</a:t>
+            </a:r>
+            <a:r>
+              <a:rPr lang="he-IL" dirty="0">
+                <a:solidFill>
+                  <a:srgbClr val="000000"/>
+                </a:solidFill>
+                <a:latin typeface="Tahoma" panose="020B0604030504040204" pitchFamily="34" charset="0"/>
+                <a:ea typeface="Tahoma" panose="020B0604030504040204" pitchFamily="34" charset="0"/>
+                <a:cs typeface="Tahoma" panose="020B0604030504040204" pitchFamily="34" charset="0"/>
+              </a:rPr>
+              <a:t>. דוגמא למודלים אלה: </a:t>
+            </a:r>
+            <a:r>
+              <a:rPr lang="en-US" dirty="0">
+                <a:solidFill>
+                  <a:srgbClr val="000000"/>
+                </a:solidFill>
+                <a:latin typeface="Tahoma" panose="020B0604030504040204" pitchFamily="34" charset="0"/>
+                <a:ea typeface="Tahoma" panose="020B0604030504040204" pitchFamily="34" charset="0"/>
+                <a:cs typeface="Tahoma" panose="020B0604030504040204" pitchFamily="34" charset="0"/>
+              </a:rPr>
+              <a:t>LDA, QDA, GNB </a:t>
+            </a:r>
+            <a:r>
+              <a:rPr lang="he-IL" dirty="0">
+                <a:solidFill>
+                  <a:srgbClr val="000000"/>
+                </a:solidFill>
+                <a:latin typeface="Tahoma" panose="020B0604030504040204" pitchFamily="34" charset="0"/>
+                <a:ea typeface="Tahoma" panose="020B0604030504040204" pitchFamily="34" charset="0"/>
+                <a:cs typeface="Tahoma" panose="020B0604030504040204" pitchFamily="34" charset="0"/>
+              </a:rPr>
+              <a:t> (בהם השתמשנו בפרויקט).</a:t>
+            </a:r>
+          </a:p>
+          <a:p>
+            <a:pPr marL="800100" lvl="2" indent="0" algn="r" rtl="1">
+              <a:lnSpc>
+                <a:spcPct val="124000"/>
+              </a:lnSpc>
+              <a:buNone/>
+            </a:pPr>
+            <a:endParaRPr lang="he-IL" sz="1800" dirty="0">
+              <a:solidFill>
+                <a:srgbClr val="000000"/>
+              </a:solidFill>
+              <a:latin typeface="Tahoma" panose="020B0604030504040204" pitchFamily="34" charset="0"/>
+              <a:ea typeface="Tahoma" panose="020B0604030504040204" pitchFamily="34" charset="0"/>
+              <a:cs typeface="Tahoma" panose="020B0604030504040204" pitchFamily="34" charset="0"/>
+            </a:endParaRPr>
+          </a:p>
+          <a:p>
+            <a:pPr marL="342900" indent="-342900" algn="r" defTabSz="457200" rtl="1" eaLnBrk="1" latinLnBrk="0" hangingPunct="1">
+              <a:lnSpc>
+                <a:spcPct val="124000"/>
+              </a:lnSpc>
+              <a:spcBef>
+                <a:spcPts val="1000"/>
+              </a:spcBef>
+              <a:spcAft>
+                <a:spcPts val="0"/>
+              </a:spcAft>
+              <a:buClr>
+                <a:schemeClr val="accent1"/>
+              </a:buClr>
+              <a:buSzPct val="80000"/>
+              <a:buFont typeface="Wingdings 3" charset="2"/>
+              <a:buChar char=""/>
+            </a:pPr>
+            <a:r>
+              <a:rPr lang="he-IL" sz="2000" dirty="0">
+                <a:solidFill>
+                  <a:srgbClr val="000000"/>
+                </a:solidFill>
+                <a:latin typeface="Tahoma" panose="020B0604030504040204" pitchFamily="34" charset="0"/>
+                <a:ea typeface="Tahoma" panose="020B0604030504040204" pitchFamily="34" charset="0"/>
+                <a:cs typeface="Tahoma" panose="020B0604030504040204" pitchFamily="34" charset="0"/>
+              </a:rPr>
+              <a:t>בעיית הסיווג</a:t>
+            </a:r>
+          </a:p>
+          <a:p>
+            <a:pPr marL="400050" lvl="1" indent="0" algn="r" rtl="1">
+              <a:lnSpc>
+                <a:spcPct val="124000"/>
+              </a:lnSpc>
+              <a:buNone/>
+            </a:pPr>
+            <a:r>
+              <a:rPr lang="he-IL" sz="1400" dirty="0">
+                <a:solidFill>
+                  <a:srgbClr val="000000"/>
+                </a:solidFill>
+                <a:latin typeface="Tahoma" panose="020B0604030504040204" pitchFamily="34" charset="0"/>
+                <a:ea typeface="Tahoma" panose="020B0604030504040204" pitchFamily="34" charset="0"/>
+                <a:cs typeface="Tahoma" panose="020B0604030504040204" pitchFamily="34" charset="0"/>
+              </a:rPr>
+              <a:t>בעיית הסיווג היא בעיה הנגזרת מתחום הלמידה המונחית (</a:t>
+            </a:r>
+            <a:r>
+              <a:rPr lang="en-US" sz="1400" dirty="0">
+                <a:solidFill>
+                  <a:srgbClr val="000000"/>
+                </a:solidFill>
+                <a:latin typeface="Tahoma" panose="020B0604030504040204" pitchFamily="34" charset="0"/>
+                <a:ea typeface="Tahoma" panose="020B0604030504040204" pitchFamily="34" charset="0"/>
+                <a:cs typeface="Tahoma" panose="020B0604030504040204" pitchFamily="34" charset="0"/>
+              </a:rPr>
+              <a:t>Supervised Learning</a:t>
+            </a:r>
+            <a:r>
+              <a:rPr lang="he-IL" sz="1400" dirty="0">
+                <a:solidFill>
+                  <a:srgbClr val="000000"/>
+                </a:solidFill>
+                <a:latin typeface="Tahoma" panose="020B0604030504040204" pitchFamily="34" charset="0"/>
+                <a:ea typeface="Tahoma" panose="020B0604030504040204" pitchFamily="34" charset="0"/>
+                <a:cs typeface="Tahoma" panose="020B0604030504040204" pitchFamily="34" charset="0"/>
+              </a:rPr>
+              <a:t>) אשר לפיה, בהינתן קלט אל המודל נרצה להחליט לאיזו מחלקה הוא שייך.  </a:t>
+            </a:r>
+            <a:endParaRPr lang="en-IL" sz="1400" dirty="0">
+              <a:solidFill>
+                <a:srgbClr val="000000"/>
+              </a:solidFill>
+              <a:latin typeface="Tahoma" panose="020B0604030504040204" pitchFamily="34" charset="0"/>
+              <a:ea typeface="Tahoma" panose="020B0604030504040204" pitchFamily="34" charset="0"/>
+              <a:cs typeface="Tahoma" panose="020B0604030504040204" pitchFamily="34" charset="0"/>
+            </a:endParaRPr>
+          </a:p>
+          <a:p>
+            <a:pPr marL="400050" lvl="1" indent="0" algn="r" rtl="1">
+              <a:lnSpc>
+                <a:spcPct val="124000"/>
+              </a:lnSpc>
+              <a:buNone/>
+            </a:pPr>
+            <a:endParaRPr lang="he-IL" sz="1500" dirty="0">
+              <a:solidFill>
+                <a:srgbClr val="000000"/>
+              </a:solidFill>
+              <a:latin typeface="Tahoma" panose="020B0604030504040204" pitchFamily="34" charset="0"/>
+              <a:ea typeface="Tahoma" panose="020B0604030504040204" pitchFamily="34" charset="0"/>
+              <a:cs typeface="Tahoma" panose="020B0604030504040204" pitchFamily="34" charset="0"/>
+            </a:endParaRPr>
+          </a:p>
+          <a:p>
+            <a:pPr marL="0" indent="0" algn="r" defTabSz="457200" rtl="1" eaLnBrk="1" latinLnBrk="0" hangingPunct="1">
+              <a:lnSpc>
+                <a:spcPct val="124000"/>
+              </a:lnSpc>
+              <a:spcBef>
+                <a:spcPts val="1000"/>
+              </a:spcBef>
+              <a:spcAft>
+                <a:spcPts val="0"/>
+              </a:spcAft>
+              <a:buClr>
+                <a:schemeClr val="accent1"/>
+              </a:buClr>
+              <a:buSzPct val="80000"/>
+              <a:buNone/>
+            </a:pPr>
+            <a:endParaRPr lang="en-IL" dirty="0"/>
+          </a:p>
+        </p:txBody>
+      </p:sp>
+      <p:sp>
+        <p:nvSpPr>
+          <p:cNvPr id="6" name="TextBox 5">
+            <a:extLst>
+              <a:ext uri="{FF2B5EF4-FFF2-40B4-BE49-F238E27FC236}">
+                <a16:creationId xmlns:a16="http://schemas.microsoft.com/office/drawing/2014/main" id="{79E2F78B-C437-7252-4A4E-8FAD7F894100}"/>
+              </a:ext>
+            </a:extLst>
+          </p:cNvPr>
+          <p:cNvSpPr txBox="1"/>
+          <p:nvPr/>
+        </p:nvSpPr>
+        <p:spPr>
+          <a:xfrm>
+            <a:off x="2190308" y="441393"/>
+            <a:ext cx="6103088" cy="474041"/>
+          </a:xfrm>
+          <a:prstGeom prst="rect">
+            <a:avLst/>
+          </a:prstGeom>
+          <a:noFill/>
+        </p:spPr>
+        <p:txBody>
+          <a:bodyPr wrap="square">
+            <a:spAutoFit/>
+          </a:bodyPr>
+          <a:lstStyle/>
+          <a:p>
+            <a:pPr algn="ctr">
+              <a:lnSpc>
+                <a:spcPct val="115000"/>
+              </a:lnSpc>
+              <a:spcAft>
+                <a:spcPts val="800"/>
+              </a:spcAft>
+            </a:pPr>
+            <a:r>
+              <a:rPr lang="he-IL" sz="2400" dirty="0">
+                <a:solidFill>
+                  <a:srgbClr val="000000"/>
+                </a:solidFill>
+                <a:latin typeface="Tahoma" panose="020B0604030504040204" pitchFamily="34" charset="0"/>
+                <a:ea typeface="Tahoma" panose="020B0604030504040204" pitchFamily="34" charset="0"/>
+                <a:cs typeface="Tahoma" panose="020B0604030504040204" pitchFamily="34" charset="0"/>
+              </a:rPr>
+              <a:t>רקע תיאורטי </a:t>
+            </a:r>
+            <a:endParaRPr lang="en-IL" dirty="0">
+              <a:effectLst/>
+              <a:latin typeface="Tahoma" panose="020B0604030504040204" pitchFamily="34" charset="0"/>
+              <a:ea typeface="Tahoma" panose="020B0604030504040204" pitchFamily="34" charset="0"/>
+              <a:cs typeface="Tahoma" panose="020B0604030504040204" pitchFamily="34" charset="0"/>
+            </a:endParaRPr>
+          </a:p>
+        </p:txBody>
+      </p:sp>
+    </p:spTree>
+    <p:extLst>
+      <p:ext uri="{BB962C8B-B14F-4D97-AF65-F5344CB8AC3E}">
+        <p14:creationId xmlns:p14="http://schemas.microsoft.com/office/powerpoint/2010/main" val="373701205"/>
+      </p:ext>
+    </p:extLst>
+  </p:cSld>
+  <p:clrMapOvr>
+    <a:overrideClrMapping bg1="lt1" tx1="dk1" bg2="lt2" tx2="dk2" accent1="accent1" accent2="accent2" accent3="accent3" accent4="accent4" accent5="accent5" accent6="accent6" hlink="hlink" folHlink="folHlink"/>
+  </p:clrMapOvr>
+</p:sld>
+</file>
+
+<file path=ppt/slides/slide5.xml><?xml version="1.0" encoding="utf-8"?>
+<p:sld xmlns:a="http://schemas.openxmlformats.org/drawingml/2006/main" xmlns:r="http://schemas.openxmlformats.org/officeDocument/2006/relationships" xmlns:p="http://schemas.openxmlformats.org/presentationml/2006/main">
+  <p:cSld>
+    <p:spTree>
+      <p:nvGrpSpPr>
+        <p:cNvPr id="1" name=""/>
+        <p:cNvGrpSpPr/>
+        <p:nvPr/>
+      </p:nvGrpSpPr>
+      <p:grpSpPr>
+        <a:xfrm>
+          <a:off x="0" y="0"/>
+          <a:ext cx="0" cy="0"/>
+          <a:chOff x="0" y="0"/>
+          <a:chExt cx="0" cy="0"/>
+        </a:xfrm>
+      </p:grpSpPr>
+      <p:sp>
+        <p:nvSpPr>
+          <p:cNvPr id="3" name="Content Placeholder 2">
+            <a:extLst>
+              <a:ext uri="{FF2B5EF4-FFF2-40B4-BE49-F238E27FC236}">
+                <a16:creationId xmlns:a16="http://schemas.microsoft.com/office/drawing/2014/main" id="{19786AB6-F422-61B0-0DF1-BDC019B99EA8}"/>
+              </a:ext>
+            </a:extLst>
+          </p:cNvPr>
+          <p:cNvSpPr>
+            <a:spLocks noGrp="1"/>
+          </p:cNvSpPr>
+          <p:nvPr>
+            <p:ph idx="1"/>
+          </p:nvPr>
+        </p:nvSpPr>
+        <p:spPr>
+          <a:xfrm>
+            <a:off x="467833" y="542255"/>
+            <a:ext cx="8923130" cy="5773489"/>
+          </a:xfrm>
+        </p:spPr>
+        <p:txBody>
+          <a:bodyPr>
+            <a:normAutofit/>
+          </a:bodyPr>
+          <a:lstStyle/>
+          <a:p>
+            <a:pPr marL="342900" indent="-342900" algn="r" defTabSz="457200" rtl="1" eaLnBrk="1" latinLnBrk="0" hangingPunct="1">
+              <a:lnSpc>
+                <a:spcPct val="134000"/>
+              </a:lnSpc>
+              <a:spcBef>
+                <a:spcPts val="1000"/>
+              </a:spcBef>
+              <a:spcAft>
+                <a:spcPts val="0"/>
+              </a:spcAft>
+              <a:buClr>
+                <a:schemeClr val="accent1"/>
+              </a:buClr>
+              <a:buSzPct val="80000"/>
+              <a:buFont typeface="Wingdings 3" charset="2"/>
+              <a:buChar char=""/>
+            </a:pPr>
+            <a:r>
+              <a:rPr lang="he-IL" sz="2000" dirty="0">
+                <a:solidFill>
+                  <a:srgbClr val="000000"/>
+                </a:solidFill>
+                <a:latin typeface="Tahoma" panose="020B0604030504040204" pitchFamily="34" charset="0"/>
+                <a:ea typeface="Tahoma" panose="020B0604030504040204" pitchFamily="34" charset="0"/>
+                <a:cs typeface="Tahoma" panose="020B0604030504040204" pitchFamily="34" charset="0"/>
+              </a:rPr>
+              <a:t>למידה עמוקה</a:t>
+            </a:r>
+          </a:p>
+          <a:p>
+            <a:pPr marL="400050" lvl="1" indent="0" algn="r" rtl="1">
+              <a:lnSpc>
+                <a:spcPct val="134000"/>
+              </a:lnSpc>
+              <a:buNone/>
+            </a:pPr>
+            <a:r>
+              <a:rPr lang="he-IL" sz="1400" dirty="0">
+                <a:solidFill>
+                  <a:srgbClr val="000000"/>
+                </a:solidFill>
+                <a:latin typeface="Tahoma" panose="020B0604030504040204" pitchFamily="34" charset="0"/>
+                <a:ea typeface="Tahoma" panose="020B0604030504040204" pitchFamily="34" charset="0"/>
+                <a:cs typeface="Tahoma" panose="020B0604030504040204" pitchFamily="34" charset="0"/>
+              </a:rPr>
+              <a:t>היא חלק ממשפחה רחבה יותר של שיטות למידת מכונה המבוססות על רשתות עצביות מלאכותיות בשילוב עם למידת מאפיינים. הרעיון מאחורי שיטה זו היא היכולת ללמד מחשבים לבצע עבודה אשר נראית טבעית למוח האדם אך מסובכת לביצוע המחשב. </a:t>
+            </a:r>
+            <a:br>
+              <a:rPr lang="en-US" sz="1400" dirty="0">
+                <a:solidFill>
+                  <a:srgbClr val="000000"/>
+                </a:solidFill>
+                <a:latin typeface="Tahoma" panose="020B0604030504040204" pitchFamily="34" charset="0"/>
+                <a:ea typeface="Tahoma" panose="020B0604030504040204" pitchFamily="34" charset="0"/>
+                <a:cs typeface="Tahoma" panose="020B0604030504040204" pitchFamily="34" charset="0"/>
+              </a:rPr>
+            </a:br>
+            <a:endParaRPr lang="he-IL" sz="1400" dirty="0">
+              <a:solidFill>
+                <a:srgbClr val="000000"/>
+              </a:solidFill>
+              <a:latin typeface="Tahoma" panose="020B0604030504040204" pitchFamily="34" charset="0"/>
+              <a:ea typeface="Tahoma" panose="020B0604030504040204" pitchFamily="34" charset="0"/>
+              <a:cs typeface="Tahoma" panose="020B0604030504040204" pitchFamily="34" charset="0"/>
+            </a:endParaRPr>
+          </a:p>
+          <a:p>
+            <a:pPr lvl="1" algn="r" rtl="1">
+              <a:lnSpc>
+                <a:spcPct val="134000"/>
+              </a:lnSpc>
+              <a:buFont typeface="Wingdings" pitchFamily="2" charset="2"/>
+              <a:buChar char="Ø"/>
+            </a:pPr>
+            <a:r>
+              <a:rPr lang="en-US" sz="1800" dirty="0">
+                <a:solidFill>
+                  <a:srgbClr val="000000"/>
+                </a:solidFill>
+                <a:latin typeface="Tahoma" panose="020B0604030504040204" pitchFamily="34" charset="0"/>
+                <a:ea typeface="Tahoma" panose="020B0604030504040204" pitchFamily="34" charset="0"/>
+                <a:cs typeface="Tahoma" panose="020B0604030504040204" pitchFamily="34" charset="0"/>
+              </a:rPr>
+              <a:t>Artificial Neural Network</a:t>
+            </a:r>
+            <a:endParaRPr lang="he-IL" sz="1800" dirty="0">
+              <a:solidFill>
+                <a:srgbClr val="000000"/>
+              </a:solidFill>
+              <a:latin typeface="Tahoma" panose="020B0604030504040204" pitchFamily="34" charset="0"/>
+              <a:ea typeface="Tahoma" panose="020B0604030504040204" pitchFamily="34" charset="0"/>
+              <a:cs typeface="Tahoma" panose="020B0604030504040204" pitchFamily="34" charset="0"/>
+            </a:endParaRPr>
+          </a:p>
+          <a:p>
+            <a:pPr marL="909955" lvl="2" indent="0" algn="just" rtl="1">
+              <a:lnSpc>
+                <a:spcPct val="134000"/>
+              </a:lnSpc>
+              <a:buNone/>
+            </a:pPr>
+            <a:r>
+              <a:rPr lang="he-IL" dirty="0">
+                <a:solidFill>
+                  <a:srgbClr val="000000"/>
+                </a:solidFill>
+                <a:latin typeface="Tahoma" panose="020B0604030504040204" pitchFamily="34" charset="0"/>
+                <a:ea typeface="Tahoma" panose="020B0604030504040204" pitchFamily="34" charset="0"/>
+                <a:cs typeface="Tahoma" panose="020B0604030504040204" pitchFamily="34" charset="0"/>
+              </a:rPr>
+              <a:t>רשת זו מכילה מספר גדול של יחידות מידע הנקראות נוירונים המקושרות זו לזו. אל הנוירון מתקבל קלט אשר עליו מבוצע עיבוד באמצעות נוסחה מוגדרת שתוצאתה מהווה הפלט של אותו הנוירון. פלט זה מועבר הלאה אל נוירונים אחרים ברשת אשר מבצעים תהליך דומה. הרשת מאופיינת על ידי מספר תכונות כגון, צורת חיבור הנוירונים, פונקציית ההפעלה (</a:t>
+            </a:r>
+            <a:r>
+              <a:rPr lang="en-US" dirty="0">
+                <a:solidFill>
+                  <a:srgbClr val="000000"/>
+                </a:solidFill>
+                <a:latin typeface="Tahoma" panose="020B0604030504040204" pitchFamily="34" charset="0"/>
+                <a:ea typeface="Tahoma" panose="020B0604030504040204" pitchFamily="34" charset="0"/>
+                <a:cs typeface="Tahoma" panose="020B0604030504040204" pitchFamily="34" charset="0"/>
+              </a:rPr>
+              <a:t>Activation Function</a:t>
+            </a:r>
+            <a:r>
+              <a:rPr lang="he-IL" dirty="0">
+                <a:solidFill>
+                  <a:srgbClr val="000000"/>
+                </a:solidFill>
+                <a:latin typeface="Tahoma" panose="020B0604030504040204" pitchFamily="34" charset="0"/>
+                <a:ea typeface="Tahoma" panose="020B0604030504040204" pitchFamily="34" charset="0"/>
+                <a:cs typeface="Tahoma" panose="020B0604030504040204" pitchFamily="34" charset="0"/>
+              </a:rPr>
+              <a:t>), משקלי נוירונים </a:t>
+            </a:r>
+            <a:r>
+              <a:rPr lang="he-IL" dirty="0" err="1">
+                <a:solidFill>
+                  <a:srgbClr val="000000"/>
+                </a:solidFill>
+                <a:latin typeface="Tahoma" panose="020B0604030504040204" pitchFamily="34" charset="0"/>
+                <a:ea typeface="Tahoma" panose="020B0604030504040204" pitchFamily="34" charset="0"/>
+                <a:cs typeface="Tahoma" panose="020B0604030504040204" pitchFamily="34" charset="0"/>
+              </a:rPr>
+              <a:t>וכו</a:t>
+            </a:r>
+            <a:r>
+              <a:rPr lang="he-IL" dirty="0">
+                <a:solidFill>
+                  <a:srgbClr val="000000"/>
+                </a:solidFill>
+                <a:latin typeface="Tahoma" panose="020B0604030504040204" pitchFamily="34" charset="0"/>
+                <a:ea typeface="Tahoma" panose="020B0604030504040204" pitchFamily="34" charset="0"/>
+                <a:cs typeface="Tahoma" panose="020B0604030504040204" pitchFamily="34" charset="0"/>
+              </a:rPr>
+              <a:t>׳.</a:t>
+            </a:r>
+          </a:p>
+          <a:p>
+            <a:pPr marL="909955" lvl="2" indent="0" algn="just" rtl="1">
+              <a:lnSpc>
+                <a:spcPct val="134000"/>
+              </a:lnSpc>
+              <a:buNone/>
+            </a:pPr>
+            <a:endParaRPr lang="he-IL" dirty="0">
+              <a:solidFill>
+                <a:srgbClr val="000000"/>
+              </a:solidFill>
+              <a:latin typeface="Tahoma" panose="020B0604030504040204" pitchFamily="34" charset="0"/>
+              <a:ea typeface="Tahoma" panose="020B0604030504040204" pitchFamily="34" charset="0"/>
+              <a:cs typeface="Tahoma" panose="020B0604030504040204" pitchFamily="34" charset="0"/>
+            </a:endParaRPr>
+          </a:p>
+          <a:p>
+            <a:pPr marL="342900" indent="-342900" algn="r" defTabSz="457200" rtl="1" eaLnBrk="1" latinLnBrk="0" hangingPunct="1">
+              <a:lnSpc>
+                <a:spcPct val="134000"/>
+              </a:lnSpc>
+              <a:spcBef>
+                <a:spcPts val="1000"/>
+              </a:spcBef>
+              <a:spcAft>
+                <a:spcPts val="0"/>
+              </a:spcAft>
+              <a:buClr>
+                <a:schemeClr val="accent1"/>
+              </a:buClr>
+              <a:buSzPct val="80000"/>
+              <a:buFont typeface="Wingdings 3" charset="2"/>
+              <a:buChar char=""/>
+            </a:pPr>
+            <a:r>
+              <a:rPr lang="en-US" sz="2000" dirty="0">
+                <a:solidFill>
+                  <a:srgbClr val="000000"/>
+                </a:solidFill>
+                <a:latin typeface="Tahoma" panose="020B0604030504040204" pitchFamily="34" charset="0"/>
+                <a:ea typeface="Tahoma" panose="020B0604030504040204" pitchFamily="34" charset="0"/>
+                <a:cs typeface="Tahoma" panose="020B0604030504040204" pitchFamily="34" charset="0"/>
+              </a:rPr>
+              <a:t>Convolutional Neural Network</a:t>
+            </a:r>
+            <a:endParaRPr lang="he-IL" sz="2000" dirty="0">
+              <a:solidFill>
+                <a:srgbClr val="000000"/>
+              </a:solidFill>
+              <a:latin typeface="Tahoma" panose="020B0604030504040204" pitchFamily="34" charset="0"/>
+              <a:ea typeface="Tahoma" panose="020B0604030504040204" pitchFamily="34" charset="0"/>
+              <a:cs typeface="Tahoma" panose="020B0604030504040204" pitchFamily="34" charset="0"/>
+            </a:endParaRPr>
+          </a:p>
+          <a:p>
+            <a:pPr marL="400050" lvl="1" indent="0" algn="r" rtl="1">
+              <a:lnSpc>
+                <a:spcPct val="134000"/>
+              </a:lnSpc>
+              <a:buNone/>
+            </a:pPr>
+            <a:r>
+              <a:rPr lang="he-IL" sz="1400" dirty="0">
+                <a:solidFill>
+                  <a:srgbClr val="000000"/>
+                </a:solidFill>
+                <a:latin typeface="Tahoma" panose="020B0604030504040204" pitchFamily="34" charset="0"/>
+                <a:ea typeface="Tahoma" panose="020B0604030504040204" pitchFamily="34" charset="0"/>
+                <a:cs typeface="Tahoma" panose="020B0604030504040204" pitchFamily="34" charset="0"/>
+              </a:rPr>
+              <a:t>זוהי סוג של רשת נוירונים המשמשת בעיקר לניתוח תמונות. הרשת מבוססת על שכבות כינוס (</a:t>
+            </a:r>
+            <a:r>
+              <a:rPr lang="en-US" sz="1400" dirty="0">
+                <a:solidFill>
+                  <a:srgbClr val="000000"/>
+                </a:solidFill>
+                <a:latin typeface="Tahoma" panose="020B0604030504040204" pitchFamily="34" charset="0"/>
+                <a:ea typeface="Tahoma" panose="020B0604030504040204" pitchFamily="34" charset="0"/>
+                <a:cs typeface="Tahoma" panose="020B0604030504040204" pitchFamily="34" charset="0"/>
+              </a:rPr>
+              <a:t>Convolution</a:t>
+            </a:r>
+            <a:r>
+              <a:rPr lang="he-IL" sz="1400" dirty="0">
+                <a:solidFill>
+                  <a:srgbClr val="000000"/>
+                </a:solidFill>
+                <a:latin typeface="Tahoma" panose="020B0604030504040204" pitchFamily="34" charset="0"/>
+                <a:ea typeface="Tahoma" panose="020B0604030504040204" pitchFamily="34" charset="0"/>
+                <a:cs typeface="Tahoma" panose="020B0604030504040204" pitchFamily="34" charset="0"/>
+              </a:rPr>
+              <a:t>) הממומשות על ידיי העברת פילטר על גביי הקלט ומשתמשת בפעולת </a:t>
+            </a:r>
+            <a:r>
+              <a:rPr lang="he-IL" sz="1400" dirty="0" err="1">
+                <a:solidFill>
+                  <a:srgbClr val="000000"/>
+                </a:solidFill>
+                <a:latin typeface="Tahoma" panose="020B0604030504040204" pitchFamily="34" charset="0"/>
+                <a:ea typeface="Tahoma" panose="020B0604030504040204" pitchFamily="34" charset="0"/>
+                <a:cs typeface="Tahoma" panose="020B0604030504040204" pitchFamily="34" charset="0"/>
+              </a:rPr>
+              <a:t>הקונבולוציה</a:t>
+            </a:r>
+            <a:r>
+              <a:rPr lang="he-IL" sz="1400" dirty="0">
+                <a:solidFill>
+                  <a:srgbClr val="000000"/>
+                </a:solidFill>
+                <a:latin typeface="Tahoma" panose="020B0604030504040204" pitchFamily="34" charset="0"/>
+                <a:ea typeface="Tahoma" panose="020B0604030504040204" pitchFamily="34" charset="0"/>
+                <a:cs typeface="Tahoma" panose="020B0604030504040204" pitchFamily="34" charset="0"/>
+              </a:rPr>
+              <a:t> (לפחות בשכבה אחת).</a:t>
+            </a:r>
+            <a:endParaRPr lang="en-IL" sz="1400" dirty="0">
+              <a:solidFill>
+                <a:srgbClr val="000000"/>
+              </a:solidFill>
+              <a:latin typeface="Tahoma" panose="020B0604030504040204" pitchFamily="34" charset="0"/>
+              <a:ea typeface="Tahoma" panose="020B0604030504040204" pitchFamily="34" charset="0"/>
+              <a:cs typeface="Tahoma" panose="020B0604030504040204" pitchFamily="34" charset="0"/>
+            </a:endParaRPr>
+          </a:p>
+        </p:txBody>
+      </p:sp>
+    </p:spTree>
+    <p:extLst>
+      <p:ext uri="{BB962C8B-B14F-4D97-AF65-F5344CB8AC3E}">
+        <p14:creationId xmlns:p14="http://schemas.microsoft.com/office/powerpoint/2010/main" val="2100224959"/>
+      </p:ext>
+    </p:extLst>
+  </p:cSld>
+  <p:clrMapOvr>
+    <a:masterClrMapping/>
+  </p:clrMapOvr>
+</p:sld>
+</file>
+
+<file path=ppt/slides/slide6.xml><?xml version="1.0" encoding="utf-8"?>
+<p:sld xmlns:a="http://schemas.openxmlformats.org/drawingml/2006/main" xmlns:r="http://schemas.openxmlformats.org/officeDocument/2006/relationships" xmlns:p="http://schemas.openxmlformats.org/presentationml/2006/main">
+  <p:cSld>
+    <p:spTree>
+      <p:nvGrpSpPr>
+        <p:cNvPr id="1" name=""/>
+        <p:cNvGrpSpPr/>
+        <p:nvPr/>
+      </p:nvGrpSpPr>
+      <p:grpSpPr>
+        <a:xfrm>
+          <a:off x="0" y="0"/>
+          <a:ext cx="0" cy="0"/>
+          <a:chOff x="0" y="0"/>
+          <a:chExt cx="0" cy="0"/>
+        </a:xfrm>
+      </p:grpSpPr>
+      <p:sp>
+        <p:nvSpPr>
+          <p:cNvPr id="3" name="Content Placeholder 2">
+            <a:extLst>
+              <a:ext uri="{FF2B5EF4-FFF2-40B4-BE49-F238E27FC236}">
+                <a16:creationId xmlns:a16="http://schemas.microsoft.com/office/drawing/2014/main" id="{19786AB6-F422-61B0-0DF1-BDC019B99EA8}"/>
+              </a:ext>
+            </a:extLst>
+          </p:cNvPr>
+          <p:cNvSpPr>
+            <a:spLocks noGrp="1"/>
+          </p:cNvSpPr>
+          <p:nvPr>
+            <p:ph idx="1"/>
+          </p:nvPr>
+        </p:nvSpPr>
+        <p:spPr>
+          <a:xfrm>
+            <a:off x="5613992" y="971357"/>
+            <a:ext cx="3745074" cy="1569824"/>
+          </a:xfrm>
+        </p:spPr>
+        <p:txBody>
+          <a:bodyPr>
+            <a:normAutofit/>
+          </a:bodyPr>
+          <a:lstStyle/>
+          <a:p>
+            <a:pPr algn="r" rtl="1">
+              <a:lnSpc>
+                <a:spcPct val="114000"/>
+              </a:lnSpc>
+            </a:pPr>
+            <a:r>
+              <a:rPr lang="he-IL" sz="2600" dirty="0">
+                <a:solidFill>
+                  <a:srgbClr val="000000"/>
+                </a:solidFill>
+                <a:latin typeface="Tahoma" panose="020B0604030504040204" pitchFamily="34" charset="0"/>
+                <a:ea typeface="Tahoma" panose="020B0604030504040204" pitchFamily="34" charset="0"/>
+                <a:cs typeface="Tahoma" panose="020B0604030504040204" pitchFamily="34" charset="0"/>
+              </a:rPr>
+              <a:t>קונבולוציה</a:t>
+            </a:r>
+          </a:p>
+          <a:p>
+            <a:pPr marL="400050" lvl="1" indent="0" algn="r" rtl="1">
+              <a:lnSpc>
+                <a:spcPct val="114000"/>
+              </a:lnSpc>
+              <a:buNone/>
+            </a:pPr>
+            <a:r>
+              <a:rPr lang="he-IL" sz="1500" dirty="0">
+                <a:solidFill>
+                  <a:srgbClr val="000000"/>
+                </a:solidFill>
+                <a:latin typeface="Tahoma" panose="020B0604030504040204" pitchFamily="34" charset="0"/>
+                <a:ea typeface="Tahoma" panose="020B0604030504040204" pitchFamily="34" charset="0"/>
+                <a:cs typeface="Tahoma" panose="020B0604030504040204" pitchFamily="34" charset="0"/>
+              </a:rPr>
+              <a:t>פעולה מתמטית של סכימת מכפלות האיברים בין שתי מטריצות.</a:t>
+            </a:r>
+            <a:br>
+              <a:rPr lang="en-US" dirty="0">
+                <a:solidFill>
+                  <a:srgbClr val="000000"/>
+                </a:solidFill>
+                <a:latin typeface="Tahoma" panose="020B0604030504040204" pitchFamily="34" charset="0"/>
+                <a:ea typeface="Tahoma" panose="020B0604030504040204" pitchFamily="34" charset="0"/>
+                <a:cs typeface="Tahoma" panose="020B0604030504040204" pitchFamily="34" charset="0"/>
+              </a:rPr>
+            </a:br>
+            <a:endParaRPr lang="he-IL" dirty="0">
+              <a:solidFill>
+                <a:srgbClr val="000000"/>
+              </a:solidFill>
+              <a:latin typeface="Tahoma" panose="020B0604030504040204" pitchFamily="34" charset="0"/>
+              <a:ea typeface="Tahoma" panose="020B0604030504040204" pitchFamily="34" charset="0"/>
+              <a:cs typeface="Tahoma" panose="020B0604030504040204" pitchFamily="34" charset="0"/>
+            </a:endParaRPr>
+          </a:p>
+        </p:txBody>
+      </p:sp>
+      <p:pic>
+        <p:nvPicPr>
+          <p:cNvPr id="2" name="Picture 1" descr="Convolutional Neural Network">
+            <a:extLst>
+              <a:ext uri="{FF2B5EF4-FFF2-40B4-BE49-F238E27FC236}">
+                <a16:creationId xmlns:a16="http://schemas.microsoft.com/office/drawing/2014/main" id="{F18CEBC5-4561-9955-2D42-20EFEC0ED028}"/>
+              </a:ext>
+            </a:extLst>
+          </p:cNvPr>
+          <p:cNvPicPr>
+            <a:picLocks noChangeAspect="1"/>
+          </p:cNvPicPr>
+          <p:nvPr/>
+        </p:nvPicPr>
+        <p:blipFill>
+          <a:blip r:embed="rId2">
+            <a:extLst>
+              <a:ext uri="{28A0092B-C50C-407E-A947-70E740481C1C}">
+                <a14:useLocalDpi xmlns:a14="http://schemas.microsoft.com/office/drawing/2010/main" val="0"/>
+              </a:ext>
+            </a:extLst>
+          </a:blip>
+          <a:srcRect/>
+          <a:stretch>
+            <a:fillRect/>
+          </a:stretch>
+        </p:blipFill>
+        <p:spPr bwMode="auto">
+          <a:xfrm>
+            <a:off x="795389" y="1400462"/>
+            <a:ext cx="4011295" cy="569595"/>
+          </a:xfrm>
+          <a:prstGeom prst="rect">
+            <a:avLst/>
+          </a:prstGeom>
+          <a:noFill/>
+          <a:ln>
+            <a:noFill/>
+          </a:ln>
+        </p:spPr>
+      </p:pic>
+      <p:pic>
+        <p:nvPicPr>
+          <p:cNvPr id="2050" name="Picture 2" descr="Overview of Convolutional Neural Network in Image Classification">
+            <a:extLst>
+              <a:ext uri="{FF2B5EF4-FFF2-40B4-BE49-F238E27FC236}">
+                <a16:creationId xmlns:a16="http://schemas.microsoft.com/office/drawing/2014/main" id="{9930240B-B1BC-27BF-BBEF-25DF1096EBF2}"/>
+              </a:ext>
+            </a:extLst>
+          </p:cNvPr>
+          <p:cNvPicPr>
+            <a:picLocks noChangeAspect="1" noChangeArrowheads="1"/>
+          </p:cNvPicPr>
+          <p:nvPr/>
+        </p:nvPicPr>
+        <p:blipFill>
+          <a:blip r:embed="rId3">
+            <a:extLst>
+              <a:ext uri="{28A0092B-C50C-407E-A947-70E740481C1C}">
+                <a14:useLocalDpi xmlns:a14="http://schemas.microsoft.com/office/drawing/2010/main" val="0"/>
+              </a:ext>
+            </a:extLst>
+          </a:blip>
+          <a:srcRect/>
+          <a:stretch>
+            <a:fillRect/>
+          </a:stretch>
+        </p:blipFill>
+        <p:spPr bwMode="auto">
+          <a:xfrm>
+            <a:off x="3505727" y="3429000"/>
+            <a:ext cx="4216529" cy="3081921"/>
+          </a:xfrm>
+          <a:prstGeom prst="rect">
+            <a:avLst/>
+          </a:prstGeom>
+          <a:noFill/>
+          <a:extLst>
+            <a:ext uri="{909E8E84-426E-40DD-AFC4-6F175D3DCCD1}">
+              <a14:hiddenFill xmlns:a14="http://schemas.microsoft.com/office/drawing/2010/main">
+                <a:solidFill>
+                  <a:srgbClr val="FFFFFF"/>
+                </a:solidFill>
+              </a14:hiddenFill>
+            </a:ext>
+          </a:extLst>
+        </p:spPr>
+      </p:pic>
+      <p:sp>
+        <p:nvSpPr>
+          <p:cNvPr id="4" name="Content Placeholder 2">
+            <a:extLst>
+              <a:ext uri="{FF2B5EF4-FFF2-40B4-BE49-F238E27FC236}">
+                <a16:creationId xmlns:a16="http://schemas.microsoft.com/office/drawing/2014/main" id="{4148DEE2-973C-B89D-D796-4380204DE8FD}"/>
+              </a:ext>
+            </a:extLst>
+          </p:cNvPr>
+          <p:cNvSpPr txBox="1">
+            <a:spLocks/>
+          </p:cNvSpPr>
+          <p:nvPr/>
+        </p:nvSpPr>
+        <p:spPr>
+          <a:xfrm>
+            <a:off x="795389" y="2256384"/>
+            <a:ext cx="8672624" cy="1920954"/>
+          </a:xfrm>
+          <a:prstGeom prst="rect">
+            <a:avLst/>
+          </a:prstGeom>
+        </p:spPr>
+        <p:txBody>
+          <a:bodyPr vert="horz" lIns="91440" tIns="45720" rIns="91440" bIns="45720" rtlCol="0">
+            <a:normAutofit fontScale="32500" lnSpcReduction="20000"/>
+          </a:bodyPr>
+          <a:lstStyle>
+            <a:lvl1pPr marL="342900" indent="-342900" algn="l" defTabSz="457200" rtl="0" eaLnBrk="1" latinLnBrk="0" hangingPunct="1">
+              <a:spcBef>
+                <a:spcPts val="1000"/>
+              </a:spcBef>
+              <a:spcAft>
+                <a:spcPts val="0"/>
+              </a:spcAft>
+              <a:buClr>
+                <a:schemeClr val="accent1"/>
+              </a:buClr>
+              <a:buSzPct val="80000"/>
+              <a:buFont typeface="Wingdings 3" charset="2"/>
+              <a:buChar char=""/>
+              <a:defRPr sz="1800" kern="1200">
+                <a:solidFill>
+                  <a:schemeClr val="tx1">
+                    <a:lumMod val="75000"/>
+                    <a:lumOff val="25000"/>
+                  </a:schemeClr>
+                </a:solidFill>
+                <a:latin typeface="+mn-lt"/>
+                <a:ea typeface="+mn-ea"/>
+                <a:cs typeface="+mn-cs"/>
+              </a:defRPr>
+            </a:lvl1pPr>
+            <a:lvl2pPr marL="742950" indent="-285750" algn="l" defTabSz="457200" rtl="0" eaLnBrk="1" latinLnBrk="0" hangingPunct="1">
+              <a:spcBef>
+                <a:spcPts val="1000"/>
+              </a:spcBef>
+              <a:spcAft>
+                <a:spcPts val="0"/>
+              </a:spcAft>
+              <a:buClr>
+                <a:schemeClr val="accent1"/>
+              </a:buClr>
+              <a:buSzPct val="80000"/>
+              <a:buFont typeface="Wingdings 3" charset="2"/>
+              <a:buChar char=""/>
+              <a:defRPr sz="1600" kern="1200">
+                <a:solidFill>
+                  <a:schemeClr val="tx1">
+                    <a:lumMod val="75000"/>
+                    <a:lumOff val="25000"/>
+                  </a:schemeClr>
+                </a:solidFill>
+                <a:latin typeface="+mn-lt"/>
+                <a:ea typeface="+mn-ea"/>
+                <a:cs typeface="+mn-cs"/>
+              </a:defRPr>
+            </a:lvl2pPr>
+            <a:lvl3pPr marL="1143000" indent="-228600" algn="l" defTabSz="457200" rtl="0" eaLnBrk="1" latinLnBrk="0" hangingPunct="1">
+              <a:spcBef>
+                <a:spcPts val="1000"/>
+              </a:spcBef>
+              <a:spcAft>
+                <a:spcPts val="0"/>
+              </a:spcAft>
+              <a:buClr>
+                <a:schemeClr val="accent1"/>
+              </a:buClr>
+              <a:buSzPct val="80000"/>
+              <a:buFont typeface="Wingdings 3" charset="2"/>
+              <a:buChar char=""/>
+              <a:defRPr sz="1400" kern="1200">
+                <a:solidFill>
+                  <a:schemeClr val="tx1">
+                    <a:lumMod val="75000"/>
+                    <a:lumOff val="25000"/>
+                  </a:schemeClr>
+                </a:solidFill>
+                <a:latin typeface="+mn-lt"/>
+                <a:ea typeface="+mn-ea"/>
+                <a:cs typeface="+mn-cs"/>
+              </a:defRPr>
+            </a:lvl3pPr>
+            <a:lvl4pPr marL="1600200" indent="-228600" algn="l" defTabSz="457200" rtl="0" eaLnBrk="1" latinLnBrk="0" hangingPunct="1">
+              <a:spcBef>
+                <a:spcPts val="1000"/>
+              </a:spcBef>
+              <a:spcAft>
+                <a:spcPts val="0"/>
+              </a:spcAft>
+              <a:buClr>
+                <a:schemeClr val="accent1"/>
+              </a:buClr>
+              <a:buSzPct val="80000"/>
+              <a:buFont typeface="Wingdings 3" charset="2"/>
+              <a:buChar char=""/>
+              <a:defRPr sz="1200" kern="1200">
+                <a:solidFill>
+                  <a:schemeClr val="tx1">
+                    <a:lumMod val="75000"/>
+                    <a:lumOff val="25000"/>
+                  </a:schemeClr>
+                </a:solidFill>
+                <a:latin typeface="+mn-lt"/>
+                <a:ea typeface="+mn-ea"/>
+                <a:cs typeface="+mn-cs"/>
+              </a:defRPr>
+            </a:lvl4pPr>
+            <a:lvl5pPr marL="2057400" indent="-228600" algn="l" defTabSz="457200" rtl="0" eaLnBrk="1" latinLnBrk="0" hangingPunct="1">
+              <a:spcBef>
+                <a:spcPts val="1000"/>
+              </a:spcBef>
+              <a:spcAft>
+                <a:spcPts val="0"/>
+              </a:spcAft>
+              <a:buClr>
+                <a:schemeClr val="accent1"/>
+              </a:buClr>
+              <a:buSzPct val="80000"/>
+              <a:buFont typeface="Wingdings 3" charset="2"/>
+              <a:buChar char=""/>
+              <a:defRPr sz="1200" kern="1200">
+                <a:solidFill>
+                  <a:schemeClr val="tx1">
+                    <a:lumMod val="75000"/>
+                    <a:lumOff val="25000"/>
+                  </a:schemeClr>
+                </a:solidFill>
+                <a:latin typeface="+mn-lt"/>
+                <a:ea typeface="+mn-ea"/>
+                <a:cs typeface="+mn-cs"/>
+              </a:defRPr>
+            </a:lvl5pPr>
+            <a:lvl6pPr marL="2514600" indent="-228600" algn="l" defTabSz="457200" rtl="0" eaLnBrk="1" latinLnBrk="0" hangingPunct="1">
+              <a:spcBef>
+                <a:spcPts val="1000"/>
+              </a:spcBef>
+              <a:spcAft>
+                <a:spcPts val="0"/>
+              </a:spcAft>
+              <a:buClr>
+                <a:schemeClr val="accent1"/>
+              </a:buClr>
+              <a:buSzPct val="80000"/>
+              <a:buFont typeface="Wingdings 3" charset="2"/>
+              <a:buChar char=""/>
+              <a:defRPr sz="1200" kern="1200">
+                <a:solidFill>
+                  <a:schemeClr val="tx1">
+                    <a:lumMod val="75000"/>
+                    <a:lumOff val="25000"/>
+                  </a:schemeClr>
+                </a:solidFill>
+                <a:latin typeface="+mn-lt"/>
+                <a:ea typeface="+mn-ea"/>
+                <a:cs typeface="+mn-cs"/>
+              </a:defRPr>
+            </a:lvl6pPr>
+            <a:lvl7pPr marL="2971800" indent="-228600" algn="l" defTabSz="457200" rtl="0" eaLnBrk="1" latinLnBrk="0" hangingPunct="1">
+              <a:spcBef>
+                <a:spcPts val="1000"/>
+              </a:spcBef>
+              <a:spcAft>
+                <a:spcPts val="0"/>
+              </a:spcAft>
+              <a:buClr>
+                <a:schemeClr val="accent1"/>
+              </a:buClr>
+              <a:buSzPct val="80000"/>
+              <a:buFont typeface="Wingdings 3" charset="2"/>
+              <a:buChar char=""/>
+              <a:defRPr sz="1200" kern="1200">
+                <a:solidFill>
+                  <a:schemeClr val="tx1">
+                    <a:lumMod val="75000"/>
+                    <a:lumOff val="25000"/>
+                  </a:schemeClr>
+                </a:solidFill>
+                <a:latin typeface="+mn-lt"/>
+                <a:ea typeface="+mn-ea"/>
+                <a:cs typeface="+mn-cs"/>
+              </a:defRPr>
+            </a:lvl7pPr>
+            <a:lvl8pPr marL="3429000" indent="-228600" algn="l" defTabSz="457200" rtl="0" eaLnBrk="1" latinLnBrk="0" hangingPunct="1">
+              <a:spcBef>
+                <a:spcPts val="1000"/>
+              </a:spcBef>
+              <a:spcAft>
+                <a:spcPts val="0"/>
+              </a:spcAft>
+              <a:buClr>
+                <a:schemeClr val="accent1"/>
+              </a:buClr>
+              <a:buSzPct val="80000"/>
+              <a:buFont typeface="Wingdings 3" charset="2"/>
+              <a:buChar char=""/>
+              <a:defRPr sz="1200" kern="1200">
+                <a:solidFill>
+                  <a:schemeClr val="tx1">
+                    <a:lumMod val="75000"/>
+                    <a:lumOff val="25000"/>
+                  </a:schemeClr>
+                </a:solidFill>
+                <a:latin typeface="+mn-lt"/>
+                <a:ea typeface="+mn-ea"/>
+                <a:cs typeface="+mn-cs"/>
+              </a:defRPr>
+            </a:lvl8pPr>
+            <a:lvl9pPr marL="3886200" indent="-228600" algn="l" defTabSz="457200" rtl="0" eaLnBrk="1" latinLnBrk="0" hangingPunct="1">
+              <a:spcBef>
+                <a:spcPts val="1000"/>
+              </a:spcBef>
+              <a:spcAft>
+                <a:spcPts val="0"/>
+              </a:spcAft>
+              <a:buClr>
+                <a:schemeClr val="accent1"/>
+              </a:buClr>
+              <a:buSzPct val="80000"/>
+              <a:buFont typeface="Wingdings 3" charset="2"/>
+              <a:buChar char=""/>
+              <a:defRPr sz="1200" kern="1200">
+                <a:solidFill>
+                  <a:schemeClr val="tx1">
+                    <a:lumMod val="75000"/>
+                    <a:lumOff val="25000"/>
+                  </a:schemeClr>
+                </a:solidFill>
+                <a:latin typeface="+mn-lt"/>
+                <a:ea typeface="+mn-ea"/>
+                <a:cs typeface="+mn-cs"/>
+              </a:defRPr>
+            </a:lvl9pPr>
+          </a:lstStyle>
+          <a:p>
+            <a:pPr algn="r" rtl="1">
+              <a:lnSpc>
+                <a:spcPct val="114000"/>
+              </a:lnSpc>
+            </a:pPr>
+            <a:endParaRPr lang="he-IL" sz="2000" dirty="0">
+              <a:solidFill>
+                <a:srgbClr val="000000"/>
+              </a:solidFill>
+              <a:latin typeface="Tahoma" panose="020B0604030504040204" pitchFamily="34" charset="0"/>
+              <a:ea typeface="Tahoma" panose="020B0604030504040204" pitchFamily="34" charset="0"/>
+              <a:cs typeface="Tahoma" panose="020B0604030504040204" pitchFamily="34" charset="0"/>
+            </a:endParaRPr>
+          </a:p>
+          <a:p>
+            <a:pPr algn="r" rtl="1">
+              <a:lnSpc>
+                <a:spcPct val="114000"/>
+              </a:lnSpc>
+            </a:pPr>
+            <a:r>
+              <a:rPr lang="en-US" sz="6800" dirty="0">
+                <a:solidFill>
+                  <a:srgbClr val="000000"/>
+                </a:solidFill>
+                <a:latin typeface="Tahoma" panose="020B0604030504040204" pitchFamily="34" charset="0"/>
+                <a:ea typeface="Tahoma" panose="020B0604030504040204" pitchFamily="34" charset="0"/>
+                <a:cs typeface="Tahoma" panose="020B0604030504040204" pitchFamily="34" charset="0"/>
+              </a:rPr>
+              <a:t>Filter</a:t>
+            </a:r>
+          </a:p>
+          <a:p>
+            <a:pPr marL="457200" lvl="1" indent="0" algn="r" rtl="1">
+              <a:lnSpc>
+                <a:spcPct val="114000"/>
+              </a:lnSpc>
+              <a:buNone/>
+            </a:pPr>
+            <a:r>
+              <a:rPr lang="he-IL" sz="4600" dirty="0">
+                <a:solidFill>
+                  <a:srgbClr val="000000"/>
+                </a:solidFill>
+                <a:latin typeface="Tahoma" panose="020B0604030504040204" pitchFamily="34" charset="0"/>
+                <a:ea typeface="Tahoma" panose="020B0604030504040204" pitchFamily="34" charset="0"/>
+                <a:cs typeface="Tahoma" panose="020B0604030504040204" pitchFamily="34" charset="0"/>
+              </a:rPr>
+              <a:t>חלון </a:t>
+            </a:r>
+            <a:r>
+              <a:rPr lang="he-IL" sz="4600" dirty="0" err="1">
+                <a:solidFill>
+                  <a:srgbClr val="000000"/>
+                </a:solidFill>
+                <a:latin typeface="Tahoma" panose="020B0604030504040204" pitchFamily="34" charset="0"/>
+                <a:ea typeface="Tahoma" panose="020B0604030504040204" pitchFamily="34" charset="0"/>
+                <a:cs typeface="Tahoma" panose="020B0604030504040204" pitchFamily="34" charset="0"/>
+              </a:rPr>
+              <a:t>מטריציוני</a:t>
+            </a:r>
+            <a:r>
+              <a:rPr lang="he-IL" sz="4600" dirty="0">
+                <a:solidFill>
+                  <a:srgbClr val="000000"/>
+                </a:solidFill>
+                <a:latin typeface="Tahoma" panose="020B0604030504040204" pitchFamily="34" charset="0"/>
+                <a:ea typeface="Tahoma" panose="020B0604030504040204" pitchFamily="34" charset="0"/>
+                <a:cs typeface="Tahoma" panose="020B0604030504040204" pitchFamily="34" charset="0"/>
+              </a:rPr>
+              <a:t> בגודל מסוים המכיל תבנית שבעזרתה מתבצעת פעולת </a:t>
+            </a:r>
+            <a:r>
+              <a:rPr lang="he-IL" sz="4600" dirty="0" err="1">
+                <a:solidFill>
+                  <a:srgbClr val="000000"/>
+                </a:solidFill>
+                <a:latin typeface="Tahoma" panose="020B0604030504040204" pitchFamily="34" charset="0"/>
+                <a:ea typeface="Tahoma" panose="020B0604030504040204" pitchFamily="34" charset="0"/>
+                <a:cs typeface="Tahoma" panose="020B0604030504040204" pitchFamily="34" charset="0"/>
+              </a:rPr>
+              <a:t>הקונבולוציה</a:t>
+            </a:r>
+            <a:r>
+              <a:rPr lang="he-IL" sz="4600" dirty="0">
+                <a:solidFill>
+                  <a:srgbClr val="000000"/>
+                </a:solidFill>
+                <a:latin typeface="Tahoma" panose="020B0604030504040204" pitchFamily="34" charset="0"/>
+                <a:ea typeface="Tahoma" panose="020B0604030504040204" pitchFamily="34" charset="0"/>
+                <a:cs typeface="Tahoma" panose="020B0604030504040204" pitchFamily="34" charset="0"/>
+              </a:rPr>
+              <a:t> על הקלט, כאשר המטרה הסופית היא מציאת דפוסים על גבי התמונה. למשל, קווים ישרים, עיקולים, צורות </a:t>
+            </a:r>
+            <a:r>
+              <a:rPr lang="he-IL" sz="4600" dirty="0" err="1">
+                <a:solidFill>
+                  <a:srgbClr val="000000"/>
+                </a:solidFill>
+                <a:latin typeface="Tahoma" panose="020B0604030504040204" pitchFamily="34" charset="0"/>
+                <a:ea typeface="Tahoma" panose="020B0604030504040204" pitchFamily="34" charset="0"/>
+                <a:cs typeface="Tahoma" panose="020B0604030504040204" pitchFamily="34" charset="0"/>
+              </a:rPr>
+              <a:t>וכו</a:t>
+            </a:r>
+            <a:r>
+              <a:rPr lang="he-IL" sz="4600" dirty="0">
+                <a:solidFill>
+                  <a:srgbClr val="000000"/>
+                </a:solidFill>
+                <a:latin typeface="Tahoma" panose="020B0604030504040204" pitchFamily="34" charset="0"/>
+                <a:ea typeface="Tahoma" panose="020B0604030504040204" pitchFamily="34" charset="0"/>
+                <a:cs typeface="Tahoma" panose="020B0604030504040204" pitchFamily="34" charset="0"/>
+              </a:rPr>
+              <a:t>'.</a:t>
+            </a:r>
+          </a:p>
+          <a:p>
+            <a:pPr algn="r" rtl="1">
+              <a:lnSpc>
+                <a:spcPct val="114000"/>
+              </a:lnSpc>
+            </a:pPr>
+            <a:endParaRPr lang="he-IL" sz="2000" dirty="0">
+              <a:solidFill>
+                <a:srgbClr val="000000"/>
+              </a:solidFill>
+              <a:latin typeface="Tahoma" panose="020B0604030504040204" pitchFamily="34" charset="0"/>
+              <a:ea typeface="Tahoma" panose="020B0604030504040204" pitchFamily="34" charset="0"/>
+              <a:cs typeface="Tahoma" panose="020B0604030504040204" pitchFamily="34" charset="0"/>
+            </a:endParaRPr>
+          </a:p>
+          <a:p>
+            <a:pPr marL="400050" lvl="1" indent="0" algn="r" rtl="1">
+              <a:lnSpc>
+                <a:spcPct val="114000"/>
+              </a:lnSpc>
+              <a:buFont typeface="Wingdings 3" charset="2"/>
+              <a:buNone/>
+            </a:pPr>
+            <a:br>
+              <a:rPr lang="en-US" sz="1400" dirty="0">
+                <a:solidFill>
+                  <a:srgbClr val="000000"/>
+                </a:solidFill>
+                <a:latin typeface="Tahoma" panose="020B0604030504040204" pitchFamily="34" charset="0"/>
+                <a:ea typeface="Tahoma" panose="020B0604030504040204" pitchFamily="34" charset="0"/>
+                <a:cs typeface="Tahoma" panose="020B0604030504040204" pitchFamily="34" charset="0"/>
+              </a:rPr>
+            </a:br>
+            <a:endParaRPr lang="he-IL" sz="1400" dirty="0">
+              <a:solidFill>
+                <a:srgbClr val="000000"/>
+              </a:solidFill>
+              <a:latin typeface="Tahoma" panose="020B0604030504040204" pitchFamily="34" charset="0"/>
+              <a:ea typeface="Tahoma" panose="020B0604030504040204" pitchFamily="34" charset="0"/>
+              <a:cs typeface="Tahoma" panose="020B0604030504040204" pitchFamily="34" charset="0"/>
+            </a:endParaRPr>
+          </a:p>
+        </p:txBody>
+      </p:sp>
+    </p:spTree>
+    <p:extLst>
+      <p:ext uri="{BB962C8B-B14F-4D97-AF65-F5344CB8AC3E}">
+        <p14:creationId xmlns:p14="http://schemas.microsoft.com/office/powerpoint/2010/main" val="4230302470"/>
+      </p:ext>
+    </p:extLst>
+  </p:cSld>
+  <p:clrMapOvr>
+    <a:masterClrMapping/>
+  </p:clrMapOvr>
+</p:sld>
+</file>
+
 <file path=ppt/theme/theme1.xml><?xml version="1.0" encoding="utf-8"?>
-<a:theme xmlns:a="http://schemas.openxmlformats.org/drawingml/2006/main" name="Office Theme">
+<a:theme xmlns:a="http://schemas.openxmlformats.org/drawingml/2006/main" name="Facet">
   <a:themeElements>
-    <a:clrScheme name="Office">
+    <a:clrScheme name="Blue Green">
       <a:dk1>
         <a:sysClr val="windowText" lastClr="000000"/>
       </a:dk1>
@@ -3366,52 +7975,52 @@
         <a:sysClr val="window" lastClr="FFFFFF"/>
       </a:lt1>
       <a:dk2>
-        <a:srgbClr val="44546A"/>
+        <a:srgbClr val="373545"/>
       </a:dk2>
       <a:lt2>
-        <a:srgbClr val="E7E6E6"/>
+        <a:srgbClr val="CEDBE6"/>
       </a:lt2>
       <a:accent1>
-        <a:srgbClr val="4472C4"/>
+        <a:srgbClr val="3494BA"/>
       </a:accent1>
       <a:accent2>
-        <a:srgbClr val="ED7D31"/>
+        <a:srgbClr val="58B6C0"/>
       </a:accent2>
       <a:accent3>
-        <a:srgbClr val="A5A5A5"/>
+        <a:srgbClr val="75BDA7"/>
       </a:accent3>
       <a:accent4>
-        <a:srgbClr val="FFC000"/>
+        <a:srgbClr val="7A8C8E"/>
       </a:accent4>
       <a:accent5>
-        <a:srgbClr val="5B9BD5"/>
+        <a:srgbClr val="84ACB6"/>
       </a:accent5>
       <a:accent6>
-        <a:srgbClr val="70AD47"/>
+        <a:srgbClr val="2683C6"/>
       </a:accent6>
       <a:hlink>
-        <a:srgbClr val="0563C1"/>
+        <a:srgbClr val="6B9F25"/>
       </a:hlink>
       <a:folHlink>
-        <a:srgbClr val="954F72"/>
+        <a:srgbClr val="9F6715"/>
       </a:folHlink>
     </a:clrScheme>
-    <a:fontScheme name="Office">
+    <a:fontScheme name="Facet">
       <a:majorFont>
-        <a:latin typeface="Calibri Light" panose="020F0302020204030204"/>
+        <a:latin typeface="Trebuchet MS" panose="020B0603020202020204"/>
         <a:ea typeface=""/>
         <a:cs typeface=""/>
-        <a:font script="Jpan" typeface="游ゴシック Light"/>
+        <a:font script="Jpan" typeface="メイリオ"/>
         <a:font script="Hang" typeface="맑은 고딕"/>
-        <a:font script="Hans" typeface="等线 Light"/>
-        <a:font script="Hant" typeface="新細明體"/>
-        <a:font script="Arab" typeface="Times New Roman"/>
-        <a:font script="Hebr" typeface="Times New Roman"/>
-        <a:font script="Thai" typeface="Angsana New"/>
+        <a:font script="Hans" typeface="方正姚体"/>
+        <a:font script="Hant" typeface="微軟正黑體"/>
+        <a:font script="Arab" typeface="Tahoma"/>
+        <a:font script="Hebr" typeface="Arial"/>
+        <a:font script="Thai" typeface="Cordia New"/>
         <a:font script="Ethi" typeface="Nyala"/>
         <a:font script="Beng" typeface="Vrinda"/>
         <a:font script="Gujr" typeface="Shruti"/>
-        <a:font script="Khmr" typeface="MoolBoran"/>
+        <a:font script="Khmr" typeface="DaunPenh"/>
         <a:font script="Knda" typeface="Tunga"/>
         <a:font script="Guru" typeface="Raavi"/>
         <a:font script="Cans" typeface="Euphemia"/>
@@ -3428,38 +8037,21 @@
         <a:font script="Laoo" typeface="DokChampa"/>
         <a:font script="Sinh" typeface="Iskoola Pota"/>
         <a:font script="Mong" typeface="Mongolian Baiti"/>
-        <a:font script="Viet" typeface="Times New Roman"/>
+        <a:font script="Viet" typeface="Tahoma"/>
         <a:font script="Uigh" typeface="Microsoft Uighur"/>
         <a:font script="Geor" typeface="Sylfaen"/>
-        <a:font script="Armn" typeface="Arial"/>
-        <a:font script="Bugi" typeface="Leelawadee UI"/>
-        <a:font script="Bopo" typeface="Microsoft JhengHei"/>
-        <a:font script="Java" typeface="Javanese Text"/>
-        <a:font script="Lisu" typeface="Segoe UI"/>
-        <a:font script="Mymr" typeface="Myanmar Text"/>
-        <a:font script="Nkoo" typeface="Ebrima"/>
-        <a:font script="Olck" typeface="Nirmala UI"/>
-        <a:font script="Osma" typeface="Ebrima"/>
-        <a:font script="Phag" typeface="Phagspa"/>
-        <a:font script="Syrn" typeface="Estrangelo Edessa"/>
-        <a:font script="Syrj" typeface="Estrangelo Edessa"/>
-        <a:font script="Syre" typeface="Estrangelo Edessa"/>
-        <a:font script="Sora" typeface="Nirmala UI"/>
-        <a:font script="Tale" typeface="Microsoft Tai Le"/>
-        <a:font script="Talu" typeface="Microsoft New Tai Lue"/>
-        <a:font script="Tfng" typeface="Ebrima"/>
       </a:majorFont>
       <a:minorFont>
-        <a:latin typeface="Calibri" panose="020F0502020204030204"/>
+        <a:latin typeface="Trebuchet MS" panose="020B0603020202020204"/>
         <a:ea typeface=""/>
         <a:cs typeface=""/>
-        <a:font script="Jpan" typeface="游ゴシック"/>
-        <a:font script="Hang" typeface="맑은 고딕"/>
-        <a:font script="Hans" typeface="等线"/>
-        <a:font script="Hant" typeface="新細明體"/>
-        <a:font script="Arab" typeface="Arial"/>
-        <a:font script="Hebr" typeface="Arial"/>
-        <a:font script="Thai" typeface="Cordia New"/>
+        <a:font script="Jpan" typeface="メイリオ"/>
+        <a:font script="Hang" typeface="HY그래픽M"/>
+        <a:font script="Hans" typeface="华文新魏"/>
+        <a:font script="Hant" typeface="微軟正黑體"/>
+        <a:font script="Arab" typeface="Tahoma"/>
+        <a:font script="Hebr" typeface="Gisha"/>
+        <a:font script="Thai" typeface="IrisUPC"/>
         <a:font script="Ethi" typeface="Nyala"/>
         <a:font script="Beng" typeface="Vrinda"/>
         <a:font script="Gujr" typeface="Shruti"/>
@@ -3483,26 +8075,9 @@
         <a:font script="Viet" typeface="Arial"/>
         <a:font script="Uigh" typeface="Microsoft Uighur"/>
         <a:font script="Geor" typeface="Sylfaen"/>
-        <a:font script="Armn" typeface="Arial"/>
-        <a:font script="Bugi" typeface="Leelawadee UI"/>
-        <a:font script="Bopo" typeface="Microsoft JhengHei"/>
-        <a:font script="Java" typeface="Javanese Text"/>
-        <a:font script="Lisu" typeface="Segoe UI"/>
-        <a:font script="Mymr" typeface="Myanmar Text"/>
-        <a:font script="Nkoo" typeface="Ebrima"/>
-        <a:font script="Olck" typeface="Nirmala UI"/>
-        <a:font script="Osma" typeface="Ebrima"/>
-        <a:font script="Phag" typeface="Phagspa"/>
-        <a:font script="Syrn" typeface="Estrangelo Edessa"/>
-        <a:font script="Syrj" typeface="Estrangelo Edessa"/>
-        <a:font script="Syre" typeface="Estrangelo Edessa"/>
-        <a:font script="Sora" typeface="Nirmala UI"/>
-        <a:font script="Tale" typeface="Microsoft Tai Le"/>
-        <a:font script="Talu" typeface="Microsoft New Tai Lue"/>
-        <a:font script="Tfng" typeface="Ebrima"/>
       </a:minorFont>
     </a:fontScheme>
-    <a:fmtScheme name="Office">
+    <a:fmtScheme name="Facet">
       <a:fillStyleLst>
         <a:solidFill>
           <a:schemeClr val="phClr"/>
@@ -3511,23 +8086,13 @@
           <a:gsLst>
             <a:gs pos="0">
               <a:schemeClr val="phClr">
+                <a:tint val="65000"/>
                 <a:lumMod val="110000"/>
-                <a:satMod val="105000"/>
-                <a:tint val="67000"/>
               </a:schemeClr>
             </a:gs>
-            <a:gs pos="50000">
+            <a:gs pos="88000">
               <a:schemeClr val="phClr">
-                <a:lumMod val="105000"/>
-                <a:satMod val="103000"/>
-                <a:tint val="73000"/>
-              </a:schemeClr>
-            </a:gs>
-            <a:gs pos="100000">
-              <a:schemeClr val="phClr">
-                <a:lumMod val="105000"/>
-                <a:satMod val="109000"/>
-                <a:tint val="81000"/>
+                <a:tint val="90000"/>
               </a:schemeClr>
             </a:gs>
           </a:gsLst>
@@ -3537,23 +8102,14 @@
           <a:gsLst>
             <a:gs pos="0">
               <a:schemeClr val="phClr">
-                <a:satMod val="103000"/>
-                <a:lumMod val="102000"/>
-                <a:tint val="94000"/>
+                <a:tint val="96000"/>
+                <a:lumMod val="100000"/>
               </a:schemeClr>
             </a:gs>
-            <a:gs pos="50000">
+            <a:gs pos="78000">
               <a:schemeClr val="phClr">
-                <a:satMod val="110000"/>
-                <a:lumMod val="100000"/>
-                <a:shade val="100000"/>
-              </a:schemeClr>
-            </a:gs>
-            <a:gs pos="100000">
-              <a:schemeClr val="phClr">
-                <a:lumMod val="99000"/>
-                <a:satMod val="120000"/>
-                <a:shade val="78000"/>
+                <a:shade val="94000"/>
+                <a:lumMod val="94000"/>
               </a:schemeClr>
             </a:gs>
           </a:gsLst>
@@ -3561,26 +8117,23 @@
         </a:gradFill>
       </a:fillStyleLst>
       <a:lnStyleLst>
-        <a:ln w="6350" cap="flat" cmpd="sng" algn="ctr">
+        <a:ln w="12700" cap="rnd" cmpd="sng" algn="ctr">
           <a:solidFill>
             <a:schemeClr val="phClr"/>
           </a:solidFill>
           <a:prstDash val="solid"/>
-          <a:miter lim="800000"/>
         </a:ln>
-        <a:ln w="12700" cap="flat" cmpd="sng" algn="ctr">
+        <a:ln w="19050" cap="rnd" cmpd="sng" algn="ctr">
           <a:solidFill>
             <a:schemeClr val="phClr"/>
           </a:solidFill>
           <a:prstDash val="solid"/>
-          <a:miter lim="800000"/>
         </a:ln>
-        <a:ln w="19050" cap="flat" cmpd="sng" algn="ctr">
+        <a:ln w="25400" cap="rnd" cmpd="sng" algn="ctr">
           <a:solidFill>
             <a:schemeClr val="phClr"/>
           </a:solidFill>
           <a:prstDash val="solid"/>
-          <a:miter lim="800000"/>
         </a:ln>
       </a:lnStyleLst>
       <a:effectStyleLst>
@@ -3588,54 +8141,72 @@
           <a:effectLst/>
         </a:effectStyle>
         <a:effectStyle>
-          <a:effectLst/>
+          <a:effectLst>
+            <a:outerShdw blurRad="38100" dist="25400" dir="5400000" rotWithShape="0">
+              <a:srgbClr val="000000">
+                <a:alpha val="35000"/>
+              </a:srgbClr>
+            </a:outerShdw>
+          </a:effectLst>
         </a:effectStyle>
         <a:effectStyle>
           <a:effectLst>
-            <a:outerShdw blurRad="57150" dist="19050" dir="5400000" algn="ctr" rotWithShape="0">
+            <a:outerShdw blurRad="50800" dist="38100" dir="5400000" rotWithShape="0">
               <a:srgbClr val="000000">
-                <a:alpha val="63000"/>
+                <a:alpha val="35000"/>
               </a:srgbClr>
             </a:outerShdw>
           </a:effectLst>
+          <a:scene3d>
+            <a:camera prst="orthographicFront">
+              <a:rot lat="0" lon="0" rev="0"/>
+            </a:camera>
+            <a:lightRig rig="threePt" dir="tl"/>
+          </a:scene3d>
+          <a:sp3d prstMaterial="plastic">
+            <a:bevelT w="0" h="0"/>
+          </a:sp3d>
         </a:effectStyle>
       </a:effectStyleLst>
       <a:bgFillStyleLst>
         <a:solidFill>
           <a:schemeClr val="phClr"/>
         </a:solidFill>
-        <a:solidFill>
-          <a:schemeClr val="phClr">
-            <a:tint val="95000"/>
-            <a:satMod val="170000"/>
-          </a:schemeClr>
-        </a:solidFill>
         <a:gradFill rotWithShape="1">
           <a:gsLst>
             <a:gs pos="0">
               <a:schemeClr val="phClr">
-                <a:tint val="93000"/>
-                <a:satMod val="150000"/>
-                <a:shade val="98000"/>
-                <a:lumMod val="102000"/>
+                <a:tint val="90000"/>
+                <a:lumMod val="104000"/>
               </a:schemeClr>
             </a:gs>
-            <a:gs pos="50000">
+            <a:gs pos="94000">
               <a:schemeClr val="phClr">
-                <a:tint val="98000"/>
-                <a:satMod val="130000"/>
-                <a:shade val="90000"/>
-                <a:lumMod val="103000"/>
+                <a:shade val="96000"/>
+                <a:lumMod val="82000"/>
+              </a:schemeClr>
+            </a:gs>
+          </a:gsLst>
+          <a:lin ang="5400000" scaled="0"/>
+        </a:gradFill>
+        <a:gradFill rotWithShape="1">
+          <a:gsLst>
+            <a:gs pos="0">
+              <a:schemeClr val="phClr">
+                <a:tint val="90000"/>
+                <a:lumMod val="110000"/>
               </a:schemeClr>
             </a:gs>
             <a:gs pos="100000">
               <a:schemeClr val="phClr">
-                <a:shade val="63000"/>
-                <a:satMod val="120000"/>
+                <a:shade val="94000"/>
+                <a:lumMod val="96000"/>
               </a:schemeClr>
             </a:gs>
           </a:gsLst>
-          <a:lin ang="5400000" scaled="0"/>
+          <a:path path="circle">
+            <a:fillToRect l="50000" t="50000" r="100000" b="100000"/>
+          </a:path>
         </a:gradFill>
       </a:bgFillStyleLst>
     </a:fmtScheme>
@@ -3644,8 +8215,51 @@
   <a:extraClrSchemeLst/>
   <a:extLst>
     <a:ext uri="{05A4C25C-085E-4340-85A3-A5531E510DB2}">
-      <thm15:themeFamily xmlns:thm15="http://schemas.microsoft.com/office/thememl/2012/main" name="Office Theme" id="{62F939B6-93AF-4DB8-9C6B-D6C7DFDC589F}" vid="{4A3C46E8-61CC-4603-A589-7422A47A8E4A}"/>
+      <thm15:themeFamily xmlns:thm15="http://schemas.microsoft.com/office/thememl/2012/main" name="Facet" id="{C0C680CD-088A-49FC-A102-D699147F32B2}" vid="{CFBC31BA-B70F-4F30-BCAA-4F3011E16C4D}"/>
     </a:ext>
   </a:extLst>
 </a:theme>
+</file>
+
+<file path=ppt/theme/themeOverride1.xml><?xml version="1.0" encoding="utf-8"?>
+<a:themeOverride xmlns:a="http://schemas.openxmlformats.org/drawingml/2006/main">
+  <a:clrScheme name="Blue Green">
+    <a:dk1>
+      <a:sysClr val="windowText" lastClr="000000"/>
+    </a:dk1>
+    <a:lt1>
+      <a:sysClr val="window" lastClr="FFFFFF"/>
+    </a:lt1>
+    <a:dk2>
+      <a:srgbClr val="373545"/>
+    </a:dk2>
+    <a:lt2>
+      <a:srgbClr val="CEDBE6"/>
+    </a:lt2>
+    <a:accent1>
+      <a:srgbClr val="3494BA"/>
+    </a:accent1>
+    <a:accent2>
+      <a:srgbClr val="58B6C0"/>
+    </a:accent2>
+    <a:accent3>
+      <a:srgbClr val="75BDA7"/>
+    </a:accent3>
+    <a:accent4>
+      <a:srgbClr val="7A8C8E"/>
+    </a:accent4>
+    <a:accent5>
+      <a:srgbClr val="84ACB6"/>
+    </a:accent5>
+    <a:accent6>
+      <a:srgbClr val="2683C6"/>
+    </a:accent6>
+    <a:hlink>
+      <a:srgbClr val="6B9F25"/>
+    </a:hlink>
+    <a:folHlink>
+      <a:srgbClr val="9F6715"/>
+    </a:folHlink>
+  </a:clrScheme>
+</a:themeOverride>
 </file>
--- a/Docs/ProjectPresentation.pptx
+++ b/Docs/ProjectPresentation.pptx
@@ -5,7 +5,7 @@
     <p:sldMasterId id="2147483694" r:id="rId1"/>
   </p:sldMasterIdLst>
   <p:notesMasterIdLst>
-    <p:notesMasterId r:id="rId18"/>
+    <p:notesMasterId r:id="rId19"/>
   </p:notesMasterIdLst>
   <p:sldIdLst>
     <p:sldId id="256" r:id="rId2"/>
@@ -16,14 +16,15 @@
     <p:sldId id="263" r:id="rId7"/>
     <p:sldId id="264" r:id="rId8"/>
     <p:sldId id="265" r:id="rId9"/>
-    <p:sldId id="266" r:id="rId10"/>
-    <p:sldId id="269" r:id="rId11"/>
-    <p:sldId id="270" r:id="rId12"/>
-    <p:sldId id="267" r:id="rId13"/>
-    <p:sldId id="268" r:id="rId14"/>
-    <p:sldId id="271" r:id="rId15"/>
-    <p:sldId id="272" r:id="rId16"/>
-    <p:sldId id="273" r:id="rId17"/>
+    <p:sldId id="274" r:id="rId10"/>
+    <p:sldId id="266" r:id="rId11"/>
+    <p:sldId id="269" r:id="rId12"/>
+    <p:sldId id="270" r:id="rId13"/>
+    <p:sldId id="267" r:id="rId14"/>
+    <p:sldId id="268" r:id="rId15"/>
+    <p:sldId id="271" r:id="rId16"/>
+    <p:sldId id="272" r:id="rId17"/>
+    <p:sldId id="273" r:id="rId18"/>
   </p:sldIdLst>
   <p:sldSz cx="12192000" cy="6858000"/>
   <p:notesSz cx="6858000" cy="9144000"/>
@@ -147,6 +148,7 @@
           <p14:sldIdLst>
             <p14:sldId id="264"/>
             <p14:sldId id="265"/>
+            <p14:sldId id="274"/>
           </p14:sldIdLst>
         </p14:section>
         <p14:section name="תוצאות ומסקנות" id="{70B0E5A5-3957-45CC-8CF0-03E0FB0F93C7}">
@@ -168,6 +170,12 @@
     </p:ext>
   </p:extLst>
 </p:presentation>
+</file>
+
+<file path=ppt/authors.xml><?xml version="1.0" encoding="utf-8"?>
+<p188:authorLst xmlns:a="http://schemas.openxmlformats.org/drawingml/2006/main" xmlns:r="http://schemas.openxmlformats.org/officeDocument/2006/relationships" xmlns:p188="http://schemas.microsoft.com/office/powerpoint/2018/8/main">
+  <p188:author id="{F37E48C0-5ABD-530F-5A45-3F259E8274F4}" name="עפרוני תומר" initials="עת" userId="עפרוני תומר" providerId="None"/>
+</p188:authorLst>
 </file>
 
 <file path=ppt/charts/chart1.xml><?xml version="1.0" encoding="utf-8"?>
@@ -2812,7 +2820,7 @@
           <a:p>
             <a:fld id="{11205BC0-9DE1-49B5-A64C-1FBCD9FC7A76}" type="datetimeFigureOut">
               <a:rPr lang="he-IL" smtClean="0"/>
-              <a:t>כ"ז/תשרי/תשפ"ג</a:t>
+              <a:t>כ"ח/תשרי/תשפ"ג</a:t>
             </a:fld>
             <a:endParaRPr lang="he-IL"/>
           </a:p>
@@ -3124,7 +3132,11 @@
           <a:bodyPr/>
           <a:lstStyle/>
           <a:p>
-            <a:endParaRPr lang="he-IL" dirty="0"/>
+            <a:pPr algn="r" rtl="1"/>
+            <a:r>
+              <a:rPr lang="he-IL" dirty="0"/>
+              <a:t>תומר</a:t>
+            </a:r>
           </a:p>
         </p:txBody>
       </p:sp>
@@ -3145,7 +3157,7 @@
           <a:p>
             <a:fld id="{2C84AF58-CE63-4B5A-9F11-A1F672E0EB8C}" type="slidenum">
               <a:rPr lang="he-IL" smtClean="0"/>
-              <a:t>7</a:t>
+              <a:t>1</a:t>
             </a:fld>
             <a:endParaRPr lang="he-IL"/>
           </a:p>
@@ -3154,7 +3166,976 @@
     </p:spTree>
     <p:extLst>
       <p:ext uri="{BB962C8B-B14F-4D97-AF65-F5344CB8AC3E}">
-        <p14:creationId xmlns:p14="http://schemas.microsoft.com/office/powerpoint/2010/main" val="2733752479"/>
+        <p14:creationId xmlns:p14="http://schemas.microsoft.com/office/powerpoint/2010/main" val="3916867246"/>
+      </p:ext>
+    </p:extLst>
+  </p:cSld>
+  <p:clrMapOvr>
+    <a:masterClrMapping/>
+  </p:clrMapOvr>
+</p:notes>
+</file>
+
+<file path=ppt/notesSlides/notesSlide10.xml><?xml version="1.0" encoding="utf-8"?>
+<p:notes xmlns:a="http://schemas.openxmlformats.org/drawingml/2006/main" xmlns:r="http://schemas.openxmlformats.org/officeDocument/2006/relationships" xmlns:p="http://schemas.openxmlformats.org/presentationml/2006/main">
+  <p:cSld>
+    <p:spTree>
+      <p:nvGrpSpPr>
+        <p:cNvPr id="1" name=""/>
+        <p:cNvGrpSpPr/>
+        <p:nvPr/>
+      </p:nvGrpSpPr>
+      <p:grpSpPr>
+        <a:xfrm>
+          <a:off x="0" y="0"/>
+          <a:ext cx="0" cy="0"/>
+          <a:chOff x="0" y="0"/>
+          <a:chExt cx="0" cy="0"/>
+        </a:xfrm>
+      </p:grpSpPr>
+      <p:sp>
+        <p:nvSpPr>
+          <p:cNvPr id="2" name="Slide Image Placeholder 1"/>
+          <p:cNvSpPr>
+            <a:spLocks noGrp="1" noRot="1" noChangeAspect="1"/>
+          </p:cNvSpPr>
+          <p:nvPr>
+            <p:ph type="sldImg"/>
+          </p:nvPr>
+        </p:nvSpPr>
+        <p:spPr/>
+      </p:sp>
+      <p:sp>
+        <p:nvSpPr>
+          <p:cNvPr id="3" name="Notes Placeholder 2"/>
+          <p:cNvSpPr>
+            <a:spLocks noGrp="1"/>
+          </p:cNvSpPr>
+          <p:nvPr>
+            <p:ph type="body" idx="1"/>
+          </p:nvPr>
+        </p:nvSpPr>
+        <p:spPr/>
+        <p:txBody>
+          <a:bodyPr/>
+          <a:lstStyle/>
+          <a:p>
+            <a:pPr marL="285750" marR="0" lvl="0" indent="-285750" algn="r" defTabSz="914400" rtl="1" eaLnBrk="1" fontAlgn="auto" latinLnBrk="0" hangingPunct="1">
+              <a:lnSpc>
+                <a:spcPct val="100000"/>
+              </a:lnSpc>
+              <a:spcBef>
+                <a:spcPts val="0"/>
+              </a:spcBef>
+              <a:spcAft>
+                <a:spcPts val="0"/>
+              </a:spcAft>
+              <a:buClrTx/>
+              <a:buSzTx/>
+              <a:buFont typeface="Arial" panose="020B0604020202020204" pitchFamily="34" charset="0"/>
+              <a:buChar char="•"/>
+              <a:tabLst/>
+              <a:defRPr/>
+            </a:pPr>
+            <a:r>
+              <a:rPr lang="he-IL" sz="1400" dirty="0">
+                <a:solidFill>
+                  <a:schemeClr val="tx1"/>
+                </a:solidFill>
+              </a:rPr>
+              <a:t>עדן</a:t>
+            </a:r>
+            <a:endParaRPr lang="en-US" sz="1400" dirty="0">
+              <a:solidFill>
+                <a:schemeClr val="tx1"/>
+              </a:solidFill>
+            </a:endParaRPr>
+          </a:p>
+          <a:p>
+            <a:pPr marL="285750" marR="0" lvl="0" indent="-285750" algn="r" defTabSz="914400" rtl="1" eaLnBrk="1" fontAlgn="auto" latinLnBrk="0" hangingPunct="1">
+              <a:lnSpc>
+                <a:spcPct val="100000"/>
+              </a:lnSpc>
+              <a:spcBef>
+                <a:spcPts val="0"/>
+              </a:spcBef>
+              <a:spcAft>
+                <a:spcPts val="0"/>
+              </a:spcAft>
+              <a:buClrTx/>
+              <a:buSzTx/>
+              <a:buFont typeface="Arial" panose="020B0604020202020204" pitchFamily="34" charset="0"/>
+              <a:buChar char="•"/>
+              <a:tabLst/>
+              <a:defRPr/>
+            </a:pPr>
+            <a:r>
+              <a:rPr lang="en-US" sz="1400" dirty="0">
+                <a:solidFill>
+                  <a:schemeClr val="tx1"/>
+                </a:solidFill>
+              </a:rPr>
+              <a:t>GNB</a:t>
+            </a:r>
+            <a:r>
+              <a:rPr lang="he-IL" sz="1400" dirty="0">
+                <a:solidFill>
+                  <a:schemeClr val="tx1"/>
+                </a:solidFill>
+              </a:rPr>
+              <a:t> – עבור </a:t>
+            </a:r>
+            <a:r>
+              <a:rPr lang="en-US" sz="1400" dirty="0">
+                <a:solidFill>
+                  <a:schemeClr val="tx1"/>
+                </a:solidFill>
+              </a:rPr>
+              <a:t>K</a:t>
+            </a:r>
+            <a:r>
+              <a:rPr lang="he-IL" sz="1400" dirty="0">
+                <a:solidFill>
+                  <a:schemeClr val="tx1"/>
+                </a:solidFill>
+              </a:rPr>
+              <a:t> נמוך הצלחנו לקבל אחוזי דיוק גבוהים.</a:t>
+            </a:r>
+          </a:p>
+          <a:p>
+            <a:pPr marL="285750" marR="0" lvl="0" indent="-285750" algn="r" defTabSz="914400" rtl="1" eaLnBrk="1" fontAlgn="auto" latinLnBrk="0" hangingPunct="1">
+              <a:lnSpc>
+                <a:spcPct val="100000"/>
+              </a:lnSpc>
+              <a:spcBef>
+                <a:spcPts val="0"/>
+              </a:spcBef>
+              <a:spcAft>
+                <a:spcPts val="0"/>
+              </a:spcAft>
+              <a:buClrTx/>
+              <a:buSzTx/>
+              <a:buFont typeface="Arial" panose="020B0604020202020204" pitchFamily="34" charset="0"/>
+              <a:buChar char="•"/>
+              <a:tabLst/>
+              <a:defRPr/>
+            </a:pPr>
+            <a:r>
+              <a:rPr lang="en-US" sz="1400" kern="1100" dirty="0">
+                <a:solidFill>
+                  <a:schemeClr val="tx1"/>
+                </a:solidFill>
+                <a:effectLst/>
+                <a:highlight>
+                  <a:srgbClr val="FFFF00"/>
+                </a:highlight>
+                <a:latin typeface="Tahoma" panose="020B0604030504040204" pitchFamily="34" charset="0"/>
+                <a:ea typeface="Times New Roman" panose="02020603050405020304" pitchFamily="18" charset="0"/>
+                <a:cs typeface="Arial" panose="020B0604020202020204" pitchFamily="34" charset="0"/>
+              </a:rPr>
+              <a:t>Curse of Dimensionality</a:t>
+            </a:r>
+            <a:r>
+              <a:rPr lang="he-IL" sz="1400" kern="1100" dirty="0">
+                <a:solidFill>
+                  <a:schemeClr val="tx1"/>
+                </a:solidFill>
+                <a:effectLst/>
+                <a:highlight>
+                  <a:srgbClr val="FFFF00"/>
+                </a:highlight>
+                <a:latin typeface="Calibri" panose="020F0502020204030204" pitchFamily="34" charset="0"/>
+                <a:ea typeface="Times New Roman" panose="02020603050405020304" pitchFamily="18" charset="0"/>
+                <a:cs typeface="Tahoma" panose="020B0604030504040204" pitchFamily="34" charset="0"/>
+              </a:rPr>
+              <a:t> - מספר הדוגמאות שצריך על מנת שתהיה יכולת להעריך פונקציה שרירותית מסוימת בדיוק גבוה, גדל בצורה </a:t>
+            </a:r>
+            <a:r>
+              <a:rPr lang="he-IL" sz="1400" kern="1100" dirty="0" err="1">
+                <a:solidFill>
+                  <a:schemeClr val="tx1"/>
+                </a:solidFill>
+                <a:effectLst/>
+                <a:highlight>
+                  <a:srgbClr val="FFFF00"/>
+                </a:highlight>
+                <a:latin typeface="Calibri" panose="020F0502020204030204" pitchFamily="34" charset="0"/>
+                <a:ea typeface="Times New Roman" panose="02020603050405020304" pitchFamily="18" charset="0"/>
+                <a:cs typeface="Tahoma" panose="020B0604030504040204" pitchFamily="34" charset="0"/>
+              </a:rPr>
+              <a:t>אקספוננציאלית</a:t>
+            </a:r>
+            <a:r>
+              <a:rPr lang="he-IL" sz="1400" kern="1100" dirty="0">
+                <a:solidFill>
+                  <a:schemeClr val="tx1"/>
+                </a:solidFill>
+                <a:effectLst/>
+                <a:highlight>
+                  <a:srgbClr val="FFFF00"/>
+                </a:highlight>
+                <a:latin typeface="Calibri" panose="020F0502020204030204" pitchFamily="34" charset="0"/>
+                <a:ea typeface="Times New Roman" panose="02020603050405020304" pitchFamily="18" charset="0"/>
+                <a:cs typeface="Tahoma" panose="020B0604030504040204" pitchFamily="34" charset="0"/>
+              </a:rPr>
+              <a:t> ביחס למספר </a:t>
+            </a:r>
+            <a:r>
+              <a:rPr lang="he-IL" sz="1400" kern="1100" dirty="0" err="1">
+                <a:solidFill>
+                  <a:schemeClr val="tx1"/>
+                </a:solidFill>
+                <a:effectLst/>
+                <a:highlight>
+                  <a:srgbClr val="FFFF00"/>
+                </a:highlight>
+                <a:latin typeface="Calibri" panose="020F0502020204030204" pitchFamily="34" charset="0"/>
+                <a:ea typeface="Times New Roman" panose="02020603050405020304" pitchFamily="18" charset="0"/>
+                <a:cs typeface="Tahoma" panose="020B0604030504040204" pitchFamily="34" charset="0"/>
+              </a:rPr>
+              <a:t>הקלטים</a:t>
+            </a:r>
+            <a:r>
+              <a:rPr lang="he-IL" sz="1400" kern="1100" dirty="0">
+                <a:solidFill>
+                  <a:schemeClr val="tx1"/>
+                </a:solidFill>
+                <a:effectLst/>
+                <a:highlight>
+                  <a:srgbClr val="FFFF00"/>
+                </a:highlight>
+                <a:latin typeface="Calibri" panose="020F0502020204030204" pitchFamily="34" charset="0"/>
+                <a:ea typeface="Times New Roman" panose="02020603050405020304" pitchFamily="18" charset="0"/>
+                <a:cs typeface="Tahoma" panose="020B0604030504040204" pitchFamily="34" charset="0"/>
+              </a:rPr>
+              <a:t> אשר אותה פונקציה מקבלת.</a:t>
+            </a:r>
+            <a:endParaRPr lang="he-IL" sz="1400" kern="1100" dirty="0">
+              <a:solidFill>
+                <a:schemeClr val="tx1"/>
+              </a:solidFill>
+              <a:effectLst/>
+              <a:latin typeface="Tahoma" panose="020B0604030504040204" pitchFamily="34" charset="0"/>
+              <a:ea typeface="Times New Roman" panose="02020603050405020304" pitchFamily="18" charset="0"/>
+            </a:endParaRPr>
+          </a:p>
+          <a:p>
+            <a:pPr marL="285750" indent="-285750" algn="r" rtl="1">
+              <a:buFont typeface="Arial" panose="020B0604020202020204" pitchFamily="34" charset="0"/>
+              <a:buChar char="•"/>
+            </a:pPr>
+            <a:r>
+              <a:rPr lang="en-US" sz="1400" kern="1100" dirty="0">
+                <a:solidFill>
+                  <a:schemeClr val="tx1"/>
+                </a:solidFill>
+                <a:effectLst/>
+                <a:latin typeface="Tahoma" panose="020B0604030504040204" pitchFamily="34" charset="0"/>
+                <a:ea typeface="Times New Roman" panose="02020603050405020304" pitchFamily="18" charset="0"/>
+              </a:rPr>
+              <a:t>Variable Collinear</a:t>
+            </a:r>
+            <a:r>
+              <a:rPr lang="he-IL" sz="1400" kern="1100" dirty="0">
+                <a:solidFill>
+                  <a:schemeClr val="tx1"/>
+                </a:solidFill>
+                <a:effectLst/>
+                <a:latin typeface="Tahoma" panose="020B0604030504040204" pitchFamily="34" charset="0"/>
+                <a:ea typeface="Times New Roman" panose="02020603050405020304" pitchFamily="18" charset="0"/>
+              </a:rPr>
+              <a:t> - אשר מתרחשת כתוצאה מקורלציה חזקה מאוד בין שני משתנים שונים המקשה מאוד לבצע הערכה/סיווג על כל אחד מהם בנפרד. </a:t>
+            </a:r>
+          </a:p>
+          <a:p>
+            <a:pPr marL="0" indent="0" algn="r" rtl="1">
+              <a:buFont typeface="Arial" panose="020B0604020202020204" pitchFamily="34" charset="0"/>
+              <a:buNone/>
+            </a:pPr>
+            <a:endParaRPr lang="he-IL" dirty="0"/>
+          </a:p>
+        </p:txBody>
+      </p:sp>
+      <p:sp>
+        <p:nvSpPr>
+          <p:cNvPr id="4" name="Slide Number Placeholder 3"/>
+          <p:cNvSpPr>
+            <a:spLocks noGrp="1"/>
+          </p:cNvSpPr>
+          <p:nvPr>
+            <p:ph type="sldNum" sz="quarter" idx="5"/>
+          </p:nvPr>
+        </p:nvSpPr>
+        <p:spPr/>
+        <p:txBody>
+          <a:bodyPr/>
+          <a:lstStyle/>
+          <a:p>
+            <a:fld id="{2C84AF58-CE63-4B5A-9F11-A1F672E0EB8C}" type="slidenum">
+              <a:rPr lang="he-IL" smtClean="0"/>
+              <a:t>10</a:t>
+            </a:fld>
+            <a:endParaRPr lang="he-IL"/>
+          </a:p>
+        </p:txBody>
+      </p:sp>
+    </p:spTree>
+    <p:extLst>
+      <p:ext uri="{BB962C8B-B14F-4D97-AF65-F5344CB8AC3E}">
+        <p14:creationId xmlns:p14="http://schemas.microsoft.com/office/powerpoint/2010/main" val="2432282623"/>
+      </p:ext>
+    </p:extLst>
+  </p:cSld>
+  <p:clrMapOvr>
+    <a:masterClrMapping/>
+  </p:clrMapOvr>
+</p:notes>
+</file>
+
+<file path=ppt/notesSlides/notesSlide11.xml><?xml version="1.0" encoding="utf-8"?>
+<p:notes xmlns:a="http://schemas.openxmlformats.org/drawingml/2006/main" xmlns:r="http://schemas.openxmlformats.org/officeDocument/2006/relationships" xmlns:p="http://schemas.openxmlformats.org/presentationml/2006/main">
+  <p:cSld>
+    <p:spTree>
+      <p:nvGrpSpPr>
+        <p:cNvPr id="1" name=""/>
+        <p:cNvGrpSpPr/>
+        <p:nvPr/>
+      </p:nvGrpSpPr>
+      <p:grpSpPr>
+        <a:xfrm>
+          <a:off x="0" y="0"/>
+          <a:ext cx="0" cy="0"/>
+          <a:chOff x="0" y="0"/>
+          <a:chExt cx="0" cy="0"/>
+        </a:xfrm>
+      </p:grpSpPr>
+      <p:sp>
+        <p:nvSpPr>
+          <p:cNvPr id="2" name="Slide Image Placeholder 1"/>
+          <p:cNvSpPr>
+            <a:spLocks noGrp="1" noRot="1" noChangeAspect="1"/>
+          </p:cNvSpPr>
+          <p:nvPr>
+            <p:ph type="sldImg"/>
+          </p:nvPr>
+        </p:nvSpPr>
+        <p:spPr/>
+      </p:sp>
+      <p:sp>
+        <p:nvSpPr>
+          <p:cNvPr id="3" name="Notes Placeholder 2"/>
+          <p:cNvSpPr>
+            <a:spLocks noGrp="1"/>
+          </p:cNvSpPr>
+          <p:nvPr>
+            <p:ph type="body" idx="1"/>
+          </p:nvPr>
+        </p:nvSpPr>
+        <p:spPr/>
+        <p:txBody>
+          <a:bodyPr/>
+          <a:lstStyle/>
+          <a:p>
+            <a:pPr algn="r" rtl="1"/>
+            <a:r>
+              <a:rPr lang="he-IL" dirty="0"/>
+              <a:t>עדן</a:t>
+            </a:r>
+          </a:p>
+        </p:txBody>
+      </p:sp>
+      <p:sp>
+        <p:nvSpPr>
+          <p:cNvPr id="4" name="Slide Number Placeholder 3"/>
+          <p:cNvSpPr>
+            <a:spLocks noGrp="1"/>
+          </p:cNvSpPr>
+          <p:nvPr>
+            <p:ph type="sldNum" sz="quarter" idx="5"/>
+          </p:nvPr>
+        </p:nvSpPr>
+        <p:spPr/>
+        <p:txBody>
+          <a:bodyPr/>
+          <a:lstStyle/>
+          <a:p>
+            <a:fld id="{2C84AF58-CE63-4B5A-9F11-A1F672E0EB8C}" type="slidenum">
+              <a:rPr lang="he-IL" smtClean="0"/>
+              <a:t>11</a:t>
+            </a:fld>
+            <a:endParaRPr lang="he-IL"/>
+          </a:p>
+        </p:txBody>
+      </p:sp>
+    </p:spTree>
+    <p:extLst>
+      <p:ext uri="{BB962C8B-B14F-4D97-AF65-F5344CB8AC3E}">
+        <p14:creationId xmlns:p14="http://schemas.microsoft.com/office/powerpoint/2010/main" val="1687415153"/>
+      </p:ext>
+    </p:extLst>
+  </p:cSld>
+  <p:clrMapOvr>
+    <a:masterClrMapping/>
+  </p:clrMapOvr>
+</p:notes>
+</file>
+
+<file path=ppt/notesSlides/notesSlide12.xml><?xml version="1.0" encoding="utf-8"?>
+<p:notes xmlns:a="http://schemas.openxmlformats.org/drawingml/2006/main" xmlns:r="http://schemas.openxmlformats.org/officeDocument/2006/relationships" xmlns:p="http://schemas.openxmlformats.org/presentationml/2006/main">
+  <p:cSld>
+    <p:spTree>
+      <p:nvGrpSpPr>
+        <p:cNvPr id="1" name=""/>
+        <p:cNvGrpSpPr/>
+        <p:nvPr/>
+      </p:nvGrpSpPr>
+      <p:grpSpPr>
+        <a:xfrm>
+          <a:off x="0" y="0"/>
+          <a:ext cx="0" cy="0"/>
+          <a:chOff x="0" y="0"/>
+          <a:chExt cx="0" cy="0"/>
+        </a:xfrm>
+      </p:grpSpPr>
+      <p:sp>
+        <p:nvSpPr>
+          <p:cNvPr id="2" name="Slide Image Placeholder 1"/>
+          <p:cNvSpPr>
+            <a:spLocks noGrp="1" noRot="1" noChangeAspect="1"/>
+          </p:cNvSpPr>
+          <p:nvPr>
+            <p:ph type="sldImg"/>
+          </p:nvPr>
+        </p:nvSpPr>
+        <p:spPr/>
+      </p:sp>
+      <p:sp>
+        <p:nvSpPr>
+          <p:cNvPr id="3" name="Notes Placeholder 2"/>
+          <p:cNvSpPr>
+            <a:spLocks noGrp="1"/>
+          </p:cNvSpPr>
+          <p:nvPr>
+            <p:ph type="body" idx="1"/>
+          </p:nvPr>
+        </p:nvSpPr>
+        <p:spPr/>
+        <p:txBody>
+          <a:bodyPr/>
+          <a:lstStyle/>
+          <a:p>
+            <a:pPr algn="r" rtl="1"/>
+            <a:r>
+              <a:rPr lang="he-IL" dirty="0"/>
+              <a:t>רועי</a:t>
+            </a:r>
+          </a:p>
+          <a:p>
+            <a:pPr marL="171450" indent="-171450" algn="r" rtl="1">
+              <a:buFont typeface="Arial" panose="020B0604020202020204" pitchFamily="34" charset="0"/>
+              <a:buChar char="•"/>
+            </a:pPr>
+            <a:endParaRPr lang="he-IL" dirty="0"/>
+          </a:p>
+        </p:txBody>
+      </p:sp>
+      <p:sp>
+        <p:nvSpPr>
+          <p:cNvPr id="4" name="Slide Number Placeholder 3"/>
+          <p:cNvSpPr>
+            <a:spLocks noGrp="1"/>
+          </p:cNvSpPr>
+          <p:nvPr>
+            <p:ph type="sldNum" sz="quarter" idx="5"/>
+          </p:nvPr>
+        </p:nvSpPr>
+        <p:spPr/>
+        <p:txBody>
+          <a:bodyPr/>
+          <a:lstStyle/>
+          <a:p>
+            <a:fld id="{2C84AF58-CE63-4B5A-9F11-A1F672E0EB8C}" type="slidenum">
+              <a:rPr lang="he-IL" smtClean="0"/>
+              <a:t>12</a:t>
+            </a:fld>
+            <a:endParaRPr lang="he-IL"/>
+          </a:p>
+        </p:txBody>
+      </p:sp>
+    </p:spTree>
+    <p:extLst>
+      <p:ext uri="{BB962C8B-B14F-4D97-AF65-F5344CB8AC3E}">
+        <p14:creationId xmlns:p14="http://schemas.microsoft.com/office/powerpoint/2010/main" val="3100562006"/>
+      </p:ext>
+    </p:extLst>
+  </p:cSld>
+  <p:clrMapOvr>
+    <a:masterClrMapping/>
+  </p:clrMapOvr>
+</p:notes>
+</file>
+
+<file path=ppt/notesSlides/notesSlide13.xml><?xml version="1.0" encoding="utf-8"?>
+<p:notes xmlns:a="http://schemas.openxmlformats.org/drawingml/2006/main" xmlns:r="http://schemas.openxmlformats.org/officeDocument/2006/relationships" xmlns:p="http://schemas.openxmlformats.org/presentationml/2006/main">
+  <p:cSld>
+    <p:spTree>
+      <p:nvGrpSpPr>
+        <p:cNvPr id="1" name=""/>
+        <p:cNvGrpSpPr/>
+        <p:nvPr/>
+      </p:nvGrpSpPr>
+      <p:grpSpPr>
+        <a:xfrm>
+          <a:off x="0" y="0"/>
+          <a:ext cx="0" cy="0"/>
+          <a:chOff x="0" y="0"/>
+          <a:chExt cx="0" cy="0"/>
+        </a:xfrm>
+      </p:grpSpPr>
+      <p:sp>
+        <p:nvSpPr>
+          <p:cNvPr id="2" name="Slide Image Placeholder 1"/>
+          <p:cNvSpPr>
+            <a:spLocks noGrp="1" noRot="1" noChangeAspect="1"/>
+          </p:cNvSpPr>
+          <p:nvPr>
+            <p:ph type="sldImg"/>
+          </p:nvPr>
+        </p:nvSpPr>
+        <p:spPr/>
+      </p:sp>
+      <p:sp>
+        <p:nvSpPr>
+          <p:cNvPr id="3" name="Notes Placeholder 2"/>
+          <p:cNvSpPr>
+            <a:spLocks noGrp="1"/>
+          </p:cNvSpPr>
+          <p:nvPr>
+            <p:ph type="body" idx="1"/>
+          </p:nvPr>
+        </p:nvSpPr>
+        <p:spPr/>
+        <p:txBody>
+          <a:bodyPr/>
+          <a:lstStyle/>
+          <a:p>
+            <a:pPr marL="0" indent="0" algn="r" rtl="1">
+              <a:buFont typeface="Arial" panose="020B0604020202020204" pitchFamily="34" charset="0"/>
+              <a:buNone/>
+            </a:pPr>
+            <a:r>
+              <a:rPr lang="he-IL" dirty="0"/>
+              <a:t>רועי</a:t>
+            </a:r>
+          </a:p>
+          <a:p>
+            <a:pPr marL="171450" indent="-171450" algn="r" rtl="1">
+              <a:buFont typeface="Arial" panose="020B0604020202020204" pitchFamily="34" charset="0"/>
+              <a:buChar char="•"/>
+            </a:pPr>
+            <a:r>
+              <a:rPr lang="he-IL" dirty="0"/>
+              <a:t>32</a:t>
+            </a:r>
+            <a:r>
+              <a:rPr lang="en-US" dirty="0"/>
+              <a:t>X</a:t>
+            </a:r>
+            <a:r>
+              <a:rPr lang="he-IL" dirty="0"/>
+              <a:t>32 - ככל שיש יותר פילטרים כך אחוזי ההצלחה טובים יותר. זאת מכיוון שבעזרת יותר פילטרים ניתן לזהות יותר דפוסים.</a:t>
+            </a:r>
+          </a:p>
+        </p:txBody>
+      </p:sp>
+      <p:sp>
+        <p:nvSpPr>
+          <p:cNvPr id="4" name="Slide Number Placeholder 3"/>
+          <p:cNvSpPr>
+            <a:spLocks noGrp="1"/>
+          </p:cNvSpPr>
+          <p:nvPr>
+            <p:ph type="sldNum" sz="quarter" idx="5"/>
+          </p:nvPr>
+        </p:nvSpPr>
+        <p:spPr/>
+        <p:txBody>
+          <a:bodyPr/>
+          <a:lstStyle/>
+          <a:p>
+            <a:fld id="{2C84AF58-CE63-4B5A-9F11-A1F672E0EB8C}" type="slidenum">
+              <a:rPr lang="he-IL" smtClean="0"/>
+              <a:t>13</a:t>
+            </a:fld>
+            <a:endParaRPr lang="he-IL"/>
+          </a:p>
+        </p:txBody>
+      </p:sp>
+    </p:spTree>
+    <p:extLst>
+      <p:ext uri="{BB962C8B-B14F-4D97-AF65-F5344CB8AC3E}">
+        <p14:creationId xmlns:p14="http://schemas.microsoft.com/office/powerpoint/2010/main" val="1337864348"/>
+      </p:ext>
+    </p:extLst>
+  </p:cSld>
+  <p:clrMapOvr>
+    <a:masterClrMapping/>
+  </p:clrMapOvr>
+</p:notes>
+</file>
+
+<file path=ppt/notesSlides/notesSlide14.xml><?xml version="1.0" encoding="utf-8"?>
+<p:notes xmlns:a="http://schemas.openxmlformats.org/drawingml/2006/main" xmlns:r="http://schemas.openxmlformats.org/officeDocument/2006/relationships" xmlns:p="http://schemas.openxmlformats.org/presentationml/2006/main">
+  <p:cSld>
+    <p:spTree>
+      <p:nvGrpSpPr>
+        <p:cNvPr id="1" name=""/>
+        <p:cNvGrpSpPr/>
+        <p:nvPr/>
+      </p:nvGrpSpPr>
+      <p:grpSpPr>
+        <a:xfrm>
+          <a:off x="0" y="0"/>
+          <a:ext cx="0" cy="0"/>
+          <a:chOff x="0" y="0"/>
+          <a:chExt cx="0" cy="0"/>
+        </a:xfrm>
+      </p:grpSpPr>
+      <p:sp>
+        <p:nvSpPr>
+          <p:cNvPr id="2" name="Slide Image Placeholder 1"/>
+          <p:cNvSpPr>
+            <a:spLocks noGrp="1" noRot="1" noChangeAspect="1"/>
+          </p:cNvSpPr>
+          <p:nvPr>
+            <p:ph type="sldImg"/>
+          </p:nvPr>
+        </p:nvSpPr>
+        <p:spPr/>
+      </p:sp>
+      <p:sp>
+        <p:nvSpPr>
+          <p:cNvPr id="3" name="Notes Placeholder 2"/>
+          <p:cNvSpPr>
+            <a:spLocks noGrp="1"/>
+          </p:cNvSpPr>
+          <p:nvPr>
+            <p:ph type="body" idx="1"/>
+          </p:nvPr>
+        </p:nvSpPr>
+        <p:spPr/>
+        <p:txBody>
+          <a:bodyPr/>
+          <a:lstStyle/>
+          <a:p>
+            <a:pPr marL="0" indent="0" algn="r" rtl="1">
+              <a:buFont typeface="Arial" panose="020B0604020202020204" pitchFamily="34" charset="0"/>
+              <a:buNone/>
+            </a:pPr>
+            <a:r>
+              <a:rPr lang="he-IL" dirty="0"/>
+              <a:t>תומר</a:t>
+            </a:r>
+          </a:p>
+          <a:p>
+            <a:pPr marL="171450" indent="-171450" algn="r" rtl="1">
+              <a:buFont typeface="Arial" panose="020B0604020202020204" pitchFamily="34" charset="0"/>
+              <a:buChar char="•"/>
+            </a:pPr>
+            <a:r>
+              <a:rPr lang="he-IL" dirty="0"/>
+              <a:t>חשוב לציין שבמחקר לא פורסמו המודלים עצמם, אלא רק עקרונותיהם עליהם התבססנו – קווי הדמיון דומים אך סביר להניח שהמודלים עצמם שונים.</a:t>
+            </a:r>
+          </a:p>
+        </p:txBody>
+      </p:sp>
+      <p:sp>
+        <p:nvSpPr>
+          <p:cNvPr id="4" name="Slide Number Placeholder 3"/>
+          <p:cNvSpPr>
+            <a:spLocks noGrp="1"/>
+          </p:cNvSpPr>
+          <p:nvPr>
+            <p:ph type="sldNum" sz="quarter" idx="5"/>
+          </p:nvPr>
+        </p:nvSpPr>
+        <p:spPr/>
+        <p:txBody>
+          <a:bodyPr/>
+          <a:lstStyle/>
+          <a:p>
+            <a:fld id="{2C84AF58-CE63-4B5A-9F11-A1F672E0EB8C}" type="slidenum">
+              <a:rPr lang="he-IL" smtClean="0"/>
+              <a:t>14</a:t>
+            </a:fld>
+            <a:endParaRPr lang="he-IL"/>
+          </a:p>
+        </p:txBody>
+      </p:sp>
+    </p:spTree>
+    <p:extLst>
+      <p:ext uri="{BB962C8B-B14F-4D97-AF65-F5344CB8AC3E}">
+        <p14:creationId xmlns:p14="http://schemas.microsoft.com/office/powerpoint/2010/main" val="875976548"/>
+      </p:ext>
+    </p:extLst>
+  </p:cSld>
+  <p:clrMapOvr>
+    <a:masterClrMapping/>
+  </p:clrMapOvr>
+</p:notes>
+</file>
+
+<file path=ppt/notesSlides/notesSlide15.xml><?xml version="1.0" encoding="utf-8"?>
+<p:notes xmlns:a="http://schemas.openxmlformats.org/drawingml/2006/main" xmlns:r="http://schemas.openxmlformats.org/officeDocument/2006/relationships" xmlns:p="http://schemas.openxmlformats.org/presentationml/2006/main">
+  <p:cSld>
+    <p:spTree>
+      <p:nvGrpSpPr>
+        <p:cNvPr id="1" name=""/>
+        <p:cNvGrpSpPr/>
+        <p:nvPr/>
+      </p:nvGrpSpPr>
+      <p:grpSpPr>
+        <a:xfrm>
+          <a:off x="0" y="0"/>
+          <a:ext cx="0" cy="0"/>
+          <a:chOff x="0" y="0"/>
+          <a:chExt cx="0" cy="0"/>
+        </a:xfrm>
+      </p:grpSpPr>
+      <p:sp>
+        <p:nvSpPr>
+          <p:cNvPr id="2" name="Slide Image Placeholder 1"/>
+          <p:cNvSpPr>
+            <a:spLocks noGrp="1" noRot="1" noChangeAspect="1"/>
+          </p:cNvSpPr>
+          <p:nvPr>
+            <p:ph type="sldImg"/>
+          </p:nvPr>
+        </p:nvSpPr>
+        <p:spPr/>
+      </p:sp>
+      <p:sp>
+        <p:nvSpPr>
+          <p:cNvPr id="3" name="Notes Placeholder 2"/>
+          <p:cNvSpPr>
+            <a:spLocks noGrp="1"/>
+          </p:cNvSpPr>
+          <p:nvPr>
+            <p:ph type="body" idx="1"/>
+          </p:nvPr>
+        </p:nvSpPr>
+        <p:spPr/>
+        <p:txBody>
+          <a:bodyPr/>
+          <a:lstStyle/>
+          <a:p>
+            <a:pPr algn="r" rtl="1"/>
+            <a:r>
+              <a:rPr lang="he-IL" dirty="0"/>
+              <a:t>עדן</a:t>
+            </a:r>
+          </a:p>
+        </p:txBody>
+      </p:sp>
+      <p:sp>
+        <p:nvSpPr>
+          <p:cNvPr id="4" name="Slide Number Placeholder 3"/>
+          <p:cNvSpPr>
+            <a:spLocks noGrp="1"/>
+          </p:cNvSpPr>
+          <p:nvPr>
+            <p:ph type="sldNum" sz="quarter" idx="5"/>
+          </p:nvPr>
+        </p:nvSpPr>
+        <p:spPr/>
+        <p:txBody>
+          <a:bodyPr/>
+          <a:lstStyle/>
+          <a:p>
+            <a:fld id="{2C84AF58-CE63-4B5A-9F11-A1F672E0EB8C}" type="slidenum">
+              <a:rPr lang="he-IL" smtClean="0"/>
+              <a:t>15</a:t>
+            </a:fld>
+            <a:endParaRPr lang="he-IL"/>
+          </a:p>
+        </p:txBody>
+      </p:sp>
+    </p:spTree>
+    <p:extLst>
+      <p:ext uri="{BB962C8B-B14F-4D97-AF65-F5344CB8AC3E}">
+        <p14:creationId xmlns:p14="http://schemas.microsoft.com/office/powerpoint/2010/main" val="519628529"/>
+      </p:ext>
+    </p:extLst>
+  </p:cSld>
+  <p:clrMapOvr>
+    <a:masterClrMapping/>
+  </p:clrMapOvr>
+</p:notes>
+</file>
+
+<file path=ppt/notesSlides/notesSlide16.xml><?xml version="1.0" encoding="utf-8"?>
+<p:notes xmlns:a="http://schemas.openxmlformats.org/drawingml/2006/main" xmlns:r="http://schemas.openxmlformats.org/officeDocument/2006/relationships" xmlns:p="http://schemas.openxmlformats.org/presentationml/2006/main">
+  <p:cSld>
+    <p:spTree>
+      <p:nvGrpSpPr>
+        <p:cNvPr id="1" name=""/>
+        <p:cNvGrpSpPr/>
+        <p:nvPr/>
+      </p:nvGrpSpPr>
+      <p:grpSpPr>
+        <a:xfrm>
+          <a:off x="0" y="0"/>
+          <a:ext cx="0" cy="0"/>
+          <a:chOff x="0" y="0"/>
+          <a:chExt cx="0" cy="0"/>
+        </a:xfrm>
+      </p:grpSpPr>
+      <p:sp>
+        <p:nvSpPr>
+          <p:cNvPr id="2" name="Slide Image Placeholder 1"/>
+          <p:cNvSpPr>
+            <a:spLocks noGrp="1" noRot="1" noChangeAspect="1"/>
+          </p:cNvSpPr>
+          <p:nvPr>
+            <p:ph type="sldImg"/>
+          </p:nvPr>
+        </p:nvSpPr>
+        <p:spPr/>
+      </p:sp>
+      <p:sp>
+        <p:nvSpPr>
+          <p:cNvPr id="3" name="Notes Placeholder 2"/>
+          <p:cNvSpPr>
+            <a:spLocks noGrp="1"/>
+          </p:cNvSpPr>
+          <p:nvPr>
+            <p:ph type="body" idx="1"/>
+          </p:nvPr>
+        </p:nvSpPr>
+        <p:spPr/>
+        <p:txBody>
+          <a:bodyPr/>
+          <a:lstStyle/>
+          <a:p>
+            <a:pPr algn="r" rtl="1"/>
+            <a:r>
+              <a:rPr lang="he-IL" dirty="0"/>
+              <a:t>תומר</a:t>
+            </a:r>
+          </a:p>
+        </p:txBody>
+      </p:sp>
+      <p:sp>
+        <p:nvSpPr>
+          <p:cNvPr id="4" name="Slide Number Placeholder 3"/>
+          <p:cNvSpPr>
+            <a:spLocks noGrp="1"/>
+          </p:cNvSpPr>
+          <p:nvPr>
+            <p:ph type="sldNum" sz="quarter" idx="5"/>
+          </p:nvPr>
+        </p:nvSpPr>
+        <p:spPr/>
+        <p:txBody>
+          <a:bodyPr/>
+          <a:lstStyle/>
+          <a:p>
+            <a:fld id="{2C84AF58-CE63-4B5A-9F11-A1F672E0EB8C}" type="slidenum">
+              <a:rPr lang="he-IL" smtClean="0"/>
+              <a:t>16</a:t>
+            </a:fld>
+            <a:endParaRPr lang="he-IL"/>
+          </a:p>
+        </p:txBody>
+      </p:sp>
+    </p:spTree>
+    <p:extLst>
+      <p:ext uri="{BB962C8B-B14F-4D97-AF65-F5344CB8AC3E}">
+        <p14:creationId xmlns:p14="http://schemas.microsoft.com/office/powerpoint/2010/main" val="822975417"/>
+      </p:ext>
+    </p:extLst>
+  </p:cSld>
+  <p:clrMapOvr>
+    <a:masterClrMapping/>
+  </p:clrMapOvr>
+</p:notes>
+</file>
+
+<file path=ppt/notesSlides/notesSlide17.xml><?xml version="1.0" encoding="utf-8"?>
+<p:notes xmlns:a="http://schemas.openxmlformats.org/drawingml/2006/main" xmlns:r="http://schemas.openxmlformats.org/officeDocument/2006/relationships" xmlns:p="http://schemas.openxmlformats.org/presentationml/2006/main">
+  <p:cSld>
+    <p:spTree>
+      <p:nvGrpSpPr>
+        <p:cNvPr id="1" name=""/>
+        <p:cNvGrpSpPr/>
+        <p:nvPr/>
+      </p:nvGrpSpPr>
+      <p:grpSpPr>
+        <a:xfrm>
+          <a:off x="0" y="0"/>
+          <a:ext cx="0" cy="0"/>
+          <a:chOff x="0" y="0"/>
+          <a:chExt cx="0" cy="0"/>
+        </a:xfrm>
+      </p:grpSpPr>
+      <p:sp>
+        <p:nvSpPr>
+          <p:cNvPr id="2" name="Slide Image Placeholder 1"/>
+          <p:cNvSpPr>
+            <a:spLocks noGrp="1" noRot="1" noChangeAspect="1"/>
+          </p:cNvSpPr>
+          <p:nvPr>
+            <p:ph type="sldImg"/>
+          </p:nvPr>
+        </p:nvSpPr>
+        <p:spPr/>
+      </p:sp>
+      <p:sp>
+        <p:nvSpPr>
+          <p:cNvPr id="3" name="Notes Placeholder 2"/>
+          <p:cNvSpPr>
+            <a:spLocks noGrp="1"/>
+          </p:cNvSpPr>
+          <p:nvPr>
+            <p:ph type="body" idx="1"/>
+          </p:nvPr>
+        </p:nvSpPr>
+        <p:spPr/>
+        <p:txBody>
+          <a:bodyPr/>
+          <a:lstStyle/>
+          <a:p>
+            <a:endParaRPr lang="he-IL" dirty="0"/>
+          </a:p>
+        </p:txBody>
+      </p:sp>
+      <p:sp>
+        <p:nvSpPr>
+          <p:cNvPr id="4" name="Slide Number Placeholder 3"/>
+          <p:cNvSpPr>
+            <a:spLocks noGrp="1"/>
+          </p:cNvSpPr>
+          <p:nvPr>
+            <p:ph type="sldNum" sz="quarter" idx="5"/>
+          </p:nvPr>
+        </p:nvSpPr>
+        <p:spPr/>
+        <p:txBody>
+          <a:bodyPr/>
+          <a:lstStyle/>
+          <a:p>
+            <a:fld id="{2C84AF58-CE63-4B5A-9F11-A1F672E0EB8C}" type="slidenum">
+              <a:rPr lang="he-IL" smtClean="0"/>
+              <a:t>17</a:t>
+            </a:fld>
+            <a:endParaRPr lang="he-IL"/>
+          </a:p>
+        </p:txBody>
+      </p:sp>
+    </p:spTree>
+    <p:extLst>
+      <p:ext uri="{BB962C8B-B14F-4D97-AF65-F5344CB8AC3E}">
+        <p14:creationId xmlns:p14="http://schemas.microsoft.com/office/powerpoint/2010/main" val="951475455"/>
       </p:ext>
     </p:extLst>
   </p:cSld>
@@ -3208,7 +4189,44 @@
           <a:bodyPr/>
           <a:lstStyle/>
           <a:p>
+            <a:pPr algn="r" rtl="1"/>
+            <a:r>
+              <a:rPr lang="he-IL" dirty="0"/>
+              <a:t>תומר</a:t>
+            </a:r>
+          </a:p>
+          <a:p>
+            <a:pPr algn="r" rtl="1"/>
             <a:endParaRPr lang="he-IL" dirty="0"/>
+          </a:p>
+          <a:p>
+            <a:pPr algn="r" rtl="1"/>
+            <a:r>
+              <a:rPr lang="he-IL" dirty="0"/>
+              <a:t>רדוקציה – לקחת בעיה מעולם הסייבר </a:t>
+            </a:r>
+            <a:r>
+              <a:rPr lang="he-IL" dirty="0" err="1"/>
+              <a:t>סיקיורטי</a:t>
+            </a:r>
+            <a:r>
+              <a:rPr lang="he-IL" dirty="0"/>
+              <a:t> לעולם למידת המכונה.</a:t>
+            </a:r>
+          </a:p>
+          <a:p>
+            <a:pPr algn="r" rtl="1"/>
+            <a:r>
+              <a:rPr lang="he-IL" dirty="0"/>
+              <a:t>	כלומר, המרת הבעיה מזיהוי נוזקות כפי שהן, לכדי תמונות ופתירת הבעיה באמצעות למידת מכונה.</a:t>
+            </a:r>
+          </a:p>
+          <a:p>
+            <a:pPr algn="r" rtl="1"/>
+            <a:r>
+              <a:rPr lang="he-IL" dirty="0"/>
+              <a:t>	</a:t>
+            </a:r>
           </a:p>
         </p:txBody>
       </p:sp>
@@ -3229,7 +4247,7 @@
           <a:p>
             <a:fld id="{2C84AF58-CE63-4B5A-9F11-A1F672E0EB8C}" type="slidenum">
               <a:rPr lang="he-IL" smtClean="0"/>
-              <a:t>13</a:t>
+              <a:t>2</a:t>
             </a:fld>
             <a:endParaRPr lang="he-IL"/>
           </a:p>
@@ -3238,7 +4256,7 @@
     </p:spTree>
     <p:extLst>
       <p:ext uri="{BB962C8B-B14F-4D97-AF65-F5344CB8AC3E}">
-        <p14:creationId xmlns:p14="http://schemas.microsoft.com/office/powerpoint/2010/main" val="875976548"/>
+        <p14:creationId xmlns:p14="http://schemas.microsoft.com/office/powerpoint/2010/main" val="520979501"/>
       </p:ext>
     </p:extLst>
   </p:cSld>
@@ -3292,6 +4310,14 @@
           <a:bodyPr/>
           <a:lstStyle/>
           <a:p>
+            <a:pPr algn="r" rtl="1"/>
+            <a:r>
+              <a:rPr lang="he-IL" dirty="0"/>
+              <a:t>רועי</a:t>
+            </a:r>
+          </a:p>
+          <a:p>
+            <a:pPr algn="r" rtl="1"/>
             <a:endParaRPr lang="he-IL" dirty="0"/>
           </a:p>
         </p:txBody>
@@ -3313,7 +4339,7 @@
           <a:p>
             <a:fld id="{2C84AF58-CE63-4B5A-9F11-A1F672E0EB8C}" type="slidenum">
               <a:rPr lang="he-IL" smtClean="0"/>
-              <a:t>14</a:t>
+              <a:t>3</a:t>
             </a:fld>
             <a:endParaRPr lang="he-IL"/>
           </a:p>
@@ -3322,7 +4348,7 @@
     </p:spTree>
     <p:extLst>
       <p:ext uri="{BB962C8B-B14F-4D97-AF65-F5344CB8AC3E}">
-        <p14:creationId xmlns:p14="http://schemas.microsoft.com/office/powerpoint/2010/main" val="519628529"/>
+        <p14:creationId xmlns:p14="http://schemas.microsoft.com/office/powerpoint/2010/main" val="1730271169"/>
       </p:ext>
     </p:extLst>
   </p:cSld>
@@ -3376,7 +4402,11 @@
           <a:bodyPr/>
           <a:lstStyle/>
           <a:p>
-            <a:endParaRPr lang="he-IL" dirty="0"/>
+            <a:pPr algn="r" rtl="1"/>
+            <a:r>
+              <a:rPr lang="he-IL" dirty="0"/>
+              <a:t>רועי</a:t>
+            </a:r>
           </a:p>
         </p:txBody>
       </p:sp>
@@ -3397,7 +4427,7 @@
           <a:p>
             <a:fld id="{2C84AF58-CE63-4B5A-9F11-A1F672E0EB8C}" type="slidenum">
               <a:rPr lang="he-IL" smtClean="0"/>
-              <a:t>15</a:t>
+              <a:t>4</a:t>
             </a:fld>
             <a:endParaRPr lang="he-IL"/>
           </a:p>
@@ -3406,7 +4436,7 @@
     </p:spTree>
     <p:extLst>
       <p:ext uri="{BB962C8B-B14F-4D97-AF65-F5344CB8AC3E}">
-        <p14:creationId xmlns:p14="http://schemas.microsoft.com/office/powerpoint/2010/main" val="822975417"/>
+        <p14:creationId xmlns:p14="http://schemas.microsoft.com/office/powerpoint/2010/main" val="1901815247"/>
       </p:ext>
     </p:extLst>
   </p:cSld>
@@ -3460,7 +4490,18 @@
           <a:bodyPr/>
           <a:lstStyle/>
           <a:p>
-            <a:endParaRPr lang="he-IL" dirty="0"/>
+            <a:pPr algn="r" rtl="1"/>
+            <a:r>
+              <a:rPr lang="he-IL" dirty="0"/>
+              <a:t>תומר</a:t>
+            </a:r>
+          </a:p>
+          <a:p>
+            <a:pPr algn="r" rtl="1"/>
+            <a:r>
+              <a:rPr lang="he-IL" dirty="0"/>
+              <a:t>הבדלים בין עמוקה למכונה – עמוקה מתבססת על רשתות עצביות מלאכותיות ולמידת מאפיינים (האדם לא מספק למודל את המאפיינים הרלוונטיים, המודל מסיק אותם לבד).</a:t>
+            </a:r>
           </a:p>
         </p:txBody>
       </p:sp>
@@ -3481,7 +4522,7 @@
           <a:p>
             <a:fld id="{2C84AF58-CE63-4B5A-9F11-A1F672E0EB8C}" type="slidenum">
               <a:rPr lang="he-IL" smtClean="0"/>
-              <a:t>16</a:t>
+              <a:t>5</a:t>
             </a:fld>
             <a:endParaRPr lang="he-IL"/>
           </a:p>
@@ -3490,7 +4531,392 @@
     </p:spTree>
     <p:extLst>
       <p:ext uri="{BB962C8B-B14F-4D97-AF65-F5344CB8AC3E}">
-        <p14:creationId xmlns:p14="http://schemas.microsoft.com/office/powerpoint/2010/main" val="951475455"/>
+        <p14:creationId xmlns:p14="http://schemas.microsoft.com/office/powerpoint/2010/main" val="1857080538"/>
+      </p:ext>
+    </p:extLst>
+  </p:cSld>
+  <p:clrMapOvr>
+    <a:masterClrMapping/>
+  </p:clrMapOvr>
+</p:notes>
+</file>
+
+<file path=ppt/notesSlides/notesSlide6.xml><?xml version="1.0" encoding="utf-8"?>
+<p:notes xmlns:a="http://schemas.openxmlformats.org/drawingml/2006/main" xmlns:r="http://schemas.openxmlformats.org/officeDocument/2006/relationships" xmlns:p="http://schemas.openxmlformats.org/presentationml/2006/main">
+  <p:cSld>
+    <p:spTree>
+      <p:nvGrpSpPr>
+        <p:cNvPr id="1" name=""/>
+        <p:cNvGrpSpPr/>
+        <p:nvPr/>
+      </p:nvGrpSpPr>
+      <p:grpSpPr>
+        <a:xfrm>
+          <a:off x="0" y="0"/>
+          <a:ext cx="0" cy="0"/>
+          <a:chOff x="0" y="0"/>
+          <a:chExt cx="0" cy="0"/>
+        </a:xfrm>
+      </p:grpSpPr>
+      <p:sp>
+        <p:nvSpPr>
+          <p:cNvPr id="2" name="Slide Image Placeholder 1"/>
+          <p:cNvSpPr>
+            <a:spLocks noGrp="1" noRot="1" noChangeAspect="1"/>
+          </p:cNvSpPr>
+          <p:nvPr>
+            <p:ph type="sldImg"/>
+          </p:nvPr>
+        </p:nvSpPr>
+        <p:spPr/>
+      </p:sp>
+      <p:sp>
+        <p:nvSpPr>
+          <p:cNvPr id="3" name="Notes Placeholder 2"/>
+          <p:cNvSpPr>
+            <a:spLocks noGrp="1"/>
+          </p:cNvSpPr>
+          <p:nvPr>
+            <p:ph type="body" idx="1"/>
+          </p:nvPr>
+        </p:nvSpPr>
+        <p:spPr/>
+        <p:txBody>
+          <a:bodyPr/>
+          <a:lstStyle/>
+          <a:p>
+            <a:pPr marL="0" indent="0" algn="r" rtl="1">
+              <a:buFont typeface="Arial" panose="020B0604020202020204" pitchFamily="34" charset="0"/>
+              <a:buNone/>
+            </a:pPr>
+            <a:r>
+              <a:rPr lang="he-IL" dirty="0"/>
+              <a:t>תומר</a:t>
+            </a:r>
+          </a:p>
+          <a:p>
+            <a:pPr marL="171450" indent="-171450" algn="r" rtl="1">
+              <a:buFont typeface="Arial" panose="020B0604020202020204" pitchFamily="34" charset="0"/>
+              <a:buChar char="•"/>
+            </a:pPr>
+            <a:r>
+              <a:rPr lang="he-IL" dirty="0"/>
+              <a:t>פילטר – לחדד שככל שיש יותר פילטרים ניתן לזהות יותר דפוסים בתמונה. </a:t>
+            </a:r>
+          </a:p>
+          <a:p>
+            <a:pPr marL="171450" indent="-171450" algn="r" rtl="1">
+              <a:buFont typeface="Arial" panose="020B0604020202020204" pitchFamily="34" charset="0"/>
+              <a:buChar char="•"/>
+            </a:pPr>
+            <a:r>
+              <a:rPr lang="he-IL" dirty="0"/>
+              <a:t>גודל פילטר – מאפשר לזהות דפוסים בגדלים שונים.</a:t>
+            </a:r>
+          </a:p>
+          <a:p>
+            <a:pPr marL="0" indent="0" algn="r" rtl="1">
+              <a:buFont typeface="Arial" panose="020B0604020202020204" pitchFamily="34" charset="0"/>
+              <a:buNone/>
+            </a:pPr>
+            <a:r>
+              <a:rPr lang="he-IL" dirty="0"/>
+              <a:t>בהמשך נראה איך זה בא לידי ביטוי בתוצאות.</a:t>
+            </a:r>
+          </a:p>
+        </p:txBody>
+      </p:sp>
+      <p:sp>
+        <p:nvSpPr>
+          <p:cNvPr id="4" name="Slide Number Placeholder 3"/>
+          <p:cNvSpPr>
+            <a:spLocks noGrp="1"/>
+          </p:cNvSpPr>
+          <p:nvPr>
+            <p:ph type="sldNum" sz="quarter" idx="5"/>
+          </p:nvPr>
+        </p:nvSpPr>
+        <p:spPr/>
+        <p:txBody>
+          <a:bodyPr/>
+          <a:lstStyle/>
+          <a:p>
+            <a:fld id="{2C84AF58-CE63-4B5A-9F11-A1F672E0EB8C}" type="slidenum">
+              <a:rPr lang="he-IL" smtClean="0"/>
+              <a:t>6</a:t>
+            </a:fld>
+            <a:endParaRPr lang="he-IL"/>
+          </a:p>
+        </p:txBody>
+      </p:sp>
+    </p:spTree>
+    <p:extLst>
+      <p:ext uri="{BB962C8B-B14F-4D97-AF65-F5344CB8AC3E}">
+        <p14:creationId xmlns:p14="http://schemas.microsoft.com/office/powerpoint/2010/main" val="3789857399"/>
+      </p:ext>
+    </p:extLst>
+  </p:cSld>
+  <p:clrMapOvr>
+    <a:masterClrMapping/>
+  </p:clrMapOvr>
+</p:notes>
+</file>
+
+<file path=ppt/notesSlides/notesSlide7.xml><?xml version="1.0" encoding="utf-8"?>
+<p:notes xmlns:a="http://schemas.openxmlformats.org/drawingml/2006/main" xmlns:r="http://schemas.openxmlformats.org/officeDocument/2006/relationships" xmlns:p="http://schemas.openxmlformats.org/presentationml/2006/main">
+  <p:cSld>
+    <p:spTree>
+      <p:nvGrpSpPr>
+        <p:cNvPr id="1" name=""/>
+        <p:cNvGrpSpPr/>
+        <p:nvPr/>
+      </p:nvGrpSpPr>
+      <p:grpSpPr>
+        <a:xfrm>
+          <a:off x="0" y="0"/>
+          <a:ext cx="0" cy="0"/>
+          <a:chOff x="0" y="0"/>
+          <a:chExt cx="0" cy="0"/>
+        </a:xfrm>
+      </p:grpSpPr>
+      <p:sp>
+        <p:nvSpPr>
+          <p:cNvPr id="2" name="Slide Image Placeholder 1"/>
+          <p:cNvSpPr>
+            <a:spLocks noGrp="1" noRot="1" noChangeAspect="1"/>
+          </p:cNvSpPr>
+          <p:nvPr>
+            <p:ph type="sldImg"/>
+          </p:nvPr>
+        </p:nvSpPr>
+        <p:spPr/>
+      </p:sp>
+      <p:sp>
+        <p:nvSpPr>
+          <p:cNvPr id="3" name="Notes Placeholder 2"/>
+          <p:cNvSpPr>
+            <a:spLocks noGrp="1"/>
+          </p:cNvSpPr>
+          <p:nvPr>
+            <p:ph type="body" idx="1"/>
+          </p:nvPr>
+        </p:nvSpPr>
+        <p:spPr/>
+        <p:txBody>
+          <a:bodyPr/>
+          <a:lstStyle/>
+          <a:p>
+            <a:pPr algn="r" rtl="1"/>
+            <a:r>
+              <a:rPr lang="he-IL" dirty="0"/>
+              <a:t>עדן</a:t>
+            </a:r>
+          </a:p>
+        </p:txBody>
+      </p:sp>
+      <p:sp>
+        <p:nvSpPr>
+          <p:cNvPr id="4" name="Slide Number Placeholder 3"/>
+          <p:cNvSpPr>
+            <a:spLocks noGrp="1"/>
+          </p:cNvSpPr>
+          <p:nvPr>
+            <p:ph type="sldNum" sz="quarter" idx="5"/>
+          </p:nvPr>
+        </p:nvSpPr>
+        <p:spPr/>
+        <p:txBody>
+          <a:bodyPr/>
+          <a:lstStyle/>
+          <a:p>
+            <a:fld id="{2C84AF58-CE63-4B5A-9F11-A1F672E0EB8C}" type="slidenum">
+              <a:rPr lang="he-IL" smtClean="0"/>
+              <a:t>7</a:t>
+            </a:fld>
+            <a:endParaRPr lang="he-IL"/>
+          </a:p>
+        </p:txBody>
+      </p:sp>
+    </p:spTree>
+    <p:extLst>
+      <p:ext uri="{BB962C8B-B14F-4D97-AF65-F5344CB8AC3E}">
+        <p14:creationId xmlns:p14="http://schemas.microsoft.com/office/powerpoint/2010/main" val="2733752479"/>
+      </p:ext>
+    </p:extLst>
+  </p:cSld>
+  <p:clrMapOvr>
+    <a:masterClrMapping/>
+  </p:clrMapOvr>
+</p:notes>
+</file>
+
+<file path=ppt/notesSlides/notesSlide8.xml><?xml version="1.0" encoding="utf-8"?>
+<p:notes xmlns:a="http://schemas.openxmlformats.org/drawingml/2006/main" xmlns:r="http://schemas.openxmlformats.org/officeDocument/2006/relationships" xmlns:p="http://schemas.openxmlformats.org/presentationml/2006/main">
+  <p:cSld>
+    <p:spTree>
+      <p:nvGrpSpPr>
+        <p:cNvPr id="1" name=""/>
+        <p:cNvGrpSpPr/>
+        <p:nvPr/>
+      </p:nvGrpSpPr>
+      <p:grpSpPr>
+        <a:xfrm>
+          <a:off x="0" y="0"/>
+          <a:ext cx="0" cy="0"/>
+          <a:chOff x="0" y="0"/>
+          <a:chExt cx="0" cy="0"/>
+        </a:xfrm>
+      </p:grpSpPr>
+      <p:sp>
+        <p:nvSpPr>
+          <p:cNvPr id="2" name="Slide Image Placeholder 1"/>
+          <p:cNvSpPr>
+            <a:spLocks noGrp="1" noRot="1" noChangeAspect="1"/>
+          </p:cNvSpPr>
+          <p:nvPr>
+            <p:ph type="sldImg"/>
+          </p:nvPr>
+        </p:nvSpPr>
+        <p:spPr/>
+      </p:sp>
+      <p:sp>
+        <p:nvSpPr>
+          <p:cNvPr id="3" name="Notes Placeholder 2"/>
+          <p:cNvSpPr>
+            <a:spLocks noGrp="1"/>
+          </p:cNvSpPr>
+          <p:nvPr>
+            <p:ph type="body" idx="1"/>
+          </p:nvPr>
+        </p:nvSpPr>
+        <p:spPr/>
+        <p:txBody>
+          <a:bodyPr/>
+          <a:lstStyle/>
+          <a:p>
+            <a:pPr algn="r" rtl="1"/>
+            <a:r>
+              <a:rPr lang="he-IL" dirty="0"/>
+              <a:t>עדן</a:t>
+            </a:r>
+          </a:p>
+        </p:txBody>
+      </p:sp>
+      <p:sp>
+        <p:nvSpPr>
+          <p:cNvPr id="4" name="Slide Number Placeholder 3"/>
+          <p:cNvSpPr>
+            <a:spLocks noGrp="1"/>
+          </p:cNvSpPr>
+          <p:nvPr>
+            <p:ph type="sldNum" sz="quarter" idx="5"/>
+          </p:nvPr>
+        </p:nvSpPr>
+        <p:spPr/>
+        <p:txBody>
+          <a:bodyPr/>
+          <a:lstStyle/>
+          <a:p>
+            <a:fld id="{2C84AF58-CE63-4B5A-9F11-A1F672E0EB8C}" type="slidenum">
+              <a:rPr lang="he-IL" smtClean="0"/>
+              <a:t>8</a:t>
+            </a:fld>
+            <a:endParaRPr lang="he-IL"/>
+          </a:p>
+        </p:txBody>
+      </p:sp>
+    </p:spTree>
+    <p:extLst>
+      <p:ext uri="{BB962C8B-B14F-4D97-AF65-F5344CB8AC3E}">
+        <p14:creationId xmlns:p14="http://schemas.microsoft.com/office/powerpoint/2010/main" val="367598320"/>
+      </p:ext>
+    </p:extLst>
+  </p:cSld>
+  <p:clrMapOvr>
+    <a:masterClrMapping/>
+  </p:clrMapOvr>
+</p:notes>
+</file>
+
+<file path=ppt/notesSlides/notesSlide9.xml><?xml version="1.0" encoding="utf-8"?>
+<p:notes xmlns:a="http://schemas.openxmlformats.org/drawingml/2006/main" xmlns:r="http://schemas.openxmlformats.org/officeDocument/2006/relationships" xmlns:p="http://schemas.openxmlformats.org/presentationml/2006/main">
+  <p:cSld>
+    <p:spTree>
+      <p:nvGrpSpPr>
+        <p:cNvPr id="1" name=""/>
+        <p:cNvGrpSpPr/>
+        <p:nvPr/>
+      </p:nvGrpSpPr>
+      <p:grpSpPr>
+        <a:xfrm>
+          <a:off x="0" y="0"/>
+          <a:ext cx="0" cy="0"/>
+          <a:chOff x="0" y="0"/>
+          <a:chExt cx="0" cy="0"/>
+        </a:xfrm>
+      </p:grpSpPr>
+      <p:sp>
+        <p:nvSpPr>
+          <p:cNvPr id="2" name="Slide Image Placeholder 1"/>
+          <p:cNvSpPr>
+            <a:spLocks noGrp="1" noRot="1" noChangeAspect="1"/>
+          </p:cNvSpPr>
+          <p:nvPr>
+            <p:ph type="sldImg"/>
+          </p:nvPr>
+        </p:nvSpPr>
+        <p:spPr/>
+      </p:sp>
+      <p:sp>
+        <p:nvSpPr>
+          <p:cNvPr id="3" name="Notes Placeholder 2"/>
+          <p:cNvSpPr>
+            <a:spLocks noGrp="1"/>
+          </p:cNvSpPr>
+          <p:nvPr>
+            <p:ph type="body" idx="1"/>
+          </p:nvPr>
+        </p:nvSpPr>
+        <p:spPr/>
+        <p:txBody>
+          <a:bodyPr/>
+          <a:lstStyle/>
+          <a:p>
+            <a:pPr algn="r" rtl="1"/>
+            <a:r>
+              <a:rPr lang="he-IL" dirty="0"/>
+              <a:t>עדן</a:t>
+            </a:r>
+          </a:p>
+        </p:txBody>
+      </p:sp>
+      <p:sp>
+        <p:nvSpPr>
+          <p:cNvPr id="4" name="Slide Number Placeholder 3"/>
+          <p:cNvSpPr>
+            <a:spLocks noGrp="1"/>
+          </p:cNvSpPr>
+          <p:nvPr>
+            <p:ph type="sldNum" sz="quarter" idx="5"/>
+          </p:nvPr>
+        </p:nvSpPr>
+        <p:spPr/>
+        <p:txBody>
+          <a:bodyPr/>
+          <a:lstStyle/>
+          <a:p>
+            <a:fld id="{2C84AF58-CE63-4B5A-9F11-A1F672E0EB8C}" type="slidenum">
+              <a:rPr lang="he-IL" smtClean="0"/>
+              <a:t>9</a:t>
+            </a:fld>
+            <a:endParaRPr lang="he-IL"/>
+          </a:p>
+        </p:txBody>
+      </p:sp>
+    </p:spTree>
+    <p:extLst>
+      <p:ext uri="{BB962C8B-B14F-4D97-AF65-F5344CB8AC3E}">
+        <p14:creationId xmlns:p14="http://schemas.microsoft.com/office/powerpoint/2010/main" val="977591555"/>
       </p:ext>
     </p:extLst>
   </p:cSld>
@@ -4222,7 +5648,7 @@
           <a:p>
             <a:fld id="{50951492-DE4F-4CD9-A31F-3E1DD746501E}" type="datetimeFigureOut">
               <a:rPr lang="he-IL" smtClean="0"/>
-              <a:t>כ"ז/תשרי/תשפ"ג</a:t>
+              <a:t>כ"ח/תשרי/תשפ"ג</a:t>
             </a:fld>
             <a:endParaRPr lang="he-IL"/>
           </a:p>
@@ -4473,7 +5899,7 @@
           <a:p>
             <a:fld id="{50951492-DE4F-4CD9-A31F-3E1DD746501E}" type="datetimeFigureOut">
               <a:rPr lang="he-IL" smtClean="0"/>
-              <a:t>כ"ז/תשרי/תשפ"ג</a:t>
+              <a:t>כ"ח/תשרי/תשפ"ג</a:t>
             </a:fld>
             <a:endParaRPr lang="he-IL"/>
           </a:p>
@@ -4787,7 +6213,7 @@
           <a:p>
             <a:fld id="{50951492-DE4F-4CD9-A31F-3E1DD746501E}" type="datetimeFigureOut">
               <a:rPr lang="he-IL" smtClean="0"/>
-              <a:t>כ"ז/תשרי/תשפ"ג</a:t>
+              <a:t>כ"ח/תשרי/תשפ"ג</a:t>
             </a:fld>
             <a:endParaRPr lang="he-IL"/>
           </a:p>
@@ -5128,7 +6554,7 @@
           <a:p>
             <a:fld id="{50951492-DE4F-4CD9-A31F-3E1DD746501E}" type="datetimeFigureOut">
               <a:rPr lang="he-IL" smtClean="0"/>
-              <a:t>כ"ז/תשרי/תשפ"ג</a:t>
+              <a:t>כ"ח/תשרי/תשפ"ג</a:t>
             </a:fld>
             <a:endParaRPr lang="he-IL"/>
           </a:p>
@@ -5442,7 +6868,7 @@
           <a:p>
             <a:fld id="{50951492-DE4F-4CD9-A31F-3E1DD746501E}" type="datetimeFigureOut">
               <a:rPr lang="he-IL" smtClean="0"/>
-              <a:t>כ"ז/תשרי/תשפ"ג</a:t>
+              <a:t>כ"ח/תשרי/תשפ"ג</a:t>
             </a:fld>
             <a:endParaRPr lang="he-IL"/>
           </a:p>
@@ -5835,7 +7261,7 @@
           <a:p>
             <a:fld id="{50951492-DE4F-4CD9-A31F-3E1DD746501E}" type="datetimeFigureOut">
               <a:rPr lang="he-IL" smtClean="0"/>
-              <a:t>כ"ז/תשרי/תשפ"ג</a:t>
+              <a:t>כ"ח/תשרי/תשפ"ג</a:t>
             </a:fld>
             <a:endParaRPr lang="he-IL"/>
           </a:p>
@@ -6005,7 +7431,7 @@
           <a:p>
             <a:fld id="{50951492-DE4F-4CD9-A31F-3E1DD746501E}" type="datetimeFigureOut">
               <a:rPr lang="he-IL" smtClean="0"/>
-              <a:t>כ"ז/תשרי/תשפ"ג</a:t>
+              <a:t>כ"ח/תשרי/תשפ"ג</a:t>
             </a:fld>
             <a:endParaRPr lang="he-IL"/>
           </a:p>
@@ -6185,7 +7611,7 @@
           <a:p>
             <a:fld id="{50951492-DE4F-4CD9-A31F-3E1DD746501E}" type="datetimeFigureOut">
               <a:rPr lang="he-IL" smtClean="0"/>
-              <a:t>כ"ז/תשרי/תשפ"ג</a:t>
+              <a:t>כ"ח/תשרי/תשפ"ג</a:t>
             </a:fld>
             <a:endParaRPr lang="he-IL"/>
           </a:p>
@@ -6361,7 +7787,7 @@
           <a:p>
             <a:fld id="{50951492-DE4F-4CD9-A31F-3E1DD746501E}" type="datetimeFigureOut">
               <a:rPr lang="he-IL" smtClean="0"/>
-              <a:t>כ"ז/תשרי/תשפ"ג</a:t>
+              <a:t>כ"ח/תשרי/תשפ"ג</a:t>
             </a:fld>
             <a:endParaRPr lang="he-IL"/>
           </a:p>
@@ -6608,7 +8034,7 @@
           <a:p>
             <a:fld id="{50951492-DE4F-4CD9-A31F-3E1DD746501E}" type="datetimeFigureOut">
               <a:rPr lang="he-IL" smtClean="0"/>
-              <a:t>כ"ז/תשרי/תשפ"ג</a:t>
+              <a:t>כ"ח/תשרי/תשפ"ג</a:t>
             </a:fld>
             <a:endParaRPr lang="he-IL"/>
           </a:p>
@@ -6840,7 +8266,7 @@
           <a:p>
             <a:fld id="{50951492-DE4F-4CD9-A31F-3E1DD746501E}" type="datetimeFigureOut">
               <a:rPr lang="he-IL" smtClean="0"/>
-              <a:t>כ"ז/תשרי/תשפ"ג</a:t>
+              <a:t>כ"ח/תשרי/תשפ"ג</a:t>
             </a:fld>
             <a:endParaRPr lang="he-IL"/>
           </a:p>
@@ -7214,7 +8640,7 @@
           <a:p>
             <a:fld id="{50951492-DE4F-4CD9-A31F-3E1DD746501E}" type="datetimeFigureOut">
               <a:rPr lang="he-IL" smtClean="0"/>
-              <a:t>כ"ז/תשרי/תשפ"ג</a:t>
+              <a:t>כ"ח/תשרי/תשפ"ג</a:t>
             </a:fld>
             <a:endParaRPr lang="he-IL"/>
           </a:p>
@@ -7337,7 +8763,7 @@
           <a:p>
             <a:fld id="{50951492-DE4F-4CD9-A31F-3E1DD746501E}" type="datetimeFigureOut">
               <a:rPr lang="he-IL" smtClean="0"/>
-              <a:t>כ"ז/תשרי/תשפ"ג</a:t>
+              <a:t>כ"ח/תשרי/תשפ"ג</a:t>
             </a:fld>
             <a:endParaRPr lang="he-IL"/>
           </a:p>
@@ -7432,7 +8858,7 @@
           <a:p>
             <a:fld id="{50951492-DE4F-4CD9-A31F-3E1DD746501E}" type="datetimeFigureOut">
               <a:rPr lang="he-IL" smtClean="0"/>
-              <a:t>כ"ז/תשרי/תשפ"ג</a:t>
+              <a:t>כ"ח/תשרי/תשפ"ג</a:t>
             </a:fld>
             <a:endParaRPr lang="he-IL"/>
           </a:p>
@@ -7687,7 +9113,7 @@
           <a:p>
             <a:fld id="{50951492-DE4F-4CD9-A31F-3E1DD746501E}" type="datetimeFigureOut">
               <a:rPr lang="he-IL" smtClean="0"/>
-              <a:t>כ"ז/תשרי/תשפ"ג</a:t>
+              <a:t>כ"ח/תשרי/תשפ"ג</a:t>
             </a:fld>
             <a:endParaRPr lang="he-IL"/>
           </a:p>
@@ -7950,7 +9376,7 @@
           <a:p>
             <a:fld id="{50951492-DE4F-4CD9-A31F-3E1DD746501E}" type="datetimeFigureOut">
               <a:rPr lang="he-IL" smtClean="0"/>
-              <a:t>כ"ז/תשרי/תשפ"ג</a:t>
+              <a:t>כ"ח/תשרי/תשפ"ג</a:t>
             </a:fld>
             <a:endParaRPr lang="he-IL"/>
           </a:p>
@@ -8693,7 +10119,7 @@
           <a:p>
             <a:fld id="{50951492-DE4F-4CD9-A31F-3E1DD746501E}" type="datetimeFigureOut">
               <a:rPr lang="he-IL" smtClean="0"/>
-              <a:t>כ"ז/תשרי/תשפ"ג</a:t>
+              <a:t>כ"ח/תשרי/תשפ"ג</a:t>
             </a:fld>
             <a:endParaRPr lang="he-IL"/>
           </a:p>
@@ -9304,6 +10730,3309 @@
           <a:chExt cx="0" cy="0"/>
         </a:xfrm>
       </p:grpSpPr>
+      <p:sp>
+        <p:nvSpPr>
+          <p:cNvPr id="3" name="Content Placeholder 2">
+            <a:extLst>
+              <a:ext uri="{FF2B5EF4-FFF2-40B4-BE49-F238E27FC236}">
+                <a16:creationId xmlns:a16="http://schemas.microsoft.com/office/drawing/2014/main" id="{19786AB6-F422-61B0-0DF1-BDC019B99EA8}"/>
+              </a:ext>
+            </a:extLst>
+          </p:cNvPr>
+          <p:cNvSpPr>
+            <a:spLocks noGrp="1"/>
+          </p:cNvSpPr>
+          <p:nvPr>
+            <p:ph idx="1"/>
+          </p:nvPr>
+        </p:nvSpPr>
+        <p:spPr>
+          <a:xfrm>
+            <a:off x="6799151" y="1287945"/>
+            <a:ext cx="2559915" cy="604230"/>
+          </a:xfrm>
+        </p:spPr>
+        <p:txBody>
+          <a:bodyPr>
+            <a:noAutofit/>
+          </a:bodyPr>
+          <a:lstStyle/>
+          <a:p>
+            <a:pPr algn="r" rtl="1">
+              <a:lnSpc>
+                <a:spcPct val="114000"/>
+              </a:lnSpc>
+            </a:pPr>
+            <a:r>
+              <a:rPr lang="he-IL" sz="2000" dirty="0">
+                <a:solidFill>
+                  <a:srgbClr val="000000"/>
+                </a:solidFill>
+                <a:latin typeface="Tahoma" panose="020B0604030504040204" pitchFamily="34" charset="0"/>
+                <a:ea typeface="Tahoma" panose="020B0604030504040204" pitchFamily="34" charset="0"/>
+                <a:cs typeface="Tahoma" panose="020B0604030504040204" pitchFamily="34" charset="0"/>
+              </a:rPr>
+              <a:t>מודלים פשוטים</a:t>
+            </a:r>
+          </a:p>
+          <a:p>
+            <a:pPr marL="0" indent="0" algn="r" rtl="1">
+              <a:lnSpc>
+                <a:spcPct val="114000"/>
+              </a:lnSpc>
+              <a:buNone/>
+            </a:pPr>
+            <a:r>
+              <a:rPr lang="he-IL" sz="2400" dirty="0">
+                <a:solidFill>
+                  <a:srgbClr val="000000"/>
+                </a:solidFill>
+                <a:latin typeface="Tahoma" panose="020B0604030504040204" pitchFamily="34" charset="0"/>
+                <a:ea typeface="Tahoma" panose="020B0604030504040204" pitchFamily="34" charset="0"/>
+                <a:cs typeface="Tahoma" panose="020B0604030504040204" pitchFamily="34" charset="0"/>
+              </a:rPr>
+              <a:t>	</a:t>
+            </a:r>
+            <a:br>
+              <a:rPr lang="en-US" sz="2400" dirty="0">
+                <a:solidFill>
+                  <a:srgbClr val="000000"/>
+                </a:solidFill>
+                <a:latin typeface="Tahoma" panose="020B0604030504040204" pitchFamily="34" charset="0"/>
+                <a:ea typeface="Tahoma" panose="020B0604030504040204" pitchFamily="34" charset="0"/>
+                <a:cs typeface="Tahoma" panose="020B0604030504040204" pitchFamily="34" charset="0"/>
+              </a:rPr>
+            </a:br>
+            <a:endParaRPr lang="he-IL" sz="2400" dirty="0">
+              <a:solidFill>
+                <a:srgbClr val="000000"/>
+              </a:solidFill>
+              <a:latin typeface="Tahoma" panose="020B0604030504040204" pitchFamily="34" charset="0"/>
+              <a:ea typeface="Tahoma" panose="020B0604030504040204" pitchFamily="34" charset="0"/>
+              <a:cs typeface="Tahoma" panose="020B0604030504040204" pitchFamily="34" charset="0"/>
+            </a:endParaRPr>
+          </a:p>
+        </p:txBody>
+      </p:sp>
+      <p:sp>
+        <p:nvSpPr>
+          <p:cNvPr id="5" name="TextBox 4">
+            <a:extLst>
+              <a:ext uri="{FF2B5EF4-FFF2-40B4-BE49-F238E27FC236}">
+                <a16:creationId xmlns:a16="http://schemas.microsoft.com/office/drawing/2014/main" id="{355B385B-44B4-1B3A-6D70-CCD895113A19}"/>
+              </a:ext>
+            </a:extLst>
+          </p:cNvPr>
+          <p:cNvSpPr txBox="1"/>
+          <p:nvPr/>
+        </p:nvSpPr>
+        <p:spPr>
+          <a:xfrm>
+            <a:off x="2190308" y="441393"/>
+            <a:ext cx="6103088" cy="474041"/>
+          </a:xfrm>
+          <a:prstGeom prst="rect">
+            <a:avLst/>
+          </a:prstGeom>
+          <a:noFill/>
+        </p:spPr>
+        <p:txBody>
+          <a:bodyPr wrap="square">
+            <a:spAutoFit/>
+          </a:bodyPr>
+          <a:lstStyle/>
+          <a:p>
+            <a:pPr algn="ctr">
+              <a:lnSpc>
+                <a:spcPct val="115000"/>
+              </a:lnSpc>
+              <a:spcAft>
+                <a:spcPts val="800"/>
+              </a:spcAft>
+            </a:pPr>
+            <a:r>
+              <a:rPr lang="he-IL" sz="2400" dirty="0">
+                <a:solidFill>
+                  <a:srgbClr val="000000"/>
+                </a:solidFill>
+                <a:effectLst/>
+                <a:latin typeface="Tahoma" panose="020B0604030504040204" pitchFamily="34" charset="0"/>
+                <a:ea typeface="Tahoma" panose="020B0604030504040204" pitchFamily="34" charset="0"/>
+                <a:cs typeface="Tahoma" panose="020B0604030504040204" pitchFamily="34" charset="0"/>
+              </a:rPr>
+              <a:t>ניתוח ועיבוד תוצאות</a:t>
+            </a:r>
+            <a:endParaRPr lang="en-IL" dirty="0">
+              <a:effectLst/>
+              <a:latin typeface="Tahoma" panose="020B0604030504040204" pitchFamily="34" charset="0"/>
+              <a:ea typeface="Tahoma" panose="020B0604030504040204" pitchFamily="34" charset="0"/>
+              <a:cs typeface="Tahoma" panose="020B0604030504040204" pitchFamily="34" charset="0"/>
+            </a:endParaRPr>
+          </a:p>
+        </p:txBody>
+      </p:sp>
+      <p:graphicFrame>
+        <p:nvGraphicFramePr>
+          <p:cNvPr id="6" name="Table 5">
+            <a:extLst>
+              <a:ext uri="{FF2B5EF4-FFF2-40B4-BE49-F238E27FC236}">
+                <a16:creationId xmlns:a16="http://schemas.microsoft.com/office/drawing/2014/main" id="{42788705-89AE-2A9A-233F-E1166EED1356}"/>
+              </a:ext>
+            </a:extLst>
+          </p:cNvPr>
+          <p:cNvGraphicFramePr>
+            <a:graphicFrameLocks noGrp="1"/>
+          </p:cNvGraphicFramePr>
+          <p:nvPr>
+            <p:extLst>
+              <p:ext uri="{D42A27DB-BD31-4B8C-83A1-F6EECF244321}">
+                <p14:modId xmlns:p14="http://schemas.microsoft.com/office/powerpoint/2010/main" val="3715251311"/>
+              </p:ext>
+            </p:extLst>
+          </p:nvPr>
+        </p:nvGraphicFramePr>
+        <p:xfrm>
+          <a:off x="764770" y="2196120"/>
+          <a:ext cx="4914900" cy="962025"/>
+        </p:xfrm>
+        <a:graphic>
+          <a:graphicData uri="http://schemas.openxmlformats.org/drawingml/2006/table">
+            <a:tbl>
+              <a:tblPr>
+                <a:tableStyleId>{69C7853C-536D-4A76-A0AE-DD22124D55A5}</a:tableStyleId>
+              </a:tblPr>
+              <a:tblGrid>
+                <a:gridCol w="685800">
+                  <a:extLst>
+                    <a:ext uri="{9D8B030D-6E8A-4147-A177-3AD203B41FA5}">
+                      <a16:colId xmlns:a16="http://schemas.microsoft.com/office/drawing/2014/main" val="1485918009"/>
+                    </a:ext>
+                  </a:extLst>
+                </a:gridCol>
+                <a:gridCol w="981075">
+                  <a:extLst>
+                    <a:ext uri="{9D8B030D-6E8A-4147-A177-3AD203B41FA5}">
+                      <a16:colId xmlns:a16="http://schemas.microsoft.com/office/drawing/2014/main" val="3907725635"/>
+                    </a:ext>
+                  </a:extLst>
+                </a:gridCol>
+                <a:gridCol w="1095375">
+                  <a:extLst>
+                    <a:ext uri="{9D8B030D-6E8A-4147-A177-3AD203B41FA5}">
+                      <a16:colId xmlns:a16="http://schemas.microsoft.com/office/drawing/2014/main" val="43098704"/>
+                    </a:ext>
+                  </a:extLst>
+                </a:gridCol>
+                <a:gridCol w="1038225">
+                  <a:extLst>
+                    <a:ext uri="{9D8B030D-6E8A-4147-A177-3AD203B41FA5}">
+                      <a16:colId xmlns:a16="http://schemas.microsoft.com/office/drawing/2014/main" val="3251510408"/>
+                    </a:ext>
+                  </a:extLst>
+                </a:gridCol>
+                <a:gridCol w="1114425">
+                  <a:extLst>
+                    <a:ext uri="{9D8B030D-6E8A-4147-A177-3AD203B41FA5}">
+                      <a16:colId xmlns:a16="http://schemas.microsoft.com/office/drawing/2014/main" val="1767732398"/>
+                    </a:ext>
+                  </a:extLst>
+                </a:gridCol>
+              </a:tblGrid>
+              <a:tr h="190500">
+                <a:tc gridSpan="5">
+                  <a:txBody>
+                    <a:bodyPr/>
+                    <a:lstStyle/>
+                    <a:p>
+                      <a:pPr algn="ctr" fontAlgn="b"/>
+                      <a:r>
+                        <a:rPr lang="en-US" sz="1200" u="none" strike="noStrike" dirty="0">
+                          <a:effectLst/>
+                        </a:rPr>
+                        <a:t>GNB</a:t>
+                      </a:r>
+                      <a:endParaRPr lang="en-US" sz="1200" b="0" i="0" u="none" strike="noStrike" dirty="0">
+                        <a:solidFill>
+                          <a:srgbClr val="000000"/>
+                        </a:solidFill>
+                        <a:effectLst/>
+                        <a:latin typeface="Arial" panose="020B0604020202020204" pitchFamily="34" charset="0"/>
+                      </a:endParaRPr>
+                    </a:p>
+                  </a:txBody>
+                  <a:tcPr marL="9525" marR="9525" marT="9525" marB="0" anchor="b"/>
+                </a:tc>
+                <a:tc hMerge="1">
+                  <a:txBody>
+                    <a:bodyPr/>
+                    <a:lstStyle/>
+                    <a:p>
+                      <a:pPr rtl="1"/>
+                      <a:endParaRPr lang="he-IL"/>
+                    </a:p>
+                  </a:txBody>
+                  <a:tcPr/>
+                </a:tc>
+                <a:tc hMerge="1">
+                  <a:txBody>
+                    <a:bodyPr/>
+                    <a:lstStyle/>
+                    <a:p>
+                      <a:pPr rtl="1"/>
+                      <a:endParaRPr lang="he-IL"/>
+                    </a:p>
+                  </a:txBody>
+                  <a:tcPr/>
+                </a:tc>
+                <a:tc hMerge="1">
+                  <a:txBody>
+                    <a:bodyPr/>
+                    <a:lstStyle/>
+                    <a:p>
+                      <a:pPr rtl="1"/>
+                      <a:endParaRPr lang="he-IL"/>
+                    </a:p>
+                  </a:txBody>
+                  <a:tcPr/>
+                </a:tc>
+                <a:tc hMerge="1">
+                  <a:txBody>
+                    <a:bodyPr/>
+                    <a:lstStyle/>
+                    <a:p>
+                      <a:pPr rtl="1"/>
+                      <a:endParaRPr lang="he-IL"/>
+                    </a:p>
+                  </a:txBody>
+                  <a:tcPr/>
+                </a:tc>
+                <a:extLst>
+                  <a:ext uri="{0D108BD9-81ED-4DB2-BD59-A6C34878D82A}">
+                    <a16:rowId xmlns:a16="http://schemas.microsoft.com/office/drawing/2014/main" val="56708813"/>
+                  </a:ext>
+                </a:extLst>
+              </a:tr>
+              <a:tr h="190500">
+                <a:tc>
+                  <a:txBody>
+                    <a:bodyPr/>
+                    <a:lstStyle/>
+                    <a:p>
+                      <a:pPr algn="ctr" fontAlgn="b"/>
+                      <a:r>
+                        <a:rPr lang="en-US" sz="1200" u="none" strike="noStrike">
+                          <a:effectLst/>
+                        </a:rPr>
+                        <a:t>Size</a:t>
+                      </a:r>
+                      <a:endParaRPr lang="en-US" sz="1200" b="0" i="0" u="none" strike="noStrike">
+                        <a:solidFill>
+                          <a:srgbClr val="000000"/>
+                        </a:solidFill>
+                        <a:effectLst/>
+                        <a:latin typeface="Arial" panose="020B0604020202020204" pitchFamily="34" charset="0"/>
+                      </a:endParaRPr>
+                    </a:p>
+                  </a:txBody>
+                  <a:tcPr marL="9525" marR="9525" marT="9525" marB="0" anchor="b"/>
+                </a:tc>
+                <a:tc>
+                  <a:txBody>
+                    <a:bodyPr/>
+                    <a:lstStyle/>
+                    <a:p>
+                      <a:pPr algn="ctr" fontAlgn="b"/>
+                      <a:r>
+                        <a:rPr lang="en-US" sz="1200" u="none" strike="noStrike">
+                          <a:effectLst/>
+                        </a:rPr>
+                        <a:t>Best K - Test</a:t>
+                      </a:r>
+                      <a:endParaRPr lang="en-US" sz="1200" b="0" i="0" u="none" strike="noStrike">
+                        <a:solidFill>
+                          <a:srgbClr val="000000"/>
+                        </a:solidFill>
+                        <a:effectLst/>
+                        <a:latin typeface="Arial" panose="020B0604020202020204" pitchFamily="34" charset="0"/>
+                      </a:endParaRPr>
+                    </a:p>
+                  </a:txBody>
+                  <a:tcPr marL="9525" marR="9525" marT="9525" marB="0" anchor="b"/>
+                </a:tc>
+                <a:tc>
+                  <a:txBody>
+                    <a:bodyPr/>
+                    <a:lstStyle/>
+                    <a:p>
+                      <a:pPr algn="ctr" fontAlgn="b"/>
+                      <a:r>
+                        <a:rPr lang="en-US" sz="1200" u="none" strike="noStrike">
+                          <a:effectLst/>
+                        </a:rPr>
+                        <a:t>Test Accuracy </a:t>
+                      </a:r>
+                      <a:endParaRPr lang="en-US" sz="1200" b="0" i="0" u="none" strike="noStrike">
+                        <a:solidFill>
+                          <a:srgbClr val="000000"/>
+                        </a:solidFill>
+                        <a:effectLst/>
+                        <a:latin typeface="Arial" panose="020B0604020202020204" pitchFamily="34" charset="0"/>
+                      </a:endParaRPr>
+                    </a:p>
+                  </a:txBody>
+                  <a:tcPr marL="9525" marR="9525" marT="9525" marB="0" anchor="b"/>
+                </a:tc>
+                <a:tc>
+                  <a:txBody>
+                    <a:bodyPr/>
+                    <a:lstStyle/>
+                    <a:p>
+                      <a:pPr algn="ctr" fontAlgn="b"/>
+                      <a:r>
+                        <a:rPr lang="en-US" sz="1200" u="none" strike="noStrike">
+                          <a:effectLst/>
+                        </a:rPr>
+                        <a:t>Best K - Train</a:t>
+                      </a:r>
+                      <a:endParaRPr lang="en-US" sz="1200" b="0" i="0" u="none" strike="noStrike">
+                        <a:solidFill>
+                          <a:srgbClr val="000000"/>
+                        </a:solidFill>
+                        <a:effectLst/>
+                        <a:latin typeface="Arial" panose="020B0604020202020204" pitchFamily="34" charset="0"/>
+                      </a:endParaRPr>
+                    </a:p>
+                  </a:txBody>
+                  <a:tcPr marL="9525" marR="9525" marT="9525" marB="0" anchor="b"/>
+                </a:tc>
+                <a:tc>
+                  <a:txBody>
+                    <a:bodyPr/>
+                    <a:lstStyle/>
+                    <a:p>
+                      <a:pPr algn="ctr" fontAlgn="b"/>
+                      <a:r>
+                        <a:rPr lang="en-US" sz="1200" u="none" strike="noStrike">
+                          <a:effectLst/>
+                        </a:rPr>
+                        <a:t>Train Accuracy</a:t>
+                      </a:r>
+                      <a:endParaRPr lang="en-US" sz="1200" b="0" i="0" u="none" strike="noStrike">
+                        <a:solidFill>
+                          <a:srgbClr val="000000"/>
+                        </a:solidFill>
+                        <a:effectLst/>
+                        <a:latin typeface="Arial" panose="020B0604020202020204" pitchFamily="34" charset="0"/>
+                      </a:endParaRPr>
+                    </a:p>
+                  </a:txBody>
+                  <a:tcPr marL="9525" marR="9525" marT="9525" marB="0" anchor="b"/>
+                </a:tc>
+                <a:extLst>
+                  <a:ext uri="{0D108BD9-81ED-4DB2-BD59-A6C34878D82A}">
+                    <a16:rowId xmlns:a16="http://schemas.microsoft.com/office/drawing/2014/main" val="1721760023"/>
+                  </a:ext>
+                </a:extLst>
+              </a:tr>
+              <a:tr h="190500">
+                <a:tc>
+                  <a:txBody>
+                    <a:bodyPr/>
+                    <a:lstStyle/>
+                    <a:p>
+                      <a:pPr algn="ctr" fontAlgn="b"/>
+                      <a:r>
+                        <a:rPr lang="en-US" sz="1200" u="none" strike="noStrike">
+                          <a:effectLst/>
+                        </a:rPr>
+                        <a:t>32x32</a:t>
+                      </a:r>
+                      <a:endParaRPr lang="en-US" sz="1200" b="0" i="0" u="none" strike="noStrike">
+                        <a:solidFill>
+                          <a:srgbClr val="000000"/>
+                        </a:solidFill>
+                        <a:effectLst/>
+                        <a:latin typeface="Arial" panose="020B0604020202020204" pitchFamily="34" charset="0"/>
+                      </a:endParaRPr>
+                    </a:p>
+                  </a:txBody>
+                  <a:tcPr marL="9525" marR="9525" marT="9525" marB="0" anchor="b"/>
+                </a:tc>
+                <a:tc>
+                  <a:txBody>
+                    <a:bodyPr/>
+                    <a:lstStyle/>
+                    <a:p>
+                      <a:pPr algn="ctr" fontAlgn="b"/>
+                      <a:r>
+                        <a:rPr lang="he-IL" sz="1200" u="none" strike="noStrike">
+                          <a:effectLst/>
+                        </a:rPr>
+                        <a:t>9</a:t>
+                      </a:r>
+                      <a:endParaRPr lang="he-IL" sz="1200" b="0" i="0" u="none" strike="noStrike">
+                        <a:solidFill>
+                          <a:srgbClr val="000000"/>
+                        </a:solidFill>
+                        <a:effectLst/>
+                        <a:latin typeface="Arial" panose="020B0604020202020204" pitchFamily="34" charset="0"/>
+                      </a:endParaRPr>
+                    </a:p>
+                  </a:txBody>
+                  <a:tcPr marL="9525" marR="9525" marT="9525" marB="0" anchor="b"/>
+                </a:tc>
+                <a:tc>
+                  <a:txBody>
+                    <a:bodyPr/>
+                    <a:lstStyle/>
+                    <a:p>
+                      <a:pPr algn="ctr" fontAlgn="b"/>
+                      <a:r>
+                        <a:rPr lang="he-IL" sz="1200" u="none" strike="noStrike">
+                          <a:effectLst/>
+                        </a:rPr>
+                        <a:t>95.258</a:t>
+                      </a:r>
+                      <a:endParaRPr lang="he-IL" sz="1200" b="0" i="0" u="none" strike="noStrike">
+                        <a:solidFill>
+                          <a:srgbClr val="000000"/>
+                        </a:solidFill>
+                        <a:effectLst/>
+                        <a:latin typeface="Arial" panose="020B0604020202020204" pitchFamily="34" charset="0"/>
+                      </a:endParaRPr>
+                    </a:p>
+                  </a:txBody>
+                  <a:tcPr marL="9525" marR="9525" marT="9525" marB="0" anchor="b"/>
+                </a:tc>
+                <a:tc>
+                  <a:txBody>
+                    <a:bodyPr/>
+                    <a:lstStyle/>
+                    <a:p>
+                      <a:pPr algn="ctr" fontAlgn="b"/>
+                      <a:r>
+                        <a:rPr lang="he-IL" sz="1200" u="none" strike="noStrike">
+                          <a:effectLst/>
+                        </a:rPr>
+                        <a:t>2</a:t>
+                      </a:r>
+                      <a:endParaRPr lang="he-IL" sz="1200" b="0" i="0" u="none" strike="noStrike">
+                        <a:solidFill>
+                          <a:srgbClr val="000000"/>
+                        </a:solidFill>
+                        <a:effectLst/>
+                        <a:latin typeface="Arial" panose="020B0604020202020204" pitchFamily="34" charset="0"/>
+                      </a:endParaRPr>
+                    </a:p>
+                  </a:txBody>
+                  <a:tcPr marL="9525" marR="9525" marT="9525" marB="0" anchor="b"/>
+                </a:tc>
+                <a:tc>
+                  <a:txBody>
+                    <a:bodyPr/>
+                    <a:lstStyle/>
+                    <a:p>
+                      <a:pPr algn="ctr" fontAlgn="b"/>
+                      <a:r>
+                        <a:rPr lang="he-IL" sz="1200" u="none" strike="noStrike">
+                          <a:effectLst/>
+                        </a:rPr>
+                        <a:t>95.678</a:t>
+                      </a:r>
+                      <a:endParaRPr lang="he-IL" sz="1200" b="0" i="0" u="none" strike="noStrike">
+                        <a:solidFill>
+                          <a:srgbClr val="000000"/>
+                        </a:solidFill>
+                        <a:effectLst/>
+                        <a:latin typeface="Arial" panose="020B0604020202020204" pitchFamily="34" charset="0"/>
+                      </a:endParaRPr>
+                    </a:p>
+                  </a:txBody>
+                  <a:tcPr marL="9525" marR="9525" marT="9525" marB="0" anchor="b"/>
+                </a:tc>
+                <a:extLst>
+                  <a:ext uri="{0D108BD9-81ED-4DB2-BD59-A6C34878D82A}">
+                    <a16:rowId xmlns:a16="http://schemas.microsoft.com/office/drawing/2014/main" val="1115933429"/>
+                  </a:ext>
+                </a:extLst>
+              </a:tr>
+              <a:tr h="190500">
+                <a:tc>
+                  <a:txBody>
+                    <a:bodyPr/>
+                    <a:lstStyle/>
+                    <a:p>
+                      <a:pPr algn="ctr" fontAlgn="b"/>
+                      <a:r>
+                        <a:rPr lang="en-US" sz="1200" u="none" strike="noStrike">
+                          <a:effectLst/>
+                        </a:rPr>
+                        <a:t>64x64</a:t>
+                      </a:r>
+                      <a:endParaRPr lang="en-US" sz="1200" b="0" i="0" u="none" strike="noStrike">
+                        <a:solidFill>
+                          <a:srgbClr val="000000"/>
+                        </a:solidFill>
+                        <a:effectLst/>
+                        <a:latin typeface="Arial" panose="020B0604020202020204" pitchFamily="34" charset="0"/>
+                      </a:endParaRPr>
+                    </a:p>
+                  </a:txBody>
+                  <a:tcPr marL="9525" marR="9525" marT="9525" marB="0" anchor="b"/>
+                </a:tc>
+                <a:tc>
+                  <a:txBody>
+                    <a:bodyPr/>
+                    <a:lstStyle/>
+                    <a:p>
+                      <a:pPr algn="ctr" fontAlgn="b"/>
+                      <a:r>
+                        <a:rPr lang="he-IL" sz="1200" u="none" strike="noStrike" dirty="0">
+                          <a:effectLst/>
+                        </a:rPr>
+                        <a:t>3</a:t>
+                      </a:r>
+                      <a:endParaRPr lang="he-IL" sz="1200" b="0" i="0" u="none" strike="noStrike" dirty="0">
+                        <a:solidFill>
+                          <a:srgbClr val="000000"/>
+                        </a:solidFill>
+                        <a:effectLst/>
+                        <a:latin typeface="Arial" panose="020B0604020202020204" pitchFamily="34" charset="0"/>
+                      </a:endParaRPr>
+                    </a:p>
+                  </a:txBody>
+                  <a:tcPr marL="9525" marR="9525" marT="9525" marB="0" anchor="b"/>
+                </a:tc>
+                <a:tc>
+                  <a:txBody>
+                    <a:bodyPr/>
+                    <a:lstStyle/>
+                    <a:p>
+                      <a:pPr algn="ctr" fontAlgn="b"/>
+                      <a:r>
+                        <a:rPr lang="he-IL" sz="1200" u="none" strike="noStrike">
+                          <a:effectLst/>
+                        </a:rPr>
+                        <a:t>96.467</a:t>
+                      </a:r>
+                      <a:endParaRPr lang="he-IL" sz="1200" b="0" i="0" u="none" strike="noStrike">
+                        <a:solidFill>
+                          <a:srgbClr val="000000"/>
+                        </a:solidFill>
+                        <a:effectLst/>
+                        <a:latin typeface="Arial" panose="020B0604020202020204" pitchFamily="34" charset="0"/>
+                      </a:endParaRPr>
+                    </a:p>
+                  </a:txBody>
+                  <a:tcPr marL="9525" marR="9525" marT="9525" marB="0" anchor="b"/>
+                </a:tc>
+                <a:tc>
+                  <a:txBody>
+                    <a:bodyPr/>
+                    <a:lstStyle/>
+                    <a:p>
+                      <a:pPr algn="ctr" fontAlgn="b"/>
+                      <a:r>
+                        <a:rPr lang="he-IL" sz="1200" u="none" strike="noStrike">
+                          <a:effectLst/>
+                        </a:rPr>
+                        <a:t>2</a:t>
+                      </a:r>
+                      <a:endParaRPr lang="he-IL" sz="1200" b="0" i="0" u="none" strike="noStrike">
+                        <a:solidFill>
+                          <a:srgbClr val="000000"/>
+                        </a:solidFill>
+                        <a:effectLst/>
+                        <a:latin typeface="Arial" panose="020B0604020202020204" pitchFamily="34" charset="0"/>
+                      </a:endParaRPr>
+                    </a:p>
+                  </a:txBody>
+                  <a:tcPr marL="9525" marR="9525" marT="9525" marB="0" anchor="b"/>
+                </a:tc>
+                <a:tc>
+                  <a:txBody>
+                    <a:bodyPr/>
+                    <a:lstStyle/>
+                    <a:p>
+                      <a:pPr algn="ctr" fontAlgn="b"/>
+                      <a:r>
+                        <a:rPr lang="he-IL" sz="1200" u="none" strike="noStrike" dirty="0">
+                          <a:effectLst/>
+                        </a:rPr>
+                        <a:t>97.111</a:t>
+                      </a:r>
+                      <a:endParaRPr lang="he-IL" sz="1200" b="0" i="0" u="none" strike="noStrike" dirty="0">
+                        <a:solidFill>
+                          <a:srgbClr val="000000"/>
+                        </a:solidFill>
+                        <a:effectLst/>
+                        <a:latin typeface="Arial" panose="020B0604020202020204" pitchFamily="34" charset="0"/>
+                      </a:endParaRPr>
+                    </a:p>
+                  </a:txBody>
+                  <a:tcPr marL="9525" marR="9525" marT="9525" marB="0" anchor="b"/>
+                </a:tc>
+                <a:extLst>
+                  <a:ext uri="{0D108BD9-81ED-4DB2-BD59-A6C34878D82A}">
+                    <a16:rowId xmlns:a16="http://schemas.microsoft.com/office/drawing/2014/main" val="1552585842"/>
+                  </a:ext>
+                </a:extLst>
+              </a:tr>
+              <a:tr h="190500">
+                <a:tc>
+                  <a:txBody>
+                    <a:bodyPr/>
+                    <a:lstStyle/>
+                    <a:p>
+                      <a:pPr algn="ctr" fontAlgn="b"/>
+                      <a:r>
+                        <a:rPr lang="en-US" sz="1200" u="none" strike="noStrike">
+                          <a:effectLst/>
+                        </a:rPr>
+                        <a:t>128x128</a:t>
+                      </a:r>
+                      <a:endParaRPr lang="en-US" sz="1200" b="0" i="0" u="none" strike="noStrike">
+                        <a:solidFill>
+                          <a:srgbClr val="000000"/>
+                        </a:solidFill>
+                        <a:effectLst/>
+                        <a:latin typeface="Arial" panose="020B0604020202020204" pitchFamily="34" charset="0"/>
+                      </a:endParaRPr>
+                    </a:p>
+                  </a:txBody>
+                  <a:tcPr marL="9525" marR="9525" marT="9525" marB="0" anchor="b"/>
+                </a:tc>
+                <a:tc>
+                  <a:txBody>
+                    <a:bodyPr/>
+                    <a:lstStyle/>
+                    <a:p>
+                      <a:pPr algn="ctr" fontAlgn="b"/>
+                      <a:r>
+                        <a:rPr lang="he-IL" sz="1200" u="none" strike="noStrike" dirty="0">
+                          <a:effectLst/>
+                        </a:rPr>
+                        <a:t>3</a:t>
+                      </a:r>
+                      <a:endParaRPr lang="he-IL" sz="1200" b="0" i="0" u="none" strike="noStrike" dirty="0">
+                        <a:solidFill>
+                          <a:srgbClr val="000000"/>
+                        </a:solidFill>
+                        <a:effectLst/>
+                        <a:latin typeface="Arial" panose="020B0604020202020204" pitchFamily="34" charset="0"/>
+                      </a:endParaRPr>
+                    </a:p>
+                  </a:txBody>
+                  <a:tcPr marL="9525" marR="9525" marT="9525" marB="0" anchor="b"/>
+                </a:tc>
+                <a:tc>
+                  <a:txBody>
+                    <a:bodyPr/>
+                    <a:lstStyle/>
+                    <a:p>
+                      <a:pPr algn="ctr" fontAlgn="b"/>
+                      <a:r>
+                        <a:rPr lang="he-IL" sz="1200" u="none" strike="noStrike">
+                          <a:effectLst/>
+                        </a:rPr>
+                        <a:t>96.887</a:t>
+                      </a:r>
+                      <a:endParaRPr lang="he-IL" sz="1200" b="0" i="0" u="none" strike="noStrike">
+                        <a:solidFill>
+                          <a:srgbClr val="000000"/>
+                        </a:solidFill>
+                        <a:effectLst/>
+                        <a:latin typeface="Arial" panose="020B0604020202020204" pitchFamily="34" charset="0"/>
+                      </a:endParaRPr>
+                    </a:p>
+                  </a:txBody>
+                  <a:tcPr marL="9525" marR="9525" marT="9525" marB="0" anchor="b"/>
+                </a:tc>
+                <a:tc>
+                  <a:txBody>
+                    <a:bodyPr/>
+                    <a:lstStyle/>
+                    <a:p>
+                      <a:pPr algn="ctr" fontAlgn="b"/>
+                      <a:r>
+                        <a:rPr lang="he-IL" sz="1200" u="none" strike="noStrike">
+                          <a:effectLst/>
+                        </a:rPr>
+                        <a:t>2</a:t>
+                      </a:r>
+                      <a:endParaRPr lang="he-IL" sz="1200" b="0" i="0" u="none" strike="noStrike">
+                        <a:solidFill>
+                          <a:srgbClr val="000000"/>
+                        </a:solidFill>
+                        <a:effectLst/>
+                        <a:latin typeface="Arial" panose="020B0604020202020204" pitchFamily="34" charset="0"/>
+                      </a:endParaRPr>
+                    </a:p>
+                  </a:txBody>
+                  <a:tcPr marL="9525" marR="9525" marT="9525" marB="0" anchor="b"/>
+                </a:tc>
+                <a:tc>
+                  <a:txBody>
+                    <a:bodyPr/>
+                    <a:lstStyle/>
+                    <a:p>
+                      <a:pPr algn="ctr" fontAlgn="b"/>
+                      <a:r>
+                        <a:rPr lang="he-IL" sz="1200" u="none" strike="noStrike" dirty="0">
+                          <a:effectLst/>
+                        </a:rPr>
+                        <a:t>97.634</a:t>
+                      </a:r>
+                      <a:endParaRPr lang="he-IL" sz="1200" b="0" i="0" u="none" strike="noStrike" dirty="0">
+                        <a:solidFill>
+                          <a:srgbClr val="000000"/>
+                        </a:solidFill>
+                        <a:effectLst/>
+                        <a:latin typeface="Arial" panose="020B0604020202020204" pitchFamily="34" charset="0"/>
+                      </a:endParaRPr>
+                    </a:p>
+                  </a:txBody>
+                  <a:tcPr marL="9525" marR="9525" marT="9525" marB="0" anchor="b"/>
+                </a:tc>
+                <a:extLst>
+                  <a:ext uri="{0D108BD9-81ED-4DB2-BD59-A6C34878D82A}">
+                    <a16:rowId xmlns:a16="http://schemas.microsoft.com/office/drawing/2014/main" val="3045533222"/>
+                  </a:ext>
+                </a:extLst>
+              </a:tr>
+            </a:tbl>
+          </a:graphicData>
+        </a:graphic>
+      </p:graphicFrame>
+      <p:pic>
+        <p:nvPicPr>
+          <p:cNvPr id="19" name="Graphic 18" descr="Smiling face outline outline">
+            <a:extLst>
+              <a:ext uri="{FF2B5EF4-FFF2-40B4-BE49-F238E27FC236}">
+                <a16:creationId xmlns:a16="http://schemas.microsoft.com/office/drawing/2014/main" id="{2B323945-E75F-40FE-4930-ED93739DC21F}"/>
+              </a:ext>
+            </a:extLst>
+          </p:cNvPr>
+          <p:cNvPicPr>
+            <a:picLocks noChangeAspect="1"/>
+          </p:cNvPicPr>
+          <p:nvPr/>
+        </p:nvPicPr>
+        <p:blipFill>
+          <a:blip r:embed="rId3">
+            <a:extLst>
+              <a:ext uri="{28A0092B-C50C-407E-A947-70E740481C1C}">
+                <a14:useLocalDpi xmlns:a14="http://schemas.microsoft.com/office/drawing/2010/main" val="0"/>
+              </a:ext>
+              <a:ext uri="{96DAC541-7B7A-43D3-8B79-37D633B846F1}">
+                <asvg:svgBlip xmlns:asvg="http://schemas.microsoft.com/office/drawing/2016/SVG/main" r:embed="rId4"/>
+              </a:ext>
+            </a:extLst>
+          </a:blip>
+          <a:stretch>
+            <a:fillRect/>
+          </a:stretch>
+        </p:blipFill>
+        <p:spPr>
+          <a:xfrm>
+            <a:off x="5822418" y="2450052"/>
+            <a:ext cx="558425" cy="558425"/>
+          </a:xfrm>
+          <a:prstGeom prst="rect">
+            <a:avLst/>
+          </a:prstGeom>
+        </p:spPr>
+      </p:pic>
+      <p:graphicFrame>
+        <p:nvGraphicFramePr>
+          <p:cNvPr id="22" name="Table 21">
+            <a:extLst>
+              <a:ext uri="{FF2B5EF4-FFF2-40B4-BE49-F238E27FC236}">
+                <a16:creationId xmlns:a16="http://schemas.microsoft.com/office/drawing/2014/main" id="{E830755F-BF7C-F0C0-6552-FD551C44574A}"/>
+              </a:ext>
+            </a:extLst>
+          </p:cNvPr>
+          <p:cNvGraphicFramePr>
+            <a:graphicFrameLocks noGrp="1"/>
+          </p:cNvGraphicFramePr>
+          <p:nvPr>
+            <p:extLst>
+              <p:ext uri="{D42A27DB-BD31-4B8C-83A1-F6EECF244321}">
+                <p14:modId xmlns:p14="http://schemas.microsoft.com/office/powerpoint/2010/main" val="1385304232"/>
+              </p:ext>
+            </p:extLst>
+          </p:nvPr>
+        </p:nvGraphicFramePr>
+        <p:xfrm>
+          <a:off x="764770" y="3263081"/>
+          <a:ext cx="4914900" cy="962025"/>
+        </p:xfrm>
+        <a:graphic>
+          <a:graphicData uri="http://schemas.openxmlformats.org/drawingml/2006/table">
+            <a:tbl>
+              <a:tblPr>
+                <a:tableStyleId>{69C7853C-536D-4A76-A0AE-DD22124D55A5}</a:tableStyleId>
+              </a:tblPr>
+              <a:tblGrid>
+                <a:gridCol w="685800">
+                  <a:extLst>
+                    <a:ext uri="{9D8B030D-6E8A-4147-A177-3AD203B41FA5}">
+                      <a16:colId xmlns:a16="http://schemas.microsoft.com/office/drawing/2014/main" val="3908902044"/>
+                    </a:ext>
+                  </a:extLst>
+                </a:gridCol>
+                <a:gridCol w="981075">
+                  <a:extLst>
+                    <a:ext uri="{9D8B030D-6E8A-4147-A177-3AD203B41FA5}">
+                      <a16:colId xmlns:a16="http://schemas.microsoft.com/office/drawing/2014/main" val="113855196"/>
+                    </a:ext>
+                  </a:extLst>
+                </a:gridCol>
+                <a:gridCol w="1095375">
+                  <a:extLst>
+                    <a:ext uri="{9D8B030D-6E8A-4147-A177-3AD203B41FA5}">
+                      <a16:colId xmlns:a16="http://schemas.microsoft.com/office/drawing/2014/main" val="2694092827"/>
+                    </a:ext>
+                  </a:extLst>
+                </a:gridCol>
+                <a:gridCol w="1038225">
+                  <a:extLst>
+                    <a:ext uri="{9D8B030D-6E8A-4147-A177-3AD203B41FA5}">
+                      <a16:colId xmlns:a16="http://schemas.microsoft.com/office/drawing/2014/main" val="4252541475"/>
+                    </a:ext>
+                  </a:extLst>
+                </a:gridCol>
+                <a:gridCol w="1114425">
+                  <a:extLst>
+                    <a:ext uri="{9D8B030D-6E8A-4147-A177-3AD203B41FA5}">
+                      <a16:colId xmlns:a16="http://schemas.microsoft.com/office/drawing/2014/main" val="683065479"/>
+                    </a:ext>
+                  </a:extLst>
+                </a:gridCol>
+              </a:tblGrid>
+              <a:tr h="190500">
+                <a:tc gridSpan="5">
+                  <a:txBody>
+                    <a:bodyPr/>
+                    <a:lstStyle/>
+                    <a:p>
+                      <a:pPr algn="ctr" fontAlgn="b"/>
+                      <a:r>
+                        <a:rPr lang="en-US" sz="1200" u="none" strike="noStrike" dirty="0">
+                          <a:effectLst/>
+                        </a:rPr>
+                        <a:t>LDA</a:t>
+                      </a:r>
+                      <a:endParaRPr lang="en-US" sz="1200" b="0" i="0" u="none" strike="noStrike" dirty="0">
+                        <a:solidFill>
+                          <a:srgbClr val="000000"/>
+                        </a:solidFill>
+                        <a:effectLst/>
+                        <a:latin typeface="Arial" panose="020B0604020202020204" pitchFamily="34" charset="0"/>
+                      </a:endParaRPr>
+                    </a:p>
+                  </a:txBody>
+                  <a:tcPr marL="9525" marR="9525" marT="9525" marB="0" anchor="b"/>
+                </a:tc>
+                <a:tc hMerge="1">
+                  <a:txBody>
+                    <a:bodyPr/>
+                    <a:lstStyle/>
+                    <a:p>
+                      <a:pPr rtl="1"/>
+                      <a:endParaRPr lang="he-IL"/>
+                    </a:p>
+                  </a:txBody>
+                  <a:tcPr/>
+                </a:tc>
+                <a:tc hMerge="1">
+                  <a:txBody>
+                    <a:bodyPr/>
+                    <a:lstStyle/>
+                    <a:p>
+                      <a:pPr rtl="1"/>
+                      <a:endParaRPr lang="he-IL"/>
+                    </a:p>
+                  </a:txBody>
+                  <a:tcPr/>
+                </a:tc>
+                <a:tc hMerge="1">
+                  <a:txBody>
+                    <a:bodyPr/>
+                    <a:lstStyle/>
+                    <a:p>
+                      <a:pPr rtl="1"/>
+                      <a:endParaRPr lang="he-IL"/>
+                    </a:p>
+                  </a:txBody>
+                  <a:tcPr/>
+                </a:tc>
+                <a:tc hMerge="1">
+                  <a:txBody>
+                    <a:bodyPr/>
+                    <a:lstStyle/>
+                    <a:p>
+                      <a:pPr rtl="1"/>
+                      <a:endParaRPr lang="he-IL"/>
+                    </a:p>
+                  </a:txBody>
+                  <a:tcPr/>
+                </a:tc>
+                <a:extLst>
+                  <a:ext uri="{0D108BD9-81ED-4DB2-BD59-A6C34878D82A}">
+                    <a16:rowId xmlns:a16="http://schemas.microsoft.com/office/drawing/2014/main" val="35533275"/>
+                  </a:ext>
+                </a:extLst>
+              </a:tr>
+              <a:tr h="190500">
+                <a:tc>
+                  <a:txBody>
+                    <a:bodyPr/>
+                    <a:lstStyle/>
+                    <a:p>
+                      <a:pPr algn="ctr" fontAlgn="b"/>
+                      <a:r>
+                        <a:rPr lang="en-US" sz="1200" u="none" strike="noStrike">
+                          <a:effectLst/>
+                        </a:rPr>
+                        <a:t>Size</a:t>
+                      </a:r>
+                      <a:endParaRPr lang="en-US" sz="1200" b="0" i="0" u="none" strike="noStrike">
+                        <a:solidFill>
+                          <a:srgbClr val="000000"/>
+                        </a:solidFill>
+                        <a:effectLst/>
+                        <a:latin typeface="Arial" panose="020B0604020202020204" pitchFamily="34" charset="0"/>
+                      </a:endParaRPr>
+                    </a:p>
+                  </a:txBody>
+                  <a:tcPr marL="9525" marR="9525" marT="9525" marB="0" anchor="b"/>
+                </a:tc>
+                <a:tc>
+                  <a:txBody>
+                    <a:bodyPr/>
+                    <a:lstStyle/>
+                    <a:p>
+                      <a:pPr algn="ctr" fontAlgn="b"/>
+                      <a:r>
+                        <a:rPr lang="en-US" sz="1200" u="none" strike="noStrike">
+                          <a:effectLst/>
+                        </a:rPr>
+                        <a:t>Best K - Test</a:t>
+                      </a:r>
+                      <a:endParaRPr lang="en-US" sz="1200" b="0" i="0" u="none" strike="noStrike">
+                        <a:solidFill>
+                          <a:srgbClr val="000000"/>
+                        </a:solidFill>
+                        <a:effectLst/>
+                        <a:latin typeface="Arial" panose="020B0604020202020204" pitchFamily="34" charset="0"/>
+                      </a:endParaRPr>
+                    </a:p>
+                  </a:txBody>
+                  <a:tcPr marL="9525" marR="9525" marT="9525" marB="0" anchor="b"/>
+                </a:tc>
+                <a:tc>
+                  <a:txBody>
+                    <a:bodyPr/>
+                    <a:lstStyle/>
+                    <a:p>
+                      <a:pPr algn="ctr" fontAlgn="b"/>
+                      <a:r>
+                        <a:rPr lang="en-US" sz="1200" u="none" strike="noStrike">
+                          <a:effectLst/>
+                        </a:rPr>
+                        <a:t>Test Accuracy </a:t>
+                      </a:r>
+                      <a:endParaRPr lang="en-US" sz="1200" b="0" i="0" u="none" strike="noStrike">
+                        <a:solidFill>
+                          <a:srgbClr val="000000"/>
+                        </a:solidFill>
+                        <a:effectLst/>
+                        <a:latin typeface="Arial" panose="020B0604020202020204" pitchFamily="34" charset="0"/>
+                      </a:endParaRPr>
+                    </a:p>
+                  </a:txBody>
+                  <a:tcPr marL="9525" marR="9525" marT="9525" marB="0" anchor="b"/>
+                </a:tc>
+                <a:tc>
+                  <a:txBody>
+                    <a:bodyPr/>
+                    <a:lstStyle/>
+                    <a:p>
+                      <a:pPr algn="ctr" fontAlgn="b"/>
+                      <a:r>
+                        <a:rPr lang="en-US" sz="1200" u="none" strike="noStrike">
+                          <a:effectLst/>
+                        </a:rPr>
+                        <a:t>Best K - Train</a:t>
+                      </a:r>
+                      <a:endParaRPr lang="en-US" sz="1200" b="0" i="0" u="none" strike="noStrike">
+                        <a:solidFill>
+                          <a:srgbClr val="000000"/>
+                        </a:solidFill>
+                        <a:effectLst/>
+                        <a:latin typeface="Arial" panose="020B0604020202020204" pitchFamily="34" charset="0"/>
+                      </a:endParaRPr>
+                    </a:p>
+                  </a:txBody>
+                  <a:tcPr marL="9525" marR="9525" marT="9525" marB="0" anchor="b"/>
+                </a:tc>
+                <a:tc>
+                  <a:txBody>
+                    <a:bodyPr/>
+                    <a:lstStyle/>
+                    <a:p>
+                      <a:pPr algn="ctr" fontAlgn="b"/>
+                      <a:r>
+                        <a:rPr lang="en-US" sz="1200" u="none" strike="noStrike">
+                          <a:effectLst/>
+                        </a:rPr>
+                        <a:t>Train Accuracy</a:t>
+                      </a:r>
+                      <a:endParaRPr lang="en-US" sz="1200" b="0" i="0" u="none" strike="noStrike">
+                        <a:solidFill>
+                          <a:srgbClr val="000000"/>
+                        </a:solidFill>
+                        <a:effectLst/>
+                        <a:latin typeface="Arial" panose="020B0604020202020204" pitchFamily="34" charset="0"/>
+                      </a:endParaRPr>
+                    </a:p>
+                  </a:txBody>
+                  <a:tcPr marL="9525" marR="9525" marT="9525" marB="0" anchor="b"/>
+                </a:tc>
+                <a:extLst>
+                  <a:ext uri="{0D108BD9-81ED-4DB2-BD59-A6C34878D82A}">
+                    <a16:rowId xmlns:a16="http://schemas.microsoft.com/office/drawing/2014/main" val="672275158"/>
+                  </a:ext>
+                </a:extLst>
+              </a:tr>
+              <a:tr h="190500">
+                <a:tc>
+                  <a:txBody>
+                    <a:bodyPr/>
+                    <a:lstStyle/>
+                    <a:p>
+                      <a:pPr algn="ctr" fontAlgn="b"/>
+                      <a:r>
+                        <a:rPr lang="en-US" sz="1200" u="none" strike="noStrike">
+                          <a:effectLst/>
+                        </a:rPr>
+                        <a:t>32x32</a:t>
+                      </a:r>
+                      <a:endParaRPr lang="en-US" sz="1200" b="0" i="0" u="none" strike="noStrike">
+                        <a:solidFill>
+                          <a:srgbClr val="000000"/>
+                        </a:solidFill>
+                        <a:effectLst/>
+                        <a:latin typeface="Arial" panose="020B0604020202020204" pitchFamily="34" charset="0"/>
+                      </a:endParaRPr>
+                    </a:p>
+                  </a:txBody>
+                  <a:tcPr marL="9525" marR="9525" marT="9525" marB="0" anchor="b"/>
+                </a:tc>
+                <a:tc>
+                  <a:txBody>
+                    <a:bodyPr/>
+                    <a:lstStyle/>
+                    <a:p>
+                      <a:pPr algn="ctr" fontAlgn="b"/>
+                      <a:r>
+                        <a:rPr lang="he-IL" sz="1200" u="none" strike="noStrike">
+                          <a:effectLst/>
+                        </a:rPr>
+                        <a:t>6</a:t>
+                      </a:r>
+                      <a:endParaRPr lang="he-IL" sz="1200" b="0" i="0" u="none" strike="noStrike">
+                        <a:solidFill>
+                          <a:srgbClr val="000000"/>
+                        </a:solidFill>
+                        <a:effectLst/>
+                        <a:latin typeface="Arial" panose="020B0604020202020204" pitchFamily="34" charset="0"/>
+                      </a:endParaRPr>
+                    </a:p>
+                  </a:txBody>
+                  <a:tcPr marL="9525" marR="9525" marT="9525" marB="0" anchor="b"/>
+                </a:tc>
+                <a:tc>
+                  <a:txBody>
+                    <a:bodyPr/>
+                    <a:lstStyle/>
+                    <a:p>
+                      <a:pPr algn="ctr" fontAlgn="b"/>
+                      <a:r>
+                        <a:rPr lang="he-IL" sz="1200" u="none" strike="noStrike">
+                          <a:effectLst/>
+                        </a:rPr>
+                        <a:t>97.009</a:t>
+                      </a:r>
+                      <a:endParaRPr lang="he-IL" sz="1200" b="0" i="0" u="none" strike="noStrike">
+                        <a:solidFill>
+                          <a:srgbClr val="000000"/>
+                        </a:solidFill>
+                        <a:effectLst/>
+                        <a:latin typeface="Arial" panose="020B0604020202020204" pitchFamily="34" charset="0"/>
+                      </a:endParaRPr>
+                    </a:p>
+                  </a:txBody>
+                  <a:tcPr marL="9525" marR="9525" marT="9525" marB="0" anchor="b"/>
+                </a:tc>
+                <a:tc>
+                  <a:txBody>
+                    <a:bodyPr/>
+                    <a:lstStyle/>
+                    <a:p>
+                      <a:pPr algn="ctr" fontAlgn="b"/>
+                      <a:r>
+                        <a:rPr lang="he-IL" sz="1200" u="none" strike="noStrike">
+                          <a:effectLst/>
+                        </a:rPr>
+                        <a:t>2</a:t>
+                      </a:r>
+                      <a:endParaRPr lang="he-IL" sz="1200" b="0" i="0" u="none" strike="noStrike">
+                        <a:solidFill>
+                          <a:srgbClr val="000000"/>
+                        </a:solidFill>
+                        <a:effectLst/>
+                        <a:latin typeface="Arial" panose="020B0604020202020204" pitchFamily="34" charset="0"/>
+                      </a:endParaRPr>
+                    </a:p>
+                  </a:txBody>
+                  <a:tcPr marL="9525" marR="9525" marT="9525" marB="0" anchor="b"/>
+                </a:tc>
+                <a:tc>
+                  <a:txBody>
+                    <a:bodyPr/>
+                    <a:lstStyle/>
+                    <a:p>
+                      <a:pPr algn="ctr" fontAlgn="b"/>
+                      <a:r>
+                        <a:rPr lang="he-IL" sz="1200" u="none" strike="noStrike">
+                          <a:effectLst/>
+                        </a:rPr>
+                        <a:t>99.15</a:t>
+                      </a:r>
+                      <a:endParaRPr lang="he-IL" sz="1200" b="0" i="0" u="none" strike="noStrike">
+                        <a:solidFill>
+                          <a:srgbClr val="000000"/>
+                        </a:solidFill>
+                        <a:effectLst/>
+                        <a:latin typeface="Arial" panose="020B0604020202020204" pitchFamily="34" charset="0"/>
+                      </a:endParaRPr>
+                    </a:p>
+                  </a:txBody>
+                  <a:tcPr marL="9525" marR="9525" marT="9525" marB="0" anchor="b"/>
+                </a:tc>
+                <a:extLst>
+                  <a:ext uri="{0D108BD9-81ED-4DB2-BD59-A6C34878D82A}">
+                    <a16:rowId xmlns:a16="http://schemas.microsoft.com/office/drawing/2014/main" val="2517418484"/>
+                  </a:ext>
+                </a:extLst>
+              </a:tr>
+              <a:tr h="190500">
+                <a:tc>
+                  <a:txBody>
+                    <a:bodyPr/>
+                    <a:lstStyle/>
+                    <a:p>
+                      <a:pPr algn="ctr" fontAlgn="b"/>
+                      <a:r>
+                        <a:rPr lang="en-US" sz="1200" u="none" strike="noStrike">
+                          <a:effectLst/>
+                        </a:rPr>
+                        <a:t>64x64</a:t>
+                      </a:r>
+                      <a:endParaRPr lang="en-US" sz="1200" b="0" i="0" u="none" strike="noStrike">
+                        <a:solidFill>
+                          <a:srgbClr val="000000"/>
+                        </a:solidFill>
+                        <a:effectLst/>
+                        <a:latin typeface="Arial" panose="020B0604020202020204" pitchFamily="34" charset="0"/>
+                      </a:endParaRPr>
+                    </a:p>
+                  </a:txBody>
+                  <a:tcPr marL="9525" marR="9525" marT="9525" marB="0" anchor="b"/>
+                </a:tc>
+                <a:tc>
+                  <a:txBody>
+                    <a:bodyPr/>
+                    <a:lstStyle/>
+                    <a:p>
+                      <a:pPr algn="ctr" fontAlgn="b"/>
+                      <a:r>
+                        <a:rPr lang="he-IL" sz="1200" u="none" strike="noStrike">
+                          <a:effectLst/>
+                        </a:rPr>
+                        <a:t>10</a:t>
+                      </a:r>
+                      <a:endParaRPr lang="he-IL" sz="1200" b="0" i="0" u="none" strike="noStrike">
+                        <a:solidFill>
+                          <a:srgbClr val="000000"/>
+                        </a:solidFill>
+                        <a:effectLst/>
+                        <a:latin typeface="Arial" panose="020B0604020202020204" pitchFamily="34" charset="0"/>
+                      </a:endParaRPr>
+                    </a:p>
+                  </a:txBody>
+                  <a:tcPr marL="9525" marR="9525" marT="9525" marB="0" anchor="b"/>
+                </a:tc>
+                <a:tc>
+                  <a:txBody>
+                    <a:bodyPr/>
+                    <a:lstStyle/>
+                    <a:p>
+                      <a:pPr algn="ctr" fontAlgn="b"/>
+                      <a:r>
+                        <a:rPr lang="he-IL" sz="1200" u="none" strike="noStrike" dirty="0">
+                          <a:effectLst/>
+                        </a:rPr>
+                        <a:t>97.347</a:t>
+                      </a:r>
+                      <a:endParaRPr lang="he-IL" sz="1200" b="0" i="0" u="none" strike="noStrike" dirty="0">
+                        <a:solidFill>
+                          <a:srgbClr val="000000"/>
+                        </a:solidFill>
+                        <a:effectLst/>
+                        <a:latin typeface="Arial" panose="020B0604020202020204" pitchFamily="34" charset="0"/>
+                      </a:endParaRPr>
+                    </a:p>
+                  </a:txBody>
+                  <a:tcPr marL="9525" marR="9525" marT="9525" marB="0" anchor="b"/>
+                </a:tc>
+                <a:tc>
+                  <a:txBody>
+                    <a:bodyPr/>
+                    <a:lstStyle/>
+                    <a:p>
+                      <a:pPr algn="ctr" fontAlgn="b"/>
+                      <a:r>
+                        <a:rPr lang="he-IL" sz="1200" u="none" strike="noStrike">
+                          <a:effectLst/>
+                        </a:rPr>
+                        <a:t>2</a:t>
+                      </a:r>
+                      <a:endParaRPr lang="he-IL" sz="1200" b="0" i="0" u="none" strike="noStrike">
+                        <a:solidFill>
+                          <a:srgbClr val="000000"/>
+                        </a:solidFill>
+                        <a:effectLst/>
+                        <a:latin typeface="Arial" panose="020B0604020202020204" pitchFamily="34" charset="0"/>
+                      </a:endParaRPr>
+                    </a:p>
+                  </a:txBody>
+                  <a:tcPr marL="9525" marR="9525" marT="9525" marB="0" anchor="b"/>
+                </a:tc>
+                <a:tc>
+                  <a:txBody>
+                    <a:bodyPr/>
+                    <a:lstStyle/>
+                    <a:p>
+                      <a:pPr algn="ctr" fontAlgn="b"/>
+                      <a:r>
+                        <a:rPr lang="he-IL" sz="1200" u="none" strike="noStrike">
+                          <a:effectLst/>
+                        </a:rPr>
+                        <a:t>100</a:t>
+                      </a:r>
+                      <a:endParaRPr lang="he-IL" sz="1200" b="0" i="0" u="none" strike="noStrike">
+                        <a:solidFill>
+                          <a:srgbClr val="000000"/>
+                        </a:solidFill>
+                        <a:effectLst/>
+                        <a:latin typeface="Arial" panose="020B0604020202020204" pitchFamily="34" charset="0"/>
+                      </a:endParaRPr>
+                    </a:p>
+                  </a:txBody>
+                  <a:tcPr marL="9525" marR="9525" marT="9525" marB="0" anchor="b"/>
+                </a:tc>
+                <a:extLst>
+                  <a:ext uri="{0D108BD9-81ED-4DB2-BD59-A6C34878D82A}">
+                    <a16:rowId xmlns:a16="http://schemas.microsoft.com/office/drawing/2014/main" val="326461689"/>
+                  </a:ext>
+                </a:extLst>
+              </a:tr>
+              <a:tr h="190500">
+                <a:tc>
+                  <a:txBody>
+                    <a:bodyPr/>
+                    <a:lstStyle/>
+                    <a:p>
+                      <a:pPr algn="ctr" fontAlgn="b"/>
+                      <a:r>
+                        <a:rPr lang="en-US" sz="1200" u="none" strike="noStrike">
+                          <a:effectLst/>
+                        </a:rPr>
+                        <a:t>128x128</a:t>
+                      </a:r>
+                      <a:endParaRPr lang="en-US" sz="1200" b="0" i="0" u="none" strike="noStrike">
+                        <a:solidFill>
+                          <a:srgbClr val="000000"/>
+                        </a:solidFill>
+                        <a:effectLst/>
+                        <a:latin typeface="Arial" panose="020B0604020202020204" pitchFamily="34" charset="0"/>
+                      </a:endParaRPr>
+                    </a:p>
+                  </a:txBody>
+                  <a:tcPr marL="9525" marR="9525" marT="9525" marB="0" anchor="b"/>
+                </a:tc>
+                <a:tc>
+                  <a:txBody>
+                    <a:bodyPr/>
+                    <a:lstStyle/>
+                    <a:p>
+                      <a:pPr algn="ctr" fontAlgn="b"/>
+                      <a:r>
+                        <a:rPr lang="he-IL" sz="1200" u="none" strike="noStrike">
+                          <a:effectLst/>
+                        </a:rPr>
+                        <a:t>3</a:t>
+                      </a:r>
+                      <a:endParaRPr lang="he-IL" sz="1200" b="0" i="0" u="none" strike="noStrike">
+                        <a:solidFill>
+                          <a:srgbClr val="000000"/>
+                        </a:solidFill>
+                        <a:effectLst/>
+                        <a:latin typeface="Arial" panose="020B0604020202020204" pitchFamily="34" charset="0"/>
+                      </a:endParaRPr>
+                    </a:p>
+                  </a:txBody>
+                  <a:tcPr marL="9525" marR="9525" marT="9525" marB="0" anchor="b"/>
+                </a:tc>
+                <a:tc>
+                  <a:txBody>
+                    <a:bodyPr/>
+                    <a:lstStyle/>
+                    <a:p>
+                      <a:pPr algn="ctr" fontAlgn="b"/>
+                      <a:r>
+                        <a:rPr lang="he-IL" sz="1200" u="none" strike="noStrike">
+                          <a:effectLst/>
+                        </a:rPr>
+                        <a:t>70.73</a:t>
+                      </a:r>
+                      <a:endParaRPr lang="he-IL" sz="1200" b="0" i="0" u="none" strike="noStrike">
+                        <a:solidFill>
+                          <a:srgbClr val="000000"/>
+                        </a:solidFill>
+                        <a:effectLst/>
+                        <a:latin typeface="Arial" panose="020B0604020202020204" pitchFamily="34" charset="0"/>
+                      </a:endParaRPr>
+                    </a:p>
+                  </a:txBody>
+                  <a:tcPr marL="9525" marR="9525" marT="9525" marB="0" anchor="b"/>
+                </a:tc>
+                <a:tc>
+                  <a:txBody>
+                    <a:bodyPr/>
+                    <a:lstStyle/>
+                    <a:p>
+                      <a:pPr algn="ctr" fontAlgn="b"/>
+                      <a:r>
+                        <a:rPr lang="en-US" sz="1200" u="none" strike="noStrike">
+                          <a:effectLst/>
+                        </a:rPr>
+                        <a:t>ALL</a:t>
+                      </a:r>
+                      <a:endParaRPr lang="en-US" sz="1200" b="0" i="0" u="none" strike="noStrike">
+                        <a:solidFill>
+                          <a:srgbClr val="000000"/>
+                        </a:solidFill>
+                        <a:effectLst/>
+                        <a:latin typeface="Arial" panose="020B0604020202020204" pitchFamily="34" charset="0"/>
+                      </a:endParaRPr>
+                    </a:p>
+                  </a:txBody>
+                  <a:tcPr marL="9525" marR="9525" marT="9525" marB="0" anchor="b"/>
+                </a:tc>
+                <a:tc>
+                  <a:txBody>
+                    <a:bodyPr/>
+                    <a:lstStyle/>
+                    <a:p>
+                      <a:pPr algn="ctr" fontAlgn="b"/>
+                      <a:r>
+                        <a:rPr lang="he-IL" sz="1200" u="none" strike="noStrike" dirty="0">
+                          <a:effectLst/>
+                        </a:rPr>
+                        <a:t>100</a:t>
+                      </a:r>
+                      <a:endParaRPr lang="he-IL" sz="1200" b="0" i="0" u="none" strike="noStrike" dirty="0">
+                        <a:solidFill>
+                          <a:srgbClr val="000000"/>
+                        </a:solidFill>
+                        <a:effectLst/>
+                        <a:latin typeface="Arial" panose="020B0604020202020204" pitchFamily="34" charset="0"/>
+                      </a:endParaRPr>
+                    </a:p>
+                  </a:txBody>
+                  <a:tcPr marL="9525" marR="9525" marT="9525" marB="0" anchor="b"/>
+                </a:tc>
+                <a:extLst>
+                  <a:ext uri="{0D108BD9-81ED-4DB2-BD59-A6C34878D82A}">
+                    <a16:rowId xmlns:a16="http://schemas.microsoft.com/office/drawing/2014/main" val="3651423556"/>
+                  </a:ext>
+                </a:extLst>
+              </a:tr>
+            </a:tbl>
+          </a:graphicData>
+        </a:graphic>
+      </p:graphicFrame>
+      <p:graphicFrame>
+        <p:nvGraphicFramePr>
+          <p:cNvPr id="23" name="Table 22">
+            <a:extLst>
+              <a:ext uri="{FF2B5EF4-FFF2-40B4-BE49-F238E27FC236}">
+                <a16:creationId xmlns:a16="http://schemas.microsoft.com/office/drawing/2014/main" id="{8B7C8D46-7A6D-3336-E6DF-810A62C7A99E}"/>
+              </a:ext>
+            </a:extLst>
+          </p:cNvPr>
+          <p:cNvGraphicFramePr>
+            <a:graphicFrameLocks noGrp="1"/>
+          </p:cNvGraphicFramePr>
+          <p:nvPr>
+            <p:extLst>
+              <p:ext uri="{D42A27DB-BD31-4B8C-83A1-F6EECF244321}">
+                <p14:modId xmlns:p14="http://schemas.microsoft.com/office/powerpoint/2010/main" val="1021686931"/>
+              </p:ext>
+            </p:extLst>
+          </p:nvPr>
+        </p:nvGraphicFramePr>
+        <p:xfrm>
+          <a:off x="764770" y="4323704"/>
+          <a:ext cx="4914900" cy="962025"/>
+        </p:xfrm>
+        <a:graphic>
+          <a:graphicData uri="http://schemas.openxmlformats.org/drawingml/2006/table">
+            <a:tbl>
+              <a:tblPr>
+                <a:tableStyleId>{69C7853C-536D-4A76-A0AE-DD22124D55A5}</a:tableStyleId>
+              </a:tblPr>
+              <a:tblGrid>
+                <a:gridCol w="685800">
+                  <a:extLst>
+                    <a:ext uri="{9D8B030D-6E8A-4147-A177-3AD203B41FA5}">
+                      <a16:colId xmlns:a16="http://schemas.microsoft.com/office/drawing/2014/main" val="3152108360"/>
+                    </a:ext>
+                  </a:extLst>
+                </a:gridCol>
+                <a:gridCol w="981075">
+                  <a:extLst>
+                    <a:ext uri="{9D8B030D-6E8A-4147-A177-3AD203B41FA5}">
+                      <a16:colId xmlns:a16="http://schemas.microsoft.com/office/drawing/2014/main" val="3001326710"/>
+                    </a:ext>
+                  </a:extLst>
+                </a:gridCol>
+                <a:gridCol w="1095375">
+                  <a:extLst>
+                    <a:ext uri="{9D8B030D-6E8A-4147-A177-3AD203B41FA5}">
+                      <a16:colId xmlns:a16="http://schemas.microsoft.com/office/drawing/2014/main" val="1500555627"/>
+                    </a:ext>
+                  </a:extLst>
+                </a:gridCol>
+                <a:gridCol w="1038225">
+                  <a:extLst>
+                    <a:ext uri="{9D8B030D-6E8A-4147-A177-3AD203B41FA5}">
+                      <a16:colId xmlns:a16="http://schemas.microsoft.com/office/drawing/2014/main" val="4084265290"/>
+                    </a:ext>
+                  </a:extLst>
+                </a:gridCol>
+                <a:gridCol w="1114425">
+                  <a:extLst>
+                    <a:ext uri="{9D8B030D-6E8A-4147-A177-3AD203B41FA5}">
+                      <a16:colId xmlns:a16="http://schemas.microsoft.com/office/drawing/2014/main" val="3672546305"/>
+                    </a:ext>
+                  </a:extLst>
+                </a:gridCol>
+              </a:tblGrid>
+              <a:tr h="190500">
+                <a:tc gridSpan="5">
+                  <a:txBody>
+                    <a:bodyPr/>
+                    <a:lstStyle/>
+                    <a:p>
+                      <a:pPr algn="ctr" fontAlgn="b"/>
+                      <a:r>
+                        <a:rPr lang="en-US" sz="1200" u="none" strike="noStrike" dirty="0">
+                          <a:effectLst/>
+                        </a:rPr>
+                        <a:t>QDA</a:t>
+                      </a:r>
+                      <a:endParaRPr lang="en-US" sz="1200" b="0" i="0" u="none" strike="noStrike" dirty="0">
+                        <a:solidFill>
+                          <a:srgbClr val="000000"/>
+                        </a:solidFill>
+                        <a:effectLst/>
+                        <a:latin typeface="Arial" panose="020B0604020202020204" pitchFamily="34" charset="0"/>
+                      </a:endParaRPr>
+                    </a:p>
+                  </a:txBody>
+                  <a:tcPr marL="9525" marR="9525" marT="9525" marB="0" anchor="b"/>
+                </a:tc>
+                <a:tc hMerge="1">
+                  <a:txBody>
+                    <a:bodyPr/>
+                    <a:lstStyle/>
+                    <a:p>
+                      <a:pPr rtl="1"/>
+                      <a:endParaRPr lang="he-IL"/>
+                    </a:p>
+                  </a:txBody>
+                  <a:tcPr/>
+                </a:tc>
+                <a:tc hMerge="1">
+                  <a:txBody>
+                    <a:bodyPr/>
+                    <a:lstStyle/>
+                    <a:p>
+                      <a:pPr rtl="1"/>
+                      <a:endParaRPr lang="he-IL"/>
+                    </a:p>
+                  </a:txBody>
+                  <a:tcPr/>
+                </a:tc>
+                <a:tc hMerge="1">
+                  <a:txBody>
+                    <a:bodyPr/>
+                    <a:lstStyle/>
+                    <a:p>
+                      <a:pPr rtl="1"/>
+                      <a:endParaRPr lang="he-IL"/>
+                    </a:p>
+                  </a:txBody>
+                  <a:tcPr/>
+                </a:tc>
+                <a:tc hMerge="1">
+                  <a:txBody>
+                    <a:bodyPr/>
+                    <a:lstStyle/>
+                    <a:p>
+                      <a:pPr rtl="1"/>
+                      <a:endParaRPr lang="he-IL"/>
+                    </a:p>
+                  </a:txBody>
+                  <a:tcPr/>
+                </a:tc>
+                <a:extLst>
+                  <a:ext uri="{0D108BD9-81ED-4DB2-BD59-A6C34878D82A}">
+                    <a16:rowId xmlns:a16="http://schemas.microsoft.com/office/drawing/2014/main" val="3538276875"/>
+                  </a:ext>
+                </a:extLst>
+              </a:tr>
+              <a:tr h="190500">
+                <a:tc>
+                  <a:txBody>
+                    <a:bodyPr/>
+                    <a:lstStyle/>
+                    <a:p>
+                      <a:pPr algn="ctr" fontAlgn="b"/>
+                      <a:r>
+                        <a:rPr lang="en-US" sz="1200" u="none" strike="noStrike">
+                          <a:effectLst/>
+                        </a:rPr>
+                        <a:t>Size</a:t>
+                      </a:r>
+                      <a:endParaRPr lang="en-US" sz="1200" b="0" i="0" u="none" strike="noStrike">
+                        <a:solidFill>
+                          <a:srgbClr val="000000"/>
+                        </a:solidFill>
+                        <a:effectLst/>
+                        <a:latin typeface="Arial" panose="020B0604020202020204" pitchFamily="34" charset="0"/>
+                      </a:endParaRPr>
+                    </a:p>
+                  </a:txBody>
+                  <a:tcPr marL="9525" marR="9525" marT="9525" marB="0" anchor="b"/>
+                </a:tc>
+                <a:tc>
+                  <a:txBody>
+                    <a:bodyPr/>
+                    <a:lstStyle/>
+                    <a:p>
+                      <a:pPr algn="ctr" fontAlgn="b"/>
+                      <a:r>
+                        <a:rPr lang="en-US" sz="1200" u="none" strike="noStrike">
+                          <a:effectLst/>
+                        </a:rPr>
+                        <a:t>Best K - Test</a:t>
+                      </a:r>
+                      <a:endParaRPr lang="en-US" sz="1200" b="0" i="0" u="none" strike="noStrike">
+                        <a:solidFill>
+                          <a:srgbClr val="000000"/>
+                        </a:solidFill>
+                        <a:effectLst/>
+                        <a:latin typeface="Arial" panose="020B0604020202020204" pitchFamily="34" charset="0"/>
+                      </a:endParaRPr>
+                    </a:p>
+                  </a:txBody>
+                  <a:tcPr marL="9525" marR="9525" marT="9525" marB="0" anchor="b"/>
+                </a:tc>
+                <a:tc>
+                  <a:txBody>
+                    <a:bodyPr/>
+                    <a:lstStyle/>
+                    <a:p>
+                      <a:pPr algn="ctr" fontAlgn="b"/>
+                      <a:r>
+                        <a:rPr lang="en-US" sz="1200" u="none" strike="noStrike">
+                          <a:effectLst/>
+                        </a:rPr>
+                        <a:t>Test Accuracy </a:t>
+                      </a:r>
+                      <a:endParaRPr lang="en-US" sz="1200" b="0" i="0" u="none" strike="noStrike">
+                        <a:solidFill>
+                          <a:srgbClr val="000000"/>
+                        </a:solidFill>
+                        <a:effectLst/>
+                        <a:latin typeface="Arial" panose="020B0604020202020204" pitchFamily="34" charset="0"/>
+                      </a:endParaRPr>
+                    </a:p>
+                  </a:txBody>
+                  <a:tcPr marL="9525" marR="9525" marT="9525" marB="0" anchor="b"/>
+                </a:tc>
+                <a:tc>
+                  <a:txBody>
+                    <a:bodyPr/>
+                    <a:lstStyle/>
+                    <a:p>
+                      <a:pPr algn="ctr" fontAlgn="b"/>
+                      <a:r>
+                        <a:rPr lang="en-US" sz="1200" u="none" strike="noStrike">
+                          <a:effectLst/>
+                        </a:rPr>
+                        <a:t>Best K - Train</a:t>
+                      </a:r>
+                      <a:endParaRPr lang="en-US" sz="1200" b="0" i="0" u="none" strike="noStrike">
+                        <a:solidFill>
+                          <a:srgbClr val="000000"/>
+                        </a:solidFill>
+                        <a:effectLst/>
+                        <a:latin typeface="Arial" panose="020B0604020202020204" pitchFamily="34" charset="0"/>
+                      </a:endParaRPr>
+                    </a:p>
+                  </a:txBody>
+                  <a:tcPr marL="9525" marR="9525" marT="9525" marB="0" anchor="b"/>
+                </a:tc>
+                <a:tc>
+                  <a:txBody>
+                    <a:bodyPr/>
+                    <a:lstStyle/>
+                    <a:p>
+                      <a:pPr algn="ctr" fontAlgn="b"/>
+                      <a:r>
+                        <a:rPr lang="en-US" sz="1200" u="none" strike="noStrike">
+                          <a:effectLst/>
+                        </a:rPr>
+                        <a:t>Train Accuracy</a:t>
+                      </a:r>
+                      <a:endParaRPr lang="en-US" sz="1200" b="0" i="0" u="none" strike="noStrike">
+                        <a:solidFill>
+                          <a:srgbClr val="000000"/>
+                        </a:solidFill>
+                        <a:effectLst/>
+                        <a:latin typeface="Arial" panose="020B0604020202020204" pitchFamily="34" charset="0"/>
+                      </a:endParaRPr>
+                    </a:p>
+                  </a:txBody>
+                  <a:tcPr marL="9525" marR="9525" marT="9525" marB="0" anchor="b"/>
+                </a:tc>
+                <a:extLst>
+                  <a:ext uri="{0D108BD9-81ED-4DB2-BD59-A6C34878D82A}">
+                    <a16:rowId xmlns:a16="http://schemas.microsoft.com/office/drawing/2014/main" val="3788657791"/>
+                  </a:ext>
+                </a:extLst>
+              </a:tr>
+              <a:tr h="190500">
+                <a:tc>
+                  <a:txBody>
+                    <a:bodyPr/>
+                    <a:lstStyle/>
+                    <a:p>
+                      <a:pPr algn="ctr" fontAlgn="b"/>
+                      <a:r>
+                        <a:rPr lang="en-US" sz="1200" u="none" strike="noStrike">
+                          <a:effectLst/>
+                        </a:rPr>
+                        <a:t>32x32</a:t>
+                      </a:r>
+                      <a:endParaRPr lang="en-US" sz="1200" b="0" i="0" u="none" strike="noStrike">
+                        <a:solidFill>
+                          <a:srgbClr val="000000"/>
+                        </a:solidFill>
+                        <a:effectLst/>
+                        <a:latin typeface="Arial" panose="020B0604020202020204" pitchFamily="34" charset="0"/>
+                      </a:endParaRPr>
+                    </a:p>
+                  </a:txBody>
+                  <a:tcPr marL="9525" marR="9525" marT="9525" marB="0" anchor="b"/>
+                </a:tc>
+                <a:tc>
+                  <a:txBody>
+                    <a:bodyPr/>
+                    <a:lstStyle/>
+                    <a:p>
+                      <a:pPr algn="ctr" fontAlgn="b"/>
+                      <a:r>
+                        <a:rPr lang="he-IL" sz="1200" u="none" strike="noStrike">
+                          <a:effectLst/>
+                        </a:rPr>
+                        <a:t>10</a:t>
+                      </a:r>
+                      <a:endParaRPr lang="he-IL" sz="1200" b="0" i="0" u="none" strike="noStrike">
+                        <a:solidFill>
+                          <a:srgbClr val="000000"/>
+                        </a:solidFill>
+                        <a:effectLst/>
+                        <a:latin typeface="Arial" panose="020B0604020202020204" pitchFamily="34" charset="0"/>
+                      </a:endParaRPr>
+                    </a:p>
+                  </a:txBody>
+                  <a:tcPr marL="9525" marR="9525" marT="9525" marB="0" anchor="b"/>
+                </a:tc>
+                <a:tc>
+                  <a:txBody>
+                    <a:bodyPr/>
+                    <a:lstStyle/>
+                    <a:p>
+                      <a:pPr algn="ctr" fontAlgn="b"/>
+                      <a:r>
+                        <a:rPr lang="he-IL" sz="1200" u="none" strike="noStrike">
+                          <a:effectLst/>
+                        </a:rPr>
+                        <a:t>58.224</a:t>
+                      </a:r>
+                      <a:endParaRPr lang="he-IL" sz="1200" b="0" i="0" u="none" strike="noStrike">
+                        <a:solidFill>
+                          <a:srgbClr val="000000"/>
+                        </a:solidFill>
+                        <a:effectLst/>
+                        <a:latin typeface="Arial" panose="020B0604020202020204" pitchFamily="34" charset="0"/>
+                      </a:endParaRPr>
+                    </a:p>
+                  </a:txBody>
+                  <a:tcPr marL="9525" marR="9525" marT="9525" marB="0" anchor="b"/>
+                </a:tc>
+                <a:tc>
+                  <a:txBody>
+                    <a:bodyPr/>
+                    <a:lstStyle/>
+                    <a:p>
+                      <a:pPr algn="ctr" fontAlgn="b"/>
+                      <a:r>
+                        <a:rPr lang="he-IL" sz="1200" u="none" strike="noStrike">
+                          <a:effectLst/>
+                        </a:rPr>
+                        <a:t>2</a:t>
+                      </a:r>
+                      <a:endParaRPr lang="he-IL" sz="1200" b="0" i="0" u="none" strike="noStrike">
+                        <a:solidFill>
+                          <a:srgbClr val="000000"/>
+                        </a:solidFill>
+                        <a:effectLst/>
+                        <a:latin typeface="Arial" panose="020B0604020202020204" pitchFamily="34" charset="0"/>
+                      </a:endParaRPr>
+                    </a:p>
+                  </a:txBody>
+                  <a:tcPr marL="9525" marR="9525" marT="9525" marB="0" anchor="b"/>
+                </a:tc>
+                <a:tc>
+                  <a:txBody>
+                    <a:bodyPr/>
+                    <a:lstStyle/>
+                    <a:p>
+                      <a:pPr algn="ctr" fontAlgn="b"/>
+                      <a:r>
+                        <a:rPr lang="he-IL" sz="1200" u="none" strike="noStrike">
+                          <a:effectLst/>
+                        </a:rPr>
+                        <a:t>96.815</a:t>
+                      </a:r>
+                      <a:endParaRPr lang="he-IL" sz="1200" b="0" i="0" u="none" strike="noStrike">
+                        <a:solidFill>
+                          <a:srgbClr val="000000"/>
+                        </a:solidFill>
+                        <a:effectLst/>
+                        <a:latin typeface="Arial" panose="020B0604020202020204" pitchFamily="34" charset="0"/>
+                      </a:endParaRPr>
+                    </a:p>
+                  </a:txBody>
+                  <a:tcPr marL="9525" marR="9525" marT="9525" marB="0" anchor="b"/>
+                </a:tc>
+                <a:extLst>
+                  <a:ext uri="{0D108BD9-81ED-4DB2-BD59-A6C34878D82A}">
+                    <a16:rowId xmlns:a16="http://schemas.microsoft.com/office/drawing/2014/main" val="1400099571"/>
+                  </a:ext>
+                </a:extLst>
+              </a:tr>
+              <a:tr h="190500">
+                <a:tc>
+                  <a:txBody>
+                    <a:bodyPr/>
+                    <a:lstStyle/>
+                    <a:p>
+                      <a:pPr algn="ctr" fontAlgn="b"/>
+                      <a:r>
+                        <a:rPr lang="en-US" sz="1200" u="none" strike="noStrike">
+                          <a:effectLst/>
+                        </a:rPr>
+                        <a:t>64x64</a:t>
+                      </a:r>
+                      <a:endParaRPr lang="en-US" sz="1200" b="0" i="0" u="none" strike="noStrike">
+                        <a:solidFill>
+                          <a:srgbClr val="000000"/>
+                        </a:solidFill>
+                        <a:effectLst/>
+                        <a:latin typeface="Arial" panose="020B0604020202020204" pitchFamily="34" charset="0"/>
+                      </a:endParaRPr>
+                    </a:p>
+                  </a:txBody>
+                  <a:tcPr marL="9525" marR="9525" marT="9525" marB="0" anchor="b"/>
+                </a:tc>
+                <a:tc>
+                  <a:txBody>
+                    <a:bodyPr/>
+                    <a:lstStyle/>
+                    <a:p>
+                      <a:pPr algn="ctr" fontAlgn="b"/>
+                      <a:r>
+                        <a:rPr lang="he-IL" sz="1200" u="none" strike="noStrike">
+                          <a:effectLst/>
+                        </a:rPr>
+                        <a:t>4</a:t>
+                      </a:r>
+                      <a:endParaRPr lang="he-IL" sz="1200" b="0" i="0" u="none" strike="noStrike">
+                        <a:solidFill>
+                          <a:srgbClr val="000000"/>
+                        </a:solidFill>
+                        <a:effectLst/>
+                        <a:latin typeface="Arial" panose="020B0604020202020204" pitchFamily="34" charset="0"/>
+                      </a:endParaRPr>
+                    </a:p>
+                  </a:txBody>
+                  <a:tcPr marL="9525" marR="9525" marT="9525" marB="0" anchor="b"/>
+                </a:tc>
+                <a:tc>
+                  <a:txBody>
+                    <a:bodyPr/>
+                    <a:lstStyle/>
+                    <a:p>
+                      <a:pPr algn="ctr" fontAlgn="b"/>
+                      <a:r>
+                        <a:rPr lang="he-IL" sz="1200" u="none" strike="noStrike">
+                          <a:effectLst/>
+                        </a:rPr>
+                        <a:t>54.915</a:t>
+                      </a:r>
+                      <a:endParaRPr lang="he-IL" sz="1200" b="0" i="0" u="none" strike="noStrike">
+                        <a:solidFill>
+                          <a:srgbClr val="000000"/>
+                        </a:solidFill>
+                        <a:effectLst/>
+                        <a:latin typeface="Arial" panose="020B0604020202020204" pitchFamily="34" charset="0"/>
+                      </a:endParaRPr>
+                    </a:p>
+                  </a:txBody>
+                  <a:tcPr marL="9525" marR="9525" marT="9525" marB="0" anchor="b"/>
+                </a:tc>
+                <a:tc>
+                  <a:txBody>
+                    <a:bodyPr/>
+                    <a:lstStyle/>
+                    <a:p>
+                      <a:pPr algn="ctr" fontAlgn="b"/>
+                      <a:r>
+                        <a:rPr lang="en-US" sz="1200" u="none" strike="noStrike">
+                          <a:effectLst/>
+                        </a:rPr>
+                        <a:t>ALL</a:t>
+                      </a:r>
+                      <a:endParaRPr lang="en-US" sz="1200" b="0" i="0" u="none" strike="noStrike">
+                        <a:solidFill>
+                          <a:srgbClr val="000000"/>
+                        </a:solidFill>
+                        <a:effectLst/>
+                        <a:latin typeface="Arial" panose="020B0604020202020204" pitchFamily="34" charset="0"/>
+                      </a:endParaRPr>
+                    </a:p>
+                  </a:txBody>
+                  <a:tcPr marL="9525" marR="9525" marT="9525" marB="0" anchor="b"/>
+                </a:tc>
+                <a:tc>
+                  <a:txBody>
+                    <a:bodyPr/>
+                    <a:lstStyle/>
+                    <a:p>
+                      <a:pPr algn="ctr" fontAlgn="b"/>
+                      <a:r>
+                        <a:rPr lang="he-IL" sz="1200" u="none" strike="noStrike">
+                          <a:effectLst/>
+                        </a:rPr>
+                        <a:t>100</a:t>
+                      </a:r>
+                      <a:endParaRPr lang="he-IL" sz="1200" b="0" i="0" u="none" strike="noStrike">
+                        <a:solidFill>
+                          <a:srgbClr val="000000"/>
+                        </a:solidFill>
+                        <a:effectLst/>
+                        <a:latin typeface="Arial" panose="020B0604020202020204" pitchFamily="34" charset="0"/>
+                      </a:endParaRPr>
+                    </a:p>
+                  </a:txBody>
+                  <a:tcPr marL="9525" marR="9525" marT="9525" marB="0" anchor="b"/>
+                </a:tc>
+                <a:extLst>
+                  <a:ext uri="{0D108BD9-81ED-4DB2-BD59-A6C34878D82A}">
+                    <a16:rowId xmlns:a16="http://schemas.microsoft.com/office/drawing/2014/main" val="1919236199"/>
+                  </a:ext>
+                </a:extLst>
+              </a:tr>
+              <a:tr h="190500">
+                <a:tc>
+                  <a:txBody>
+                    <a:bodyPr/>
+                    <a:lstStyle/>
+                    <a:p>
+                      <a:pPr algn="ctr" fontAlgn="b"/>
+                      <a:r>
+                        <a:rPr lang="en-US" sz="1200" u="none" strike="noStrike">
+                          <a:effectLst/>
+                        </a:rPr>
+                        <a:t>128x128</a:t>
+                      </a:r>
+                      <a:endParaRPr lang="en-US" sz="1200" b="0" i="0" u="none" strike="noStrike">
+                        <a:solidFill>
+                          <a:srgbClr val="000000"/>
+                        </a:solidFill>
+                        <a:effectLst/>
+                        <a:latin typeface="Arial" panose="020B0604020202020204" pitchFamily="34" charset="0"/>
+                      </a:endParaRPr>
+                    </a:p>
+                  </a:txBody>
+                  <a:tcPr marL="9525" marR="9525" marT="9525" marB="0" anchor="b"/>
+                </a:tc>
+                <a:tc>
+                  <a:txBody>
+                    <a:bodyPr/>
+                    <a:lstStyle/>
+                    <a:p>
+                      <a:pPr algn="ctr" fontAlgn="b"/>
+                      <a:r>
+                        <a:rPr lang="he-IL" sz="1200" u="none" strike="noStrike">
+                          <a:effectLst/>
+                        </a:rPr>
+                        <a:t>7</a:t>
+                      </a:r>
+                      <a:endParaRPr lang="he-IL" sz="1200" b="0" i="0" u="none" strike="noStrike">
+                        <a:solidFill>
+                          <a:srgbClr val="000000"/>
+                        </a:solidFill>
+                        <a:effectLst/>
+                        <a:latin typeface="Arial" panose="020B0604020202020204" pitchFamily="34" charset="0"/>
+                      </a:endParaRPr>
+                    </a:p>
+                  </a:txBody>
+                  <a:tcPr marL="9525" marR="9525" marT="9525" marB="0" anchor="b"/>
+                </a:tc>
+                <a:tc>
+                  <a:txBody>
+                    <a:bodyPr/>
+                    <a:lstStyle/>
+                    <a:p>
+                      <a:pPr algn="ctr" fontAlgn="b"/>
+                      <a:r>
+                        <a:rPr lang="he-IL" sz="1200" u="none" strike="noStrike">
+                          <a:effectLst/>
+                        </a:rPr>
+                        <a:t>48.976</a:t>
+                      </a:r>
+                      <a:endParaRPr lang="he-IL" sz="1200" b="0" i="0" u="none" strike="noStrike">
+                        <a:solidFill>
+                          <a:srgbClr val="000000"/>
+                        </a:solidFill>
+                        <a:effectLst/>
+                        <a:latin typeface="Arial" panose="020B0604020202020204" pitchFamily="34" charset="0"/>
+                      </a:endParaRPr>
+                    </a:p>
+                  </a:txBody>
+                  <a:tcPr marL="9525" marR="9525" marT="9525" marB="0" anchor="b"/>
+                </a:tc>
+                <a:tc>
+                  <a:txBody>
+                    <a:bodyPr/>
+                    <a:lstStyle/>
+                    <a:p>
+                      <a:pPr algn="ctr" fontAlgn="b"/>
+                      <a:r>
+                        <a:rPr lang="en-US" sz="1200" u="none" strike="noStrike">
+                          <a:effectLst/>
+                        </a:rPr>
+                        <a:t>ALL</a:t>
+                      </a:r>
+                      <a:endParaRPr lang="en-US" sz="1200" b="0" i="0" u="none" strike="noStrike">
+                        <a:solidFill>
+                          <a:srgbClr val="000000"/>
+                        </a:solidFill>
+                        <a:effectLst/>
+                        <a:latin typeface="Arial" panose="020B0604020202020204" pitchFamily="34" charset="0"/>
+                      </a:endParaRPr>
+                    </a:p>
+                  </a:txBody>
+                  <a:tcPr marL="9525" marR="9525" marT="9525" marB="0" anchor="b"/>
+                </a:tc>
+                <a:tc>
+                  <a:txBody>
+                    <a:bodyPr/>
+                    <a:lstStyle/>
+                    <a:p>
+                      <a:pPr algn="ctr" fontAlgn="b"/>
+                      <a:r>
+                        <a:rPr lang="he-IL" sz="1200" u="none" strike="noStrike" dirty="0">
+                          <a:effectLst/>
+                        </a:rPr>
+                        <a:t>100</a:t>
+                      </a:r>
+                      <a:endParaRPr lang="he-IL" sz="1200" b="0" i="0" u="none" strike="noStrike" dirty="0">
+                        <a:solidFill>
+                          <a:srgbClr val="000000"/>
+                        </a:solidFill>
+                        <a:effectLst/>
+                        <a:latin typeface="Arial" panose="020B0604020202020204" pitchFamily="34" charset="0"/>
+                      </a:endParaRPr>
+                    </a:p>
+                  </a:txBody>
+                  <a:tcPr marL="9525" marR="9525" marT="9525" marB="0" anchor="b"/>
+                </a:tc>
+                <a:extLst>
+                  <a:ext uri="{0D108BD9-81ED-4DB2-BD59-A6C34878D82A}">
+                    <a16:rowId xmlns:a16="http://schemas.microsoft.com/office/drawing/2014/main" val="4266978067"/>
+                  </a:ext>
+                </a:extLst>
+              </a:tr>
+            </a:tbl>
+          </a:graphicData>
+        </a:graphic>
+      </p:graphicFrame>
+      <p:sp>
+        <p:nvSpPr>
+          <p:cNvPr id="24" name="Rectangle 23">
+            <a:extLst>
+              <a:ext uri="{FF2B5EF4-FFF2-40B4-BE49-F238E27FC236}">
+                <a16:creationId xmlns:a16="http://schemas.microsoft.com/office/drawing/2014/main" id="{D233F06F-938E-59B9-B53B-A77389E4D423}"/>
+              </a:ext>
+            </a:extLst>
+          </p:cNvPr>
+          <p:cNvSpPr/>
+          <p:nvPr/>
+        </p:nvSpPr>
+        <p:spPr>
+          <a:xfrm>
+            <a:off x="2599489" y="4700145"/>
+            <a:ext cx="742384" cy="558425"/>
+          </a:xfrm>
+          <a:prstGeom prst="rect">
+            <a:avLst/>
+          </a:prstGeom>
+          <a:noFill/>
+          <a:ln>
+            <a:solidFill>
+              <a:srgbClr val="FF0000"/>
+            </a:solidFill>
+          </a:ln>
+        </p:spPr>
+        <p:style>
+          <a:lnRef idx="2">
+            <a:schemeClr val="accent1">
+              <a:shade val="50000"/>
+            </a:schemeClr>
+          </a:lnRef>
+          <a:fillRef idx="1">
+            <a:schemeClr val="accent1"/>
+          </a:fillRef>
+          <a:effectRef idx="0">
+            <a:schemeClr val="accent1"/>
+          </a:effectRef>
+          <a:fontRef idx="minor">
+            <a:schemeClr val="lt1"/>
+          </a:fontRef>
+        </p:style>
+        <p:txBody>
+          <a:bodyPr rtlCol="1" anchor="ctr"/>
+          <a:lstStyle/>
+          <a:p>
+            <a:pPr algn="ctr"/>
+            <a:endParaRPr lang="he-IL"/>
+          </a:p>
+        </p:txBody>
+      </p:sp>
+      <p:pic>
+        <p:nvPicPr>
+          <p:cNvPr id="25" name="Graphic 24" descr="Confused face outline outline">
+            <a:extLst>
+              <a:ext uri="{FF2B5EF4-FFF2-40B4-BE49-F238E27FC236}">
+                <a16:creationId xmlns:a16="http://schemas.microsoft.com/office/drawing/2014/main" id="{043E2E3F-F0B7-C50B-3B56-D35F67D4FEB1}"/>
+              </a:ext>
+            </a:extLst>
+          </p:cNvPr>
+          <p:cNvPicPr>
+            <a:picLocks noChangeAspect="1"/>
+          </p:cNvPicPr>
+          <p:nvPr/>
+        </p:nvPicPr>
+        <p:blipFill>
+          <a:blip r:embed="rId5">
+            <a:extLst>
+              <a:ext uri="{28A0092B-C50C-407E-A947-70E740481C1C}">
+                <a14:useLocalDpi xmlns:a14="http://schemas.microsoft.com/office/drawing/2010/main" val="0"/>
+              </a:ext>
+              <a:ext uri="{96DAC541-7B7A-43D3-8B79-37D633B846F1}">
+                <asvg:svgBlip xmlns:asvg="http://schemas.microsoft.com/office/drawing/2016/SVG/main" r:embed="rId6"/>
+              </a:ext>
+            </a:extLst>
+          </a:blip>
+          <a:stretch>
+            <a:fillRect/>
+          </a:stretch>
+        </p:blipFill>
+        <p:spPr>
+          <a:xfrm>
+            <a:off x="5816787" y="3486139"/>
+            <a:ext cx="558425" cy="558425"/>
+          </a:xfrm>
+          <a:prstGeom prst="rect">
+            <a:avLst/>
+          </a:prstGeom>
+        </p:spPr>
+      </p:pic>
+      <p:pic>
+        <p:nvPicPr>
+          <p:cNvPr id="26" name="Graphic 25" descr="Sad face outline outline">
+            <a:extLst>
+              <a:ext uri="{FF2B5EF4-FFF2-40B4-BE49-F238E27FC236}">
+                <a16:creationId xmlns:a16="http://schemas.microsoft.com/office/drawing/2014/main" id="{59F74316-2CF1-C8F4-A3CC-625FE0E6CD15}"/>
+              </a:ext>
+            </a:extLst>
+          </p:cNvPr>
+          <p:cNvPicPr>
+            <a:picLocks noChangeAspect="1"/>
+          </p:cNvPicPr>
+          <p:nvPr/>
+        </p:nvPicPr>
+        <p:blipFill>
+          <a:blip r:embed="rId7">
+            <a:extLst>
+              <a:ext uri="{28A0092B-C50C-407E-A947-70E740481C1C}">
+                <a14:useLocalDpi xmlns:a14="http://schemas.microsoft.com/office/drawing/2010/main" val="0"/>
+              </a:ext>
+              <a:ext uri="{96DAC541-7B7A-43D3-8B79-37D633B846F1}">
+                <asvg:svgBlip xmlns:asvg="http://schemas.microsoft.com/office/drawing/2016/SVG/main" r:embed="rId8"/>
+              </a:ext>
+            </a:extLst>
+          </a:blip>
+          <a:stretch>
+            <a:fillRect/>
+          </a:stretch>
+        </p:blipFill>
+        <p:spPr>
+          <a:xfrm>
+            <a:off x="5822417" y="4511727"/>
+            <a:ext cx="558426" cy="558426"/>
+          </a:xfrm>
+          <a:prstGeom prst="rect">
+            <a:avLst/>
+          </a:prstGeom>
+        </p:spPr>
+      </p:pic>
+      <p:sp>
+        <p:nvSpPr>
+          <p:cNvPr id="27" name="Rectangle 26">
+            <a:extLst>
+              <a:ext uri="{FF2B5EF4-FFF2-40B4-BE49-F238E27FC236}">
+                <a16:creationId xmlns:a16="http://schemas.microsoft.com/office/drawing/2014/main" id="{3BC1A220-898D-CD52-6DF0-E84ED8B0B83A}"/>
+              </a:ext>
+            </a:extLst>
+          </p:cNvPr>
+          <p:cNvSpPr/>
+          <p:nvPr/>
+        </p:nvSpPr>
+        <p:spPr>
+          <a:xfrm>
+            <a:off x="2607740" y="3660708"/>
+            <a:ext cx="742384" cy="558425"/>
+          </a:xfrm>
+          <a:prstGeom prst="rect">
+            <a:avLst/>
+          </a:prstGeom>
+          <a:noFill/>
+          <a:ln>
+            <a:solidFill>
+              <a:srgbClr val="FFC000"/>
+            </a:solidFill>
+          </a:ln>
+        </p:spPr>
+        <p:style>
+          <a:lnRef idx="2">
+            <a:schemeClr val="accent1">
+              <a:shade val="50000"/>
+            </a:schemeClr>
+          </a:lnRef>
+          <a:fillRef idx="1">
+            <a:schemeClr val="accent1"/>
+          </a:fillRef>
+          <a:effectRef idx="0">
+            <a:schemeClr val="accent1"/>
+          </a:effectRef>
+          <a:fontRef idx="minor">
+            <a:schemeClr val="lt1"/>
+          </a:fontRef>
+        </p:style>
+        <p:txBody>
+          <a:bodyPr rtlCol="1" anchor="ctr"/>
+          <a:lstStyle/>
+          <a:p>
+            <a:pPr algn="ctr"/>
+            <a:endParaRPr lang="he-IL"/>
+          </a:p>
+        </p:txBody>
+      </p:sp>
+      <p:sp>
+        <p:nvSpPr>
+          <p:cNvPr id="28" name="Rectangle 27">
+            <a:extLst>
+              <a:ext uri="{FF2B5EF4-FFF2-40B4-BE49-F238E27FC236}">
+                <a16:creationId xmlns:a16="http://schemas.microsoft.com/office/drawing/2014/main" id="{7A489A4A-0A6F-1AA4-8E1F-EE62B8A9346C}"/>
+              </a:ext>
+            </a:extLst>
+          </p:cNvPr>
+          <p:cNvSpPr/>
+          <p:nvPr/>
+        </p:nvSpPr>
+        <p:spPr>
+          <a:xfrm>
+            <a:off x="2599489" y="2599720"/>
+            <a:ext cx="742384" cy="558425"/>
+          </a:xfrm>
+          <a:prstGeom prst="rect">
+            <a:avLst/>
+          </a:prstGeom>
+          <a:noFill/>
+          <a:ln>
+            <a:solidFill>
+              <a:srgbClr val="00B0F0"/>
+            </a:solidFill>
+          </a:ln>
+        </p:spPr>
+        <p:style>
+          <a:lnRef idx="2">
+            <a:schemeClr val="accent1">
+              <a:shade val="50000"/>
+            </a:schemeClr>
+          </a:lnRef>
+          <a:fillRef idx="1">
+            <a:schemeClr val="accent1"/>
+          </a:fillRef>
+          <a:effectRef idx="0">
+            <a:schemeClr val="accent1"/>
+          </a:effectRef>
+          <a:fontRef idx="minor">
+            <a:schemeClr val="lt1"/>
+          </a:fontRef>
+        </p:style>
+        <p:txBody>
+          <a:bodyPr rtlCol="1" anchor="ctr"/>
+          <a:lstStyle/>
+          <a:p>
+            <a:pPr algn="ctr"/>
+            <a:endParaRPr lang="he-IL"/>
+          </a:p>
+        </p:txBody>
+      </p:sp>
+      <p:sp>
+        <p:nvSpPr>
+          <p:cNvPr id="29" name="Content Placeholder 2">
+            <a:extLst>
+              <a:ext uri="{FF2B5EF4-FFF2-40B4-BE49-F238E27FC236}">
+                <a16:creationId xmlns:a16="http://schemas.microsoft.com/office/drawing/2014/main" id="{947D95C6-1600-D67C-A7AB-339B09107823}"/>
+              </a:ext>
+            </a:extLst>
+          </p:cNvPr>
+          <p:cNvSpPr txBox="1">
+            <a:spLocks/>
+          </p:cNvSpPr>
+          <p:nvPr/>
+        </p:nvSpPr>
+        <p:spPr>
+          <a:xfrm>
+            <a:off x="6734587" y="2427149"/>
+            <a:ext cx="2559915" cy="604230"/>
+          </a:xfrm>
+          <a:prstGeom prst="rect">
+            <a:avLst/>
+          </a:prstGeom>
+        </p:spPr>
+        <p:txBody>
+          <a:bodyPr vert="horz" lIns="91440" tIns="45720" rIns="91440" bIns="45720" rtlCol="0">
+            <a:noAutofit/>
+          </a:bodyPr>
+          <a:lstStyle>
+            <a:lvl1pPr marL="342900" indent="-342900" algn="l" defTabSz="457200" rtl="0" eaLnBrk="1" latinLnBrk="0" hangingPunct="1">
+              <a:spcBef>
+                <a:spcPts val="1000"/>
+              </a:spcBef>
+              <a:spcAft>
+                <a:spcPts val="0"/>
+              </a:spcAft>
+              <a:buClr>
+                <a:schemeClr val="accent1"/>
+              </a:buClr>
+              <a:buSzPct val="80000"/>
+              <a:buFont typeface="Wingdings 3" charset="2"/>
+              <a:buChar char=""/>
+              <a:defRPr sz="1800" kern="1200">
+                <a:solidFill>
+                  <a:schemeClr val="tx1">
+                    <a:lumMod val="75000"/>
+                    <a:lumOff val="25000"/>
+                  </a:schemeClr>
+                </a:solidFill>
+                <a:latin typeface="+mn-lt"/>
+                <a:ea typeface="+mn-ea"/>
+                <a:cs typeface="+mn-cs"/>
+              </a:defRPr>
+            </a:lvl1pPr>
+            <a:lvl2pPr marL="742950" indent="-285750" algn="l" defTabSz="457200" rtl="0" eaLnBrk="1" latinLnBrk="0" hangingPunct="1">
+              <a:spcBef>
+                <a:spcPts val="1000"/>
+              </a:spcBef>
+              <a:spcAft>
+                <a:spcPts val="0"/>
+              </a:spcAft>
+              <a:buClr>
+                <a:schemeClr val="accent1"/>
+              </a:buClr>
+              <a:buSzPct val="80000"/>
+              <a:buFont typeface="Wingdings 3" charset="2"/>
+              <a:buChar char=""/>
+              <a:defRPr sz="1600" kern="1200">
+                <a:solidFill>
+                  <a:schemeClr val="tx1">
+                    <a:lumMod val="75000"/>
+                    <a:lumOff val="25000"/>
+                  </a:schemeClr>
+                </a:solidFill>
+                <a:latin typeface="+mn-lt"/>
+                <a:ea typeface="+mn-ea"/>
+                <a:cs typeface="+mn-cs"/>
+              </a:defRPr>
+            </a:lvl2pPr>
+            <a:lvl3pPr marL="1143000" indent="-228600" algn="l" defTabSz="457200" rtl="0" eaLnBrk="1" latinLnBrk="0" hangingPunct="1">
+              <a:spcBef>
+                <a:spcPts val="1000"/>
+              </a:spcBef>
+              <a:spcAft>
+                <a:spcPts val="0"/>
+              </a:spcAft>
+              <a:buClr>
+                <a:schemeClr val="accent1"/>
+              </a:buClr>
+              <a:buSzPct val="80000"/>
+              <a:buFont typeface="Wingdings 3" charset="2"/>
+              <a:buChar char=""/>
+              <a:defRPr sz="1400" kern="1200">
+                <a:solidFill>
+                  <a:schemeClr val="tx1">
+                    <a:lumMod val="75000"/>
+                    <a:lumOff val="25000"/>
+                  </a:schemeClr>
+                </a:solidFill>
+                <a:latin typeface="+mn-lt"/>
+                <a:ea typeface="+mn-ea"/>
+                <a:cs typeface="+mn-cs"/>
+              </a:defRPr>
+            </a:lvl3pPr>
+            <a:lvl4pPr marL="1600200" indent="-228600" algn="l" defTabSz="457200" rtl="0" eaLnBrk="1" latinLnBrk="0" hangingPunct="1">
+              <a:spcBef>
+                <a:spcPts val="1000"/>
+              </a:spcBef>
+              <a:spcAft>
+                <a:spcPts val="0"/>
+              </a:spcAft>
+              <a:buClr>
+                <a:schemeClr val="accent1"/>
+              </a:buClr>
+              <a:buSzPct val="80000"/>
+              <a:buFont typeface="Wingdings 3" charset="2"/>
+              <a:buChar char=""/>
+              <a:defRPr sz="1200" kern="1200">
+                <a:solidFill>
+                  <a:schemeClr val="tx1">
+                    <a:lumMod val="75000"/>
+                    <a:lumOff val="25000"/>
+                  </a:schemeClr>
+                </a:solidFill>
+                <a:latin typeface="+mn-lt"/>
+                <a:ea typeface="+mn-ea"/>
+                <a:cs typeface="+mn-cs"/>
+              </a:defRPr>
+            </a:lvl4pPr>
+            <a:lvl5pPr marL="2057400" indent="-228600" algn="l" defTabSz="457200" rtl="0" eaLnBrk="1" latinLnBrk="0" hangingPunct="1">
+              <a:spcBef>
+                <a:spcPts val="1000"/>
+              </a:spcBef>
+              <a:spcAft>
+                <a:spcPts val="0"/>
+              </a:spcAft>
+              <a:buClr>
+                <a:schemeClr val="accent1"/>
+              </a:buClr>
+              <a:buSzPct val="80000"/>
+              <a:buFont typeface="Wingdings 3" charset="2"/>
+              <a:buChar char=""/>
+              <a:defRPr sz="1200" kern="1200">
+                <a:solidFill>
+                  <a:schemeClr val="tx1">
+                    <a:lumMod val="75000"/>
+                    <a:lumOff val="25000"/>
+                  </a:schemeClr>
+                </a:solidFill>
+                <a:latin typeface="+mn-lt"/>
+                <a:ea typeface="+mn-ea"/>
+                <a:cs typeface="+mn-cs"/>
+              </a:defRPr>
+            </a:lvl5pPr>
+            <a:lvl6pPr marL="2514600" indent="-228600" algn="l" defTabSz="457200" rtl="0" eaLnBrk="1" latinLnBrk="0" hangingPunct="1">
+              <a:spcBef>
+                <a:spcPts val="1000"/>
+              </a:spcBef>
+              <a:spcAft>
+                <a:spcPts val="0"/>
+              </a:spcAft>
+              <a:buClr>
+                <a:schemeClr val="accent1"/>
+              </a:buClr>
+              <a:buSzPct val="80000"/>
+              <a:buFont typeface="Wingdings 3" charset="2"/>
+              <a:buChar char=""/>
+              <a:defRPr sz="1200" kern="1200">
+                <a:solidFill>
+                  <a:schemeClr val="tx1">
+                    <a:lumMod val="75000"/>
+                    <a:lumOff val="25000"/>
+                  </a:schemeClr>
+                </a:solidFill>
+                <a:latin typeface="+mn-lt"/>
+                <a:ea typeface="+mn-ea"/>
+                <a:cs typeface="+mn-cs"/>
+              </a:defRPr>
+            </a:lvl6pPr>
+            <a:lvl7pPr marL="2971800" indent="-228600" algn="l" defTabSz="457200" rtl="0" eaLnBrk="1" latinLnBrk="0" hangingPunct="1">
+              <a:spcBef>
+                <a:spcPts val="1000"/>
+              </a:spcBef>
+              <a:spcAft>
+                <a:spcPts val="0"/>
+              </a:spcAft>
+              <a:buClr>
+                <a:schemeClr val="accent1"/>
+              </a:buClr>
+              <a:buSzPct val="80000"/>
+              <a:buFont typeface="Wingdings 3" charset="2"/>
+              <a:buChar char=""/>
+              <a:defRPr sz="1200" kern="1200">
+                <a:solidFill>
+                  <a:schemeClr val="tx1">
+                    <a:lumMod val="75000"/>
+                    <a:lumOff val="25000"/>
+                  </a:schemeClr>
+                </a:solidFill>
+                <a:latin typeface="+mn-lt"/>
+                <a:ea typeface="+mn-ea"/>
+                <a:cs typeface="+mn-cs"/>
+              </a:defRPr>
+            </a:lvl7pPr>
+            <a:lvl8pPr marL="3429000" indent="-228600" algn="l" defTabSz="457200" rtl="0" eaLnBrk="1" latinLnBrk="0" hangingPunct="1">
+              <a:spcBef>
+                <a:spcPts val="1000"/>
+              </a:spcBef>
+              <a:spcAft>
+                <a:spcPts val="0"/>
+              </a:spcAft>
+              <a:buClr>
+                <a:schemeClr val="accent1"/>
+              </a:buClr>
+              <a:buSzPct val="80000"/>
+              <a:buFont typeface="Wingdings 3" charset="2"/>
+              <a:buChar char=""/>
+              <a:defRPr sz="1200" kern="1200">
+                <a:solidFill>
+                  <a:schemeClr val="tx1">
+                    <a:lumMod val="75000"/>
+                    <a:lumOff val="25000"/>
+                  </a:schemeClr>
+                </a:solidFill>
+                <a:latin typeface="+mn-lt"/>
+                <a:ea typeface="+mn-ea"/>
+                <a:cs typeface="+mn-cs"/>
+              </a:defRPr>
+            </a:lvl8pPr>
+            <a:lvl9pPr marL="3886200" indent="-228600" algn="l" defTabSz="457200" rtl="0" eaLnBrk="1" latinLnBrk="0" hangingPunct="1">
+              <a:spcBef>
+                <a:spcPts val="1000"/>
+              </a:spcBef>
+              <a:spcAft>
+                <a:spcPts val="0"/>
+              </a:spcAft>
+              <a:buClr>
+                <a:schemeClr val="accent1"/>
+              </a:buClr>
+              <a:buSzPct val="80000"/>
+              <a:buFont typeface="Wingdings 3" charset="2"/>
+              <a:buChar char=""/>
+              <a:defRPr sz="1200" kern="1200">
+                <a:solidFill>
+                  <a:schemeClr val="tx1">
+                    <a:lumMod val="75000"/>
+                    <a:lumOff val="25000"/>
+                  </a:schemeClr>
+                </a:solidFill>
+                <a:latin typeface="+mn-lt"/>
+                <a:ea typeface="+mn-ea"/>
+                <a:cs typeface="+mn-cs"/>
+              </a:defRPr>
+            </a:lvl9pPr>
+          </a:lstStyle>
+          <a:p>
+            <a:pPr algn="r" rtl="1">
+              <a:lnSpc>
+                <a:spcPct val="114000"/>
+              </a:lnSpc>
+              <a:buFont typeface="Wingdings" panose="05000000000000000000" pitchFamily="2" charset="2"/>
+              <a:buChar char="Ø"/>
+            </a:pPr>
+            <a:r>
+              <a:rPr lang="he-IL" sz="1400" dirty="0">
+                <a:solidFill>
+                  <a:srgbClr val="000000"/>
+                </a:solidFill>
+                <a:latin typeface="Tahoma" panose="020B0604030504040204" pitchFamily="34" charset="0"/>
+                <a:ea typeface="Tahoma" panose="020B0604030504040204" pitchFamily="34" charset="0"/>
+                <a:cs typeface="Tahoma" panose="020B0604030504040204" pitchFamily="34" charset="0"/>
+              </a:rPr>
+              <a:t>יציבות	</a:t>
+            </a:r>
+            <a:br>
+              <a:rPr lang="en-US" sz="1400" dirty="0">
+                <a:solidFill>
+                  <a:srgbClr val="000000"/>
+                </a:solidFill>
+                <a:latin typeface="Tahoma" panose="020B0604030504040204" pitchFamily="34" charset="0"/>
+                <a:ea typeface="Tahoma" panose="020B0604030504040204" pitchFamily="34" charset="0"/>
+                <a:cs typeface="Tahoma" panose="020B0604030504040204" pitchFamily="34" charset="0"/>
+              </a:rPr>
+            </a:br>
+            <a:endParaRPr lang="he-IL" sz="1400" dirty="0">
+              <a:solidFill>
+                <a:srgbClr val="000000"/>
+              </a:solidFill>
+              <a:latin typeface="Tahoma" panose="020B0604030504040204" pitchFamily="34" charset="0"/>
+              <a:ea typeface="Tahoma" panose="020B0604030504040204" pitchFamily="34" charset="0"/>
+              <a:cs typeface="Tahoma" panose="020B0604030504040204" pitchFamily="34" charset="0"/>
+            </a:endParaRPr>
+          </a:p>
+        </p:txBody>
+      </p:sp>
+      <p:sp>
+        <p:nvSpPr>
+          <p:cNvPr id="30" name="Content Placeholder 2">
+            <a:extLst>
+              <a:ext uri="{FF2B5EF4-FFF2-40B4-BE49-F238E27FC236}">
+                <a16:creationId xmlns:a16="http://schemas.microsoft.com/office/drawing/2014/main" id="{45B952E8-1534-FFD5-C457-5B0975E3B327}"/>
+              </a:ext>
+            </a:extLst>
+          </p:cNvPr>
+          <p:cNvSpPr txBox="1">
+            <a:spLocks/>
+          </p:cNvSpPr>
+          <p:nvPr/>
+        </p:nvSpPr>
+        <p:spPr>
+          <a:xfrm>
+            <a:off x="6734589" y="3481066"/>
+            <a:ext cx="2559915" cy="604230"/>
+          </a:xfrm>
+          <a:prstGeom prst="rect">
+            <a:avLst/>
+          </a:prstGeom>
+        </p:spPr>
+        <p:txBody>
+          <a:bodyPr vert="horz" lIns="91440" tIns="45720" rIns="91440" bIns="45720" rtlCol="0">
+            <a:noAutofit/>
+          </a:bodyPr>
+          <a:lstStyle>
+            <a:lvl1pPr marL="342900" indent="-342900" algn="l" defTabSz="457200" rtl="0" eaLnBrk="1" latinLnBrk="0" hangingPunct="1">
+              <a:spcBef>
+                <a:spcPts val="1000"/>
+              </a:spcBef>
+              <a:spcAft>
+                <a:spcPts val="0"/>
+              </a:spcAft>
+              <a:buClr>
+                <a:schemeClr val="accent1"/>
+              </a:buClr>
+              <a:buSzPct val="80000"/>
+              <a:buFont typeface="Wingdings 3" charset="2"/>
+              <a:buChar char=""/>
+              <a:defRPr sz="1800" kern="1200">
+                <a:solidFill>
+                  <a:schemeClr val="tx1">
+                    <a:lumMod val="75000"/>
+                    <a:lumOff val="25000"/>
+                  </a:schemeClr>
+                </a:solidFill>
+                <a:latin typeface="+mn-lt"/>
+                <a:ea typeface="+mn-ea"/>
+                <a:cs typeface="+mn-cs"/>
+              </a:defRPr>
+            </a:lvl1pPr>
+            <a:lvl2pPr marL="742950" indent="-285750" algn="l" defTabSz="457200" rtl="0" eaLnBrk="1" latinLnBrk="0" hangingPunct="1">
+              <a:spcBef>
+                <a:spcPts val="1000"/>
+              </a:spcBef>
+              <a:spcAft>
+                <a:spcPts val="0"/>
+              </a:spcAft>
+              <a:buClr>
+                <a:schemeClr val="accent1"/>
+              </a:buClr>
+              <a:buSzPct val="80000"/>
+              <a:buFont typeface="Wingdings 3" charset="2"/>
+              <a:buChar char=""/>
+              <a:defRPr sz="1600" kern="1200">
+                <a:solidFill>
+                  <a:schemeClr val="tx1">
+                    <a:lumMod val="75000"/>
+                    <a:lumOff val="25000"/>
+                  </a:schemeClr>
+                </a:solidFill>
+                <a:latin typeface="+mn-lt"/>
+                <a:ea typeface="+mn-ea"/>
+                <a:cs typeface="+mn-cs"/>
+              </a:defRPr>
+            </a:lvl2pPr>
+            <a:lvl3pPr marL="1143000" indent="-228600" algn="l" defTabSz="457200" rtl="0" eaLnBrk="1" latinLnBrk="0" hangingPunct="1">
+              <a:spcBef>
+                <a:spcPts val="1000"/>
+              </a:spcBef>
+              <a:spcAft>
+                <a:spcPts val="0"/>
+              </a:spcAft>
+              <a:buClr>
+                <a:schemeClr val="accent1"/>
+              </a:buClr>
+              <a:buSzPct val="80000"/>
+              <a:buFont typeface="Wingdings 3" charset="2"/>
+              <a:buChar char=""/>
+              <a:defRPr sz="1400" kern="1200">
+                <a:solidFill>
+                  <a:schemeClr val="tx1">
+                    <a:lumMod val="75000"/>
+                    <a:lumOff val="25000"/>
+                  </a:schemeClr>
+                </a:solidFill>
+                <a:latin typeface="+mn-lt"/>
+                <a:ea typeface="+mn-ea"/>
+                <a:cs typeface="+mn-cs"/>
+              </a:defRPr>
+            </a:lvl3pPr>
+            <a:lvl4pPr marL="1600200" indent="-228600" algn="l" defTabSz="457200" rtl="0" eaLnBrk="1" latinLnBrk="0" hangingPunct="1">
+              <a:spcBef>
+                <a:spcPts val="1000"/>
+              </a:spcBef>
+              <a:spcAft>
+                <a:spcPts val="0"/>
+              </a:spcAft>
+              <a:buClr>
+                <a:schemeClr val="accent1"/>
+              </a:buClr>
+              <a:buSzPct val="80000"/>
+              <a:buFont typeface="Wingdings 3" charset="2"/>
+              <a:buChar char=""/>
+              <a:defRPr sz="1200" kern="1200">
+                <a:solidFill>
+                  <a:schemeClr val="tx1">
+                    <a:lumMod val="75000"/>
+                    <a:lumOff val="25000"/>
+                  </a:schemeClr>
+                </a:solidFill>
+                <a:latin typeface="+mn-lt"/>
+                <a:ea typeface="+mn-ea"/>
+                <a:cs typeface="+mn-cs"/>
+              </a:defRPr>
+            </a:lvl4pPr>
+            <a:lvl5pPr marL="2057400" indent="-228600" algn="l" defTabSz="457200" rtl="0" eaLnBrk="1" latinLnBrk="0" hangingPunct="1">
+              <a:spcBef>
+                <a:spcPts val="1000"/>
+              </a:spcBef>
+              <a:spcAft>
+                <a:spcPts val="0"/>
+              </a:spcAft>
+              <a:buClr>
+                <a:schemeClr val="accent1"/>
+              </a:buClr>
+              <a:buSzPct val="80000"/>
+              <a:buFont typeface="Wingdings 3" charset="2"/>
+              <a:buChar char=""/>
+              <a:defRPr sz="1200" kern="1200">
+                <a:solidFill>
+                  <a:schemeClr val="tx1">
+                    <a:lumMod val="75000"/>
+                    <a:lumOff val="25000"/>
+                  </a:schemeClr>
+                </a:solidFill>
+                <a:latin typeface="+mn-lt"/>
+                <a:ea typeface="+mn-ea"/>
+                <a:cs typeface="+mn-cs"/>
+              </a:defRPr>
+            </a:lvl5pPr>
+            <a:lvl6pPr marL="2514600" indent="-228600" algn="l" defTabSz="457200" rtl="0" eaLnBrk="1" latinLnBrk="0" hangingPunct="1">
+              <a:spcBef>
+                <a:spcPts val="1000"/>
+              </a:spcBef>
+              <a:spcAft>
+                <a:spcPts val="0"/>
+              </a:spcAft>
+              <a:buClr>
+                <a:schemeClr val="accent1"/>
+              </a:buClr>
+              <a:buSzPct val="80000"/>
+              <a:buFont typeface="Wingdings 3" charset="2"/>
+              <a:buChar char=""/>
+              <a:defRPr sz="1200" kern="1200">
+                <a:solidFill>
+                  <a:schemeClr val="tx1">
+                    <a:lumMod val="75000"/>
+                    <a:lumOff val="25000"/>
+                  </a:schemeClr>
+                </a:solidFill>
+                <a:latin typeface="+mn-lt"/>
+                <a:ea typeface="+mn-ea"/>
+                <a:cs typeface="+mn-cs"/>
+              </a:defRPr>
+            </a:lvl6pPr>
+            <a:lvl7pPr marL="2971800" indent="-228600" algn="l" defTabSz="457200" rtl="0" eaLnBrk="1" latinLnBrk="0" hangingPunct="1">
+              <a:spcBef>
+                <a:spcPts val="1000"/>
+              </a:spcBef>
+              <a:spcAft>
+                <a:spcPts val="0"/>
+              </a:spcAft>
+              <a:buClr>
+                <a:schemeClr val="accent1"/>
+              </a:buClr>
+              <a:buSzPct val="80000"/>
+              <a:buFont typeface="Wingdings 3" charset="2"/>
+              <a:buChar char=""/>
+              <a:defRPr sz="1200" kern="1200">
+                <a:solidFill>
+                  <a:schemeClr val="tx1">
+                    <a:lumMod val="75000"/>
+                    <a:lumOff val="25000"/>
+                  </a:schemeClr>
+                </a:solidFill>
+                <a:latin typeface="+mn-lt"/>
+                <a:ea typeface="+mn-ea"/>
+                <a:cs typeface="+mn-cs"/>
+              </a:defRPr>
+            </a:lvl7pPr>
+            <a:lvl8pPr marL="3429000" indent="-228600" algn="l" defTabSz="457200" rtl="0" eaLnBrk="1" latinLnBrk="0" hangingPunct="1">
+              <a:spcBef>
+                <a:spcPts val="1000"/>
+              </a:spcBef>
+              <a:spcAft>
+                <a:spcPts val="0"/>
+              </a:spcAft>
+              <a:buClr>
+                <a:schemeClr val="accent1"/>
+              </a:buClr>
+              <a:buSzPct val="80000"/>
+              <a:buFont typeface="Wingdings 3" charset="2"/>
+              <a:buChar char=""/>
+              <a:defRPr sz="1200" kern="1200">
+                <a:solidFill>
+                  <a:schemeClr val="tx1">
+                    <a:lumMod val="75000"/>
+                    <a:lumOff val="25000"/>
+                  </a:schemeClr>
+                </a:solidFill>
+                <a:latin typeface="+mn-lt"/>
+                <a:ea typeface="+mn-ea"/>
+                <a:cs typeface="+mn-cs"/>
+              </a:defRPr>
+            </a:lvl8pPr>
+            <a:lvl9pPr marL="3886200" indent="-228600" algn="l" defTabSz="457200" rtl="0" eaLnBrk="1" latinLnBrk="0" hangingPunct="1">
+              <a:spcBef>
+                <a:spcPts val="1000"/>
+              </a:spcBef>
+              <a:spcAft>
+                <a:spcPts val="0"/>
+              </a:spcAft>
+              <a:buClr>
+                <a:schemeClr val="accent1"/>
+              </a:buClr>
+              <a:buSzPct val="80000"/>
+              <a:buFont typeface="Wingdings 3" charset="2"/>
+              <a:buChar char=""/>
+              <a:defRPr sz="1200" kern="1200">
+                <a:solidFill>
+                  <a:schemeClr val="tx1">
+                    <a:lumMod val="75000"/>
+                    <a:lumOff val="25000"/>
+                  </a:schemeClr>
+                </a:solidFill>
+                <a:latin typeface="+mn-lt"/>
+                <a:ea typeface="+mn-ea"/>
+                <a:cs typeface="+mn-cs"/>
+              </a:defRPr>
+            </a:lvl9pPr>
+          </a:lstStyle>
+          <a:p>
+            <a:pPr algn="r" rtl="1">
+              <a:lnSpc>
+                <a:spcPct val="114000"/>
+              </a:lnSpc>
+              <a:buFont typeface="Wingdings" panose="05000000000000000000" pitchFamily="2" charset="2"/>
+              <a:buChar char="Ø"/>
+            </a:pPr>
+            <a:r>
+              <a:rPr lang="he-IL" sz="1400" dirty="0">
+                <a:solidFill>
+                  <a:srgbClr val="000000"/>
+                </a:solidFill>
+                <a:latin typeface="Tahoma" panose="020B0604030504040204" pitchFamily="34" charset="0"/>
+                <a:ea typeface="Tahoma" panose="020B0604030504040204" pitchFamily="34" charset="0"/>
+                <a:cs typeface="Tahoma" panose="020B0604030504040204" pitchFamily="34" charset="0"/>
+              </a:rPr>
+              <a:t>דיוק עבור מעט מאפיינים</a:t>
+            </a:r>
+          </a:p>
+        </p:txBody>
+      </p:sp>
+      <p:sp>
+        <p:nvSpPr>
+          <p:cNvPr id="31" name="Content Placeholder 2">
+            <a:extLst>
+              <a:ext uri="{FF2B5EF4-FFF2-40B4-BE49-F238E27FC236}">
+                <a16:creationId xmlns:a16="http://schemas.microsoft.com/office/drawing/2014/main" id="{7A38A27C-C7F9-5A3C-87D6-53CD7ABC949B}"/>
+              </a:ext>
+            </a:extLst>
+          </p:cNvPr>
+          <p:cNvSpPr txBox="1">
+            <a:spLocks/>
+          </p:cNvSpPr>
+          <p:nvPr/>
+        </p:nvSpPr>
+        <p:spPr>
+          <a:xfrm>
+            <a:off x="6734587" y="4511727"/>
+            <a:ext cx="2559915" cy="604230"/>
+          </a:xfrm>
+          <a:prstGeom prst="rect">
+            <a:avLst/>
+          </a:prstGeom>
+        </p:spPr>
+        <p:txBody>
+          <a:bodyPr vert="horz" lIns="91440" tIns="45720" rIns="91440" bIns="45720" rtlCol="0">
+            <a:noAutofit/>
+          </a:bodyPr>
+          <a:lstStyle>
+            <a:lvl1pPr marL="342900" indent="-342900" algn="l" defTabSz="457200" rtl="0" eaLnBrk="1" latinLnBrk="0" hangingPunct="1">
+              <a:spcBef>
+                <a:spcPts val="1000"/>
+              </a:spcBef>
+              <a:spcAft>
+                <a:spcPts val="0"/>
+              </a:spcAft>
+              <a:buClr>
+                <a:schemeClr val="accent1"/>
+              </a:buClr>
+              <a:buSzPct val="80000"/>
+              <a:buFont typeface="Wingdings 3" charset="2"/>
+              <a:buChar char=""/>
+              <a:defRPr sz="1800" kern="1200">
+                <a:solidFill>
+                  <a:schemeClr val="tx1">
+                    <a:lumMod val="75000"/>
+                    <a:lumOff val="25000"/>
+                  </a:schemeClr>
+                </a:solidFill>
+                <a:latin typeface="+mn-lt"/>
+                <a:ea typeface="+mn-ea"/>
+                <a:cs typeface="+mn-cs"/>
+              </a:defRPr>
+            </a:lvl1pPr>
+            <a:lvl2pPr marL="742950" indent="-285750" algn="l" defTabSz="457200" rtl="0" eaLnBrk="1" latinLnBrk="0" hangingPunct="1">
+              <a:spcBef>
+                <a:spcPts val="1000"/>
+              </a:spcBef>
+              <a:spcAft>
+                <a:spcPts val="0"/>
+              </a:spcAft>
+              <a:buClr>
+                <a:schemeClr val="accent1"/>
+              </a:buClr>
+              <a:buSzPct val="80000"/>
+              <a:buFont typeface="Wingdings 3" charset="2"/>
+              <a:buChar char=""/>
+              <a:defRPr sz="1600" kern="1200">
+                <a:solidFill>
+                  <a:schemeClr val="tx1">
+                    <a:lumMod val="75000"/>
+                    <a:lumOff val="25000"/>
+                  </a:schemeClr>
+                </a:solidFill>
+                <a:latin typeface="+mn-lt"/>
+                <a:ea typeface="+mn-ea"/>
+                <a:cs typeface="+mn-cs"/>
+              </a:defRPr>
+            </a:lvl2pPr>
+            <a:lvl3pPr marL="1143000" indent="-228600" algn="l" defTabSz="457200" rtl="0" eaLnBrk="1" latinLnBrk="0" hangingPunct="1">
+              <a:spcBef>
+                <a:spcPts val="1000"/>
+              </a:spcBef>
+              <a:spcAft>
+                <a:spcPts val="0"/>
+              </a:spcAft>
+              <a:buClr>
+                <a:schemeClr val="accent1"/>
+              </a:buClr>
+              <a:buSzPct val="80000"/>
+              <a:buFont typeface="Wingdings 3" charset="2"/>
+              <a:buChar char=""/>
+              <a:defRPr sz="1400" kern="1200">
+                <a:solidFill>
+                  <a:schemeClr val="tx1">
+                    <a:lumMod val="75000"/>
+                    <a:lumOff val="25000"/>
+                  </a:schemeClr>
+                </a:solidFill>
+                <a:latin typeface="+mn-lt"/>
+                <a:ea typeface="+mn-ea"/>
+                <a:cs typeface="+mn-cs"/>
+              </a:defRPr>
+            </a:lvl3pPr>
+            <a:lvl4pPr marL="1600200" indent="-228600" algn="l" defTabSz="457200" rtl="0" eaLnBrk="1" latinLnBrk="0" hangingPunct="1">
+              <a:spcBef>
+                <a:spcPts val="1000"/>
+              </a:spcBef>
+              <a:spcAft>
+                <a:spcPts val="0"/>
+              </a:spcAft>
+              <a:buClr>
+                <a:schemeClr val="accent1"/>
+              </a:buClr>
+              <a:buSzPct val="80000"/>
+              <a:buFont typeface="Wingdings 3" charset="2"/>
+              <a:buChar char=""/>
+              <a:defRPr sz="1200" kern="1200">
+                <a:solidFill>
+                  <a:schemeClr val="tx1">
+                    <a:lumMod val="75000"/>
+                    <a:lumOff val="25000"/>
+                  </a:schemeClr>
+                </a:solidFill>
+                <a:latin typeface="+mn-lt"/>
+                <a:ea typeface="+mn-ea"/>
+                <a:cs typeface="+mn-cs"/>
+              </a:defRPr>
+            </a:lvl4pPr>
+            <a:lvl5pPr marL="2057400" indent="-228600" algn="l" defTabSz="457200" rtl="0" eaLnBrk="1" latinLnBrk="0" hangingPunct="1">
+              <a:spcBef>
+                <a:spcPts val="1000"/>
+              </a:spcBef>
+              <a:spcAft>
+                <a:spcPts val="0"/>
+              </a:spcAft>
+              <a:buClr>
+                <a:schemeClr val="accent1"/>
+              </a:buClr>
+              <a:buSzPct val="80000"/>
+              <a:buFont typeface="Wingdings 3" charset="2"/>
+              <a:buChar char=""/>
+              <a:defRPr sz="1200" kern="1200">
+                <a:solidFill>
+                  <a:schemeClr val="tx1">
+                    <a:lumMod val="75000"/>
+                    <a:lumOff val="25000"/>
+                  </a:schemeClr>
+                </a:solidFill>
+                <a:latin typeface="+mn-lt"/>
+                <a:ea typeface="+mn-ea"/>
+                <a:cs typeface="+mn-cs"/>
+              </a:defRPr>
+            </a:lvl5pPr>
+            <a:lvl6pPr marL="2514600" indent="-228600" algn="l" defTabSz="457200" rtl="0" eaLnBrk="1" latinLnBrk="0" hangingPunct="1">
+              <a:spcBef>
+                <a:spcPts val="1000"/>
+              </a:spcBef>
+              <a:spcAft>
+                <a:spcPts val="0"/>
+              </a:spcAft>
+              <a:buClr>
+                <a:schemeClr val="accent1"/>
+              </a:buClr>
+              <a:buSzPct val="80000"/>
+              <a:buFont typeface="Wingdings 3" charset="2"/>
+              <a:buChar char=""/>
+              <a:defRPr sz="1200" kern="1200">
+                <a:solidFill>
+                  <a:schemeClr val="tx1">
+                    <a:lumMod val="75000"/>
+                    <a:lumOff val="25000"/>
+                  </a:schemeClr>
+                </a:solidFill>
+                <a:latin typeface="+mn-lt"/>
+                <a:ea typeface="+mn-ea"/>
+                <a:cs typeface="+mn-cs"/>
+              </a:defRPr>
+            </a:lvl6pPr>
+            <a:lvl7pPr marL="2971800" indent="-228600" algn="l" defTabSz="457200" rtl="0" eaLnBrk="1" latinLnBrk="0" hangingPunct="1">
+              <a:spcBef>
+                <a:spcPts val="1000"/>
+              </a:spcBef>
+              <a:spcAft>
+                <a:spcPts val="0"/>
+              </a:spcAft>
+              <a:buClr>
+                <a:schemeClr val="accent1"/>
+              </a:buClr>
+              <a:buSzPct val="80000"/>
+              <a:buFont typeface="Wingdings 3" charset="2"/>
+              <a:buChar char=""/>
+              <a:defRPr sz="1200" kern="1200">
+                <a:solidFill>
+                  <a:schemeClr val="tx1">
+                    <a:lumMod val="75000"/>
+                    <a:lumOff val="25000"/>
+                  </a:schemeClr>
+                </a:solidFill>
+                <a:latin typeface="+mn-lt"/>
+                <a:ea typeface="+mn-ea"/>
+                <a:cs typeface="+mn-cs"/>
+              </a:defRPr>
+            </a:lvl7pPr>
+            <a:lvl8pPr marL="3429000" indent="-228600" algn="l" defTabSz="457200" rtl="0" eaLnBrk="1" latinLnBrk="0" hangingPunct="1">
+              <a:spcBef>
+                <a:spcPts val="1000"/>
+              </a:spcBef>
+              <a:spcAft>
+                <a:spcPts val="0"/>
+              </a:spcAft>
+              <a:buClr>
+                <a:schemeClr val="accent1"/>
+              </a:buClr>
+              <a:buSzPct val="80000"/>
+              <a:buFont typeface="Wingdings 3" charset="2"/>
+              <a:buChar char=""/>
+              <a:defRPr sz="1200" kern="1200">
+                <a:solidFill>
+                  <a:schemeClr val="tx1">
+                    <a:lumMod val="75000"/>
+                    <a:lumOff val="25000"/>
+                  </a:schemeClr>
+                </a:solidFill>
+                <a:latin typeface="+mn-lt"/>
+                <a:ea typeface="+mn-ea"/>
+                <a:cs typeface="+mn-cs"/>
+              </a:defRPr>
+            </a:lvl8pPr>
+            <a:lvl9pPr marL="3886200" indent="-228600" algn="l" defTabSz="457200" rtl="0" eaLnBrk="1" latinLnBrk="0" hangingPunct="1">
+              <a:spcBef>
+                <a:spcPts val="1000"/>
+              </a:spcBef>
+              <a:spcAft>
+                <a:spcPts val="0"/>
+              </a:spcAft>
+              <a:buClr>
+                <a:schemeClr val="accent1"/>
+              </a:buClr>
+              <a:buSzPct val="80000"/>
+              <a:buFont typeface="Wingdings 3" charset="2"/>
+              <a:buChar char=""/>
+              <a:defRPr sz="1200" kern="1200">
+                <a:solidFill>
+                  <a:schemeClr val="tx1">
+                    <a:lumMod val="75000"/>
+                    <a:lumOff val="25000"/>
+                  </a:schemeClr>
+                </a:solidFill>
+                <a:latin typeface="+mn-lt"/>
+                <a:ea typeface="+mn-ea"/>
+                <a:cs typeface="+mn-cs"/>
+              </a:defRPr>
+            </a:lvl9pPr>
+          </a:lstStyle>
+          <a:p>
+            <a:pPr algn="r" rtl="1">
+              <a:lnSpc>
+                <a:spcPct val="114000"/>
+              </a:lnSpc>
+              <a:buFont typeface="Wingdings" panose="05000000000000000000" pitchFamily="2" charset="2"/>
+              <a:buChar char="Ø"/>
+            </a:pPr>
+            <a:r>
+              <a:rPr lang="he-IL" sz="1400" dirty="0">
+                <a:solidFill>
+                  <a:srgbClr val="000000"/>
+                </a:solidFill>
+                <a:latin typeface="Tahoma" panose="020B0604030504040204" pitchFamily="34" charset="0"/>
+                <a:ea typeface="Tahoma" panose="020B0604030504040204" pitchFamily="34" charset="0"/>
+                <a:cs typeface="Tahoma" panose="020B0604030504040204" pitchFamily="34" charset="0"/>
+              </a:rPr>
+              <a:t>פשוט לא..</a:t>
+            </a:r>
+            <a:br>
+              <a:rPr lang="en-US" sz="1400" dirty="0">
+                <a:solidFill>
+                  <a:srgbClr val="000000"/>
+                </a:solidFill>
+                <a:latin typeface="Tahoma" panose="020B0604030504040204" pitchFamily="34" charset="0"/>
+                <a:ea typeface="Tahoma" panose="020B0604030504040204" pitchFamily="34" charset="0"/>
+                <a:cs typeface="Tahoma" panose="020B0604030504040204" pitchFamily="34" charset="0"/>
+              </a:rPr>
+            </a:br>
+            <a:endParaRPr lang="he-IL" sz="1400" dirty="0">
+              <a:solidFill>
+                <a:srgbClr val="000000"/>
+              </a:solidFill>
+              <a:latin typeface="Tahoma" panose="020B0604030504040204" pitchFamily="34" charset="0"/>
+              <a:ea typeface="Tahoma" panose="020B0604030504040204" pitchFamily="34" charset="0"/>
+              <a:cs typeface="Tahoma" panose="020B0604030504040204" pitchFamily="34" charset="0"/>
+            </a:endParaRPr>
+          </a:p>
+        </p:txBody>
+      </p:sp>
+      <p:sp>
+        <p:nvSpPr>
+          <p:cNvPr id="32" name="Rectangle 31">
+            <a:extLst>
+              <a:ext uri="{FF2B5EF4-FFF2-40B4-BE49-F238E27FC236}">
+                <a16:creationId xmlns:a16="http://schemas.microsoft.com/office/drawing/2014/main" id="{2ECE7D7D-8EA5-783E-4F1F-3D0E82AAA799}"/>
+              </a:ext>
+            </a:extLst>
+          </p:cNvPr>
+          <p:cNvSpPr/>
+          <p:nvPr/>
+        </p:nvSpPr>
+        <p:spPr>
+          <a:xfrm>
+            <a:off x="1783532" y="2780651"/>
+            <a:ext cx="316871" cy="368441"/>
+          </a:xfrm>
+          <a:prstGeom prst="rect">
+            <a:avLst/>
+          </a:prstGeom>
+          <a:noFill/>
+          <a:ln>
+            <a:solidFill>
+              <a:srgbClr val="FFFF00"/>
+            </a:solidFill>
+          </a:ln>
+        </p:spPr>
+        <p:style>
+          <a:lnRef idx="2">
+            <a:schemeClr val="accent1">
+              <a:shade val="50000"/>
+            </a:schemeClr>
+          </a:lnRef>
+          <a:fillRef idx="1">
+            <a:schemeClr val="accent1"/>
+          </a:fillRef>
+          <a:effectRef idx="0">
+            <a:schemeClr val="accent1"/>
+          </a:effectRef>
+          <a:fontRef idx="minor">
+            <a:schemeClr val="lt1"/>
+          </a:fontRef>
+        </p:style>
+        <p:txBody>
+          <a:bodyPr rtlCol="1" anchor="ctr"/>
+          <a:lstStyle/>
+          <a:p>
+            <a:pPr algn="ctr"/>
+            <a:endParaRPr lang="he-IL"/>
+          </a:p>
+        </p:txBody>
+      </p:sp>
+      <p:sp>
+        <p:nvSpPr>
+          <p:cNvPr id="35" name="TextBox 34">
+            <a:extLst>
+              <a:ext uri="{FF2B5EF4-FFF2-40B4-BE49-F238E27FC236}">
+                <a16:creationId xmlns:a16="http://schemas.microsoft.com/office/drawing/2014/main" id="{8A4AECA5-B6EE-3CA6-7BEC-675C3187FB88}"/>
+              </a:ext>
+            </a:extLst>
+          </p:cNvPr>
+          <p:cNvSpPr txBox="1"/>
+          <p:nvPr/>
+        </p:nvSpPr>
+        <p:spPr>
+          <a:xfrm>
+            <a:off x="1526044" y="2726901"/>
+            <a:ext cx="316871" cy="523220"/>
+          </a:xfrm>
+          <a:prstGeom prst="rect">
+            <a:avLst/>
+          </a:prstGeom>
+          <a:noFill/>
+        </p:spPr>
+        <p:txBody>
+          <a:bodyPr wrap="square" rtlCol="1">
+            <a:spAutoFit/>
+          </a:bodyPr>
+          <a:lstStyle/>
+          <a:p>
+            <a:r>
+              <a:rPr lang="en-US" sz="2800" b="1" dirty="0">
+                <a:solidFill>
+                  <a:srgbClr val="FFFF00"/>
+                </a:solidFill>
+              </a:rPr>
+              <a:t>!</a:t>
+            </a:r>
+            <a:endParaRPr lang="he-IL" sz="2800" b="1" dirty="0">
+              <a:solidFill>
+                <a:srgbClr val="FFFF00"/>
+              </a:solidFill>
+            </a:endParaRPr>
+          </a:p>
+        </p:txBody>
+      </p:sp>
+    </p:spTree>
+    <p:extLst>
+      <p:ext uri="{BB962C8B-B14F-4D97-AF65-F5344CB8AC3E}">
+        <p14:creationId xmlns:p14="http://schemas.microsoft.com/office/powerpoint/2010/main" val="1660465163"/>
+      </p:ext>
+    </p:extLst>
+  </p:cSld>
+  <p:clrMapOvr>
+    <a:masterClrMapping/>
+  </p:clrMapOvr>
+</p:sld>
+</file>
+
+<file path=ppt/slides/slide11.xml><?xml version="1.0" encoding="utf-8"?>
+<p:sld xmlns:a="http://schemas.openxmlformats.org/drawingml/2006/main" xmlns:r="http://schemas.openxmlformats.org/officeDocument/2006/relationships" xmlns:p="http://schemas.openxmlformats.org/presentationml/2006/main">
+  <p:cSld>
+    <p:spTree>
+      <p:nvGrpSpPr>
+        <p:cNvPr id="1" name=""/>
+        <p:cNvGrpSpPr/>
+        <p:nvPr/>
+      </p:nvGrpSpPr>
+      <p:grpSpPr>
+        <a:xfrm>
+          <a:off x="0" y="0"/>
+          <a:ext cx="0" cy="0"/>
+          <a:chOff x="0" y="0"/>
+          <a:chExt cx="0" cy="0"/>
+        </a:xfrm>
+      </p:grpSpPr>
       <p:pic>
         <p:nvPicPr>
           <p:cNvPr id="11" name="Picture 10" descr="Line chart&#10;&#10;Description automatically generated">
@@ -9319,7 +14048,7 @@
           <p:nvPr/>
         </p:nvPicPr>
         <p:blipFill>
-          <a:blip r:embed="rId2">
+          <a:blip r:embed="rId3">
             <a:extLst>
               <a:ext uri="{28A0092B-C50C-407E-A947-70E740481C1C}">
                 <a14:useLocalDpi xmlns:a14="http://schemas.microsoft.com/office/drawing/2010/main" val="0"/>
@@ -9353,7 +14082,7 @@
 </p:sld>
 </file>
 
-<file path=ppt/slides/slide11.xml><?xml version="1.0" encoding="utf-8"?>
+<file path=ppt/slides/slide12.xml><?xml version="1.0" encoding="utf-8"?>
 <p:sld xmlns:a="http://schemas.openxmlformats.org/drawingml/2006/main" xmlns:r="http://schemas.openxmlformats.org/officeDocument/2006/relationships" xmlns:p="http://schemas.openxmlformats.org/presentationml/2006/main">
   <p:cSld>
     <p:spTree>
@@ -13004,13 +17733,13 @@
           <p:nvPr/>
         </p:nvPicPr>
         <p:blipFill>
-          <a:blip r:embed="rId2">
+          <a:blip r:embed="rId3">
             <a:extLst>
               <a:ext uri="{28A0092B-C50C-407E-A947-70E740481C1C}">
                 <a14:useLocalDpi xmlns:a14="http://schemas.microsoft.com/office/drawing/2010/main" val="0"/>
               </a:ext>
               <a:ext uri="{96DAC541-7B7A-43D3-8B79-37D633B846F1}">
-                <asvg:svgBlip xmlns:asvg="http://schemas.microsoft.com/office/drawing/2016/SVG/main" r:embed="rId3"/>
+                <asvg:svgBlip xmlns:asvg="http://schemas.microsoft.com/office/drawing/2016/SVG/main" r:embed="rId4"/>
               </a:ext>
             </a:extLst>
           </a:blip>
@@ -13095,13 +17824,13 @@
           <p:nvPr/>
         </p:nvPicPr>
         <p:blipFill>
-          <a:blip r:embed="rId4">
+          <a:blip r:embed="rId5">
             <a:extLst>
               <a:ext uri="{28A0092B-C50C-407E-A947-70E740481C1C}">
                 <a14:useLocalDpi xmlns:a14="http://schemas.microsoft.com/office/drawing/2010/main" val="0"/>
               </a:ext>
               <a:ext uri="{96DAC541-7B7A-43D3-8B79-37D633B846F1}">
-                <asvg:svgBlip xmlns:asvg="http://schemas.microsoft.com/office/drawing/2016/SVG/main" r:embed="rId5"/>
+                <asvg:svgBlip xmlns:asvg="http://schemas.microsoft.com/office/drawing/2016/SVG/main" r:embed="rId6"/>
               </a:ext>
             </a:extLst>
           </a:blip>
@@ -13238,13 +17967,13 @@
           <p:nvPr/>
         </p:nvPicPr>
         <p:blipFill>
-          <a:blip r:embed="rId2">
+          <a:blip r:embed="rId3">
             <a:extLst>
               <a:ext uri="{28A0092B-C50C-407E-A947-70E740481C1C}">
                 <a14:useLocalDpi xmlns:a14="http://schemas.microsoft.com/office/drawing/2010/main" val="0"/>
               </a:ext>
               <a:ext uri="{96DAC541-7B7A-43D3-8B79-37D633B846F1}">
-                <asvg:svgBlip xmlns:asvg="http://schemas.microsoft.com/office/drawing/2016/SVG/main" r:embed="rId3"/>
+                <asvg:svgBlip xmlns:asvg="http://schemas.microsoft.com/office/drawing/2016/SVG/main" r:embed="rId4"/>
               </a:ext>
             </a:extLst>
           </a:blip>
@@ -13863,7 +18592,7 @@
 </p:sld>
 </file>
 
-<file path=ppt/slides/slide12.xml><?xml version="1.0" encoding="utf-8"?>
+<file path=ppt/slides/slide13.xml><?xml version="1.0" encoding="utf-8"?>
 <p:sld xmlns:a="http://schemas.openxmlformats.org/drawingml/2006/main" xmlns:r="http://schemas.openxmlformats.org/officeDocument/2006/relationships" xmlns:p="http://schemas.openxmlformats.org/presentationml/2006/main">
   <p:cSld>
     <p:spTree>
@@ -14445,7 +19174,7 @@
                 <a:ea typeface="Tahoma" panose="020B0604030504040204" pitchFamily="34" charset="0"/>
                 <a:cs typeface="Tahoma" panose="020B0604030504040204" pitchFamily="34" charset="0"/>
               </a:rPr>
-              <a:t>באדום, ניתן לראות פיזור על פני טווח ערכים רחב (1%~).</a:t>
+              <a:t>באדום, ניתן לראות פיזור על פני טווח ערכים רחב יחסית (1%~).</a:t>
             </a:r>
           </a:p>
           <a:p>
@@ -14539,7 +19268,7 @@
             <p:nvPr/>
           </p:nvPicPr>
           <p:blipFill>
-            <a:blip r:embed="rId2">
+            <a:blip r:embed="rId3">
               <a:extLst>
                 <a:ext uri="{28A0092B-C50C-407E-A947-70E740481C1C}">
                   <a14:useLocalDpi xmlns:a14="http://schemas.microsoft.com/office/drawing/2010/main" val="0"/>
@@ -14789,7 +19518,7 @@
 </p:sld>
 </file>
 
-<file path=ppt/slides/slide13.xml><?xml version="1.0" encoding="utf-8"?>
+<file path=ppt/slides/slide14.xml><?xml version="1.0" encoding="utf-8"?>
 <p:sld xmlns:a="http://schemas.openxmlformats.org/drawingml/2006/main" xmlns:r="http://schemas.openxmlformats.org/officeDocument/2006/relationships" xmlns:p="http://schemas.openxmlformats.org/presentationml/2006/main">
   <p:cSld>
     <p:spTree>
@@ -15284,7 +20013,7 @@
 </p:sld>
 </file>
 
-<file path=ppt/slides/slide14.xml><?xml version="1.0" encoding="utf-8"?>
+<file path=ppt/slides/slide15.xml><?xml version="1.0" encoding="utf-8"?>
 <p:sld xmlns:a="http://schemas.openxmlformats.org/drawingml/2006/main" xmlns:r="http://schemas.openxmlformats.org/officeDocument/2006/relationships" xmlns:p="http://schemas.openxmlformats.org/presentationml/2006/main">
   <p:cSld>
     <p:spTree>
@@ -16555,7 +21284,7 @@
 </p:sld>
 </file>
 
-<file path=ppt/slides/slide15.xml><?xml version="1.0" encoding="utf-8"?>
+<file path=ppt/slides/slide16.xml><?xml version="1.0" encoding="utf-8"?>
 <p:sld xmlns:a="http://schemas.openxmlformats.org/drawingml/2006/main" xmlns:r="http://schemas.openxmlformats.org/officeDocument/2006/relationships" xmlns:p="http://schemas.openxmlformats.org/presentationml/2006/main">
   <p:cSld>
     <p:spTree>
@@ -16870,7 +21599,7 @@
 </p:sld>
 </file>
 
-<file path=ppt/slides/slide16.xml><?xml version="1.0" encoding="utf-8"?>
+<file path=ppt/slides/slide17.xml><?xml version="1.0" encoding="utf-8"?>
 <p:sld xmlns:a="http://schemas.openxmlformats.org/drawingml/2006/main" xmlns:r="http://schemas.openxmlformats.org/officeDocument/2006/relationships" xmlns:p="http://schemas.openxmlformats.org/presentationml/2006/main">
   <p:cSld>
     <p:spTree>
@@ -17736,28 +22465,7 @@
                 <a:ea typeface="Tahoma" panose="020B0604030504040204" pitchFamily="34" charset="0"/>
                 <a:cs typeface="Tahoma" panose="020B0604030504040204" pitchFamily="34" charset="0"/>
               </a:rPr>
-              <a:t>תת-תחום במדעי המחשב ובבינה מלאכותית. התחום עוסק בפיתוח אלגוריתמים המיועדים לאפשר למחשב ללמוד מתוך דוגמאות, ופועל במגוון משימות חישוביות בהן התכנות הקלאסי אינו אפשרי.</a:t>
-            </a:r>
-            <a:br>
-              <a:rPr lang="en-US" sz="1400" dirty="0">
-                <a:solidFill>
-                  <a:srgbClr val="000000"/>
-                </a:solidFill>
-                <a:latin typeface="Tahoma" panose="020B0604030504040204" pitchFamily="34" charset="0"/>
-                <a:ea typeface="Tahoma" panose="020B0604030504040204" pitchFamily="34" charset="0"/>
-                <a:cs typeface="Tahoma" panose="020B0604030504040204" pitchFamily="34" charset="0"/>
-              </a:rPr>
-            </a:br>
-            <a:r>
-              <a:rPr lang="he-IL" sz="1400" dirty="0">
-                <a:solidFill>
-                  <a:srgbClr val="000000"/>
-                </a:solidFill>
-                <a:latin typeface="Tahoma" panose="020B0604030504040204" pitchFamily="34" charset="0"/>
-                <a:ea typeface="Tahoma" panose="020B0604030504040204" pitchFamily="34" charset="0"/>
-                <a:cs typeface="Tahoma" panose="020B0604030504040204" pitchFamily="34" charset="0"/>
-              </a:rPr>
-              <a:t>תחום זה מכיל שלושה סוגי למידה עיקריים והם: למידת חיזוק (</a:t>
+              <a:t>התחום עוסק בפיתוח אלגוריתמים המיועדים לאפשר למחשב ללמוד מתוך דוגמאות, ופועל במגוון משימות חישוביות בהן התכנות הקלאסי אינו אפשרי. תחום זה מכיל שלושה סוגי למידה עיקריים והם: למידת חיזוק (</a:t>
             </a:r>
             <a:r>
               <a:rPr lang="en-US" sz="1400" dirty="0">
@@ -18568,7 +23276,7 @@
           <p:nvPr/>
         </p:nvPicPr>
         <p:blipFill>
-          <a:blip r:embed="rId2">
+          <a:blip r:embed="rId3">
             <a:extLst>
               <a:ext uri="{28A0092B-C50C-407E-A947-70E740481C1C}">
                 <a14:useLocalDpi xmlns:a14="http://schemas.microsoft.com/office/drawing/2010/main" val="0"/>
@@ -18609,7 +23317,7 @@
           <p:nvPr/>
         </p:nvPicPr>
         <p:blipFill rotWithShape="1">
-          <a:blip r:embed="rId3">
+          <a:blip r:embed="rId4">
             <a:extLst>
               <a:ext uri="{28A0092B-C50C-407E-A947-70E740481C1C}">
                 <a14:useLocalDpi xmlns:a14="http://schemas.microsoft.com/office/drawing/2010/main" val="0"/>
@@ -18972,7 +23680,29 @@
                 <a:ea typeface="Tahoma" panose="020B0604030504040204" pitchFamily="34" charset="0"/>
                 <a:cs typeface="Tahoma" panose="020B0604030504040204" pitchFamily="34" charset="0"/>
               </a:rPr>
-              <a:t> בגודל מסוים המכיל תבנית שבעזרתה מתבצעת פעולת </a:t>
+              <a:t> </a:t>
+            </a:r>
+            <a:r>
+              <a:rPr lang="he-IL" sz="5600" b="1" dirty="0">
+                <a:solidFill>
+                  <a:srgbClr val="000000"/>
+                </a:solidFill>
+                <a:latin typeface="Tahoma" panose="020B0604030504040204" pitchFamily="34" charset="0"/>
+                <a:ea typeface="Tahoma" panose="020B0604030504040204" pitchFamily="34" charset="0"/>
+                <a:cs typeface="Tahoma" panose="020B0604030504040204" pitchFamily="34" charset="0"/>
+              </a:rPr>
+              <a:t>בגודל מסוים </a:t>
+            </a:r>
+            <a:r>
+              <a:rPr lang="he-IL" sz="5600" dirty="0">
+                <a:solidFill>
+                  <a:srgbClr val="000000"/>
+                </a:solidFill>
+                <a:latin typeface="Tahoma" panose="020B0604030504040204" pitchFamily="34" charset="0"/>
+                <a:ea typeface="Tahoma" panose="020B0604030504040204" pitchFamily="34" charset="0"/>
+                <a:cs typeface="Tahoma" panose="020B0604030504040204" pitchFamily="34" charset="0"/>
+              </a:rPr>
+              <a:t>המכיל תבנית שבעזרתה מתבצעת פעולת </a:t>
             </a:r>
             <a:r>
               <a:rPr lang="he-IL" sz="5600" dirty="0" err="1">
@@ -19111,8 +23841,8 @@
         </p:nvSpPr>
         <p:spPr>
           <a:xfrm>
-            <a:off x="4039727" y="1051759"/>
-            <a:ext cx="5297606" cy="559218"/>
+            <a:off x="2190308" y="1051759"/>
+            <a:ext cx="7147025" cy="559218"/>
           </a:xfrm>
         </p:spPr>
         <p:txBody>
@@ -19135,7 +23865,7 @@
                 <a:ea typeface="Tahoma" panose="020B0604030504040204" pitchFamily="34" charset="0"/>
                 <a:cs typeface="Tahoma" panose="020B0604030504040204" pitchFamily="34" charset="0"/>
               </a:rPr>
-              <a:t>מיפוי מאגר המידע וחלוקתו לגדלים שונים</a:t>
+              <a:t>מיפוי מאגר המידע (כ-9764 תמונות) וחלוקתו לגדלים שונים</a:t>
             </a:r>
           </a:p>
           <a:p>
@@ -22519,96 +27249,53 @@
           <a:chExt cx="0" cy="0"/>
         </a:xfrm>
       </p:grpSpPr>
-      <p:sp>
-        <p:nvSpPr>
-          <p:cNvPr id="3" name="Content Placeholder 2">
+      <p:pic>
+        <p:nvPicPr>
+          <p:cNvPr id="4" name="Picture 3">
             <a:extLst>
               <a:ext uri="{FF2B5EF4-FFF2-40B4-BE49-F238E27FC236}">
-                <a16:creationId xmlns:a16="http://schemas.microsoft.com/office/drawing/2014/main" id="{19786AB6-F422-61B0-0DF1-BDC019B99EA8}"/>
+                <a16:creationId xmlns:a16="http://schemas.microsoft.com/office/drawing/2014/main" id="{307B948E-6152-D2B0-0F4E-AABBD5149F70}"/>
               </a:ext>
             </a:extLst>
           </p:cNvPr>
-          <p:cNvSpPr>
-            <a:spLocks noGrp="1"/>
-          </p:cNvSpPr>
-          <p:nvPr>
-            <p:ph idx="1"/>
-          </p:nvPr>
-        </p:nvSpPr>
-        <p:spPr>
+          <p:cNvPicPr>
+            <a:picLocks noChangeAspect="1"/>
+          </p:cNvPicPr>
+          <p:nvPr/>
+        </p:nvPicPr>
+        <p:blipFill>
+          <a:blip r:embed="rId3">
+            <a:extLst>
+              <a:ext uri="{28A0092B-C50C-407E-A947-70E740481C1C}">
+                <a14:useLocalDpi xmlns:a14="http://schemas.microsoft.com/office/drawing/2010/main" val="0"/>
+              </a:ext>
+            </a:extLst>
+          </a:blip>
+          <a:srcRect/>
+          <a:stretch>
+            <a:fillRect/>
+          </a:stretch>
+        </p:blipFill>
+        <p:spPr bwMode="auto">
           <a:xfrm>
-            <a:off x="6799151" y="1287945"/>
-            <a:ext cx="2559915" cy="604230"/>
+            <a:off x="1089597" y="1264920"/>
+            <a:ext cx="7870999" cy="4328160"/>
           </a:xfrm>
+          <a:prstGeom prst="rect">
+            <a:avLst/>
+          </a:prstGeom>
+          <a:noFill/>
+          <a:ln>
+            <a:noFill/>
+          </a:ln>
         </p:spPr>
-        <p:txBody>
-          <a:bodyPr>
-            <a:noAutofit/>
-          </a:bodyPr>
-          <a:lstStyle/>
-          <a:p>
-            <a:pPr algn="r" rtl="1">
-              <a:lnSpc>
-                <a:spcPct val="114000"/>
-              </a:lnSpc>
-            </a:pPr>
-            <a:r>
-              <a:rPr lang="he-IL" sz="2000" dirty="0">
-                <a:solidFill>
-                  <a:srgbClr val="000000"/>
-                </a:solidFill>
-                <a:latin typeface="Tahoma" panose="020B0604030504040204" pitchFamily="34" charset="0"/>
-                <a:ea typeface="Tahoma" panose="020B0604030504040204" pitchFamily="34" charset="0"/>
-                <a:cs typeface="Tahoma" panose="020B0604030504040204" pitchFamily="34" charset="0"/>
-              </a:rPr>
-              <a:t>מודלים פשוטים</a:t>
-            </a:r>
-          </a:p>
-          <a:p>
-            <a:pPr marL="0" indent="0" algn="r" rtl="1">
-              <a:lnSpc>
-                <a:spcPct val="114000"/>
-              </a:lnSpc>
-              <a:buNone/>
-            </a:pPr>
-            <a:r>
-              <a:rPr lang="he-IL" sz="2400" dirty="0">
-                <a:solidFill>
-                  <a:srgbClr val="000000"/>
-                </a:solidFill>
-                <a:latin typeface="Tahoma" panose="020B0604030504040204" pitchFamily="34" charset="0"/>
-                <a:ea typeface="Tahoma" panose="020B0604030504040204" pitchFamily="34" charset="0"/>
-                <a:cs typeface="Tahoma" panose="020B0604030504040204" pitchFamily="34" charset="0"/>
-              </a:rPr>
-              <a:t>	</a:t>
-            </a:r>
-            <a:br>
-              <a:rPr lang="en-US" sz="2400" dirty="0">
-                <a:solidFill>
-                  <a:srgbClr val="000000"/>
-                </a:solidFill>
-                <a:latin typeface="Tahoma" panose="020B0604030504040204" pitchFamily="34" charset="0"/>
-                <a:ea typeface="Tahoma" panose="020B0604030504040204" pitchFamily="34" charset="0"/>
-                <a:cs typeface="Tahoma" panose="020B0604030504040204" pitchFamily="34" charset="0"/>
-              </a:rPr>
-            </a:br>
-            <a:endParaRPr lang="he-IL" sz="2400" dirty="0">
-              <a:solidFill>
-                <a:srgbClr val="000000"/>
-              </a:solidFill>
-              <a:latin typeface="Tahoma" panose="020B0604030504040204" pitchFamily="34" charset="0"/>
-              <a:ea typeface="Tahoma" panose="020B0604030504040204" pitchFamily="34" charset="0"/>
-              <a:cs typeface="Tahoma" panose="020B0604030504040204" pitchFamily="34" charset="0"/>
-            </a:endParaRPr>
-          </a:p>
-        </p:txBody>
-      </p:sp>
+      </p:pic>
       <p:sp>
         <p:nvSpPr>
           <p:cNvPr id="5" name="TextBox 4">
             <a:extLst>
               <a:ext uri="{FF2B5EF4-FFF2-40B4-BE49-F238E27FC236}">
-                <a16:creationId xmlns:a16="http://schemas.microsoft.com/office/drawing/2014/main" id="{355B385B-44B4-1B3A-6D70-CCD895113A19}"/>
+                <a16:creationId xmlns:a16="http://schemas.microsoft.com/office/drawing/2014/main" id="{4A87E90A-8610-868B-0996-09210631305F}"/>
               </a:ext>
             </a:extLst>
           </p:cNvPr>
@@ -22617,7 +27304,7 @@
         </p:nvSpPr>
         <p:spPr>
           <a:xfrm>
-            <a:off x="2190308" y="441393"/>
+            <a:off x="1479108" y="340428"/>
             <a:ext cx="6103088" cy="474041"/>
           </a:xfrm>
           <a:prstGeom prst="rect">
@@ -22640,7 +27327,7 @@
               </a:spcAft>
             </a:pPr>
             <a:r>
-              <a:rPr lang="he-IL" sz="2400" dirty="0">
+              <a:rPr lang="en-US" sz="2400" dirty="0">
                 <a:solidFill>
                   <a:srgbClr val="000000"/>
                 </a:solidFill>
@@ -22649,7 +27336,31 @@
                 <a:ea typeface="Tahoma" panose="020B0604030504040204" pitchFamily="34" charset="0"/>
                 <a:cs typeface="Tahoma" panose="020B0604030504040204" pitchFamily="34" charset="0"/>
               </a:rPr>
-              <a:t>ניתוח ועיבוד תוצאות</a:t>
+              <a:t>K</a:t>
+            </a:r>
+            <a:r>
+              <a:rPr lang="he-IL" sz="2400" dirty="0">
+                <a:solidFill>
+                  <a:srgbClr val="000000"/>
+                </a:solidFill>
+                <a:effectLst/>
+                <a:latin typeface="Tahoma" panose="020B0604030504040204" pitchFamily="34" charset="0"/>
+                <a:ea typeface="Tahoma" panose="020B0604030504040204" pitchFamily="34" charset="0"/>
+                <a:cs typeface="Tahoma" panose="020B0604030504040204" pitchFamily="34" charset="0"/>
+              </a:rPr>
+              <a:t>-</a:t>
+            </a:r>
+            <a:r>
+              <a:rPr lang="en-US" sz="2400" dirty="0">
+                <a:solidFill>
+                  <a:srgbClr val="000000"/>
+                </a:solidFill>
+                <a:effectLst/>
+                <a:latin typeface="Tahoma" panose="020B0604030504040204" pitchFamily="34" charset="0"/>
+                <a:ea typeface="Tahoma" panose="020B0604030504040204" pitchFamily="34" charset="0"/>
+                <a:cs typeface="Tahoma" panose="020B0604030504040204" pitchFamily="34" charset="0"/>
+              </a:rPr>
+              <a:t>Fold</a:t>
             </a:r>
             <a:endParaRPr lang="en-IL" dirty="0">
               <a:effectLst/>
@@ -22660,3142 +27371,10 @@
           </a:p>
         </p:txBody>
       </p:sp>
-      <p:graphicFrame>
-        <p:nvGraphicFramePr>
-          <p:cNvPr id="6" name="Table 5">
-            <a:extLst>
-              <a:ext uri="{FF2B5EF4-FFF2-40B4-BE49-F238E27FC236}">
-                <a16:creationId xmlns:a16="http://schemas.microsoft.com/office/drawing/2014/main" id="{42788705-89AE-2A9A-233F-E1166EED1356}"/>
-              </a:ext>
-            </a:extLst>
-          </p:cNvPr>
-          <p:cNvGraphicFramePr>
-            <a:graphicFrameLocks noGrp="1"/>
-          </p:cNvGraphicFramePr>
-          <p:nvPr>
-            <p:extLst>
-              <p:ext uri="{D42A27DB-BD31-4B8C-83A1-F6EECF244321}">
-                <p14:modId xmlns:p14="http://schemas.microsoft.com/office/powerpoint/2010/main" val="3715251311"/>
-              </p:ext>
-            </p:extLst>
-          </p:nvPr>
-        </p:nvGraphicFramePr>
-        <p:xfrm>
-          <a:off x="764770" y="2196120"/>
-          <a:ext cx="4914900" cy="962025"/>
-        </p:xfrm>
-        <a:graphic>
-          <a:graphicData uri="http://schemas.openxmlformats.org/drawingml/2006/table">
-            <a:tbl>
-              <a:tblPr>
-                <a:tableStyleId>{69C7853C-536D-4A76-A0AE-DD22124D55A5}</a:tableStyleId>
-              </a:tblPr>
-              <a:tblGrid>
-                <a:gridCol w="685800">
-                  <a:extLst>
-                    <a:ext uri="{9D8B030D-6E8A-4147-A177-3AD203B41FA5}">
-                      <a16:colId xmlns:a16="http://schemas.microsoft.com/office/drawing/2014/main" val="1485918009"/>
-                    </a:ext>
-                  </a:extLst>
-                </a:gridCol>
-                <a:gridCol w="981075">
-                  <a:extLst>
-                    <a:ext uri="{9D8B030D-6E8A-4147-A177-3AD203B41FA5}">
-                      <a16:colId xmlns:a16="http://schemas.microsoft.com/office/drawing/2014/main" val="3907725635"/>
-                    </a:ext>
-                  </a:extLst>
-                </a:gridCol>
-                <a:gridCol w="1095375">
-                  <a:extLst>
-                    <a:ext uri="{9D8B030D-6E8A-4147-A177-3AD203B41FA5}">
-                      <a16:colId xmlns:a16="http://schemas.microsoft.com/office/drawing/2014/main" val="43098704"/>
-                    </a:ext>
-                  </a:extLst>
-                </a:gridCol>
-                <a:gridCol w="1038225">
-                  <a:extLst>
-                    <a:ext uri="{9D8B030D-6E8A-4147-A177-3AD203B41FA5}">
-                      <a16:colId xmlns:a16="http://schemas.microsoft.com/office/drawing/2014/main" val="3251510408"/>
-                    </a:ext>
-                  </a:extLst>
-                </a:gridCol>
-                <a:gridCol w="1114425">
-                  <a:extLst>
-                    <a:ext uri="{9D8B030D-6E8A-4147-A177-3AD203B41FA5}">
-                      <a16:colId xmlns:a16="http://schemas.microsoft.com/office/drawing/2014/main" val="1767732398"/>
-                    </a:ext>
-                  </a:extLst>
-                </a:gridCol>
-              </a:tblGrid>
-              <a:tr h="190500">
-                <a:tc gridSpan="5">
-                  <a:txBody>
-                    <a:bodyPr/>
-                    <a:lstStyle/>
-                    <a:p>
-                      <a:pPr algn="ctr" fontAlgn="b"/>
-                      <a:r>
-                        <a:rPr lang="en-US" sz="1200" u="none" strike="noStrike" dirty="0">
-                          <a:effectLst/>
-                        </a:rPr>
-                        <a:t>GNB</a:t>
-                      </a:r>
-                      <a:endParaRPr lang="en-US" sz="1200" b="0" i="0" u="none" strike="noStrike" dirty="0">
-                        <a:solidFill>
-                          <a:srgbClr val="000000"/>
-                        </a:solidFill>
-                        <a:effectLst/>
-                        <a:latin typeface="Arial" panose="020B0604020202020204" pitchFamily="34" charset="0"/>
-                      </a:endParaRPr>
-                    </a:p>
-                  </a:txBody>
-                  <a:tcPr marL="9525" marR="9525" marT="9525" marB="0" anchor="b"/>
-                </a:tc>
-                <a:tc hMerge="1">
-                  <a:txBody>
-                    <a:bodyPr/>
-                    <a:lstStyle/>
-                    <a:p>
-                      <a:pPr rtl="1"/>
-                      <a:endParaRPr lang="he-IL"/>
-                    </a:p>
-                  </a:txBody>
-                  <a:tcPr/>
-                </a:tc>
-                <a:tc hMerge="1">
-                  <a:txBody>
-                    <a:bodyPr/>
-                    <a:lstStyle/>
-                    <a:p>
-                      <a:pPr rtl="1"/>
-                      <a:endParaRPr lang="he-IL"/>
-                    </a:p>
-                  </a:txBody>
-                  <a:tcPr/>
-                </a:tc>
-                <a:tc hMerge="1">
-                  <a:txBody>
-                    <a:bodyPr/>
-                    <a:lstStyle/>
-                    <a:p>
-                      <a:pPr rtl="1"/>
-                      <a:endParaRPr lang="he-IL"/>
-                    </a:p>
-                  </a:txBody>
-                  <a:tcPr/>
-                </a:tc>
-                <a:tc hMerge="1">
-                  <a:txBody>
-                    <a:bodyPr/>
-                    <a:lstStyle/>
-                    <a:p>
-                      <a:pPr rtl="1"/>
-                      <a:endParaRPr lang="he-IL"/>
-                    </a:p>
-                  </a:txBody>
-                  <a:tcPr/>
-                </a:tc>
-                <a:extLst>
-                  <a:ext uri="{0D108BD9-81ED-4DB2-BD59-A6C34878D82A}">
-                    <a16:rowId xmlns:a16="http://schemas.microsoft.com/office/drawing/2014/main" val="56708813"/>
-                  </a:ext>
-                </a:extLst>
-              </a:tr>
-              <a:tr h="190500">
-                <a:tc>
-                  <a:txBody>
-                    <a:bodyPr/>
-                    <a:lstStyle/>
-                    <a:p>
-                      <a:pPr algn="ctr" fontAlgn="b"/>
-                      <a:r>
-                        <a:rPr lang="en-US" sz="1200" u="none" strike="noStrike">
-                          <a:effectLst/>
-                        </a:rPr>
-                        <a:t>Size</a:t>
-                      </a:r>
-                      <a:endParaRPr lang="en-US" sz="1200" b="0" i="0" u="none" strike="noStrike">
-                        <a:solidFill>
-                          <a:srgbClr val="000000"/>
-                        </a:solidFill>
-                        <a:effectLst/>
-                        <a:latin typeface="Arial" panose="020B0604020202020204" pitchFamily="34" charset="0"/>
-                      </a:endParaRPr>
-                    </a:p>
-                  </a:txBody>
-                  <a:tcPr marL="9525" marR="9525" marT="9525" marB="0" anchor="b"/>
-                </a:tc>
-                <a:tc>
-                  <a:txBody>
-                    <a:bodyPr/>
-                    <a:lstStyle/>
-                    <a:p>
-                      <a:pPr algn="ctr" fontAlgn="b"/>
-                      <a:r>
-                        <a:rPr lang="en-US" sz="1200" u="none" strike="noStrike">
-                          <a:effectLst/>
-                        </a:rPr>
-                        <a:t>Best K - Test</a:t>
-                      </a:r>
-                      <a:endParaRPr lang="en-US" sz="1200" b="0" i="0" u="none" strike="noStrike">
-                        <a:solidFill>
-                          <a:srgbClr val="000000"/>
-                        </a:solidFill>
-                        <a:effectLst/>
-                        <a:latin typeface="Arial" panose="020B0604020202020204" pitchFamily="34" charset="0"/>
-                      </a:endParaRPr>
-                    </a:p>
-                  </a:txBody>
-                  <a:tcPr marL="9525" marR="9525" marT="9525" marB="0" anchor="b"/>
-                </a:tc>
-                <a:tc>
-                  <a:txBody>
-                    <a:bodyPr/>
-                    <a:lstStyle/>
-                    <a:p>
-                      <a:pPr algn="ctr" fontAlgn="b"/>
-                      <a:r>
-                        <a:rPr lang="en-US" sz="1200" u="none" strike="noStrike">
-                          <a:effectLst/>
-                        </a:rPr>
-                        <a:t>Test Accuracy </a:t>
-                      </a:r>
-                      <a:endParaRPr lang="en-US" sz="1200" b="0" i="0" u="none" strike="noStrike">
-                        <a:solidFill>
-                          <a:srgbClr val="000000"/>
-                        </a:solidFill>
-                        <a:effectLst/>
-                        <a:latin typeface="Arial" panose="020B0604020202020204" pitchFamily="34" charset="0"/>
-                      </a:endParaRPr>
-                    </a:p>
-                  </a:txBody>
-                  <a:tcPr marL="9525" marR="9525" marT="9525" marB="0" anchor="b"/>
-                </a:tc>
-                <a:tc>
-                  <a:txBody>
-                    <a:bodyPr/>
-                    <a:lstStyle/>
-                    <a:p>
-                      <a:pPr algn="ctr" fontAlgn="b"/>
-                      <a:r>
-                        <a:rPr lang="en-US" sz="1200" u="none" strike="noStrike">
-                          <a:effectLst/>
-                        </a:rPr>
-                        <a:t>Best K - Train</a:t>
-                      </a:r>
-                      <a:endParaRPr lang="en-US" sz="1200" b="0" i="0" u="none" strike="noStrike">
-                        <a:solidFill>
-                          <a:srgbClr val="000000"/>
-                        </a:solidFill>
-                        <a:effectLst/>
-                        <a:latin typeface="Arial" panose="020B0604020202020204" pitchFamily="34" charset="0"/>
-                      </a:endParaRPr>
-                    </a:p>
-                  </a:txBody>
-                  <a:tcPr marL="9525" marR="9525" marT="9525" marB="0" anchor="b"/>
-                </a:tc>
-                <a:tc>
-                  <a:txBody>
-                    <a:bodyPr/>
-                    <a:lstStyle/>
-                    <a:p>
-                      <a:pPr algn="ctr" fontAlgn="b"/>
-                      <a:r>
-                        <a:rPr lang="en-US" sz="1200" u="none" strike="noStrike">
-                          <a:effectLst/>
-                        </a:rPr>
-                        <a:t>Train Accuracy</a:t>
-                      </a:r>
-                      <a:endParaRPr lang="en-US" sz="1200" b="0" i="0" u="none" strike="noStrike">
-                        <a:solidFill>
-                          <a:srgbClr val="000000"/>
-                        </a:solidFill>
-                        <a:effectLst/>
-                        <a:latin typeface="Arial" panose="020B0604020202020204" pitchFamily="34" charset="0"/>
-                      </a:endParaRPr>
-                    </a:p>
-                  </a:txBody>
-                  <a:tcPr marL="9525" marR="9525" marT="9525" marB="0" anchor="b"/>
-                </a:tc>
-                <a:extLst>
-                  <a:ext uri="{0D108BD9-81ED-4DB2-BD59-A6C34878D82A}">
-                    <a16:rowId xmlns:a16="http://schemas.microsoft.com/office/drawing/2014/main" val="1721760023"/>
-                  </a:ext>
-                </a:extLst>
-              </a:tr>
-              <a:tr h="190500">
-                <a:tc>
-                  <a:txBody>
-                    <a:bodyPr/>
-                    <a:lstStyle/>
-                    <a:p>
-                      <a:pPr algn="ctr" fontAlgn="b"/>
-                      <a:r>
-                        <a:rPr lang="en-US" sz="1200" u="none" strike="noStrike">
-                          <a:effectLst/>
-                        </a:rPr>
-                        <a:t>32x32</a:t>
-                      </a:r>
-                      <a:endParaRPr lang="en-US" sz="1200" b="0" i="0" u="none" strike="noStrike">
-                        <a:solidFill>
-                          <a:srgbClr val="000000"/>
-                        </a:solidFill>
-                        <a:effectLst/>
-                        <a:latin typeface="Arial" panose="020B0604020202020204" pitchFamily="34" charset="0"/>
-                      </a:endParaRPr>
-                    </a:p>
-                  </a:txBody>
-                  <a:tcPr marL="9525" marR="9525" marT="9525" marB="0" anchor="b"/>
-                </a:tc>
-                <a:tc>
-                  <a:txBody>
-                    <a:bodyPr/>
-                    <a:lstStyle/>
-                    <a:p>
-                      <a:pPr algn="ctr" fontAlgn="b"/>
-                      <a:r>
-                        <a:rPr lang="he-IL" sz="1200" u="none" strike="noStrike">
-                          <a:effectLst/>
-                        </a:rPr>
-                        <a:t>9</a:t>
-                      </a:r>
-                      <a:endParaRPr lang="he-IL" sz="1200" b="0" i="0" u="none" strike="noStrike">
-                        <a:solidFill>
-                          <a:srgbClr val="000000"/>
-                        </a:solidFill>
-                        <a:effectLst/>
-                        <a:latin typeface="Arial" panose="020B0604020202020204" pitchFamily="34" charset="0"/>
-                      </a:endParaRPr>
-                    </a:p>
-                  </a:txBody>
-                  <a:tcPr marL="9525" marR="9525" marT="9525" marB="0" anchor="b"/>
-                </a:tc>
-                <a:tc>
-                  <a:txBody>
-                    <a:bodyPr/>
-                    <a:lstStyle/>
-                    <a:p>
-                      <a:pPr algn="ctr" fontAlgn="b"/>
-                      <a:r>
-                        <a:rPr lang="he-IL" sz="1200" u="none" strike="noStrike">
-                          <a:effectLst/>
-                        </a:rPr>
-                        <a:t>95.258</a:t>
-                      </a:r>
-                      <a:endParaRPr lang="he-IL" sz="1200" b="0" i="0" u="none" strike="noStrike">
-                        <a:solidFill>
-                          <a:srgbClr val="000000"/>
-                        </a:solidFill>
-                        <a:effectLst/>
-                        <a:latin typeface="Arial" panose="020B0604020202020204" pitchFamily="34" charset="0"/>
-                      </a:endParaRPr>
-                    </a:p>
-                  </a:txBody>
-                  <a:tcPr marL="9525" marR="9525" marT="9525" marB="0" anchor="b"/>
-                </a:tc>
-                <a:tc>
-                  <a:txBody>
-                    <a:bodyPr/>
-                    <a:lstStyle/>
-                    <a:p>
-                      <a:pPr algn="ctr" fontAlgn="b"/>
-                      <a:r>
-                        <a:rPr lang="he-IL" sz="1200" u="none" strike="noStrike">
-                          <a:effectLst/>
-                        </a:rPr>
-                        <a:t>2</a:t>
-                      </a:r>
-                      <a:endParaRPr lang="he-IL" sz="1200" b="0" i="0" u="none" strike="noStrike">
-                        <a:solidFill>
-                          <a:srgbClr val="000000"/>
-                        </a:solidFill>
-                        <a:effectLst/>
-                        <a:latin typeface="Arial" panose="020B0604020202020204" pitchFamily="34" charset="0"/>
-                      </a:endParaRPr>
-                    </a:p>
-                  </a:txBody>
-                  <a:tcPr marL="9525" marR="9525" marT="9525" marB="0" anchor="b"/>
-                </a:tc>
-                <a:tc>
-                  <a:txBody>
-                    <a:bodyPr/>
-                    <a:lstStyle/>
-                    <a:p>
-                      <a:pPr algn="ctr" fontAlgn="b"/>
-                      <a:r>
-                        <a:rPr lang="he-IL" sz="1200" u="none" strike="noStrike">
-                          <a:effectLst/>
-                        </a:rPr>
-                        <a:t>95.678</a:t>
-                      </a:r>
-                      <a:endParaRPr lang="he-IL" sz="1200" b="0" i="0" u="none" strike="noStrike">
-                        <a:solidFill>
-                          <a:srgbClr val="000000"/>
-                        </a:solidFill>
-                        <a:effectLst/>
-                        <a:latin typeface="Arial" panose="020B0604020202020204" pitchFamily="34" charset="0"/>
-                      </a:endParaRPr>
-                    </a:p>
-                  </a:txBody>
-                  <a:tcPr marL="9525" marR="9525" marT="9525" marB="0" anchor="b"/>
-                </a:tc>
-                <a:extLst>
-                  <a:ext uri="{0D108BD9-81ED-4DB2-BD59-A6C34878D82A}">
-                    <a16:rowId xmlns:a16="http://schemas.microsoft.com/office/drawing/2014/main" val="1115933429"/>
-                  </a:ext>
-                </a:extLst>
-              </a:tr>
-              <a:tr h="190500">
-                <a:tc>
-                  <a:txBody>
-                    <a:bodyPr/>
-                    <a:lstStyle/>
-                    <a:p>
-                      <a:pPr algn="ctr" fontAlgn="b"/>
-                      <a:r>
-                        <a:rPr lang="en-US" sz="1200" u="none" strike="noStrike">
-                          <a:effectLst/>
-                        </a:rPr>
-                        <a:t>64x64</a:t>
-                      </a:r>
-                      <a:endParaRPr lang="en-US" sz="1200" b="0" i="0" u="none" strike="noStrike">
-                        <a:solidFill>
-                          <a:srgbClr val="000000"/>
-                        </a:solidFill>
-                        <a:effectLst/>
-                        <a:latin typeface="Arial" panose="020B0604020202020204" pitchFamily="34" charset="0"/>
-                      </a:endParaRPr>
-                    </a:p>
-                  </a:txBody>
-                  <a:tcPr marL="9525" marR="9525" marT="9525" marB="0" anchor="b"/>
-                </a:tc>
-                <a:tc>
-                  <a:txBody>
-                    <a:bodyPr/>
-                    <a:lstStyle/>
-                    <a:p>
-                      <a:pPr algn="ctr" fontAlgn="b"/>
-                      <a:r>
-                        <a:rPr lang="he-IL" sz="1200" u="none" strike="noStrike" dirty="0">
-                          <a:effectLst/>
-                        </a:rPr>
-                        <a:t>3</a:t>
-                      </a:r>
-                      <a:endParaRPr lang="he-IL" sz="1200" b="0" i="0" u="none" strike="noStrike" dirty="0">
-                        <a:solidFill>
-                          <a:srgbClr val="000000"/>
-                        </a:solidFill>
-                        <a:effectLst/>
-                        <a:latin typeface="Arial" panose="020B0604020202020204" pitchFamily="34" charset="0"/>
-                      </a:endParaRPr>
-                    </a:p>
-                  </a:txBody>
-                  <a:tcPr marL="9525" marR="9525" marT="9525" marB="0" anchor="b"/>
-                </a:tc>
-                <a:tc>
-                  <a:txBody>
-                    <a:bodyPr/>
-                    <a:lstStyle/>
-                    <a:p>
-                      <a:pPr algn="ctr" fontAlgn="b"/>
-                      <a:r>
-                        <a:rPr lang="he-IL" sz="1200" u="none" strike="noStrike">
-                          <a:effectLst/>
-                        </a:rPr>
-                        <a:t>96.467</a:t>
-                      </a:r>
-                      <a:endParaRPr lang="he-IL" sz="1200" b="0" i="0" u="none" strike="noStrike">
-                        <a:solidFill>
-                          <a:srgbClr val="000000"/>
-                        </a:solidFill>
-                        <a:effectLst/>
-                        <a:latin typeface="Arial" panose="020B0604020202020204" pitchFamily="34" charset="0"/>
-                      </a:endParaRPr>
-                    </a:p>
-                  </a:txBody>
-                  <a:tcPr marL="9525" marR="9525" marT="9525" marB="0" anchor="b"/>
-                </a:tc>
-                <a:tc>
-                  <a:txBody>
-                    <a:bodyPr/>
-                    <a:lstStyle/>
-                    <a:p>
-                      <a:pPr algn="ctr" fontAlgn="b"/>
-                      <a:r>
-                        <a:rPr lang="he-IL" sz="1200" u="none" strike="noStrike">
-                          <a:effectLst/>
-                        </a:rPr>
-                        <a:t>2</a:t>
-                      </a:r>
-                      <a:endParaRPr lang="he-IL" sz="1200" b="0" i="0" u="none" strike="noStrike">
-                        <a:solidFill>
-                          <a:srgbClr val="000000"/>
-                        </a:solidFill>
-                        <a:effectLst/>
-                        <a:latin typeface="Arial" panose="020B0604020202020204" pitchFamily="34" charset="0"/>
-                      </a:endParaRPr>
-                    </a:p>
-                  </a:txBody>
-                  <a:tcPr marL="9525" marR="9525" marT="9525" marB="0" anchor="b"/>
-                </a:tc>
-                <a:tc>
-                  <a:txBody>
-                    <a:bodyPr/>
-                    <a:lstStyle/>
-                    <a:p>
-                      <a:pPr algn="ctr" fontAlgn="b"/>
-                      <a:r>
-                        <a:rPr lang="he-IL" sz="1200" u="none" strike="noStrike" dirty="0">
-                          <a:effectLst/>
-                        </a:rPr>
-                        <a:t>97.111</a:t>
-                      </a:r>
-                      <a:endParaRPr lang="he-IL" sz="1200" b="0" i="0" u="none" strike="noStrike" dirty="0">
-                        <a:solidFill>
-                          <a:srgbClr val="000000"/>
-                        </a:solidFill>
-                        <a:effectLst/>
-                        <a:latin typeface="Arial" panose="020B0604020202020204" pitchFamily="34" charset="0"/>
-                      </a:endParaRPr>
-                    </a:p>
-                  </a:txBody>
-                  <a:tcPr marL="9525" marR="9525" marT="9525" marB="0" anchor="b"/>
-                </a:tc>
-                <a:extLst>
-                  <a:ext uri="{0D108BD9-81ED-4DB2-BD59-A6C34878D82A}">
-                    <a16:rowId xmlns:a16="http://schemas.microsoft.com/office/drawing/2014/main" val="1552585842"/>
-                  </a:ext>
-                </a:extLst>
-              </a:tr>
-              <a:tr h="190500">
-                <a:tc>
-                  <a:txBody>
-                    <a:bodyPr/>
-                    <a:lstStyle/>
-                    <a:p>
-                      <a:pPr algn="ctr" fontAlgn="b"/>
-                      <a:r>
-                        <a:rPr lang="en-US" sz="1200" u="none" strike="noStrike">
-                          <a:effectLst/>
-                        </a:rPr>
-                        <a:t>128x128</a:t>
-                      </a:r>
-                      <a:endParaRPr lang="en-US" sz="1200" b="0" i="0" u="none" strike="noStrike">
-                        <a:solidFill>
-                          <a:srgbClr val="000000"/>
-                        </a:solidFill>
-                        <a:effectLst/>
-                        <a:latin typeface="Arial" panose="020B0604020202020204" pitchFamily="34" charset="0"/>
-                      </a:endParaRPr>
-                    </a:p>
-                  </a:txBody>
-                  <a:tcPr marL="9525" marR="9525" marT="9525" marB="0" anchor="b"/>
-                </a:tc>
-                <a:tc>
-                  <a:txBody>
-                    <a:bodyPr/>
-                    <a:lstStyle/>
-                    <a:p>
-                      <a:pPr algn="ctr" fontAlgn="b"/>
-                      <a:r>
-                        <a:rPr lang="he-IL" sz="1200" u="none" strike="noStrike" dirty="0">
-                          <a:effectLst/>
-                        </a:rPr>
-                        <a:t>3</a:t>
-                      </a:r>
-                      <a:endParaRPr lang="he-IL" sz="1200" b="0" i="0" u="none" strike="noStrike" dirty="0">
-                        <a:solidFill>
-                          <a:srgbClr val="000000"/>
-                        </a:solidFill>
-                        <a:effectLst/>
-                        <a:latin typeface="Arial" panose="020B0604020202020204" pitchFamily="34" charset="0"/>
-                      </a:endParaRPr>
-                    </a:p>
-                  </a:txBody>
-                  <a:tcPr marL="9525" marR="9525" marT="9525" marB="0" anchor="b"/>
-                </a:tc>
-                <a:tc>
-                  <a:txBody>
-                    <a:bodyPr/>
-                    <a:lstStyle/>
-                    <a:p>
-                      <a:pPr algn="ctr" fontAlgn="b"/>
-                      <a:r>
-                        <a:rPr lang="he-IL" sz="1200" u="none" strike="noStrike">
-                          <a:effectLst/>
-                        </a:rPr>
-                        <a:t>96.887</a:t>
-                      </a:r>
-                      <a:endParaRPr lang="he-IL" sz="1200" b="0" i="0" u="none" strike="noStrike">
-                        <a:solidFill>
-                          <a:srgbClr val="000000"/>
-                        </a:solidFill>
-                        <a:effectLst/>
-                        <a:latin typeface="Arial" panose="020B0604020202020204" pitchFamily="34" charset="0"/>
-                      </a:endParaRPr>
-                    </a:p>
-                  </a:txBody>
-                  <a:tcPr marL="9525" marR="9525" marT="9525" marB="0" anchor="b"/>
-                </a:tc>
-                <a:tc>
-                  <a:txBody>
-                    <a:bodyPr/>
-                    <a:lstStyle/>
-                    <a:p>
-                      <a:pPr algn="ctr" fontAlgn="b"/>
-                      <a:r>
-                        <a:rPr lang="he-IL" sz="1200" u="none" strike="noStrike">
-                          <a:effectLst/>
-                        </a:rPr>
-                        <a:t>2</a:t>
-                      </a:r>
-                      <a:endParaRPr lang="he-IL" sz="1200" b="0" i="0" u="none" strike="noStrike">
-                        <a:solidFill>
-                          <a:srgbClr val="000000"/>
-                        </a:solidFill>
-                        <a:effectLst/>
-                        <a:latin typeface="Arial" panose="020B0604020202020204" pitchFamily="34" charset="0"/>
-                      </a:endParaRPr>
-                    </a:p>
-                  </a:txBody>
-                  <a:tcPr marL="9525" marR="9525" marT="9525" marB="0" anchor="b"/>
-                </a:tc>
-                <a:tc>
-                  <a:txBody>
-                    <a:bodyPr/>
-                    <a:lstStyle/>
-                    <a:p>
-                      <a:pPr algn="ctr" fontAlgn="b"/>
-                      <a:r>
-                        <a:rPr lang="he-IL" sz="1200" u="none" strike="noStrike" dirty="0">
-                          <a:effectLst/>
-                        </a:rPr>
-                        <a:t>97.634</a:t>
-                      </a:r>
-                      <a:endParaRPr lang="he-IL" sz="1200" b="0" i="0" u="none" strike="noStrike" dirty="0">
-                        <a:solidFill>
-                          <a:srgbClr val="000000"/>
-                        </a:solidFill>
-                        <a:effectLst/>
-                        <a:latin typeface="Arial" panose="020B0604020202020204" pitchFamily="34" charset="0"/>
-                      </a:endParaRPr>
-                    </a:p>
-                  </a:txBody>
-                  <a:tcPr marL="9525" marR="9525" marT="9525" marB="0" anchor="b"/>
-                </a:tc>
-                <a:extLst>
-                  <a:ext uri="{0D108BD9-81ED-4DB2-BD59-A6C34878D82A}">
-                    <a16:rowId xmlns:a16="http://schemas.microsoft.com/office/drawing/2014/main" val="3045533222"/>
-                  </a:ext>
-                </a:extLst>
-              </a:tr>
-            </a:tbl>
-          </a:graphicData>
-        </a:graphic>
-      </p:graphicFrame>
-      <p:pic>
-        <p:nvPicPr>
-          <p:cNvPr id="19" name="Graphic 18" descr="Smiling face outline outline">
-            <a:extLst>
-              <a:ext uri="{FF2B5EF4-FFF2-40B4-BE49-F238E27FC236}">
-                <a16:creationId xmlns:a16="http://schemas.microsoft.com/office/drawing/2014/main" id="{2B323945-E75F-40FE-4930-ED93739DC21F}"/>
-              </a:ext>
-            </a:extLst>
-          </p:cNvPr>
-          <p:cNvPicPr>
-            <a:picLocks noChangeAspect="1"/>
-          </p:cNvPicPr>
-          <p:nvPr/>
-        </p:nvPicPr>
-        <p:blipFill>
-          <a:blip r:embed="rId2">
-            <a:extLst>
-              <a:ext uri="{28A0092B-C50C-407E-A947-70E740481C1C}">
-                <a14:useLocalDpi xmlns:a14="http://schemas.microsoft.com/office/drawing/2010/main" val="0"/>
-              </a:ext>
-              <a:ext uri="{96DAC541-7B7A-43D3-8B79-37D633B846F1}">
-                <asvg:svgBlip xmlns:asvg="http://schemas.microsoft.com/office/drawing/2016/SVG/main" r:embed="rId3"/>
-              </a:ext>
-            </a:extLst>
-          </a:blip>
-          <a:stretch>
-            <a:fillRect/>
-          </a:stretch>
-        </p:blipFill>
-        <p:spPr>
-          <a:xfrm>
-            <a:off x="5822418" y="2450052"/>
-            <a:ext cx="558425" cy="558425"/>
-          </a:xfrm>
-          <a:prstGeom prst="rect">
-            <a:avLst/>
-          </a:prstGeom>
-        </p:spPr>
-      </p:pic>
-      <p:graphicFrame>
-        <p:nvGraphicFramePr>
-          <p:cNvPr id="22" name="Table 21">
-            <a:extLst>
-              <a:ext uri="{FF2B5EF4-FFF2-40B4-BE49-F238E27FC236}">
-                <a16:creationId xmlns:a16="http://schemas.microsoft.com/office/drawing/2014/main" id="{E830755F-BF7C-F0C0-6552-FD551C44574A}"/>
-              </a:ext>
-            </a:extLst>
-          </p:cNvPr>
-          <p:cNvGraphicFramePr>
-            <a:graphicFrameLocks noGrp="1"/>
-          </p:cNvGraphicFramePr>
-          <p:nvPr>
-            <p:extLst>
-              <p:ext uri="{D42A27DB-BD31-4B8C-83A1-F6EECF244321}">
-                <p14:modId xmlns:p14="http://schemas.microsoft.com/office/powerpoint/2010/main" val="1385304232"/>
-              </p:ext>
-            </p:extLst>
-          </p:nvPr>
-        </p:nvGraphicFramePr>
-        <p:xfrm>
-          <a:off x="764770" y="3263081"/>
-          <a:ext cx="4914900" cy="962025"/>
-        </p:xfrm>
-        <a:graphic>
-          <a:graphicData uri="http://schemas.openxmlformats.org/drawingml/2006/table">
-            <a:tbl>
-              <a:tblPr>
-                <a:tableStyleId>{69C7853C-536D-4A76-A0AE-DD22124D55A5}</a:tableStyleId>
-              </a:tblPr>
-              <a:tblGrid>
-                <a:gridCol w="685800">
-                  <a:extLst>
-                    <a:ext uri="{9D8B030D-6E8A-4147-A177-3AD203B41FA5}">
-                      <a16:colId xmlns:a16="http://schemas.microsoft.com/office/drawing/2014/main" val="3908902044"/>
-                    </a:ext>
-                  </a:extLst>
-                </a:gridCol>
-                <a:gridCol w="981075">
-                  <a:extLst>
-                    <a:ext uri="{9D8B030D-6E8A-4147-A177-3AD203B41FA5}">
-                      <a16:colId xmlns:a16="http://schemas.microsoft.com/office/drawing/2014/main" val="113855196"/>
-                    </a:ext>
-                  </a:extLst>
-                </a:gridCol>
-                <a:gridCol w="1095375">
-                  <a:extLst>
-                    <a:ext uri="{9D8B030D-6E8A-4147-A177-3AD203B41FA5}">
-                      <a16:colId xmlns:a16="http://schemas.microsoft.com/office/drawing/2014/main" val="2694092827"/>
-                    </a:ext>
-                  </a:extLst>
-                </a:gridCol>
-                <a:gridCol w="1038225">
-                  <a:extLst>
-                    <a:ext uri="{9D8B030D-6E8A-4147-A177-3AD203B41FA5}">
-                      <a16:colId xmlns:a16="http://schemas.microsoft.com/office/drawing/2014/main" val="4252541475"/>
-                    </a:ext>
-                  </a:extLst>
-                </a:gridCol>
-                <a:gridCol w="1114425">
-                  <a:extLst>
-                    <a:ext uri="{9D8B030D-6E8A-4147-A177-3AD203B41FA5}">
-                      <a16:colId xmlns:a16="http://schemas.microsoft.com/office/drawing/2014/main" val="683065479"/>
-                    </a:ext>
-                  </a:extLst>
-                </a:gridCol>
-              </a:tblGrid>
-              <a:tr h="190500">
-                <a:tc gridSpan="5">
-                  <a:txBody>
-                    <a:bodyPr/>
-                    <a:lstStyle/>
-                    <a:p>
-                      <a:pPr algn="ctr" fontAlgn="b"/>
-                      <a:r>
-                        <a:rPr lang="en-US" sz="1200" u="none" strike="noStrike" dirty="0">
-                          <a:effectLst/>
-                        </a:rPr>
-                        <a:t>LDA</a:t>
-                      </a:r>
-                      <a:endParaRPr lang="en-US" sz="1200" b="0" i="0" u="none" strike="noStrike" dirty="0">
-                        <a:solidFill>
-                          <a:srgbClr val="000000"/>
-                        </a:solidFill>
-                        <a:effectLst/>
-                        <a:latin typeface="Arial" panose="020B0604020202020204" pitchFamily="34" charset="0"/>
-                      </a:endParaRPr>
-                    </a:p>
-                  </a:txBody>
-                  <a:tcPr marL="9525" marR="9525" marT="9525" marB="0" anchor="b"/>
-                </a:tc>
-                <a:tc hMerge="1">
-                  <a:txBody>
-                    <a:bodyPr/>
-                    <a:lstStyle/>
-                    <a:p>
-                      <a:pPr rtl="1"/>
-                      <a:endParaRPr lang="he-IL"/>
-                    </a:p>
-                  </a:txBody>
-                  <a:tcPr/>
-                </a:tc>
-                <a:tc hMerge="1">
-                  <a:txBody>
-                    <a:bodyPr/>
-                    <a:lstStyle/>
-                    <a:p>
-                      <a:pPr rtl="1"/>
-                      <a:endParaRPr lang="he-IL"/>
-                    </a:p>
-                  </a:txBody>
-                  <a:tcPr/>
-                </a:tc>
-                <a:tc hMerge="1">
-                  <a:txBody>
-                    <a:bodyPr/>
-                    <a:lstStyle/>
-                    <a:p>
-                      <a:pPr rtl="1"/>
-                      <a:endParaRPr lang="he-IL"/>
-                    </a:p>
-                  </a:txBody>
-                  <a:tcPr/>
-                </a:tc>
-                <a:tc hMerge="1">
-                  <a:txBody>
-                    <a:bodyPr/>
-                    <a:lstStyle/>
-                    <a:p>
-                      <a:pPr rtl="1"/>
-                      <a:endParaRPr lang="he-IL"/>
-                    </a:p>
-                  </a:txBody>
-                  <a:tcPr/>
-                </a:tc>
-                <a:extLst>
-                  <a:ext uri="{0D108BD9-81ED-4DB2-BD59-A6C34878D82A}">
-                    <a16:rowId xmlns:a16="http://schemas.microsoft.com/office/drawing/2014/main" val="35533275"/>
-                  </a:ext>
-                </a:extLst>
-              </a:tr>
-              <a:tr h="190500">
-                <a:tc>
-                  <a:txBody>
-                    <a:bodyPr/>
-                    <a:lstStyle/>
-                    <a:p>
-                      <a:pPr algn="ctr" fontAlgn="b"/>
-                      <a:r>
-                        <a:rPr lang="en-US" sz="1200" u="none" strike="noStrike">
-                          <a:effectLst/>
-                        </a:rPr>
-                        <a:t>Size</a:t>
-                      </a:r>
-                      <a:endParaRPr lang="en-US" sz="1200" b="0" i="0" u="none" strike="noStrike">
-                        <a:solidFill>
-                          <a:srgbClr val="000000"/>
-                        </a:solidFill>
-                        <a:effectLst/>
-                        <a:latin typeface="Arial" panose="020B0604020202020204" pitchFamily="34" charset="0"/>
-                      </a:endParaRPr>
-                    </a:p>
-                  </a:txBody>
-                  <a:tcPr marL="9525" marR="9525" marT="9525" marB="0" anchor="b"/>
-                </a:tc>
-                <a:tc>
-                  <a:txBody>
-                    <a:bodyPr/>
-                    <a:lstStyle/>
-                    <a:p>
-                      <a:pPr algn="ctr" fontAlgn="b"/>
-                      <a:r>
-                        <a:rPr lang="en-US" sz="1200" u="none" strike="noStrike">
-                          <a:effectLst/>
-                        </a:rPr>
-                        <a:t>Best K - Test</a:t>
-                      </a:r>
-                      <a:endParaRPr lang="en-US" sz="1200" b="0" i="0" u="none" strike="noStrike">
-                        <a:solidFill>
-                          <a:srgbClr val="000000"/>
-                        </a:solidFill>
-                        <a:effectLst/>
-                        <a:latin typeface="Arial" panose="020B0604020202020204" pitchFamily="34" charset="0"/>
-                      </a:endParaRPr>
-                    </a:p>
-                  </a:txBody>
-                  <a:tcPr marL="9525" marR="9525" marT="9525" marB="0" anchor="b"/>
-                </a:tc>
-                <a:tc>
-                  <a:txBody>
-                    <a:bodyPr/>
-                    <a:lstStyle/>
-                    <a:p>
-                      <a:pPr algn="ctr" fontAlgn="b"/>
-                      <a:r>
-                        <a:rPr lang="en-US" sz="1200" u="none" strike="noStrike">
-                          <a:effectLst/>
-                        </a:rPr>
-                        <a:t>Test Accuracy </a:t>
-                      </a:r>
-                      <a:endParaRPr lang="en-US" sz="1200" b="0" i="0" u="none" strike="noStrike">
-                        <a:solidFill>
-                          <a:srgbClr val="000000"/>
-                        </a:solidFill>
-                        <a:effectLst/>
-                        <a:latin typeface="Arial" panose="020B0604020202020204" pitchFamily="34" charset="0"/>
-                      </a:endParaRPr>
-                    </a:p>
-                  </a:txBody>
-                  <a:tcPr marL="9525" marR="9525" marT="9525" marB="0" anchor="b"/>
-                </a:tc>
-                <a:tc>
-                  <a:txBody>
-                    <a:bodyPr/>
-                    <a:lstStyle/>
-                    <a:p>
-                      <a:pPr algn="ctr" fontAlgn="b"/>
-                      <a:r>
-                        <a:rPr lang="en-US" sz="1200" u="none" strike="noStrike">
-                          <a:effectLst/>
-                        </a:rPr>
-                        <a:t>Best K - Train</a:t>
-                      </a:r>
-                      <a:endParaRPr lang="en-US" sz="1200" b="0" i="0" u="none" strike="noStrike">
-                        <a:solidFill>
-                          <a:srgbClr val="000000"/>
-                        </a:solidFill>
-                        <a:effectLst/>
-                        <a:latin typeface="Arial" panose="020B0604020202020204" pitchFamily="34" charset="0"/>
-                      </a:endParaRPr>
-                    </a:p>
-                  </a:txBody>
-                  <a:tcPr marL="9525" marR="9525" marT="9525" marB="0" anchor="b"/>
-                </a:tc>
-                <a:tc>
-                  <a:txBody>
-                    <a:bodyPr/>
-                    <a:lstStyle/>
-                    <a:p>
-                      <a:pPr algn="ctr" fontAlgn="b"/>
-                      <a:r>
-                        <a:rPr lang="en-US" sz="1200" u="none" strike="noStrike">
-                          <a:effectLst/>
-                        </a:rPr>
-                        <a:t>Train Accuracy</a:t>
-                      </a:r>
-                      <a:endParaRPr lang="en-US" sz="1200" b="0" i="0" u="none" strike="noStrike">
-                        <a:solidFill>
-                          <a:srgbClr val="000000"/>
-                        </a:solidFill>
-                        <a:effectLst/>
-                        <a:latin typeface="Arial" panose="020B0604020202020204" pitchFamily="34" charset="0"/>
-                      </a:endParaRPr>
-                    </a:p>
-                  </a:txBody>
-                  <a:tcPr marL="9525" marR="9525" marT="9525" marB="0" anchor="b"/>
-                </a:tc>
-                <a:extLst>
-                  <a:ext uri="{0D108BD9-81ED-4DB2-BD59-A6C34878D82A}">
-                    <a16:rowId xmlns:a16="http://schemas.microsoft.com/office/drawing/2014/main" val="672275158"/>
-                  </a:ext>
-                </a:extLst>
-              </a:tr>
-              <a:tr h="190500">
-                <a:tc>
-                  <a:txBody>
-                    <a:bodyPr/>
-                    <a:lstStyle/>
-                    <a:p>
-                      <a:pPr algn="ctr" fontAlgn="b"/>
-                      <a:r>
-                        <a:rPr lang="en-US" sz="1200" u="none" strike="noStrike">
-                          <a:effectLst/>
-                        </a:rPr>
-                        <a:t>32x32</a:t>
-                      </a:r>
-                      <a:endParaRPr lang="en-US" sz="1200" b="0" i="0" u="none" strike="noStrike">
-                        <a:solidFill>
-                          <a:srgbClr val="000000"/>
-                        </a:solidFill>
-                        <a:effectLst/>
-                        <a:latin typeface="Arial" panose="020B0604020202020204" pitchFamily="34" charset="0"/>
-                      </a:endParaRPr>
-                    </a:p>
-                  </a:txBody>
-                  <a:tcPr marL="9525" marR="9525" marT="9525" marB="0" anchor="b"/>
-                </a:tc>
-                <a:tc>
-                  <a:txBody>
-                    <a:bodyPr/>
-                    <a:lstStyle/>
-                    <a:p>
-                      <a:pPr algn="ctr" fontAlgn="b"/>
-                      <a:r>
-                        <a:rPr lang="he-IL" sz="1200" u="none" strike="noStrike">
-                          <a:effectLst/>
-                        </a:rPr>
-                        <a:t>6</a:t>
-                      </a:r>
-                      <a:endParaRPr lang="he-IL" sz="1200" b="0" i="0" u="none" strike="noStrike">
-                        <a:solidFill>
-                          <a:srgbClr val="000000"/>
-                        </a:solidFill>
-                        <a:effectLst/>
-                        <a:latin typeface="Arial" panose="020B0604020202020204" pitchFamily="34" charset="0"/>
-                      </a:endParaRPr>
-                    </a:p>
-                  </a:txBody>
-                  <a:tcPr marL="9525" marR="9525" marT="9525" marB="0" anchor="b"/>
-                </a:tc>
-                <a:tc>
-                  <a:txBody>
-                    <a:bodyPr/>
-                    <a:lstStyle/>
-                    <a:p>
-                      <a:pPr algn="ctr" fontAlgn="b"/>
-                      <a:r>
-                        <a:rPr lang="he-IL" sz="1200" u="none" strike="noStrike">
-                          <a:effectLst/>
-                        </a:rPr>
-                        <a:t>97.009</a:t>
-                      </a:r>
-                      <a:endParaRPr lang="he-IL" sz="1200" b="0" i="0" u="none" strike="noStrike">
-                        <a:solidFill>
-                          <a:srgbClr val="000000"/>
-                        </a:solidFill>
-                        <a:effectLst/>
-                        <a:latin typeface="Arial" panose="020B0604020202020204" pitchFamily="34" charset="0"/>
-                      </a:endParaRPr>
-                    </a:p>
-                  </a:txBody>
-                  <a:tcPr marL="9525" marR="9525" marT="9525" marB="0" anchor="b"/>
-                </a:tc>
-                <a:tc>
-                  <a:txBody>
-                    <a:bodyPr/>
-                    <a:lstStyle/>
-                    <a:p>
-                      <a:pPr algn="ctr" fontAlgn="b"/>
-                      <a:r>
-                        <a:rPr lang="he-IL" sz="1200" u="none" strike="noStrike">
-                          <a:effectLst/>
-                        </a:rPr>
-                        <a:t>2</a:t>
-                      </a:r>
-                      <a:endParaRPr lang="he-IL" sz="1200" b="0" i="0" u="none" strike="noStrike">
-                        <a:solidFill>
-                          <a:srgbClr val="000000"/>
-                        </a:solidFill>
-                        <a:effectLst/>
-                        <a:latin typeface="Arial" panose="020B0604020202020204" pitchFamily="34" charset="0"/>
-                      </a:endParaRPr>
-                    </a:p>
-                  </a:txBody>
-                  <a:tcPr marL="9525" marR="9525" marT="9525" marB="0" anchor="b"/>
-                </a:tc>
-                <a:tc>
-                  <a:txBody>
-                    <a:bodyPr/>
-                    <a:lstStyle/>
-                    <a:p>
-                      <a:pPr algn="ctr" fontAlgn="b"/>
-                      <a:r>
-                        <a:rPr lang="he-IL" sz="1200" u="none" strike="noStrike">
-                          <a:effectLst/>
-                        </a:rPr>
-                        <a:t>99.15</a:t>
-                      </a:r>
-                      <a:endParaRPr lang="he-IL" sz="1200" b="0" i="0" u="none" strike="noStrike">
-                        <a:solidFill>
-                          <a:srgbClr val="000000"/>
-                        </a:solidFill>
-                        <a:effectLst/>
-                        <a:latin typeface="Arial" panose="020B0604020202020204" pitchFamily="34" charset="0"/>
-                      </a:endParaRPr>
-                    </a:p>
-                  </a:txBody>
-                  <a:tcPr marL="9525" marR="9525" marT="9525" marB="0" anchor="b"/>
-                </a:tc>
-                <a:extLst>
-                  <a:ext uri="{0D108BD9-81ED-4DB2-BD59-A6C34878D82A}">
-                    <a16:rowId xmlns:a16="http://schemas.microsoft.com/office/drawing/2014/main" val="2517418484"/>
-                  </a:ext>
-                </a:extLst>
-              </a:tr>
-              <a:tr h="190500">
-                <a:tc>
-                  <a:txBody>
-                    <a:bodyPr/>
-                    <a:lstStyle/>
-                    <a:p>
-                      <a:pPr algn="ctr" fontAlgn="b"/>
-                      <a:r>
-                        <a:rPr lang="en-US" sz="1200" u="none" strike="noStrike">
-                          <a:effectLst/>
-                        </a:rPr>
-                        <a:t>64x64</a:t>
-                      </a:r>
-                      <a:endParaRPr lang="en-US" sz="1200" b="0" i="0" u="none" strike="noStrike">
-                        <a:solidFill>
-                          <a:srgbClr val="000000"/>
-                        </a:solidFill>
-                        <a:effectLst/>
-                        <a:latin typeface="Arial" panose="020B0604020202020204" pitchFamily="34" charset="0"/>
-                      </a:endParaRPr>
-                    </a:p>
-                  </a:txBody>
-                  <a:tcPr marL="9525" marR="9525" marT="9525" marB="0" anchor="b"/>
-                </a:tc>
-                <a:tc>
-                  <a:txBody>
-                    <a:bodyPr/>
-                    <a:lstStyle/>
-                    <a:p>
-                      <a:pPr algn="ctr" fontAlgn="b"/>
-                      <a:r>
-                        <a:rPr lang="he-IL" sz="1200" u="none" strike="noStrike">
-                          <a:effectLst/>
-                        </a:rPr>
-                        <a:t>10</a:t>
-                      </a:r>
-                      <a:endParaRPr lang="he-IL" sz="1200" b="0" i="0" u="none" strike="noStrike">
-                        <a:solidFill>
-                          <a:srgbClr val="000000"/>
-                        </a:solidFill>
-                        <a:effectLst/>
-                        <a:latin typeface="Arial" panose="020B0604020202020204" pitchFamily="34" charset="0"/>
-                      </a:endParaRPr>
-                    </a:p>
-                  </a:txBody>
-                  <a:tcPr marL="9525" marR="9525" marT="9525" marB="0" anchor="b"/>
-                </a:tc>
-                <a:tc>
-                  <a:txBody>
-                    <a:bodyPr/>
-                    <a:lstStyle/>
-                    <a:p>
-                      <a:pPr algn="ctr" fontAlgn="b"/>
-                      <a:r>
-                        <a:rPr lang="he-IL" sz="1200" u="none" strike="noStrike" dirty="0">
-                          <a:effectLst/>
-                        </a:rPr>
-                        <a:t>97.347</a:t>
-                      </a:r>
-                      <a:endParaRPr lang="he-IL" sz="1200" b="0" i="0" u="none" strike="noStrike" dirty="0">
-                        <a:solidFill>
-                          <a:srgbClr val="000000"/>
-                        </a:solidFill>
-                        <a:effectLst/>
-                        <a:latin typeface="Arial" panose="020B0604020202020204" pitchFamily="34" charset="0"/>
-                      </a:endParaRPr>
-                    </a:p>
-                  </a:txBody>
-                  <a:tcPr marL="9525" marR="9525" marT="9525" marB="0" anchor="b"/>
-                </a:tc>
-                <a:tc>
-                  <a:txBody>
-                    <a:bodyPr/>
-                    <a:lstStyle/>
-                    <a:p>
-                      <a:pPr algn="ctr" fontAlgn="b"/>
-                      <a:r>
-                        <a:rPr lang="he-IL" sz="1200" u="none" strike="noStrike">
-                          <a:effectLst/>
-                        </a:rPr>
-                        <a:t>2</a:t>
-                      </a:r>
-                      <a:endParaRPr lang="he-IL" sz="1200" b="0" i="0" u="none" strike="noStrike">
-                        <a:solidFill>
-                          <a:srgbClr val="000000"/>
-                        </a:solidFill>
-                        <a:effectLst/>
-                        <a:latin typeface="Arial" panose="020B0604020202020204" pitchFamily="34" charset="0"/>
-                      </a:endParaRPr>
-                    </a:p>
-                  </a:txBody>
-                  <a:tcPr marL="9525" marR="9525" marT="9525" marB="0" anchor="b"/>
-                </a:tc>
-                <a:tc>
-                  <a:txBody>
-                    <a:bodyPr/>
-                    <a:lstStyle/>
-                    <a:p>
-                      <a:pPr algn="ctr" fontAlgn="b"/>
-                      <a:r>
-                        <a:rPr lang="he-IL" sz="1200" u="none" strike="noStrike">
-                          <a:effectLst/>
-                        </a:rPr>
-                        <a:t>100</a:t>
-                      </a:r>
-                      <a:endParaRPr lang="he-IL" sz="1200" b="0" i="0" u="none" strike="noStrike">
-                        <a:solidFill>
-                          <a:srgbClr val="000000"/>
-                        </a:solidFill>
-                        <a:effectLst/>
-                        <a:latin typeface="Arial" panose="020B0604020202020204" pitchFamily="34" charset="0"/>
-                      </a:endParaRPr>
-                    </a:p>
-                  </a:txBody>
-                  <a:tcPr marL="9525" marR="9525" marT="9525" marB="0" anchor="b"/>
-                </a:tc>
-                <a:extLst>
-                  <a:ext uri="{0D108BD9-81ED-4DB2-BD59-A6C34878D82A}">
-                    <a16:rowId xmlns:a16="http://schemas.microsoft.com/office/drawing/2014/main" val="326461689"/>
-                  </a:ext>
-                </a:extLst>
-              </a:tr>
-              <a:tr h="190500">
-                <a:tc>
-                  <a:txBody>
-                    <a:bodyPr/>
-                    <a:lstStyle/>
-                    <a:p>
-                      <a:pPr algn="ctr" fontAlgn="b"/>
-                      <a:r>
-                        <a:rPr lang="en-US" sz="1200" u="none" strike="noStrike">
-                          <a:effectLst/>
-                        </a:rPr>
-                        <a:t>128x128</a:t>
-                      </a:r>
-                      <a:endParaRPr lang="en-US" sz="1200" b="0" i="0" u="none" strike="noStrike">
-                        <a:solidFill>
-                          <a:srgbClr val="000000"/>
-                        </a:solidFill>
-                        <a:effectLst/>
-                        <a:latin typeface="Arial" panose="020B0604020202020204" pitchFamily="34" charset="0"/>
-                      </a:endParaRPr>
-                    </a:p>
-                  </a:txBody>
-                  <a:tcPr marL="9525" marR="9525" marT="9525" marB="0" anchor="b"/>
-                </a:tc>
-                <a:tc>
-                  <a:txBody>
-                    <a:bodyPr/>
-                    <a:lstStyle/>
-                    <a:p>
-                      <a:pPr algn="ctr" fontAlgn="b"/>
-                      <a:r>
-                        <a:rPr lang="he-IL" sz="1200" u="none" strike="noStrike">
-                          <a:effectLst/>
-                        </a:rPr>
-                        <a:t>3</a:t>
-                      </a:r>
-                      <a:endParaRPr lang="he-IL" sz="1200" b="0" i="0" u="none" strike="noStrike">
-                        <a:solidFill>
-                          <a:srgbClr val="000000"/>
-                        </a:solidFill>
-                        <a:effectLst/>
-                        <a:latin typeface="Arial" panose="020B0604020202020204" pitchFamily="34" charset="0"/>
-                      </a:endParaRPr>
-                    </a:p>
-                  </a:txBody>
-                  <a:tcPr marL="9525" marR="9525" marT="9525" marB="0" anchor="b"/>
-                </a:tc>
-                <a:tc>
-                  <a:txBody>
-                    <a:bodyPr/>
-                    <a:lstStyle/>
-                    <a:p>
-                      <a:pPr algn="ctr" fontAlgn="b"/>
-                      <a:r>
-                        <a:rPr lang="he-IL" sz="1200" u="none" strike="noStrike">
-                          <a:effectLst/>
-                        </a:rPr>
-                        <a:t>70.73</a:t>
-                      </a:r>
-                      <a:endParaRPr lang="he-IL" sz="1200" b="0" i="0" u="none" strike="noStrike">
-                        <a:solidFill>
-                          <a:srgbClr val="000000"/>
-                        </a:solidFill>
-                        <a:effectLst/>
-                        <a:latin typeface="Arial" panose="020B0604020202020204" pitchFamily="34" charset="0"/>
-                      </a:endParaRPr>
-                    </a:p>
-                  </a:txBody>
-                  <a:tcPr marL="9525" marR="9525" marT="9525" marB="0" anchor="b"/>
-                </a:tc>
-                <a:tc>
-                  <a:txBody>
-                    <a:bodyPr/>
-                    <a:lstStyle/>
-                    <a:p>
-                      <a:pPr algn="ctr" fontAlgn="b"/>
-                      <a:r>
-                        <a:rPr lang="en-US" sz="1200" u="none" strike="noStrike">
-                          <a:effectLst/>
-                        </a:rPr>
-                        <a:t>ALL</a:t>
-                      </a:r>
-                      <a:endParaRPr lang="en-US" sz="1200" b="0" i="0" u="none" strike="noStrike">
-                        <a:solidFill>
-                          <a:srgbClr val="000000"/>
-                        </a:solidFill>
-                        <a:effectLst/>
-                        <a:latin typeface="Arial" panose="020B0604020202020204" pitchFamily="34" charset="0"/>
-                      </a:endParaRPr>
-                    </a:p>
-                  </a:txBody>
-                  <a:tcPr marL="9525" marR="9525" marT="9525" marB="0" anchor="b"/>
-                </a:tc>
-                <a:tc>
-                  <a:txBody>
-                    <a:bodyPr/>
-                    <a:lstStyle/>
-                    <a:p>
-                      <a:pPr algn="ctr" fontAlgn="b"/>
-                      <a:r>
-                        <a:rPr lang="he-IL" sz="1200" u="none" strike="noStrike" dirty="0">
-                          <a:effectLst/>
-                        </a:rPr>
-                        <a:t>100</a:t>
-                      </a:r>
-                      <a:endParaRPr lang="he-IL" sz="1200" b="0" i="0" u="none" strike="noStrike" dirty="0">
-                        <a:solidFill>
-                          <a:srgbClr val="000000"/>
-                        </a:solidFill>
-                        <a:effectLst/>
-                        <a:latin typeface="Arial" panose="020B0604020202020204" pitchFamily="34" charset="0"/>
-                      </a:endParaRPr>
-                    </a:p>
-                  </a:txBody>
-                  <a:tcPr marL="9525" marR="9525" marT="9525" marB="0" anchor="b"/>
-                </a:tc>
-                <a:extLst>
-                  <a:ext uri="{0D108BD9-81ED-4DB2-BD59-A6C34878D82A}">
-                    <a16:rowId xmlns:a16="http://schemas.microsoft.com/office/drawing/2014/main" val="3651423556"/>
-                  </a:ext>
-                </a:extLst>
-              </a:tr>
-            </a:tbl>
-          </a:graphicData>
-        </a:graphic>
-      </p:graphicFrame>
-      <p:graphicFrame>
-        <p:nvGraphicFramePr>
-          <p:cNvPr id="23" name="Table 22">
-            <a:extLst>
-              <a:ext uri="{FF2B5EF4-FFF2-40B4-BE49-F238E27FC236}">
-                <a16:creationId xmlns:a16="http://schemas.microsoft.com/office/drawing/2014/main" id="{8B7C8D46-7A6D-3336-E6DF-810A62C7A99E}"/>
-              </a:ext>
-            </a:extLst>
-          </p:cNvPr>
-          <p:cNvGraphicFramePr>
-            <a:graphicFrameLocks noGrp="1"/>
-          </p:cNvGraphicFramePr>
-          <p:nvPr>
-            <p:extLst>
-              <p:ext uri="{D42A27DB-BD31-4B8C-83A1-F6EECF244321}">
-                <p14:modId xmlns:p14="http://schemas.microsoft.com/office/powerpoint/2010/main" val="1021686931"/>
-              </p:ext>
-            </p:extLst>
-          </p:nvPr>
-        </p:nvGraphicFramePr>
-        <p:xfrm>
-          <a:off x="764770" y="4323704"/>
-          <a:ext cx="4914900" cy="962025"/>
-        </p:xfrm>
-        <a:graphic>
-          <a:graphicData uri="http://schemas.openxmlformats.org/drawingml/2006/table">
-            <a:tbl>
-              <a:tblPr>
-                <a:tableStyleId>{69C7853C-536D-4A76-A0AE-DD22124D55A5}</a:tableStyleId>
-              </a:tblPr>
-              <a:tblGrid>
-                <a:gridCol w="685800">
-                  <a:extLst>
-                    <a:ext uri="{9D8B030D-6E8A-4147-A177-3AD203B41FA5}">
-                      <a16:colId xmlns:a16="http://schemas.microsoft.com/office/drawing/2014/main" val="3152108360"/>
-                    </a:ext>
-                  </a:extLst>
-                </a:gridCol>
-                <a:gridCol w="981075">
-                  <a:extLst>
-                    <a:ext uri="{9D8B030D-6E8A-4147-A177-3AD203B41FA5}">
-                      <a16:colId xmlns:a16="http://schemas.microsoft.com/office/drawing/2014/main" val="3001326710"/>
-                    </a:ext>
-                  </a:extLst>
-                </a:gridCol>
-                <a:gridCol w="1095375">
-                  <a:extLst>
-                    <a:ext uri="{9D8B030D-6E8A-4147-A177-3AD203B41FA5}">
-                      <a16:colId xmlns:a16="http://schemas.microsoft.com/office/drawing/2014/main" val="1500555627"/>
-                    </a:ext>
-                  </a:extLst>
-                </a:gridCol>
-                <a:gridCol w="1038225">
-                  <a:extLst>
-                    <a:ext uri="{9D8B030D-6E8A-4147-A177-3AD203B41FA5}">
-                      <a16:colId xmlns:a16="http://schemas.microsoft.com/office/drawing/2014/main" val="4084265290"/>
-                    </a:ext>
-                  </a:extLst>
-                </a:gridCol>
-                <a:gridCol w="1114425">
-                  <a:extLst>
-                    <a:ext uri="{9D8B030D-6E8A-4147-A177-3AD203B41FA5}">
-                      <a16:colId xmlns:a16="http://schemas.microsoft.com/office/drawing/2014/main" val="3672546305"/>
-                    </a:ext>
-                  </a:extLst>
-                </a:gridCol>
-              </a:tblGrid>
-              <a:tr h="190500">
-                <a:tc gridSpan="5">
-                  <a:txBody>
-                    <a:bodyPr/>
-                    <a:lstStyle/>
-                    <a:p>
-                      <a:pPr algn="ctr" fontAlgn="b"/>
-                      <a:r>
-                        <a:rPr lang="en-US" sz="1200" u="none" strike="noStrike" dirty="0">
-                          <a:effectLst/>
-                        </a:rPr>
-                        <a:t>QDA</a:t>
-                      </a:r>
-                      <a:endParaRPr lang="en-US" sz="1200" b="0" i="0" u="none" strike="noStrike" dirty="0">
-                        <a:solidFill>
-                          <a:srgbClr val="000000"/>
-                        </a:solidFill>
-                        <a:effectLst/>
-                        <a:latin typeface="Arial" panose="020B0604020202020204" pitchFamily="34" charset="0"/>
-                      </a:endParaRPr>
-                    </a:p>
-                  </a:txBody>
-                  <a:tcPr marL="9525" marR="9525" marT="9525" marB="0" anchor="b"/>
-                </a:tc>
-                <a:tc hMerge="1">
-                  <a:txBody>
-                    <a:bodyPr/>
-                    <a:lstStyle/>
-                    <a:p>
-                      <a:pPr rtl="1"/>
-                      <a:endParaRPr lang="he-IL"/>
-                    </a:p>
-                  </a:txBody>
-                  <a:tcPr/>
-                </a:tc>
-                <a:tc hMerge="1">
-                  <a:txBody>
-                    <a:bodyPr/>
-                    <a:lstStyle/>
-                    <a:p>
-                      <a:pPr rtl="1"/>
-                      <a:endParaRPr lang="he-IL"/>
-                    </a:p>
-                  </a:txBody>
-                  <a:tcPr/>
-                </a:tc>
-                <a:tc hMerge="1">
-                  <a:txBody>
-                    <a:bodyPr/>
-                    <a:lstStyle/>
-                    <a:p>
-                      <a:pPr rtl="1"/>
-                      <a:endParaRPr lang="he-IL"/>
-                    </a:p>
-                  </a:txBody>
-                  <a:tcPr/>
-                </a:tc>
-                <a:tc hMerge="1">
-                  <a:txBody>
-                    <a:bodyPr/>
-                    <a:lstStyle/>
-                    <a:p>
-                      <a:pPr rtl="1"/>
-                      <a:endParaRPr lang="he-IL"/>
-                    </a:p>
-                  </a:txBody>
-                  <a:tcPr/>
-                </a:tc>
-                <a:extLst>
-                  <a:ext uri="{0D108BD9-81ED-4DB2-BD59-A6C34878D82A}">
-                    <a16:rowId xmlns:a16="http://schemas.microsoft.com/office/drawing/2014/main" val="3538276875"/>
-                  </a:ext>
-                </a:extLst>
-              </a:tr>
-              <a:tr h="190500">
-                <a:tc>
-                  <a:txBody>
-                    <a:bodyPr/>
-                    <a:lstStyle/>
-                    <a:p>
-                      <a:pPr algn="ctr" fontAlgn="b"/>
-                      <a:r>
-                        <a:rPr lang="en-US" sz="1200" u="none" strike="noStrike">
-                          <a:effectLst/>
-                        </a:rPr>
-                        <a:t>Size</a:t>
-                      </a:r>
-                      <a:endParaRPr lang="en-US" sz="1200" b="0" i="0" u="none" strike="noStrike">
-                        <a:solidFill>
-                          <a:srgbClr val="000000"/>
-                        </a:solidFill>
-                        <a:effectLst/>
-                        <a:latin typeface="Arial" panose="020B0604020202020204" pitchFamily="34" charset="0"/>
-                      </a:endParaRPr>
-                    </a:p>
-                  </a:txBody>
-                  <a:tcPr marL="9525" marR="9525" marT="9525" marB="0" anchor="b"/>
-                </a:tc>
-                <a:tc>
-                  <a:txBody>
-                    <a:bodyPr/>
-                    <a:lstStyle/>
-                    <a:p>
-                      <a:pPr algn="ctr" fontAlgn="b"/>
-                      <a:r>
-                        <a:rPr lang="en-US" sz="1200" u="none" strike="noStrike">
-                          <a:effectLst/>
-                        </a:rPr>
-                        <a:t>Best K - Test</a:t>
-                      </a:r>
-                      <a:endParaRPr lang="en-US" sz="1200" b="0" i="0" u="none" strike="noStrike">
-                        <a:solidFill>
-                          <a:srgbClr val="000000"/>
-                        </a:solidFill>
-                        <a:effectLst/>
-                        <a:latin typeface="Arial" panose="020B0604020202020204" pitchFamily="34" charset="0"/>
-                      </a:endParaRPr>
-                    </a:p>
-                  </a:txBody>
-                  <a:tcPr marL="9525" marR="9525" marT="9525" marB="0" anchor="b"/>
-                </a:tc>
-                <a:tc>
-                  <a:txBody>
-                    <a:bodyPr/>
-                    <a:lstStyle/>
-                    <a:p>
-                      <a:pPr algn="ctr" fontAlgn="b"/>
-                      <a:r>
-                        <a:rPr lang="en-US" sz="1200" u="none" strike="noStrike">
-                          <a:effectLst/>
-                        </a:rPr>
-                        <a:t>Test Accuracy </a:t>
-                      </a:r>
-                      <a:endParaRPr lang="en-US" sz="1200" b="0" i="0" u="none" strike="noStrike">
-                        <a:solidFill>
-                          <a:srgbClr val="000000"/>
-                        </a:solidFill>
-                        <a:effectLst/>
-                        <a:latin typeface="Arial" panose="020B0604020202020204" pitchFamily="34" charset="0"/>
-                      </a:endParaRPr>
-                    </a:p>
-                  </a:txBody>
-                  <a:tcPr marL="9525" marR="9525" marT="9525" marB="0" anchor="b"/>
-                </a:tc>
-                <a:tc>
-                  <a:txBody>
-                    <a:bodyPr/>
-                    <a:lstStyle/>
-                    <a:p>
-                      <a:pPr algn="ctr" fontAlgn="b"/>
-                      <a:r>
-                        <a:rPr lang="en-US" sz="1200" u="none" strike="noStrike">
-                          <a:effectLst/>
-                        </a:rPr>
-                        <a:t>Best K - Train</a:t>
-                      </a:r>
-                      <a:endParaRPr lang="en-US" sz="1200" b="0" i="0" u="none" strike="noStrike">
-                        <a:solidFill>
-                          <a:srgbClr val="000000"/>
-                        </a:solidFill>
-                        <a:effectLst/>
-                        <a:latin typeface="Arial" panose="020B0604020202020204" pitchFamily="34" charset="0"/>
-                      </a:endParaRPr>
-                    </a:p>
-                  </a:txBody>
-                  <a:tcPr marL="9525" marR="9525" marT="9525" marB="0" anchor="b"/>
-                </a:tc>
-                <a:tc>
-                  <a:txBody>
-                    <a:bodyPr/>
-                    <a:lstStyle/>
-                    <a:p>
-                      <a:pPr algn="ctr" fontAlgn="b"/>
-                      <a:r>
-                        <a:rPr lang="en-US" sz="1200" u="none" strike="noStrike">
-                          <a:effectLst/>
-                        </a:rPr>
-                        <a:t>Train Accuracy</a:t>
-                      </a:r>
-                      <a:endParaRPr lang="en-US" sz="1200" b="0" i="0" u="none" strike="noStrike">
-                        <a:solidFill>
-                          <a:srgbClr val="000000"/>
-                        </a:solidFill>
-                        <a:effectLst/>
-                        <a:latin typeface="Arial" panose="020B0604020202020204" pitchFamily="34" charset="0"/>
-                      </a:endParaRPr>
-                    </a:p>
-                  </a:txBody>
-                  <a:tcPr marL="9525" marR="9525" marT="9525" marB="0" anchor="b"/>
-                </a:tc>
-                <a:extLst>
-                  <a:ext uri="{0D108BD9-81ED-4DB2-BD59-A6C34878D82A}">
-                    <a16:rowId xmlns:a16="http://schemas.microsoft.com/office/drawing/2014/main" val="3788657791"/>
-                  </a:ext>
-                </a:extLst>
-              </a:tr>
-              <a:tr h="190500">
-                <a:tc>
-                  <a:txBody>
-                    <a:bodyPr/>
-                    <a:lstStyle/>
-                    <a:p>
-                      <a:pPr algn="ctr" fontAlgn="b"/>
-                      <a:r>
-                        <a:rPr lang="en-US" sz="1200" u="none" strike="noStrike">
-                          <a:effectLst/>
-                        </a:rPr>
-                        <a:t>32x32</a:t>
-                      </a:r>
-                      <a:endParaRPr lang="en-US" sz="1200" b="0" i="0" u="none" strike="noStrike">
-                        <a:solidFill>
-                          <a:srgbClr val="000000"/>
-                        </a:solidFill>
-                        <a:effectLst/>
-                        <a:latin typeface="Arial" panose="020B0604020202020204" pitchFamily="34" charset="0"/>
-                      </a:endParaRPr>
-                    </a:p>
-                  </a:txBody>
-                  <a:tcPr marL="9525" marR="9525" marT="9525" marB="0" anchor="b"/>
-                </a:tc>
-                <a:tc>
-                  <a:txBody>
-                    <a:bodyPr/>
-                    <a:lstStyle/>
-                    <a:p>
-                      <a:pPr algn="ctr" fontAlgn="b"/>
-                      <a:r>
-                        <a:rPr lang="he-IL" sz="1200" u="none" strike="noStrike">
-                          <a:effectLst/>
-                        </a:rPr>
-                        <a:t>10</a:t>
-                      </a:r>
-                      <a:endParaRPr lang="he-IL" sz="1200" b="0" i="0" u="none" strike="noStrike">
-                        <a:solidFill>
-                          <a:srgbClr val="000000"/>
-                        </a:solidFill>
-                        <a:effectLst/>
-                        <a:latin typeface="Arial" panose="020B0604020202020204" pitchFamily="34" charset="0"/>
-                      </a:endParaRPr>
-                    </a:p>
-                  </a:txBody>
-                  <a:tcPr marL="9525" marR="9525" marT="9525" marB="0" anchor="b"/>
-                </a:tc>
-                <a:tc>
-                  <a:txBody>
-                    <a:bodyPr/>
-                    <a:lstStyle/>
-                    <a:p>
-                      <a:pPr algn="ctr" fontAlgn="b"/>
-                      <a:r>
-                        <a:rPr lang="he-IL" sz="1200" u="none" strike="noStrike">
-                          <a:effectLst/>
-                        </a:rPr>
-                        <a:t>58.224</a:t>
-                      </a:r>
-                      <a:endParaRPr lang="he-IL" sz="1200" b="0" i="0" u="none" strike="noStrike">
-                        <a:solidFill>
-                          <a:srgbClr val="000000"/>
-                        </a:solidFill>
-                        <a:effectLst/>
-                        <a:latin typeface="Arial" panose="020B0604020202020204" pitchFamily="34" charset="0"/>
-                      </a:endParaRPr>
-                    </a:p>
-                  </a:txBody>
-                  <a:tcPr marL="9525" marR="9525" marT="9525" marB="0" anchor="b"/>
-                </a:tc>
-                <a:tc>
-                  <a:txBody>
-                    <a:bodyPr/>
-                    <a:lstStyle/>
-                    <a:p>
-                      <a:pPr algn="ctr" fontAlgn="b"/>
-                      <a:r>
-                        <a:rPr lang="he-IL" sz="1200" u="none" strike="noStrike">
-                          <a:effectLst/>
-                        </a:rPr>
-                        <a:t>2</a:t>
-                      </a:r>
-                      <a:endParaRPr lang="he-IL" sz="1200" b="0" i="0" u="none" strike="noStrike">
-                        <a:solidFill>
-                          <a:srgbClr val="000000"/>
-                        </a:solidFill>
-                        <a:effectLst/>
-                        <a:latin typeface="Arial" panose="020B0604020202020204" pitchFamily="34" charset="0"/>
-                      </a:endParaRPr>
-                    </a:p>
-                  </a:txBody>
-                  <a:tcPr marL="9525" marR="9525" marT="9525" marB="0" anchor="b"/>
-                </a:tc>
-                <a:tc>
-                  <a:txBody>
-                    <a:bodyPr/>
-                    <a:lstStyle/>
-                    <a:p>
-                      <a:pPr algn="ctr" fontAlgn="b"/>
-                      <a:r>
-                        <a:rPr lang="he-IL" sz="1200" u="none" strike="noStrike">
-                          <a:effectLst/>
-                        </a:rPr>
-                        <a:t>96.815</a:t>
-                      </a:r>
-                      <a:endParaRPr lang="he-IL" sz="1200" b="0" i="0" u="none" strike="noStrike">
-                        <a:solidFill>
-                          <a:srgbClr val="000000"/>
-                        </a:solidFill>
-                        <a:effectLst/>
-                        <a:latin typeface="Arial" panose="020B0604020202020204" pitchFamily="34" charset="0"/>
-                      </a:endParaRPr>
-                    </a:p>
-                  </a:txBody>
-                  <a:tcPr marL="9525" marR="9525" marT="9525" marB="0" anchor="b"/>
-                </a:tc>
-                <a:extLst>
-                  <a:ext uri="{0D108BD9-81ED-4DB2-BD59-A6C34878D82A}">
-                    <a16:rowId xmlns:a16="http://schemas.microsoft.com/office/drawing/2014/main" val="1400099571"/>
-                  </a:ext>
-                </a:extLst>
-              </a:tr>
-              <a:tr h="190500">
-                <a:tc>
-                  <a:txBody>
-                    <a:bodyPr/>
-                    <a:lstStyle/>
-                    <a:p>
-                      <a:pPr algn="ctr" fontAlgn="b"/>
-                      <a:r>
-                        <a:rPr lang="en-US" sz="1200" u="none" strike="noStrike">
-                          <a:effectLst/>
-                        </a:rPr>
-                        <a:t>64x64</a:t>
-                      </a:r>
-                      <a:endParaRPr lang="en-US" sz="1200" b="0" i="0" u="none" strike="noStrike">
-                        <a:solidFill>
-                          <a:srgbClr val="000000"/>
-                        </a:solidFill>
-                        <a:effectLst/>
-                        <a:latin typeface="Arial" panose="020B0604020202020204" pitchFamily="34" charset="0"/>
-                      </a:endParaRPr>
-                    </a:p>
-                  </a:txBody>
-                  <a:tcPr marL="9525" marR="9525" marT="9525" marB="0" anchor="b"/>
-                </a:tc>
-                <a:tc>
-                  <a:txBody>
-                    <a:bodyPr/>
-                    <a:lstStyle/>
-                    <a:p>
-                      <a:pPr algn="ctr" fontAlgn="b"/>
-                      <a:r>
-                        <a:rPr lang="he-IL" sz="1200" u="none" strike="noStrike">
-                          <a:effectLst/>
-                        </a:rPr>
-                        <a:t>4</a:t>
-                      </a:r>
-                      <a:endParaRPr lang="he-IL" sz="1200" b="0" i="0" u="none" strike="noStrike">
-                        <a:solidFill>
-                          <a:srgbClr val="000000"/>
-                        </a:solidFill>
-                        <a:effectLst/>
-                        <a:latin typeface="Arial" panose="020B0604020202020204" pitchFamily="34" charset="0"/>
-                      </a:endParaRPr>
-                    </a:p>
-                  </a:txBody>
-                  <a:tcPr marL="9525" marR="9525" marT="9525" marB="0" anchor="b"/>
-                </a:tc>
-                <a:tc>
-                  <a:txBody>
-                    <a:bodyPr/>
-                    <a:lstStyle/>
-                    <a:p>
-                      <a:pPr algn="ctr" fontAlgn="b"/>
-                      <a:r>
-                        <a:rPr lang="he-IL" sz="1200" u="none" strike="noStrike">
-                          <a:effectLst/>
-                        </a:rPr>
-                        <a:t>54.915</a:t>
-                      </a:r>
-                      <a:endParaRPr lang="he-IL" sz="1200" b="0" i="0" u="none" strike="noStrike">
-                        <a:solidFill>
-                          <a:srgbClr val="000000"/>
-                        </a:solidFill>
-                        <a:effectLst/>
-                        <a:latin typeface="Arial" panose="020B0604020202020204" pitchFamily="34" charset="0"/>
-                      </a:endParaRPr>
-                    </a:p>
-                  </a:txBody>
-                  <a:tcPr marL="9525" marR="9525" marT="9525" marB="0" anchor="b"/>
-                </a:tc>
-                <a:tc>
-                  <a:txBody>
-                    <a:bodyPr/>
-                    <a:lstStyle/>
-                    <a:p>
-                      <a:pPr algn="ctr" fontAlgn="b"/>
-                      <a:r>
-                        <a:rPr lang="en-US" sz="1200" u="none" strike="noStrike">
-                          <a:effectLst/>
-                        </a:rPr>
-                        <a:t>ALL</a:t>
-                      </a:r>
-                      <a:endParaRPr lang="en-US" sz="1200" b="0" i="0" u="none" strike="noStrike">
-                        <a:solidFill>
-                          <a:srgbClr val="000000"/>
-                        </a:solidFill>
-                        <a:effectLst/>
-                        <a:latin typeface="Arial" panose="020B0604020202020204" pitchFamily="34" charset="0"/>
-                      </a:endParaRPr>
-                    </a:p>
-                  </a:txBody>
-                  <a:tcPr marL="9525" marR="9525" marT="9525" marB="0" anchor="b"/>
-                </a:tc>
-                <a:tc>
-                  <a:txBody>
-                    <a:bodyPr/>
-                    <a:lstStyle/>
-                    <a:p>
-                      <a:pPr algn="ctr" fontAlgn="b"/>
-                      <a:r>
-                        <a:rPr lang="he-IL" sz="1200" u="none" strike="noStrike">
-                          <a:effectLst/>
-                        </a:rPr>
-                        <a:t>100</a:t>
-                      </a:r>
-                      <a:endParaRPr lang="he-IL" sz="1200" b="0" i="0" u="none" strike="noStrike">
-                        <a:solidFill>
-                          <a:srgbClr val="000000"/>
-                        </a:solidFill>
-                        <a:effectLst/>
-                        <a:latin typeface="Arial" panose="020B0604020202020204" pitchFamily="34" charset="0"/>
-                      </a:endParaRPr>
-                    </a:p>
-                  </a:txBody>
-                  <a:tcPr marL="9525" marR="9525" marT="9525" marB="0" anchor="b"/>
-                </a:tc>
-                <a:extLst>
-                  <a:ext uri="{0D108BD9-81ED-4DB2-BD59-A6C34878D82A}">
-                    <a16:rowId xmlns:a16="http://schemas.microsoft.com/office/drawing/2014/main" val="1919236199"/>
-                  </a:ext>
-                </a:extLst>
-              </a:tr>
-              <a:tr h="190500">
-                <a:tc>
-                  <a:txBody>
-                    <a:bodyPr/>
-                    <a:lstStyle/>
-                    <a:p>
-                      <a:pPr algn="ctr" fontAlgn="b"/>
-                      <a:r>
-                        <a:rPr lang="en-US" sz="1200" u="none" strike="noStrike">
-                          <a:effectLst/>
-                        </a:rPr>
-                        <a:t>128x128</a:t>
-                      </a:r>
-                      <a:endParaRPr lang="en-US" sz="1200" b="0" i="0" u="none" strike="noStrike">
-                        <a:solidFill>
-                          <a:srgbClr val="000000"/>
-                        </a:solidFill>
-                        <a:effectLst/>
-                        <a:latin typeface="Arial" panose="020B0604020202020204" pitchFamily="34" charset="0"/>
-                      </a:endParaRPr>
-                    </a:p>
-                  </a:txBody>
-                  <a:tcPr marL="9525" marR="9525" marT="9525" marB="0" anchor="b"/>
-                </a:tc>
-                <a:tc>
-                  <a:txBody>
-                    <a:bodyPr/>
-                    <a:lstStyle/>
-                    <a:p>
-                      <a:pPr algn="ctr" fontAlgn="b"/>
-                      <a:r>
-                        <a:rPr lang="he-IL" sz="1200" u="none" strike="noStrike">
-                          <a:effectLst/>
-                        </a:rPr>
-                        <a:t>7</a:t>
-                      </a:r>
-                      <a:endParaRPr lang="he-IL" sz="1200" b="0" i="0" u="none" strike="noStrike">
-                        <a:solidFill>
-                          <a:srgbClr val="000000"/>
-                        </a:solidFill>
-                        <a:effectLst/>
-                        <a:latin typeface="Arial" panose="020B0604020202020204" pitchFamily="34" charset="0"/>
-                      </a:endParaRPr>
-                    </a:p>
-                  </a:txBody>
-                  <a:tcPr marL="9525" marR="9525" marT="9525" marB="0" anchor="b"/>
-                </a:tc>
-                <a:tc>
-                  <a:txBody>
-                    <a:bodyPr/>
-                    <a:lstStyle/>
-                    <a:p>
-                      <a:pPr algn="ctr" fontAlgn="b"/>
-                      <a:r>
-                        <a:rPr lang="he-IL" sz="1200" u="none" strike="noStrike">
-                          <a:effectLst/>
-                        </a:rPr>
-                        <a:t>48.976</a:t>
-                      </a:r>
-                      <a:endParaRPr lang="he-IL" sz="1200" b="0" i="0" u="none" strike="noStrike">
-                        <a:solidFill>
-                          <a:srgbClr val="000000"/>
-                        </a:solidFill>
-                        <a:effectLst/>
-                        <a:latin typeface="Arial" panose="020B0604020202020204" pitchFamily="34" charset="0"/>
-                      </a:endParaRPr>
-                    </a:p>
-                  </a:txBody>
-                  <a:tcPr marL="9525" marR="9525" marT="9525" marB="0" anchor="b"/>
-                </a:tc>
-                <a:tc>
-                  <a:txBody>
-                    <a:bodyPr/>
-                    <a:lstStyle/>
-                    <a:p>
-                      <a:pPr algn="ctr" fontAlgn="b"/>
-                      <a:r>
-                        <a:rPr lang="en-US" sz="1200" u="none" strike="noStrike">
-                          <a:effectLst/>
-                        </a:rPr>
-                        <a:t>ALL</a:t>
-                      </a:r>
-                      <a:endParaRPr lang="en-US" sz="1200" b="0" i="0" u="none" strike="noStrike">
-                        <a:solidFill>
-                          <a:srgbClr val="000000"/>
-                        </a:solidFill>
-                        <a:effectLst/>
-                        <a:latin typeface="Arial" panose="020B0604020202020204" pitchFamily="34" charset="0"/>
-                      </a:endParaRPr>
-                    </a:p>
-                  </a:txBody>
-                  <a:tcPr marL="9525" marR="9525" marT="9525" marB="0" anchor="b"/>
-                </a:tc>
-                <a:tc>
-                  <a:txBody>
-                    <a:bodyPr/>
-                    <a:lstStyle/>
-                    <a:p>
-                      <a:pPr algn="ctr" fontAlgn="b"/>
-                      <a:r>
-                        <a:rPr lang="he-IL" sz="1200" u="none" strike="noStrike" dirty="0">
-                          <a:effectLst/>
-                        </a:rPr>
-                        <a:t>100</a:t>
-                      </a:r>
-                      <a:endParaRPr lang="he-IL" sz="1200" b="0" i="0" u="none" strike="noStrike" dirty="0">
-                        <a:solidFill>
-                          <a:srgbClr val="000000"/>
-                        </a:solidFill>
-                        <a:effectLst/>
-                        <a:latin typeface="Arial" panose="020B0604020202020204" pitchFamily="34" charset="0"/>
-                      </a:endParaRPr>
-                    </a:p>
-                  </a:txBody>
-                  <a:tcPr marL="9525" marR="9525" marT="9525" marB="0" anchor="b"/>
-                </a:tc>
-                <a:extLst>
-                  <a:ext uri="{0D108BD9-81ED-4DB2-BD59-A6C34878D82A}">
-                    <a16:rowId xmlns:a16="http://schemas.microsoft.com/office/drawing/2014/main" val="4266978067"/>
-                  </a:ext>
-                </a:extLst>
-              </a:tr>
-            </a:tbl>
-          </a:graphicData>
-        </a:graphic>
-      </p:graphicFrame>
-      <p:sp>
-        <p:nvSpPr>
-          <p:cNvPr id="24" name="Rectangle 23">
-            <a:extLst>
-              <a:ext uri="{FF2B5EF4-FFF2-40B4-BE49-F238E27FC236}">
-                <a16:creationId xmlns:a16="http://schemas.microsoft.com/office/drawing/2014/main" id="{D233F06F-938E-59B9-B53B-A77389E4D423}"/>
-              </a:ext>
-            </a:extLst>
-          </p:cNvPr>
-          <p:cNvSpPr/>
-          <p:nvPr/>
-        </p:nvSpPr>
-        <p:spPr>
-          <a:xfrm>
-            <a:off x="2599489" y="4700145"/>
-            <a:ext cx="742384" cy="558425"/>
-          </a:xfrm>
-          <a:prstGeom prst="rect">
-            <a:avLst/>
-          </a:prstGeom>
-          <a:noFill/>
-          <a:ln>
-            <a:solidFill>
-              <a:srgbClr val="FF0000"/>
-            </a:solidFill>
-          </a:ln>
-        </p:spPr>
-        <p:style>
-          <a:lnRef idx="2">
-            <a:schemeClr val="accent1">
-              <a:shade val="50000"/>
-            </a:schemeClr>
-          </a:lnRef>
-          <a:fillRef idx="1">
-            <a:schemeClr val="accent1"/>
-          </a:fillRef>
-          <a:effectRef idx="0">
-            <a:schemeClr val="accent1"/>
-          </a:effectRef>
-          <a:fontRef idx="minor">
-            <a:schemeClr val="lt1"/>
-          </a:fontRef>
-        </p:style>
-        <p:txBody>
-          <a:bodyPr rtlCol="1" anchor="ctr"/>
-          <a:lstStyle/>
-          <a:p>
-            <a:pPr algn="ctr"/>
-            <a:endParaRPr lang="he-IL"/>
-          </a:p>
-        </p:txBody>
-      </p:sp>
-      <p:pic>
-        <p:nvPicPr>
-          <p:cNvPr id="25" name="Graphic 24" descr="Confused face outline outline">
-            <a:extLst>
-              <a:ext uri="{FF2B5EF4-FFF2-40B4-BE49-F238E27FC236}">
-                <a16:creationId xmlns:a16="http://schemas.microsoft.com/office/drawing/2014/main" id="{043E2E3F-F0B7-C50B-3B56-D35F67D4FEB1}"/>
-              </a:ext>
-            </a:extLst>
-          </p:cNvPr>
-          <p:cNvPicPr>
-            <a:picLocks noChangeAspect="1"/>
-          </p:cNvPicPr>
-          <p:nvPr/>
-        </p:nvPicPr>
-        <p:blipFill>
-          <a:blip r:embed="rId4">
-            <a:extLst>
-              <a:ext uri="{28A0092B-C50C-407E-A947-70E740481C1C}">
-                <a14:useLocalDpi xmlns:a14="http://schemas.microsoft.com/office/drawing/2010/main" val="0"/>
-              </a:ext>
-              <a:ext uri="{96DAC541-7B7A-43D3-8B79-37D633B846F1}">
-                <asvg:svgBlip xmlns:asvg="http://schemas.microsoft.com/office/drawing/2016/SVG/main" r:embed="rId5"/>
-              </a:ext>
-            </a:extLst>
-          </a:blip>
-          <a:stretch>
-            <a:fillRect/>
-          </a:stretch>
-        </p:blipFill>
-        <p:spPr>
-          <a:xfrm>
-            <a:off x="5816787" y="3486139"/>
-            <a:ext cx="558425" cy="558425"/>
-          </a:xfrm>
-          <a:prstGeom prst="rect">
-            <a:avLst/>
-          </a:prstGeom>
-        </p:spPr>
-      </p:pic>
-      <p:pic>
-        <p:nvPicPr>
-          <p:cNvPr id="26" name="Graphic 25" descr="Sad face outline outline">
-            <a:extLst>
-              <a:ext uri="{FF2B5EF4-FFF2-40B4-BE49-F238E27FC236}">
-                <a16:creationId xmlns:a16="http://schemas.microsoft.com/office/drawing/2014/main" id="{59F74316-2CF1-C8F4-A3CC-625FE0E6CD15}"/>
-              </a:ext>
-            </a:extLst>
-          </p:cNvPr>
-          <p:cNvPicPr>
-            <a:picLocks noChangeAspect="1"/>
-          </p:cNvPicPr>
-          <p:nvPr/>
-        </p:nvPicPr>
-        <p:blipFill>
-          <a:blip r:embed="rId6">
-            <a:extLst>
-              <a:ext uri="{28A0092B-C50C-407E-A947-70E740481C1C}">
-                <a14:useLocalDpi xmlns:a14="http://schemas.microsoft.com/office/drawing/2010/main" val="0"/>
-              </a:ext>
-              <a:ext uri="{96DAC541-7B7A-43D3-8B79-37D633B846F1}">
-                <asvg:svgBlip xmlns:asvg="http://schemas.microsoft.com/office/drawing/2016/SVG/main" r:embed="rId7"/>
-              </a:ext>
-            </a:extLst>
-          </a:blip>
-          <a:stretch>
-            <a:fillRect/>
-          </a:stretch>
-        </p:blipFill>
-        <p:spPr>
-          <a:xfrm>
-            <a:off x="5822417" y="4511727"/>
-            <a:ext cx="558426" cy="558426"/>
-          </a:xfrm>
-          <a:prstGeom prst="rect">
-            <a:avLst/>
-          </a:prstGeom>
-        </p:spPr>
-      </p:pic>
-      <p:sp>
-        <p:nvSpPr>
-          <p:cNvPr id="27" name="Rectangle 26">
-            <a:extLst>
-              <a:ext uri="{FF2B5EF4-FFF2-40B4-BE49-F238E27FC236}">
-                <a16:creationId xmlns:a16="http://schemas.microsoft.com/office/drawing/2014/main" id="{3BC1A220-898D-CD52-6DF0-E84ED8B0B83A}"/>
-              </a:ext>
-            </a:extLst>
-          </p:cNvPr>
-          <p:cNvSpPr/>
-          <p:nvPr/>
-        </p:nvSpPr>
-        <p:spPr>
-          <a:xfrm>
-            <a:off x="2607740" y="3660708"/>
-            <a:ext cx="742384" cy="558425"/>
-          </a:xfrm>
-          <a:prstGeom prst="rect">
-            <a:avLst/>
-          </a:prstGeom>
-          <a:noFill/>
-          <a:ln>
-            <a:solidFill>
-              <a:srgbClr val="FFC000"/>
-            </a:solidFill>
-          </a:ln>
-        </p:spPr>
-        <p:style>
-          <a:lnRef idx="2">
-            <a:schemeClr val="accent1">
-              <a:shade val="50000"/>
-            </a:schemeClr>
-          </a:lnRef>
-          <a:fillRef idx="1">
-            <a:schemeClr val="accent1"/>
-          </a:fillRef>
-          <a:effectRef idx="0">
-            <a:schemeClr val="accent1"/>
-          </a:effectRef>
-          <a:fontRef idx="minor">
-            <a:schemeClr val="lt1"/>
-          </a:fontRef>
-        </p:style>
-        <p:txBody>
-          <a:bodyPr rtlCol="1" anchor="ctr"/>
-          <a:lstStyle/>
-          <a:p>
-            <a:pPr algn="ctr"/>
-            <a:endParaRPr lang="he-IL"/>
-          </a:p>
-        </p:txBody>
-      </p:sp>
-      <p:sp>
-        <p:nvSpPr>
-          <p:cNvPr id="28" name="Rectangle 27">
-            <a:extLst>
-              <a:ext uri="{FF2B5EF4-FFF2-40B4-BE49-F238E27FC236}">
-                <a16:creationId xmlns:a16="http://schemas.microsoft.com/office/drawing/2014/main" id="{7A489A4A-0A6F-1AA4-8E1F-EE62B8A9346C}"/>
-              </a:ext>
-            </a:extLst>
-          </p:cNvPr>
-          <p:cNvSpPr/>
-          <p:nvPr/>
-        </p:nvSpPr>
-        <p:spPr>
-          <a:xfrm>
-            <a:off x="2599489" y="2599720"/>
-            <a:ext cx="742384" cy="558425"/>
-          </a:xfrm>
-          <a:prstGeom prst="rect">
-            <a:avLst/>
-          </a:prstGeom>
-          <a:noFill/>
-          <a:ln>
-            <a:solidFill>
-              <a:srgbClr val="00B0F0"/>
-            </a:solidFill>
-          </a:ln>
-        </p:spPr>
-        <p:style>
-          <a:lnRef idx="2">
-            <a:schemeClr val="accent1">
-              <a:shade val="50000"/>
-            </a:schemeClr>
-          </a:lnRef>
-          <a:fillRef idx="1">
-            <a:schemeClr val="accent1"/>
-          </a:fillRef>
-          <a:effectRef idx="0">
-            <a:schemeClr val="accent1"/>
-          </a:effectRef>
-          <a:fontRef idx="minor">
-            <a:schemeClr val="lt1"/>
-          </a:fontRef>
-        </p:style>
-        <p:txBody>
-          <a:bodyPr rtlCol="1" anchor="ctr"/>
-          <a:lstStyle/>
-          <a:p>
-            <a:pPr algn="ctr"/>
-            <a:endParaRPr lang="he-IL"/>
-          </a:p>
-        </p:txBody>
-      </p:sp>
-      <p:sp>
-        <p:nvSpPr>
-          <p:cNvPr id="29" name="Content Placeholder 2">
-            <a:extLst>
-              <a:ext uri="{FF2B5EF4-FFF2-40B4-BE49-F238E27FC236}">
-                <a16:creationId xmlns:a16="http://schemas.microsoft.com/office/drawing/2014/main" id="{947D95C6-1600-D67C-A7AB-339B09107823}"/>
-              </a:ext>
-            </a:extLst>
-          </p:cNvPr>
-          <p:cNvSpPr txBox="1">
-            <a:spLocks/>
-          </p:cNvSpPr>
-          <p:nvPr/>
-        </p:nvSpPr>
-        <p:spPr>
-          <a:xfrm>
-            <a:off x="6734587" y="2427149"/>
-            <a:ext cx="2559915" cy="604230"/>
-          </a:xfrm>
-          <a:prstGeom prst="rect">
-            <a:avLst/>
-          </a:prstGeom>
-        </p:spPr>
-        <p:txBody>
-          <a:bodyPr vert="horz" lIns="91440" tIns="45720" rIns="91440" bIns="45720" rtlCol="0">
-            <a:noAutofit/>
-          </a:bodyPr>
-          <a:lstStyle>
-            <a:lvl1pPr marL="342900" indent="-342900" algn="l" defTabSz="457200" rtl="0" eaLnBrk="1" latinLnBrk="0" hangingPunct="1">
-              <a:spcBef>
-                <a:spcPts val="1000"/>
-              </a:spcBef>
-              <a:spcAft>
-                <a:spcPts val="0"/>
-              </a:spcAft>
-              <a:buClr>
-                <a:schemeClr val="accent1"/>
-              </a:buClr>
-              <a:buSzPct val="80000"/>
-              <a:buFont typeface="Wingdings 3" charset="2"/>
-              <a:buChar char=""/>
-              <a:defRPr sz="1800" kern="1200">
-                <a:solidFill>
-                  <a:schemeClr val="tx1">
-                    <a:lumMod val="75000"/>
-                    <a:lumOff val="25000"/>
-                  </a:schemeClr>
-                </a:solidFill>
-                <a:latin typeface="+mn-lt"/>
-                <a:ea typeface="+mn-ea"/>
-                <a:cs typeface="+mn-cs"/>
-              </a:defRPr>
-            </a:lvl1pPr>
-            <a:lvl2pPr marL="742950" indent="-285750" algn="l" defTabSz="457200" rtl="0" eaLnBrk="1" latinLnBrk="0" hangingPunct="1">
-              <a:spcBef>
-                <a:spcPts val="1000"/>
-              </a:spcBef>
-              <a:spcAft>
-                <a:spcPts val="0"/>
-              </a:spcAft>
-              <a:buClr>
-                <a:schemeClr val="accent1"/>
-              </a:buClr>
-              <a:buSzPct val="80000"/>
-              <a:buFont typeface="Wingdings 3" charset="2"/>
-              <a:buChar char=""/>
-              <a:defRPr sz="1600" kern="1200">
-                <a:solidFill>
-                  <a:schemeClr val="tx1">
-                    <a:lumMod val="75000"/>
-                    <a:lumOff val="25000"/>
-                  </a:schemeClr>
-                </a:solidFill>
-                <a:latin typeface="+mn-lt"/>
-                <a:ea typeface="+mn-ea"/>
-                <a:cs typeface="+mn-cs"/>
-              </a:defRPr>
-            </a:lvl2pPr>
-            <a:lvl3pPr marL="1143000" indent="-228600" algn="l" defTabSz="457200" rtl="0" eaLnBrk="1" latinLnBrk="0" hangingPunct="1">
-              <a:spcBef>
-                <a:spcPts val="1000"/>
-              </a:spcBef>
-              <a:spcAft>
-                <a:spcPts val="0"/>
-              </a:spcAft>
-              <a:buClr>
-                <a:schemeClr val="accent1"/>
-              </a:buClr>
-              <a:buSzPct val="80000"/>
-              <a:buFont typeface="Wingdings 3" charset="2"/>
-              <a:buChar char=""/>
-              <a:defRPr sz="1400" kern="1200">
-                <a:solidFill>
-                  <a:schemeClr val="tx1">
-                    <a:lumMod val="75000"/>
-                    <a:lumOff val="25000"/>
-                  </a:schemeClr>
-                </a:solidFill>
-                <a:latin typeface="+mn-lt"/>
-                <a:ea typeface="+mn-ea"/>
-                <a:cs typeface="+mn-cs"/>
-              </a:defRPr>
-            </a:lvl3pPr>
-            <a:lvl4pPr marL="1600200" indent="-228600" algn="l" defTabSz="457200" rtl="0" eaLnBrk="1" latinLnBrk="0" hangingPunct="1">
-              <a:spcBef>
-                <a:spcPts val="1000"/>
-              </a:spcBef>
-              <a:spcAft>
-                <a:spcPts val="0"/>
-              </a:spcAft>
-              <a:buClr>
-                <a:schemeClr val="accent1"/>
-              </a:buClr>
-              <a:buSzPct val="80000"/>
-              <a:buFont typeface="Wingdings 3" charset="2"/>
-              <a:buChar char=""/>
-              <a:defRPr sz="1200" kern="1200">
-                <a:solidFill>
-                  <a:schemeClr val="tx1">
-                    <a:lumMod val="75000"/>
-                    <a:lumOff val="25000"/>
-                  </a:schemeClr>
-                </a:solidFill>
-                <a:latin typeface="+mn-lt"/>
-                <a:ea typeface="+mn-ea"/>
-                <a:cs typeface="+mn-cs"/>
-              </a:defRPr>
-            </a:lvl4pPr>
-            <a:lvl5pPr marL="2057400" indent="-228600" algn="l" defTabSz="457200" rtl="0" eaLnBrk="1" latinLnBrk="0" hangingPunct="1">
-              <a:spcBef>
-                <a:spcPts val="1000"/>
-              </a:spcBef>
-              <a:spcAft>
-                <a:spcPts val="0"/>
-              </a:spcAft>
-              <a:buClr>
-                <a:schemeClr val="accent1"/>
-              </a:buClr>
-              <a:buSzPct val="80000"/>
-              <a:buFont typeface="Wingdings 3" charset="2"/>
-              <a:buChar char=""/>
-              <a:defRPr sz="1200" kern="1200">
-                <a:solidFill>
-                  <a:schemeClr val="tx1">
-                    <a:lumMod val="75000"/>
-                    <a:lumOff val="25000"/>
-                  </a:schemeClr>
-                </a:solidFill>
-                <a:latin typeface="+mn-lt"/>
-                <a:ea typeface="+mn-ea"/>
-                <a:cs typeface="+mn-cs"/>
-              </a:defRPr>
-            </a:lvl5pPr>
-            <a:lvl6pPr marL="2514600" indent="-228600" algn="l" defTabSz="457200" rtl="0" eaLnBrk="1" latinLnBrk="0" hangingPunct="1">
-              <a:spcBef>
-                <a:spcPts val="1000"/>
-              </a:spcBef>
-              <a:spcAft>
-                <a:spcPts val="0"/>
-              </a:spcAft>
-              <a:buClr>
-                <a:schemeClr val="accent1"/>
-              </a:buClr>
-              <a:buSzPct val="80000"/>
-              <a:buFont typeface="Wingdings 3" charset="2"/>
-              <a:buChar char=""/>
-              <a:defRPr sz="1200" kern="1200">
-                <a:solidFill>
-                  <a:schemeClr val="tx1">
-                    <a:lumMod val="75000"/>
-                    <a:lumOff val="25000"/>
-                  </a:schemeClr>
-                </a:solidFill>
-                <a:latin typeface="+mn-lt"/>
-                <a:ea typeface="+mn-ea"/>
-                <a:cs typeface="+mn-cs"/>
-              </a:defRPr>
-            </a:lvl6pPr>
-            <a:lvl7pPr marL="2971800" indent="-228600" algn="l" defTabSz="457200" rtl="0" eaLnBrk="1" latinLnBrk="0" hangingPunct="1">
-              <a:spcBef>
-                <a:spcPts val="1000"/>
-              </a:spcBef>
-              <a:spcAft>
-                <a:spcPts val="0"/>
-              </a:spcAft>
-              <a:buClr>
-                <a:schemeClr val="accent1"/>
-              </a:buClr>
-              <a:buSzPct val="80000"/>
-              <a:buFont typeface="Wingdings 3" charset="2"/>
-              <a:buChar char=""/>
-              <a:defRPr sz="1200" kern="1200">
-                <a:solidFill>
-                  <a:schemeClr val="tx1">
-                    <a:lumMod val="75000"/>
-                    <a:lumOff val="25000"/>
-                  </a:schemeClr>
-                </a:solidFill>
-                <a:latin typeface="+mn-lt"/>
-                <a:ea typeface="+mn-ea"/>
-                <a:cs typeface="+mn-cs"/>
-              </a:defRPr>
-            </a:lvl7pPr>
-            <a:lvl8pPr marL="3429000" indent="-228600" algn="l" defTabSz="457200" rtl="0" eaLnBrk="1" latinLnBrk="0" hangingPunct="1">
-              <a:spcBef>
-                <a:spcPts val="1000"/>
-              </a:spcBef>
-              <a:spcAft>
-                <a:spcPts val="0"/>
-              </a:spcAft>
-              <a:buClr>
-                <a:schemeClr val="accent1"/>
-              </a:buClr>
-              <a:buSzPct val="80000"/>
-              <a:buFont typeface="Wingdings 3" charset="2"/>
-              <a:buChar char=""/>
-              <a:defRPr sz="1200" kern="1200">
-                <a:solidFill>
-                  <a:schemeClr val="tx1">
-                    <a:lumMod val="75000"/>
-                    <a:lumOff val="25000"/>
-                  </a:schemeClr>
-                </a:solidFill>
-                <a:latin typeface="+mn-lt"/>
-                <a:ea typeface="+mn-ea"/>
-                <a:cs typeface="+mn-cs"/>
-              </a:defRPr>
-            </a:lvl8pPr>
-            <a:lvl9pPr marL="3886200" indent="-228600" algn="l" defTabSz="457200" rtl="0" eaLnBrk="1" latinLnBrk="0" hangingPunct="1">
-              <a:spcBef>
-                <a:spcPts val="1000"/>
-              </a:spcBef>
-              <a:spcAft>
-                <a:spcPts val="0"/>
-              </a:spcAft>
-              <a:buClr>
-                <a:schemeClr val="accent1"/>
-              </a:buClr>
-              <a:buSzPct val="80000"/>
-              <a:buFont typeface="Wingdings 3" charset="2"/>
-              <a:buChar char=""/>
-              <a:defRPr sz="1200" kern="1200">
-                <a:solidFill>
-                  <a:schemeClr val="tx1">
-                    <a:lumMod val="75000"/>
-                    <a:lumOff val="25000"/>
-                  </a:schemeClr>
-                </a:solidFill>
-                <a:latin typeface="+mn-lt"/>
-                <a:ea typeface="+mn-ea"/>
-                <a:cs typeface="+mn-cs"/>
-              </a:defRPr>
-            </a:lvl9pPr>
-          </a:lstStyle>
-          <a:p>
-            <a:pPr algn="r" rtl="1">
-              <a:lnSpc>
-                <a:spcPct val="114000"/>
-              </a:lnSpc>
-              <a:buFont typeface="Wingdings" panose="05000000000000000000" pitchFamily="2" charset="2"/>
-              <a:buChar char="Ø"/>
-            </a:pPr>
-            <a:r>
-              <a:rPr lang="he-IL" sz="1400" dirty="0">
-                <a:solidFill>
-                  <a:srgbClr val="000000"/>
-                </a:solidFill>
-                <a:latin typeface="Tahoma" panose="020B0604030504040204" pitchFamily="34" charset="0"/>
-                <a:ea typeface="Tahoma" panose="020B0604030504040204" pitchFamily="34" charset="0"/>
-                <a:cs typeface="Tahoma" panose="020B0604030504040204" pitchFamily="34" charset="0"/>
-              </a:rPr>
-              <a:t>יציבות	</a:t>
-            </a:r>
-            <a:br>
-              <a:rPr lang="en-US" sz="1400" dirty="0">
-                <a:solidFill>
-                  <a:srgbClr val="000000"/>
-                </a:solidFill>
-                <a:latin typeface="Tahoma" panose="020B0604030504040204" pitchFamily="34" charset="0"/>
-                <a:ea typeface="Tahoma" panose="020B0604030504040204" pitchFamily="34" charset="0"/>
-                <a:cs typeface="Tahoma" panose="020B0604030504040204" pitchFamily="34" charset="0"/>
-              </a:rPr>
-            </a:br>
-            <a:endParaRPr lang="he-IL" sz="1400" dirty="0">
-              <a:solidFill>
-                <a:srgbClr val="000000"/>
-              </a:solidFill>
-              <a:latin typeface="Tahoma" panose="020B0604030504040204" pitchFamily="34" charset="0"/>
-              <a:ea typeface="Tahoma" panose="020B0604030504040204" pitchFamily="34" charset="0"/>
-              <a:cs typeface="Tahoma" panose="020B0604030504040204" pitchFamily="34" charset="0"/>
-            </a:endParaRPr>
-          </a:p>
-        </p:txBody>
-      </p:sp>
-      <p:sp>
-        <p:nvSpPr>
-          <p:cNvPr id="30" name="Content Placeholder 2">
-            <a:extLst>
-              <a:ext uri="{FF2B5EF4-FFF2-40B4-BE49-F238E27FC236}">
-                <a16:creationId xmlns:a16="http://schemas.microsoft.com/office/drawing/2014/main" id="{45B952E8-1534-FFD5-C457-5B0975E3B327}"/>
-              </a:ext>
-            </a:extLst>
-          </p:cNvPr>
-          <p:cNvSpPr txBox="1">
-            <a:spLocks/>
-          </p:cNvSpPr>
-          <p:nvPr/>
-        </p:nvSpPr>
-        <p:spPr>
-          <a:xfrm>
-            <a:off x="6734589" y="3481066"/>
-            <a:ext cx="2559915" cy="604230"/>
-          </a:xfrm>
-          <a:prstGeom prst="rect">
-            <a:avLst/>
-          </a:prstGeom>
-        </p:spPr>
-        <p:txBody>
-          <a:bodyPr vert="horz" lIns="91440" tIns="45720" rIns="91440" bIns="45720" rtlCol="0">
-            <a:noAutofit/>
-          </a:bodyPr>
-          <a:lstStyle>
-            <a:lvl1pPr marL="342900" indent="-342900" algn="l" defTabSz="457200" rtl="0" eaLnBrk="1" latinLnBrk="0" hangingPunct="1">
-              <a:spcBef>
-                <a:spcPts val="1000"/>
-              </a:spcBef>
-              <a:spcAft>
-                <a:spcPts val="0"/>
-              </a:spcAft>
-              <a:buClr>
-                <a:schemeClr val="accent1"/>
-              </a:buClr>
-              <a:buSzPct val="80000"/>
-              <a:buFont typeface="Wingdings 3" charset="2"/>
-              <a:buChar char=""/>
-              <a:defRPr sz="1800" kern="1200">
-                <a:solidFill>
-                  <a:schemeClr val="tx1">
-                    <a:lumMod val="75000"/>
-                    <a:lumOff val="25000"/>
-                  </a:schemeClr>
-                </a:solidFill>
-                <a:latin typeface="+mn-lt"/>
-                <a:ea typeface="+mn-ea"/>
-                <a:cs typeface="+mn-cs"/>
-              </a:defRPr>
-            </a:lvl1pPr>
-            <a:lvl2pPr marL="742950" indent="-285750" algn="l" defTabSz="457200" rtl="0" eaLnBrk="1" latinLnBrk="0" hangingPunct="1">
-              <a:spcBef>
-                <a:spcPts val="1000"/>
-              </a:spcBef>
-              <a:spcAft>
-                <a:spcPts val="0"/>
-              </a:spcAft>
-              <a:buClr>
-                <a:schemeClr val="accent1"/>
-              </a:buClr>
-              <a:buSzPct val="80000"/>
-              <a:buFont typeface="Wingdings 3" charset="2"/>
-              <a:buChar char=""/>
-              <a:defRPr sz="1600" kern="1200">
-                <a:solidFill>
-                  <a:schemeClr val="tx1">
-                    <a:lumMod val="75000"/>
-                    <a:lumOff val="25000"/>
-                  </a:schemeClr>
-                </a:solidFill>
-                <a:latin typeface="+mn-lt"/>
-                <a:ea typeface="+mn-ea"/>
-                <a:cs typeface="+mn-cs"/>
-              </a:defRPr>
-            </a:lvl2pPr>
-            <a:lvl3pPr marL="1143000" indent="-228600" algn="l" defTabSz="457200" rtl="0" eaLnBrk="1" latinLnBrk="0" hangingPunct="1">
-              <a:spcBef>
-                <a:spcPts val="1000"/>
-              </a:spcBef>
-              <a:spcAft>
-                <a:spcPts val="0"/>
-              </a:spcAft>
-              <a:buClr>
-                <a:schemeClr val="accent1"/>
-              </a:buClr>
-              <a:buSzPct val="80000"/>
-              <a:buFont typeface="Wingdings 3" charset="2"/>
-              <a:buChar char=""/>
-              <a:defRPr sz="1400" kern="1200">
-                <a:solidFill>
-                  <a:schemeClr val="tx1">
-                    <a:lumMod val="75000"/>
-                    <a:lumOff val="25000"/>
-                  </a:schemeClr>
-                </a:solidFill>
-                <a:latin typeface="+mn-lt"/>
-                <a:ea typeface="+mn-ea"/>
-                <a:cs typeface="+mn-cs"/>
-              </a:defRPr>
-            </a:lvl3pPr>
-            <a:lvl4pPr marL="1600200" indent="-228600" algn="l" defTabSz="457200" rtl="0" eaLnBrk="1" latinLnBrk="0" hangingPunct="1">
-              <a:spcBef>
-                <a:spcPts val="1000"/>
-              </a:spcBef>
-              <a:spcAft>
-                <a:spcPts val="0"/>
-              </a:spcAft>
-              <a:buClr>
-                <a:schemeClr val="accent1"/>
-              </a:buClr>
-              <a:buSzPct val="80000"/>
-              <a:buFont typeface="Wingdings 3" charset="2"/>
-              <a:buChar char=""/>
-              <a:defRPr sz="1200" kern="1200">
-                <a:solidFill>
-                  <a:schemeClr val="tx1">
-                    <a:lumMod val="75000"/>
-                    <a:lumOff val="25000"/>
-                  </a:schemeClr>
-                </a:solidFill>
-                <a:latin typeface="+mn-lt"/>
-                <a:ea typeface="+mn-ea"/>
-                <a:cs typeface="+mn-cs"/>
-              </a:defRPr>
-            </a:lvl4pPr>
-            <a:lvl5pPr marL="2057400" indent="-228600" algn="l" defTabSz="457200" rtl="0" eaLnBrk="1" latinLnBrk="0" hangingPunct="1">
-              <a:spcBef>
-                <a:spcPts val="1000"/>
-              </a:spcBef>
-              <a:spcAft>
-                <a:spcPts val="0"/>
-              </a:spcAft>
-              <a:buClr>
-                <a:schemeClr val="accent1"/>
-              </a:buClr>
-              <a:buSzPct val="80000"/>
-              <a:buFont typeface="Wingdings 3" charset="2"/>
-              <a:buChar char=""/>
-              <a:defRPr sz="1200" kern="1200">
-                <a:solidFill>
-                  <a:schemeClr val="tx1">
-                    <a:lumMod val="75000"/>
-                    <a:lumOff val="25000"/>
-                  </a:schemeClr>
-                </a:solidFill>
-                <a:latin typeface="+mn-lt"/>
-                <a:ea typeface="+mn-ea"/>
-                <a:cs typeface="+mn-cs"/>
-              </a:defRPr>
-            </a:lvl5pPr>
-            <a:lvl6pPr marL="2514600" indent="-228600" algn="l" defTabSz="457200" rtl="0" eaLnBrk="1" latinLnBrk="0" hangingPunct="1">
-              <a:spcBef>
-                <a:spcPts val="1000"/>
-              </a:spcBef>
-              <a:spcAft>
-                <a:spcPts val="0"/>
-              </a:spcAft>
-              <a:buClr>
-                <a:schemeClr val="accent1"/>
-              </a:buClr>
-              <a:buSzPct val="80000"/>
-              <a:buFont typeface="Wingdings 3" charset="2"/>
-              <a:buChar char=""/>
-              <a:defRPr sz="1200" kern="1200">
-                <a:solidFill>
-                  <a:schemeClr val="tx1">
-                    <a:lumMod val="75000"/>
-                    <a:lumOff val="25000"/>
-                  </a:schemeClr>
-                </a:solidFill>
-                <a:latin typeface="+mn-lt"/>
-                <a:ea typeface="+mn-ea"/>
-                <a:cs typeface="+mn-cs"/>
-              </a:defRPr>
-            </a:lvl6pPr>
-            <a:lvl7pPr marL="2971800" indent="-228600" algn="l" defTabSz="457200" rtl="0" eaLnBrk="1" latinLnBrk="0" hangingPunct="1">
-              <a:spcBef>
-                <a:spcPts val="1000"/>
-              </a:spcBef>
-              <a:spcAft>
-                <a:spcPts val="0"/>
-              </a:spcAft>
-              <a:buClr>
-                <a:schemeClr val="accent1"/>
-              </a:buClr>
-              <a:buSzPct val="80000"/>
-              <a:buFont typeface="Wingdings 3" charset="2"/>
-              <a:buChar char=""/>
-              <a:defRPr sz="1200" kern="1200">
-                <a:solidFill>
-                  <a:schemeClr val="tx1">
-                    <a:lumMod val="75000"/>
-                    <a:lumOff val="25000"/>
-                  </a:schemeClr>
-                </a:solidFill>
-                <a:latin typeface="+mn-lt"/>
-                <a:ea typeface="+mn-ea"/>
-                <a:cs typeface="+mn-cs"/>
-              </a:defRPr>
-            </a:lvl7pPr>
-            <a:lvl8pPr marL="3429000" indent="-228600" algn="l" defTabSz="457200" rtl="0" eaLnBrk="1" latinLnBrk="0" hangingPunct="1">
-              <a:spcBef>
-                <a:spcPts val="1000"/>
-              </a:spcBef>
-              <a:spcAft>
-                <a:spcPts val="0"/>
-              </a:spcAft>
-              <a:buClr>
-                <a:schemeClr val="accent1"/>
-              </a:buClr>
-              <a:buSzPct val="80000"/>
-              <a:buFont typeface="Wingdings 3" charset="2"/>
-              <a:buChar char=""/>
-              <a:defRPr sz="1200" kern="1200">
-                <a:solidFill>
-                  <a:schemeClr val="tx1">
-                    <a:lumMod val="75000"/>
-                    <a:lumOff val="25000"/>
-                  </a:schemeClr>
-                </a:solidFill>
-                <a:latin typeface="+mn-lt"/>
-                <a:ea typeface="+mn-ea"/>
-                <a:cs typeface="+mn-cs"/>
-              </a:defRPr>
-            </a:lvl8pPr>
-            <a:lvl9pPr marL="3886200" indent="-228600" algn="l" defTabSz="457200" rtl="0" eaLnBrk="1" latinLnBrk="0" hangingPunct="1">
-              <a:spcBef>
-                <a:spcPts val="1000"/>
-              </a:spcBef>
-              <a:spcAft>
-                <a:spcPts val="0"/>
-              </a:spcAft>
-              <a:buClr>
-                <a:schemeClr val="accent1"/>
-              </a:buClr>
-              <a:buSzPct val="80000"/>
-              <a:buFont typeface="Wingdings 3" charset="2"/>
-              <a:buChar char=""/>
-              <a:defRPr sz="1200" kern="1200">
-                <a:solidFill>
-                  <a:schemeClr val="tx1">
-                    <a:lumMod val="75000"/>
-                    <a:lumOff val="25000"/>
-                  </a:schemeClr>
-                </a:solidFill>
-                <a:latin typeface="+mn-lt"/>
-                <a:ea typeface="+mn-ea"/>
-                <a:cs typeface="+mn-cs"/>
-              </a:defRPr>
-            </a:lvl9pPr>
-          </a:lstStyle>
-          <a:p>
-            <a:pPr algn="r" rtl="1">
-              <a:lnSpc>
-                <a:spcPct val="114000"/>
-              </a:lnSpc>
-              <a:buFont typeface="Wingdings" panose="05000000000000000000" pitchFamily="2" charset="2"/>
-              <a:buChar char="Ø"/>
-            </a:pPr>
-            <a:r>
-              <a:rPr lang="he-IL" sz="1400" dirty="0">
-                <a:solidFill>
-                  <a:srgbClr val="000000"/>
-                </a:solidFill>
-                <a:latin typeface="Tahoma" panose="020B0604030504040204" pitchFamily="34" charset="0"/>
-                <a:ea typeface="Tahoma" panose="020B0604030504040204" pitchFamily="34" charset="0"/>
-                <a:cs typeface="Tahoma" panose="020B0604030504040204" pitchFamily="34" charset="0"/>
-              </a:rPr>
-              <a:t>דיוק עבור מעט מאפיינים</a:t>
-            </a:r>
-          </a:p>
-        </p:txBody>
-      </p:sp>
-      <p:sp>
-        <p:nvSpPr>
-          <p:cNvPr id="31" name="Content Placeholder 2">
-            <a:extLst>
-              <a:ext uri="{FF2B5EF4-FFF2-40B4-BE49-F238E27FC236}">
-                <a16:creationId xmlns:a16="http://schemas.microsoft.com/office/drawing/2014/main" id="{7A38A27C-C7F9-5A3C-87D6-53CD7ABC949B}"/>
-              </a:ext>
-            </a:extLst>
-          </p:cNvPr>
-          <p:cNvSpPr txBox="1">
-            <a:spLocks/>
-          </p:cNvSpPr>
-          <p:nvPr/>
-        </p:nvSpPr>
-        <p:spPr>
-          <a:xfrm>
-            <a:off x="6734587" y="4511727"/>
-            <a:ext cx="2559915" cy="604230"/>
-          </a:xfrm>
-          <a:prstGeom prst="rect">
-            <a:avLst/>
-          </a:prstGeom>
-        </p:spPr>
-        <p:txBody>
-          <a:bodyPr vert="horz" lIns="91440" tIns="45720" rIns="91440" bIns="45720" rtlCol="0">
-            <a:noAutofit/>
-          </a:bodyPr>
-          <a:lstStyle>
-            <a:lvl1pPr marL="342900" indent="-342900" algn="l" defTabSz="457200" rtl="0" eaLnBrk="1" latinLnBrk="0" hangingPunct="1">
-              <a:spcBef>
-                <a:spcPts val="1000"/>
-              </a:spcBef>
-              <a:spcAft>
-                <a:spcPts val="0"/>
-              </a:spcAft>
-              <a:buClr>
-                <a:schemeClr val="accent1"/>
-              </a:buClr>
-              <a:buSzPct val="80000"/>
-              <a:buFont typeface="Wingdings 3" charset="2"/>
-              <a:buChar char=""/>
-              <a:defRPr sz="1800" kern="1200">
-                <a:solidFill>
-                  <a:schemeClr val="tx1">
-                    <a:lumMod val="75000"/>
-                    <a:lumOff val="25000"/>
-                  </a:schemeClr>
-                </a:solidFill>
-                <a:latin typeface="+mn-lt"/>
-                <a:ea typeface="+mn-ea"/>
-                <a:cs typeface="+mn-cs"/>
-              </a:defRPr>
-            </a:lvl1pPr>
-            <a:lvl2pPr marL="742950" indent="-285750" algn="l" defTabSz="457200" rtl="0" eaLnBrk="1" latinLnBrk="0" hangingPunct="1">
-              <a:spcBef>
-                <a:spcPts val="1000"/>
-              </a:spcBef>
-              <a:spcAft>
-                <a:spcPts val="0"/>
-              </a:spcAft>
-              <a:buClr>
-                <a:schemeClr val="accent1"/>
-              </a:buClr>
-              <a:buSzPct val="80000"/>
-              <a:buFont typeface="Wingdings 3" charset="2"/>
-              <a:buChar char=""/>
-              <a:defRPr sz="1600" kern="1200">
-                <a:solidFill>
-                  <a:schemeClr val="tx1">
-                    <a:lumMod val="75000"/>
-                    <a:lumOff val="25000"/>
-                  </a:schemeClr>
-                </a:solidFill>
-                <a:latin typeface="+mn-lt"/>
-                <a:ea typeface="+mn-ea"/>
-                <a:cs typeface="+mn-cs"/>
-              </a:defRPr>
-            </a:lvl2pPr>
-            <a:lvl3pPr marL="1143000" indent="-228600" algn="l" defTabSz="457200" rtl="0" eaLnBrk="1" latinLnBrk="0" hangingPunct="1">
-              <a:spcBef>
-                <a:spcPts val="1000"/>
-              </a:spcBef>
-              <a:spcAft>
-                <a:spcPts val="0"/>
-              </a:spcAft>
-              <a:buClr>
-                <a:schemeClr val="accent1"/>
-              </a:buClr>
-              <a:buSzPct val="80000"/>
-              <a:buFont typeface="Wingdings 3" charset="2"/>
-              <a:buChar char=""/>
-              <a:defRPr sz="1400" kern="1200">
-                <a:solidFill>
-                  <a:schemeClr val="tx1">
-                    <a:lumMod val="75000"/>
-                    <a:lumOff val="25000"/>
-                  </a:schemeClr>
-                </a:solidFill>
-                <a:latin typeface="+mn-lt"/>
-                <a:ea typeface="+mn-ea"/>
-                <a:cs typeface="+mn-cs"/>
-              </a:defRPr>
-            </a:lvl3pPr>
-            <a:lvl4pPr marL="1600200" indent="-228600" algn="l" defTabSz="457200" rtl="0" eaLnBrk="1" latinLnBrk="0" hangingPunct="1">
-              <a:spcBef>
-                <a:spcPts val="1000"/>
-              </a:spcBef>
-              <a:spcAft>
-                <a:spcPts val="0"/>
-              </a:spcAft>
-              <a:buClr>
-                <a:schemeClr val="accent1"/>
-              </a:buClr>
-              <a:buSzPct val="80000"/>
-              <a:buFont typeface="Wingdings 3" charset="2"/>
-              <a:buChar char=""/>
-              <a:defRPr sz="1200" kern="1200">
-                <a:solidFill>
-                  <a:schemeClr val="tx1">
-                    <a:lumMod val="75000"/>
-                    <a:lumOff val="25000"/>
-                  </a:schemeClr>
-                </a:solidFill>
-                <a:latin typeface="+mn-lt"/>
-                <a:ea typeface="+mn-ea"/>
-                <a:cs typeface="+mn-cs"/>
-              </a:defRPr>
-            </a:lvl4pPr>
-            <a:lvl5pPr marL="2057400" indent="-228600" algn="l" defTabSz="457200" rtl="0" eaLnBrk="1" latinLnBrk="0" hangingPunct="1">
-              <a:spcBef>
-                <a:spcPts val="1000"/>
-              </a:spcBef>
-              <a:spcAft>
-                <a:spcPts val="0"/>
-              </a:spcAft>
-              <a:buClr>
-                <a:schemeClr val="accent1"/>
-              </a:buClr>
-              <a:buSzPct val="80000"/>
-              <a:buFont typeface="Wingdings 3" charset="2"/>
-              <a:buChar char=""/>
-              <a:defRPr sz="1200" kern="1200">
-                <a:solidFill>
-                  <a:schemeClr val="tx1">
-                    <a:lumMod val="75000"/>
-                    <a:lumOff val="25000"/>
-                  </a:schemeClr>
-                </a:solidFill>
-                <a:latin typeface="+mn-lt"/>
-                <a:ea typeface="+mn-ea"/>
-                <a:cs typeface="+mn-cs"/>
-              </a:defRPr>
-            </a:lvl5pPr>
-            <a:lvl6pPr marL="2514600" indent="-228600" algn="l" defTabSz="457200" rtl="0" eaLnBrk="1" latinLnBrk="0" hangingPunct="1">
-              <a:spcBef>
-                <a:spcPts val="1000"/>
-              </a:spcBef>
-              <a:spcAft>
-                <a:spcPts val="0"/>
-              </a:spcAft>
-              <a:buClr>
-                <a:schemeClr val="accent1"/>
-              </a:buClr>
-              <a:buSzPct val="80000"/>
-              <a:buFont typeface="Wingdings 3" charset="2"/>
-              <a:buChar char=""/>
-              <a:defRPr sz="1200" kern="1200">
-                <a:solidFill>
-                  <a:schemeClr val="tx1">
-                    <a:lumMod val="75000"/>
-                    <a:lumOff val="25000"/>
-                  </a:schemeClr>
-                </a:solidFill>
-                <a:latin typeface="+mn-lt"/>
-                <a:ea typeface="+mn-ea"/>
-                <a:cs typeface="+mn-cs"/>
-              </a:defRPr>
-            </a:lvl6pPr>
-            <a:lvl7pPr marL="2971800" indent="-228600" algn="l" defTabSz="457200" rtl="0" eaLnBrk="1" latinLnBrk="0" hangingPunct="1">
-              <a:spcBef>
-                <a:spcPts val="1000"/>
-              </a:spcBef>
-              <a:spcAft>
-                <a:spcPts val="0"/>
-              </a:spcAft>
-              <a:buClr>
-                <a:schemeClr val="accent1"/>
-              </a:buClr>
-              <a:buSzPct val="80000"/>
-              <a:buFont typeface="Wingdings 3" charset="2"/>
-              <a:buChar char=""/>
-              <a:defRPr sz="1200" kern="1200">
-                <a:solidFill>
-                  <a:schemeClr val="tx1">
-                    <a:lumMod val="75000"/>
-                    <a:lumOff val="25000"/>
-                  </a:schemeClr>
-                </a:solidFill>
-                <a:latin typeface="+mn-lt"/>
-                <a:ea typeface="+mn-ea"/>
-                <a:cs typeface="+mn-cs"/>
-              </a:defRPr>
-            </a:lvl7pPr>
-            <a:lvl8pPr marL="3429000" indent="-228600" algn="l" defTabSz="457200" rtl="0" eaLnBrk="1" latinLnBrk="0" hangingPunct="1">
-              <a:spcBef>
-                <a:spcPts val="1000"/>
-              </a:spcBef>
-              <a:spcAft>
-                <a:spcPts val="0"/>
-              </a:spcAft>
-              <a:buClr>
-                <a:schemeClr val="accent1"/>
-              </a:buClr>
-              <a:buSzPct val="80000"/>
-              <a:buFont typeface="Wingdings 3" charset="2"/>
-              <a:buChar char=""/>
-              <a:defRPr sz="1200" kern="1200">
-                <a:solidFill>
-                  <a:schemeClr val="tx1">
-                    <a:lumMod val="75000"/>
-                    <a:lumOff val="25000"/>
-                  </a:schemeClr>
-                </a:solidFill>
-                <a:latin typeface="+mn-lt"/>
-                <a:ea typeface="+mn-ea"/>
-                <a:cs typeface="+mn-cs"/>
-              </a:defRPr>
-            </a:lvl8pPr>
-            <a:lvl9pPr marL="3886200" indent="-228600" algn="l" defTabSz="457200" rtl="0" eaLnBrk="1" latinLnBrk="0" hangingPunct="1">
-              <a:spcBef>
-                <a:spcPts val="1000"/>
-              </a:spcBef>
-              <a:spcAft>
-                <a:spcPts val="0"/>
-              </a:spcAft>
-              <a:buClr>
-                <a:schemeClr val="accent1"/>
-              </a:buClr>
-              <a:buSzPct val="80000"/>
-              <a:buFont typeface="Wingdings 3" charset="2"/>
-              <a:buChar char=""/>
-              <a:defRPr sz="1200" kern="1200">
-                <a:solidFill>
-                  <a:schemeClr val="tx1">
-                    <a:lumMod val="75000"/>
-                    <a:lumOff val="25000"/>
-                  </a:schemeClr>
-                </a:solidFill>
-                <a:latin typeface="+mn-lt"/>
-                <a:ea typeface="+mn-ea"/>
-                <a:cs typeface="+mn-cs"/>
-              </a:defRPr>
-            </a:lvl9pPr>
-          </a:lstStyle>
-          <a:p>
-            <a:pPr algn="r" rtl="1">
-              <a:lnSpc>
-                <a:spcPct val="114000"/>
-              </a:lnSpc>
-              <a:buFont typeface="Wingdings" panose="05000000000000000000" pitchFamily="2" charset="2"/>
-              <a:buChar char="Ø"/>
-            </a:pPr>
-            <a:r>
-              <a:rPr lang="he-IL" sz="1400" dirty="0">
-                <a:solidFill>
-                  <a:srgbClr val="000000"/>
-                </a:solidFill>
-                <a:latin typeface="Tahoma" panose="020B0604030504040204" pitchFamily="34" charset="0"/>
-                <a:ea typeface="Tahoma" panose="020B0604030504040204" pitchFamily="34" charset="0"/>
-                <a:cs typeface="Tahoma" panose="020B0604030504040204" pitchFamily="34" charset="0"/>
-              </a:rPr>
-              <a:t>פשוט לא..</a:t>
-            </a:r>
-            <a:br>
-              <a:rPr lang="en-US" sz="1400" dirty="0">
-                <a:solidFill>
-                  <a:srgbClr val="000000"/>
-                </a:solidFill>
-                <a:latin typeface="Tahoma" panose="020B0604030504040204" pitchFamily="34" charset="0"/>
-                <a:ea typeface="Tahoma" panose="020B0604030504040204" pitchFamily="34" charset="0"/>
-                <a:cs typeface="Tahoma" panose="020B0604030504040204" pitchFamily="34" charset="0"/>
-              </a:rPr>
-            </a:br>
-            <a:endParaRPr lang="he-IL" sz="1400" dirty="0">
-              <a:solidFill>
-                <a:srgbClr val="000000"/>
-              </a:solidFill>
-              <a:latin typeface="Tahoma" panose="020B0604030504040204" pitchFamily="34" charset="0"/>
-              <a:ea typeface="Tahoma" panose="020B0604030504040204" pitchFamily="34" charset="0"/>
-              <a:cs typeface="Tahoma" panose="020B0604030504040204" pitchFamily="34" charset="0"/>
-            </a:endParaRPr>
-          </a:p>
-        </p:txBody>
-      </p:sp>
-      <p:sp>
-        <p:nvSpPr>
-          <p:cNvPr id="32" name="Rectangle 31">
-            <a:extLst>
-              <a:ext uri="{FF2B5EF4-FFF2-40B4-BE49-F238E27FC236}">
-                <a16:creationId xmlns:a16="http://schemas.microsoft.com/office/drawing/2014/main" id="{2ECE7D7D-8EA5-783E-4F1F-3D0E82AAA799}"/>
-              </a:ext>
-            </a:extLst>
-          </p:cNvPr>
-          <p:cNvSpPr/>
-          <p:nvPr/>
-        </p:nvSpPr>
-        <p:spPr>
-          <a:xfrm>
-            <a:off x="1783532" y="2780651"/>
-            <a:ext cx="316871" cy="368441"/>
-          </a:xfrm>
-          <a:prstGeom prst="rect">
-            <a:avLst/>
-          </a:prstGeom>
-          <a:noFill/>
-          <a:ln>
-            <a:solidFill>
-              <a:srgbClr val="FFFF00"/>
-            </a:solidFill>
-          </a:ln>
-        </p:spPr>
-        <p:style>
-          <a:lnRef idx="2">
-            <a:schemeClr val="accent1">
-              <a:shade val="50000"/>
-            </a:schemeClr>
-          </a:lnRef>
-          <a:fillRef idx="1">
-            <a:schemeClr val="accent1"/>
-          </a:fillRef>
-          <a:effectRef idx="0">
-            <a:schemeClr val="accent1"/>
-          </a:effectRef>
-          <a:fontRef idx="minor">
-            <a:schemeClr val="lt1"/>
-          </a:fontRef>
-        </p:style>
-        <p:txBody>
-          <a:bodyPr rtlCol="1" anchor="ctr"/>
-          <a:lstStyle/>
-          <a:p>
-            <a:pPr algn="ctr"/>
-            <a:endParaRPr lang="he-IL"/>
-          </a:p>
-        </p:txBody>
-      </p:sp>
-      <p:sp>
-        <p:nvSpPr>
-          <p:cNvPr id="35" name="TextBox 34">
-            <a:extLst>
-              <a:ext uri="{FF2B5EF4-FFF2-40B4-BE49-F238E27FC236}">
-                <a16:creationId xmlns:a16="http://schemas.microsoft.com/office/drawing/2014/main" id="{8A4AECA5-B6EE-3CA6-7BEC-675C3187FB88}"/>
-              </a:ext>
-            </a:extLst>
-          </p:cNvPr>
-          <p:cNvSpPr txBox="1"/>
-          <p:nvPr/>
-        </p:nvSpPr>
-        <p:spPr>
-          <a:xfrm>
-            <a:off x="1526044" y="2726901"/>
-            <a:ext cx="316871" cy="523220"/>
-          </a:xfrm>
-          <a:prstGeom prst="rect">
-            <a:avLst/>
-          </a:prstGeom>
-          <a:noFill/>
-        </p:spPr>
-        <p:txBody>
-          <a:bodyPr wrap="square" rtlCol="1">
-            <a:spAutoFit/>
-          </a:bodyPr>
-          <a:lstStyle/>
-          <a:p>
-            <a:r>
-              <a:rPr lang="en-US" sz="2800" b="1" dirty="0">
-                <a:solidFill>
-                  <a:srgbClr val="FFFF00"/>
-                </a:solidFill>
-              </a:rPr>
-              <a:t>!</a:t>
-            </a:r>
-            <a:endParaRPr lang="he-IL" sz="2800" b="1" dirty="0">
-              <a:solidFill>
-                <a:srgbClr val="FFFF00"/>
-              </a:solidFill>
-            </a:endParaRPr>
-          </a:p>
-        </p:txBody>
-      </p:sp>
     </p:spTree>
     <p:extLst>
       <p:ext uri="{BB962C8B-B14F-4D97-AF65-F5344CB8AC3E}">
-        <p14:creationId xmlns:p14="http://schemas.microsoft.com/office/powerpoint/2010/main" val="1660465163"/>
+        <p14:creationId xmlns:p14="http://schemas.microsoft.com/office/powerpoint/2010/main" val="3826732152"/>
       </p:ext>
     </p:extLst>
   </p:cSld>

--- a/Docs/ProjectPresentation.pptx
+++ b/Docs/ProjectPresentation.pptx
@@ -5,26 +5,28 @@
     <p:sldMasterId id="2147483694" r:id="rId1"/>
   </p:sldMasterIdLst>
   <p:notesMasterIdLst>
-    <p:notesMasterId r:id="rId19"/>
+    <p:notesMasterId r:id="rId21"/>
   </p:notesMasterIdLst>
   <p:sldIdLst>
     <p:sldId id="256" r:id="rId2"/>
     <p:sldId id="258" r:id="rId3"/>
-    <p:sldId id="260" r:id="rId4"/>
-    <p:sldId id="259" r:id="rId5"/>
-    <p:sldId id="261" r:id="rId6"/>
-    <p:sldId id="263" r:id="rId7"/>
-    <p:sldId id="264" r:id="rId8"/>
-    <p:sldId id="265" r:id="rId9"/>
-    <p:sldId id="274" r:id="rId10"/>
-    <p:sldId id="266" r:id="rId11"/>
-    <p:sldId id="269" r:id="rId12"/>
+    <p:sldId id="276" r:id="rId4"/>
+    <p:sldId id="260" r:id="rId5"/>
+    <p:sldId id="259" r:id="rId6"/>
+    <p:sldId id="261" r:id="rId7"/>
+    <p:sldId id="263" r:id="rId8"/>
+    <p:sldId id="264" r:id="rId9"/>
+    <p:sldId id="265" r:id="rId10"/>
+    <p:sldId id="274" r:id="rId11"/>
+    <p:sldId id="266" r:id="rId12"/>
     <p:sldId id="270" r:id="rId13"/>
-    <p:sldId id="267" r:id="rId14"/>
-    <p:sldId id="268" r:id="rId15"/>
-    <p:sldId id="271" r:id="rId16"/>
-    <p:sldId id="272" r:id="rId17"/>
-    <p:sldId id="273" r:id="rId18"/>
+    <p:sldId id="277" r:id="rId14"/>
+    <p:sldId id="267" r:id="rId15"/>
+    <p:sldId id="268" r:id="rId16"/>
+    <p:sldId id="271" r:id="rId17"/>
+    <p:sldId id="272" r:id="rId18"/>
+    <p:sldId id="275" r:id="rId19"/>
+    <p:sldId id="273" r:id="rId20"/>
   </p:sldIdLst>
   <p:sldSz cx="12192000" cy="6858000"/>
   <p:notesSz cx="6858000" cy="9144000"/>
@@ -134,6 +136,7 @@
         <p14:section name="הקדמה" id="{9CFA7359-53AB-1647-8659-651724C62C13}">
           <p14:sldIdLst>
             <p14:sldId id="258"/>
+            <p14:sldId id="276"/>
             <p14:sldId id="260"/>
           </p14:sldIdLst>
         </p14:section>
@@ -154,12 +157,13 @@
         <p14:section name="תוצאות ומסקנות" id="{70B0E5A5-3957-45CC-8CF0-03E0FB0F93C7}">
           <p14:sldIdLst>
             <p14:sldId id="266"/>
-            <p14:sldId id="269"/>
             <p14:sldId id="270"/>
+            <p14:sldId id="277"/>
             <p14:sldId id="267"/>
             <p14:sldId id="268"/>
             <p14:sldId id="271"/>
             <p14:sldId id="272"/>
+            <p14:sldId id="275"/>
             <p14:sldId id="273"/>
           </p14:sldIdLst>
         </p14:section>
@@ -2820,7 +2824,7 @@
           <a:p>
             <a:fld id="{11205BC0-9DE1-49B5-A64C-1FBCD9FC7A76}" type="datetimeFigureOut">
               <a:rPr lang="he-IL" smtClean="0"/>
-              <a:t>כ"ח/תשרי/תשפ"ג</a:t>
+              <a:t>ל'/תשרי/תשפ"ג</a:t>
             </a:fld>
             <a:endParaRPr lang="he-IL"/>
           </a:p>
@@ -3220,239 +3224,11 @@
           <a:bodyPr/>
           <a:lstStyle/>
           <a:p>
-            <a:pPr marL="285750" marR="0" lvl="0" indent="-285750" algn="r" defTabSz="914400" rtl="1" eaLnBrk="1" fontAlgn="auto" latinLnBrk="0" hangingPunct="1">
-              <a:lnSpc>
-                <a:spcPct val="100000"/>
-              </a:lnSpc>
-              <a:spcBef>
-                <a:spcPts val="0"/>
-              </a:spcBef>
-              <a:spcAft>
-                <a:spcPts val="0"/>
-              </a:spcAft>
-              <a:buClrTx/>
-              <a:buSzTx/>
-              <a:buFont typeface="Arial" panose="020B0604020202020204" pitchFamily="34" charset="0"/>
-              <a:buChar char="•"/>
-              <a:tabLst/>
-              <a:defRPr/>
-            </a:pPr>
-            <a:r>
-              <a:rPr lang="he-IL" sz="1400" dirty="0">
-                <a:solidFill>
-                  <a:schemeClr val="tx1"/>
-                </a:solidFill>
-              </a:rPr>
+            <a:pPr algn="r" rtl="1"/>
+            <a:r>
+              <a:rPr lang="he-IL" dirty="0"/>
               <a:t>עדן</a:t>
             </a:r>
-            <a:endParaRPr lang="en-US" sz="1400" dirty="0">
-              <a:solidFill>
-                <a:schemeClr val="tx1"/>
-              </a:solidFill>
-            </a:endParaRPr>
-          </a:p>
-          <a:p>
-            <a:pPr marL="285750" marR="0" lvl="0" indent="-285750" algn="r" defTabSz="914400" rtl="1" eaLnBrk="1" fontAlgn="auto" latinLnBrk="0" hangingPunct="1">
-              <a:lnSpc>
-                <a:spcPct val="100000"/>
-              </a:lnSpc>
-              <a:spcBef>
-                <a:spcPts val="0"/>
-              </a:spcBef>
-              <a:spcAft>
-                <a:spcPts val="0"/>
-              </a:spcAft>
-              <a:buClrTx/>
-              <a:buSzTx/>
-              <a:buFont typeface="Arial" panose="020B0604020202020204" pitchFamily="34" charset="0"/>
-              <a:buChar char="•"/>
-              <a:tabLst/>
-              <a:defRPr/>
-            </a:pPr>
-            <a:r>
-              <a:rPr lang="en-US" sz="1400" dirty="0">
-                <a:solidFill>
-                  <a:schemeClr val="tx1"/>
-                </a:solidFill>
-              </a:rPr>
-              <a:t>GNB</a:t>
-            </a:r>
-            <a:r>
-              <a:rPr lang="he-IL" sz="1400" dirty="0">
-                <a:solidFill>
-                  <a:schemeClr val="tx1"/>
-                </a:solidFill>
-              </a:rPr>
-              <a:t> – עבור </a:t>
-            </a:r>
-            <a:r>
-              <a:rPr lang="en-US" sz="1400" dirty="0">
-                <a:solidFill>
-                  <a:schemeClr val="tx1"/>
-                </a:solidFill>
-              </a:rPr>
-              <a:t>K</a:t>
-            </a:r>
-            <a:r>
-              <a:rPr lang="he-IL" sz="1400" dirty="0">
-                <a:solidFill>
-                  <a:schemeClr val="tx1"/>
-                </a:solidFill>
-              </a:rPr>
-              <a:t> נמוך הצלחנו לקבל אחוזי דיוק גבוהים.</a:t>
-            </a:r>
-          </a:p>
-          <a:p>
-            <a:pPr marL="285750" marR="0" lvl="0" indent="-285750" algn="r" defTabSz="914400" rtl="1" eaLnBrk="1" fontAlgn="auto" latinLnBrk="0" hangingPunct="1">
-              <a:lnSpc>
-                <a:spcPct val="100000"/>
-              </a:lnSpc>
-              <a:spcBef>
-                <a:spcPts val="0"/>
-              </a:spcBef>
-              <a:spcAft>
-                <a:spcPts val="0"/>
-              </a:spcAft>
-              <a:buClrTx/>
-              <a:buSzTx/>
-              <a:buFont typeface="Arial" panose="020B0604020202020204" pitchFamily="34" charset="0"/>
-              <a:buChar char="•"/>
-              <a:tabLst/>
-              <a:defRPr/>
-            </a:pPr>
-            <a:r>
-              <a:rPr lang="en-US" sz="1400" kern="1100" dirty="0">
-                <a:solidFill>
-                  <a:schemeClr val="tx1"/>
-                </a:solidFill>
-                <a:effectLst/>
-                <a:highlight>
-                  <a:srgbClr val="FFFF00"/>
-                </a:highlight>
-                <a:latin typeface="Tahoma" panose="020B0604030504040204" pitchFamily="34" charset="0"/>
-                <a:ea typeface="Times New Roman" panose="02020603050405020304" pitchFamily="18" charset="0"/>
-                <a:cs typeface="Arial" panose="020B0604020202020204" pitchFamily="34" charset="0"/>
-              </a:rPr>
-              <a:t>Curse of Dimensionality</a:t>
-            </a:r>
-            <a:r>
-              <a:rPr lang="he-IL" sz="1400" kern="1100" dirty="0">
-                <a:solidFill>
-                  <a:schemeClr val="tx1"/>
-                </a:solidFill>
-                <a:effectLst/>
-                <a:highlight>
-                  <a:srgbClr val="FFFF00"/>
-                </a:highlight>
-                <a:latin typeface="Calibri" panose="020F0502020204030204" pitchFamily="34" charset="0"/>
-                <a:ea typeface="Times New Roman" panose="02020603050405020304" pitchFamily="18" charset="0"/>
-                <a:cs typeface="Tahoma" panose="020B0604030504040204" pitchFamily="34" charset="0"/>
-              </a:rPr>
-              <a:t> - מספר הדוגמאות שצריך על מנת שתהיה יכולת להעריך פונקציה שרירותית מסוימת בדיוק גבוה, גדל בצורה </a:t>
-            </a:r>
-            <a:r>
-              <a:rPr lang="he-IL" sz="1400" kern="1100" dirty="0" err="1">
-                <a:solidFill>
-                  <a:schemeClr val="tx1"/>
-                </a:solidFill>
-                <a:effectLst/>
-                <a:highlight>
-                  <a:srgbClr val="FFFF00"/>
-                </a:highlight>
-                <a:latin typeface="Calibri" panose="020F0502020204030204" pitchFamily="34" charset="0"/>
-                <a:ea typeface="Times New Roman" panose="02020603050405020304" pitchFamily="18" charset="0"/>
-                <a:cs typeface="Tahoma" panose="020B0604030504040204" pitchFamily="34" charset="0"/>
-              </a:rPr>
-              <a:t>אקספוננציאלית</a:t>
-            </a:r>
-            <a:r>
-              <a:rPr lang="he-IL" sz="1400" kern="1100" dirty="0">
-                <a:solidFill>
-                  <a:schemeClr val="tx1"/>
-                </a:solidFill>
-                <a:effectLst/>
-                <a:highlight>
-                  <a:srgbClr val="FFFF00"/>
-                </a:highlight>
-                <a:latin typeface="Calibri" panose="020F0502020204030204" pitchFamily="34" charset="0"/>
-                <a:ea typeface="Times New Roman" panose="02020603050405020304" pitchFamily="18" charset="0"/>
-                <a:cs typeface="Tahoma" panose="020B0604030504040204" pitchFamily="34" charset="0"/>
-              </a:rPr>
-              <a:t> ביחס למספר </a:t>
-            </a:r>
-            <a:r>
-              <a:rPr lang="he-IL" sz="1400" kern="1100" dirty="0" err="1">
-                <a:solidFill>
-                  <a:schemeClr val="tx1"/>
-                </a:solidFill>
-                <a:effectLst/>
-                <a:highlight>
-                  <a:srgbClr val="FFFF00"/>
-                </a:highlight>
-                <a:latin typeface="Calibri" panose="020F0502020204030204" pitchFamily="34" charset="0"/>
-                <a:ea typeface="Times New Roman" panose="02020603050405020304" pitchFamily="18" charset="0"/>
-                <a:cs typeface="Tahoma" panose="020B0604030504040204" pitchFamily="34" charset="0"/>
-              </a:rPr>
-              <a:t>הקלטים</a:t>
-            </a:r>
-            <a:r>
-              <a:rPr lang="he-IL" sz="1400" kern="1100" dirty="0">
-                <a:solidFill>
-                  <a:schemeClr val="tx1"/>
-                </a:solidFill>
-                <a:effectLst/>
-                <a:highlight>
-                  <a:srgbClr val="FFFF00"/>
-                </a:highlight>
-                <a:latin typeface="Calibri" panose="020F0502020204030204" pitchFamily="34" charset="0"/>
-                <a:ea typeface="Times New Roman" panose="02020603050405020304" pitchFamily="18" charset="0"/>
-                <a:cs typeface="Tahoma" panose="020B0604030504040204" pitchFamily="34" charset="0"/>
-              </a:rPr>
-              <a:t> אשר אותה פונקציה מקבלת.</a:t>
-            </a:r>
-            <a:endParaRPr lang="he-IL" sz="1400" kern="1100" dirty="0">
-              <a:solidFill>
-                <a:schemeClr val="tx1"/>
-              </a:solidFill>
-              <a:effectLst/>
-              <a:latin typeface="Tahoma" panose="020B0604030504040204" pitchFamily="34" charset="0"/>
-              <a:ea typeface="Times New Roman" panose="02020603050405020304" pitchFamily="18" charset="0"/>
-            </a:endParaRPr>
-          </a:p>
-          <a:p>
-            <a:pPr marL="285750" indent="-285750" algn="r" rtl="1">
-              <a:buFont typeface="Arial" panose="020B0604020202020204" pitchFamily="34" charset="0"/>
-              <a:buChar char="•"/>
-            </a:pPr>
-            <a:r>
-              <a:rPr lang="en-US" sz="1400" kern="1100" dirty="0">
-                <a:solidFill>
-                  <a:schemeClr val="tx1"/>
-                </a:solidFill>
-                <a:effectLst/>
-                <a:latin typeface="Tahoma" panose="020B0604030504040204" pitchFamily="34" charset="0"/>
-                <a:ea typeface="Times New Roman" panose="02020603050405020304" pitchFamily="18" charset="0"/>
-              </a:rPr>
-              <a:t>Variable Collinear</a:t>
-            </a:r>
-            <a:r>
-              <a:rPr lang="he-IL" sz="1400" kern="1100" dirty="0">
-                <a:solidFill>
-                  <a:schemeClr val="tx1"/>
-                </a:solidFill>
-                <a:effectLst/>
-                <a:latin typeface="Tahoma" panose="020B0604030504040204" pitchFamily="34" charset="0"/>
-                <a:ea typeface="Times New Roman" panose="02020603050405020304" pitchFamily="18" charset="0"/>
-              </a:rPr>
-              <a:t> - אשר מתרחשת כתוצאה מקורלציה חזקה מאוד בין שני משתנים שונים המקשה מאוד לבצע הערכה/סיווג על כל אחד מהם בנפרד. </a:t>
-            </a:r>
-          </a:p>
-          <a:p>
-            <a:pPr marL="0" indent="0" algn="r" rtl="1">
-              <a:buFont typeface="Arial" panose="020B0604020202020204" pitchFamily="34" charset="0"/>
-              <a:buNone/>
-            </a:pPr>
-            <a:endParaRPr lang="he-IL" dirty="0"/>
           </a:p>
         </p:txBody>
       </p:sp>
@@ -3482,7 +3258,7 @@
     </p:spTree>
     <p:extLst>
       <p:ext uri="{BB962C8B-B14F-4D97-AF65-F5344CB8AC3E}">
-        <p14:creationId xmlns:p14="http://schemas.microsoft.com/office/powerpoint/2010/main" val="2432282623"/>
+        <p14:creationId xmlns:p14="http://schemas.microsoft.com/office/powerpoint/2010/main" val="977591555"/>
       </p:ext>
     </p:extLst>
   </p:cSld>
@@ -3536,11 +3312,239 @@
           <a:bodyPr/>
           <a:lstStyle/>
           <a:p>
-            <a:pPr algn="r" rtl="1"/>
-            <a:r>
-              <a:rPr lang="he-IL" dirty="0"/>
+            <a:pPr marL="285750" marR="0" lvl="0" indent="-285750" algn="r" defTabSz="914400" rtl="1" eaLnBrk="1" fontAlgn="auto" latinLnBrk="0" hangingPunct="1">
+              <a:lnSpc>
+                <a:spcPct val="100000"/>
+              </a:lnSpc>
+              <a:spcBef>
+                <a:spcPts val="0"/>
+              </a:spcBef>
+              <a:spcAft>
+                <a:spcPts val="0"/>
+              </a:spcAft>
+              <a:buClrTx/>
+              <a:buSzTx/>
+              <a:buFont typeface="Arial" panose="020B0604020202020204" pitchFamily="34" charset="0"/>
+              <a:buChar char="•"/>
+              <a:tabLst/>
+              <a:defRPr/>
+            </a:pPr>
+            <a:r>
+              <a:rPr lang="he-IL" sz="1400" dirty="0">
+                <a:solidFill>
+                  <a:schemeClr val="tx1"/>
+                </a:solidFill>
+              </a:rPr>
               <a:t>עדן</a:t>
             </a:r>
+            <a:endParaRPr lang="en-US" sz="1400" dirty="0">
+              <a:solidFill>
+                <a:schemeClr val="tx1"/>
+              </a:solidFill>
+            </a:endParaRPr>
+          </a:p>
+          <a:p>
+            <a:pPr marL="285750" marR="0" lvl="0" indent="-285750" algn="r" defTabSz="914400" rtl="1" eaLnBrk="1" fontAlgn="auto" latinLnBrk="0" hangingPunct="1">
+              <a:lnSpc>
+                <a:spcPct val="100000"/>
+              </a:lnSpc>
+              <a:spcBef>
+                <a:spcPts val="0"/>
+              </a:spcBef>
+              <a:spcAft>
+                <a:spcPts val="0"/>
+              </a:spcAft>
+              <a:buClrTx/>
+              <a:buSzTx/>
+              <a:buFont typeface="Arial" panose="020B0604020202020204" pitchFamily="34" charset="0"/>
+              <a:buChar char="•"/>
+              <a:tabLst/>
+              <a:defRPr/>
+            </a:pPr>
+            <a:r>
+              <a:rPr lang="en-US" sz="1400" dirty="0">
+                <a:solidFill>
+                  <a:schemeClr val="tx1"/>
+                </a:solidFill>
+              </a:rPr>
+              <a:t>GNB</a:t>
+            </a:r>
+            <a:r>
+              <a:rPr lang="he-IL" sz="1400" dirty="0">
+                <a:solidFill>
+                  <a:schemeClr val="tx1"/>
+                </a:solidFill>
+              </a:rPr>
+              <a:t> – עבור </a:t>
+            </a:r>
+            <a:r>
+              <a:rPr lang="en-US" sz="1400" dirty="0">
+                <a:solidFill>
+                  <a:schemeClr val="tx1"/>
+                </a:solidFill>
+              </a:rPr>
+              <a:t>K</a:t>
+            </a:r>
+            <a:r>
+              <a:rPr lang="he-IL" sz="1400" dirty="0">
+                <a:solidFill>
+                  <a:schemeClr val="tx1"/>
+                </a:solidFill>
+              </a:rPr>
+              <a:t> נמוך הצלחנו לקבל אחוזי דיוק גבוהים.</a:t>
+            </a:r>
+          </a:p>
+          <a:p>
+            <a:pPr marL="285750" marR="0" lvl="0" indent="-285750" algn="r" defTabSz="914400" rtl="1" eaLnBrk="1" fontAlgn="auto" latinLnBrk="0" hangingPunct="1">
+              <a:lnSpc>
+                <a:spcPct val="100000"/>
+              </a:lnSpc>
+              <a:spcBef>
+                <a:spcPts val="0"/>
+              </a:spcBef>
+              <a:spcAft>
+                <a:spcPts val="0"/>
+              </a:spcAft>
+              <a:buClrTx/>
+              <a:buSzTx/>
+              <a:buFont typeface="Arial" panose="020B0604020202020204" pitchFamily="34" charset="0"/>
+              <a:buChar char="•"/>
+              <a:tabLst/>
+              <a:defRPr/>
+            </a:pPr>
+            <a:r>
+              <a:rPr lang="en-US" sz="1400" kern="1100" dirty="0">
+                <a:solidFill>
+                  <a:schemeClr val="tx1"/>
+                </a:solidFill>
+                <a:effectLst/>
+                <a:highlight>
+                  <a:srgbClr val="FFFF00"/>
+                </a:highlight>
+                <a:latin typeface="Tahoma" panose="020B0604030504040204" pitchFamily="34" charset="0"/>
+                <a:ea typeface="Times New Roman" panose="02020603050405020304" pitchFamily="18" charset="0"/>
+                <a:cs typeface="Arial" panose="020B0604020202020204" pitchFamily="34" charset="0"/>
+              </a:rPr>
+              <a:t>Curse of Dimensionality</a:t>
+            </a:r>
+            <a:r>
+              <a:rPr lang="he-IL" sz="1400" kern="1100" dirty="0">
+                <a:solidFill>
+                  <a:schemeClr val="tx1"/>
+                </a:solidFill>
+                <a:effectLst/>
+                <a:highlight>
+                  <a:srgbClr val="FFFF00"/>
+                </a:highlight>
+                <a:latin typeface="Calibri" panose="020F0502020204030204" pitchFamily="34" charset="0"/>
+                <a:ea typeface="Times New Roman" panose="02020603050405020304" pitchFamily="18" charset="0"/>
+                <a:cs typeface="Tahoma" panose="020B0604030504040204" pitchFamily="34" charset="0"/>
+              </a:rPr>
+              <a:t> - מספר הדוגמאות שצריך על מנת שתהיה יכולת להעריך פונקציה שרירותית מסוימת בדיוק גבוה, גדל בצורה </a:t>
+            </a:r>
+            <a:r>
+              <a:rPr lang="he-IL" sz="1400" kern="1100" dirty="0" err="1">
+                <a:solidFill>
+                  <a:schemeClr val="tx1"/>
+                </a:solidFill>
+                <a:effectLst/>
+                <a:highlight>
+                  <a:srgbClr val="FFFF00"/>
+                </a:highlight>
+                <a:latin typeface="Calibri" panose="020F0502020204030204" pitchFamily="34" charset="0"/>
+                <a:ea typeface="Times New Roman" panose="02020603050405020304" pitchFamily="18" charset="0"/>
+                <a:cs typeface="Tahoma" panose="020B0604030504040204" pitchFamily="34" charset="0"/>
+              </a:rPr>
+              <a:t>אקספוננציאלית</a:t>
+            </a:r>
+            <a:r>
+              <a:rPr lang="he-IL" sz="1400" kern="1100" dirty="0">
+                <a:solidFill>
+                  <a:schemeClr val="tx1"/>
+                </a:solidFill>
+                <a:effectLst/>
+                <a:highlight>
+                  <a:srgbClr val="FFFF00"/>
+                </a:highlight>
+                <a:latin typeface="Calibri" panose="020F0502020204030204" pitchFamily="34" charset="0"/>
+                <a:ea typeface="Times New Roman" panose="02020603050405020304" pitchFamily="18" charset="0"/>
+                <a:cs typeface="Tahoma" panose="020B0604030504040204" pitchFamily="34" charset="0"/>
+              </a:rPr>
+              <a:t> ביחס למספר </a:t>
+            </a:r>
+            <a:r>
+              <a:rPr lang="he-IL" sz="1400" kern="1100" dirty="0" err="1">
+                <a:solidFill>
+                  <a:schemeClr val="tx1"/>
+                </a:solidFill>
+                <a:effectLst/>
+                <a:highlight>
+                  <a:srgbClr val="FFFF00"/>
+                </a:highlight>
+                <a:latin typeface="Calibri" panose="020F0502020204030204" pitchFamily="34" charset="0"/>
+                <a:ea typeface="Times New Roman" panose="02020603050405020304" pitchFamily="18" charset="0"/>
+                <a:cs typeface="Tahoma" panose="020B0604030504040204" pitchFamily="34" charset="0"/>
+              </a:rPr>
+              <a:t>הקלטים</a:t>
+            </a:r>
+            <a:r>
+              <a:rPr lang="he-IL" sz="1400" kern="1100" dirty="0">
+                <a:solidFill>
+                  <a:schemeClr val="tx1"/>
+                </a:solidFill>
+                <a:effectLst/>
+                <a:highlight>
+                  <a:srgbClr val="FFFF00"/>
+                </a:highlight>
+                <a:latin typeface="Calibri" panose="020F0502020204030204" pitchFamily="34" charset="0"/>
+                <a:ea typeface="Times New Roman" panose="02020603050405020304" pitchFamily="18" charset="0"/>
+                <a:cs typeface="Tahoma" panose="020B0604030504040204" pitchFamily="34" charset="0"/>
+              </a:rPr>
+              <a:t> אשר אותה פונקציה מקבלת.</a:t>
+            </a:r>
+            <a:endParaRPr lang="he-IL" sz="1400" kern="1100" dirty="0">
+              <a:solidFill>
+                <a:schemeClr val="tx1"/>
+              </a:solidFill>
+              <a:effectLst/>
+              <a:latin typeface="Tahoma" panose="020B0604030504040204" pitchFamily="34" charset="0"/>
+              <a:ea typeface="Times New Roman" panose="02020603050405020304" pitchFamily="18" charset="0"/>
+            </a:endParaRPr>
+          </a:p>
+          <a:p>
+            <a:pPr marL="285750" indent="-285750" algn="r" rtl="1">
+              <a:buFont typeface="Arial" panose="020B0604020202020204" pitchFamily="34" charset="0"/>
+              <a:buChar char="•"/>
+            </a:pPr>
+            <a:r>
+              <a:rPr lang="en-US" sz="1400" kern="1100" dirty="0">
+                <a:solidFill>
+                  <a:schemeClr val="tx1"/>
+                </a:solidFill>
+                <a:effectLst/>
+                <a:latin typeface="Tahoma" panose="020B0604030504040204" pitchFamily="34" charset="0"/>
+                <a:ea typeface="Times New Roman" panose="02020603050405020304" pitchFamily="18" charset="0"/>
+              </a:rPr>
+              <a:t>Variable Collinear</a:t>
+            </a:r>
+            <a:r>
+              <a:rPr lang="he-IL" sz="1400" kern="1100" dirty="0">
+                <a:solidFill>
+                  <a:schemeClr val="tx1"/>
+                </a:solidFill>
+                <a:effectLst/>
+                <a:latin typeface="Tahoma" panose="020B0604030504040204" pitchFamily="34" charset="0"/>
+                <a:ea typeface="Times New Roman" panose="02020603050405020304" pitchFamily="18" charset="0"/>
+              </a:rPr>
+              <a:t> - אשר מתרחשת כתוצאה מקורלציה חזקה מאוד בין שני משתנים שונים המקשה מאוד לבצע הערכה/סיווג על כל אחד מהם בנפרד. </a:t>
+            </a:r>
+          </a:p>
+          <a:p>
+            <a:pPr marL="0" indent="0" algn="r" rtl="1">
+              <a:buFont typeface="Arial" panose="020B0604020202020204" pitchFamily="34" charset="0"/>
+              <a:buNone/>
+            </a:pPr>
+            <a:endParaRPr lang="he-IL" dirty="0"/>
           </a:p>
         </p:txBody>
       </p:sp>
@@ -3570,7 +3574,7 @@
     </p:spTree>
     <p:extLst>
       <p:ext uri="{BB962C8B-B14F-4D97-AF65-F5344CB8AC3E}">
-        <p14:creationId xmlns:p14="http://schemas.microsoft.com/office/powerpoint/2010/main" val="1687415153"/>
+        <p14:creationId xmlns:p14="http://schemas.microsoft.com/office/powerpoint/2010/main" val="2432282623"/>
       </p:ext>
     </p:extLst>
   </p:cSld>
@@ -3631,11 +3635,32 @@
             </a:r>
           </a:p>
           <a:p>
-            <a:pPr marL="171450" indent="-171450" algn="r" rtl="1">
+            <a:pPr marL="0" indent="0" algn="r" rtl="1">
               <a:buFont typeface="Arial" panose="020B0604020202020204" pitchFamily="34" charset="0"/>
-              <a:buChar char="•"/>
+              <a:buNone/>
             </a:pPr>
-            <a:endParaRPr lang="he-IL" dirty="0"/>
+            <a:r>
+              <a:rPr lang="he-IL" dirty="0"/>
+              <a:t>להסביר על זאת בעל התוצאות הטובות ביותר לעומק.</a:t>
+            </a:r>
+          </a:p>
+          <a:p>
+            <a:pPr marL="0" indent="0" algn="r" rtl="1">
+              <a:buFont typeface="Arial" panose="020B0604020202020204" pitchFamily="34" charset="0"/>
+              <a:buNone/>
+            </a:pPr>
+            <a:r>
+              <a:rPr lang="he-IL" dirty="0"/>
+              <a:t>אפשר להציג </a:t>
+            </a:r>
+            <a:r>
+              <a:rPr lang="en-US" dirty="0"/>
+              <a:t>summary</a:t>
+            </a:r>
+            <a:r>
+              <a:rPr lang="he-IL" dirty="0"/>
+              <a:t> של מבנה הרשת ולהסביר מה יש בה. אפשר גם להסביר איך היא עובדת.</a:t>
+            </a:r>
           </a:p>
         </p:txBody>
       </p:sp>
@@ -3719,31 +3744,38 @@
           <a:bodyPr/>
           <a:lstStyle/>
           <a:p>
+            <a:pPr algn="r" rtl="1"/>
+            <a:r>
+              <a:rPr lang="he-IL" dirty="0"/>
+              <a:t>רועי</a:t>
+            </a:r>
+          </a:p>
+          <a:p>
             <a:pPr marL="0" indent="0" algn="r" rtl="1">
               <a:buFont typeface="Arial" panose="020B0604020202020204" pitchFamily="34" charset="0"/>
               <a:buNone/>
             </a:pPr>
             <a:r>
               <a:rPr lang="he-IL" dirty="0"/>
-              <a:t>רועי</a:t>
-            </a:r>
-          </a:p>
-          <a:p>
-            <a:pPr marL="171450" indent="-171450" algn="r" rtl="1">
+              <a:t>להסביר על זאת בעל התוצאות הטובות ביותר לעומק.</a:t>
+            </a:r>
+          </a:p>
+          <a:p>
+            <a:pPr marL="0" indent="0" algn="r" rtl="1">
               <a:buFont typeface="Arial" panose="020B0604020202020204" pitchFamily="34" charset="0"/>
-              <a:buChar char="•"/>
+              <a:buNone/>
             </a:pPr>
             <a:r>
               <a:rPr lang="he-IL" dirty="0"/>
-              <a:t>32</a:t>
+              <a:t>אפשר להציג </a:t>
             </a:r>
             <a:r>
               <a:rPr lang="en-US" dirty="0"/>
-              <a:t>X</a:t>
+              <a:t>summary</a:t>
             </a:r>
             <a:r>
               <a:rPr lang="he-IL" dirty="0"/>
-              <a:t>32 - ככל שיש יותר פילטרים כך אחוזי ההצלחה טובים יותר. זאת מכיוון שבעזרת יותר פילטרים ניתן לזהות יותר דפוסים.</a:t>
+              <a:t> של מבנה הרשת ולהסביר מה יש בה. אפשר גם להסביר איך היא עובדת.</a:t>
             </a:r>
           </a:p>
         </p:txBody>
@@ -3774,7 +3806,7 @@
     </p:spTree>
     <p:extLst>
       <p:ext uri="{BB962C8B-B14F-4D97-AF65-F5344CB8AC3E}">
-        <p14:creationId xmlns:p14="http://schemas.microsoft.com/office/powerpoint/2010/main" val="1337864348"/>
+        <p14:creationId xmlns:p14="http://schemas.microsoft.com/office/powerpoint/2010/main" val="94940130"/>
       </p:ext>
     </p:extLst>
   </p:cSld>
@@ -3834,7 +3866,7 @@
             </a:pPr>
             <a:r>
               <a:rPr lang="he-IL" dirty="0"/>
-              <a:t>תומר</a:t>
+              <a:t>רועי</a:t>
             </a:r>
           </a:p>
           <a:p>
@@ -3844,7 +3876,15 @@
             </a:pPr>
             <a:r>
               <a:rPr lang="he-IL" dirty="0"/>
-              <a:t>חשוב לציין שבמחקר לא פורסמו המודלים עצמם, אלא רק עקרונותיהם עליהם התבססנו – קווי הדמיון דומים אך סביר להניח שהמודלים עצמם שונים.</a:t>
+              <a:t>32</a:t>
+            </a:r>
+            <a:r>
+              <a:rPr lang="en-US" dirty="0"/>
+              <a:t>X</a:t>
+            </a:r>
+            <a:r>
+              <a:rPr lang="he-IL" dirty="0"/>
+              <a:t>32 - ככל שיש יותר פילטרים כך אחוזי ההצלחה טובים יותר. זאת מכיוון שבעזרת יותר פילטרים ניתן לזהות יותר דפוסים.</a:t>
             </a:r>
           </a:p>
         </p:txBody>
@@ -3875,7 +3915,7 @@
     </p:spTree>
     <p:extLst>
       <p:ext uri="{BB962C8B-B14F-4D97-AF65-F5344CB8AC3E}">
-        <p14:creationId xmlns:p14="http://schemas.microsoft.com/office/powerpoint/2010/main" val="875976548"/>
+        <p14:creationId xmlns:p14="http://schemas.microsoft.com/office/powerpoint/2010/main" val="1337864348"/>
       </p:ext>
     </p:extLst>
   </p:cSld>
@@ -3929,10 +3969,23 @@
           <a:bodyPr/>
           <a:lstStyle/>
           <a:p>
-            <a:pPr algn="r" rtl="1"/>
+            <a:pPr marL="0" indent="0" algn="r" rtl="1">
+              <a:buFont typeface="Arial" panose="020B0604020202020204" pitchFamily="34" charset="0"/>
+              <a:buNone/>
+            </a:pPr>
             <a:r>
               <a:rPr lang="he-IL" dirty="0"/>
-              <a:t>עדן</a:t>
+              <a:t>תומר</a:t>
+            </a:r>
+          </a:p>
+          <a:p>
+            <a:pPr marL="171450" indent="-171450" algn="r" rtl="1">
+              <a:buFont typeface="Arial" panose="020B0604020202020204" pitchFamily="34" charset="0"/>
+              <a:buChar char="•"/>
+            </a:pPr>
+            <a:r>
+              <a:rPr lang="he-IL" dirty="0"/>
+              <a:t>חשוב לציין שבמחקר לא פורסמו המודלים עצמם, אלא רק עקרונותיהם עליהם התבססנו – קווי הדמיון דומים אך סביר להניח שהמודלים עצמם שונים.</a:t>
             </a:r>
           </a:p>
         </p:txBody>
@@ -3963,7 +4016,7 @@
     </p:spTree>
     <p:extLst>
       <p:ext uri="{BB962C8B-B14F-4D97-AF65-F5344CB8AC3E}">
-        <p14:creationId xmlns:p14="http://schemas.microsoft.com/office/powerpoint/2010/main" val="519628529"/>
+        <p14:creationId xmlns:p14="http://schemas.microsoft.com/office/powerpoint/2010/main" val="875976548"/>
       </p:ext>
     </p:extLst>
   </p:cSld>
@@ -4020,7 +4073,37 @@
             <a:pPr algn="r" rtl="1"/>
             <a:r>
               <a:rPr lang="he-IL" dirty="0"/>
-              <a:t>תומר</a:t>
+              <a:t>עדן</a:t>
+            </a:r>
+          </a:p>
+          <a:p>
+            <a:pPr algn="r" rtl="1"/>
+            <a:r>
+              <a:rPr lang="he-IL" dirty="0"/>
+              <a:t>מדוע סיווג </a:t>
+            </a:r>
+            <a:r>
+              <a:rPr lang="en-US" dirty="0" err="1"/>
+              <a:t>AutorunK</a:t>
+            </a:r>
+            <a:r>
+              <a:rPr lang="en-US" dirty="0"/>
+              <a:t> &amp; </a:t>
+            </a:r>
+            <a:r>
+              <a:rPr lang="en-US" dirty="0" err="1"/>
+              <a:t>YunarA</a:t>
+            </a:r>
+            <a:r>
+              <a:rPr lang="he-IL" dirty="0"/>
+              <a:t> נפתר אצלנו: אין דרך קונקרטית לדעת, אבל ניתן לשאר שזה נפתר בעקבות השימוש ביותר פיצ'רים וביותר פילטרים עבור המודל.</a:t>
+            </a:r>
+          </a:p>
+          <a:p>
+            <a:pPr algn="r" rtl="1"/>
+            <a:r>
+              <a:rPr lang="he-IL" dirty="0"/>
+              <a:t>בנוסף, אנחנו לא יכולים לדעת למה אצל המחקר הבעיה לא נפתרה.</a:t>
             </a:r>
           </a:p>
         </p:txBody>
@@ -4051,7 +4134,7 @@
     </p:spTree>
     <p:extLst>
       <p:ext uri="{BB962C8B-B14F-4D97-AF65-F5344CB8AC3E}">
-        <p14:creationId xmlns:p14="http://schemas.microsoft.com/office/powerpoint/2010/main" val="822975417"/>
+        <p14:creationId xmlns:p14="http://schemas.microsoft.com/office/powerpoint/2010/main" val="519628529"/>
       </p:ext>
     </p:extLst>
   </p:cSld>
@@ -4105,7 +4188,11 @@
           <a:bodyPr/>
           <a:lstStyle/>
           <a:p>
-            <a:endParaRPr lang="he-IL" dirty="0"/>
+            <a:pPr algn="r" rtl="1"/>
+            <a:r>
+              <a:rPr lang="he-IL" dirty="0"/>
+              <a:t>תומר</a:t>
+            </a:r>
           </a:p>
         </p:txBody>
       </p:sp>
@@ -4127,6 +4214,178 @@
             <a:fld id="{2C84AF58-CE63-4B5A-9F11-A1F672E0EB8C}" type="slidenum">
               <a:rPr lang="he-IL" smtClean="0"/>
               <a:t>17</a:t>
+            </a:fld>
+            <a:endParaRPr lang="he-IL"/>
+          </a:p>
+        </p:txBody>
+      </p:sp>
+    </p:spTree>
+    <p:extLst>
+      <p:ext uri="{BB962C8B-B14F-4D97-AF65-F5344CB8AC3E}">
+        <p14:creationId xmlns:p14="http://schemas.microsoft.com/office/powerpoint/2010/main" val="822975417"/>
+      </p:ext>
+    </p:extLst>
+  </p:cSld>
+  <p:clrMapOvr>
+    <a:masterClrMapping/>
+  </p:clrMapOvr>
+</p:notes>
+</file>
+
+<file path=ppt/notesSlides/notesSlide18.xml><?xml version="1.0" encoding="utf-8"?>
+<p:notes xmlns:a="http://schemas.openxmlformats.org/drawingml/2006/main" xmlns:r="http://schemas.openxmlformats.org/officeDocument/2006/relationships" xmlns:p="http://schemas.openxmlformats.org/presentationml/2006/main">
+  <p:cSld>
+    <p:spTree>
+      <p:nvGrpSpPr>
+        <p:cNvPr id="1" name=""/>
+        <p:cNvGrpSpPr/>
+        <p:nvPr/>
+      </p:nvGrpSpPr>
+      <p:grpSpPr>
+        <a:xfrm>
+          <a:off x="0" y="0"/>
+          <a:ext cx="0" cy="0"/>
+          <a:chOff x="0" y="0"/>
+          <a:chExt cx="0" cy="0"/>
+        </a:xfrm>
+      </p:grpSpPr>
+      <p:sp>
+        <p:nvSpPr>
+          <p:cNvPr id="2" name="Slide Image Placeholder 1"/>
+          <p:cNvSpPr>
+            <a:spLocks noGrp="1" noRot="1" noChangeAspect="1"/>
+          </p:cNvSpPr>
+          <p:nvPr>
+            <p:ph type="sldImg"/>
+          </p:nvPr>
+        </p:nvSpPr>
+        <p:spPr/>
+      </p:sp>
+      <p:sp>
+        <p:nvSpPr>
+          <p:cNvPr id="3" name="Notes Placeholder 2"/>
+          <p:cNvSpPr>
+            <a:spLocks noGrp="1"/>
+          </p:cNvSpPr>
+          <p:nvPr>
+            <p:ph type="body" idx="1"/>
+          </p:nvPr>
+        </p:nvSpPr>
+        <p:spPr/>
+        <p:txBody>
+          <a:bodyPr/>
+          <a:lstStyle/>
+          <a:p>
+            <a:pPr algn="r" rtl="1"/>
+            <a:r>
+              <a:rPr lang="he-IL" dirty="0"/>
+              <a:t>תומר</a:t>
+            </a:r>
+          </a:p>
+        </p:txBody>
+      </p:sp>
+      <p:sp>
+        <p:nvSpPr>
+          <p:cNvPr id="4" name="Slide Number Placeholder 3"/>
+          <p:cNvSpPr>
+            <a:spLocks noGrp="1"/>
+          </p:cNvSpPr>
+          <p:nvPr>
+            <p:ph type="sldNum" sz="quarter" idx="5"/>
+          </p:nvPr>
+        </p:nvSpPr>
+        <p:spPr/>
+        <p:txBody>
+          <a:bodyPr/>
+          <a:lstStyle/>
+          <a:p>
+            <a:fld id="{2C84AF58-CE63-4B5A-9F11-A1F672E0EB8C}" type="slidenum">
+              <a:rPr lang="he-IL" smtClean="0"/>
+              <a:t>18</a:t>
+            </a:fld>
+            <a:endParaRPr lang="he-IL"/>
+          </a:p>
+        </p:txBody>
+      </p:sp>
+    </p:spTree>
+    <p:extLst>
+      <p:ext uri="{BB962C8B-B14F-4D97-AF65-F5344CB8AC3E}">
+        <p14:creationId xmlns:p14="http://schemas.microsoft.com/office/powerpoint/2010/main" val="934851282"/>
+      </p:ext>
+    </p:extLst>
+  </p:cSld>
+  <p:clrMapOvr>
+    <a:masterClrMapping/>
+  </p:clrMapOvr>
+</p:notes>
+</file>
+
+<file path=ppt/notesSlides/notesSlide19.xml><?xml version="1.0" encoding="utf-8"?>
+<p:notes xmlns:a="http://schemas.openxmlformats.org/drawingml/2006/main" xmlns:r="http://schemas.openxmlformats.org/officeDocument/2006/relationships" xmlns:p="http://schemas.openxmlformats.org/presentationml/2006/main">
+  <p:cSld>
+    <p:spTree>
+      <p:nvGrpSpPr>
+        <p:cNvPr id="1" name=""/>
+        <p:cNvGrpSpPr/>
+        <p:nvPr/>
+      </p:nvGrpSpPr>
+      <p:grpSpPr>
+        <a:xfrm>
+          <a:off x="0" y="0"/>
+          <a:ext cx="0" cy="0"/>
+          <a:chOff x="0" y="0"/>
+          <a:chExt cx="0" cy="0"/>
+        </a:xfrm>
+      </p:grpSpPr>
+      <p:sp>
+        <p:nvSpPr>
+          <p:cNvPr id="2" name="Slide Image Placeholder 1"/>
+          <p:cNvSpPr>
+            <a:spLocks noGrp="1" noRot="1" noChangeAspect="1"/>
+          </p:cNvSpPr>
+          <p:nvPr>
+            <p:ph type="sldImg"/>
+          </p:nvPr>
+        </p:nvSpPr>
+        <p:spPr/>
+      </p:sp>
+      <p:sp>
+        <p:nvSpPr>
+          <p:cNvPr id="3" name="Notes Placeholder 2"/>
+          <p:cNvSpPr>
+            <a:spLocks noGrp="1"/>
+          </p:cNvSpPr>
+          <p:nvPr>
+            <p:ph type="body" idx="1"/>
+          </p:nvPr>
+        </p:nvSpPr>
+        <p:spPr/>
+        <p:txBody>
+          <a:bodyPr/>
+          <a:lstStyle/>
+          <a:p>
+            <a:endParaRPr lang="he-IL" dirty="0"/>
+          </a:p>
+        </p:txBody>
+      </p:sp>
+      <p:sp>
+        <p:nvSpPr>
+          <p:cNvPr id="4" name="Slide Number Placeholder 3"/>
+          <p:cNvSpPr>
+            <a:spLocks noGrp="1"/>
+          </p:cNvSpPr>
+          <p:nvPr>
+            <p:ph type="sldNum" sz="quarter" idx="5"/>
+          </p:nvPr>
+        </p:nvSpPr>
+        <p:spPr/>
+        <p:txBody>
+          <a:bodyPr/>
+          <a:lstStyle/>
+          <a:p>
+            <a:fld id="{2C84AF58-CE63-4B5A-9F11-A1F672E0EB8C}" type="slidenum">
+              <a:rPr lang="he-IL" smtClean="0"/>
+              <a:t>19</a:t>
             </a:fld>
             <a:endParaRPr lang="he-IL"/>
           </a:p>
@@ -4228,6 +4487,90 @@
               <a:t>	</a:t>
             </a:r>
           </a:p>
+          <a:p>
+            <a:pPr algn="r" rtl="1"/>
+            <a:r>
+              <a:rPr lang="he-IL" sz="1800" b="1" i="0" u="none" strike="noStrike" dirty="0">
+                <a:solidFill>
+                  <a:srgbClr val="000000"/>
+                </a:solidFill>
+                <a:effectLst/>
+                <a:latin typeface="Arial" panose="020B0604020202020204" pitchFamily="34" charset="0"/>
+              </a:rPr>
+              <a:t>המרה של </a:t>
+            </a:r>
+            <a:r>
+              <a:rPr lang="en-US" sz="1800" b="1" i="0" u="none" strike="noStrike" dirty="0">
+                <a:solidFill>
+                  <a:srgbClr val="000000"/>
+                </a:solidFill>
+                <a:effectLst/>
+                <a:latin typeface="Arial" panose="020B0604020202020204" pitchFamily="34" charset="0"/>
+              </a:rPr>
+              <a:t> EXE </a:t>
+            </a:r>
+            <a:r>
+              <a:rPr lang="he-IL" sz="1800" b="1" i="0" u="none" strike="noStrike" dirty="0">
+                <a:solidFill>
+                  <a:srgbClr val="000000"/>
+                </a:solidFill>
+                <a:effectLst/>
+                <a:latin typeface="Arial" panose="020B0604020202020204" pitchFamily="34" charset="0"/>
+              </a:rPr>
+              <a:t>לתמונה:</a:t>
+            </a:r>
+            <a:r>
+              <a:rPr lang="he-IL" sz="1800" b="0" i="0" u="none" strike="noStrike" dirty="0">
+                <a:solidFill>
+                  <a:srgbClr val="000000"/>
+                </a:solidFill>
+                <a:effectLst/>
+                <a:latin typeface="Arial" panose="020B0604020202020204" pitchFamily="34" charset="0"/>
+              </a:rPr>
+              <a:t> בגדול, תהליך פשוט ← לוקחים את קובץ ההרצה/</a:t>
+            </a:r>
+            <a:r>
+              <a:rPr lang="en-US" sz="1800" b="0" i="0" u="none" strike="noStrike" dirty="0">
+                <a:solidFill>
+                  <a:srgbClr val="000000"/>
+                </a:solidFill>
+                <a:effectLst/>
+                <a:latin typeface="Arial" panose="020B0604020202020204" pitchFamily="34" charset="0"/>
+              </a:rPr>
+              <a:t>EXE </a:t>
+            </a:r>
+            <a:r>
+              <a:rPr lang="he-IL" sz="1800" b="0" i="0" u="none" strike="noStrike" dirty="0">
+                <a:solidFill>
+                  <a:srgbClr val="000000"/>
+                </a:solidFill>
+                <a:effectLst/>
+                <a:latin typeface="Arial" panose="020B0604020202020204" pitchFamily="34" charset="0"/>
+              </a:rPr>
+              <a:t>ופשוט ממירים כל </a:t>
+            </a:r>
+            <a:r>
+              <a:rPr lang="en-US" sz="1800" b="0" i="0" u="none" strike="noStrike" dirty="0">
+                <a:solidFill>
+                  <a:srgbClr val="000000"/>
+                </a:solidFill>
+                <a:effectLst/>
+                <a:latin typeface="Arial" panose="020B0604020202020204" pitchFamily="34" charset="0"/>
+              </a:rPr>
+              <a:t>byte </a:t>
+            </a:r>
+            <a:r>
+              <a:rPr lang="he-IL" sz="1800" b="0" i="0" u="none" strike="noStrike" dirty="0">
+                <a:solidFill>
+                  <a:srgbClr val="000000"/>
+                </a:solidFill>
+                <a:effectLst/>
+                <a:latin typeface="Arial" panose="020B0604020202020204" pitchFamily="34" charset="0"/>
+              </a:rPr>
+              <a:t>בקובץ לכדי מספר בין 0 ל-255. בסופו של דבר קיבלנו מערך חד מימדי של פיקסלים ומה שנותר לעשות  זה להפוך אותו למערך דו-ממדי שיהווה את התמונה. אין איזו שיטה מוגדרת להמרה למערך דו מימדי.</a:t>
+            </a:r>
+            <a:endParaRPr lang="he-IL" dirty="0"/>
+          </a:p>
         </p:txBody>
       </p:sp>
       <p:sp>
@@ -4313,7 +4656,7 @@
             <a:pPr algn="r" rtl="1"/>
             <a:r>
               <a:rPr lang="he-IL" dirty="0"/>
-              <a:t>רועי</a:t>
+              <a:t>תומר</a:t>
             </a:r>
           </a:p>
           <a:p>
@@ -4348,7 +4691,7 @@
     </p:spTree>
     <p:extLst>
       <p:ext uri="{BB962C8B-B14F-4D97-AF65-F5344CB8AC3E}">
-        <p14:creationId xmlns:p14="http://schemas.microsoft.com/office/powerpoint/2010/main" val="1730271169"/>
+        <p14:creationId xmlns:p14="http://schemas.microsoft.com/office/powerpoint/2010/main" val="73874383"/>
       </p:ext>
     </p:extLst>
   </p:cSld>
@@ -4408,6 +4751,21 @@
               <a:t>רועי</a:t>
             </a:r>
           </a:p>
+          <a:p>
+            <a:pPr algn="r" rtl="1"/>
+            <a:r>
+              <a:rPr lang="he-IL" dirty="0"/>
+              <a:t>יש לציין בקצרה על </a:t>
+            </a:r>
+            <a:r>
+              <a:rPr lang="en-US" dirty="0"/>
+              <a:t>CNN</a:t>
+            </a:r>
+            <a:r>
+              <a:rPr lang="he-IL" dirty="0"/>
+              <a:t> ולהגיד שתכף נרחיב על כך.</a:t>
+            </a:r>
+          </a:p>
         </p:txBody>
       </p:sp>
       <p:sp>
@@ -4436,7 +4794,7 @@
     </p:spTree>
     <p:extLst>
       <p:ext uri="{BB962C8B-B14F-4D97-AF65-F5344CB8AC3E}">
-        <p14:creationId xmlns:p14="http://schemas.microsoft.com/office/powerpoint/2010/main" val="1901815247"/>
+        <p14:creationId xmlns:p14="http://schemas.microsoft.com/office/powerpoint/2010/main" val="1730271169"/>
       </p:ext>
     </p:extLst>
   </p:cSld>
@@ -4493,14 +4851,84 @@
             <a:pPr algn="r" rtl="1"/>
             <a:r>
               <a:rPr lang="he-IL" dirty="0"/>
-              <a:t>תומר</a:t>
+              <a:t>רועי</a:t>
             </a:r>
           </a:p>
           <a:p>
             <a:pPr algn="r" rtl="1"/>
             <a:r>
               <a:rPr lang="he-IL" dirty="0"/>
-              <a:t>הבדלים בין עמוקה למכונה – עמוקה מתבססת על רשתות עצביות מלאכותיות ולמידת מאפיינים (האדם לא מספק למודל את המאפיינים הרלוונטיים, המודל מסיק אותם לבד).</a:t>
+              <a:t>חשוב שנדע שלמידה מונחית מתעסקת בנתינת </a:t>
+            </a:r>
+            <a:r>
+              <a:rPr lang="he-IL" dirty="0" err="1"/>
+              <a:t>לייבלים</a:t>
+            </a:r>
+            <a:r>
+              <a:rPr lang="he-IL" dirty="0"/>
+              <a:t> לכל אחד מהמשפחות שלנו (המהוות </a:t>
+            </a:r>
+            <a:r>
+              <a:rPr lang="he-IL" dirty="0" err="1"/>
+              <a:t>קלאסים</a:t>
+            </a:r>
+            <a:r>
+              <a:rPr lang="he-IL" dirty="0"/>
+              <a:t>).</a:t>
+            </a:r>
+          </a:p>
+          <a:p>
+            <a:pPr algn="r" rtl="1"/>
+            <a:r>
+              <a:rPr lang="he-IL" dirty="0"/>
+              <a:t>בגדול:</a:t>
+            </a:r>
+          </a:p>
+          <a:p>
+            <a:pPr marL="171450" indent="-171450" algn="r" rtl="1">
+              <a:buFontTx/>
+              <a:buChar char="-"/>
+            </a:pPr>
+            <a:r>
+              <a:rPr lang="he-IL" dirty="0"/>
+              <a:t>מתייגים כל אחת מהתמונות למשפחה הנכונה שלה.</a:t>
+            </a:r>
+          </a:p>
+          <a:p>
+            <a:pPr marL="171450" indent="-171450" algn="r" rtl="1">
+              <a:buFontTx/>
+              <a:buChar char="-"/>
+            </a:pPr>
+            <a:r>
+              <a:rPr lang="he-IL" dirty="0"/>
+              <a:t>מכניסים תמונה למודל ומקבלים פלט -&gt; הסתברות להיות במשפחה מסוימת.</a:t>
+            </a:r>
+          </a:p>
+          <a:p>
+            <a:pPr marL="171450" indent="-171450" algn="r" rtl="1">
+              <a:buFontTx/>
+              <a:buChar char="-"/>
+            </a:pPr>
+            <a:r>
+              <a:rPr lang="he-IL" dirty="0"/>
+              <a:t>משווים את האחוזים אל מול התיוג האמיתי שבוצע קודם לכן וכך מסיקים אם תמונה סווגה נכון.</a:t>
+            </a:r>
+          </a:p>
+          <a:p>
+            <a:pPr marL="0" indent="0" algn="r" rtl="1">
+              <a:buFontTx/>
+              <a:buNone/>
+            </a:pPr>
+            <a:endParaRPr lang="he-IL" dirty="0"/>
+          </a:p>
+          <a:p>
+            <a:pPr marL="0" indent="0" algn="r" rtl="1">
+              <a:buFontTx/>
+              <a:buNone/>
+            </a:pPr>
+            <a:r>
+              <a:rPr lang="he-IL" dirty="0"/>
+              <a:t>לדעת: הבדלים כלליים בין המודלים הפשוטים.</a:t>
             </a:r>
           </a:p>
         </p:txBody>
@@ -4531,7 +4959,7 @@
     </p:spTree>
     <p:extLst>
       <p:ext uri="{BB962C8B-B14F-4D97-AF65-F5344CB8AC3E}">
-        <p14:creationId xmlns:p14="http://schemas.microsoft.com/office/powerpoint/2010/main" val="1857080538"/>
+        <p14:creationId xmlns:p14="http://schemas.microsoft.com/office/powerpoint/2010/main" val="1901815247"/>
       </p:ext>
     </p:extLst>
   </p:cSld>
@@ -4585,43 +5013,17 @@
           <a:bodyPr/>
           <a:lstStyle/>
           <a:p>
-            <a:pPr marL="0" indent="0" algn="r" rtl="1">
-              <a:buFont typeface="Arial" panose="020B0604020202020204" pitchFamily="34" charset="0"/>
-              <a:buNone/>
-            </a:pPr>
+            <a:pPr algn="r" rtl="1"/>
             <a:r>
               <a:rPr lang="he-IL" dirty="0"/>
               <a:t>תומר</a:t>
             </a:r>
           </a:p>
           <a:p>
-            <a:pPr marL="171450" indent="-171450" algn="r" rtl="1">
-              <a:buFont typeface="Arial" panose="020B0604020202020204" pitchFamily="34" charset="0"/>
-              <a:buChar char="•"/>
-            </a:pPr>
+            <a:pPr algn="r" rtl="1"/>
             <a:r>
               <a:rPr lang="he-IL" dirty="0"/>
-              <a:t>פילטר – לחדד שככל שיש יותר פילטרים ניתן לזהות יותר דפוסים בתמונה. </a:t>
-            </a:r>
-          </a:p>
-          <a:p>
-            <a:pPr marL="171450" indent="-171450" algn="r" rtl="1">
-              <a:buFont typeface="Arial" panose="020B0604020202020204" pitchFamily="34" charset="0"/>
-              <a:buChar char="•"/>
-            </a:pPr>
-            <a:r>
-              <a:rPr lang="he-IL" dirty="0"/>
-              <a:t>גודל פילטר – מאפשר לזהות דפוסים בגדלים שונים.</a:t>
-            </a:r>
-          </a:p>
-          <a:p>
-            <a:pPr marL="0" indent="0" algn="r" rtl="1">
-              <a:buFont typeface="Arial" panose="020B0604020202020204" pitchFamily="34" charset="0"/>
-              <a:buNone/>
-            </a:pPr>
-            <a:r>
-              <a:rPr lang="he-IL" dirty="0"/>
-              <a:t>בהמשך נראה איך זה בא לידי ביטוי בתוצאות.</a:t>
+              <a:t>הבדלים בין עמוקה למכונה – עמוקה מתבססת על רשתות עצביות מלאכותיות ולמידת מאפיינים (האדם לא מספק למודל את המאפיינים הרלוונטיים, המודל מסיק אותם לבד).</a:t>
             </a:r>
           </a:p>
         </p:txBody>
@@ -4652,7 +5054,7 @@
     </p:spTree>
     <p:extLst>
       <p:ext uri="{BB962C8B-B14F-4D97-AF65-F5344CB8AC3E}">
-        <p14:creationId xmlns:p14="http://schemas.microsoft.com/office/powerpoint/2010/main" val="3789857399"/>
+        <p14:creationId xmlns:p14="http://schemas.microsoft.com/office/powerpoint/2010/main" val="1857080538"/>
       </p:ext>
     </p:extLst>
   </p:cSld>
@@ -4706,10 +5108,43 @@
           <a:bodyPr/>
           <a:lstStyle/>
           <a:p>
-            <a:pPr algn="r" rtl="1"/>
+            <a:pPr marL="0" indent="0" algn="r" rtl="1">
+              <a:buFont typeface="Arial" panose="020B0604020202020204" pitchFamily="34" charset="0"/>
+              <a:buNone/>
+            </a:pPr>
             <a:r>
               <a:rPr lang="he-IL" dirty="0"/>
-              <a:t>עדן</a:t>
+              <a:t>תומר</a:t>
+            </a:r>
+          </a:p>
+          <a:p>
+            <a:pPr marL="171450" indent="-171450" algn="r" rtl="1">
+              <a:buFont typeface="Arial" panose="020B0604020202020204" pitchFamily="34" charset="0"/>
+              <a:buChar char="•"/>
+            </a:pPr>
+            <a:r>
+              <a:rPr lang="he-IL" dirty="0"/>
+              <a:t>פילטר – לחדד שככל שיש יותר פילטרים ניתן לזהות יותר דפוסים בתמונה. </a:t>
+            </a:r>
+          </a:p>
+          <a:p>
+            <a:pPr marL="171450" indent="-171450" algn="r" rtl="1">
+              <a:buFont typeface="Arial" panose="020B0604020202020204" pitchFamily="34" charset="0"/>
+              <a:buChar char="•"/>
+            </a:pPr>
+            <a:r>
+              <a:rPr lang="he-IL" dirty="0"/>
+              <a:t>גודל פילטר – מאפשר לזהות דפוסים בגדלים שונים.</a:t>
+            </a:r>
+          </a:p>
+          <a:p>
+            <a:pPr marL="0" indent="0" algn="r" rtl="1">
+              <a:buFont typeface="Arial" panose="020B0604020202020204" pitchFamily="34" charset="0"/>
+              <a:buNone/>
+            </a:pPr>
+            <a:r>
+              <a:rPr lang="he-IL" dirty="0"/>
+              <a:t>בהמשך נראה איך זה בא לידי ביטוי בתוצאות.</a:t>
             </a:r>
           </a:p>
         </p:txBody>
@@ -4740,7 +5175,7 @@
     </p:spTree>
     <p:extLst>
       <p:ext uri="{BB962C8B-B14F-4D97-AF65-F5344CB8AC3E}">
-        <p14:creationId xmlns:p14="http://schemas.microsoft.com/office/powerpoint/2010/main" val="2733752479"/>
+        <p14:creationId xmlns:p14="http://schemas.microsoft.com/office/powerpoint/2010/main" val="3789857399"/>
       </p:ext>
     </p:extLst>
   </p:cSld>
@@ -4800,6 +5235,36 @@
               <a:t>עדן</a:t>
             </a:r>
           </a:p>
+          <a:p>
+            <a:pPr algn="r" rtl="1"/>
+            <a:r>
+              <a:rPr lang="he-IL" dirty="0"/>
+              <a:t>לפרט יותר על הדאטה סט – על החלוקה לגדלים ולמה עשינו זאת, שעשינו </a:t>
+            </a:r>
+            <a:r>
+              <a:rPr lang="en-US" dirty="0"/>
+              <a:t>RESIZE</a:t>
+            </a:r>
+            <a:r>
+              <a:rPr lang="he-IL" dirty="0"/>
+              <a:t> ולהסביר בקצרה מה זה. להסביר מה זה מיפוי תמונות ולמה עשינו זאת.</a:t>
+            </a:r>
+          </a:p>
+          <a:p>
+            <a:pPr algn="r" rtl="1"/>
+            <a:r>
+              <a:rPr lang="en-US" b="1" dirty="0"/>
+              <a:t>Resize</a:t>
+            </a:r>
+            <a:r>
+              <a:rPr lang="he-IL" b="1" dirty="0"/>
+              <a:t>:</a:t>
+            </a:r>
+            <a:r>
+              <a:rPr lang="he-IL" dirty="0"/>
+              <a:t> היכולת שנות את גודלה של התמונה מבלי לאבד/לחתוך חלק מהמידע שקיים בה.</a:t>
+            </a:r>
+          </a:p>
         </p:txBody>
       </p:sp>
       <p:sp>
@@ -4828,7 +5293,7 @@
     </p:spTree>
     <p:extLst>
       <p:ext uri="{BB962C8B-B14F-4D97-AF65-F5344CB8AC3E}">
-        <p14:creationId xmlns:p14="http://schemas.microsoft.com/office/powerpoint/2010/main" val="367598320"/>
+        <p14:creationId xmlns:p14="http://schemas.microsoft.com/office/powerpoint/2010/main" val="2733752479"/>
       </p:ext>
     </p:extLst>
   </p:cSld>
@@ -4888,6 +5353,42 @@
               <a:t>עדן</a:t>
             </a:r>
           </a:p>
+          <a:p>
+            <a:pPr algn="r" rtl="1"/>
+            <a:r>
+              <a:rPr lang="he-IL" dirty="0"/>
+              <a:t>המודלים הפשוטים מהווים נקודות יחוס עבורנו.</a:t>
+            </a:r>
+          </a:p>
+          <a:p>
+            <a:pPr algn="r" rtl="1"/>
+            <a:r>
+              <a:rPr lang="he-IL" dirty="0"/>
+              <a:t>לדעת בכלליות מה ההבדלים ביניהם לבין האחרים.</a:t>
+            </a:r>
+          </a:p>
+          <a:p>
+            <a:pPr algn="r" rtl="1"/>
+            <a:r>
+              <a:rPr lang="he-IL" dirty="0"/>
+              <a:t>להדגיש שבדיקת הנתונים מתבצעת על סדרת המבחן – בודקים נתונים שהמודלים לא ראו קודם לכן.</a:t>
+            </a:r>
+          </a:p>
+          <a:p>
+            <a:pPr algn="r" rtl="1"/>
+            <a:r>
+              <a:rPr lang="he-IL" dirty="0"/>
+              <a:t>לדעת שמבחינתנו תוצאה מהווה </a:t>
+            </a:r>
+            <a:r>
+              <a:rPr lang="he-IL" b="1" dirty="0"/>
+              <a:t>דיוק</a:t>
+            </a:r>
+            <a:r>
+              <a:rPr lang="he-IL" dirty="0"/>
+              <a:t> המודל.</a:t>
+            </a:r>
+          </a:p>
         </p:txBody>
       </p:sp>
       <p:sp>
@@ -4916,7 +5417,7 @@
     </p:spTree>
     <p:extLst>
       <p:ext uri="{BB962C8B-B14F-4D97-AF65-F5344CB8AC3E}">
-        <p14:creationId xmlns:p14="http://schemas.microsoft.com/office/powerpoint/2010/main" val="977591555"/>
+        <p14:creationId xmlns:p14="http://schemas.microsoft.com/office/powerpoint/2010/main" val="367598320"/>
       </p:ext>
     </p:extLst>
   </p:cSld>
@@ -5648,7 +6149,7 @@
           <a:p>
             <a:fld id="{50951492-DE4F-4CD9-A31F-3E1DD746501E}" type="datetimeFigureOut">
               <a:rPr lang="he-IL" smtClean="0"/>
-              <a:t>כ"ח/תשרי/תשפ"ג</a:t>
+              <a:t>ל'/תשרי/תשפ"ג</a:t>
             </a:fld>
             <a:endParaRPr lang="he-IL"/>
           </a:p>
@@ -5899,7 +6400,7 @@
           <a:p>
             <a:fld id="{50951492-DE4F-4CD9-A31F-3E1DD746501E}" type="datetimeFigureOut">
               <a:rPr lang="he-IL" smtClean="0"/>
-              <a:t>כ"ח/תשרי/תשפ"ג</a:t>
+              <a:t>ל'/תשרי/תשפ"ג</a:t>
             </a:fld>
             <a:endParaRPr lang="he-IL"/>
           </a:p>
@@ -6213,7 +6714,7 @@
           <a:p>
             <a:fld id="{50951492-DE4F-4CD9-A31F-3E1DD746501E}" type="datetimeFigureOut">
               <a:rPr lang="he-IL" smtClean="0"/>
-              <a:t>כ"ח/תשרי/תשפ"ג</a:t>
+              <a:t>ל'/תשרי/תשפ"ג</a:t>
             </a:fld>
             <a:endParaRPr lang="he-IL"/>
           </a:p>
@@ -6554,7 +7055,7 @@
           <a:p>
             <a:fld id="{50951492-DE4F-4CD9-A31F-3E1DD746501E}" type="datetimeFigureOut">
               <a:rPr lang="he-IL" smtClean="0"/>
-              <a:t>כ"ח/תשרי/תשפ"ג</a:t>
+              <a:t>ל'/תשרי/תשפ"ג</a:t>
             </a:fld>
             <a:endParaRPr lang="he-IL"/>
           </a:p>
@@ -6868,7 +7369,7 @@
           <a:p>
             <a:fld id="{50951492-DE4F-4CD9-A31F-3E1DD746501E}" type="datetimeFigureOut">
               <a:rPr lang="he-IL" smtClean="0"/>
-              <a:t>כ"ח/תשרי/תשפ"ג</a:t>
+              <a:t>ל'/תשרי/תשפ"ג</a:t>
             </a:fld>
             <a:endParaRPr lang="he-IL"/>
           </a:p>
@@ -7261,7 +7762,7 @@
           <a:p>
             <a:fld id="{50951492-DE4F-4CD9-A31F-3E1DD746501E}" type="datetimeFigureOut">
               <a:rPr lang="he-IL" smtClean="0"/>
-              <a:t>כ"ח/תשרי/תשפ"ג</a:t>
+              <a:t>ל'/תשרי/תשפ"ג</a:t>
             </a:fld>
             <a:endParaRPr lang="he-IL"/>
           </a:p>
@@ -7431,7 +7932,7 @@
           <a:p>
             <a:fld id="{50951492-DE4F-4CD9-A31F-3E1DD746501E}" type="datetimeFigureOut">
               <a:rPr lang="he-IL" smtClean="0"/>
-              <a:t>כ"ח/תשרי/תשפ"ג</a:t>
+              <a:t>ל'/תשרי/תשפ"ג</a:t>
             </a:fld>
             <a:endParaRPr lang="he-IL"/>
           </a:p>
@@ -7611,7 +8112,7 @@
           <a:p>
             <a:fld id="{50951492-DE4F-4CD9-A31F-3E1DD746501E}" type="datetimeFigureOut">
               <a:rPr lang="he-IL" smtClean="0"/>
-              <a:t>כ"ח/תשרי/תשפ"ג</a:t>
+              <a:t>ל'/תשרי/תשפ"ג</a:t>
             </a:fld>
             <a:endParaRPr lang="he-IL"/>
           </a:p>
@@ -7787,7 +8288,7 @@
           <a:p>
             <a:fld id="{50951492-DE4F-4CD9-A31F-3E1DD746501E}" type="datetimeFigureOut">
               <a:rPr lang="he-IL" smtClean="0"/>
-              <a:t>כ"ח/תשרי/תשפ"ג</a:t>
+              <a:t>ל'/תשרי/תשפ"ג</a:t>
             </a:fld>
             <a:endParaRPr lang="he-IL"/>
           </a:p>
@@ -8034,7 +8535,7 @@
           <a:p>
             <a:fld id="{50951492-DE4F-4CD9-A31F-3E1DD746501E}" type="datetimeFigureOut">
               <a:rPr lang="he-IL" smtClean="0"/>
-              <a:t>כ"ח/תשרי/תשפ"ג</a:t>
+              <a:t>ל'/תשרי/תשפ"ג</a:t>
             </a:fld>
             <a:endParaRPr lang="he-IL"/>
           </a:p>
@@ -8266,7 +8767,7 @@
           <a:p>
             <a:fld id="{50951492-DE4F-4CD9-A31F-3E1DD746501E}" type="datetimeFigureOut">
               <a:rPr lang="he-IL" smtClean="0"/>
-              <a:t>כ"ח/תשרי/תשפ"ג</a:t>
+              <a:t>ל'/תשרי/תשפ"ג</a:t>
             </a:fld>
             <a:endParaRPr lang="he-IL"/>
           </a:p>
@@ -8640,7 +9141,7 @@
           <a:p>
             <a:fld id="{50951492-DE4F-4CD9-A31F-3E1DD746501E}" type="datetimeFigureOut">
               <a:rPr lang="he-IL" smtClean="0"/>
-              <a:t>כ"ח/תשרי/תשפ"ג</a:t>
+              <a:t>ל'/תשרי/תשפ"ג</a:t>
             </a:fld>
             <a:endParaRPr lang="he-IL"/>
           </a:p>
@@ -8763,7 +9264,7 @@
           <a:p>
             <a:fld id="{50951492-DE4F-4CD9-A31F-3E1DD746501E}" type="datetimeFigureOut">
               <a:rPr lang="he-IL" smtClean="0"/>
-              <a:t>כ"ח/תשרי/תשפ"ג</a:t>
+              <a:t>ל'/תשרי/תשפ"ג</a:t>
             </a:fld>
             <a:endParaRPr lang="he-IL"/>
           </a:p>
@@ -8858,7 +9359,7 @@
           <a:p>
             <a:fld id="{50951492-DE4F-4CD9-A31F-3E1DD746501E}" type="datetimeFigureOut">
               <a:rPr lang="he-IL" smtClean="0"/>
-              <a:t>כ"ח/תשרי/תשפ"ג</a:t>
+              <a:t>ל'/תשרי/תשפ"ג</a:t>
             </a:fld>
             <a:endParaRPr lang="he-IL"/>
           </a:p>
@@ -9113,7 +9614,7 @@
           <a:p>
             <a:fld id="{50951492-DE4F-4CD9-A31F-3E1DD746501E}" type="datetimeFigureOut">
               <a:rPr lang="he-IL" smtClean="0"/>
-              <a:t>כ"ח/תשרי/תשפ"ג</a:t>
+              <a:t>ל'/תשרי/תשפ"ג</a:t>
             </a:fld>
             <a:endParaRPr lang="he-IL"/>
           </a:p>
@@ -9376,7 +9877,7 @@
           <a:p>
             <a:fld id="{50951492-DE4F-4CD9-A31F-3E1DD746501E}" type="datetimeFigureOut">
               <a:rPr lang="he-IL" smtClean="0"/>
-              <a:t>כ"ח/תשרי/תשפ"ג</a:t>
+              <a:t>ל'/תשרי/תשפ"ג</a:t>
             </a:fld>
             <a:endParaRPr lang="he-IL"/>
           </a:p>
@@ -10119,7 +10620,7 @@
           <a:p>
             <a:fld id="{50951492-DE4F-4CD9-A31F-3E1DD746501E}" type="datetimeFigureOut">
               <a:rPr lang="he-IL" smtClean="0"/>
-              <a:t>כ"ח/תשרי/תשפ"ג</a:t>
+              <a:t>ל'/תשרי/תשפ"ג</a:t>
             </a:fld>
             <a:endParaRPr lang="he-IL"/>
           </a:p>
@@ -10700,6 +11201,56 @@
           </a:p>
         </p:txBody>
       </p:sp>
+      <p:sp>
+        <p:nvSpPr>
+          <p:cNvPr id="2" name="TextBox 1">
+            <a:extLst>
+              <a:ext uri="{FF2B5EF4-FFF2-40B4-BE49-F238E27FC236}">
+                <a16:creationId xmlns:a16="http://schemas.microsoft.com/office/drawing/2014/main" id="{1FA1888D-F152-6202-3B8D-0EA6D1D9ED2C}"/>
+              </a:ext>
+            </a:extLst>
+          </p:cNvPr>
+          <p:cNvSpPr txBox="1"/>
+          <p:nvPr/>
+        </p:nvSpPr>
+        <p:spPr>
+          <a:xfrm>
+            <a:off x="-322366" y="5605840"/>
+            <a:ext cx="2975116" cy="1200329"/>
+          </a:xfrm>
+          <a:prstGeom prst="rect">
+            <a:avLst/>
+          </a:prstGeom>
+          <a:noFill/>
+        </p:spPr>
+        <p:txBody>
+          <a:bodyPr wrap="square" rtlCol="1">
+            <a:spAutoFit/>
+          </a:bodyPr>
+          <a:lstStyle/>
+          <a:p>
+            <a:pPr lvl="1" algn="r" rtl="1"/>
+            <a:r>
+              <a:rPr lang="he-IL" sz="2400" dirty="0"/>
+              <a:t>עדן אביטן</a:t>
+            </a:r>
+          </a:p>
+          <a:p>
+            <a:pPr lvl="1" algn="r" rtl="1"/>
+            <a:r>
+              <a:rPr lang="he-IL" sz="2400" dirty="0"/>
+              <a:t>רועי אספורטס</a:t>
+            </a:r>
+          </a:p>
+          <a:p>
+            <a:pPr lvl="1" algn="r" rtl="1"/>
+            <a:r>
+              <a:rPr lang="he-IL" sz="2400" dirty="0"/>
+              <a:t>תומר עפרוני</a:t>
+            </a:r>
+          </a:p>
+        </p:txBody>
+      </p:sp>
     </p:spTree>
     <p:extLst>
       <p:ext uri="{BB962C8B-B14F-4D97-AF65-F5344CB8AC3E}">
@@ -10714,6 +11265,638 @@
 </file>
 
 <file path=ppt/slides/slide10.xml><?xml version="1.0" encoding="utf-8"?>
+<p:sld xmlns:a="http://schemas.openxmlformats.org/drawingml/2006/main" xmlns:r="http://schemas.openxmlformats.org/officeDocument/2006/relationships" xmlns:p="http://schemas.openxmlformats.org/presentationml/2006/main">
+  <p:cSld>
+    <p:spTree>
+      <p:nvGrpSpPr>
+        <p:cNvPr id="1" name=""/>
+        <p:cNvGrpSpPr/>
+        <p:nvPr/>
+      </p:nvGrpSpPr>
+      <p:grpSpPr>
+        <a:xfrm>
+          <a:off x="0" y="0"/>
+          <a:ext cx="0" cy="0"/>
+          <a:chOff x="0" y="0"/>
+          <a:chExt cx="0" cy="0"/>
+        </a:xfrm>
+      </p:grpSpPr>
+      <p:pic>
+        <p:nvPicPr>
+          <p:cNvPr id="4" name="Picture 3">
+            <a:extLst>
+              <a:ext uri="{FF2B5EF4-FFF2-40B4-BE49-F238E27FC236}">
+                <a16:creationId xmlns:a16="http://schemas.microsoft.com/office/drawing/2014/main" id="{307B948E-6152-D2B0-0F4E-AABBD5149F70}"/>
+              </a:ext>
+            </a:extLst>
+          </p:cNvPr>
+          <p:cNvPicPr>
+            <a:picLocks noChangeAspect="1"/>
+          </p:cNvPicPr>
+          <p:nvPr/>
+        </p:nvPicPr>
+        <p:blipFill>
+          <a:blip r:embed="rId3">
+            <a:extLst>
+              <a:ext uri="{28A0092B-C50C-407E-A947-70E740481C1C}">
+                <a14:useLocalDpi xmlns:a14="http://schemas.microsoft.com/office/drawing/2010/main" val="0"/>
+              </a:ext>
+            </a:extLst>
+          </a:blip>
+          <a:srcRect/>
+          <a:stretch>
+            <a:fillRect/>
+          </a:stretch>
+        </p:blipFill>
+        <p:spPr bwMode="auto">
+          <a:xfrm>
+            <a:off x="493552" y="2479040"/>
+            <a:ext cx="7870999" cy="4328160"/>
+          </a:xfrm>
+          <a:prstGeom prst="rect">
+            <a:avLst/>
+          </a:prstGeom>
+          <a:noFill/>
+          <a:ln>
+            <a:noFill/>
+          </a:ln>
+        </p:spPr>
+      </p:pic>
+      <p:sp>
+        <p:nvSpPr>
+          <p:cNvPr id="5" name="TextBox 4">
+            <a:extLst>
+              <a:ext uri="{FF2B5EF4-FFF2-40B4-BE49-F238E27FC236}">
+                <a16:creationId xmlns:a16="http://schemas.microsoft.com/office/drawing/2014/main" id="{4A87E90A-8610-868B-0996-09210631305F}"/>
+              </a:ext>
+            </a:extLst>
+          </p:cNvPr>
+          <p:cNvSpPr txBox="1"/>
+          <p:nvPr/>
+        </p:nvSpPr>
+        <p:spPr>
+          <a:xfrm>
+            <a:off x="1479108" y="251528"/>
+            <a:ext cx="6103088" cy="474041"/>
+          </a:xfrm>
+          <a:prstGeom prst="rect">
+            <a:avLst/>
+          </a:prstGeom>
+          <a:noFill/>
+        </p:spPr>
+        <p:txBody>
+          <a:bodyPr wrap="square">
+            <a:spAutoFit/>
+          </a:bodyPr>
+          <a:lstStyle/>
+          <a:p>
+            <a:pPr algn="ctr">
+              <a:lnSpc>
+                <a:spcPct val="115000"/>
+              </a:lnSpc>
+              <a:spcAft>
+                <a:spcPts val="800"/>
+              </a:spcAft>
+            </a:pPr>
+            <a:r>
+              <a:rPr lang="en-US" sz="2400" dirty="0">
+                <a:solidFill>
+                  <a:srgbClr val="000000"/>
+                </a:solidFill>
+                <a:effectLst/>
+                <a:latin typeface="Tahoma" panose="020B0604030504040204" pitchFamily="34" charset="0"/>
+                <a:ea typeface="Tahoma" panose="020B0604030504040204" pitchFamily="34" charset="0"/>
+                <a:cs typeface="Tahoma" panose="020B0604030504040204" pitchFamily="34" charset="0"/>
+              </a:rPr>
+              <a:t>K</a:t>
+            </a:r>
+            <a:r>
+              <a:rPr lang="he-IL" sz="2400" dirty="0">
+                <a:solidFill>
+                  <a:srgbClr val="000000"/>
+                </a:solidFill>
+                <a:effectLst/>
+                <a:latin typeface="Tahoma" panose="020B0604030504040204" pitchFamily="34" charset="0"/>
+                <a:ea typeface="Tahoma" panose="020B0604030504040204" pitchFamily="34" charset="0"/>
+                <a:cs typeface="Tahoma" panose="020B0604030504040204" pitchFamily="34" charset="0"/>
+              </a:rPr>
+              <a:t>-</a:t>
+            </a:r>
+            <a:r>
+              <a:rPr lang="en-US" sz="2400" dirty="0">
+                <a:solidFill>
+                  <a:srgbClr val="000000"/>
+                </a:solidFill>
+                <a:effectLst/>
+                <a:latin typeface="Tahoma" panose="020B0604030504040204" pitchFamily="34" charset="0"/>
+                <a:ea typeface="Tahoma" panose="020B0604030504040204" pitchFamily="34" charset="0"/>
+                <a:cs typeface="Tahoma" panose="020B0604030504040204" pitchFamily="34" charset="0"/>
+              </a:rPr>
+              <a:t>Fold &amp; Data Stratify</a:t>
+            </a:r>
+            <a:endParaRPr lang="en-IL" dirty="0">
+              <a:effectLst/>
+              <a:latin typeface="Tahoma" panose="020B0604030504040204" pitchFamily="34" charset="0"/>
+              <a:ea typeface="Tahoma" panose="020B0604030504040204" pitchFamily="34" charset="0"/>
+              <a:cs typeface="Tahoma" panose="020B0604030504040204" pitchFamily="34" charset="0"/>
+            </a:endParaRPr>
+          </a:p>
+        </p:txBody>
+      </p:sp>
+      <p:sp>
+        <p:nvSpPr>
+          <p:cNvPr id="2" name="Content Placeholder 2">
+            <a:extLst>
+              <a:ext uri="{FF2B5EF4-FFF2-40B4-BE49-F238E27FC236}">
+                <a16:creationId xmlns:a16="http://schemas.microsoft.com/office/drawing/2014/main" id="{21E8CF32-5618-0EC9-A3FF-0FF643E156DF}"/>
+              </a:ext>
+            </a:extLst>
+          </p:cNvPr>
+          <p:cNvSpPr txBox="1">
+            <a:spLocks/>
+          </p:cNvSpPr>
+          <p:nvPr/>
+        </p:nvSpPr>
+        <p:spPr>
+          <a:xfrm>
+            <a:off x="1479108" y="897444"/>
+            <a:ext cx="7872593" cy="1666873"/>
+          </a:xfrm>
+          <a:prstGeom prst="rect">
+            <a:avLst/>
+          </a:prstGeom>
+        </p:spPr>
+        <p:txBody>
+          <a:bodyPr vert="horz" lIns="91440" tIns="45720" rIns="91440" bIns="45720" rtlCol="0">
+            <a:noAutofit/>
+          </a:bodyPr>
+          <a:lstStyle>
+            <a:lvl1pPr marL="342900" indent="-342900" algn="l" defTabSz="457200" rtl="0" eaLnBrk="1" latinLnBrk="0" hangingPunct="1">
+              <a:spcBef>
+                <a:spcPts val="1000"/>
+              </a:spcBef>
+              <a:spcAft>
+                <a:spcPts val="0"/>
+              </a:spcAft>
+              <a:buClr>
+                <a:schemeClr val="accent1"/>
+              </a:buClr>
+              <a:buSzPct val="80000"/>
+              <a:buFont typeface="Wingdings 3" charset="2"/>
+              <a:buChar char=""/>
+              <a:defRPr sz="1800" kern="1200">
+                <a:solidFill>
+                  <a:schemeClr val="tx1">
+                    <a:lumMod val="75000"/>
+                    <a:lumOff val="25000"/>
+                  </a:schemeClr>
+                </a:solidFill>
+                <a:latin typeface="+mn-lt"/>
+                <a:ea typeface="+mn-ea"/>
+                <a:cs typeface="+mn-cs"/>
+              </a:defRPr>
+            </a:lvl1pPr>
+            <a:lvl2pPr marL="742950" indent="-285750" algn="l" defTabSz="457200" rtl="0" eaLnBrk="1" latinLnBrk="0" hangingPunct="1">
+              <a:spcBef>
+                <a:spcPts val="1000"/>
+              </a:spcBef>
+              <a:spcAft>
+                <a:spcPts val="0"/>
+              </a:spcAft>
+              <a:buClr>
+                <a:schemeClr val="accent1"/>
+              </a:buClr>
+              <a:buSzPct val="80000"/>
+              <a:buFont typeface="Wingdings 3" charset="2"/>
+              <a:buChar char=""/>
+              <a:defRPr sz="1600" kern="1200">
+                <a:solidFill>
+                  <a:schemeClr val="tx1">
+                    <a:lumMod val="75000"/>
+                    <a:lumOff val="25000"/>
+                  </a:schemeClr>
+                </a:solidFill>
+                <a:latin typeface="+mn-lt"/>
+                <a:ea typeface="+mn-ea"/>
+                <a:cs typeface="+mn-cs"/>
+              </a:defRPr>
+            </a:lvl2pPr>
+            <a:lvl3pPr marL="1143000" indent="-228600" algn="l" defTabSz="457200" rtl="0" eaLnBrk="1" latinLnBrk="0" hangingPunct="1">
+              <a:spcBef>
+                <a:spcPts val="1000"/>
+              </a:spcBef>
+              <a:spcAft>
+                <a:spcPts val="0"/>
+              </a:spcAft>
+              <a:buClr>
+                <a:schemeClr val="accent1"/>
+              </a:buClr>
+              <a:buSzPct val="80000"/>
+              <a:buFont typeface="Wingdings 3" charset="2"/>
+              <a:buChar char=""/>
+              <a:defRPr sz="1400" kern="1200">
+                <a:solidFill>
+                  <a:schemeClr val="tx1">
+                    <a:lumMod val="75000"/>
+                    <a:lumOff val="25000"/>
+                  </a:schemeClr>
+                </a:solidFill>
+                <a:latin typeface="+mn-lt"/>
+                <a:ea typeface="+mn-ea"/>
+                <a:cs typeface="+mn-cs"/>
+              </a:defRPr>
+            </a:lvl3pPr>
+            <a:lvl4pPr marL="1600200" indent="-228600" algn="l" defTabSz="457200" rtl="0" eaLnBrk="1" latinLnBrk="0" hangingPunct="1">
+              <a:spcBef>
+                <a:spcPts val="1000"/>
+              </a:spcBef>
+              <a:spcAft>
+                <a:spcPts val="0"/>
+              </a:spcAft>
+              <a:buClr>
+                <a:schemeClr val="accent1"/>
+              </a:buClr>
+              <a:buSzPct val="80000"/>
+              <a:buFont typeface="Wingdings 3" charset="2"/>
+              <a:buChar char=""/>
+              <a:defRPr sz="1200" kern="1200">
+                <a:solidFill>
+                  <a:schemeClr val="tx1">
+                    <a:lumMod val="75000"/>
+                    <a:lumOff val="25000"/>
+                  </a:schemeClr>
+                </a:solidFill>
+                <a:latin typeface="+mn-lt"/>
+                <a:ea typeface="+mn-ea"/>
+                <a:cs typeface="+mn-cs"/>
+              </a:defRPr>
+            </a:lvl4pPr>
+            <a:lvl5pPr marL="2057400" indent="-228600" algn="l" defTabSz="457200" rtl="0" eaLnBrk="1" latinLnBrk="0" hangingPunct="1">
+              <a:spcBef>
+                <a:spcPts val="1000"/>
+              </a:spcBef>
+              <a:spcAft>
+                <a:spcPts val="0"/>
+              </a:spcAft>
+              <a:buClr>
+                <a:schemeClr val="accent1"/>
+              </a:buClr>
+              <a:buSzPct val="80000"/>
+              <a:buFont typeface="Wingdings 3" charset="2"/>
+              <a:buChar char=""/>
+              <a:defRPr sz="1200" kern="1200">
+                <a:solidFill>
+                  <a:schemeClr val="tx1">
+                    <a:lumMod val="75000"/>
+                    <a:lumOff val="25000"/>
+                  </a:schemeClr>
+                </a:solidFill>
+                <a:latin typeface="+mn-lt"/>
+                <a:ea typeface="+mn-ea"/>
+                <a:cs typeface="+mn-cs"/>
+              </a:defRPr>
+            </a:lvl5pPr>
+            <a:lvl6pPr marL="2514600" indent="-228600" algn="l" defTabSz="457200" rtl="0" eaLnBrk="1" latinLnBrk="0" hangingPunct="1">
+              <a:spcBef>
+                <a:spcPts val="1000"/>
+              </a:spcBef>
+              <a:spcAft>
+                <a:spcPts val="0"/>
+              </a:spcAft>
+              <a:buClr>
+                <a:schemeClr val="accent1"/>
+              </a:buClr>
+              <a:buSzPct val="80000"/>
+              <a:buFont typeface="Wingdings 3" charset="2"/>
+              <a:buChar char=""/>
+              <a:defRPr sz="1200" kern="1200">
+                <a:solidFill>
+                  <a:schemeClr val="tx1">
+                    <a:lumMod val="75000"/>
+                    <a:lumOff val="25000"/>
+                  </a:schemeClr>
+                </a:solidFill>
+                <a:latin typeface="+mn-lt"/>
+                <a:ea typeface="+mn-ea"/>
+                <a:cs typeface="+mn-cs"/>
+              </a:defRPr>
+            </a:lvl6pPr>
+            <a:lvl7pPr marL="2971800" indent="-228600" algn="l" defTabSz="457200" rtl="0" eaLnBrk="1" latinLnBrk="0" hangingPunct="1">
+              <a:spcBef>
+                <a:spcPts val="1000"/>
+              </a:spcBef>
+              <a:spcAft>
+                <a:spcPts val="0"/>
+              </a:spcAft>
+              <a:buClr>
+                <a:schemeClr val="accent1"/>
+              </a:buClr>
+              <a:buSzPct val="80000"/>
+              <a:buFont typeface="Wingdings 3" charset="2"/>
+              <a:buChar char=""/>
+              <a:defRPr sz="1200" kern="1200">
+                <a:solidFill>
+                  <a:schemeClr val="tx1">
+                    <a:lumMod val="75000"/>
+                    <a:lumOff val="25000"/>
+                  </a:schemeClr>
+                </a:solidFill>
+                <a:latin typeface="+mn-lt"/>
+                <a:ea typeface="+mn-ea"/>
+                <a:cs typeface="+mn-cs"/>
+              </a:defRPr>
+            </a:lvl7pPr>
+            <a:lvl8pPr marL="3429000" indent="-228600" algn="l" defTabSz="457200" rtl="0" eaLnBrk="1" latinLnBrk="0" hangingPunct="1">
+              <a:spcBef>
+                <a:spcPts val="1000"/>
+              </a:spcBef>
+              <a:spcAft>
+                <a:spcPts val="0"/>
+              </a:spcAft>
+              <a:buClr>
+                <a:schemeClr val="accent1"/>
+              </a:buClr>
+              <a:buSzPct val="80000"/>
+              <a:buFont typeface="Wingdings 3" charset="2"/>
+              <a:buChar char=""/>
+              <a:defRPr sz="1200" kern="1200">
+                <a:solidFill>
+                  <a:schemeClr val="tx1">
+                    <a:lumMod val="75000"/>
+                    <a:lumOff val="25000"/>
+                  </a:schemeClr>
+                </a:solidFill>
+                <a:latin typeface="+mn-lt"/>
+                <a:ea typeface="+mn-ea"/>
+                <a:cs typeface="+mn-cs"/>
+              </a:defRPr>
+            </a:lvl8pPr>
+            <a:lvl9pPr marL="3886200" indent="-228600" algn="l" defTabSz="457200" rtl="0" eaLnBrk="1" latinLnBrk="0" hangingPunct="1">
+              <a:spcBef>
+                <a:spcPts val="1000"/>
+              </a:spcBef>
+              <a:spcAft>
+                <a:spcPts val="0"/>
+              </a:spcAft>
+              <a:buClr>
+                <a:schemeClr val="accent1"/>
+              </a:buClr>
+              <a:buSzPct val="80000"/>
+              <a:buFont typeface="Wingdings 3" charset="2"/>
+              <a:buChar char=""/>
+              <a:defRPr sz="1200" kern="1200">
+                <a:solidFill>
+                  <a:schemeClr val="tx1">
+                    <a:lumMod val="75000"/>
+                    <a:lumOff val="25000"/>
+                  </a:schemeClr>
+                </a:solidFill>
+                <a:latin typeface="+mn-lt"/>
+                <a:ea typeface="+mn-ea"/>
+                <a:cs typeface="+mn-cs"/>
+              </a:defRPr>
+            </a:lvl9pPr>
+          </a:lstStyle>
+          <a:p>
+            <a:pPr algn="r" rtl="1">
+              <a:lnSpc>
+                <a:spcPct val="114000"/>
+              </a:lnSpc>
+              <a:buFont typeface="Wingdings" panose="05000000000000000000" pitchFamily="2" charset="2"/>
+              <a:buChar char="Ø"/>
+            </a:pPr>
+            <a:r>
+              <a:rPr lang="en-US" sz="1400" b="1" dirty="0">
+                <a:solidFill>
+                  <a:srgbClr val="000000"/>
+                </a:solidFill>
+                <a:latin typeface="Tahoma" panose="020B0604030504040204" pitchFamily="34" charset="0"/>
+                <a:ea typeface="Tahoma" panose="020B0604030504040204" pitchFamily="34" charset="0"/>
+                <a:cs typeface="Tahoma" panose="020B0604030504040204" pitchFamily="34" charset="0"/>
+              </a:rPr>
+              <a:t>K-Fold</a:t>
+            </a:r>
+            <a:r>
+              <a:rPr lang="he-IL" sz="1400" dirty="0">
+                <a:solidFill>
+                  <a:srgbClr val="000000"/>
+                </a:solidFill>
+                <a:latin typeface="Tahoma" panose="020B0604030504040204" pitchFamily="34" charset="0"/>
+                <a:ea typeface="Tahoma" panose="020B0604030504040204" pitchFamily="34" charset="0"/>
+                <a:cs typeface="Tahoma" panose="020B0604030504040204" pitchFamily="34" charset="0"/>
+              </a:rPr>
+              <a:t> זו טכניקת ולידציה אשר בעזרתה אנחנו מחלקים את מאגר הנתונים שלנו ל-</a:t>
+            </a:r>
+            <a:r>
+              <a:rPr lang="en-US" sz="1400" dirty="0">
+                <a:solidFill>
+                  <a:srgbClr val="000000"/>
+                </a:solidFill>
+                <a:latin typeface="Tahoma" panose="020B0604030504040204" pitchFamily="34" charset="0"/>
+                <a:ea typeface="Tahoma" panose="020B0604030504040204" pitchFamily="34" charset="0"/>
+                <a:cs typeface="Tahoma" panose="020B0604030504040204" pitchFamily="34" charset="0"/>
+              </a:rPr>
+              <a:t>K</a:t>
+            </a:r>
+            <a:r>
+              <a:rPr lang="he-IL" sz="1400" dirty="0">
+                <a:solidFill>
+                  <a:srgbClr val="000000"/>
+                </a:solidFill>
+                <a:latin typeface="Tahoma" panose="020B0604030504040204" pitchFamily="34" charset="0"/>
+                <a:ea typeface="Tahoma" panose="020B0604030504040204" pitchFamily="34" charset="0"/>
+                <a:cs typeface="Tahoma" panose="020B0604030504040204" pitchFamily="34" charset="0"/>
+              </a:rPr>
+              <a:t> חלקים, כאשר בכל פעם חלק אחד מהווה את סדרת המבחן ויתר ה-</a:t>
+            </a:r>
+            <a:r>
+              <a:rPr lang="en-US" sz="1400" dirty="0">
+                <a:solidFill>
+                  <a:srgbClr val="000000"/>
+                </a:solidFill>
+                <a:latin typeface="Tahoma" panose="020B0604030504040204" pitchFamily="34" charset="0"/>
+                <a:ea typeface="Tahoma" panose="020B0604030504040204" pitchFamily="34" charset="0"/>
+                <a:cs typeface="Tahoma" panose="020B0604030504040204" pitchFamily="34" charset="0"/>
+              </a:rPr>
+              <a:t>K-1</a:t>
+            </a:r>
+            <a:r>
+              <a:rPr lang="he-IL" sz="1400" dirty="0">
+                <a:solidFill>
+                  <a:srgbClr val="000000"/>
+                </a:solidFill>
+                <a:latin typeface="Tahoma" panose="020B0604030504040204" pitchFamily="34" charset="0"/>
+                <a:ea typeface="Tahoma" panose="020B0604030504040204" pitchFamily="34" charset="0"/>
+                <a:cs typeface="Tahoma" panose="020B0604030504040204" pitchFamily="34" charset="0"/>
+              </a:rPr>
+              <a:t> מהווים את סדרת האימון. תהליך זה חוזר </a:t>
+            </a:r>
+            <a:r>
+              <a:rPr lang="en-US" sz="1400" dirty="0">
+                <a:solidFill>
+                  <a:srgbClr val="000000"/>
+                </a:solidFill>
+                <a:latin typeface="Tahoma" panose="020B0604030504040204" pitchFamily="34" charset="0"/>
+                <a:ea typeface="Tahoma" panose="020B0604030504040204" pitchFamily="34" charset="0"/>
+                <a:cs typeface="Tahoma" panose="020B0604030504040204" pitchFamily="34" charset="0"/>
+              </a:rPr>
+              <a:t>K</a:t>
+            </a:r>
+            <a:r>
+              <a:rPr lang="he-IL" sz="1400" dirty="0">
+                <a:solidFill>
+                  <a:srgbClr val="000000"/>
+                </a:solidFill>
+                <a:latin typeface="Tahoma" panose="020B0604030504040204" pitchFamily="34" charset="0"/>
+                <a:ea typeface="Tahoma" panose="020B0604030504040204" pitchFamily="34" charset="0"/>
+                <a:cs typeface="Tahoma" panose="020B0604030504040204" pitchFamily="34" charset="0"/>
+              </a:rPr>
+              <a:t> פעמים כאשר בסופו נבצע ממוצע על התוצאות לפי גודל ה-</a:t>
+            </a:r>
+            <a:r>
+              <a:rPr lang="en-US" sz="1400" dirty="0">
+                <a:solidFill>
+                  <a:srgbClr val="000000"/>
+                </a:solidFill>
+                <a:latin typeface="Tahoma" panose="020B0604030504040204" pitchFamily="34" charset="0"/>
+                <a:ea typeface="Tahoma" panose="020B0604030504040204" pitchFamily="34" charset="0"/>
+                <a:cs typeface="Tahoma" panose="020B0604030504040204" pitchFamily="34" charset="0"/>
+              </a:rPr>
+              <a:t>K</a:t>
+            </a:r>
+            <a:r>
+              <a:rPr lang="he-IL" sz="1400" dirty="0">
+                <a:solidFill>
+                  <a:srgbClr val="000000"/>
+                </a:solidFill>
+                <a:latin typeface="Tahoma" panose="020B0604030504040204" pitchFamily="34" charset="0"/>
+                <a:ea typeface="Tahoma" panose="020B0604030504040204" pitchFamily="34" charset="0"/>
+                <a:cs typeface="Tahoma" panose="020B0604030504040204" pitchFamily="34" charset="0"/>
+              </a:rPr>
+              <a:t>.</a:t>
+            </a:r>
+          </a:p>
+          <a:p>
+            <a:pPr algn="r" rtl="1">
+              <a:lnSpc>
+                <a:spcPct val="114000"/>
+              </a:lnSpc>
+              <a:buFont typeface="Wingdings" panose="05000000000000000000" pitchFamily="2" charset="2"/>
+              <a:buChar char="Ø"/>
+            </a:pPr>
+            <a:r>
+              <a:rPr lang="en-US" sz="1400" b="1" dirty="0">
+                <a:solidFill>
+                  <a:srgbClr val="000000"/>
+                </a:solidFill>
+                <a:latin typeface="Tahoma" panose="020B0604030504040204" pitchFamily="34" charset="0"/>
+                <a:ea typeface="Tahoma" panose="020B0604030504040204" pitchFamily="34" charset="0"/>
+                <a:cs typeface="Tahoma" panose="020B0604030504040204" pitchFamily="34" charset="0"/>
+              </a:rPr>
+              <a:t>Data Stratify</a:t>
+            </a:r>
+            <a:r>
+              <a:rPr lang="he-IL" sz="1400" dirty="0">
+                <a:solidFill>
+                  <a:srgbClr val="000000"/>
+                </a:solidFill>
+                <a:latin typeface="Tahoma" panose="020B0604030504040204" pitchFamily="34" charset="0"/>
+                <a:ea typeface="Tahoma" panose="020B0604030504040204" pitchFamily="34" charset="0"/>
+                <a:cs typeface="Tahoma" panose="020B0604030504040204" pitchFamily="34" charset="0"/>
+              </a:rPr>
+              <a:t> זו</a:t>
+            </a:r>
+            <a:r>
+              <a:rPr lang="en-US" sz="1400" dirty="0">
+                <a:solidFill>
+                  <a:srgbClr val="000000"/>
+                </a:solidFill>
+                <a:latin typeface="Tahoma" panose="020B0604030504040204" pitchFamily="34" charset="0"/>
+                <a:ea typeface="Tahoma" panose="020B0604030504040204" pitchFamily="34" charset="0"/>
+                <a:cs typeface="Tahoma" panose="020B0604030504040204" pitchFamily="34" charset="0"/>
+              </a:rPr>
+              <a:t> </a:t>
+            </a:r>
+            <a:r>
+              <a:rPr lang="he-IL" sz="1400" dirty="0">
+                <a:solidFill>
+                  <a:srgbClr val="000000"/>
+                </a:solidFill>
+                <a:latin typeface="Tahoma" panose="020B0604030504040204" pitchFamily="34" charset="0"/>
+                <a:ea typeface="Tahoma" panose="020B0604030504040204" pitchFamily="34" charset="0"/>
+                <a:cs typeface="Tahoma" panose="020B0604030504040204" pitchFamily="34" charset="0"/>
+              </a:rPr>
+              <a:t>טכניקה לחילוק הדאטה תוך כדי שמירה על הפרופורציות בין הקבוצות השונות בה בעת החלוקה.</a:t>
+            </a:r>
+            <a:endParaRPr lang="he-IL" sz="1200" dirty="0">
+              <a:solidFill>
+                <a:srgbClr val="000000"/>
+              </a:solidFill>
+              <a:latin typeface="Tahoma" panose="020B0604030504040204" pitchFamily="34" charset="0"/>
+              <a:ea typeface="Tahoma" panose="020B0604030504040204" pitchFamily="34" charset="0"/>
+              <a:cs typeface="Tahoma" panose="020B0604030504040204" pitchFamily="34" charset="0"/>
+            </a:endParaRPr>
+          </a:p>
+          <a:p>
+            <a:pPr marL="0" indent="0" algn="r" rtl="1">
+              <a:lnSpc>
+                <a:spcPct val="114000"/>
+              </a:lnSpc>
+              <a:buFont typeface="Wingdings 3" charset="2"/>
+              <a:buNone/>
+            </a:pPr>
+            <a:endParaRPr lang="he-IL" sz="1200" dirty="0">
+              <a:solidFill>
+                <a:srgbClr val="000000"/>
+              </a:solidFill>
+              <a:latin typeface="Tahoma" panose="020B0604030504040204" pitchFamily="34" charset="0"/>
+              <a:ea typeface="Tahoma" panose="020B0604030504040204" pitchFamily="34" charset="0"/>
+              <a:cs typeface="Tahoma" panose="020B0604030504040204" pitchFamily="34" charset="0"/>
+            </a:endParaRPr>
+          </a:p>
+          <a:p>
+            <a:pPr marL="400050" lvl="1" indent="0" algn="r" rtl="1">
+              <a:lnSpc>
+                <a:spcPct val="114000"/>
+              </a:lnSpc>
+              <a:buFont typeface="Wingdings 3" charset="2"/>
+              <a:buNone/>
+            </a:pPr>
+            <a:br>
+              <a:rPr lang="en-US" sz="1200" dirty="0">
+                <a:solidFill>
+                  <a:srgbClr val="000000"/>
+                </a:solidFill>
+                <a:latin typeface="Tahoma" panose="020B0604030504040204" pitchFamily="34" charset="0"/>
+                <a:ea typeface="Tahoma" panose="020B0604030504040204" pitchFamily="34" charset="0"/>
+                <a:cs typeface="Tahoma" panose="020B0604030504040204" pitchFamily="34" charset="0"/>
+              </a:rPr>
+            </a:br>
+            <a:endParaRPr lang="he-IL" sz="1200" dirty="0">
+              <a:solidFill>
+                <a:srgbClr val="000000"/>
+              </a:solidFill>
+              <a:latin typeface="Tahoma" panose="020B0604030504040204" pitchFamily="34" charset="0"/>
+              <a:ea typeface="Tahoma" panose="020B0604030504040204" pitchFamily="34" charset="0"/>
+              <a:cs typeface="Tahoma" panose="020B0604030504040204" pitchFamily="34" charset="0"/>
+            </a:endParaRPr>
+          </a:p>
+        </p:txBody>
+      </p:sp>
+    </p:spTree>
+    <p:extLst>
+      <p:ext uri="{BB962C8B-B14F-4D97-AF65-F5344CB8AC3E}">
+        <p14:creationId xmlns:p14="http://schemas.microsoft.com/office/powerpoint/2010/main" val="3826732152"/>
+      </p:ext>
+    </p:extLst>
+  </p:cSld>
+  <p:clrMapOvr>
+    <a:masterClrMapping/>
+  </p:clrMapOvr>
+</p:sld>
+</file>
+
+<file path=ppt/slides/slide11.xml><?xml version="1.0" encoding="utf-8"?>
 <p:sld xmlns:a="http://schemas.openxmlformats.org/drawingml/2006/main" xmlns:r="http://schemas.openxmlformats.org/officeDocument/2006/relationships" xmlns:p="http://schemas.openxmlformats.org/presentationml/2006/main">
   <p:cSld>
     <p:spTree>
@@ -14007,72 +15190,6 @@
     <p:extLst>
       <p:ext uri="{BB962C8B-B14F-4D97-AF65-F5344CB8AC3E}">
         <p14:creationId xmlns:p14="http://schemas.microsoft.com/office/powerpoint/2010/main" val="1660465163"/>
-      </p:ext>
-    </p:extLst>
-  </p:cSld>
-  <p:clrMapOvr>
-    <a:masterClrMapping/>
-  </p:clrMapOvr>
-</p:sld>
-</file>
-
-<file path=ppt/slides/slide11.xml><?xml version="1.0" encoding="utf-8"?>
-<p:sld xmlns:a="http://schemas.openxmlformats.org/drawingml/2006/main" xmlns:r="http://schemas.openxmlformats.org/officeDocument/2006/relationships" xmlns:p="http://schemas.openxmlformats.org/presentationml/2006/main">
-  <p:cSld>
-    <p:spTree>
-      <p:nvGrpSpPr>
-        <p:cNvPr id="1" name=""/>
-        <p:cNvGrpSpPr/>
-        <p:nvPr/>
-      </p:nvGrpSpPr>
-      <p:grpSpPr>
-        <a:xfrm>
-          <a:off x="0" y="0"/>
-          <a:ext cx="0" cy="0"/>
-          <a:chOff x="0" y="0"/>
-          <a:chExt cx="0" cy="0"/>
-        </a:xfrm>
-      </p:grpSpPr>
-      <p:pic>
-        <p:nvPicPr>
-          <p:cNvPr id="11" name="Picture 10" descr="Line chart&#10;&#10;Description automatically generated">
-            <a:extLst>
-              <a:ext uri="{FF2B5EF4-FFF2-40B4-BE49-F238E27FC236}">
-                <a16:creationId xmlns:a16="http://schemas.microsoft.com/office/drawing/2014/main" id="{31465AC7-C434-B96F-92A9-ACE56A1B81B2}"/>
-              </a:ext>
-            </a:extLst>
-          </p:cNvPr>
-          <p:cNvPicPr>
-            <a:picLocks noChangeAspect="1"/>
-          </p:cNvPicPr>
-          <p:nvPr/>
-        </p:nvPicPr>
-        <p:blipFill>
-          <a:blip r:embed="rId3">
-            <a:extLst>
-              <a:ext uri="{28A0092B-C50C-407E-A947-70E740481C1C}">
-                <a14:useLocalDpi xmlns:a14="http://schemas.microsoft.com/office/drawing/2010/main" val="0"/>
-              </a:ext>
-            </a:extLst>
-          </a:blip>
-          <a:stretch>
-            <a:fillRect/>
-          </a:stretch>
-        </p:blipFill>
-        <p:spPr>
-          <a:xfrm>
-            <a:off x="894906" y="1046335"/>
-            <a:ext cx="8486369" cy="4159408"/>
-          </a:xfrm>
-          <a:prstGeom prst="rect">
-            <a:avLst/>
-          </a:prstGeom>
-        </p:spPr>
-      </p:pic>
-    </p:spTree>
-    <p:extLst>
-      <p:ext uri="{BB962C8B-B14F-4D97-AF65-F5344CB8AC3E}">
-        <p14:creationId xmlns:p14="http://schemas.microsoft.com/office/powerpoint/2010/main" val="3388106516"/>
       </p:ext>
     </p:extLst>
   </p:cSld>
@@ -18609,6 +19726,167 @@
           <a:chExt cx="0" cy="0"/>
         </a:xfrm>
       </p:grpSpPr>
+      <p:pic>
+        <p:nvPicPr>
+          <p:cNvPr id="23" name="Picture 22">
+            <a:extLst>
+              <a:ext uri="{FF2B5EF4-FFF2-40B4-BE49-F238E27FC236}">
+                <a16:creationId xmlns:a16="http://schemas.microsoft.com/office/drawing/2014/main" id="{19D2D44C-309A-01A6-E647-64A8C85A558C}"/>
+              </a:ext>
+            </a:extLst>
+          </p:cNvPr>
+          <p:cNvPicPr>
+            <a:picLocks noChangeAspect="1"/>
+          </p:cNvPicPr>
+          <p:nvPr/>
+        </p:nvPicPr>
+        <p:blipFill>
+          <a:blip r:embed="rId3"/>
+          <a:stretch>
+            <a:fillRect/>
+          </a:stretch>
+        </p:blipFill>
+        <p:spPr>
+          <a:xfrm>
+            <a:off x="484204" y="2312096"/>
+            <a:ext cx="7366422" cy="3275208"/>
+          </a:xfrm>
+          <a:prstGeom prst="rect">
+            <a:avLst/>
+          </a:prstGeom>
+        </p:spPr>
+      </p:pic>
+      <p:sp>
+        <p:nvSpPr>
+          <p:cNvPr id="26" name="Content Placeholder 2">
+            <a:extLst>
+              <a:ext uri="{FF2B5EF4-FFF2-40B4-BE49-F238E27FC236}">
+                <a16:creationId xmlns:a16="http://schemas.microsoft.com/office/drawing/2014/main" id="{4C7AD964-200E-736A-9252-103363A4CE1D}"/>
+              </a:ext>
+            </a:extLst>
+          </p:cNvPr>
+          <p:cNvSpPr>
+            <a:spLocks noGrp="1"/>
+          </p:cNvSpPr>
+          <p:nvPr>
+            <p:ph idx="1"/>
+          </p:nvPr>
+        </p:nvSpPr>
+        <p:spPr>
+          <a:xfrm>
+            <a:off x="4229100" y="762847"/>
+            <a:ext cx="5178751" cy="604230"/>
+          </a:xfrm>
+        </p:spPr>
+        <p:txBody>
+          <a:bodyPr>
+            <a:noAutofit/>
+          </a:bodyPr>
+          <a:lstStyle/>
+          <a:p>
+            <a:pPr algn="r" rtl="1">
+              <a:lnSpc>
+                <a:spcPct val="114000"/>
+              </a:lnSpc>
+            </a:pPr>
+            <a:r>
+              <a:rPr lang="he-IL" sz="2000" kern="1200" dirty="0">
+                <a:solidFill>
+                  <a:srgbClr val="000000"/>
+                </a:solidFill>
+                <a:effectLst/>
+                <a:latin typeface="Tahoma" panose="020B0604030504040204" pitchFamily="34" charset="0"/>
+                <a:ea typeface="Tahoma" panose="020B0604030504040204" pitchFamily="34" charset="0"/>
+                <a:cs typeface="Tahoma" panose="020B0604030504040204" pitchFamily="34" charset="0"/>
+              </a:rPr>
+              <a:t>מבנה כללי של רשת</a:t>
+            </a:r>
+            <a:r>
+              <a:rPr lang="en-US" sz="2000" kern="1200" dirty="0">
+                <a:solidFill>
+                  <a:srgbClr val="000000"/>
+                </a:solidFill>
+                <a:effectLst/>
+                <a:latin typeface="Tahoma" panose="020B0604030504040204" pitchFamily="34" charset="0"/>
+                <a:ea typeface="Tahoma" panose="020B0604030504040204" pitchFamily="34" charset="0"/>
+                <a:cs typeface="Tahoma" panose="020B0604030504040204" pitchFamily="34" charset="0"/>
+              </a:rPr>
+              <a:t> CNN </a:t>
+            </a:r>
+            <a:r>
+              <a:rPr lang="he-IL" sz="2000" kern="1200" dirty="0">
+                <a:solidFill>
+                  <a:srgbClr val="000000"/>
+                </a:solidFill>
+                <a:effectLst/>
+                <a:latin typeface="Tahoma" panose="020B0604030504040204" pitchFamily="34" charset="0"/>
+                <a:ea typeface="Tahoma" panose="020B0604030504040204" pitchFamily="34" charset="0"/>
+                <a:cs typeface="Tahoma" panose="020B0604030504040204" pitchFamily="34" charset="0"/>
+              </a:rPr>
+              <a:t>בה השתמשנו</a:t>
+            </a:r>
+            <a:r>
+              <a:rPr lang="he-IL" sz="2000" dirty="0">
+                <a:solidFill>
+                  <a:srgbClr val="000000"/>
+                </a:solidFill>
+                <a:latin typeface="Tahoma" panose="020B0604030504040204" pitchFamily="34" charset="0"/>
+                <a:ea typeface="Tahoma" panose="020B0604030504040204" pitchFamily="34" charset="0"/>
+                <a:cs typeface="Tahoma" panose="020B0604030504040204" pitchFamily="34" charset="0"/>
+              </a:rPr>
+              <a:t>	</a:t>
+            </a:r>
+            <a:br>
+              <a:rPr lang="en-US" sz="2000" dirty="0">
+                <a:solidFill>
+                  <a:srgbClr val="000000"/>
+                </a:solidFill>
+                <a:latin typeface="Tahoma" panose="020B0604030504040204" pitchFamily="34" charset="0"/>
+                <a:ea typeface="Tahoma" panose="020B0604030504040204" pitchFamily="34" charset="0"/>
+                <a:cs typeface="Tahoma" panose="020B0604030504040204" pitchFamily="34" charset="0"/>
+              </a:rPr>
+            </a:br>
+            <a:endParaRPr lang="he-IL" sz="2000" dirty="0">
+              <a:solidFill>
+                <a:srgbClr val="000000"/>
+              </a:solidFill>
+              <a:latin typeface="Tahoma" panose="020B0604030504040204" pitchFamily="34" charset="0"/>
+              <a:ea typeface="Tahoma" panose="020B0604030504040204" pitchFamily="34" charset="0"/>
+              <a:cs typeface="Tahoma" panose="020B0604030504040204" pitchFamily="34" charset="0"/>
+            </a:endParaRPr>
+          </a:p>
+        </p:txBody>
+      </p:sp>
+    </p:spTree>
+    <p:extLst>
+      <p:ext uri="{BB962C8B-B14F-4D97-AF65-F5344CB8AC3E}">
+        <p14:creationId xmlns:p14="http://schemas.microsoft.com/office/powerpoint/2010/main" val="2020760908"/>
+      </p:ext>
+    </p:extLst>
+  </p:cSld>
+  <p:clrMapOvr>
+    <a:masterClrMapping/>
+  </p:clrMapOvr>
+</p:sld>
+</file>
+
+<file path=ppt/slides/slide14.xml><?xml version="1.0" encoding="utf-8"?>
+<p:sld xmlns:a="http://schemas.openxmlformats.org/drawingml/2006/main" xmlns:r="http://schemas.openxmlformats.org/officeDocument/2006/relationships" xmlns:p="http://schemas.openxmlformats.org/presentationml/2006/main">
+  <p:cSld>
+    <p:spTree>
+      <p:nvGrpSpPr>
+        <p:cNvPr id="1" name=""/>
+        <p:cNvGrpSpPr/>
+        <p:nvPr/>
+      </p:nvGrpSpPr>
+      <p:grpSpPr>
+        <a:xfrm>
+          <a:off x="0" y="0"/>
+          <a:ext cx="0" cy="0"/>
+          <a:chOff x="0" y="0"/>
+          <a:chExt cx="0" cy="0"/>
+        </a:xfrm>
+      </p:grpSpPr>
       <p:sp>
         <p:nvSpPr>
           <p:cNvPr id="8" name="Content Placeholder 2">
@@ -19518,7 +20796,7 @@
 </p:sld>
 </file>
 
-<file path=ppt/slides/slide14.xml><?xml version="1.0" encoding="utf-8"?>
+<file path=ppt/slides/slide15.xml><?xml version="1.0" encoding="utf-8"?>
 <p:sld xmlns:a="http://schemas.openxmlformats.org/drawingml/2006/main" xmlns:r="http://schemas.openxmlformats.org/officeDocument/2006/relationships" xmlns:p="http://schemas.openxmlformats.org/presentationml/2006/main">
   <p:cSld>
     <p:spTree>
@@ -20013,7 +21291,7 @@
 </p:sld>
 </file>
 
-<file path=ppt/slides/slide15.xml><?xml version="1.0" encoding="utf-8"?>
+<file path=ppt/slides/slide16.xml><?xml version="1.0" encoding="utf-8"?>
 <p:sld xmlns:a="http://schemas.openxmlformats.org/drawingml/2006/main" xmlns:r="http://schemas.openxmlformats.org/officeDocument/2006/relationships" xmlns:p="http://schemas.openxmlformats.org/presentationml/2006/main">
   <p:cSld>
     <p:spTree>
@@ -21284,7 +22562,7 @@
 </p:sld>
 </file>
 
-<file path=ppt/slides/slide16.xml><?xml version="1.0" encoding="utf-8"?>
+<file path=ppt/slides/slide17.xml><?xml version="1.0" encoding="utf-8"?>
 <p:sld xmlns:a="http://schemas.openxmlformats.org/drawingml/2006/main" xmlns:r="http://schemas.openxmlformats.org/officeDocument/2006/relationships" xmlns:p="http://schemas.openxmlformats.org/presentationml/2006/main">
   <p:cSld>
     <p:spTree>
@@ -21401,6 +22679,233 @@
           </a:p>
         </p:txBody>
       </p:sp>
+      <p:grpSp>
+        <p:nvGrpSpPr>
+          <p:cNvPr id="4" name="Group 3">
+            <a:extLst>
+              <a:ext uri="{FF2B5EF4-FFF2-40B4-BE49-F238E27FC236}">
+                <a16:creationId xmlns:a16="http://schemas.microsoft.com/office/drawing/2014/main" id="{BF38D3CC-D1D2-6B56-76A9-92C6CD587171}"/>
+              </a:ext>
+            </a:extLst>
+          </p:cNvPr>
+          <p:cNvGrpSpPr/>
+          <p:nvPr/>
+        </p:nvGrpSpPr>
+        <p:grpSpPr>
+          <a:xfrm>
+            <a:off x="0" y="168498"/>
+            <a:ext cx="6335749" cy="3440318"/>
+            <a:chOff x="124547" y="117698"/>
+            <a:chExt cx="6335749" cy="3440318"/>
+          </a:xfrm>
+        </p:grpSpPr>
+        <p:pic>
+          <p:nvPicPr>
+            <p:cNvPr id="9" name="Picture 8">
+              <a:extLst>
+                <a:ext uri="{FF2B5EF4-FFF2-40B4-BE49-F238E27FC236}">
+                  <a16:creationId xmlns:a16="http://schemas.microsoft.com/office/drawing/2014/main" id="{A50182BA-5CDC-EE01-5BB9-2D4037662F7F}"/>
+                </a:ext>
+              </a:extLst>
+            </p:cNvPr>
+            <p:cNvPicPr>
+              <a:picLocks noChangeAspect="1"/>
+            </p:cNvPicPr>
+            <p:nvPr/>
+          </p:nvPicPr>
+          <p:blipFill rotWithShape="1">
+            <a:blip r:embed="rId3"/>
+            <a:srcRect t="1031" b="1013"/>
+            <a:stretch/>
+          </p:blipFill>
+          <p:spPr>
+            <a:xfrm>
+              <a:off x="124547" y="117698"/>
+              <a:ext cx="6335749" cy="3440318"/>
+            </a:xfrm>
+            <a:prstGeom prst="rect">
+              <a:avLst/>
+            </a:prstGeom>
+          </p:spPr>
+        </p:pic>
+        <p:sp>
+          <p:nvSpPr>
+            <p:cNvPr id="10" name="Oval 9">
+              <a:extLst>
+                <a:ext uri="{FF2B5EF4-FFF2-40B4-BE49-F238E27FC236}">
+                  <a16:creationId xmlns:a16="http://schemas.microsoft.com/office/drawing/2014/main" id="{01D9F17B-CD1A-465E-76FF-6AA1114D44D8}"/>
+                </a:ext>
+              </a:extLst>
+            </p:cNvPr>
+            <p:cNvSpPr/>
+            <p:nvPr/>
+          </p:nvSpPr>
+          <p:spPr>
+            <a:xfrm>
+              <a:off x="6003774" y="335356"/>
+              <a:ext cx="288384" cy="425133"/>
+            </a:xfrm>
+            <a:prstGeom prst="ellipse">
+              <a:avLst/>
+            </a:prstGeom>
+            <a:noFill/>
+            <a:ln w="28575">
+              <a:solidFill>
+                <a:srgbClr val="FF0000"/>
+              </a:solidFill>
+            </a:ln>
+          </p:spPr>
+          <p:style>
+            <a:lnRef idx="2">
+              <a:schemeClr val="accent1">
+                <a:shade val="50000"/>
+              </a:schemeClr>
+            </a:lnRef>
+            <a:fillRef idx="1">
+              <a:schemeClr val="accent1"/>
+            </a:fillRef>
+            <a:effectRef idx="0">
+              <a:schemeClr val="accent1"/>
+            </a:effectRef>
+            <a:fontRef idx="minor">
+              <a:schemeClr val="lt1"/>
+            </a:fontRef>
+          </p:style>
+          <p:txBody>
+            <a:bodyPr rtlCol="1" anchor="ctr"/>
+            <a:lstStyle/>
+            <a:p>
+              <a:pPr algn="ctr"/>
+              <a:endParaRPr lang="he-IL"/>
+            </a:p>
+          </p:txBody>
+        </p:sp>
+      </p:grpSp>
+      <p:grpSp>
+        <p:nvGrpSpPr>
+          <p:cNvPr id="2" name="Group 1">
+            <a:extLst>
+              <a:ext uri="{FF2B5EF4-FFF2-40B4-BE49-F238E27FC236}">
+                <a16:creationId xmlns:a16="http://schemas.microsoft.com/office/drawing/2014/main" id="{9F23B68B-9075-97D2-12D0-5EC92EE2811A}"/>
+              </a:ext>
+            </a:extLst>
+          </p:cNvPr>
+          <p:cNvGrpSpPr/>
+          <p:nvPr/>
+        </p:nvGrpSpPr>
+        <p:grpSpPr>
+          <a:xfrm>
+            <a:off x="6732864" y="3104462"/>
+            <a:ext cx="5306736" cy="3674417"/>
+            <a:chOff x="900938" y="3548963"/>
+            <a:chExt cx="4782966" cy="3236028"/>
+          </a:xfrm>
+        </p:grpSpPr>
+        <p:pic>
+          <p:nvPicPr>
+            <p:cNvPr id="7" name="Picture 6">
+              <a:extLst>
+                <a:ext uri="{FF2B5EF4-FFF2-40B4-BE49-F238E27FC236}">
+                  <a16:creationId xmlns:a16="http://schemas.microsoft.com/office/drawing/2014/main" id="{988A2E82-A6DC-D496-D10F-0884B7A1F670}"/>
+                </a:ext>
+              </a:extLst>
+            </p:cNvPr>
+            <p:cNvPicPr>
+              <a:picLocks noChangeAspect="1"/>
+            </p:cNvPicPr>
+            <p:nvPr/>
+          </p:nvPicPr>
+          <p:blipFill>
+            <a:blip r:embed="rId4"/>
+            <a:stretch>
+              <a:fillRect/>
+            </a:stretch>
+          </p:blipFill>
+          <p:spPr>
+            <a:xfrm>
+              <a:off x="900938" y="3548963"/>
+              <a:ext cx="4782966" cy="3236028"/>
+            </a:xfrm>
+            <a:prstGeom prst="rect">
+              <a:avLst/>
+            </a:prstGeom>
+          </p:spPr>
+        </p:pic>
+        <p:sp>
+          <p:nvSpPr>
+            <p:cNvPr id="11" name="TextBox 10">
+              <a:extLst>
+                <a:ext uri="{FF2B5EF4-FFF2-40B4-BE49-F238E27FC236}">
+                  <a16:creationId xmlns:a16="http://schemas.microsoft.com/office/drawing/2014/main" id="{9A288D7C-A916-72DF-28E0-2BE3B47D1537}"/>
+                </a:ext>
+              </a:extLst>
+            </p:cNvPr>
+            <p:cNvSpPr txBox="1"/>
+            <p:nvPr/>
+          </p:nvSpPr>
+          <p:spPr>
+            <a:xfrm>
+              <a:off x="2626657" y="4706235"/>
+              <a:ext cx="1587422" cy="646331"/>
+            </a:xfrm>
+            <a:prstGeom prst="rect">
+              <a:avLst/>
+            </a:prstGeom>
+            <a:solidFill>
+              <a:schemeClr val="bg1"/>
+            </a:solidFill>
+          </p:spPr>
+          <p:txBody>
+            <a:bodyPr wrap="none" rtlCol="1">
+              <a:spAutoFit/>
+            </a:bodyPr>
+            <a:lstStyle/>
+            <a:p>
+              <a:r>
+                <a:rPr lang="en-US" dirty="0"/>
+                <a:t>Test: 99.826%</a:t>
+              </a:r>
+            </a:p>
+            <a:p>
+              <a:r>
+                <a:rPr lang="en-US" dirty="0"/>
+                <a:t>Train: 100%</a:t>
+              </a:r>
+              <a:endParaRPr lang="he-IL" dirty="0"/>
+            </a:p>
+          </p:txBody>
+        </p:sp>
+      </p:grpSp>
+    </p:spTree>
+    <p:extLst>
+      <p:ext uri="{BB962C8B-B14F-4D97-AF65-F5344CB8AC3E}">
+        <p14:creationId xmlns:p14="http://schemas.microsoft.com/office/powerpoint/2010/main" val="964158003"/>
+      </p:ext>
+    </p:extLst>
+  </p:cSld>
+  <p:clrMapOvr>
+    <a:masterClrMapping/>
+  </p:clrMapOvr>
+</p:sld>
+</file>
+
+<file path=ppt/slides/slide18.xml><?xml version="1.0" encoding="utf-8"?>
+<p:sld xmlns:a="http://schemas.openxmlformats.org/drawingml/2006/main" xmlns:r="http://schemas.openxmlformats.org/officeDocument/2006/relationships" xmlns:p="http://schemas.openxmlformats.org/presentationml/2006/main">
+  <p:cSld>
+    <p:spTree>
+      <p:nvGrpSpPr>
+        <p:cNvPr id="1" name=""/>
+        <p:cNvGrpSpPr/>
+        <p:nvPr/>
+      </p:nvGrpSpPr>
+      <p:grpSpPr>
+        <a:xfrm>
+          <a:off x="0" y="0"/>
+          <a:ext cx="0" cy="0"/>
+          <a:chOff x="0" y="0"/>
+          <a:chExt cx="0" cy="0"/>
+        </a:xfrm>
+      </p:grpSpPr>
       <p:pic>
         <p:nvPicPr>
           <p:cNvPr id="3" name="Picture 2">
@@ -21423,173 +22928,18 @@
         </p:blipFill>
         <p:spPr>
           <a:xfrm>
-            <a:off x="6469705" y="1348966"/>
-            <a:ext cx="5613605" cy="5402952"/>
+            <a:off x="517515" y="-311059"/>
+            <a:ext cx="7448570" cy="7169059"/>
           </a:xfrm>
           <a:prstGeom prst="rect">
             <a:avLst/>
           </a:prstGeom>
         </p:spPr>
       </p:pic>
-      <p:pic>
-        <p:nvPicPr>
-          <p:cNvPr id="7" name="Picture 6">
-            <a:extLst>
-              <a:ext uri="{FF2B5EF4-FFF2-40B4-BE49-F238E27FC236}">
-                <a16:creationId xmlns:a16="http://schemas.microsoft.com/office/drawing/2014/main" id="{988A2E82-A6DC-D496-D10F-0884B7A1F670}"/>
-              </a:ext>
-            </a:extLst>
-          </p:cNvPr>
-          <p:cNvPicPr>
-            <a:picLocks noChangeAspect="1"/>
-          </p:cNvPicPr>
-          <p:nvPr/>
-        </p:nvPicPr>
-        <p:blipFill>
-          <a:blip r:embed="rId4"/>
-          <a:stretch>
-            <a:fillRect/>
-          </a:stretch>
-        </p:blipFill>
-        <p:spPr>
-          <a:xfrm>
-            <a:off x="900938" y="3548963"/>
-            <a:ext cx="4782966" cy="3236028"/>
-          </a:xfrm>
-          <a:prstGeom prst="rect">
-            <a:avLst/>
-          </a:prstGeom>
-        </p:spPr>
-      </p:pic>
-      <p:pic>
-        <p:nvPicPr>
-          <p:cNvPr id="9" name="Picture 8">
-            <a:extLst>
-              <a:ext uri="{FF2B5EF4-FFF2-40B4-BE49-F238E27FC236}">
-                <a16:creationId xmlns:a16="http://schemas.microsoft.com/office/drawing/2014/main" id="{A50182BA-5CDC-EE01-5BB9-2D4037662F7F}"/>
-              </a:ext>
-            </a:extLst>
-          </p:cNvPr>
-          <p:cNvPicPr>
-            <a:picLocks noChangeAspect="1"/>
-          </p:cNvPicPr>
-          <p:nvPr/>
-        </p:nvPicPr>
-        <p:blipFill rotWithShape="1">
-          <a:blip r:embed="rId5"/>
-          <a:srcRect t="1031" b="1013"/>
-          <a:stretch/>
-        </p:blipFill>
-        <p:spPr>
-          <a:xfrm>
-            <a:off x="124547" y="117698"/>
-            <a:ext cx="6335749" cy="3440318"/>
-          </a:xfrm>
-          <a:prstGeom prst="rect">
-            <a:avLst/>
-          </a:prstGeom>
-        </p:spPr>
-      </p:pic>
-      <p:sp>
-        <p:nvSpPr>
-          <p:cNvPr id="10" name="Oval 9">
-            <a:extLst>
-              <a:ext uri="{FF2B5EF4-FFF2-40B4-BE49-F238E27FC236}">
-                <a16:creationId xmlns:a16="http://schemas.microsoft.com/office/drawing/2014/main" id="{01D9F17B-CD1A-465E-76FF-6AA1114D44D8}"/>
-              </a:ext>
-            </a:extLst>
-          </p:cNvPr>
-          <p:cNvSpPr/>
-          <p:nvPr/>
-        </p:nvSpPr>
-        <p:spPr>
-          <a:xfrm>
-            <a:off x="6003774" y="335356"/>
-            <a:ext cx="288384" cy="425133"/>
-          </a:xfrm>
-          <a:prstGeom prst="ellipse">
-            <a:avLst/>
-          </a:prstGeom>
-          <a:noFill/>
-          <a:ln w="28575">
-            <a:solidFill>
-              <a:srgbClr val="FF0000"/>
-            </a:solidFill>
-          </a:ln>
-        </p:spPr>
-        <p:style>
-          <a:lnRef idx="2">
-            <a:schemeClr val="accent1">
-              <a:shade val="50000"/>
-            </a:schemeClr>
-          </a:lnRef>
-          <a:fillRef idx="1">
-            <a:schemeClr val="accent1"/>
-          </a:fillRef>
-          <a:effectRef idx="0">
-            <a:schemeClr val="accent1"/>
-          </a:effectRef>
-          <a:fontRef idx="minor">
-            <a:schemeClr val="lt1"/>
-          </a:fontRef>
-        </p:style>
-        <p:txBody>
-          <a:bodyPr rtlCol="1" anchor="ctr"/>
-          <a:lstStyle/>
-          <a:p>
-            <a:pPr algn="ctr"/>
-            <a:endParaRPr lang="he-IL"/>
-          </a:p>
-        </p:txBody>
-      </p:sp>
-      <p:sp>
-        <p:nvSpPr>
-          <p:cNvPr id="11" name="TextBox 10">
-            <a:extLst>
-              <a:ext uri="{FF2B5EF4-FFF2-40B4-BE49-F238E27FC236}">
-                <a16:creationId xmlns:a16="http://schemas.microsoft.com/office/drawing/2014/main" id="{9A288D7C-A916-72DF-28E0-2BE3B47D1537}"/>
-              </a:ext>
-            </a:extLst>
-          </p:cNvPr>
-          <p:cNvSpPr txBox="1"/>
-          <p:nvPr/>
-        </p:nvSpPr>
-        <p:spPr>
-          <a:xfrm>
-            <a:off x="2626657" y="4706235"/>
-            <a:ext cx="1587422" cy="646331"/>
-          </a:xfrm>
-          <a:prstGeom prst="rect">
-            <a:avLst/>
-          </a:prstGeom>
-          <a:solidFill>
-            <a:schemeClr val="bg1"/>
-          </a:solidFill>
-        </p:spPr>
-        <p:txBody>
-          <a:bodyPr wrap="none" rtlCol="1">
-            <a:spAutoFit/>
-          </a:bodyPr>
-          <a:lstStyle/>
-          <a:p>
-            <a:r>
-              <a:rPr lang="en-US" dirty="0"/>
-              <a:t>Test: 99.826%</a:t>
-            </a:r>
-          </a:p>
-          <a:p>
-            <a:r>
-              <a:rPr lang="en-US" dirty="0"/>
-              <a:t>Train: 100%</a:t>
-            </a:r>
-            <a:endParaRPr lang="he-IL" dirty="0"/>
-          </a:p>
-        </p:txBody>
-      </p:sp>
     </p:spTree>
     <p:extLst>
       <p:ext uri="{BB962C8B-B14F-4D97-AF65-F5344CB8AC3E}">
-        <p14:creationId xmlns:p14="http://schemas.microsoft.com/office/powerpoint/2010/main" val="964158003"/>
+        <p14:creationId xmlns:p14="http://schemas.microsoft.com/office/powerpoint/2010/main" val="1000910703"/>
       </p:ext>
     </p:extLst>
   </p:cSld>
@@ -21599,7 +22949,7 @@
 </p:sld>
 </file>
 
-<file path=ppt/slides/slide17.xml><?xml version="1.0" encoding="utf-8"?>
+<file path=ppt/slides/slide19.xml><?xml version="1.0" encoding="utf-8"?>
 <p:sld xmlns:a="http://schemas.openxmlformats.org/drawingml/2006/main" xmlns:r="http://schemas.openxmlformats.org/officeDocument/2006/relationships" xmlns:p="http://schemas.openxmlformats.org/presentationml/2006/main">
   <p:cSld>
     <p:spTree>
@@ -21655,63 +23005,6 @@
           </a:prstGeom>
         </p:spPr>
       </p:pic>
-      <p:sp>
-        <p:nvSpPr>
-          <p:cNvPr id="3" name="TextBox 2">
-            <a:extLst>
-              <a:ext uri="{FF2B5EF4-FFF2-40B4-BE49-F238E27FC236}">
-                <a16:creationId xmlns:a16="http://schemas.microsoft.com/office/drawing/2014/main" id="{77768752-7A27-CC1B-EC38-B67A722AB525}"/>
-              </a:ext>
-            </a:extLst>
-          </p:cNvPr>
-          <p:cNvSpPr txBox="1"/>
-          <p:nvPr/>
-        </p:nvSpPr>
-        <p:spPr>
-          <a:xfrm>
-            <a:off x="0" y="5009945"/>
-            <a:ext cx="2975116" cy="1569660"/>
-          </a:xfrm>
-          <a:prstGeom prst="rect">
-            <a:avLst/>
-          </a:prstGeom>
-          <a:noFill/>
-        </p:spPr>
-        <p:txBody>
-          <a:bodyPr wrap="square" rtlCol="1">
-            <a:spAutoFit/>
-          </a:bodyPr>
-          <a:lstStyle/>
-          <a:p>
-            <a:pPr algn="r" rtl="1"/>
-            <a:r>
-              <a:rPr lang="he-IL" sz="2400" dirty="0"/>
-              <a:t>מגישים:</a:t>
-            </a:r>
-          </a:p>
-          <a:p>
-            <a:pPr lvl="1" algn="r" rtl="1"/>
-            <a:r>
-              <a:rPr lang="he-IL" sz="2400" dirty="0"/>
-              <a:t>עדן אביטן</a:t>
-            </a:r>
-          </a:p>
-          <a:p>
-            <a:pPr lvl="1" algn="r" rtl="1"/>
-            <a:r>
-              <a:rPr lang="he-IL" sz="2400" dirty="0"/>
-              <a:t>רועי אספורטס</a:t>
-            </a:r>
-          </a:p>
-          <a:p>
-            <a:pPr lvl="1" algn="r" rtl="1"/>
-            <a:r>
-              <a:rPr lang="he-IL" sz="2400" dirty="0"/>
-              <a:t>תומר עפרוני</a:t>
-            </a:r>
-          </a:p>
-        </p:txBody>
-      </p:sp>
       <p:sp>
         <p:nvSpPr>
           <p:cNvPr id="7" name="TextBox 6">
@@ -21888,7 +23181,7 @@
                 <a:ea typeface="Tahoma" panose="020B0604030504040204" pitchFamily="34" charset="0"/>
                 <a:cs typeface="Tahoma" panose="020B0604030504040204" pitchFamily="34" charset="0"/>
               </a:rPr>
-              <a:t>הבעיה אותה הפרויקט בא לפתור היא בעיית סיווג נוזקות למשפחות באמצעות למידת מכונה. כלומר, סיווג </a:t>
+              <a:t>הבעיה אותה הפרויקט בא לפתור היא בעיית סיווג נוזקות (תוכנות מזיקות) למשפחות באמצעות למידת מכונה. כלומר, סיווג </a:t>
             </a:r>
             <a:r>
               <a:rPr lang="he-IL" sz="1400" b="1" dirty="0">
@@ -22128,6 +23421,240 @@
         </p:nvSpPr>
         <p:spPr>
           <a:xfrm>
+            <a:off x="668770" y="576521"/>
+            <a:ext cx="8596668" cy="1569779"/>
+          </a:xfrm>
+        </p:spPr>
+        <p:txBody>
+          <a:bodyPr>
+            <a:normAutofit/>
+          </a:bodyPr>
+          <a:lstStyle/>
+          <a:p>
+            <a:pPr algn="r" rtl="1">
+              <a:lnSpc>
+                <a:spcPct val="150000"/>
+              </a:lnSpc>
+              <a:buFont typeface="Wingdings" panose="05000000000000000000" pitchFamily="2" charset="2"/>
+              <a:buChar char="Ø"/>
+            </a:pPr>
+            <a:r>
+              <a:rPr lang="he-IL" sz="1400" b="1" dirty="0">
+                <a:solidFill>
+                  <a:srgbClr val="000000"/>
+                </a:solidFill>
+                <a:latin typeface="Tahoma" panose="020B0604030504040204" pitchFamily="34" charset="0"/>
+                <a:ea typeface="Tahoma" panose="020B0604030504040204" pitchFamily="34" charset="0"/>
+                <a:cs typeface="Tahoma" panose="020B0604030504040204" pitchFamily="34" charset="0"/>
+              </a:rPr>
+              <a:t>המרת </a:t>
+            </a:r>
+            <a:r>
+              <a:rPr lang="en-US" sz="1400" b="1" dirty="0">
+                <a:solidFill>
+                  <a:srgbClr val="000000"/>
+                </a:solidFill>
+                <a:latin typeface="Tahoma" panose="020B0604030504040204" pitchFamily="34" charset="0"/>
+                <a:ea typeface="Tahoma" panose="020B0604030504040204" pitchFamily="34" charset="0"/>
+                <a:cs typeface="Tahoma" panose="020B0604030504040204" pitchFamily="34" charset="0"/>
+              </a:rPr>
+              <a:t>Exe</a:t>
+            </a:r>
+            <a:r>
+              <a:rPr lang="he-IL" sz="1400" b="1" dirty="0">
+                <a:solidFill>
+                  <a:srgbClr val="000000"/>
+                </a:solidFill>
+                <a:latin typeface="Tahoma" panose="020B0604030504040204" pitchFamily="34" charset="0"/>
+                <a:ea typeface="Tahoma" panose="020B0604030504040204" pitchFamily="34" charset="0"/>
+                <a:cs typeface="Tahoma" panose="020B0604030504040204" pitchFamily="34" charset="0"/>
+              </a:rPr>
+              <a:t> לתמונה – </a:t>
+            </a:r>
+            <a:r>
+              <a:rPr lang="he-IL" sz="1400" dirty="0">
+                <a:solidFill>
+                  <a:srgbClr val="000000"/>
+                </a:solidFill>
+                <a:latin typeface="Tahoma" panose="020B0604030504040204" pitchFamily="34" charset="0"/>
+                <a:ea typeface="Tahoma" panose="020B0604030504040204" pitchFamily="34" charset="0"/>
+                <a:cs typeface="Tahoma" panose="020B0604030504040204" pitchFamily="34" charset="0"/>
+              </a:rPr>
+              <a:t>ממירים כל </a:t>
+            </a:r>
+            <a:r>
+              <a:rPr lang="en-US" sz="1400" dirty="0">
+                <a:solidFill>
+                  <a:srgbClr val="000000"/>
+                </a:solidFill>
+                <a:latin typeface="Tahoma" panose="020B0604030504040204" pitchFamily="34" charset="0"/>
+                <a:ea typeface="Tahoma" panose="020B0604030504040204" pitchFamily="34" charset="0"/>
+                <a:cs typeface="Tahoma" panose="020B0604030504040204" pitchFamily="34" charset="0"/>
+              </a:rPr>
+              <a:t>Byte</a:t>
+            </a:r>
+            <a:r>
+              <a:rPr lang="he-IL" sz="1400" dirty="0">
+                <a:solidFill>
+                  <a:srgbClr val="000000"/>
+                </a:solidFill>
+                <a:latin typeface="Tahoma" panose="020B0604030504040204" pitchFamily="34" charset="0"/>
+                <a:ea typeface="Tahoma" panose="020B0604030504040204" pitchFamily="34" charset="0"/>
+                <a:cs typeface="Tahoma" panose="020B0604030504040204" pitchFamily="34" charset="0"/>
+              </a:rPr>
+              <a:t> של קובץ ה-</a:t>
+            </a:r>
+            <a:r>
+              <a:rPr lang="en-US" sz="1400" dirty="0">
+                <a:solidFill>
+                  <a:srgbClr val="000000"/>
+                </a:solidFill>
+                <a:latin typeface="Tahoma" panose="020B0604030504040204" pitchFamily="34" charset="0"/>
+                <a:ea typeface="Tahoma" panose="020B0604030504040204" pitchFamily="34" charset="0"/>
+                <a:cs typeface="Tahoma" panose="020B0604030504040204" pitchFamily="34" charset="0"/>
+              </a:rPr>
+              <a:t>Exe</a:t>
+            </a:r>
+            <a:r>
+              <a:rPr lang="he-IL" sz="1400" dirty="0">
+                <a:solidFill>
+                  <a:srgbClr val="000000"/>
+                </a:solidFill>
+                <a:latin typeface="Tahoma" panose="020B0604030504040204" pitchFamily="34" charset="0"/>
+                <a:ea typeface="Tahoma" panose="020B0604030504040204" pitchFamily="34" charset="0"/>
+                <a:cs typeface="Tahoma" panose="020B0604030504040204" pitchFamily="34" charset="0"/>
+              </a:rPr>
+              <a:t> למספר בין 0 ל-255. לבסוף נקבל מערך חד מימדי של פיקסלים כך שמה שנותר לעשות זה להפוך אותו למערך דו-ממדי שיהווה את התמונה.</a:t>
+            </a:r>
+          </a:p>
+          <a:p>
+            <a:pPr algn="r" rtl="1">
+              <a:lnSpc>
+                <a:spcPct val="150000"/>
+              </a:lnSpc>
+              <a:buFont typeface="Wingdings" panose="05000000000000000000" pitchFamily="2" charset="2"/>
+              <a:buChar char="Ø"/>
+            </a:pPr>
+            <a:r>
+              <a:rPr lang="he-IL" sz="1400" dirty="0">
+                <a:solidFill>
+                  <a:srgbClr val="000000"/>
+                </a:solidFill>
+                <a:latin typeface="Tahoma" panose="020B0604030504040204" pitchFamily="34" charset="0"/>
+                <a:ea typeface="Tahoma" panose="020B0604030504040204" pitchFamily="34" charset="0"/>
+                <a:cs typeface="Tahoma" panose="020B0604030504040204" pitchFamily="34" charset="0"/>
+              </a:rPr>
+              <a:t>מאגר הנתונים בוא נשתמש נקרא </a:t>
+            </a:r>
+            <a:r>
+              <a:rPr lang="en-US" sz="1400" b="1" dirty="0" err="1">
+                <a:solidFill>
+                  <a:srgbClr val="000000"/>
+                </a:solidFill>
+                <a:latin typeface="Tahoma" panose="020B0604030504040204" pitchFamily="34" charset="0"/>
+                <a:ea typeface="Tahoma" panose="020B0604030504040204" pitchFamily="34" charset="0"/>
+                <a:cs typeface="Tahoma" panose="020B0604030504040204" pitchFamily="34" charset="0"/>
+              </a:rPr>
+              <a:t>Malimg</a:t>
+            </a:r>
+            <a:r>
+              <a:rPr lang="he-IL" sz="1400" dirty="0">
+                <a:solidFill>
+                  <a:srgbClr val="000000"/>
+                </a:solidFill>
+                <a:latin typeface="Tahoma" panose="020B0604030504040204" pitchFamily="34" charset="0"/>
+                <a:ea typeface="Tahoma" panose="020B0604030504040204" pitchFamily="34" charset="0"/>
+                <a:cs typeface="Tahoma" panose="020B0604030504040204" pitchFamily="34" charset="0"/>
+              </a:rPr>
+              <a:t> אשר מכיל כ-9,764 תמונות מ-25 משפחות שונות של נוזקות.</a:t>
+            </a:r>
+          </a:p>
+        </p:txBody>
+      </p:sp>
+      <p:pic>
+        <p:nvPicPr>
+          <p:cNvPr id="4" name="Picture 3" descr="A picture containing outdoor&#10;&#10;Description automatically generated">
+            <a:extLst>
+              <a:ext uri="{FF2B5EF4-FFF2-40B4-BE49-F238E27FC236}">
+                <a16:creationId xmlns:a16="http://schemas.microsoft.com/office/drawing/2014/main" id="{A412CD90-2EA8-E751-864D-0DBA57A39347}"/>
+              </a:ext>
+            </a:extLst>
+          </p:cNvPr>
+          <p:cNvPicPr>
+            <a:picLocks noChangeAspect="1"/>
+          </p:cNvPicPr>
+          <p:nvPr/>
+        </p:nvPicPr>
+        <p:blipFill>
+          <a:blip r:embed="rId3">
+            <a:extLst>
+              <a:ext uri="{28A0092B-C50C-407E-A947-70E740481C1C}">
+                <a14:useLocalDpi xmlns:a14="http://schemas.microsoft.com/office/drawing/2010/main" val="0"/>
+              </a:ext>
+            </a:extLst>
+          </a:blip>
+          <a:stretch>
+            <a:fillRect/>
+          </a:stretch>
+        </p:blipFill>
+        <p:spPr>
+          <a:xfrm>
+            <a:off x="668770" y="2766852"/>
+            <a:ext cx="4891950" cy="3705127"/>
+          </a:xfrm>
+          <a:prstGeom prst="rect">
+            <a:avLst/>
+          </a:prstGeom>
+        </p:spPr>
+      </p:pic>
+    </p:spTree>
+    <p:extLst>
+      <p:ext uri="{BB962C8B-B14F-4D97-AF65-F5344CB8AC3E}">
+        <p14:creationId xmlns:p14="http://schemas.microsoft.com/office/powerpoint/2010/main" val="585070835"/>
+      </p:ext>
+    </p:extLst>
+  </p:cSld>
+  <p:clrMapOvr>
+    <a:masterClrMapping/>
+  </p:clrMapOvr>
+</p:sld>
+</file>
+
+<file path=ppt/slides/slide4.xml><?xml version="1.0" encoding="utf-8"?>
+<p:sld xmlns:a="http://schemas.openxmlformats.org/drawingml/2006/main" xmlns:r="http://schemas.openxmlformats.org/officeDocument/2006/relationships" xmlns:p="http://schemas.openxmlformats.org/presentationml/2006/main">
+  <p:cSld>
+    <p:spTree>
+      <p:nvGrpSpPr>
+        <p:cNvPr id="1" name=""/>
+        <p:cNvGrpSpPr/>
+        <p:nvPr/>
+      </p:nvGrpSpPr>
+      <p:grpSpPr>
+        <a:xfrm>
+          <a:off x="0" y="0"/>
+          <a:ext cx="0" cy="0"/>
+          <a:chOff x="0" y="0"/>
+          <a:chExt cx="0" cy="0"/>
+        </a:xfrm>
+      </p:grpSpPr>
+      <p:sp>
+        <p:nvSpPr>
+          <p:cNvPr id="3" name="Content Placeholder 2">
+            <a:extLst>
+              <a:ext uri="{FF2B5EF4-FFF2-40B4-BE49-F238E27FC236}">
+                <a16:creationId xmlns:a16="http://schemas.microsoft.com/office/drawing/2014/main" id="{19786AB6-F422-61B0-0DF1-BDC019B99EA8}"/>
+              </a:ext>
+            </a:extLst>
+          </p:cNvPr>
+          <p:cNvSpPr>
+            <a:spLocks noGrp="1"/>
+          </p:cNvSpPr>
+          <p:nvPr>
+            <p:ph idx="1"/>
+          </p:nvPr>
+        </p:nvSpPr>
+        <p:spPr>
+          <a:xfrm>
             <a:off x="836824" y="1573619"/>
             <a:ext cx="8596668" cy="3253563"/>
           </a:xfrm>
@@ -22205,7 +23732,29 @@
                 <a:ea typeface="Tahoma" panose="020B0604030504040204" pitchFamily="34" charset="0"/>
                 <a:cs typeface="Tahoma" panose="020B0604030504040204" pitchFamily="34" charset="0"/>
               </a:rPr>
-              <a:t> בעלי קווי דמיון משותף למודלים המוצגים במחקר ולהשוות את תוצאותינו לתוצאותיו.</a:t>
+              <a:t> (רשת נוירונים </a:t>
+            </a:r>
+            <a:r>
+              <a:rPr lang="he-IL" sz="1400" dirty="0" err="1">
+                <a:solidFill>
+                  <a:srgbClr val="000000"/>
+                </a:solidFill>
+                <a:latin typeface="Tahoma" panose="020B0604030504040204" pitchFamily="34" charset="0"/>
+                <a:ea typeface="Tahoma" panose="020B0604030504040204" pitchFamily="34" charset="0"/>
+                <a:cs typeface="Tahoma" panose="020B0604030504040204" pitchFamily="34" charset="0"/>
+              </a:rPr>
+              <a:t>קונבולוציונית</a:t>
+            </a:r>
+            <a:r>
+              <a:rPr lang="he-IL" sz="1400" dirty="0">
+                <a:solidFill>
+                  <a:srgbClr val="000000"/>
+                </a:solidFill>
+                <a:latin typeface="Tahoma" panose="020B0604030504040204" pitchFamily="34" charset="0"/>
+                <a:ea typeface="Tahoma" panose="020B0604030504040204" pitchFamily="34" charset="0"/>
+                <a:cs typeface="Tahoma" panose="020B0604030504040204" pitchFamily="34" charset="0"/>
+              </a:rPr>
+              <a:t>) בעלי קווי דמיון משותף למודלים המוצגים במחקר ולהשוות את תוצאותינו לתוצאותיו.</a:t>
             </a:r>
             <a:br>
               <a:rPr lang="en-US" sz="1400" dirty="0">
@@ -22370,7 +23919,7 @@
 </p:sld>
 </file>
 
-<file path=ppt/slides/slide4.xml><?xml version="1.0" encoding="utf-8"?>
+<file path=ppt/slides/slide5.xml><?xml version="1.0" encoding="utf-8"?>
 <p:sld xmlns:a="http://schemas.openxmlformats.org/drawingml/2006/main" xmlns:r="http://schemas.openxmlformats.org/officeDocument/2006/relationships" xmlns:p="http://schemas.openxmlformats.org/presentationml/2006/main">
   <p:cSld>
     <p:bg>
@@ -22818,7 +24367,7 @@
 </p:sld>
 </file>
 
-<file path=ppt/slides/slide5.xml><?xml version="1.0" encoding="utf-8"?>
+<file path=ppt/slides/slide6.xml><?xml version="1.0" encoding="utf-8"?>
 <p:sld xmlns:a="http://schemas.openxmlformats.org/drawingml/2006/main" xmlns:r="http://schemas.openxmlformats.org/officeDocument/2006/relationships" xmlns:p="http://schemas.openxmlformats.org/presentationml/2006/main">
   <p:cSld>
     <p:spTree>
@@ -23090,7 +24639,29 @@
                 <a:ea typeface="Tahoma" panose="020B0604030504040204" pitchFamily="34" charset="0"/>
                 <a:cs typeface="Tahoma" panose="020B0604030504040204" pitchFamily="34" charset="0"/>
               </a:rPr>
-              <a:t>זוהי סוג של רשת נוירונים המשמשת בעיקר לניתוח תמונות. הרשת מבוססת על שכבות כינוס (</a:t>
+              <a:t>זוהי סוג של רשת נוירונים המשמשת בעיקר לניתוח תמונות. הרשת מבוססת על שכבות </a:t>
+            </a:r>
+            <a:r>
+              <a:rPr lang="he-IL" sz="1400" dirty="0" err="1">
+                <a:solidFill>
+                  <a:srgbClr val="000000"/>
+                </a:solidFill>
+                <a:latin typeface="Tahoma" panose="020B0604030504040204" pitchFamily="34" charset="0"/>
+                <a:ea typeface="Tahoma" panose="020B0604030504040204" pitchFamily="34" charset="0"/>
+                <a:cs typeface="Tahoma" panose="020B0604030504040204" pitchFamily="34" charset="0"/>
+              </a:rPr>
+              <a:t>קנובולוציה</a:t>
+            </a:r>
+            <a:r>
+              <a:rPr lang="he-IL" sz="1400" dirty="0">
+                <a:solidFill>
+                  <a:srgbClr val="000000"/>
+                </a:solidFill>
+                <a:latin typeface="Tahoma" panose="020B0604030504040204" pitchFamily="34" charset="0"/>
+                <a:ea typeface="Tahoma" panose="020B0604030504040204" pitchFamily="34" charset="0"/>
+                <a:cs typeface="Tahoma" panose="020B0604030504040204" pitchFamily="34" charset="0"/>
+              </a:rPr>
+              <a:t> (</a:t>
             </a:r>
             <a:r>
               <a:rPr lang="en-US" sz="1400" dirty="0">
@@ -23160,7 +24731,7 @@
 </p:sld>
 </file>
 
-<file path=ppt/slides/slide6.xml><?xml version="1.0" encoding="utf-8"?>
+<file path=ppt/slides/slide7.xml><?xml version="1.0" encoding="utf-8"?>
 <p:sld xmlns:a="http://schemas.openxmlformats.org/drawingml/2006/main" xmlns:r="http://schemas.openxmlformats.org/officeDocument/2006/relationships" xmlns:p="http://schemas.openxmlformats.org/presentationml/2006/main">
   <p:cSld>
     <p:spTree>
@@ -23806,7 +25377,7 @@
 </p:sld>
 </file>
 
-<file path=ppt/slides/slide7.xml><?xml version="1.0" encoding="utf-8"?>
+<file path=ppt/slides/slide8.xml><?xml version="1.0" encoding="utf-8"?>
 <p:sld xmlns:a="http://schemas.openxmlformats.org/drawingml/2006/main" xmlns:r="http://schemas.openxmlformats.org/officeDocument/2006/relationships" xmlns:p="http://schemas.openxmlformats.org/presentationml/2006/main">
   <p:cSld>
     <p:spTree>
@@ -24405,7 +25976,7 @@
 </p:sld>
 </file>
 
-<file path=ppt/slides/slide8.xml><?xml version="1.0" encoding="utf-8"?>
+<file path=ppt/slides/slide9.xml><?xml version="1.0" encoding="utf-8"?>
 <p:sld xmlns:a="http://schemas.openxmlformats.org/drawingml/2006/main" xmlns:r="http://schemas.openxmlformats.org/officeDocument/2006/relationships" xmlns:p="http://schemas.openxmlformats.org/presentationml/2006/main">
   <p:cSld>
     <p:spTree>
@@ -27232,158 +28803,6 @@
 </p:sld>
 </file>
 
-<file path=ppt/slides/slide9.xml><?xml version="1.0" encoding="utf-8"?>
-<p:sld xmlns:a="http://schemas.openxmlformats.org/drawingml/2006/main" xmlns:r="http://schemas.openxmlformats.org/officeDocument/2006/relationships" xmlns:p="http://schemas.openxmlformats.org/presentationml/2006/main">
-  <p:cSld>
-    <p:spTree>
-      <p:nvGrpSpPr>
-        <p:cNvPr id="1" name=""/>
-        <p:cNvGrpSpPr/>
-        <p:nvPr/>
-      </p:nvGrpSpPr>
-      <p:grpSpPr>
-        <a:xfrm>
-          <a:off x="0" y="0"/>
-          <a:ext cx="0" cy="0"/>
-          <a:chOff x="0" y="0"/>
-          <a:chExt cx="0" cy="0"/>
-        </a:xfrm>
-      </p:grpSpPr>
-      <p:pic>
-        <p:nvPicPr>
-          <p:cNvPr id="4" name="Picture 3">
-            <a:extLst>
-              <a:ext uri="{FF2B5EF4-FFF2-40B4-BE49-F238E27FC236}">
-                <a16:creationId xmlns:a16="http://schemas.microsoft.com/office/drawing/2014/main" id="{307B948E-6152-D2B0-0F4E-AABBD5149F70}"/>
-              </a:ext>
-            </a:extLst>
-          </p:cNvPr>
-          <p:cNvPicPr>
-            <a:picLocks noChangeAspect="1"/>
-          </p:cNvPicPr>
-          <p:nvPr/>
-        </p:nvPicPr>
-        <p:blipFill>
-          <a:blip r:embed="rId3">
-            <a:extLst>
-              <a:ext uri="{28A0092B-C50C-407E-A947-70E740481C1C}">
-                <a14:useLocalDpi xmlns:a14="http://schemas.microsoft.com/office/drawing/2010/main" val="0"/>
-              </a:ext>
-            </a:extLst>
-          </a:blip>
-          <a:srcRect/>
-          <a:stretch>
-            <a:fillRect/>
-          </a:stretch>
-        </p:blipFill>
-        <p:spPr bwMode="auto">
-          <a:xfrm>
-            <a:off x="1089597" y="1264920"/>
-            <a:ext cx="7870999" cy="4328160"/>
-          </a:xfrm>
-          <a:prstGeom prst="rect">
-            <a:avLst/>
-          </a:prstGeom>
-          <a:noFill/>
-          <a:ln>
-            <a:noFill/>
-          </a:ln>
-        </p:spPr>
-      </p:pic>
-      <p:sp>
-        <p:nvSpPr>
-          <p:cNvPr id="5" name="TextBox 4">
-            <a:extLst>
-              <a:ext uri="{FF2B5EF4-FFF2-40B4-BE49-F238E27FC236}">
-                <a16:creationId xmlns:a16="http://schemas.microsoft.com/office/drawing/2014/main" id="{4A87E90A-8610-868B-0996-09210631305F}"/>
-              </a:ext>
-            </a:extLst>
-          </p:cNvPr>
-          <p:cNvSpPr txBox="1"/>
-          <p:nvPr/>
-        </p:nvSpPr>
-        <p:spPr>
-          <a:xfrm>
-            <a:off x="1479108" y="340428"/>
-            <a:ext cx="6103088" cy="474041"/>
-          </a:xfrm>
-          <a:prstGeom prst="rect">
-            <a:avLst/>
-          </a:prstGeom>
-          <a:noFill/>
-        </p:spPr>
-        <p:txBody>
-          <a:bodyPr wrap="square">
-            <a:spAutoFit/>
-          </a:bodyPr>
-          <a:lstStyle/>
-          <a:p>
-            <a:pPr algn="ctr">
-              <a:lnSpc>
-                <a:spcPct val="115000"/>
-              </a:lnSpc>
-              <a:spcAft>
-                <a:spcPts val="800"/>
-              </a:spcAft>
-            </a:pPr>
-            <a:r>
-              <a:rPr lang="en-US" sz="2400" dirty="0">
-                <a:solidFill>
-                  <a:srgbClr val="000000"/>
-                </a:solidFill>
-                <a:effectLst/>
-                <a:latin typeface="Tahoma" panose="020B0604030504040204" pitchFamily="34" charset="0"/>
-                <a:ea typeface="Tahoma" panose="020B0604030504040204" pitchFamily="34" charset="0"/>
-                <a:cs typeface="Tahoma" panose="020B0604030504040204" pitchFamily="34" charset="0"/>
-              </a:rPr>
-              <a:t>K</a:t>
-            </a:r>
-            <a:r>
-              <a:rPr lang="he-IL" sz="2400" dirty="0">
-                <a:solidFill>
-                  <a:srgbClr val="000000"/>
-                </a:solidFill>
-                <a:effectLst/>
-                <a:latin typeface="Tahoma" panose="020B0604030504040204" pitchFamily="34" charset="0"/>
-                <a:ea typeface="Tahoma" panose="020B0604030504040204" pitchFamily="34" charset="0"/>
-                <a:cs typeface="Tahoma" panose="020B0604030504040204" pitchFamily="34" charset="0"/>
-              </a:rPr>
-              <a:t>-</a:t>
-            </a:r>
-            <a:r>
-              <a:rPr lang="en-US" sz="2400" dirty="0">
-                <a:solidFill>
-                  <a:srgbClr val="000000"/>
-                </a:solidFill>
-                <a:effectLst/>
-                <a:latin typeface="Tahoma" panose="020B0604030504040204" pitchFamily="34" charset="0"/>
-                <a:ea typeface="Tahoma" panose="020B0604030504040204" pitchFamily="34" charset="0"/>
-                <a:cs typeface="Tahoma" panose="020B0604030504040204" pitchFamily="34" charset="0"/>
-              </a:rPr>
-              <a:t>Fold</a:t>
-            </a:r>
-            <a:endParaRPr lang="en-IL" dirty="0">
-              <a:effectLst/>
-              <a:latin typeface="Tahoma" panose="020B0604030504040204" pitchFamily="34" charset="0"/>
-              <a:ea typeface="Tahoma" panose="020B0604030504040204" pitchFamily="34" charset="0"/>
-              <a:cs typeface="Tahoma" panose="020B0604030504040204" pitchFamily="34" charset="0"/>
-            </a:endParaRPr>
-          </a:p>
-        </p:txBody>
-      </p:sp>
-    </p:spTree>
-    <p:extLst>
-      <p:ext uri="{BB962C8B-B14F-4D97-AF65-F5344CB8AC3E}">
-        <p14:creationId xmlns:p14="http://schemas.microsoft.com/office/powerpoint/2010/main" val="3826732152"/>
-      </p:ext>
-    </p:extLst>
-  </p:cSld>
-  <p:clrMapOvr>
-    <a:masterClrMapping/>
-  </p:clrMapOvr>
-</p:sld>
-</file>
-
 <file path=ppt/theme/theme1.xml><?xml version="1.0" encoding="utf-8"?>
 <a:theme xmlns:a="http://schemas.openxmlformats.org/drawingml/2006/main" name="Facet">
   <a:themeElements>

--- a/Docs/ProjectPresentation.pptx
+++ b/Docs/ProjectPresentation.pptx
@@ -2824,7 +2824,7 @@
           <a:p>
             <a:fld id="{11205BC0-9DE1-49B5-A64C-1FBCD9FC7A76}" type="datetimeFigureOut">
               <a:rPr lang="he-IL" smtClean="0"/>
-              <a:t>ל'/תשרי/תשפ"ג</a:t>
+              <a:t>א'/חשון/תשפ"ג</a:t>
             </a:fld>
             <a:endParaRPr lang="he-IL"/>
           </a:p>
@@ -3375,7 +3375,7 @@
                   <a:schemeClr val="tx1"/>
                 </a:solidFill>
               </a:rPr>
-              <a:t> – עבור </a:t>
+              <a:t> (בצהוב) – עבור </a:t>
             </a:r>
             <a:r>
               <a:rPr lang="en-US" sz="1400" dirty="0">
@@ -3425,7 +3425,7 @@
                 <a:ea typeface="Times New Roman" panose="02020603050405020304" pitchFamily="18" charset="0"/>
                 <a:cs typeface="Arial" panose="020B0604020202020204" pitchFamily="34" charset="0"/>
               </a:rPr>
-              <a:t>Curse of Dimensionality</a:t>
+              <a:t>Curse of Dimensionality (LDA)</a:t>
             </a:r>
             <a:r>
               <a:rPr lang="he-IL" sz="1400" kern="1100" dirty="0">
@@ -3525,7 +3525,7 @@
                 <a:latin typeface="Tahoma" panose="020B0604030504040204" pitchFamily="34" charset="0"/>
                 <a:ea typeface="Times New Roman" panose="02020603050405020304" pitchFamily="18" charset="0"/>
               </a:rPr>
-              <a:t>Variable Collinear</a:t>
+              <a:t>Variable Collinear (QDA)</a:t>
             </a:r>
             <a:r>
               <a:rPr lang="he-IL" sz="1400" kern="1100" dirty="0">
@@ -4084,7 +4084,7 @@
             </a:r>
             <a:r>
               <a:rPr lang="en-US" dirty="0" err="1"/>
-              <a:t>AutorunK</a:t>
+              <a:t>Autorun.K</a:t>
             </a:r>
             <a:r>
               <a:rPr lang="en-US" dirty="0"/>
@@ -4092,11 +4092,11 @@
             </a:r>
             <a:r>
               <a:rPr lang="en-US" dirty="0" err="1"/>
-              <a:t>YunarA</a:t>
+              <a:t>Yunar.A</a:t>
             </a:r>
             <a:r>
               <a:rPr lang="he-IL" dirty="0"/>
-              <a:t> נפתר אצלנו: אין דרך קונקרטית לדעת, אבל ניתן לשאר שזה נפתר בעקבות השימוש ביותר פיצ'רים וביותר פילטרים עבור המודל.</a:t>
+              <a:t> נפתר אצלנו: אין דרך קונקרטית לדעת, אבל ניתן לשער שזה נפתר בעקבות השימוש ביותר פילטרים עבור המודל.</a:t>
             </a:r>
           </a:p>
           <a:p>
@@ -4191,7 +4191,7 @@
             <a:pPr algn="r" rtl="1"/>
             <a:r>
               <a:rPr lang="he-IL" dirty="0"/>
-              <a:t>תומר</a:t>
+              <a:t>עדן</a:t>
             </a:r>
           </a:p>
         </p:txBody>
@@ -4279,7 +4279,7 @@
             <a:pPr algn="r" rtl="1"/>
             <a:r>
               <a:rPr lang="he-IL" dirty="0"/>
-              <a:t>תומר</a:t>
+              <a:t>עדן</a:t>
             </a:r>
           </a:p>
         </p:txBody>
@@ -4364,6 +4364,7 @@
           <a:bodyPr/>
           <a:lstStyle/>
           <a:p>
+            <a:pPr algn="r" rtl="1"/>
             <a:endParaRPr lang="he-IL" dirty="0"/>
           </a:p>
         </p:txBody>
@@ -4477,7 +4478,7 @@
             <a:pPr algn="r" rtl="1"/>
             <a:r>
               <a:rPr lang="he-IL" dirty="0"/>
-              <a:t>	כלומר, המרת הבעיה מזיהוי נוזקות כפי שהן, לכדי תמונות ופתירת הבעיה באמצעות למידת מכונה.</a:t>
+              <a:t>                 כלומר, המרת הבעיה מזיהוי נוזקות כפי שהן, לכדי תמונות ופתירת הבעיה באמצעות למידת מכונה.</a:t>
             </a:r>
           </a:p>
           <a:p>
@@ -4547,7 +4548,7 @@
                 <a:effectLst/>
                 <a:latin typeface="Arial" panose="020B0604020202020204" pitchFamily="34" charset="0"/>
               </a:rPr>
-              <a:t>ופשוט ממירים כל </a:t>
+              <a:t> ופשוט ממירים כל </a:t>
             </a:r>
             <a:r>
               <a:rPr lang="en-US" sz="1800" b="0" i="0" u="none" strike="noStrike" dirty="0">
@@ -4567,7 +4568,7 @@
                 <a:effectLst/>
                 <a:latin typeface="Arial" panose="020B0604020202020204" pitchFamily="34" charset="0"/>
               </a:rPr>
-              <a:t>בקובץ לכדי מספר בין 0 ל-255. בסופו של דבר קיבלנו מערך חד מימדי של פיקסלים ומה שנותר לעשות  זה להפוך אותו למערך דו-ממדי שיהווה את התמונה. אין איזו שיטה מוגדרת להמרה למערך דו מימדי.</a:t>
+              <a:t> בקובץ לכדי מספר בין 0 ל-255. בסופו של דבר קיבלנו מערך חד מימדי של פיקסלים ומה שנותר לעשות  זה להפוך אותו למערך דו-ממדי שיהווה את התמונה. אין איזו שיטה מוגדרת להמרה למערך דו מימדי.</a:t>
             </a:r>
             <a:endParaRPr lang="he-IL" dirty="0"/>
           </a:p>
@@ -4856,9 +4857,21 @@
           </a:p>
           <a:p>
             <a:pPr algn="r" rtl="1"/>
+            <a:endParaRPr lang="he-IL" dirty="0"/>
+          </a:p>
+          <a:p>
+            <a:pPr algn="r" rtl="1"/>
+            <a:endParaRPr lang="he-IL" dirty="0"/>
+          </a:p>
+          <a:p>
+            <a:pPr algn="r" rtl="1"/>
+            <a:r>
+              <a:rPr lang="he-IL" b="1" dirty="0"/>
+              <a:t>חשוב לדעת: </a:t>
+            </a:r>
             <a:r>
               <a:rPr lang="he-IL" dirty="0"/>
-              <a:t>חשוב שנדע שלמידה מונחית מתעסקת בנתינת </a:t>
+              <a:t>למידה מונחית מתעסקת בנתינת </a:t>
             </a:r>
             <a:r>
               <a:rPr lang="he-IL" dirty="0" err="1"/>
@@ -5247,7 +5260,7 @@
             </a:r>
             <a:r>
               <a:rPr lang="he-IL" dirty="0"/>
-              <a:t> ולהסביר בקצרה מה זה. להסביר מה זה מיפוי תמונות ולמה עשינו זאת.</a:t>
+              <a:t> ולהסביר בקצרה מה זה. </a:t>
             </a:r>
           </a:p>
           <a:p>
@@ -5262,7 +5275,7 @@
             </a:r>
             <a:r>
               <a:rPr lang="he-IL" dirty="0"/>
-              <a:t> היכולת שנות את גודלה של התמונה מבלי לאבד/לחתוך חלק מהמידע שקיים בה.</a:t>
+              <a:t> היכולת לשנות את גודלה של התמונה מבלי לחתוך חלק מהמידע שקיים בה.</a:t>
             </a:r>
           </a:p>
         </p:txBody>
@@ -5356,6 +5369,10 @@
           <a:p>
             <a:pPr algn="r" rtl="1"/>
             <a:r>
+              <a:rPr lang="he-IL" b="1" dirty="0"/>
+              <a:t>בניית המודלים: </a:t>
+            </a:r>
+            <a:r>
               <a:rPr lang="he-IL" dirty="0"/>
               <a:t>המודלים הפשוטים מהווים נקודות יחוס עבורנו.</a:t>
             </a:r>
@@ -5363,22 +5380,39 @@
           <a:p>
             <a:pPr algn="r" rtl="1"/>
             <a:r>
+              <a:rPr lang="he-IL" b="1" dirty="0"/>
+              <a:t>אימון המודלים:</a:t>
+            </a:r>
+            <a:r>
               <a:rPr lang="he-IL" dirty="0"/>
-              <a:t>לדעת בכלליות מה ההבדלים ביניהם לבין האחרים.</a:t>
-            </a:r>
-          </a:p>
-          <a:p>
-            <a:pPr algn="r" rtl="1"/>
+              <a:t> להדגיש שבדיקת הנתונים מתבצעת על סדרת המבחן – בודקים נתונים שהמודלים לא ראו קודם לכן.</a:t>
+            </a:r>
+          </a:p>
+          <a:p>
+            <a:pPr marL="0" marR="0" lvl="0" indent="0" algn="r" defTabSz="914400" rtl="1" eaLnBrk="1" fontAlgn="auto" latinLnBrk="0" hangingPunct="1">
+              <a:lnSpc>
+                <a:spcPct val="100000"/>
+              </a:lnSpc>
+              <a:spcBef>
+                <a:spcPts val="0"/>
+              </a:spcBef>
+              <a:spcAft>
+                <a:spcPts val="0"/>
+              </a:spcAft>
+              <a:buClrTx/>
+              <a:buSzTx/>
+              <a:buFontTx/>
+              <a:buNone/>
+              <a:tabLst/>
+              <a:defRPr/>
+            </a:pPr>
+            <a:r>
+              <a:rPr lang="he-IL" b="1" dirty="0"/>
+              <a:t>ניתוח תוצאות:</a:t>
+            </a:r>
             <a:r>
               <a:rPr lang="he-IL" dirty="0"/>
-              <a:t>להדגיש שבדיקת הנתונים מתבצעת על סדרת המבחן – בודקים נתונים שהמודלים לא ראו קודם לכן.</a:t>
-            </a:r>
-          </a:p>
-          <a:p>
-            <a:pPr algn="r" rtl="1"/>
-            <a:r>
-              <a:rPr lang="he-IL" dirty="0"/>
-              <a:t>לדעת שמבחינתנו תוצאה מהווה </a:t>
+              <a:t> להגיד שמבחינתנו תוצאה מהווה </a:t>
             </a:r>
             <a:r>
               <a:rPr lang="he-IL" b="1" dirty="0"/>
@@ -5388,6 +5422,10 @@
               <a:rPr lang="he-IL" dirty="0"/>
               <a:t> המודל.</a:t>
             </a:r>
+          </a:p>
+          <a:p>
+            <a:pPr algn="r" rtl="1"/>
+            <a:endParaRPr lang="he-IL" dirty="0"/>
           </a:p>
         </p:txBody>
       </p:sp>
@@ -6149,7 +6187,7 @@
           <a:p>
             <a:fld id="{50951492-DE4F-4CD9-A31F-3E1DD746501E}" type="datetimeFigureOut">
               <a:rPr lang="he-IL" smtClean="0"/>
-              <a:t>ל'/תשרי/תשפ"ג</a:t>
+              <a:t>א'/חשון/תשפ"ג</a:t>
             </a:fld>
             <a:endParaRPr lang="he-IL"/>
           </a:p>
@@ -6400,7 +6438,7 @@
           <a:p>
             <a:fld id="{50951492-DE4F-4CD9-A31F-3E1DD746501E}" type="datetimeFigureOut">
               <a:rPr lang="he-IL" smtClean="0"/>
-              <a:t>ל'/תשרי/תשפ"ג</a:t>
+              <a:t>א'/חשון/תשפ"ג</a:t>
             </a:fld>
             <a:endParaRPr lang="he-IL"/>
           </a:p>
@@ -6714,7 +6752,7 @@
           <a:p>
             <a:fld id="{50951492-DE4F-4CD9-A31F-3E1DD746501E}" type="datetimeFigureOut">
               <a:rPr lang="he-IL" smtClean="0"/>
-              <a:t>ל'/תשרי/תשפ"ג</a:t>
+              <a:t>א'/חשון/תשפ"ג</a:t>
             </a:fld>
             <a:endParaRPr lang="he-IL"/>
           </a:p>
@@ -7055,7 +7093,7 @@
           <a:p>
             <a:fld id="{50951492-DE4F-4CD9-A31F-3E1DD746501E}" type="datetimeFigureOut">
               <a:rPr lang="he-IL" smtClean="0"/>
-              <a:t>ל'/תשרי/תשפ"ג</a:t>
+              <a:t>א'/חשון/תשפ"ג</a:t>
             </a:fld>
             <a:endParaRPr lang="he-IL"/>
           </a:p>
@@ -7369,7 +7407,7 @@
           <a:p>
             <a:fld id="{50951492-DE4F-4CD9-A31F-3E1DD746501E}" type="datetimeFigureOut">
               <a:rPr lang="he-IL" smtClean="0"/>
-              <a:t>ל'/תשרי/תשפ"ג</a:t>
+              <a:t>א'/חשון/תשפ"ג</a:t>
             </a:fld>
             <a:endParaRPr lang="he-IL"/>
           </a:p>
@@ -7762,7 +7800,7 @@
           <a:p>
             <a:fld id="{50951492-DE4F-4CD9-A31F-3E1DD746501E}" type="datetimeFigureOut">
               <a:rPr lang="he-IL" smtClean="0"/>
-              <a:t>ל'/תשרי/תשפ"ג</a:t>
+              <a:t>א'/חשון/תשפ"ג</a:t>
             </a:fld>
             <a:endParaRPr lang="he-IL"/>
           </a:p>
@@ -7932,7 +7970,7 @@
           <a:p>
             <a:fld id="{50951492-DE4F-4CD9-A31F-3E1DD746501E}" type="datetimeFigureOut">
               <a:rPr lang="he-IL" smtClean="0"/>
-              <a:t>ל'/תשרי/תשפ"ג</a:t>
+              <a:t>א'/חשון/תשפ"ג</a:t>
             </a:fld>
             <a:endParaRPr lang="he-IL"/>
           </a:p>
@@ -8112,7 +8150,7 @@
           <a:p>
             <a:fld id="{50951492-DE4F-4CD9-A31F-3E1DD746501E}" type="datetimeFigureOut">
               <a:rPr lang="he-IL" smtClean="0"/>
-              <a:t>ל'/תשרי/תשפ"ג</a:t>
+              <a:t>א'/חשון/תשפ"ג</a:t>
             </a:fld>
             <a:endParaRPr lang="he-IL"/>
           </a:p>
@@ -8288,7 +8326,7 @@
           <a:p>
             <a:fld id="{50951492-DE4F-4CD9-A31F-3E1DD746501E}" type="datetimeFigureOut">
               <a:rPr lang="he-IL" smtClean="0"/>
-              <a:t>ל'/תשרי/תשפ"ג</a:t>
+              <a:t>א'/חשון/תשפ"ג</a:t>
             </a:fld>
             <a:endParaRPr lang="he-IL"/>
           </a:p>
@@ -8535,7 +8573,7 @@
           <a:p>
             <a:fld id="{50951492-DE4F-4CD9-A31F-3E1DD746501E}" type="datetimeFigureOut">
               <a:rPr lang="he-IL" smtClean="0"/>
-              <a:t>ל'/תשרי/תשפ"ג</a:t>
+              <a:t>א'/חשון/תשפ"ג</a:t>
             </a:fld>
             <a:endParaRPr lang="he-IL"/>
           </a:p>
@@ -8767,7 +8805,7 @@
           <a:p>
             <a:fld id="{50951492-DE4F-4CD9-A31F-3E1DD746501E}" type="datetimeFigureOut">
               <a:rPr lang="he-IL" smtClean="0"/>
-              <a:t>ל'/תשרי/תשפ"ג</a:t>
+              <a:t>א'/חשון/תשפ"ג</a:t>
             </a:fld>
             <a:endParaRPr lang="he-IL"/>
           </a:p>
@@ -9141,7 +9179,7 @@
           <a:p>
             <a:fld id="{50951492-DE4F-4CD9-A31F-3E1DD746501E}" type="datetimeFigureOut">
               <a:rPr lang="he-IL" smtClean="0"/>
-              <a:t>ל'/תשרי/תשפ"ג</a:t>
+              <a:t>א'/חשון/תשפ"ג</a:t>
             </a:fld>
             <a:endParaRPr lang="he-IL"/>
           </a:p>
@@ -9264,7 +9302,7 @@
           <a:p>
             <a:fld id="{50951492-DE4F-4CD9-A31F-3E1DD746501E}" type="datetimeFigureOut">
               <a:rPr lang="he-IL" smtClean="0"/>
-              <a:t>ל'/תשרי/תשפ"ג</a:t>
+              <a:t>א'/חשון/תשפ"ג</a:t>
             </a:fld>
             <a:endParaRPr lang="he-IL"/>
           </a:p>
@@ -9359,7 +9397,7 @@
           <a:p>
             <a:fld id="{50951492-DE4F-4CD9-A31F-3E1DD746501E}" type="datetimeFigureOut">
               <a:rPr lang="he-IL" smtClean="0"/>
-              <a:t>ל'/תשרי/תשפ"ג</a:t>
+              <a:t>א'/חשון/תשפ"ג</a:t>
             </a:fld>
             <a:endParaRPr lang="he-IL"/>
           </a:p>
@@ -9614,7 +9652,7 @@
           <a:p>
             <a:fld id="{50951492-DE4F-4CD9-A31F-3E1DD746501E}" type="datetimeFigureOut">
               <a:rPr lang="he-IL" smtClean="0"/>
-              <a:t>ל'/תשרי/תשפ"ג</a:t>
+              <a:t>א'/חשון/תשפ"ג</a:t>
             </a:fld>
             <a:endParaRPr lang="he-IL"/>
           </a:p>
@@ -9877,7 +9915,7 @@
           <a:p>
             <a:fld id="{50951492-DE4F-4CD9-A31F-3E1DD746501E}" type="datetimeFigureOut">
               <a:rPr lang="he-IL" smtClean="0"/>
-              <a:t>ל'/תשרי/תשפ"ג</a:t>
+              <a:t>א'/חשון/תשפ"ג</a:t>
             </a:fld>
             <a:endParaRPr lang="he-IL"/>
           </a:p>
@@ -10620,7 +10658,7 @@
           <a:p>
             <a:fld id="{50951492-DE4F-4CD9-A31F-3E1DD746501E}" type="datetimeFigureOut">
               <a:rPr lang="he-IL" smtClean="0"/>
-              <a:t>ל'/תשרי/תשפ"ג</a:t>
+              <a:t>א'/חשון/תשפ"ג</a:t>
             </a:fld>
             <a:endParaRPr lang="he-IL"/>
           </a:p>
@@ -11215,8 +11253,8 @@
         </p:nvSpPr>
         <p:spPr>
           <a:xfrm>
-            <a:off x="-322366" y="5605840"/>
-            <a:ext cx="2975116" cy="1200329"/>
+            <a:off x="4281226" y="3728923"/>
+            <a:ext cx="2286000" cy="923330"/>
           </a:xfrm>
           <a:prstGeom prst="rect">
             <a:avLst/>
@@ -11229,25 +11267,40 @@
           </a:bodyPr>
           <a:lstStyle/>
           <a:p>
-            <a:pPr lvl="1" algn="r" rtl="1"/>
-            <a:r>
-              <a:rPr lang="he-IL" sz="2400" dirty="0"/>
-              <a:t>עדן אביטן</a:t>
-            </a:r>
-          </a:p>
-          <a:p>
-            <a:pPr lvl="1" algn="r" rtl="1"/>
-            <a:r>
-              <a:rPr lang="he-IL" sz="2400" dirty="0"/>
-              <a:t>רועי אספורטס</a:t>
-            </a:r>
-          </a:p>
-          <a:p>
-            <a:pPr lvl="1" algn="r" rtl="1"/>
-            <a:r>
-              <a:rPr lang="he-IL" sz="2400" dirty="0"/>
-              <a:t>תומר עפרוני</a:t>
-            </a:r>
+            <a:pPr lvl="1" algn="ctr"/>
+            <a:r>
+              <a:rPr lang="en-US" dirty="0"/>
+              <a:t>Eden </a:t>
+            </a:r>
+            <a:r>
+              <a:rPr lang="en-US" dirty="0" err="1"/>
+              <a:t>Avitan</a:t>
+            </a:r>
+            <a:endParaRPr lang="en-US" dirty="0"/>
+          </a:p>
+          <a:p>
+            <a:pPr lvl="1" algn="ctr"/>
+            <a:r>
+              <a:rPr lang="en-US" dirty="0" err="1"/>
+              <a:t>Roey</a:t>
+            </a:r>
+            <a:r>
+              <a:rPr lang="en-US" dirty="0"/>
+              <a:t> </a:t>
+            </a:r>
+            <a:r>
+              <a:rPr lang="en-US" dirty="0" err="1"/>
+              <a:t>Asportas</a:t>
+            </a:r>
+            <a:endParaRPr lang="en-US" dirty="0"/>
+          </a:p>
+          <a:p>
+            <a:pPr lvl="1" algn="ctr"/>
+            <a:r>
+              <a:rPr lang="en-US" dirty="0"/>
+              <a:t>Tomer Efroni</a:t>
+            </a:r>
+            <a:endParaRPr lang="he-IL" dirty="0"/>
           </a:p>
         </p:txBody>
       </p:sp>
@@ -11674,7 +11727,7 @@
                 <a:ea typeface="Tahoma" panose="020B0604030504040204" pitchFamily="34" charset="0"/>
                 <a:cs typeface="Tahoma" panose="020B0604030504040204" pitchFamily="34" charset="0"/>
               </a:rPr>
-              <a:t>K-Fold</a:t>
+              <a:t>Data Stratify</a:t>
             </a:r>
             <a:r>
               <a:rPr lang="he-IL" sz="1400" dirty="0">
@@ -11685,7 +11738,7 @@
                 <a:ea typeface="Tahoma" panose="020B0604030504040204" pitchFamily="34" charset="0"/>
                 <a:cs typeface="Tahoma" panose="020B0604030504040204" pitchFamily="34" charset="0"/>
               </a:rPr>
-              <a:t> זו טכניקת ולידציה אשר בעזרתה אנחנו מחלקים את מאגר הנתונים שלנו ל-</a:t>
+              <a:t> זו</a:t>
             </a:r>
             <a:r>
               <a:rPr lang="en-US" sz="1400" dirty="0">
@@ -11696,7 +11749,7 @@
                 <a:ea typeface="Tahoma" panose="020B0604030504040204" pitchFamily="34" charset="0"/>
                 <a:cs typeface="Tahoma" panose="020B0604030504040204" pitchFamily="34" charset="0"/>
               </a:rPr>
-              <a:t>K</a:t>
+              <a:t> </a:t>
             </a:r>
             <a:r>
               <a:rPr lang="he-IL" sz="1400" dirty="0">
@@ -11707,74 +11760,16 @@
                 <a:ea typeface="Tahoma" panose="020B0604030504040204" pitchFamily="34" charset="0"/>
                 <a:cs typeface="Tahoma" panose="020B0604030504040204" pitchFamily="34" charset="0"/>
               </a:rPr>
-              <a:t> חלקים, כאשר בכל פעם חלק אחד מהווה את סדרת המבחן ויתר ה-</a:t>
-            </a:r>
-            <a:r>
-              <a:rPr lang="en-US" sz="1400" dirty="0">
-                <a:solidFill>
-                  <a:srgbClr val="000000"/>
-                </a:solidFill>
-                <a:latin typeface="Tahoma" panose="020B0604030504040204" pitchFamily="34" charset="0"/>
-                <a:ea typeface="Tahoma" panose="020B0604030504040204" pitchFamily="34" charset="0"/>
-                <a:cs typeface="Tahoma" panose="020B0604030504040204" pitchFamily="34" charset="0"/>
-              </a:rPr>
-              <a:t>K-1</a:t>
-            </a:r>
-            <a:r>
-              <a:rPr lang="he-IL" sz="1400" dirty="0">
-                <a:solidFill>
-                  <a:srgbClr val="000000"/>
-                </a:solidFill>
-                <a:latin typeface="Tahoma" panose="020B0604030504040204" pitchFamily="34" charset="0"/>
-                <a:ea typeface="Tahoma" panose="020B0604030504040204" pitchFamily="34" charset="0"/>
-                <a:cs typeface="Tahoma" panose="020B0604030504040204" pitchFamily="34" charset="0"/>
-              </a:rPr>
-              <a:t> מהווים את סדרת האימון. תהליך זה חוזר </a:t>
-            </a:r>
-            <a:r>
-              <a:rPr lang="en-US" sz="1400" dirty="0">
-                <a:solidFill>
-                  <a:srgbClr val="000000"/>
-                </a:solidFill>
-                <a:latin typeface="Tahoma" panose="020B0604030504040204" pitchFamily="34" charset="0"/>
-                <a:ea typeface="Tahoma" panose="020B0604030504040204" pitchFamily="34" charset="0"/>
-                <a:cs typeface="Tahoma" panose="020B0604030504040204" pitchFamily="34" charset="0"/>
-              </a:rPr>
-              <a:t>K</a:t>
-            </a:r>
-            <a:r>
-              <a:rPr lang="he-IL" sz="1400" dirty="0">
-                <a:solidFill>
-                  <a:srgbClr val="000000"/>
-                </a:solidFill>
-                <a:latin typeface="Tahoma" panose="020B0604030504040204" pitchFamily="34" charset="0"/>
-                <a:ea typeface="Tahoma" panose="020B0604030504040204" pitchFamily="34" charset="0"/>
-                <a:cs typeface="Tahoma" panose="020B0604030504040204" pitchFamily="34" charset="0"/>
-              </a:rPr>
-              <a:t> פעמים כאשר בסופו נבצע ממוצע על התוצאות לפי גודל ה-</a:t>
-            </a:r>
-            <a:r>
-              <a:rPr lang="en-US" sz="1400" dirty="0">
-                <a:solidFill>
-                  <a:srgbClr val="000000"/>
-                </a:solidFill>
-                <a:latin typeface="Tahoma" panose="020B0604030504040204" pitchFamily="34" charset="0"/>
-                <a:ea typeface="Tahoma" panose="020B0604030504040204" pitchFamily="34" charset="0"/>
-                <a:cs typeface="Tahoma" panose="020B0604030504040204" pitchFamily="34" charset="0"/>
-              </a:rPr>
-              <a:t>K</a:t>
-            </a:r>
-            <a:r>
-              <a:rPr lang="he-IL" sz="1400" dirty="0">
-                <a:solidFill>
-                  <a:srgbClr val="000000"/>
-                </a:solidFill>
-                <a:latin typeface="Tahoma" panose="020B0604030504040204" pitchFamily="34" charset="0"/>
-                <a:ea typeface="Tahoma" panose="020B0604030504040204" pitchFamily="34" charset="0"/>
-                <a:cs typeface="Tahoma" panose="020B0604030504040204" pitchFamily="34" charset="0"/>
-              </a:rPr>
-              <a:t>.</a:t>
-            </a:r>
+              <a:t>טכניקה לחילוק הדאטה תוך כדי שמירה על הפרופורציות בין הקבוצות השונות בה בעת החלוקה.</a:t>
+            </a:r>
+            <a:endParaRPr lang="he-IL" sz="1400" b="1" dirty="0">
+              <a:solidFill>
+                <a:srgbClr val="000000"/>
+              </a:solidFill>
+              <a:latin typeface="Tahoma" panose="020B0604030504040204" pitchFamily="34" charset="0"/>
+              <a:ea typeface="Tahoma" panose="020B0604030504040204" pitchFamily="34" charset="0"/>
+              <a:cs typeface="Tahoma" panose="020B0604030504040204" pitchFamily="34" charset="0"/>
+            </a:endParaRPr>
           </a:p>
           <a:p>
             <a:pPr algn="r" rtl="1">
@@ -11793,7 +11788,7 @@
                 <a:ea typeface="Tahoma" panose="020B0604030504040204" pitchFamily="34" charset="0"/>
                 <a:cs typeface="Tahoma" panose="020B0604030504040204" pitchFamily="34" charset="0"/>
               </a:rPr>
-              <a:t>Data Stratify</a:t>
+              <a:t>K-Fold</a:t>
             </a:r>
             <a:r>
               <a:rPr lang="he-IL" sz="1400" dirty="0">
@@ -11804,7 +11799,7 @@
                 <a:ea typeface="Tahoma" panose="020B0604030504040204" pitchFamily="34" charset="0"/>
                 <a:cs typeface="Tahoma" panose="020B0604030504040204" pitchFamily="34" charset="0"/>
               </a:rPr>
-              <a:t> זו</a:t>
+              <a:t> זו טכניקת ולידציה אשר בעזרתה אנחנו מחלקים את מאגר הנתונים שלנו ל-</a:t>
             </a:r>
             <a:r>
               <a:rPr lang="en-US" sz="1400" dirty="0">
@@ -11815,7 +11810,7 @@
                 <a:ea typeface="Tahoma" panose="020B0604030504040204" pitchFamily="34" charset="0"/>
                 <a:cs typeface="Tahoma" panose="020B0604030504040204" pitchFamily="34" charset="0"/>
               </a:rPr>
-              <a:t> </a:t>
+              <a:t>K</a:t>
             </a:r>
             <a:r>
               <a:rPr lang="he-IL" sz="1400" dirty="0">
@@ -11826,25 +11821,52 @@
                 <a:ea typeface="Tahoma" panose="020B0604030504040204" pitchFamily="34" charset="0"/>
                 <a:cs typeface="Tahoma" panose="020B0604030504040204" pitchFamily="34" charset="0"/>
               </a:rPr>
-              <a:t>טכניקה לחילוק הדאטה תוך כדי שמירה על הפרופורציות בין הקבוצות השונות בה בעת החלוקה.</a:t>
-            </a:r>
-            <a:endParaRPr lang="he-IL" sz="1200" dirty="0">
-              <a:solidFill>
-                <a:srgbClr val="000000"/>
-              </a:solidFill>
-              <a:latin typeface="Tahoma" panose="020B0604030504040204" pitchFamily="34" charset="0"/>
-              <a:ea typeface="Tahoma" panose="020B0604030504040204" pitchFamily="34" charset="0"/>
-              <a:cs typeface="Tahoma" panose="020B0604030504040204" pitchFamily="34" charset="0"/>
-            </a:endParaRPr>
-          </a:p>
-          <a:p>
-            <a:pPr marL="0" indent="0" algn="r" rtl="1">
-              <a:lnSpc>
-                <a:spcPct val="114000"/>
-              </a:lnSpc>
-              <a:buFont typeface="Wingdings 3" charset="2"/>
-              <a:buNone/>
-            </a:pPr>
+              <a:t> חלקים, כאשר בכל פעם חלק אחד מהווה את סדרת המבחן ויתר החלקים (</a:t>
+            </a:r>
+            <a:r>
+              <a:rPr lang="en-US" sz="1400" dirty="0">
+                <a:solidFill>
+                  <a:srgbClr val="000000"/>
+                </a:solidFill>
+                <a:latin typeface="Tahoma" panose="020B0604030504040204" pitchFamily="34" charset="0"/>
+                <a:ea typeface="Tahoma" panose="020B0604030504040204" pitchFamily="34" charset="0"/>
+                <a:cs typeface="Tahoma" panose="020B0604030504040204" pitchFamily="34" charset="0"/>
+              </a:rPr>
+              <a:t>K-1</a:t>
+            </a:r>
+            <a:r>
+              <a:rPr lang="he-IL" sz="1400" dirty="0">
+                <a:solidFill>
+                  <a:srgbClr val="000000"/>
+                </a:solidFill>
+                <a:latin typeface="Tahoma" panose="020B0604030504040204" pitchFamily="34" charset="0"/>
+                <a:ea typeface="Tahoma" panose="020B0604030504040204" pitchFamily="34" charset="0"/>
+                <a:cs typeface="Tahoma" panose="020B0604030504040204" pitchFamily="34" charset="0"/>
+              </a:rPr>
+              <a:t> חלקים) מהווים את סדרת האימון. תהליך זה חוזר </a:t>
+            </a:r>
+            <a:r>
+              <a:rPr lang="en-US" sz="1400" dirty="0">
+                <a:solidFill>
+                  <a:srgbClr val="000000"/>
+                </a:solidFill>
+                <a:latin typeface="Tahoma" panose="020B0604030504040204" pitchFamily="34" charset="0"/>
+                <a:ea typeface="Tahoma" panose="020B0604030504040204" pitchFamily="34" charset="0"/>
+                <a:cs typeface="Tahoma" panose="020B0604030504040204" pitchFamily="34" charset="0"/>
+              </a:rPr>
+              <a:t>K</a:t>
+            </a:r>
+            <a:r>
+              <a:rPr lang="he-IL" sz="1400" dirty="0">
+                <a:solidFill>
+                  <a:srgbClr val="000000"/>
+                </a:solidFill>
+                <a:latin typeface="Tahoma" panose="020B0604030504040204" pitchFamily="34" charset="0"/>
+                <a:ea typeface="Tahoma" panose="020B0604030504040204" pitchFamily="34" charset="0"/>
+                <a:cs typeface="Tahoma" panose="020B0604030504040204" pitchFamily="34" charset="0"/>
+              </a:rPr>
+              <a:t> פעמים כאשר בסופו נבצע ממוצע על התוצאות.</a:t>
+            </a:r>
             <a:endParaRPr lang="he-IL" sz="1200" dirty="0">
               <a:solidFill>
                 <a:srgbClr val="000000"/>
@@ -12069,7 +12091,7 @@
           <p:nvPr>
             <p:extLst>
               <p:ext uri="{D42A27DB-BD31-4B8C-83A1-F6EECF244321}">
-                <p14:modId xmlns:p14="http://schemas.microsoft.com/office/powerpoint/2010/main" val="3715251311"/>
+                <p14:modId xmlns:p14="http://schemas.microsoft.com/office/powerpoint/2010/main" val="1726957988"/>
               </p:ext>
             </p:extLst>
           </p:nvPr>
@@ -12687,45 +12709,624 @@
           </a:graphicData>
         </a:graphic>
       </p:graphicFrame>
-      <p:pic>
-        <p:nvPicPr>
-          <p:cNvPr id="19" name="Graphic 18" descr="Smiling face outline outline">
+      <p:grpSp>
+        <p:nvGrpSpPr>
+          <p:cNvPr id="34" name="Group 33">
             <a:extLst>
               <a:ext uri="{FF2B5EF4-FFF2-40B4-BE49-F238E27FC236}">
-                <a16:creationId xmlns:a16="http://schemas.microsoft.com/office/drawing/2014/main" id="{2B323945-E75F-40FE-4930-ED93739DC21F}"/>
+                <a16:creationId xmlns:a16="http://schemas.microsoft.com/office/drawing/2014/main" id="{219DBBAB-3F12-E082-C34A-5792E30CEE2C}"/>
               </a:ext>
             </a:extLst>
           </p:cNvPr>
-          <p:cNvPicPr>
-            <a:picLocks noChangeAspect="1"/>
-          </p:cNvPicPr>
+          <p:cNvGrpSpPr/>
           <p:nvPr/>
-        </p:nvPicPr>
-        <p:blipFill>
-          <a:blip r:embed="rId3">
-            <a:extLst>
-              <a:ext uri="{28A0092B-C50C-407E-A947-70E740481C1C}">
-                <a14:useLocalDpi xmlns:a14="http://schemas.microsoft.com/office/drawing/2010/main" val="0"/>
-              </a:ext>
-              <a:ext uri="{96DAC541-7B7A-43D3-8B79-37D633B846F1}">
-                <asvg:svgBlip xmlns:asvg="http://schemas.microsoft.com/office/drawing/2016/SVG/main" r:embed="rId4"/>
-              </a:ext>
-            </a:extLst>
-          </a:blip>
-          <a:stretch>
-            <a:fillRect/>
-          </a:stretch>
-        </p:blipFill>
-        <p:spPr>
+        </p:nvGrpSpPr>
+        <p:grpSpPr>
           <a:xfrm>
-            <a:off x="5822418" y="2450052"/>
-            <a:ext cx="558425" cy="558425"/>
+            <a:off x="5880587" y="2508221"/>
+            <a:ext cx="442086" cy="442086"/>
+            <a:chOff x="5880587" y="2508221"/>
+            <a:chExt cx="442086" cy="442086"/>
           </a:xfrm>
-          <a:prstGeom prst="rect">
-            <a:avLst/>
-          </a:prstGeom>
-        </p:spPr>
-      </p:pic>
+        </p:grpSpPr>
+        <p:sp>
+          <p:nvSpPr>
+            <p:cNvPr id="4" name="Freeform: Shape 3">
+              <a:extLst>
+                <a:ext uri="{FF2B5EF4-FFF2-40B4-BE49-F238E27FC236}">
+                  <a16:creationId xmlns:a16="http://schemas.microsoft.com/office/drawing/2014/main" id="{C3738655-70D8-1F61-AE3F-4656D894BEC5}"/>
+                </a:ext>
+              </a:extLst>
+            </p:cNvPr>
+            <p:cNvSpPr/>
+            <p:nvPr/>
+          </p:nvSpPr>
+          <p:spPr>
+            <a:xfrm>
+              <a:off x="5880587" y="2508221"/>
+              <a:ext cx="442086" cy="442086"/>
+            </a:xfrm>
+            <a:custGeom>
+              <a:avLst/>
+              <a:gdLst>
+                <a:gd name="connsiteX0" fmla="*/ 221043 w 442086"/>
+                <a:gd name="connsiteY0" fmla="*/ 0 h 442086"/>
+                <a:gd name="connsiteX1" fmla="*/ 0 w 442086"/>
+                <a:gd name="connsiteY1" fmla="*/ 221043 h 442086"/>
+                <a:gd name="connsiteX2" fmla="*/ 221043 w 442086"/>
+                <a:gd name="connsiteY2" fmla="*/ 442086 h 442086"/>
+                <a:gd name="connsiteX3" fmla="*/ 442086 w 442086"/>
+                <a:gd name="connsiteY3" fmla="*/ 221043 h 442086"/>
+                <a:gd name="connsiteX4" fmla="*/ 221043 w 442086"/>
+                <a:gd name="connsiteY4" fmla="*/ 0 h 442086"/>
+                <a:gd name="connsiteX5" fmla="*/ 221043 w 442086"/>
+                <a:gd name="connsiteY5" fmla="*/ 430453 h 442086"/>
+                <a:gd name="connsiteX6" fmla="*/ 11634 w 442086"/>
+                <a:gd name="connsiteY6" fmla="*/ 221043 h 442086"/>
+                <a:gd name="connsiteX7" fmla="*/ 221043 w 442086"/>
+                <a:gd name="connsiteY7" fmla="*/ 11634 h 442086"/>
+                <a:gd name="connsiteX8" fmla="*/ 430453 w 442086"/>
+                <a:gd name="connsiteY8" fmla="*/ 221043 h 442086"/>
+                <a:gd name="connsiteX9" fmla="*/ 221043 w 442086"/>
+                <a:gd name="connsiteY9" fmla="*/ 430453 h 442086"/>
+              </a:gdLst>
+              <a:ahLst/>
+              <a:cxnLst>
+                <a:cxn ang="0">
+                  <a:pos x="connsiteX0" y="connsiteY0"/>
+                </a:cxn>
+                <a:cxn ang="0">
+                  <a:pos x="connsiteX1" y="connsiteY1"/>
+                </a:cxn>
+                <a:cxn ang="0">
+                  <a:pos x="connsiteX2" y="connsiteY2"/>
+                </a:cxn>
+                <a:cxn ang="0">
+                  <a:pos x="connsiteX3" y="connsiteY3"/>
+                </a:cxn>
+                <a:cxn ang="0">
+                  <a:pos x="connsiteX4" y="connsiteY4"/>
+                </a:cxn>
+                <a:cxn ang="0">
+                  <a:pos x="connsiteX5" y="connsiteY5"/>
+                </a:cxn>
+                <a:cxn ang="0">
+                  <a:pos x="connsiteX6" y="connsiteY6"/>
+                </a:cxn>
+                <a:cxn ang="0">
+                  <a:pos x="connsiteX7" y="connsiteY7"/>
+                </a:cxn>
+                <a:cxn ang="0">
+                  <a:pos x="connsiteX8" y="connsiteY8"/>
+                </a:cxn>
+                <a:cxn ang="0">
+                  <a:pos x="connsiteX9" y="connsiteY9"/>
+                </a:cxn>
+              </a:cxnLst>
+              <a:rect l="l" t="t" r="r" b="b"/>
+              <a:pathLst>
+                <a:path w="442086" h="442086">
+                  <a:moveTo>
+                    <a:pt x="221043" y="0"/>
+                  </a:moveTo>
+                  <a:cubicBezTo>
+                    <a:pt x="98888" y="0"/>
+                    <a:pt x="0" y="98888"/>
+                    <a:pt x="0" y="221043"/>
+                  </a:cubicBezTo>
+                  <a:cubicBezTo>
+                    <a:pt x="0" y="343199"/>
+                    <a:pt x="98888" y="442086"/>
+                    <a:pt x="221043" y="442086"/>
+                  </a:cubicBezTo>
+                  <a:cubicBezTo>
+                    <a:pt x="343199" y="442086"/>
+                    <a:pt x="442086" y="343199"/>
+                    <a:pt x="442086" y="221043"/>
+                  </a:cubicBezTo>
+                  <a:cubicBezTo>
+                    <a:pt x="442086" y="98888"/>
+                    <a:pt x="343199" y="0"/>
+                    <a:pt x="221043" y="0"/>
+                  </a:cubicBezTo>
+                  <a:close/>
+                  <a:moveTo>
+                    <a:pt x="221043" y="430453"/>
+                  </a:moveTo>
+                  <a:cubicBezTo>
+                    <a:pt x="105286" y="430453"/>
+                    <a:pt x="11634" y="336800"/>
+                    <a:pt x="11634" y="221043"/>
+                  </a:cubicBezTo>
+                  <a:cubicBezTo>
+                    <a:pt x="11634" y="105286"/>
+                    <a:pt x="105286" y="11634"/>
+                    <a:pt x="221043" y="11634"/>
+                  </a:cubicBezTo>
+                  <a:cubicBezTo>
+                    <a:pt x="336800" y="11634"/>
+                    <a:pt x="430453" y="105286"/>
+                    <a:pt x="430453" y="221043"/>
+                  </a:cubicBezTo>
+                  <a:cubicBezTo>
+                    <a:pt x="430453" y="336800"/>
+                    <a:pt x="336800" y="430453"/>
+                    <a:pt x="221043" y="430453"/>
+                  </a:cubicBezTo>
+                  <a:close/>
+                </a:path>
+              </a:pathLst>
+            </a:custGeom>
+            <a:solidFill>
+              <a:srgbClr val="000000"/>
+            </a:solidFill>
+            <a:ln w="5755" cap="flat">
+              <a:noFill/>
+              <a:prstDash val="solid"/>
+              <a:miter/>
+            </a:ln>
+          </p:spPr>
+          <p:txBody>
+            <a:bodyPr rtlCol="1" anchor="ctr"/>
+            <a:lstStyle/>
+            <a:p>
+              <a:endParaRPr lang="he-IL"/>
+            </a:p>
+          </p:txBody>
+        </p:sp>
+        <p:sp>
+          <p:nvSpPr>
+            <p:cNvPr id="7" name="Freeform: Shape 6">
+              <a:extLst>
+                <a:ext uri="{FF2B5EF4-FFF2-40B4-BE49-F238E27FC236}">
+                  <a16:creationId xmlns:a16="http://schemas.microsoft.com/office/drawing/2014/main" id="{F1F985D5-1CB3-A72D-191B-03B044DDDF4B}"/>
+                </a:ext>
+              </a:extLst>
+            </p:cNvPr>
+            <p:cNvSpPr/>
+            <p:nvPr/>
+          </p:nvSpPr>
+          <p:spPr>
+            <a:xfrm>
+              <a:off x="5987185" y="2810673"/>
+              <a:ext cx="229065" cy="63874"/>
+            </a:xfrm>
+            <a:custGeom>
+              <a:avLst/>
+              <a:gdLst>
+                <a:gd name="connsiteX0" fmla="*/ 218568 w 229065"/>
+                <a:gd name="connsiteY0" fmla="*/ 2354 h 63874"/>
+                <a:gd name="connsiteX1" fmla="*/ 31263 w 229065"/>
+                <a:gd name="connsiteY1" fmla="*/ 23295 h 63874"/>
+                <a:gd name="connsiteX2" fmla="*/ 10322 w 229065"/>
+                <a:gd name="connsiteY2" fmla="*/ 2354 h 63874"/>
+                <a:gd name="connsiteX3" fmla="*/ 2178 w 229065"/>
+                <a:gd name="connsiteY3" fmla="*/ 1191 h 63874"/>
+                <a:gd name="connsiteX4" fmla="*/ 1015 w 229065"/>
+                <a:gd name="connsiteY4" fmla="*/ 9335 h 63874"/>
+                <a:gd name="connsiteX5" fmla="*/ 205189 w 229065"/>
+                <a:gd name="connsiteY5" fmla="*/ 32021 h 63874"/>
+                <a:gd name="connsiteX6" fmla="*/ 227875 w 229065"/>
+                <a:gd name="connsiteY6" fmla="*/ 9335 h 63874"/>
+                <a:gd name="connsiteX7" fmla="*/ 226711 w 229065"/>
+                <a:gd name="connsiteY7" fmla="*/ 1191 h 63874"/>
+                <a:gd name="connsiteX8" fmla="*/ 218568 w 229065"/>
+                <a:gd name="connsiteY8" fmla="*/ 2354 h 63874"/>
+                <a:gd name="connsiteX9" fmla="*/ 218568 w 229065"/>
+                <a:gd name="connsiteY9" fmla="*/ 2354 h 63874"/>
+              </a:gdLst>
+              <a:ahLst/>
+              <a:cxnLst>
+                <a:cxn ang="0">
+                  <a:pos x="connsiteX0" y="connsiteY0"/>
+                </a:cxn>
+                <a:cxn ang="0">
+                  <a:pos x="connsiteX1" y="connsiteY1"/>
+                </a:cxn>
+                <a:cxn ang="0">
+                  <a:pos x="connsiteX2" y="connsiteY2"/>
+                </a:cxn>
+                <a:cxn ang="0">
+                  <a:pos x="connsiteX3" y="connsiteY3"/>
+                </a:cxn>
+                <a:cxn ang="0">
+                  <a:pos x="connsiteX4" y="connsiteY4"/>
+                </a:cxn>
+                <a:cxn ang="0">
+                  <a:pos x="connsiteX5" y="connsiteY5"/>
+                </a:cxn>
+                <a:cxn ang="0">
+                  <a:pos x="connsiteX6" y="connsiteY6"/>
+                </a:cxn>
+                <a:cxn ang="0">
+                  <a:pos x="connsiteX7" y="connsiteY7"/>
+                </a:cxn>
+                <a:cxn ang="0">
+                  <a:pos x="connsiteX8" y="connsiteY8"/>
+                </a:cxn>
+                <a:cxn ang="0">
+                  <a:pos x="connsiteX9" y="connsiteY9"/>
+                </a:cxn>
+              </a:cxnLst>
+              <a:rect l="l" t="t" r="r" b="b"/>
+              <a:pathLst>
+                <a:path w="229065" h="63874">
+                  <a:moveTo>
+                    <a:pt x="218568" y="2354"/>
+                  </a:moveTo>
+                  <a:cubicBezTo>
+                    <a:pt x="172614" y="59942"/>
+                    <a:pt x="88850" y="69249"/>
+                    <a:pt x="31263" y="23295"/>
+                  </a:cubicBezTo>
+                  <a:cubicBezTo>
+                    <a:pt x="23701" y="16897"/>
+                    <a:pt x="16720" y="9916"/>
+                    <a:pt x="10322" y="2354"/>
+                  </a:cubicBezTo>
+                  <a:cubicBezTo>
+                    <a:pt x="8577" y="28"/>
+                    <a:pt x="4505" y="-554"/>
+                    <a:pt x="2178" y="1191"/>
+                  </a:cubicBezTo>
+                  <a:cubicBezTo>
+                    <a:pt x="-149" y="2936"/>
+                    <a:pt x="-730" y="7008"/>
+                    <a:pt x="1015" y="9335"/>
+                  </a:cubicBezTo>
+                  <a:cubicBezTo>
+                    <a:pt x="51040" y="72157"/>
+                    <a:pt x="142366" y="82046"/>
+                    <a:pt x="205189" y="32021"/>
+                  </a:cubicBezTo>
+                  <a:cubicBezTo>
+                    <a:pt x="213333" y="25040"/>
+                    <a:pt x="220895" y="17478"/>
+                    <a:pt x="227875" y="9335"/>
+                  </a:cubicBezTo>
+                  <a:cubicBezTo>
+                    <a:pt x="229620" y="7008"/>
+                    <a:pt x="229620" y="2936"/>
+                    <a:pt x="226711" y="1191"/>
+                  </a:cubicBezTo>
+                  <a:cubicBezTo>
+                    <a:pt x="223803" y="-554"/>
+                    <a:pt x="220895" y="-554"/>
+                    <a:pt x="218568" y="2354"/>
+                  </a:cubicBezTo>
+                  <a:lnTo>
+                    <a:pt x="218568" y="2354"/>
+                  </a:lnTo>
+                  <a:close/>
+                </a:path>
+              </a:pathLst>
+            </a:custGeom>
+            <a:solidFill>
+              <a:srgbClr val="000000"/>
+            </a:solidFill>
+            <a:ln w="5755" cap="flat">
+              <a:noFill/>
+              <a:prstDash val="solid"/>
+              <a:miter/>
+            </a:ln>
+          </p:spPr>
+          <p:txBody>
+            <a:bodyPr rtlCol="1" anchor="ctr"/>
+            <a:lstStyle/>
+            <a:p>
+              <a:endParaRPr lang="he-IL"/>
+            </a:p>
+          </p:txBody>
+        </p:sp>
+        <p:sp>
+          <p:nvSpPr>
+            <p:cNvPr id="8" name="Freeform: Shape 7">
+              <a:extLst>
+                <a:ext uri="{FF2B5EF4-FFF2-40B4-BE49-F238E27FC236}">
+                  <a16:creationId xmlns:a16="http://schemas.microsoft.com/office/drawing/2014/main" id="{8A0AA39F-59E2-C752-86E3-55B9E7A5A018}"/>
+                </a:ext>
+              </a:extLst>
+            </p:cNvPr>
+            <p:cNvSpPr/>
+            <p:nvPr/>
+          </p:nvSpPr>
+          <p:spPr>
+            <a:xfrm>
+              <a:off x="5973658" y="2659461"/>
+              <a:ext cx="69803" cy="69803"/>
+            </a:xfrm>
+            <a:custGeom>
+              <a:avLst/>
+              <a:gdLst>
+                <a:gd name="connsiteX0" fmla="*/ 69803 w 69803"/>
+                <a:gd name="connsiteY0" fmla="*/ 34902 h 69803"/>
+                <a:gd name="connsiteX1" fmla="*/ 34902 w 69803"/>
+                <a:gd name="connsiteY1" fmla="*/ 0 h 69803"/>
+                <a:gd name="connsiteX2" fmla="*/ 0 w 69803"/>
+                <a:gd name="connsiteY2" fmla="*/ 34902 h 69803"/>
+                <a:gd name="connsiteX3" fmla="*/ 34902 w 69803"/>
+                <a:gd name="connsiteY3" fmla="*/ 69803 h 69803"/>
+                <a:gd name="connsiteX4" fmla="*/ 69803 w 69803"/>
+                <a:gd name="connsiteY4" fmla="*/ 34902 h 69803"/>
+                <a:gd name="connsiteX5" fmla="*/ 11634 w 69803"/>
+                <a:gd name="connsiteY5" fmla="*/ 34902 h 69803"/>
+                <a:gd name="connsiteX6" fmla="*/ 34902 w 69803"/>
+                <a:gd name="connsiteY6" fmla="*/ 11634 h 69803"/>
+                <a:gd name="connsiteX7" fmla="*/ 58169 w 69803"/>
+                <a:gd name="connsiteY7" fmla="*/ 34902 h 69803"/>
+                <a:gd name="connsiteX8" fmla="*/ 34902 w 69803"/>
+                <a:gd name="connsiteY8" fmla="*/ 58169 h 69803"/>
+                <a:gd name="connsiteX9" fmla="*/ 11634 w 69803"/>
+                <a:gd name="connsiteY9" fmla="*/ 34902 h 69803"/>
+              </a:gdLst>
+              <a:ahLst/>
+              <a:cxnLst>
+                <a:cxn ang="0">
+                  <a:pos x="connsiteX0" y="connsiteY0"/>
+                </a:cxn>
+                <a:cxn ang="0">
+                  <a:pos x="connsiteX1" y="connsiteY1"/>
+                </a:cxn>
+                <a:cxn ang="0">
+                  <a:pos x="connsiteX2" y="connsiteY2"/>
+                </a:cxn>
+                <a:cxn ang="0">
+                  <a:pos x="connsiteX3" y="connsiteY3"/>
+                </a:cxn>
+                <a:cxn ang="0">
+                  <a:pos x="connsiteX4" y="connsiteY4"/>
+                </a:cxn>
+                <a:cxn ang="0">
+                  <a:pos x="connsiteX5" y="connsiteY5"/>
+                </a:cxn>
+                <a:cxn ang="0">
+                  <a:pos x="connsiteX6" y="connsiteY6"/>
+                </a:cxn>
+                <a:cxn ang="0">
+                  <a:pos x="connsiteX7" y="connsiteY7"/>
+                </a:cxn>
+                <a:cxn ang="0">
+                  <a:pos x="connsiteX8" y="connsiteY8"/>
+                </a:cxn>
+                <a:cxn ang="0">
+                  <a:pos x="connsiteX9" y="connsiteY9"/>
+                </a:cxn>
+              </a:cxnLst>
+              <a:rect l="l" t="t" r="r" b="b"/>
+              <a:pathLst>
+                <a:path w="69803" h="69803">
+                  <a:moveTo>
+                    <a:pt x="69803" y="34902"/>
+                  </a:moveTo>
+                  <a:cubicBezTo>
+                    <a:pt x="69803" y="15706"/>
+                    <a:pt x="54097" y="0"/>
+                    <a:pt x="34902" y="0"/>
+                  </a:cubicBezTo>
+                  <a:cubicBezTo>
+                    <a:pt x="15706" y="0"/>
+                    <a:pt x="0" y="15706"/>
+                    <a:pt x="0" y="34902"/>
+                  </a:cubicBezTo>
+                  <a:cubicBezTo>
+                    <a:pt x="0" y="54097"/>
+                    <a:pt x="15706" y="69803"/>
+                    <a:pt x="34902" y="69803"/>
+                  </a:cubicBezTo>
+                  <a:cubicBezTo>
+                    <a:pt x="54097" y="69803"/>
+                    <a:pt x="69803" y="54097"/>
+                    <a:pt x="69803" y="34902"/>
+                  </a:cubicBezTo>
+                  <a:close/>
+                  <a:moveTo>
+                    <a:pt x="11634" y="34902"/>
+                  </a:moveTo>
+                  <a:cubicBezTo>
+                    <a:pt x="11634" y="22104"/>
+                    <a:pt x="22104" y="11634"/>
+                    <a:pt x="34902" y="11634"/>
+                  </a:cubicBezTo>
+                  <a:cubicBezTo>
+                    <a:pt x="47699" y="11634"/>
+                    <a:pt x="58169" y="22104"/>
+                    <a:pt x="58169" y="34902"/>
+                  </a:cubicBezTo>
+                  <a:cubicBezTo>
+                    <a:pt x="58169" y="47699"/>
+                    <a:pt x="47699" y="58169"/>
+                    <a:pt x="34902" y="58169"/>
+                  </a:cubicBezTo>
+                  <a:cubicBezTo>
+                    <a:pt x="22104" y="58169"/>
+                    <a:pt x="11634" y="47699"/>
+                    <a:pt x="11634" y="34902"/>
+                  </a:cubicBezTo>
+                  <a:close/>
+                </a:path>
+              </a:pathLst>
+            </a:custGeom>
+            <a:solidFill>
+              <a:srgbClr val="000000"/>
+            </a:solidFill>
+            <a:ln w="5755" cap="flat">
+              <a:noFill/>
+              <a:prstDash val="solid"/>
+              <a:miter/>
+            </a:ln>
+          </p:spPr>
+          <p:txBody>
+            <a:bodyPr rtlCol="1" anchor="ctr"/>
+            <a:lstStyle/>
+            <a:p>
+              <a:endParaRPr lang="he-IL"/>
+            </a:p>
+          </p:txBody>
+        </p:sp>
+        <p:sp>
+          <p:nvSpPr>
+            <p:cNvPr id="9" name="Freeform: Shape 8">
+              <a:extLst>
+                <a:ext uri="{FF2B5EF4-FFF2-40B4-BE49-F238E27FC236}">
+                  <a16:creationId xmlns:a16="http://schemas.microsoft.com/office/drawing/2014/main" id="{403360F2-6B17-2A95-E1DA-5A82042C6B7B}"/>
+                </a:ext>
+              </a:extLst>
+            </p:cNvPr>
+            <p:cNvSpPr/>
+            <p:nvPr/>
+          </p:nvSpPr>
+          <p:spPr>
+            <a:xfrm>
+              <a:off x="6159799" y="2659461"/>
+              <a:ext cx="69803" cy="69803"/>
+            </a:xfrm>
+            <a:custGeom>
+              <a:avLst/>
+              <a:gdLst>
+                <a:gd name="connsiteX0" fmla="*/ 34902 w 69803"/>
+                <a:gd name="connsiteY0" fmla="*/ 0 h 69803"/>
+                <a:gd name="connsiteX1" fmla="*/ 0 w 69803"/>
+                <a:gd name="connsiteY1" fmla="*/ 34902 h 69803"/>
+                <a:gd name="connsiteX2" fmla="*/ 34902 w 69803"/>
+                <a:gd name="connsiteY2" fmla="*/ 69803 h 69803"/>
+                <a:gd name="connsiteX3" fmla="*/ 69803 w 69803"/>
+                <a:gd name="connsiteY3" fmla="*/ 34902 h 69803"/>
+                <a:gd name="connsiteX4" fmla="*/ 34902 w 69803"/>
+                <a:gd name="connsiteY4" fmla="*/ 0 h 69803"/>
+                <a:gd name="connsiteX5" fmla="*/ 34902 w 69803"/>
+                <a:gd name="connsiteY5" fmla="*/ 58169 h 69803"/>
+                <a:gd name="connsiteX6" fmla="*/ 11634 w 69803"/>
+                <a:gd name="connsiteY6" fmla="*/ 34902 h 69803"/>
+                <a:gd name="connsiteX7" fmla="*/ 34902 w 69803"/>
+                <a:gd name="connsiteY7" fmla="*/ 11634 h 69803"/>
+                <a:gd name="connsiteX8" fmla="*/ 58169 w 69803"/>
+                <a:gd name="connsiteY8" fmla="*/ 34902 h 69803"/>
+                <a:gd name="connsiteX9" fmla="*/ 34902 w 69803"/>
+                <a:gd name="connsiteY9" fmla="*/ 58169 h 69803"/>
+                <a:gd name="connsiteX10" fmla="*/ 34902 w 69803"/>
+                <a:gd name="connsiteY10" fmla="*/ 58169 h 69803"/>
+                <a:gd name="connsiteX11" fmla="*/ 34902 w 69803"/>
+                <a:gd name="connsiteY11" fmla="*/ 58169 h 69803"/>
+              </a:gdLst>
+              <a:ahLst/>
+              <a:cxnLst>
+                <a:cxn ang="0">
+                  <a:pos x="connsiteX0" y="connsiteY0"/>
+                </a:cxn>
+                <a:cxn ang="0">
+                  <a:pos x="connsiteX1" y="connsiteY1"/>
+                </a:cxn>
+                <a:cxn ang="0">
+                  <a:pos x="connsiteX2" y="connsiteY2"/>
+                </a:cxn>
+                <a:cxn ang="0">
+                  <a:pos x="connsiteX3" y="connsiteY3"/>
+                </a:cxn>
+                <a:cxn ang="0">
+                  <a:pos x="connsiteX4" y="connsiteY4"/>
+                </a:cxn>
+                <a:cxn ang="0">
+                  <a:pos x="connsiteX5" y="connsiteY5"/>
+                </a:cxn>
+                <a:cxn ang="0">
+                  <a:pos x="connsiteX6" y="connsiteY6"/>
+                </a:cxn>
+                <a:cxn ang="0">
+                  <a:pos x="connsiteX7" y="connsiteY7"/>
+                </a:cxn>
+                <a:cxn ang="0">
+                  <a:pos x="connsiteX8" y="connsiteY8"/>
+                </a:cxn>
+                <a:cxn ang="0">
+                  <a:pos x="connsiteX9" y="connsiteY9"/>
+                </a:cxn>
+                <a:cxn ang="0">
+                  <a:pos x="connsiteX10" y="connsiteY10"/>
+                </a:cxn>
+                <a:cxn ang="0">
+                  <a:pos x="connsiteX11" y="connsiteY11"/>
+                </a:cxn>
+              </a:cxnLst>
+              <a:rect l="l" t="t" r="r" b="b"/>
+              <a:pathLst>
+                <a:path w="69803" h="69803">
+                  <a:moveTo>
+                    <a:pt x="34902" y="0"/>
+                  </a:moveTo>
+                  <a:cubicBezTo>
+                    <a:pt x="15706" y="0"/>
+                    <a:pt x="0" y="15706"/>
+                    <a:pt x="0" y="34902"/>
+                  </a:cubicBezTo>
+                  <a:cubicBezTo>
+                    <a:pt x="0" y="54097"/>
+                    <a:pt x="15706" y="69803"/>
+                    <a:pt x="34902" y="69803"/>
+                  </a:cubicBezTo>
+                  <a:cubicBezTo>
+                    <a:pt x="54097" y="69803"/>
+                    <a:pt x="69803" y="54097"/>
+                    <a:pt x="69803" y="34902"/>
+                  </a:cubicBezTo>
+                  <a:cubicBezTo>
+                    <a:pt x="69803" y="15706"/>
+                    <a:pt x="54097" y="0"/>
+                    <a:pt x="34902" y="0"/>
+                  </a:cubicBezTo>
+                  <a:close/>
+                  <a:moveTo>
+                    <a:pt x="34902" y="58169"/>
+                  </a:moveTo>
+                  <a:cubicBezTo>
+                    <a:pt x="22104" y="58169"/>
+                    <a:pt x="11634" y="47699"/>
+                    <a:pt x="11634" y="34902"/>
+                  </a:cubicBezTo>
+                  <a:cubicBezTo>
+                    <a:pt x="11634" y="22104"/>
+                    <a:pt x="22104" y="11634"/>
+                    <a:pt x="34902" y="11634"/>
+                  </a:cubicBezTo>
+                  <a:cubicBezTo>
+                    <a:pt x="47699" y="11634"/>
+                    <a:pt x="58169" y="22104"/>
+                    <a:pt x="58169" y="34902"/>
+                  </a:cubicBezTo>
+                  <a:cubicBezTo>
+                    <a:pt x="58169" y="47699"/>
+                    <a:pt x="47699" y="58169"/>
+                    <a:pt x="34902" y="58169"/>
+                  </a:cubicBezTo>
+                  <a:cubicBezTo>
+                    <a:pt x="34902" y="58169"/>
+                    <a:pt x="34902" y="58169"/>
+                    <a:pt x="34902" y="58169"/>
+                  </a:cubicBezTo>
+                  <a:lnTo>
+                    <a:pt x="34902" y="58169"/>
+                  </a:lnTo>
+                  <a:close/>
+                </a:path>
+              </a:pathLst>
+            </a:custGeom>
+            <a:solidFill>
+              <a:srgbClr val="000000"/>
+            </a:solidFill>
+            <a:ln w="5755" cap="flat">
+              <a:noFill/>
+              <a:prstDash val="solid"/>
+              <a:miter/>
+            </a:ln>
+          </p:spPr>
+          <p:txBody>
+            <a:bodyPr rtlCol="1" anchor="ctr"/>
+            <a:lstStyle/>
+            <a:p>
+              <a:endParaRPr lang="he-IL"/>
+            </a:p>
+          </p:txBody>
+        </p:sp>
+      </p:grpSp>
       <p:graphicFrame>
         <p:nvGraphicFramePr>
           <p:cNvPr id="22" name="Table 21">
@@ -12741,7 +13342,7 @@
           <p:nvPr>
             <p:extLst>
               <p:ext uri="{D42A27DB-BD31-4B8C-83A1-F6EECF244321}">
-                <p14:modId xmlns:p14="http://schemas.microsoft.com/office/powerpoint/2010/main" val="1385304232"/>
+                <p14:modId xmlns:p14="http://schemas.microsoft.com/office/powerpoint/2010/main" val="317287280"/>
               </p:ext>
             </p:extLst>
           </p:nvPr>
@@ -13310,12 +13911,12 @@
                     <a:p>
                       <a:pPr algn="ctr" fontAlgn="b"/>
                       <a:r>
-                        <a:rPr lang="en-US" sz="1200" u="none" strike="noStrike">
+                        <a:rPr lang="en-US" sz="1200" u="none" strike="noStrike" dirty="0">
                           <a:effectLst/>
                         </a:rPr>
                         <a:t>ALL</a:t>
                       </a:r>
-                      <a:endParaRPr lang="en-US" sz="1200" b="0" i="0" u="none" strike="noStrike">
+                      <a:endParaRPr lang="en-US" sz="1200" b="0" i="0" u="none" strike="noStrike" dirty="0">
                         <a:solidFill>
                           <a:srgbClr val="000000"/>
                         </a:solidFill>
@@ -13374,7 +13975,7 @@
           <p:nvPr>
             <p:extLst>
               <p:ext uri="{D42A27DB-BD31-4B8C-83A1-F6EECF244321}">
-                <p14:modId xmlns:p14="http://schemas.microsoft.com/office/powerpoint/2010/main" val="1021686931"/>
+                <p14:modId xmlns:p14="http://schemas.microsoft.com/office/powerpoint/2010/main" val="1398480862"/>
               </p:ext>
             </p:extLst>
           </p:nvPr>
@@ -14006,7 +14607,7 @@
         </p:nvSpPr>
         <p:spPr>
           <a:xfrm>
-            <a:off x="2599489" y="4700145"/>
+            <a:off x="2599489" y="4725545"/>
             <a:ext cx="742384" cy="558425"/>
           </a:xfrm>
           <a:prstGeom prst="rect">
@@ -14044,84 +14645,1216 @@
           </a:p>
         </p:txBody>
       </p:sp>
-      <p:pic>
-        <p:nvPicPr>
-          <p:cNvPr id="25" name="Graphic 24" descr="Confused face outline outline">
+      <p:grpSp>
+        <p:nvGrpSpPr>
+          <p:cNvPr id="33" name="Group 32">
             <a:extLst>
               <a:ext uri="{FF2B5EF4-FFF2-40B4-BE49-F238E27FC236}">
-                <a16:creationId xmlns:a16="http://schemas.microsoft.com/office/drawing/2014/main" id="{043E2E3F-F0B7-C50B-3B56-D35F67D4FEB1}"/>
+                <a16:creationId xmlns:a16="http://schemas.microsoft.com/office/drawing/2014/main" id="{CD76AD7C-9212-5043-9913-E11C9F531A9F}"/>
               </a:ext>
             </a:extLst>
           </p:cNvPr>
-          <p:cNvPicPr>
-            <a:picLocks noChangeAspect="1"/>
-          </p:cNvPicPr>
+          <p:cNvGrpSpPr/>
           <p:nvPr/>
-        </p:nvPicPr>
-        <p:blipFill>
-          <a:blip r:embed="rId5">
-            <a:extLst>
-              <a:ext uri="{28A0092B-C50C-407E-A947-70E740481C1C}">
-                <a14:useLocalDpi xmlns:a14="http://schemas.microsoft.com/office/drawing/2010/main" val="0"/>
-              </a:ext>
-              <a:ext uri="{96DAC541-7B7A-43D3-8B79-37D633B846F1}">
-                <asvg:svgBlip xmlns:asvg="http://schemas.microsoft.com/office/drawing/2016/SVG/main" r:embed="rId6"/>
-              </a:ext>
-            </a:extLst>
-          </a:blip>
-          <a:stretch>
-            <a:fillRect/>
-          </a:stretch>
-        </p:blipFill>
-        <p:spPr>
+        </p:nvGrpSpPr>
+        <p:grpSpPr>
           <a:xfrm>
-            <a:off x="5816787" y="3486139"/>
-            <a:ext cx="558425" cy="558425"/>
+            <a:off x="5874956" y="3544308"/>
+            <a:ext cx="442086" cy="442086"/>
+            <a:chOff x="5874956" y="3544308"/>
+            <a:chExt cx="442086" cy="442086"/>
           </a:xfrm>
-          <a:prstGeom prst="rect">
-            <a:avLst/>
-          </a:prstGeom>
-        </p:spPr>
-      </p:pic>
-      <p:pic>
-        <p:nvPicPr>
-          <p:cNvPr id="26" name="Graphic 25" descr="Sad face outline outline">
+        </p:grpSpPr>
+        <p:sp>
+          <p:nvSpPr>
+            <p:cNvPr id="11" name="Freeform: Shape 10">
+              <a:extLst>
+                <a:ext uri="{FF2B5EF4-FFF2-40B4-BE49-F238E27FC236}">
+                  <a16:creationId xmlns:a16="http://schemas.microsoft.com/office/drawing/2014/main" id="{2F56A0F2-EC55-97E1-B18A-0FA4C3BC8C0F}"/>
+                </a:ext>
+              </a:extLst>
+            </p:cNvPr>
+            <p:cNvSpPr/>
+            <p:nvPr/>
+          </p:nvSpPr>
+          <p:spPr>
+            <a:xfrm>
+              <a:off x="5874956" y="3544308"/>
+              <a:ext cx="442086" cy="442086"/>
+            </a:xfrm>
+            <a:custGeom>
+              <a:avLst/>
+              <a:gdLst>
+                <a:gd name="connsiteX0" fmla="*/ 221043 w 442086"/>
+                <a:gd name="connsiteY0" fmla="*/ 0 h 442086"/>
+                <a:gd name="connsiteX1" fmla="*/ 0 w 442086"/>
+                <a:gd name="connsiteY1" fmla="*/ 221043 h 442086"/>
+                <a:gd name="connsiteX2" fmla="*/ 221043 w 442086"/>
+                <a:gd name="connsiteY2" fmla="*/ 442086 h 442086"/>
+                <a:gd name="connsiteX3" fmla="*/ 442086 w 442086"/>
+                <a:gd name="connsiteY3" fmla="*/ 221043 h 442086"/>
+                <a:gd name="connsiteX4" fmla="*/ 221043 w 442086"/>
+                <a:gd name="connsiteY4" fmla="*/ 0 h 442086"/>
+                <a:gd name="connsiteX5" fmla="*/ 221043 w 442086"/>
+                <a:gd name="connsiteY5" fmla="*/ 430453 h 442086"/>
+                <a:gd name="connsiteX6" fmla="*/ 11634 w 442086"/>
+                <a:gd name="connsiteY6" fmla="*/ 221043 h 442086"/>
+                <a:gd name="connsiteX7" fmla="*/ 221043 w 442086"/>
+                <a:gd name="connsiteY7" fmla="*/ 11634 h 442086"/>
+                <a:gd name="connsiteX8" fmla="*/ 430453 w 442086"/>
+                <a:gd name="connsiteY8" fmla="*/ 221043 h 442086"/>
+                <a:gd name="connsiteX9" fmla="*/ 221043 w 442086"/>
+                <a:gd name="connsiteY9" fmla="*/ 430453 h 442086"/>
+              </a:gdLst>
+              <a:ahLst/>
+              <a:cxnLst>
+                <a:cxn ang="0">
+                  <a:pos x="connsiteX0" y="connsiteY0"/>
+                </a:cxn>
+                <a:cxn ang="0">
+                  <a:pos x="connsiteX1" y="connsiteY1"/>
+                </a:cxn>
+                <a:cxn ang="0">
+                  <a:pos x="connsiteX2" y="connsiteY2"/>
+                </a:cxn>
+                <a:cxn ang="0">
+                  <a:pos x="connsiteX3" y="connsiteY3"/>
+                </a:cxn>
+                <a:cxn ang="0">
+                  <a:pos x="connsiteX4" y="connsiteY4"/>
+                </a:cxn>
+                <a:cxn ang="0">
+                  <a:pos x="connsiteX5" y="connsiteY5"/>
+                </a:cxn>
+                <a:cxn ang="0">
+                  <a:pos x="connsiteX6" y="connsiteY6"/>
+                </a:cxn>
+                <a:cxn ang="0">
+                  <a:pos x="connsiteX7" y="connsiteY7"/>
+                </a:cxn>
+                <a:cxn ang="0">
+                  <a:pos x="connsiteX8" y="connsiteY8"/>
+                </a:cxn>
+                <a:cxn ang="0">
+                  <a:pos x="connsiteX9" y="connsiteY9"/>
+                </a:cxn>
+              </a:cxnLst>
+              <a:rect l="l" t="t" r="r" b="b"/>
+              <a:pathLst>
+                <a:path w="442086" h="442086">
+                  <a:moveTo>
+                    <a:pt x="221043" y="0"/>
+                  </a:moveTo>
+                  <a:cubicBezTo>
+                    <a:pt x="98965" y="0"/>
+                    <a:pt x="0" y="98965"/>
+                    <a:pt x="0" y="221043"/>
+                  </a:cubicBezTo>
+                  <a:cubicBezTo>
+                    <a:pt x="0" y="343122"/>
+                    <a:pt x="98965" y="442086"/>
+                    <a:pt x="221043" y="442086"/>
+                  </a:cubicBezTo>
+                  <a:cubicBezTo>
+                    <a:pt x="343122" y="442086"/>
+                    <a:pt x="442086" y="343122"/>
+                    <a:pt x="442086" y="221043"/>
+                  </a:cubicBezTo>
+                  <a:cubicBezTo>
+                    <a:pt x="442086" y="98965"/>
+                    <a:pt x="343122" y="0"/>
+                    <a:pt x="221043" y="0"/>
+                  </a:cubicBezTo>
+                  <a:close/>
+                  <a:moveTo>
+                    <a:pt x="221043" y="430453"/>
+                  </a:moveTo>
+                  <a:cubicBezTo>
+                    <a:pt x="105389" y="430453"/>
+                    <a:pt x="11634" y="336697"/>
+                    <a:pt x="11634" y="221043"/>
+                  </a:cubicBezTo>
+                  <a:cubicBezTo>
+                    <a:pt x="11634" y="105389"/>
+                    <a:pt x="105389" y="11634"/>
+                    <a:pt x="221043" y="11634"/>
+                  </a:cubicBezTo>
+                  <a:cubicBezTo>
+                    <a:pt x="336697" y="11634"/>
+                    <a:pt x="430453" y="105389"/>
+                    <a:pt x="430453" y="221043"/>
+                  </a:cubicBezTo>
+                  <a:cubicBezTo>
+                    <a:pt x="430321" y="336642"/>
+                    <a:pt x="336642" y="430321"/>
+                    <a:pt x="221043" y="430453"/>
+                  </a:cubicBezTo>
+                  <a:close/>
+                </a:path>
+              </a:pathLst>
+            </a:custGeom>
+            <a:solidFill>
+              <a:srgbClr val="000000"/>
+            </a:solidFill>
+            <a:ln w="5755" cap="flat">
+              <a:noFill/>
+              <a:prstDash val="solid"/>
+              <a:miter/>
+            </a:ln>
+          </p:spPr>
+          <p:txBody>
+            <a:bodyPr rtlCol="1" anchor="ctr"/>
+            <a:lstStyle/>
+            <a:p>
+              <a:endParaRPr lang="he-IL"/>
+            </a:p>
+          </p:txBody>
+        </p:sp>
+        <p:sp>
+          <p:nvSpPr>
+            <p:cNvPr id="12" name="Freeform: Shape 11">
+              <a:extLst>
+                <a:ext uri="{FF2B5EF4-FFF2-40B4-BE49-F238E27FC236}">
+                  <a16:creationId xmlns:a16="http://schemas.microsoft.com/office/drawing/2014/main" id="{67F30352-53C1-546D-3486-54D85A15E51B}"/>
+                </a:ext>
+              </a:extLst>
+            </p:cNvPr>
+            <p:cNvSpPr/>
+            <p:nvPr/>
+          </p:nvSpPr>
+          <p:spPr>
+            <a:xfrm>
+              <a:off x="5968027" y="3695618"/>
+              <a:ext cx="69803" cy="69803"/>
+            </a:xfrm>
+            <a:custGeom>
+              <a:avLst/>
+              <a:gdLst>
+                <a:gd name="connsiteX0" fmla="*/ 69803 w 69803"/>
+                <a:gd name="connsiteY0" fmla="*/ 34902 h 69803"/>
+                <a:gd name="connsiteX1" fmla="*/ 34902 w 69803"/>
+                <a:gd name="connsiteY1" fmla="*/ 0 h 69803"/>
+                <a:gd name="connsiteX2" fmla="*/ 0 w 69803"/>
+                <a:gd name="connsiteY2" fmla="*/ 34902 h 69803"/>
+                <a:gd name="connsiteX3" fmla="*/ 34902 w 69803"/>
+                <a:gd name="connsiteY3" fmla="*/ 69803 h 69803"/>
+                <a:gd name="connsiteX4" fmla="*/ 69803 w 69803"/>
+                <a:gd name="connsiteY4" fmla="*/ 34902 h 69803"/>
+                <a:gd name="connsiteX5" fmla="*/ 34902 w 69803"/>
+                <a:gd name="connsiteY5" fmla="*/ 58169 h 69803"/>
+                <a:gd name="connsiteX6" fmla="*/ 11634 w 69803"/>
+                <a:gd name="connsiteY6" fmla="*/ 34902 h 69803"/>
+                <a:gd name="connsiteX7" fmla="*/ 34902 w 69803"/>
+                <a:gd name="connsiteY7" fmla="*/ 11634 h 69803"/>
+                <a:gd name="connsiteX8" fmla="*/ 58169 w 69803"/>
+                <a:gd name="connsiteY8" fmla="*/ 34902 h 69803"/>
+                <a:gd name="connsiteX9" fmla="*/ 34902 w 69803"/>
+                <a:gd name="connsiteY9" fmla="*/ 58175 h 69803"/>
+              </a:gdLst>
+              <a:ahLst/>
+              <a:cxnLst>
+                <a:cxn ang="0">
+                  <a:pos x="connsiteX0" y="connsiteY0"/>
+                </a:cxn>
+                <a:cxn ang="0">
+                  <a:pos x="connsiteX1" y="connsiteY1"/>
+                </a:cxn>
+                <a:cxn ang="0">
+                  <a:pos x="connsiteX2" y="connsiteY2"/>
+                </a:cxn>
+                <a:cxn ang="0">
+                  <a:pos x="connsiteX3" y="connsiteY3"/>
+                </a:cxn>
+                <a:cxn ang="0">
+                  <a:pos x="connsiteX4" y="connsiteY4"/>
+                </a:cxn>
+                <a:cxn ang="0">
+                  <a:pos x="connsiteX5" y="connsiteY5"/>
+                </a:cxn>
+                <a:cxn ang="0">
+                  <a:pos x="connsiteX6" y="connsiteY6"/>
+                </a:cxn>
+                <a:cxn ang="0">
+                  <a:pos x="connsiteX7" y="connsiteY7"/>
+                </a:cxn>
+                <a:cxn ang="0">
+                  <a:pos x="connsiteX8" y="connsiteY8"/>
+                </a:cxn>
+                <a:cxn ang="0">
+                  <a:pos x="connsiteX9" y="connsiteY9"/>
+                </a:cxn>
+              </a:cxnLst>
+              <a:rect l="l" t="t" r="r" b="b"/>
+              <a:pathLst>
+                <a:path w="69803" h="69803">
+                  <a:moveTo>
+                    <a:pt x="69803" y="34902"/>
+                  </a:moveTo>
+                  <a:cubicBezTo>
+                    <a:pt x="69803" y="15626"/>
+                    <a:pt x="54177" y="0"/>
+                    <a:pt x="34902" y="0"/>
+                  </a:cubicBezTo>
+                  <a:cubicBezTo>
+                    <a:pt x="15626" y="0"/>
+                    <a:pt x="0" y="15626"/>
+                    <a:pt x="0" y="34902"/>
+                  </a:cubicBezTo>
+                  <a:cubicBezTo>
+                    <a:pt x="0" y="54177"/>
+                    <a:pt x="15626" y="69803"/>
+                    <a:pt x="34902" y="69803"/>
+                  </a:cubicBezTo>
+                  <a:cubicBezTo>
+                    <a:pt x="54177" y="69803"/>
+                    <a:pt x="69803" y="54177"/>
+                    <a:pt x="69803" y="34902"/>
+                  </a:cubicBezTo>
+                  <a:close/>
+                  <a:moveTo>
+                    <a:pt x="34902" y="58169"/>
+                  </a:moveTo>
+                  <a:cubicBezTo>
+                    <a:pt x="22051" y="58169"/>
+                    <a:pt x="11634" y="47752"/>
+                    <a:pt x="11634" y="34902"/>
+                  </a:cubicBezTo>
+                  <a:cubicBezTo>
+                    <a:pt x="11634" y="22051"/>
+                    <a:pt x="22051" y="11634"/>
+                    <a:pt x="34902" y="11634"/>
+                  </a:cubicBezTo>
+                  <a:cubicBezTo>
+                    <a:pt x="47752" y="11634"/>
+                    <a:pt x="58169" y="22051"/>
+                    <a:pt x="58169" y="34902"/>
+                  </a:cubicBezTo>
+                  <a:cubicBezTo>
+                    <a:pt x="58153" y="47746"/>
+                    <a:pt x="47746" y="58156"/>
+                    <a:pt x="34902" y="58175"/>
+                  </a:cubicBezTo>
+                  <a:close/>
+                </a:path>
+              </a:pathLst>
+            </a:custGeom>
+            <a:solidFill>
+              <a:srgbClr val="000000"/>
+            </a:solidFill>
+            <a:ln w="5755" cap="flat">
+              <a:noFill/>
+              <a:prstDash val="solid"/>
+              <a:miter/>
+            </a:ln>
+          </p:spPr>
+          <p:txBody>
+            <a:bodyPr rtlCol="1" anchor="ctr"/>
+            <a:lstStyle/>
+            <a:p>
+              <a:endParaRPr lang="he-IL"/>
+            </a:p>
+          </p:txBody>
+        </p:sp>
+        <p:sp>
+          <p:nvSpPr>
+            <p:cNvPr id="13" name="Freeform: Shape 12">
+              <a:extLst>
+                <a:ext uri="{FF2B5EF4-FFF2-40B4-BE49-F238E27FC236}">
+                  <a16:creationId xmlns:a16="http://schemas.microsoft.com/office/drawing/2014/main" id="{886CA31B-765E-3095-409B-CFAC71B91792}"/>
+                </a:ext>
+              </a:extLst>
+            </p:cNvPr>
+            <p:cNvSpPr/>
+            <p:nvPr/>
+          </p:nvSpPr>
+          <p:spPr>
+            <a:xfrm>
+              <a:off x="6154168" y="3695606"/>
+              <a:ext cx="69803" cy="69803"/>
+            </a:xfrm>
+            <a:custGeom>
+              <a:avLst/>
+              <a:gdLst>
+                <a:gd name="connsiteX0" fmla="*/ 34902 w 69803"/>
+                <a:gd name="connsiteY0" fmla="*/ 0 h 69803"/>
+                <a:gd name="connsiteX1" fmla="*/ 0 w 69803"/>
+                <a:gd name="connsiteY1" fmla="*/ 34902 h 69803"/>
+                <a:gd name="connsiteX2" fmla="*/ 34902 w 69803"/>
+                <a:gd name="connsiteY2" fmla="*/ 69803 h 69803"/>
+                <a:gd name="connsiteX3" fmla="*/ 69803 w 69803"/>
+                <a:gd name="connsiteY3" fmla="*/ 34902 h 69803"/>
+                <a:gd name="connsiteX4" fmla="*/ 34902 w 69803"/>
+                <a:gd name="connsiteY4" fmla="*/ 0 h 69803"/>
+                <a:gd name="connsiteX5" fmla="*/ 34902 w 69803"/>
+                <a:gd name="connsiteY5" fmla="*/ 58169 h 69803"/>
+                <a:gd name="connsiteX6" fmla="*/ 11634 w 69803"/>
+                <a:gd name="connsiteY6" fmla="*/ 34902 h 69803"/>
+                <a:gd name="connsiteX7" fmla="*/ 34902 w 69803"/>
+                <a:gd name="connsiteY7" fmla="*/ 11634 h 69803"/>
+                <a:gd name="connsiteX8" fmla="*/ 58169 w 69803"/>
+                <a:gd name="connsiteY8" fmla="*/ 34902 h 69803"/>
+                <a:gd name="connsiteX9" fmla="*/ 34919 w 69803"/>
+                <a:gd name="connsiteY9" fmla="*/ 58187 h 69803"/>
+                <a:gd name="connsiteX10" fmla="*/ 34902 w 69803"/>
+                <a:gd name="connsiteY10" fmla="*/ 58187 h 69803"/>
+              </a:gdLst>
+              <a:ahLst/>
+              <a:cxnLst>
+                <a:cxn ang="0">
+                  <a:pos x="connsiteX0" y="connsiteY0"/>
+                </a:cxn>
+                <a:cxn ang="0">
+                  <a:pos x="connsiteX1" y="connsiteY1"/>
+                </a:cxn>
+                <a:cxn ang="0">
+                  <a:pos x="connsiteX2" y="connsiteY2"/>
+                </a:cxn>
+                <a:cxn ang="0">
+                  <a:pos x="connsiteX3" y="connsiteY3"/>
+                </a:cxn>
+                <a:cxn ang="0">
+                  <a:pos x="connsiteX4" y="connsiteY4"/>
+                </a:cxn>
+                <a:cxn ang="0">
+                  <a:pos x="connsiteX5" y="connsiteY5"/>
+                </a:cxn>
+                <a:cxn ang="0">
+                  <a:pos x="connsiteX6" y="connsiteY6"/>
+                </a:cxn>
+                <a:cxn ang="0">
+                  <a:pos x="connsiteX7" y="connsiteY7"/>
+                </a:cxn>
+                <a:cxn ang="0">
+                  <a:pos x="connsiteX8" y="connsiteY8"/>
+                </a:cxn>
+                <a:cxn ang="0">
+                  <a:pos x="connsiteX9" y="connsiteY9"/>
+                </a:cxn>
+                <a:cxn ang="0">
+                  <a:pos x="connsiteX10" y="connsiteY10"/>
+                </a:cxn>
+              </a:cxnLst>
+              <a:rect l="l" t="t" r="r" b="b"/>
+              <a:pathLst>
+                <a:path w="69803" h="69803">
+                  <a:moveTo>
+                    <a:pt x="34902" y="0"/>
+                  </a:moveTo>
+                  <a:cubicBezTo>
+                    <a:pt x="15626" y="0"/>
+                    <a:pt x="0" y="15626"/>
+                    <a:pt x="0" y="34902"/>
+                  </a:cubicBezTo>
+                  <a:cubicBezTo>
+                    <a:pt x="0" y="54177"/>
+                    <a:pt x="15626" y="69803"/>
+                    <a:pt x="34902" y="69803"/>
+                  </a:cubicBezTo>
+                  <a:cubicBezTo>
+                    <a:pt x="54177" y="69803"/>
+                    <a:pt x="69803" y="54177"/>
+                    <a:pt x="69803" y="34902"/>
+                  </a:cubicBezTo>
+                  <a:cubicBezTo>
+                    <a:pt x="69803" y="15626"/>
+                    <a:pt x="54177" y="0"/>
+                    <a:pt x="34902" y="0"/>
+                  </a:cubicBezTo>
+                  <a:close/>
+                  <a:moveTo>
+                    <a:pt x="34902" y="58169"/>
+                  </a:moveTo>
+                  <a:cubicBezTo>
+                    <a:pt x="22051" y="58169"/>
+                    <a:pt x="11634" y="47752"/>
+                    <a:pt x="11634" y="34902"/>
+                  </a:cubicBezTo>
+                  <a:cubicBezTo>
+                    <a:pt x="11634" y="22051"/>
+                    <a:pt x="22051" y="11634"/>
+                    <a:pt x="34902" y="11634"/>
+                  </a:cubicBezTo>
+                  <a:cubicBezTo>
+                    <a:pt x="47752" y="11634"/>
+                    <a:pt x="58169" y="22051"/>
+                    <a:pt x="58169" y="34902"/>
+                  </a:cubicBezTo>
+                  <a:cubicBezTo>
+                    <a:pt x="58179" y="47752"/>
+                    <a:pt x="47769" y="58177"/>
+                    <a:pt x="34919" y="58187"/>
+                  </a:cubicBezTo>
+                  <a:cubicBezTo>
+                    <a:pt x="34913" y="58187"/>
+                    <a:pt x="34907" y="58187"/>
+                    <a:pt x="34902" y="58187"/>
+                  </a:cubicBezTo>
+                  <a:close/>
+                </a:path>
+              </a:pathLst>
+            </a:custGeom>
+            <a:solidFill>
+              <a:srgbClr val="000000"/>
+            </a:solidFill>
+            <a:ln w="5755" cap="flat">
+              <a:noFill/>
+              <a:prstDash val="solid"/>
+              <a:miter/>
+            </a:ln>
+          </p:spPr>
+          <p:txBody>
+            <a:bodyPr rtlCol="1" anchor="ctr"/>
+            <a:lstStyle/>
+            <a:p>
+              <a:endParaRPr lang="he-IL"/>
+            </a:p>
+          </p:txBody>
+        </p:sp>
+        <p:sp>
+          <p:nvSpPr>
+            <p:cNvPr id="14" name="Freeform: Shape 13">
+              <a:extLst>
+                <a:ext uri="{FF2B5EF4-FFF2-40B4-BE49-F238E27FC236}">
+                  <a16:creationId xmlns:a16="http://schemas.microsoft.com/office/drawing/2014/main" id="{EB3BC77D-EEA7-89B0-53FB-0D11149A3A04}"/>
+                </a:ext>
+              </a:extLst>
+            </p:cNvPr>
+            <p:cNvSpPr/>
+            <p:nvPr/>
+          </p:nvSpPr>
+          <p:spPr>
+            <a:xfrm>
+              <a:off x="6026809" y="3825207"/>
+              <a:ext cx="153924" cy="68105"/>
+            </a:xfrm>
+            <a:custGeom>
+              <a:avLst/>
+              <a:gdLst>
+                <a:gd name="connsiteX0" fmla="*/ 148108 w 153924"/>
+                <a:gd name="connsiteY0" fmla="*/ 0 h 68105"/>
+                <a:gd name="connsiteX1" fmla="*/ 94319 w 153924"/>
+                <a:gd name="connsiteY1" fmla="*/ 0 h 68105"/>
+                <a:gd name="connsiteX2" fmla="*/ 730 w 153924"/>
+                <a:gd name="connsiteY2" fmla="*/ 59466 h 68105"/>
+                <a:gd name="connsiteX3" fmla="*/ 2998 w 153924"/>
+                <a:gd name="connsiteY3" fmla="*/ 67374 h 68105"/>
+                <a:gd name="connsiteX4" fmla="*/ 3005 w 153924"/>
+                <a:gd name="connsiteY4" fmla="*/ 67377 h 68105"/>
+                <a:gd name="connsiteX5" fmla="*/ 10910 w 153924"/>
+                <a:gd name="connsiteY5" fmla="*/ 65103 h 68105"/>
+                <a:gd name="connsiteX6" fmla="*/ 94319 w 153924"/>
+                <a:gd name="connsiteY6" fmla="*/ 11634 h 68105"/>
+                <a:gd name="connsiteX7" fmla="*/ 148108 w 153924"/>
+                <a:gd name="connsiteY7" fmla="*/ 11634 h 68105"/>
+                <a:gd name="connsiteX8" fmla="*/ 153925 w 153924"/>
+                <a:gd name="connsiteY8" fmla="*/ 5817 h 68105"/>
+                <a:gd name="connsiteX9" fmla="*/ 148108 w 153924"/>
+                <a:gd name="connsiteY9" fmla="*/ 0 h 68105"/>
+              </a:gdLst>
+              <a:ahLst/>
+              <a:cxnLst>
+                <a:cxn ang="0">
+                  <a:pos x="connsiteX0" y="connsiteY0"/>
+                </a:cxn>
+                <a:cxn ang="0">
+                  <a:pos x="connsiteX1" y="connsiteY1"/>
+                </a:cxn>
+                <a:cxn ang="0">
+                  <a:pos x="connsiteX2" y="connsiteY2"/>
+                </a:cxn>
+                <a:cxn ang="0">
+                  <a:pos x="connsiteX3" y="connsiteY3"/>
+                </a:cxn>
+                <a:cxn ang="0">
+                  <a:pos x="connsiteX4" y="connsiteY4"/>
+                </a:cxn>
+                <a:cxn ang="0">
+                  <a:pos x="connsiteX5" y="connsiteY5"/>
+                </a:cxn>
+                <a:cxn ang="0">
+                  <a:pos x="connsiteX6" y="connsiteY6"/>
+                </a:cxn>
+                <a:cxn ang="0">
+                  <a:pos x="connsiteX7" y="connsiteY7"/>
+                </a:cxn>
+                <a:cxn ang="0">
+                  <a:pos x="connsiteX8" y="connsiteY8"/>
+                </a:cxn>
+                <a:cxn ang="0">
+                  <a:pos x="connsiteX9" y="connsiteY9"/>
+                </a:cxn>
+              </a:cxnLst>
+              <a:rect l="l" t="t" r="r" b="b"/>
+              <a:pathLst>
+                <a:path w="153924" h="68105">
+                  <a:moveTo>
+                    <a:pt x="148108" y="0"/>
+                  </a:moveTo>
+                  <a:lnTo>
+                    <a:pt x="94319" y="0"/>
+                  </a:lnTo>
+                  <a:cubicBezTo>
+                    <a:pt x="49528" y="0"/>
+                    <a:pt x="15918" y="32034"/>
+                    <a:pt x="730" y="59466"/>
+                  </a:cubicBezTo>
+                  <a:cubicBezTo>
+                    <a:pt x="-827" y="62277"/>
+                    <a:pt x="189" y="65817"/>
+                    <a:pt x="2998" y="67374"/>
+                  </a:cubicBezTo>
+                  <a:cubicBezTo>
+                    <a:pt x="3000" y="67375"/>
+                    <a:pt x="3002" y="67376"/>
+                    <a:pt x="3005" y="67377"/>
+                  </a:cubicBezTo>
+                  <a:cubicBezTo>
+                    <a:pt x="5816" y="68932"/>
+                    <a:pt x="9355" y="67914"/>
+                    <a:pt x="10910" y="65103"/>
+                  </a:cubicBezTo>
+                  <a:cubicBezTo>
+                    <a:pt x="25644" y="38491"/>
+                    <a:pt x="57148" y="11634"/>
+                    <a:pt x="94319" y="11634"/>
+                  </a:cubicBezTo>
+                  <a:lnTo>
+                    <a:pt x="148108" y="11634"/>
+                  </a:lnTo>
+                  <a:cubicBezTo>
+                    <a:pt x="151320" y="11634"/>
+                    <a:pt x="153925" y="9030"/>
+                    <a:pt x="153925" y="5817"/>
+                  </a:cubicBezTo>
+                  <a:cubicBezTo>
+                    <a:pt x="153925" y="2604"/>
+                    <a:pt x="151320" y="0"/>
+                    <a:pt x="148108" y="0"/>
+                  </a:cubicBezTo>
+                  <a:close/>
+                </a:path>
+              </a:pathLst>
+            </a:custGeom>
+            <a:solidFill>
+              <a:srgbClr val="000000"/>
+            </a:solidFill>
+            <a:ln w="5755" cap="flat">
+              <a:noFill/>
+              <a:prstDash val="solid"/>
+              <a:miter/>
+            </a:ln>
+          </p:spPr>
+          <p:txBody>
+            <a:bodyPr rtlCol="1" anchor="ctr"/>
+            <a:lstStyle/>
+            <a:p>
+              <a:endParaRPr lang="he-IL"/>
+            </a:p>
+          </p:txBody>
+        </p:sp>
+      </p:grpSp>
+      <p:grpSp>
+        <p:nvGrpSpPr>
+          <p:cNvPr id="21" name="Group 20">
             <a:extLst>
               <a:ext uri="{FF2B5EF4-FFF2-40B4-BE49-F238E27FC236}">
-                <a16:creationId xmlns:a16="http://schemas.microsoft.com/office/drawing/2014/main" id="{59F74316-2CF1-C8F4-A3CC-625FE0E6CD15}"/>
+                <a16:creationId xmlns:a16="http://schemas.microsoft.com/office/drawing/2014/main" id="{A795171E-2D27-6D6D-3AB4-852C36D9BDC4}"/>
               </a:ext>
             </a:extLst>
           </p:cNvPr>
-          <p:cNvPicPr>
-            <a:picLocks noChangeAspect="1"/>
-          </p:cNvPicPr>
+          <p:cNvGrpSpPr/>
           <p:nvPr/>
-        </p:nvPicPr>
-        <p:blipFill>
-          <a:blip r:embed="rId7">
-            <a:extLst>
-              <a:ext uri="{28A0092B-C50C-407E-A947-70E740481C1C}">
-                <a14:useLocalDpi xmlns:a14="http://schemas.microsoft.com/office/drawing/2010/main" val="0"/>
-              </a:ext>
-              <a:ext uri="{96DAC541-7B7A-43D3-8B79-37D633B846F1}">
-                <asvg:svgBlip xmlns:asvg="http://schemas.microsoft.com/office/drawing/2016/SVG/main" r:embed="rId8"/>
-              </a:ext>
-            </a:extLst>
-          </a:blip>
-          <a:stretch>
-            <a:fillRect/>
-          </a:stretch>
-        </p:blipFill>
-        <p:spPr>
+        </p:nvGrpSpPr>
+        <p:grpSpPr>
           <a:xfrm>
-            <a:off x="5822417" y="4511727"/>
-            <a:ext cx="558426" cy="558426"/>
+            <a:off x="5880586" y="4569896"/>
+            <a:ext cx="442087" cy="442087"/>
+            <a:chOff x="5880586" y="4569896"/>
+            <a:chExt cx="442087" cy="442087"/>
           </a:xfrm>
-          <a:prstGeom prst="rect">
-            <a:avLst/>
-          </a:prstGeom>
-        </p:spPr>
-      </p:pic>
+        </p:grpSpPr>
+        <p:sp>
+          <p:nvSpPr>
+            <p:cNvPr id="16" name="Freeform: Shape 15">
+              <a:extLst>
+                <a:ext uri="{FF2B5EF4-FFF2-40B4-BE49-F238E27FC236}">
+                  <a16:creationId xmlns:a16="http://schemas.microsoft.com/office/drawing/2014/main" id="{C985A796-98A8-CC5B-A369-1378BA46ACDD}"/>
+                </a:ext>
+              </a:extLst>
+            </p:cNvPr>
+            <p:cNvSpPr/>
+            <p:nvPr/>
+          </p:nvSpPr>
+          <p:spPr>
+            <a:xfrm>
+              <a:off x="5880586" y="4569896"/>
+              <a:ext cx="442087" cy="442087"/>
+            </a:xfrm>
+            <a:custGeom>
+              <a:avLst/>
+              <a:gdLst>
+                <a:gd name="connsiteX0" fmla="*/ 221044 w 442087"/>
+                <a:gd name="connsiteY0" fmla="*/ 0 h 442087"/>
+                <a:gd name="connsiteX1" fmla="*/ 0 w 442087"/>
+                <a:gd name="connsiteY1" fmla="*/ 221044 h 442087"/>
+                <a:gd name="connsiteX2" fmla="*/ 221044 w 442087"/>
+                <a:gd name="connsiteY2" fmla="*/ 442087 h 442087"/>
+                <a:gd name="connsiteX3" fmla="*/ 442087 w 442087"/>
+                <a:gd name="connsiteY3" fmla="*/ 221044 h 442087"/>
+                <a:gd name="connsiteX4" fmla="*/ 221044 w 442087"/>
+                <a:gd name="connsiteY4" fmla="*/ 0 h 442087"/>
+                <a:gd name="connsiteX5" fmla="*/ 221044 w 442087"/>
+                <a:gd name="connsiteY5" fmla="*/ 430453 h 442087"/>
+                <a:gd name="connsiteX6" fmla="*/ 11634 w 442087"/>
+                <a:gd name="connsiteY6" fmla="*/ 221044 h 442087"/>
+                <a:gd name="connsiteX7" fmla="*/ 221044 w 442087"/>
+                <a:gd name="connsiteY7" fmla="*/ 11634 h 442087"/>
+                <a:gd name="connsiteX8" fmla="*/ 430453 w 442087"/>
+                <a:gd name="connsiteY8" fmla="*/ 221044 h 442087"/>
+                <a:gd name="connsiteX9" fmla="*/ 221044 w 442087"/>
+                <a:gd name="connsiteY9" fmla="*/ 430453 h 442087"/>
+              </a:gdLst>
+              <a:ahLst/>
+              <a:cxnLst>
+                <a:cxn ang="0">
+                  <a:pos x="connsiteX0" y="connsiteY0"/>
+                </a:cxn>
+                <a:cxn ang="0">
+                  <a:pos x="connsiteX1" y="connsiteY1"/>
+                </a:cxn>
+                <a:cxn ang="0">
+                  <a:pos x="connsiteX2" y="connsiteY2"/>
+                </a:cxn>
+                <a:cxn ang="0">
+                  <a:pos x="connsiteX3" y="connsiteY3"/>
+                </a:cxn>
+                <a:cxn ang="0">
+                  <a:pos x="connsiteX4" y="connsiteY4"/>
+                </a:cxn>
+                <a:cxn ang="0">
+                  <a:pos x="connsiteX5" y="connsiteY5"/>
+                </a:cxn>
+                <a:cxn ang="0">
+                  <a:pos x="connsiteX6" y="connsiteY6"/>
+                </a:cxn>
+                <a:cxn ang="0">
+                  <a:pos x="connsiteX7" y="connsiteY7"/>
+                </a:cxn>
+                <a:cxn ang="0">
+                  <a:pos x="connsiteX8" y="connsiteY8"/>
+                </a:cxn>
+                <a:cxn ang="0">
+                  <a:pos x="connsiteX9" y="connsiteY9"/>
+                </a:cxn>
+              </a:cxnLst>
+              <a:rect l="l" t="t" r="r" b="b"/>
+              <a:pathLst>
+                <a:path w="442087" h="442087">
+                  <a:moveTo>
+                    <a:pt x="221044" y="0"/>
+                  </a:moveTo>
+                  <a:cubicBezTo>
+                    <a:pt x="98965" y="0"/>
+                    <a:pt x="0" y="98965"/>
+                    <a:pt x="0" y="221044"/>
+                  </a:cubicBezTo>
+                  <a:cubicBezTo>
+                    <a:pt x="0" y="343123"/>
+                    <a:pt x="98965" y="442087"/>
+                    <a:pt x="221044" y="442087"/>
+                  </a:cubicBezTo>
+                  <a:cubicBezTo>
+                    <a:pt x="343123" y="442087"/>
+                    <a:pt x="442087" y="343123"/>
+                    <a:pt x="442087" y="221044"/>
+                  </a:cubicBezTo>
+                  <a:cubicBezTo>
+                    <a:pt x="442087" y="98965"/>
+                    <a:pt x="343123" y="0"/>
+                    <a:pt x="221044" y="0"/>
+                  </a:cubicBezTo>
+                  <a:close/>
+                  <a:moveTo>
+                    <a:pt x="221044" y="430453"/>
+                  </a:moveTo>
+                  <a:cubicBezTo>
+                    <a:pt x="105390" y="430453"/>
+                    <a:pt x="11634" y="336697"/>
+                    <a:pt x="11634" y="221044"/>
+                  </a:cubicBezTo>
+                  <a:cubicBezTo>
+                    <a:pt x="11634" y="105390"/>
+                    <a:pt x="105390" y="11634"/>
+                    <a:pt x="221044" y="11634"/>
+                  </a:cubicBezTo>
+                  <a:cubicBezTo>
+                    <a:pt x="336697" y="11634"/>
+                    <a:pt x="430453" y="105390"/>
+                    <a:pt x="430453" y="221044"/>
+                  </a:cubicBezTo>
+                  <a:cubicBezTo>
+                    <a:pt x="430322" y="336643"/>
+                    <a:pt x="336643" y="430322"/>
+                    <a:pt x="221044" y="430453"/>
+                  </a:cubicBezTo>
+                  <a:close/>
+                </a:path>
+              </a:pathLst>
+            </a:custGeom>
+            <a:solidFill>
+              <a:srgbClr val="000000"/>
+            </a:solidFill>
+            <a:ln w="5755" cap="flat">
+              <a:noFill/>
+              <a:prstDash val="solid"/>
+              <a:miter/>
+            </a:ln>
+          </p:spPr>
+          <p:txBody>
+            <a:bodyPr rtlCol="1" anchor="ctr"/>
+            <a:lstStyle/>
+            <a:p>
+              <a:endParaRPr lang="he-IL"/>
+            </a:p>
+          </p:txBody>
+        </p:sp>
+        <p:sp>
+          <p:nvSpPr>
+            <p:cNvPr id="17" name="Freeform: Shape 16">
+              <a:extLst>
+                <a:ext uri="{FF2B5EF4-FFF2-40B4-BE49-F238E27FC236}">
+                  <a16:creationId xmlns:a16="http://schemas.microsoft.com/office/drawing/2014/main" id="{4941ACD9-12F4-5F3B-E925-6B019D511366}"/>
+                </a:ext>
+              </a:extLst>
+            </p:cNvPr>
+            <p:cNvSpPr/>
+            <p:nvPr/>
+          </p:nvSpPr>
+          <p:spPr>
+            <a:xfrm>
+              <a:off x="5986919" y="4854926"/>
+              <a:ext cx="229445" cy="63987"/>
+            </a:xfrm>
+            <a:custGeom>
+              <a:avLst/>
+              <a:gdLst>
+                <a:gd name="connsiteX0" fmla="*/ 114711 w 229445"/>
+                <a:gd name="connsiteY0" fmla="*/ 0 h 63987"/>
+                <a:gd name="connsiteX1" fmla="*/ 1281 w 229445"/>
+                <a:gd name="connsiteY1" fmla="*/ 54528 h 63987"/>
+                <a:gd name="connsiteX2" fmla="*/ 2176 w 229445"/>
+                <a:gd name="connsiteY2" fmla="*/ 62707 h 63987"/>
+                <a:gd name="connsiteX3" fmla="*/ 10355 w 229445"/>
+                <a:gd name="connsiteY3" fmla="*/ 61811 h 63987"/>
+                <a:gd name="connsiteX4" fmla="*/ 198179 w 229445"/>
+                <a:gd name="connsiteY4" fmla="*/ 40900 h 63987"/>
+                <a:gd name="connsiteX5" fmla="*/ 219090 w 229445"/>
+                <a:gd name="connsiteY5" fmla="*/ 61811 h 63987"/>
+                <a:gd name="connsiteX6" fmla="*/ 227269 w 229445"/>
+                <a:gd name="connsiteY6" fmla="*/ 62707 h 63987"/>
+                <a:gd name="connsiteX7" fmla="*/ 228165 w 229445"/>
+                <a:gd name="connsiteY7" fmla="*/ 54528 h 63987"/>
+                <a:gd name="connsiteX8" fmla="*/ 114711 w 229445"/>
+                <a:gd name="connsiteY8" fmla="*/ 0 h 63987"/>
+              </a:gdLst>
+              <a:ahLst/>
+              <a:cxnLst>
+                <a:cxn ang="0">
+                  <a:pos x="connsiteX0" y="connsiteY0"/>
+                </a:cxn>
+                <a:cxn ang="0">
+                  <a:pos x="connsiteX1" y="connsiteY1"/>
+                </a:cxn>
+                <a:cxn ang="0">
+                  <a:pos x="connsiteX2" y="connsiteY2"/>
+                </a:cxn>
+                <a:cxn ang="0">
+                  <a:pos x="connsiteX3" y="connsiteY3"/>
+                </a:cxn>
+                <a:cxn ang="0">
+                  <a:pos x="connsiteX4" y="connsiteY4"/>
+                </a:cxn>
+                <a:cxn ang="0">
+                  <a:pos x="connsiteX5" y="connsiteY5"/>
+                </a:cxn>
+                <a:cxn ang="0">
+                  <a:pos x="connsiteX6" y="connsiteY6"/>
+                </a:cxn>
+                <a:cxn ang="0">
+                  <a:pos x="connsiteX7" y="connsiteY7"/>
+                </a:cxn>
+                <a:cxn ang="0">
+                  <a:pos x="connsiteX8" y="connsiteY8"/>
+                </a:cxn>
+              </a:cxnLst>
+              <a:rect l="l" t="t" r="r" b="b"/>
+              <a:pathLst>
+                <a:path w="229445" h="63987">
+                  <a:moveTo>
+                    <a:pt x="114711" y="0"/>
+                  </a:moveTo>
+                  <a:cubicBezTo>
+                    <a:pt x="70567" y="-59"/>
+                    <a:pt x="28806" y="20017"/>
+                    <a:pt x="1281" y="54528"/>
+                  </a:cubicBezTo>
+                  <a:cubicBezTo>
+                    <a:pt x="-730" y="57034"/>
+                    <a:pt x="-329" y="60696"/>
+                    <a:pt x="2176" y="62707"/>
+                  </a:cubicBezTo>
+                  <a:cubicBezTo>
+                    <a:pt x="4682" y="64718"/>
+                    <a:pt x="8344" y="64317"/>
+                    <a:pt x="10355" y="61811"/>
+                  </a:cubicBezTo>
+                  <a:cubicBezTo>
+                    <a:pt x="56447" y="4170"/>
+                    <a:pt x="140539" y="-5191"/>
+                    <a:pt x="198179" y="40900"/>
+                  </a:cubicBezTo>
+                  <a:cubicBezTo>
+                    <a:pt x="205902" y="47075"/>
+                    <a:pt x="212915" y="54088"/>
+                    <a:pt x="219090" y="61811"/>
+                  </a:cubicBezTo>
+                  <a:cubicBezTo>
+                    <a:pt x="221101" y="64317"/>
+                    <a:pt x="224763" y="64718"/>
+                    <a:pt x="227269" y="62707"/>
+                  </a:cubicBezTo>
+                  <a:cubicBezTo>
+                    <a:pt x="229775" y="60696"/>
+                    <a:pt x="230175" y="57034"/>
+                    <a:pt x="228165" y="54528"/>
+                  </a:cubicBezTo>
+                  <a:cubicBezTo>
+                    <a:pt x="200634" y="20010"/>
+                    <a:pt x="158863" y="-66"/>
+                    <a:pt x="114711" y="0"/>
+                  </a:cubicBezTo>
+                  <a:close/>
+                </a:path>
+              </a:pathLst>
+            </a:custGeom>
+            <a:solidFill>
+              <a:srgbClr val="000000"/>
+            </a:solidFill>
+            <a:ln w="5755" cap="flat">
+              <a:noFill/>
+              <a:prstDash val="solid"/>
+              <a:miter/>
+            </a:ln>
+          </p:spPr>
+          <p:txBody>
+            <a:bodyPr rtlCol="1" anchor="ctr"/>
+            <a:lstStyle/>
+            <a:p>
+              <a:endParaRPr lang="he-IL"/>
+            </a:p>
+          </p:txBody>
+        </p:sp>
+        <p:sp>
+          <p:nvSpPr>
+            <p:cNvPr id="18" name="Freeform: Shape 17">
+              <a:extLst>
+                <a:ext uri="{FF2B5EF4-FFF2-40B4-BE49-F238E27FC236}">
+                  <a16:creationId xmlns:a16="http://schemas.microsoft.com/office/drawing/2014/main" id="{FDE9F392-5063-47EC-FEE7-0B6A1D0641D3}"/>
+                </a:ext>
+              </a:extLst>
+            </p:cNvPr>
+            <p:cNvSpPr/>
+            <p:nvPr/>
+          </p:nvSpPr>
+          <p:spPr>
+            <a:xfrm>
+              <a:off x="5973657" y="4721206"/>
+              <a:ext cx="69803" cy="69803"/>
+            </a:xfrm>
+            <a:custGeom>
+              <a:avLst/>
+              <a:gdLst>
+                <a:gd name="connsiteX0" fmla="*/ 69803 w 69803"/>
+                <a:gd name="connsiteY0" fmla="*/ 34902 h 69803"/>
+                <a:gd name="connsiteX1" fmla="*/ 34902 w 69803"/>
+                <a:gd name="connsiteY1" fmla="*/ 0 h 69803"/>
+                <a:gd name="connsiteX2" fmla="*/ 0 w 69803"/>
+                <a:gd name="connsiteY2" fmla="*/ 34902 h 69803"/>
+                <a:gd name="connsiteX3" fmla="*/ 34902 w 69803"/>
+                <a:gd name="connsiteY3" fmla="*/ 69803 h 69803"/>
+                <a:gd name="connsiteX4" fmla="*/ 69803 w 69803"/>
+                <a:gd name="connsiteY4" fmla="*/ 34902 h 69803"/>
+                <a:gd name="connsiteX5" fmla="*/ 11634 w 69803"/>
+                <a:gd name="connsiteY5" fmla="*/ 34902 h 69803"/>
+                <a:gd name="connsiteX6" fmla="*/ 34902 w 69803"/>
+                <a:gd name="connsiteY6" fmla="*/ 11634 h 69803"/>
+                <a:gd name="connsiteX7" fmla="*/ 58169 w 69803"/>
+                <a:gd name="connsiteY7" fmla="*/ 34902 h 69803"/>
+                <a:gd name="connsiteX8" fmla="*/ 34902 w 69803"/>
+                <a:gd name="connsiteY8" fmla="*/ 58169 h 69803"/>
+                <a:gd name="connsiteX9" fmla="*/ 11634 w 69803"/>
+                <a:gd name="connsiteY9" fmla="*/ 34902 h 69803"/>
+              </a:gdLst>
+              <a:ahLst/>
+              <a:cxnLst>
+                <a:cxn ang="0">
+                  <a:pos x="connsiteX0" y="connsiteY0"/>
+                </a:cxn>
+                <a:cxn ang="0">
+                  <a:pos x="connsiteX1" y="connsiteY1"/>
+                </a:cxn>
+                <a:cxn ang="0">
+                  <a:pos x="connsiteX2" y="connsiteY2"/>
+                </a:cxn>
+                <a:cxn ang="0">
+                  <a:pos x="connsiteX3" y="connsiteY3"/>
+                </a:cxn>
+                <a:cxn ang="0">
+                  <a:pos x="connsiteX4" y="connsiteY4"/>
+                </a:cxn>
+                <a:cxn ang="0">
+                  <a:pos x="connsiteX5" y="connsiteY5"/>
+                </a:cxn>
+                <a:cxn ang="0">
+                  <a:pos x="connsiteX6" y="connsiteY6"/>
+                </a:cxn>
+                <a:cxn ang="0">
+                  <a:pos x="connsiteX7" y="connsiteY7"/>
+                </a:cxn>
+                <a:cxn ang="0">
+                  <a:pos x="connsiteX8" y="connsiteY8"/>
+                </a:cxn>
+                <a:cxn ang="0">
+                  <a:pos x="connsiteX9" y="connsiteY9"/>
+                </a:cxn>
+              </a:cxnLst>
+              <a:rect l="l" t="t" r="r" b="b"/>
+              <a:pathLst>
+                <a:path w="69803" h="69803">
+                  <a:moveTo>
+                    <a:pt x="69803" y="34902"/>
+                  </a:moveTo>
+                  <a:cubicBezTo>
+                    <a:pt x="69803" y="15626"/>
+                    <a:pt x="54177" y="0"/>
+                    <a:pt x="34902" y="0"/>
+                  </a:cubicBezTo>
+                  <a:cubicBezTo>
+                    <a:pt x="15626" y="0"/>
+                    <a:pt x="0" y="15626"/>
+                    <a:pt x="0" y="34902"/>
+                  </a:cubicBezTo>
+                  <a:cubicBezTo>
+                    <a:pt x="0" y="54177"/>
+                    <a:pt x="15626" y="69803"/>
+                    <a:pt x="34902" y="69803"/>
+                  </a:cubicBezTo>
+                  <a:cubicBezTo>
+                    <a:pt x="54177" y="69803"/>
+                    <a:pt x="69803" y="54177"/>
+                    <a:pt x="69803" y="34902"/>
+                  </a:cubicBezTo>
+                  <a:close/>
+                  <a:moveTo>
+                    <a:pt x="11634" y="34902"/>
+                  </a:moveTo>
+                  <a:cubicBezTo>
+                    <a:pt x="11634" y="22051"/>
+                    <a:pt x="22051" y="11634"/>
+                    <a:pt x="34902" y="11634"/>
+                  </a:cubicBezTo>
+                  <a:cubicBezTo>
+                    <a:pt x="47752" y="11634"/>
+                    <a:pt x="58169" y="22051"/>
+                    <a:pt x="58169" y="34902"/>
+                  </a:cubicBezTo>
+                  <a:cubicBezTo>
+                    <a:pt x="58169" y="47752"/>
+                    <a:pt x="47752" y="58169"/>
+                    <a:pt x="34902" y="58169"/>
+                  </a:cubicBezTo>
+                  <a:cubicBezTo>
+                    <a:pt x="22059" y="58150"/>
+                    <a:pt x="11653" y="47744"/>
+                    <a:pt x="11634" y="34902"/>
+                  </a:cubicBezTo>
+                  <a:close/>
+                </a:path>
+              </a:pathLst>
+            </a:custGeom>
+            <a:solidFill>
+              <a:srgbClr val="000000"/>
+            </a:solidFill>
+            <a:ln w="5755" cap="flat">
+              <a:noFill/>
+              <a:prstDash val="solid"/>
+              <a:miter/>
+            </a:ln>
+          </p:spPr>
+          <p:txBody>
+            <a:bodyPr rtlCol="1" anchor="ctr"/>
+            <a:lstStyle/>
+            <a:p>
+              <a:endParaRPr lang="he-IL"/>
+            </a:p>
+          </p:txBody>
+        </p:sp>
+        <p:sp>
+          <p:nvSpPr>
+            <p:cNvPr id="20" name="Freeform: Shape 19">
+              <a:extLst>
+                <a:ext uri="{FF2B5EF4-FFF2-40B4-BE49-F238E27FC236}">
+                  <a16:creationId xmlns:a16="http://schemas.microsoft.com/office/drawing/2014/main" id="{FF9CA88E-ECB0-BEE0-B322-DCCB8978C20C}"/>
+                </a:ext>
+              </a:extLst>
+            </p:cNvPr>
+            <p:cNvSpPr/>
+            <p:nvPr/>
+          </p:nvSpPr>
+          <p:spPr>
+            <a:xfrm>
+              <a:off x="6159799" y="4721194"/>
+              <a:ext cx="69803" cy="69803"/>
+            </a:xfrm>
+            <a:custGeom>
+              <a:avLst/>
+              <a:gdLst>
+                <a:gd name="connsiteX0" fmla="*/ 34902 w 69803"/>
+                <a:gd name="connsiteY0" fmla="*/ 0 h 69803"/>
+                <a:gd name="connsiteX1" fmla="*/ 0 w 69803"/>
+                <a:gd name="connsiteY1" fmla="*/ 34902 h 69803"/>
+                <a:gd name="connsiteX2" fmla="*/ 34902 w 69803"/>
+                <a:gd name="connsiteY2" fmla="*/ 69803 h 69803"/>
+                <a:gd name="connsiteX3" fmla="*/ 69803 w 69803"/>
+                <a:gd name="connsiteY3" fmla="*/ 34902 h 69803"/>
+                <a:gd name="connsiteX4" fmla="*/ 34902 w 69803"/>
+                <a:gd name="connsiteY4" fmla="*/ 0 h 69803"/>
+                <a:gd name="connsiteX5" fmla="*/ 34902 w 69803"/>
+                <a:gd name="connsiteY5" fmla="*/ 58169 h 69803"/>
+                <a:gd name="connsiteX6" fmla="*/ 11634 w 69803"/>
+                <a:gd name="connsiteY6" fmla="*/ 34902 h 69803"/>
+                <a:gd name="connsiteX7" fmla="*/ 34902 w 69803"/>
+                <a:gd name="connsiteY7" fmla="*/ 11634 h 69803"/>
+                <a:gd name="connsiteX8" fmla="*/ 58169 w 69803"/>
+                <a:gd name="connsiteY8" fmla="*/ 34902 h 69803"/>
+                <a:gd name="connsiteX9" fmla="*/ 34919 w 69803"/>
+                <a:gd name="connsiteY9" fmla="*/ 58187 h 69803"/>
+                <a:gd name="connsiteX10" fmla="*/ 34902 w 69803"/>
+                <a:gd name="connsiteY10" fmla="*/ 58187 h 69803"/>
+              </a:gdLst>
+              <a:ahLst/>
+              <a:cxnLst>
+                <a:cxn ang="0">
+                  <a:pos x="connsiteX0" y="connsiteY0"/>
+                </a:cxn>
+                <a:cxn ang="0">
+                  <a:pos x="connsiteX1" y="connsiteY1"/>
+                </a:cxn>
+                <a:cxn ang="0">
+                  <a:pos x="connsiteX2" y="connsiteY2"/>
+                </a:cxn>
+                <a:cxn ang="0">
+                  <a:pos x="connsiteX3" y="connsiteY3"/>
+                </a:cxn>
+                <a:cxn ang="0">
+                  <a:pos x="connsiteX4" y="connsiteY4"/>
+                </a:cxn>
+                <a:cxn ang="0">
+                  <a:pos x="connsiteX5" y="connsiteY5"/>
+                </a:cxn>
+                <a:cxn ang="0">
+                  <a:pos x="connsiteX6" y="connsiteY6"/>
+                </a:cxn>
+                <a:cxn ang="0">
+                  <a:pos x="connsiteX7" y="connsiteY7"/>
+                </a:cxn>
+                <a:cxn ang="0">
+                  <a:pos x="connsiteX8" y="connsiteY8"/>
+                </a:cxn>
+                <a:cxn ang="0">
+                  <a:pos x="connsiteX9" y="connsiteY9"/>
+                </a:cxn>
+                <a:cxn ang="0">
+                  <a:pos x="connsiteX10" y="connsiteY10"/>
+                </a:cxn>
+              </a:cxnLst>
+              <a:rect l="l" t="t" r="r" b="b"/>
+              <a:pathLst>
+                <a:path w="69803" h="69803">
+                  <a:moveTo>
+                    <a:pt x="34902" y="0"/>
+                  </a:moveTo>
+                  <a:cubicBezTo>
+                    <a:pt x="15626" y="0"/>
+                    <a:pt x="0" y="15626"/>
+                    <a:pt x="0" y="34902"/>
+                  </a:cubicBezTo>
+                  <a:cubicBezTo>
+                    <a:pt x="0" y="54177"/>
+                    <a:pt x="15626" y="69803"/>
+                    <a:pt x="34902" y="69803"/>
+                  </a:cubicBezTo>
+                  <a:cubicBezTo>
+                    <a:pt x="54177" y="69803"/>
+                    <a:pt x="69803" y="54177"/>
+                    <a:pt x="69803" y="34902"/>
+                  </a:cubicBezTo>
+                  <a:cubicBezTo>
+                    <a:pt x="69803" y="15626"/>
+                    <a:pt x="54177" y="0"/>
+                    <a:pt x="34902" y="0"/>
+                  </a:cubicBezTo>
+                  <a:close/>
+                  <a:moveTo>
+                    <a:pt x="34902" y="58169"/>
+                  </a:moveTo>
+                  <a:cubicBezTo>
+                    <a:pt x="22051" y="58169"/>
+                    <a:pt x="11634" y="47752"/>
+                    <a:pt x="11634" y="34902"/>
+                  </a:cubicBezTo>
+                  <a:cubicBezTo>
+                    <a:pt x="11634" y="22051"/>
+                    <a:pt x="22051" y="11634"/>
+                    <a:pt x="34902" y="11634"/>
+                  </a:cubicBezTo>
+                  <a:cubicBezTo>
+                    <a:pt x="47752" y="11634"/>
+                    <a:pt x="58169" y="22051"/>
+                    <a:pt x="58169" y="34902"/>
+                  </a:cubicBezTo>
+                  <a:cubicBezTo>
+                    <a:pt x="58179" y="47752"/>
+                    <a:pt x="47769" y="58177"/>
+                    <a:pt x="34919" y="58187"/>
+                  </a:cubicBezTo>
+                  <a:cubicBezTo>
+                    <a:pt x="34913" y="58187"/>
+                    <a:pt x="34907" y="58187"/>
+                    <a:pt x="34902" y="58187"/>
+                  </a:cubicBezTo>
+                  <a:close/>
+                </a:path>
+              </a:pathLst>
+            </a:custGeom>
+            <a:solidFill>
+              <a:srgbClr val="000000"/>
+            </a:solidFill>
+            <a:ln w="5755" cap="flat">
+              <a:noFill/>
+              <a:prstDash val="solid"/>
+              <a:miter/>
+            </a:ln>
+          </p:spPr>
+          <p:txBody>
+            <a:bodyPr rtlCol="1" anchor="ctr"/>
+            <a:lstStyle/>
+            <a:p>
+              <a:endParaRPr lang="he-IL"/>
+            </a:p>
+          </p:txBody>
+        </p:sp>
+      </p:grpSp>
       <p:sp>
         <p:nvSpPr>
           <p:cNvPr id="27" name="Rectangle 26">
@@ -19774,8 +21507,8 @@
         </p:nvSpPr>
         <p:spPr>
           <a:xfrm>
-            <a:off x="4229100" y="762847"/>
-            <a:ext cx="5178751" cy="604230"/>
+            <a:off x="1282701" y="331047"/>
+            <a:ext cx="8063466" cy="604230"/>
           </a:xfrm>
         </p:spPr>
         <p:txBody>
@@ -19811,19 +21544,7 @@
                 <a:ea typeface="Tahoma" panose="020B0604030504040204" pitchFamily="34" charset="0"/>
                 <a:cs typeface="Tahoma" panose="020B0604030504040204" pitchFamily="34" charset="0"/>
               </a:rPr>
-              <a:t> CNN </a:t>
-            </a:r>
-            <a:r>
-              <a:rPr lang="he-IL" sz="2000" kern="1200" dirty="0">
-                <a:solidFill>
-                  <a:srgbClr val="000000"/>
-                </a:solidFill>
-                <a:effectLst/>
-                <a:latin typeface="Tahoma" panose="020B0604030504040204" pitchFamily="34" charset="0"/>
-                <a:ea typeface="Tahoma" panose="020B0604030504040204" pitchFamily="34" charset="0"/>
-                <a:cs typeface="Tahoma" panose="020B0604030504040204" pitchFamily="34" charset="0"/>
-              </a:rPr>
-              <a:t>בה השתמשנו</a:t>
+              <a:t> CNN 64x64 2 Conv Layers, 64 Filters </a:t>
             </a:r>
             <a:r>
               <a:rPr lang="he-IL" sz="2000" dirty="0">
@@ -23599,8 +25320,116 @@
         </p:blipFill>
         <p:spPr>
           <a:xfrm>
-            <a:off x="668770" y="2766852"/>
-            <a:ext cx="4891950" cy="3705127"/>
+            <a:off x="621758" y="3812756"/>
+            <a:ext cx="2722924" cy="2062323"/>
+          </a:xfrm>
+          <a:prstGeom prst="rect">
+            <a:avLst/>
+          </a:prstGeom>
+        </p:spPr>
+      </p:pic>
+      <p:pic>
+        <p:nvPicPr>
+          <p:cNvPr id="5" name="Picture 4">
+            <a:extLst>
+              <a:ext uri="{FF2B5EF4-FFF2-40B4-BE49-F238E27FC236}">
+                <a16:creationId xmlns:a16="http://schemas.microsoft.com/office/drawing/2014/main" id="{7C58474F-BAD1-1F9F-08C3-1A7888BD76D7}"/>
+              </a:ext>
+            </a:extLst>
+          </p:cNvPr>
+          <p:cNvPicPr>
+            <a:picLocks noChangeAspect="1"/>
+          </p:cNvPicPr>
+          <p:nvPr/>
+        </p:nvPicPr>
+        <p:blipFill>
+          <a:blip r:embed="rId4">
+            <a:extLst>
+              <a:ext uri="{28A0092B-C50C-407E-A947-70E740481C1C}">
+                <a14:useLocalDpi xmlns:a14="http://schemas.microsoft.com/office/drawing/2010/main" val="0"/>
+              </a:ext>
+            </a:extLst>
+          </a:blip>
+          <a:stretch>
+            <a:fillRect/>
+          </a:stretch>
+        </p:blipFill>
+        <p:spPr>
+          <a:xfrm>
+            <a:off x="5767016" y="3139470"/>
+            <a:ext cx="829758" cy="2735609"/>
+          </a:xfrm>
+          <a:prstGeom prst="rect">
+            <a:avLst/>
+          </a:prstGeom>
+        </p:spPr>
+      </p:pic>
+      <p:pic>
+        <p:nvPicPr>
+          <p:cNvPr id="7" name="Picture 6" descr="A picture containing text, outdoor&#10;&#10;Description automatically generated">
+            <a:extLst>
+              <a:ext uri="{FF2B5EF4-FFF2-40B4-BE49-F238E27FC236}">
+                <a16:creationId xmlns:a16="http://schemas.microsoft.com/office/drawing/2014/main" id="{A12BC554-44D4-81BE-490C-891791F3D5F6}"/>
+              </a:ext>
+            </a:extLst>
+          </p:cNvPr>
+          <p:cNvPicPr>
+            <a:picLocks noChangeAspect="1"/>
+          </p:cNvPicPr>
+          <p:nvPr/>
+        </p:nvPicPr>
+        <p:blipFill>
+          <a:blip r:embed="rId5">
+            <a:extLst>
+              <a:ext uri="{28A0092B-C50C-407E-A947-70E740481C1C}">
+                <a14:useLocalDpi xmlns:a14="http://schemas.microsoft.com/office/drawing/2010/main" val="0"/>
+              </a:ext>
+            </a:extLst>
+          </a:blip>
+          <a:stretch>
+            <a:fillRect/>
+          </a:stretch>
+        </p:blipFill>
+        <p:spPr>
+          <a:xfrm>
+            <a:off x="3711023" y="3446204"/>
+            <a:ext cx="1689652" cy="2428875"/>
+          </a:xfrm>
+          <a:prstGeom prst="rect">
+            <a:avLst/>
+          </a:prstGeom>
+        </p:spPr>
+      </p:pic>
+      <p:pic>
+        <p:nvPicPr>
+          <p:cNvPr id="9" name="Picture 8" descr="A picture containing background pattern&#10;&#10;Description automatically generated">
+            <a:extLst>
+              <a:ext uri="{FF2B5EF4-FFF2-40B4-BE49-F238E27FC236}">
+                <a16:creationId xmlns:a16="http://schemas.microsoft.com/office/drawing/2014/main" id="{284811A8-948B-6CAF-6796-3D131D915631}"/>
+              </a:ext>
+            </a:extLst>
+          </p:cNvPr>
+          <p:cNvPicPr>
+            <a:picLocks noChangeAspect="1"/>
+          </p:cNvPicPr>
+          <p:nvPr/>
+        </p:nvPicPr>
+        <p:blipFill>
+          <a:blip r:embed="rId6">
+            <a:extLst>
+              <a:ext uri="{28A0092B-C50C-407E-A947-70E740481C1C}">
+                <a14:useLocalDpi xmlns:a14="http://schemas.microsoft.com/office/drawing/2010/main" val="0"/>
+              </a:ext>
+            </a:extLst>
+          </a:blip>
+          <a:stretch>
+            <a:fillRect/>
+          </a:stretch>
+        </p:blipFill>
+        <p:spPr>
+          <a:xfrm>
+            <a:off x="6963115" y="2522279"/>
+            <a:ext cx="1996085" cy="3352800"/>
           </a:xfrm>
           <a:prstGeom prst="rect">
             <a:avLst/>

--- a/Docs/ProjectPresentation.pptx
+++ b/Docs/ProjectPresentation.pptx
@@ -249,7 +249,7 @@
               <a:cs typeface="+mn-cs"/>
             </a:defRPr>
           </a:pPr>
-          <a:endParaRPr lang="he-IL"/>
+          <a:endParaRPr lang="en-IL"/>
         </a:p>
       </c:txPr>
     </c:title>
@@ -343,7 +343,7 @@
                     <a:cs typeface="+mn-cs"/>
                   </a:defRPr>
                 </a:pPr>
-                <a:endParaRPr lang="he-IL"/>
+                <a:endParaRPr lang="en-IL"/>
               </a:p>
             </c:txPr>
             <c:showLegendKey val="0"/>
@@ -521,7 +521,7 @@
                     <a:cs typeface="+mn-cs"/>
                   </a:defRPr>
                 </a:pPr>
-                <a:endParaRPr lang="he-IL"/>
+                <a:endParaRPr lang="en-IL"/>
               </a:p>
             </c:txPr>
             <c:showLegendKey val="0"/>
@@ -712,7 +712,7 @@
                   <a:cs typeface="+mn-cs"/>
                 </a:defRPr>
               </a:pPr>
-              <a:endParaRPr lang="he-IL"/>
+              <a:endParaRPr lang="en-IL"/>
             </a:p>
           </c:txPr>
         </c:title>
@@ -747,7 +747,7 @@
                 <a:cs typeface="+mn-cs"/>
               </a:defRPr>
             </a:pPr>
-            <a:endParaRPr lang="he-IL"/>
+            <a:endParaRPr lang="en-IL"/>
           </a:p>
         </c:txPr>
         <c:crossAx val="1211754527"/>
@@ -823,7 +823,7 @@
                   <a:cs typeface="+mn-cs"/>
                 </a:defRPr>
               </a:pPr>
-              <a:endParaRPr lang="he-IL"/>
+              <a:endParaRPr lang="en-IL"/>
             </a:p>
           </c:txPr>
         </c:title>
@@ -877,7 +877,7 @@
               <a:cs typeface="+mn-cs"/>
             </a:defRPr>
           </a:pPr>
-          <a:endParaRPr lang="he-IL"/>
+          <a:endParaRPr lang="en-IL"/>
         </a:p>
       </c:txPr>
     </c:legend>
@@ -910,7 +910,7 @@
           </a:solidFill>
         </a:defRPr>
       </a:pPr>
-      <a:endParaRPr lang="he-IL"/>
+      <a:endParaRPr lang="en-IL"/>
     </a:p>
   </c:txPr>
   <c:externalData r:id="rId3">
@@ -986,7 +986,7 @@
               <a:cs typeface="+mn-cs"/>
             </a:defRPr>
           </a:pPr>
-          <a:endParaRPr lang="he-IL"/>
+          <a:endParaRPr lang="en-IL"/>
         </a:p>
       </c:txPr>
     </c:title>
@@ -1080,7 +1080,7 @@
                     <a:cs typeface="+mn-cs"/>
                   </a:defRPr>
                 </a:pPr>
-                <a:endParaRPr lang="he-IL"/>
+                <a:endParaRPr lang="en-IL"/>
               </a:p>
             </c:txPr>
             <c:showLegendKey val="0"/>
@@ -1258,7 +1258,7 @@
                     <a:cs typeface="+mn-cs"/>
                   </a:defRPr>
                 </a:pPr>
-                <a:endParaRPr lang="he-IL"/>
+                <a:endParaRPr lang="en-IL"/>
               </a:p>
             </c:txPr>
             <c:showLegendKey val="0"/>
@@ -1449,7 +1449,7 @@
                   <a:cs typeface="+mn-cs"/>
                 </a:defRPr>
               </a:pPr>
-              <a:endParaRPr lang="he-IL"/>
+              <a:endParaRPr lang="en-IL"/>
             </a:p>
           </c:txPr>
         </c:title>
@@ -1484,7 +1484,7 @@
                 <a:cs typeface="+mn-cs"/>
               </a:defRPr>
             </a:pPr>
-            <a:endParaRPr lang="he-IL"/>
+            <a:endParaRPr lang="en-IL"/>
           </a:p>
         </c:txPr>
         <c:crossAx val="1211754527"/>
@@ -1560,7 +1560,7 @@
                   <a:cs typeface="+mn-cs"/>
                 </a:defRPr>
               </a:pPr>
-              <a:endParaRPr lang="he-IL"/>
+              <a:endParaRPr lang="en-IL"/>
             </a:p>
           </c:txPr>
         </c:title>
@@ -1614,7 +1614,7 @@
               <a:cs typeface="+mn-cs"/>
             </a:defRPr>
           </a:pPr>
-          <a:endParaRPr lang="he-IL"/>
+          <a:endParaRPr lang="en-IL"/>
         </a:p>
       </c:txPr>
     </c:legend>
@@ -1647,7 +1647,7 @@
           </a:solidFill>
         </a:defRPr>
       </a:pPr>
-      <a:endParaRPr lang="he-IL"/>
+      <a:endParaRPr lang="en-IL"/>
     </a:p>
   </c:txPr>
   <c:externalData r:id="rId3">
@@ -2824,7 +2824,7 @@
           <a:p>
             <a:fld id="{11205BC0-9DE1-49B5-A64C-1FBCD9FC7A76}" type="datetimeFigureOut">
               <a:rPr lang="he-IL" smtClean="0"/>
-              <a:t>א'/חשון/תשפ"ג</a:t>
+              <a:t>ב'.חשון.תשפ"ג</a:t>
             </a:fld>
             <a:endParaRPr lang="he-IL"/>
           </a:p>
@@ -3312,6 +3312,33 @@
           <a:bodyPr/>
           <a:lstStyle/>
           <a:p>
+            <a:pPr marL="0" marR="0" lvl="0" indent="0" algn="r" defTabSz="914400" rtl="1" eaLnBrk="1" fontAlgn="auto" latinLnBrk="0" hangingPunct="1">
+              <a:lnSpc>
+                <a:spcPct val="100000"/>
+              </a:lnSpc>
+              <a:spcBef>
+                <a:spcPts val="0"/>
+              </a:spcBef>
+              <a:spcAft>
+                <a:spcPts val="0"/>
+              </a:spcAft>
+              <a:buClrTx/>
+              <a:buSzTx/>
+              <a:buFont typeface="Arial" panose="020B0604020202020204" pitchFamily="34" charset="0"/>
+              <a:buNone/>
+              <a:tabLst/>
+              <a:defRPr/>
+            </a:pPr>
+            <a:r>
+              <a:rPr lang="he-IL" sz="1400" dirty="0">
+                <a:solidFill>
+                  <a:schemeClr val="tx1"/>
+                </a:solidFill>
+              </a:rPr>
+              <a:t>עדן</a:t>
+            </a:r>
+          </a:p>
+          <a:p>
             <a:pPr marL="285750" marR="0" lvl="0" indent="-285750" algn="r" defTabSz="914400" rtl="1" eaLnBrk="1" fontAlgn="auto" latinLnBrk="0" hangingPunct="1">
               <a:lnSpc>
                 <a:spcPct val="100000"/>
@@ -3329,14 +3356,6 @@
               <a:tabLst/>
               <a:defRPr/>
             </a:pPr>
-            <a:r>
-              <a:rPr lang="he-IL" sz="1400" dirty="0">
-                <a:solidFill>
-                  <a:schemeClr val="tx1"/>
-                </a:solidFill>
-              </a:rPr>
-              <a:t>עדן</a:t>
-            </a:r>
             <a:endParaRPr lang="en-US" sz="1400" dirty="0">
               <a:solidFill>
                 <a:schemeClr val="tx1"/>
@@ -3362,7 +3381,7 @@
               <a:defRPr/>
             </a:pPr>
             <a:r>
-              <a:rPr lang="en-US" sz="1400" dirty="0">
+              <a:rPr lang="en-US" sz="1400" b="1" dirty="0">
                 <a:solidFill>
                   <a:schemeClr val="tx1"/>
                 </a:solidFill>
@@ -3370,12 +3389,20 @@
               <a:t>GNB</a:t>
             </a:r>
             <a:r>
+              <a:rPr lang="he-IL" sz="1400" b="1" dirty="0">
+                <a:solidFill>
+                  <a:schemeClr val="tx1"/>
+                </a:solidFill>
+              </a:rPr>
+              <a:t> (בצהוב) –</a:t>
+            </a:r>
+            <a:r>
               <a:rPr lang="he-IL" sz="1400" dirty="0">
                 <a:solidFill>
                   <a:schemeClr val="tx1"/>
                 </a:solidFill>
               </a:rPr>
-              <a:t> (בצהוב) – עבור </a:t>
+              <a:t> עבור </a:t>
             </a:r>
             <a:r>
               <a:rPr lang="en-US" sz="1400" dirty="0">
@@ -3413,7 +3440,7 @@
               <a:defRPr/>
             </a:pPr>
             <a:r>
-              <a:rPr lang="en-US" sz="1400" kern="1100" dirty="0">
+              <a:rPr lang="en-US" sz="1400" b="1" kern="1100" dirty="0">
                 <a:solidFill>
                   <a:schemeClr val="tx1"/>
                 </a:solidFill>
@@ -3428,7 +3455,7 @@
               <a:t>Curse of Dimensionality (LDA)</a:t>
             </a:r>
             <a:r>
-              <a:rPr lang="he-IL" sz="1400" kern="1100" dirty="0">
+              <a:rPr lang="he-IL" sz="1400" b="1" kern="1100" dirty="0">
                 <a:solidFill>
                   <a:schemeClr val="tx1"/>
                 </a:solidFill>
@@ -3440,10 +3467,10 @@
                 <a:ea typeface="Times New Roman" panose="02020603050405020304" pitchFamily="18" charset="0"/>
                 <a:cs typeface="Tahoma" panose="020B0604030504040204" pitchFamily="34" charset="0"/>
               </a:rPr>
-              <a:t> - מספר הדוגמאות שצריך על מנת שתהיה יכולת להעריך פונקציה שרירותית מסוימת בדיוק גבוה, גדל בצורה </a:t>
-            </a:r>
-            <a:r>
-              <a:rPr lang="he-IL" sz="1400" kern="1100" dirty="0" err="1">
+              <a:t> -</a:t>
+            </a:r>
+            <a:r>
+              <a:rPr lang="he-IL" sz="1400" kern="1100" dirty="0">
                 <a:solidFill>
                   <a:schemeClr val="tx1"/>
                 </a:solidFill>
@@ -3455,22 +3482,7 @@
                 <a:ea typeface="Times New Roman" panose="02020603050405020304" pitchFamily="18" charset="0"/>
                 <a:cs typeface="Tahoma" panose="020B0604030504040204" pitchFamily="34" charset="0"/>
               </a:rPr>
-              <a:t>אקספוננציאלית</a:t>
-            </a:r>
-            <a:r>
-              <a:rPr lang="he-IL" sz="1400" kern="1100" dirty="0">
-                <a:solidFill>
-                  <a:schemeClr val="tx1"/>
-                </a:solidFill>
-                <a:effectLst/>
-                <a:highlight>
-                  <a:srgbClr val="FFFF00"/>
-                </a:highlight>
-                <a:latin typeface="Calibri" panose="020F0502020204030204" pitchFamily="34" charset="0"/>
-                <a:ea typeface="Times New Roman" panose="02020603050405020304" pitchFamily="18" charset="0"/>
-                <a:cs typeface="Tahoma" panose="020B0604030504040204" pitchFamily="34" charset="0"/>
-              </a:rPr>
-              <a:t> ביחס למספר </a:t>
+              <a:t> קורה מכיוון שמספר הדוגמאות (תמונות) קטן באופן יחסי למספר </a:t>
             </a:r>
             <a:r>
               <a:rPr lang="he-IL" sz="1400" kern="1100" dirty="0" err="1">
@@ -3500,7 +3512,7 @@
                 <a:ea typeface="Times New Roman" panose="02020603050405020304" pitchFamily="18" charset="0"/>
                 <a:cs typeface="Tahoma" panose="020B0604030504040204" pitchFamily="34" charset="0"/>
               </a:rPr>
-              <a:t> אשר אותה פונקציה מקבלת.</a:t>
+              <a:t> (פיקסלים) של אותה פונקציה.</a:t>
             </a:r>
             <a:endParaRPr lang="he-IL" sz="1400" kern="1100" dirty="0">
               <a:solidFill>
@@ -3517,7 +3529,7 @@
               <a:buChar char="•"/>
             </a:pPr>
             <a:r>
-              <a:rPr lang="en-US" sz="1400" kern="1100" dirty="0">
+              <a:rPr lang="en-US" sz="1400" b="1" kern="1100" dirty="0">
                 <a:solidFill>
                   <a:schemeClr val="tx1"/>
                 </a:solidFill>
@@ -3528,7 +3540,7 @@
               <a:t>Variable Collinear (QDA)</a:t>
             </a:r>
             <a:r>
-              <a:rPr lang="he-IL" sz="1400" kern="1100" dirty="0">
+              <a:rPr lang="he-IL" sz="1400" b="1" kern="1100" dirty="0">
                 <a:solidFill>
                   <a:schemeClr val="tx1"/>
                 </a:solidFill>
@@ -3536,7 +3548,18 @@
                 <a:latin typeface="Tahoma" panose="020B0604030504040204" pitchFamily="34" charset="0"/>
                 <a:ea typeface="Times New Roman" panose="02020603050405020304" pitchFamily="18" charset="0"/>
               </a:rPr>
-              <a:t> - אשר מתרחשת כתוצאה מקורלציה חזקה מאוד בין שני משתנים שונים המקשה מאוד לבצע הערכה/סיווג על כל אחד מהם בנפרד. </a:t>
+              <a:t> - </a:t>
+            </a:r>
+            <a:r>
+              <a:rPr lang="he-IL" sz="1400" kern="1100" dirty="0">
+                <a:solidFill>
+                  <a:schemeClr val="tx1"/>
+                </a:solidFill>
+                <a:effectLst/>
+                <a:latin typeface="Tahoma" panose="020B0604030504040204" pitchFamily="34" charset="0"/>
+                <a:ea typeface="Times New Roman" panose="02020603050405020304" pitchFamily="18" charset="0"/>
+              </a:rPr>
+              <a:t>מתרחש כתוצאה מקורלציה חזקה בין שני משתנים שונים. </a:t>
             </a:r>
           </a:p>
           <a:p>
@@ -4078,6 +4101,10 @@
           </a:p>
           <a:p>
             <a:pPr algn="r" rtl="1"/>
+            <a:endParaRPr lang="en-US" dirty="0"/>
+          </a:p>
+          <a:p>
+            <a:pPr algn="r" rtl="1"/>
             <a:r>
               <a:rPr lang="he-IL" dirty="0"/>
               <a:t>מדוע סיווג </a:t>
@@ -5250,9 +5277,17 @@
           </a:p>
           <a:p>
             <a:pPr algn="r" rtl="1"/>
+            <a:endParaRPr lang="he-IL" b="1" dirty="0"/>
+          </a:p>
+          <a:p>
+            <a:pPr algn="r" rtl="1"/>
+            <a:r>
+              <a:rPr lang="he-IL" b="1" dirty="0"/>
+              <a:t>לפרט:</a:t>
+            </a:r>
             <a:r>
               <a:rPr lang="he-IL" dirty="0"/>
-              <a:t>לפרט יותר על הדאטה סט – על החלוקה לגדלים ולמה עשינו זאת, שעשינו </a:t>
+              <a:t> חלוקה לגדלים, למה עשינו זאת ועל תהליך ה- </a:t>
             </a:r>
             <a:r>
               <a:rPr lang="en-US" dirty="0"/>
@@ -5260,7 +5295,7 @@
             </a:r>
             <a:r>
               <a:rPr lang="he-IL" dirty="0"/>
-              <a:t> ולהסביר בקצרה מה זה. </a:t>
+              <a:t>. </a:t>
             </a:r>
           </a:p>
           <a:p>
@@ -5275,8 +5310,20 @@
             </a:r>
             <a:r>
               <a:rPr lang="he-IL" dirty="0"/>
-              <a:t> היכולת לשנות את גודלה של התמונה מבלי לחתוך חלק מהמידע שקיים בה.</a:t>
-            </a:r>
+              <a:t> שינוי גודל התמונה מאפשר לשנות את גודלה מבלי לחתוך דבר ממנה. שינוי גודל התמונה משנה את הרזולוציה שלה. ולפיכך מספר הפיקסלים בה גדלים/קטנים.</a:t>
+            </a:r>
+          </a:p>
+          <a:p>
+            <a:pPr algn="r" rtl="1"/>
+            <a:endParaRPr lang="he-IL" dirty="0"/>
+          </a:p>
+          <a:p>
+            <a:pPr algn="r" rtl="1"/>
+            <a:endParaRPr lang="he-IL" dirty="0"/>
+          </a:p>
+          <a:p>
+            <a:pPr algn="r" rtl="1"/>
+            <a:endParaRPr lang="he-IL" dirty="0"/>
           </a:p>
         </p:txBody>
       </p:sp>
@@ -5365,6 +5412,10 @@
               <a:rPr lang="he-IL" dirty="0"/>
               <a:t>עדן</a:t>
             </a:r>
+          </a:p>
+          <a:p>
+            <a:pPr algn="r" rtl="1"/>
+            <a:endParaRPr lang="he-IL" b="1" dirty="0"/>
           </a:p>
           <a:p>
             <a:pPr algn="r" rtl="1"/>
@@ -6187,7 +6238,7 @@
           <a:p>
             <a:fld id="{50951492-DE4F-4CD9-A31F-3E1DD746501E}" type="datetimeFigureOut">
               <a:rPr lang="he-IL" smtClean="0"/>
-              <a:t>א'/חשון/תשפ"ג</a:t>
+              <a:t>ב'.חשון.תשפ"ג</a:t>
             </a:fld>
             <a:endParaRPr lang="he-IL"/>
           </a:p>
@@ -6438,7 +6489,7 @@
           <a:p>
             <a:fld id="{50951492-DE4F-4CD9-A31F-3E1DD746501E}" type="datetimeFigureOut">
               <a:rPr lang="he-IL" smtClean="0"/>
-              <a:t>א'/חשון/תשפ"ג</a:t>
+              <a:t>ב'.חשון.תשפ"ג</a:t>
             </a:fld>
             <a:endParaRPr lang="he-IL"/>
           </a:p>
@@ -6752,7 +6803,7 @@
           <a:p>
             <a:fld id="{50951492-DE4F-4CD9-A31F-3E1DD746501E}" type="datetimeFigureOut">
               <a:rPr lang="he-IL" smtClean="0"/>
-              <a:t>א'/חשון/תשפ"ג</a:t>
+              <a:t>ב'.חשון.תשפ"ג</a:t>
             </a:fld>
             <a:endParaRPr lang="he-IL"/>
           </a:p>
@@ -7093,7 +7144,7 @@
           <a:p>
             <a:fld id="{50951492-DE4F-4CD9-A31F-3E1DD746501E}" type="datetimeFigureOut">
               <a:rPr lang="he-IL" smtClean="0"/>
-              <a:t>א'/חשון/תשפ"ג</a:t>
+              <a:t>ב'.חשון.תשפ"ג</a:t>
             </a:fld>
             <a:endParaRPr lang="he-IL"/>
           </a:p>
@@ -7407,7 +7458,7 @@
           <a:p>
             <a:fld id="{50951492-DE4F-4CD9-A31F-3E1DD746501E}" type="datetimeFigureOut">
               <a:rPr lang="he-IL" smtClean="0"/>
-              <a:t>א'/חשון/תשפ"ג</a:t>
+              <a:t>ב'.חשון.תשפ"ג</a:t>
             </a:fld>
             <a:endParaRPr lang="he-IL"/>
           </a:p>
@@ -7800,7 +7851,7 @@
           <a:p>
             <a:fld id="{50951492-DE4F-4CD9-A31F-3E1DD746501E}" type="datetimeFigureOut">
               <a:rPr lang="he-IL" smtClean="0"/>
-              <a:t>א'/חשון/תשפ"ג</a:t>
+              <a:t>ב'.חשון.תשפ"ג</a:t>
             </a:fld>
             <a:endParaRPr lang="he-IL"/>
           </a:p>
@@ -7970,7 +8021,7 @@
           <a:p>
             <a:fld id="{50951492-DE4F-4CD9-A31F-3E1DD746501E}" type="datetimeFigureOut">
               <a:rPr lang="he-IL" smtClean="0"/>
-              <a:t>א'/חשון/תשפ"ג</a:t>
+              <a:t>ב'.חשון.תשפ"ג</a:t>
             </a:fld>
             <a:endParaRPr lang="he-IL"/>
           </a:p>
@@ -8150,7 +8201,7 @@
           <a:p>
             <a:fld id="{50951492-DE4F-4CD9-A31F-3E1DD746501E}" type="datetimeFigureOut">
               <a:rPr lang="he-IL" smtClean="0"/>
-              <a:t>א'/חשון/תשפ"ג</a:t>
+              <a:t>ב'.חשון.תשפ"ג</a:t>
             </a:fld>
             <a:endParaRPr lang="he-IL"/>
           </a:p>
@@ -8326,7 +8377,7 @@
           <a:p>
             <a:fld id="{50951492-DE4F-4CD9-A31F-3E1DD746501E}" type="datetimeFigureOut">
               <a:rPr lang="he-IL" smtClean="0"/>
-              <a:t>א'/חשון/תשפ"ג</a:t>
+              <a:t>ב'.חשון.תשפ"ג</a:t>
             </a:fld>
             <a:endParaRPr lang="he-IL"/>
           </a:p>
@@ -8573,7 +8624,7 @@
           <a:p>
             <a:fld id="{50951492-DE4F-4CD9-A31F-3E1DD746501E}" type="datetimeFigureOut">
               <a:rPr lang="he-IL" smtClean="0"/>
-              <a:t>א'/חשון/תשפ"ג</a:t>
+              <a:t>ב'.חשון.תשפ"ג</a:t>
             </a:fld>
             <a:endParaRPr lang="he-IL"/>
           </a:p>
@@ -8805,7 +8856,7 @@
           <a:p>
             <a:fld id="{50951492-DE4F-4CD9-A31F-3E1DD746501E}" type="datetimeFigureOut">
               <a:rPr lang="he-IL" smtClean="0"/>
-              <a:t>א'/חשון/תשפ"ג</a:t>
+              <a:t>ב'.חשון.תשפ"ג</a:t>
             </a:fld>
             <a:endParaRPr lang="he-IL"/>
           </a:p>
@@ -9179,7 +9230,7 @@
           <a:p>
             <a:fld id="{50951492-DE4F-4CD9-A31F-3E1DD746501E}" type="datetimeFigureOut">
               <a:rPr lang="he-IL" smtClean="0"/>
-              <a:t>א'/חשון/תשפ"ג</a:t>
+              <a:t>ב'.חשון.תשפ"ג</a:t>
             </a:fld>
             <a:endParaRPr lang="he-IL"/>
           </a:p>
@@ -9302,7 +9353,7 @@
           <a:p>
             <a:fld id="{50951492-DE4F-4CD9-A31F-3E1DD746501E}" type="datetimeFigureOut">
               <a:rPr lang="he-IL" smtClean="0"/>
-              <a:t>א'/חשון/תשפ"ג</a:t>
+              <a:t>ב'.חשון.תשפ"ג</a:t>
             </a:fld>
             <a:endParaRPr lang="he-IL"/>
           </a:p>
@@ -9397,7 +9448,7 @@
           <a:p>
             <a:fld id="{50951492-DE4F-4CD9-A31F-3E1DD746501E}" type="datetimeFigureOut">
               <a:rPr lang="he-IL" smtClean="0"/>
-              <a:t>א'/חשון/תשפ"ג</a:t>
+              <a:t>ב'.חשון.תשפ"ג</a:t>
             </a:fld>
             <a:endParaRPr lang="he-IL"/>
           </a:p>
@@ -9652,7 +9703,7 @@
           <a:p>
             <a:fld id="{50951492-DE4F-4CD9-A31F-3E1DD746501E}" type="datetimeFigureOut">
               <a:rPr lang="he-IL" smtClean="0"/>
-              <a:t>א'/חשון/תשפ"ג</a:t>
+              <a:t>ב'.חשון.תשפ"ג</a:t>
             </a:fld>
             <a:endParaRPr lang="he-IL"/>
           </a:p>
@@ -9915,7 +9966,7 @@
           <a:p>
             <a:fld id="{50951492-DE4F-4CD9-A31F-3E1DD746501E}" type="datetimeFigureOut">
               <a:rPr lang="he-IL" smtClean="0"/>
-              <a:t>א'/חשון/תשפ"ג</a:t>
+              <a:t>ב'.חשון.תשפ"ג</a:t>
             </a:fld>
             <a:endParaRPr lang="he-IL"/>
           </a:p>
@@ -10658,7 +10709,7 @@
           <a:p>
             <a:fld id="{50951492-DE4F-4CD9-A31F-3E1DD746501E}" type="datetimeFigureOut">
               <a:rPr lang="he-IL" smtClean="0"/>
-              <a:t>א'/חשון/תשפ"ג</a:t>
+              <a:t>ב'.חשון.תשפ"ג</a:t>
             </a:fld>
             <a:endParaRPr lang="he-IL"/>
           </a:p>
@@ -13842,12 +13893,12 @@
                     <a:p>
                       <a:pPr algn="ctr" fontAlgn="b"/>
                       <a:r>
-                        <a:rPr lang="en-US" sz="1200" u="none" strike="noStrike">
+                        <a:rPr lang="en-US" sz="1200" u="none" strike="noStrike" dirty="0">
                           <a:effectLst/>
                         </a:rPr>
                         <a:t>128x128</a:t>
                       </a:r>
-                      <a:endParaRPr lang="en-US" sz="1200" b="0" i="0" u="none" strike="noStrike">
+                      <a:endParaRPr lang="en-US" sz="1200" b="0" i="0" u="none" strike="noStrike" dirty="0">
                         <a:solidFill>
                           <a:srgbClr val="000000"/>
                         </a:solidFill>
@@ -24414,8 +24465,8 @@
         </p:nvGrpSpPr>
         <p:grpSpPr>
           <a:xfrm>
-            <a:off x="0" y="168498"/>
-            <a:ext cx="6335749" cy="3440318"/>
+            <a:off x="5313806" y="2509573"/>
+            <a:ext cx="6743558" cy="4192774"/>
             <a:chOff x="124547" y="117698"/>
             <a:chExt cx="6335749" cy="3440318"/>
           </a:xfrm>
@@ -24516,7 +24567,7 @@
         </p:nvGrpSpPr>
         <p:grpSpPr>
           <a:xfrm>
-            <a:off x="6732864" y="3104462"/>
+            <a:off x="134636" y="244144"/>
             <a:ext cx="5306736" cy="3674417"/>
             <a:chOff x="900938" y="3548963"/>
             <a:chExt cx="4782966" cy="3236028"/>
@@ -24649,8 +24700,8 @@
         </p:blipFill>
         <p:spPr>
           <a:xfrm>
-            <a:off x="517515" y="-311059"/>
-            <a:ext cx="7448570" cy="7169059"/>
+            <a:off x="1558635" y="926"/>
+            <a:ext cx="7124421" cy="6857074"/>
           </a:xfrm>
           <a:prstGeom prst="rect">
             <a:avLst/>
@@ -25561,29 +25612,7 @@
                 <a:ea typeface="Tahoma" panose="020B0604030504040204" pitchFamily="34" charset="0"/>
                 <a:cs typeface="Tahoma" panose="020B0604030504040204" pitchFamily="34" charset="0"/>
               </a:rPr>
-              <a:t> (רשת נוירונים </a:t>
-            </a:r>
-            <a:r>
-              <a:rPr lang="he-IL" sz="1400" dirty="0" err="1">
-                <a:solidFill>
-                  <a:srgbClr val="000000"/>
-                </a:solidFill>
-                <a:latin typeface="Tahoma" panose="020B0604030504040204" pitchFamily="34" charset="0"/>
-                <a:ea typeface="Tahoma" panose="020B0604030504040204" pitchFamily="34" charset="0"/>
-                <a:cs typeface="Tahoma" panose="020B0604030504040204" pitchFamily="34" charset="0"/>
-              </a:rPr>
-              <a:t>קונבולוציונית</a:t>
-            </a:r>
-            <a:r>
-              <a:rPr lang="he-IL" sz="1400" dirty="0">
-                <a:solidFill>
-                  <a:srgbClr val="000000"/>
-                </a:solidFill>
-                <a:latin typeface="Tahoma" panose="020B0604030504040204" pitchFamily="34" charset="0"/>
-                <a:ea typeface="Tahoma" panose="020B0604030504040204" pitchFamily="34" charset="0"/>
-                <a:cs typeface="Tahoma" panose="020B0604030504040204" pitchFamily="34" charset="0"/>
-              </a:rPr>
-              <a:t>) בעלי קווי דמיון משותף למודלים המוצגים במחקר ולהשוות את תוצאותינו לתוצאותיו.</a:t>
+              <a:t> (רשת נוירונים קונבולוציונית) בעלי קווי דמיון משותף למודלים המוצגים במחקר ולהשוות את תוצאותינו לתוצאותיו.</a:t>
             </a:r>
             <a:br>
               <a:rPr lang="en-US" sz="1400" dirty="0">
@@ -25929,7 +25958,7 @@
                 <a:ea typeface="Tahoma" panose="020B0604030504040204" pitchFamily="34" charset="0"/>
                 <a:cs typeface="Tahoma" panose="020B0604030504040204" pitchFamily="34" charset="0"/>
               </a:rPr>
-              <a:t>מודלים פשוטים</a:t>
+              <a:t>מודלי למידת מכונה (פשוטים)</a:t>
             </a:r>
           </a:p>
           <a:p>
@@ -27265,7 +27294,7 @@
                 <a:ea typeface="Tahoma" panose="020B0604030504040204" pitchFamily="34" charset="0"/>
                 <a:cs typeface="Tahoma" panose="020B0604030504040204" pitchFamily="34" charset="0"/>
               </a:rPr>
-              <a:t>מיפוי מאגר המידע (כ-9764 תמונות) וחלוקתו לגדלים שונים</a:t>
+              <a:t>מיפוי מאגר המידע וחלוקתו לגדלים שונים</a:t>
             </a:r>
           </a:p>
           <a:p>
